--- a/doc/apresentacao_dissertacao.pptx
+++ b/doc/apresentacao_dissertacao.pptx
@@ -17,30 +17,30 @@
     <p:sldId id="279" r:id="rId5"/>
     <p:sldId id="259" r:id="rId6"/>
     <p:sldId id="268" r:id="rId7"/>
-    <p:sldId id="261" r:id="rId8"/>
-    <p:sldId id="273" r:id="rId9"/>
-    <p:sldId id="260" r:id="rId10"/>
-    <p:sldId id="270" r:id="rId11"/>
-    <p:sldId id="269" r:id="rId12"/>
-    <p:sldId id="300" r:id="rId13"/>
-    <p:sldId id="274" r:id="rId14"/>
-    <p:sldId id="276" r:id="rId15"/>
-    <p:sldId id="277" r:id="rId16"/>
-    <p:sldId id="292" r:id="rId17"/>
-    <p:sldId id="293" r:id="rId18"/>
-    <p:sldId id="294" r:id="rId19"/>
-    <p:sldId id="295" r:id="rId20"/>
-    <p:sldId id="301" r:id="rId21"/>
-    <p:sldId id="271" r:id="rId22"/>
-    <p:sldId id="297" r:id="rId23"/>
-    <p:sldId id="286" r:id="rId24"/>
-    <p:sldId id="283" r:id="rId25"/>
-    <p:sldId id="284" r:id="rId26"/>
-    <p:sldId id="282" r:id="rId27"/>
-    <p:sldId id="281" r:id="rId28"/>
-    <p:sldId id="265" r:id="rId29"/>
-    <p:sldId id="291" r:id="rId30"/>
-    <p:sldId id="285" r:id="rId31"/>
+    <p:sldId id="273" r:id="rId8"/>
+    <p:sldId id="260" r:id="rId9"/>
+    <p:sldId id="270" r:id="rId10"/>
+    <p:sldId id="269" r:id="rId11"/>
+    <p:sldId id="300" r:id="rId12"/>
+    <p:sldId id="274" r:id="rId13"/>
+    <p:sldId id="276" r:id="rId14"/>
+    <p:sldId id="277" r:id="rId15"/>
+    <p:sldId id="292" r:id="rId16"/>
+    <p:sldId id="293" r:id="rId17"/>
+    <p:sldId id="294" r:id="rId18"/>
+    <p:sldId id="295" r:id="rId19"/>
+    <p:sldId id="301" r:id="rId20"/>
+    <p:sldId id="271" r:id="rId21"/>
+    <p:sldId id="297" r:id="rId22"/>
+    <p:sldId id="286" r:id="rId23"/>
+    <p:sldId id="283" r:id="rId24"/>
+    <p:sldId id="284" r:id="rId25"/>
+    <p:sldId id="282" r:id="rId26"/>
+    <p:sldId id="281" r:id="rId27"/>
+    <p:sldId id="265" r:id="rId28"/>
+    <p:sldId id="291" r:id="rId29"/>
+    <p:sldId id="285" r:id="rId30"/>
+    <p:sldId id="261" r:id="rId31"/>
   </p:sldIdLst>
   <p:sldSz cx="9144000" cy="6858000" type="screen4x3"/>
   <p:notesSz cx="9874250" cy="6797675"/>
@@ -144,6 +144,7 @@
 
 <file path=ppt/charts/chart1.xml><?xml version="1.0" encoding="utf-8"?>
 <c:chartSpace xmlns:c="http://schemas.openxmlformats.org/drawingml/2006/chart" xmlns:a="http://schemas.openxmlformats.org/drawingml/2006/main" xmlns:r="http://schemas.openxmlformats.org/officeDocument/2006/relationships">
+  <c:date1904 val="1"/>
   <c:lang val="pt-PT"/>
   <c:chart>
     <c:plotArea>
@@ -210,7 +211,7 @@
                   <c:v>89.797500000000127</c:v>
                 </c:pt>
                 <c:pt idx="4">
-                  <c:v>182.15730000000025</c:v>
+                  <c:v>182.15730000000028</c:v>
                 </c:pt>
                 <c:pt idx="5">
                   <c:v>179.49300000000002</c:v>
@@ -278,7 +279,7 @@
                   <c:v>89.800699999999992</c:v>
                 </c:pt>
                 <c:pt idx="4">
-                  <c:v>188.71559999999965</c:v>
+                  <c:v>188.71559999999963</c:v>
                 </c:pt>
                 <c:pt idx="5">
                   <c:v>179.62800000000001</c:v>
@@ -340,7 +341,7 @@
                   <c:v>91.667400000000001</c:v>
                 </c:pt>
                 <c:pt idx="2">
-                  <c:v>91.267200000000187</c:v>
+                  <c:v>91.267200000000201</c:v>
                 </c:pt>
                 <c:pt idx="3">
                   <c:v>89.846400000000003</c:v>
@@ -355,11 +356,11 @@
             </c:numRef>
           </c:val>
         </c:ser>
-        <c:axId val="59241600"/>
-        <c:axId val="59243520"/>
+        <c:axId val="64154624"/>
+        <c:axId val="64235008"/>
       </c:barChart>
       <c:catAx>
-        <c:axId val="59241600"/>
+        <c:axId val="64154624"/>
         <c:scaling>
           <c:orientation val="minMax"/>
         </c:scaling>
@@ -384,21 +385,21 @@
             <c:manualLayout>
               <c:xMode val="edge"/>
               <c:yMode val="edge"/>
-              <c:x val="0.44432432805294964"/>
-              <c:y val="0.88981208334873652"/>
+              <c:x val="0.4443243280529498"/>
+              <c:y val="0.88981208334873663"/>
             </c:manualLayout>
           </c:layout>
         </c:title>
         <c:numFmt formatCode="General" sourceLinked="1"/>
         <c:tickLblPos val="nextTo"/>
-        <c:crossAx val="59243520"/>
+        <c:crossAx val="64235008"/>
         <c:crosses val="autoZero"/>
         <c:auto val="1"/>
         <c:lblAlgn val="ctr"/>
         <c:lblOffset val="100"/>
       </c:catAx>
       <c:valAx>
-        <c:axId val="59243520"/>
+        <c:axId val="64235008"/>
         <c:scaling>
           <c:orientation val="minMax"/>
         </c:scaling>
@@ -425,13 +426,13 @@
               <c:xMode val="edge"/>
               <c:yMode val="edge"/>
               <c:x val="1.4212132813227503E-2"/>
-              <c:y val="0.33453895727822841"/>
+              <c:y val="0.33453895727822847"/>
             </c:manualLayout>
           </c:layout>
         </c:title>
         <c:numFmt formatCode="0.0" sourceLinked="0"/>
         <c:tickLblPos val="nextTo"/>
-        <c:crossAx val="59241600"/>
+        <c:crossAx val="64154624"/>
         <c:crosses val="autoZero"/>
         <c:crossBetween val="between"/>
       </c:valAx>
@@ -491,7 +492,7 @@
                 <c:formatCode>0.0000</c:formatCode>
                 <c:ptCount val="2"/>
                 <c:pt idx="0">
-                  <c:v>182.15730000000025</c:v>
+                  <c:v>182.15730000000028</c:v>
                 </c:pt>
                 <c:pt idx="1">
                   <c:v>179.49300000000002</c:v>
@@ -535,7 +536,7 @@
                 <c:formatCode>General</c:formatCode>
                 <c:ptCount val="2"/>
                 <c:pt idx="0">
-                  <c:v>188.71559999999965</c:v>
+                  <c:v>188.71559999999963</c:v>
                 </c:pt>
                 <c:pt idx="1">
                   <c:v>179.62800000000001</c:v>
@@ -588,11 +589,11 @@
             </c:numRef>
           </c:val>
         </c:ser>
-        <c:axId val="60257024"/>
-        <c:axId val="60258944"/>
+        <c:axId val="46842624"/>
+        <c:axId val="46844544"/>
       </c:barChart>
       <c:catAx>
-        <c:axId val="60257024"/>
+        <c:axId val="46842624"/>
         <c:scaling>
           <c:orientation val="minMax"/>
         </c:scaling>
@@ -617,14 +618,14 @@
         </c:title>
         <c:numFmt formatCode="General" sourceLinked="1"/>
         <c:tickLblPos val="nextTo"/>
-        <c:crossAx val="60258944"/>
+        <c:crossAx val="46844544"/>
         <c:crosses val="autoZero"/>
         <c:auto val="1"/>
         <c:lblAlgn val="ctr"/>
         <c:lblOffset val="100"/>
       </c:catAx>
       <c:valAx>
-        <c:axId val="60258944"/>
+        <c:axId val="46844544"/>
         <c:scaling>
           <c:orientation val="minMax"/>
         </c:scaling>
@@ -655,7 +656,7 @@
         </c:title>
         <c:numFmt formatCode="0.0" sourceLinked="0"/>
         <c:tickLblPos val="nextTo"/>
-        <c:crossAx val="60257024"/>
+        <c:crossAx val="46842624"/>
         <c:crosses val="autoZero"/>
         <c:crossBetween val="between"/>
       </c:valAx>
@@ -727,16 +728,16 @@
                 <c:formatCode>0.0000</c:formatCode>
                 <c:ptCount val="6"/>
                 <c:pt idx="0">
-                  <c:v>-9.0000000000000236E-4</c:v>
+                  <c:v>-9.0000000000000247E-4</c:v>
                 </c:pt>
                 <c:pt idx="1">
-                  <c:v>8.8000000000000213E-3</c:v>
+                  <c:v>8.8000000000000231E-3</c:v>
                 </c:pt>
                 <c:pt idx="2">
                   <c:v>0.13730000000000001</c:v>
                 </c:pt>
                 <c:pt idx="3">
-                  <c:v>3.6000000000000038E-3</c:v>
+                  <c:v>3.6000000000000047E-3</c:v>
                 </c:pt>
                 <c:pt idx="4">
                   <c:v>3.6003000000000012</c:v>
@@ -816,11 +817,11 @@
             </c:numRef>
           </c:val>
         </c:ser>
-        <c:axId val="60288384"/>
-        <c:axId val="59381248"/>
+        <c:axId val="47000960"/>
+        <c:axId val="47015424"/>
       </c:barChart>
       <c:catAx>
-        <c:axId val="60288384"/>
+        <c:axId val="47000960"/>
         <c:scaling>
           <c:orientation val="minMax"/>
         </c:scaling>
@@ -845,14 +846,14 @@
         </c:title>
         <c:numFmt formatCode="General" sourceLinked="1"/>
         <c:tickLblPos val="nextTo"/>
-        <c:crossAx val="59381248"/>
+        <c:crossAx val="47015424"/>
         <c:crosses val="autoZero"/>
         <c:auto val="1"/>
         <c:lblAlgn val="ctr"/>
         <c:lblOffset val="100"/>
       </c:catAx>
       <c:valAx>
-        <c:axId val="59381248"/>
+        <c:axId val="47015424"/>
         <c:scaling>
           <c:orientation val="minMax"/>
         </c:scaling>
@@ -879,14 +880,14 @@
             <c:manualLayout>
               <c:xMode val="edge"/>
               <c:yMode val="edge"/>
-              <c:x val="0.31962265575324061"/>
-              <c:y val="3.2139286111066632E-4"/>
+              <c:x val="0.31962265575324073"/>
+              <c:y val="3.2139286111066638E-4"/>
             </c:manualLayout>
           </c:layout>
         </c:title>
         <c:numFmt formatCode="0.00" sourceLinked="0"/>
         <c:tickLblPos val="nextTo"/>
-        <c:crossAx val="60288384"/>
+        <c:crossAx val="47000960"/>
         <c:crosses val="autoZero"/>
         <c:crossBetween val="between"/>
       </c:valAx>
@@ -995,11 +996,11 @@
             </c:numRef>
           </c:val>
         </c:ser>
-        <c:axId val="59397632"/>
-        <c:axId val="59399552"/>
+        <c:axId val="47035904"/>
+        <c:axId val="47037824"/>
       </c:barChart>
       <c:catAx>
-        <c:axId val="59397632"/>
+        <c:axId val="47035904"/>
         <c:scaling>
           <c:orientation val="minMax"/>
         </c:scaling>
@@ -1024,14 +1025,14 @@
         </c:title>
         <c:numFmt formatCode="General" sourceLinked="1"/>
         <c:tickLblPos val="nextTo"/>
-        <c:crossAx val="59399552"/>
+        <c:crossAx val="47037824"/>
         <c:crosses val="autoZero"/>
         <c:auto val="1"/>
         <c:lblAlgn val="ctr"/>
         <c:lblOffset val="100"/>
       </c:catAx>
       <c:valAx>
-        <c:axId val="59399552"/>
+        <c:axId val="47037824"/>
         <c:scaling>
           <c:orientation val="minMax"/>
         </c:scaling>
@@ -1039,7 +1040,7 @@
         <c:majorGridlines/>
         <c:numFmt formatCode="0.00" sourceLinked="0"/>
         <c:tickLblPos val="nextTo"/>
-        <c:crossAx val="59397632"/>
+        <c:crossAx val="47035904"/>
         <c:crosses val="autoZero"/>
         <c:crossBetween val="between"/>
       </c:valAx>
@@ -1138,7 +1139,7 @@
             <a:fld id="{FBBBECB9-2F83-4596-B504-AC1E375931CE}" type="datetimeFigureOut">
               <a:rPr lang="pt-PT" smtClean="0"/>
               <a:pPr/>
-              <a:t>09-12-2011</a:t>
+              <a:t>10-12-2011</a:t>
             </a:fld>
             <a:endParaRPr lang="pt-PT"/>
           </a:p>
@@ -1214,7 +1215,7 @@
     </p:spTree>
     <p:extLst>
       <p:ext uri="{BB962C8B-B14F-4D97-AF65-F5344CB8AC3E}">
-        <p14:creationId xmlns:p14="http://schemas.microsoft.com/office/powerpoint/2010/main" xmlns="" val="3502731545"/>
+        <p14:creationId xmlns="" xmlns:p14="http://schemas.microsoft.com/office/powerpoint/2010/main" val="3502731545"/>
       </p:ext>
     </p:extLst>
   </p:cSld>
@@ -1305,7 +1306,7 @@
             <a:fld id="{9B5C831C-B110-4E4E-9FCE-53887ECEDBF7}" type="datetimeFigureOut">
               <a:rPr lang="pt-PT" smtClean="0"/>
               <a:pPr/>
-              <a:t>09-12-2011</a:t>
+              <a:t>10-12-2011</a:t>
             </a:fld>
             <a:endParaRPr lang="pt-PT"/>
           </a:p>
@@ -1476,7 +1477,7 @@
     </p:spTree>
     <p:extLst>
       <p:ext uri="{BB962C8B-B14F-4D97-AF65-F5344CB8AC3E}">
-        <p14:creationId xmlns:p14="http://schemas.microsoft.com/office/powerpoint/2010/main" xmlns="" val="1191317535"/>
+        <p14:creationId xmlns="" xmlns:p14="http://schemas.microsoft.com/office/powerpoint/2010/main" val="1191317535"/>
       </p:ext>
     </p:extLst>
   </p:cSld>
@@ -2334,7 +2335,7 @@
     </p:spTree>
     <p:extLst>
       <p:ext uri="{BB962C8B-B14F-4D97-AF65-F5344CB8AC3E}">
-        <p14:creationId xmlns:p14="http://schemas.microsoft.com/office/powerpoint/2010/main" xmlns="" val="1742877947"/>
+        <p14:creationId xmlns="" xmlns:p14="http://schemas.microsoft.com/office/powerpoint/2010/main" val="1742877947"/>
       </p:ext>
     </p:extLst>
   </p:cSld>
@@ -2363,7 +2364,7 @@
       </p:grpSpPr>
       <p:sp>
         <p:nvSpPr>
-          <p:cNvPr id="2" name="Slide Image Placeholder 1"/>
+          <p:cNvPr id="2" name="Marcador de Posição da Imagem do Diapositivo 1"/>
           <p:cNvSpPr>
             <a:spLocks noGrp="1" noRot="1" noChangeAspect="1"/>
           </p:cNvSpPr>
@@ -2375,7 +2376,7 @@
       </p:sp>
       <p:sp>
         <p:nvSpPr>
-          <p:cNvPr id="3" name="Notes Placeholder 2"/>
+          <p:cNvPr id="3" name="Marcador de Posição de Notas 2"/>
           <p:cNvSpPr>
             <a:spLocks noGrp="1"/>
           </p:cNvSpPr>
@@ -2385,129 +2386,18 @@
         </p:nvSpPr>
         <p:spPr/>
         <p:txBody>
-          <a:bodyPr/>
-          <a:lstStyle/>
-          <a:p>
-            <a:r>
-              <a:rPr lang="en-US" dirty="0" smtClean="0"/>
-              <a:t>(</a:t>
-            </a:r>
-            <a:r>
-              <a:rPr lang="en-US" dirty="0" err="1" smtClean="0"/>
-              <a:t>explicar</a:t>
-            </a:r>
-            <a:r>
-              <a:rPr lang="en-US" dirty="0" smtClean="0"/>
-              <a:t> </a:t>
-            </a:r>
-            <a:r>
-              <a:rPr lang="en-US" dirty="0" err="1" smtClean="0"/>
-              <a:t>porquê</a:t>
-            </a:r>
-            <a:r>
-              <a:rPr lang="en-US" dirty="0" smtClean="0"/>
-              <a:t> …)</a:t>
-            </a:r>
-          </a:p>
-          <a:p>
-            <a:endParaRPr lang="en-US" dirty="0" smtClean="0"/>
-          </a:p>
-          <a:p>
-            <a:r>
-              <a:rPr lang="en-US" dirty="0" smtClean="0"/>
-              <a:t>A </a:t>
-            </a:r>
-            <a:r>
-              <a:rPr lang="en-US" dirty="0" err="1" smtClean="0"/>
-              <a:t>perca</a:t>
-            </a:r>
-            <a:r>
-              <a:rPr lang="en-US" dirty="0" smtClean="0"/>
-              <a:t> de </a:t>
-            </a:r>
-            <a:r>
-              <a:rPr lang="en-US" dirty="0" err="1" smtClean="0"/>
-              <a:t>informação</a:t>
-            </a:r>
-            <a:r>
-              <a:rPr lang="en-US" dirty="0" smtClean="0"/>
-              <a:t> </a:t>
-            </a:r>
-            <a:r>
-              <a:rPr lang="en-US" dirty="0" err="1" smtClean="0"/>
-              <a:t>relevante</a:t>
-            </a:r>
-            <a:r>
-              <a:rPr lang="en-US" dirty="0" smtClean="0"/>
-              <a:t> e a</a:t>
-            </a:r>
-            <a:r>
-              <a:rPr lang="en-US" baseline="0" dirty="0" smtClean="0"/>
-              <a:t> </a:t>
-            </a:r>
-            <a:r>
-              <a:rPr lang="en-US" baseline="0" dirty="0" err="1" smtClean="0"/>
-              <a:t>grande</a:t>
-            </a:r>
-            <a:r>
-              <a:rPr lang="en-US" baseline="0" dirty="0" smtClean="0"/>
-              <a:t> </a:t>
-            </a:r>
-            <a:r>
-              <a:rPr lang="en-US" baseline="0" dirty="0" err="1" smtClean="0"/>
-              <a:t>sobrecarga</a:t>
-            </a:r>
-            <a:r>
-              <a:rPr lang="en-US" baseline="0" dirty="0" smtClean="0"/>
-              <a:t> </a:t>
-            </a:r>
-            <a:r>
-              <a:rPr lang="en-US" baseline="0" dirty="0" err="1" smtClean="0"/>
-              <a:t>introduzida</a:t>
-            </a:r>
-            <a:r>
-              <a:rPr lang="en-US" baseline="0" dirty="0" smtClean="0"/>
-              <a:t> </a:t>
-            </a:r>
-            <a:r>
-              <a:rPr lang="en-US" baseline="0" dirty="0" err="1" smtClean="0"/>
-              <a:t>limita</a:t>
-            </a:r>
-            <a:r>
-              <a:rPr lang="en-US" baseline="0" dirty="0" smtClean="0"/>
-              <a:t> </a:t>
-            </a:r>
-            <a:r>
-              <a:rPr lang="en-US" baseline="0" dirty="0" err="1" smtClean="0"/>
-              <a:t>muito</a:t>
-            </a:r>
-            <a:r>
-              <a:rPr lang="en-US" baseline="0" dirty="0" smtClean="0"/>
-              <a:t> </a:t>
-            </a:r>
-            <a:r>
-              <a:rPr lang="en-US" baseline="0" dirty="0" err="1" smtClean="0"/>
-              <a:t>esta</a:t>
-            </a:r>
-            <a:r>
-              <a:rPr lang="en-US" baseline="0" dirty="0" smtClean="0"/>
-              <a:t> </a:t>
-            </a:r>
-            <a:r>
-              <a:rPr lang="en-US" baseline="0" dirty="0" err="1" smtClean="0"/>
-              <a:t>abordagem</a:t>
-            </a:r>
-            <a:r>
-              <a:rPr lang="en-US" baseline="0" dirty="0" smtClean="0"/>
-              <a:t>.</a:t>
-            </a:r>
-            <a:endParaRPr lang="en-US" dirty="0"/>
-          </a:p>
-        </p:txBody>
-      </p:sp>
-      <p:sp>
-        <p:nvSpPr>
-          <p:cNvPr id="4" name="Slide Number Placeholder 3"/>
+          <a:bodyPr>
+            <a:normAutofit/>
+          </a:bodyPr>
+          <a:lstStyle/>
+          <a:p>
+            <a:endParaRPr lang="pt-PT"/>
+          </a:p>
+        </p:txBody>
+      </p:sp>
+      <p:sp>
+        <p:nvSpPr>
+          <p:cNvPr id="4" name="Marcador de Posição do Número do Diapositivo 3"/>
           <p:cNvSpPr>
             <a:spLocks noGrp="1"/>
           </p:cNvSpPr>
@@ -2523,18 +2413,13 @@
             <a:fld id="{CB697A11-5CEE-4588-B832-132CDC30A066}" type="slidenum">
               <a:rPr lang="pt-PT" smtClean="0"/>
               <a:pPr/>
-              <a:t>7</a:t>
+              <a:t>8</a:t>
             </a:fld>
             <a:endParaRPr lang="pt-PT"/>
           </a:p>
         </p:txBody>
       </p:sp>
     </p:spTree>
-    <p:extLst>
-      <p:ext uri="{BB962C8B-B14F-4D97-AF65-F5344CB8AC3E}">
-        <p14:creationId xmlns:p14="http://schemas.microsoft.com/office/powerpoint/2010/main" xmlns="" val="3724839547"/>
-      </p:ext>
-    </p:extLst>
   </p:cSld>
   <p:clrMapOvr>
     <a:masterClrMapping/>
@@ -2561,7 +2446,7 @@
       </p:grpSpPr>
       <p:sp>
         <p:nvSpPr>
-          <p:cNvPr id="2" name="Marcador de Posição da Imagem do Diapositivo 1"/>
+          <p:cNvPr id="2" name="Slide Image Placeholder 1"/>
           <p:cNvSpPr>
             <a:spLocks noGrp="1" noRot="1" noChangeAspect="1"/>
           </p:cNvSpPr>
@@ -2573,7 +2458,7 @@
       </p:sp>
       <p:sp>
         <p:nvSpPr>
-          <p:cNvPr id="3" name="Marcador de Posição de Notas 2"/>
+          <p:cNvPr id="3" name="Notes Placeholder 2"/>
           <p:cNvSpPr>
             <a:spLocks noGrp="1"/>
           </p:cNvSpPr>
@@ -2583,18 +2468,129 @@
         </p:nvSpPr>
         <p:spPr/>
         <p:txBody>
-          <a:bodyPr>
-            <a:normAutofit/>
-          </a:bodyPr>
-          <a:lstStyle/>
-          <a:p>
-            <a:endParaRPr lang="pt-PT"/>
-          </a:p>
-        </p:txBody>
-      </p:sp>
-      <p:sp>
-        <p:nvSpPr>
-          <p:cNvPr id="4" name="Marcador de Posição do Número do Diapositivo 3"/>
+          <a:bodyPr/>
+          <a:lstStyle/>
+          <a:p>
+            <a:r>
+              <a:rPr lang="en-US" dirty="0" smtClean="0"/>
+              <a:t>(</a:t>
+            </a:r>
+            <a:r>
+              <a:rPr lang="en-US" dirty="0" err="1" smtClean="0"/>
+              <a:t>explicar</a:t>
+            </a:r>
+            <a:r>
+              <a:rPr lang="en-US" dirty="0" smtClean="0"/>
+              <a:t> </a:t>
+            </a:r>
+            <a:r>
+              <a:rPr lang="en-US" dirty="0" err="1" smtClean="0"/>
+              <a:t>porquê</a:t>
+            </a:r>
+            <a:r>
+              <a:rPr lang="en-US" dirty="0" smtClean="0"/>
+              <a:t> …)</a:t>
+            </a:r>
+          </a:p>
+          <a:p>
+            <a:endParaRPr lang="en-US" dirty="0" smtClean="0"/>
+          </a:p>
+          <a:p>
+            <a:r>
+              <a:rPr lang="en-US" dirty="0" smtClean="0"/>
+              <a:t>A </a:t>
+            </a:r>
+            <a:r>
+              <a:rPr lang="en-US" dirty="0" err="1" smtClean="0"/>
+              <a:t>perca</a:t>
+            </a:r>
+            <a:r>
+              <a:rPr lang="en-US" dirty="0" smtClean="0"/>
+              <a:t> de </a:t>
+            </a:r>
+            <a:r>
+              <a:rPr lang="en-US" dirty="0" err="1" smtClean="0"/>
+              <a:t>informação</a:t>
+            </a:r>
+            <a:r>
+              <a:rPr lang="en-US" dirty="0" smtClean="0"/>
+              <a:t> </a:t>
+            </a:r>
+            <a:r>
+              <a:rPr lang="en-US" dirty="0" err="1" smtClean="0"/>
+              <a:t>relevante</a:t>
+            </a:r>
+            <a:r>
+              <a:rPr lang="en-US" dirty="0" smtClean="0"/>
+              <a:t> e a</a:t>
+            </a:r>
+            <a:r>
+              <a:rPr lang="en-US" baseline="0" dirty="0" smtClean="0"/>
+              <a:t> </a:t>
+            </a:r>
+            <a:r>
+              <a:rPr lang="en-US" baseline="0" dirty="0" err="1" smtClean="0"/>
+              <a:t>grande</a:t>
+            </a:r>
+            <a:r>
+              <a:rPr lang="en-US" baseline="0" dirty="0" smtClean="0"/>
+              <a:t> </a:t>
+            </a:r>
+            <a:r>
+              <a:rPr lang="en-US" baseline="0" dirty="0" err="1" smtClean="0"/>
+              <a:t>sobrecarga</a:t>
+            </a:r>
+            <a:r>
+              <a:rPr lang="en-US" baseline="0" dirty="0" smtClean="0"/>
+              <a:t> </a:t>
+            </a:r>
+            <a:r>
+              <a:rPr lang="en-US" baseline="0" dirty="0" err="1" smtClean="0"/>
+              <a:t>introduzida</a:t>
+            </a:r>
+            <a:r>
+              <a:rPr lang="en-US" baseline="0" dirty="0" smtClean="0"/>
+              <a:t> </a:t>
+            </a:r>
+            <a:r>
+              <a:rPr lang="en-US" baseline="0" dirty="0" err="1" smtClean="0"/>
+              <a:t>limita</a:t>
+            </a:r>
+            <a:r>
+              <a:rPr lang="en-US" baseline="0" dirty="0" smtClean="0"/>
+              <a:t> </a:t>
+            </a:r>
+            <a:r>
+              <a:rPr lang="en-US" baseline="0" dirty="0" err="1" smtClean="0"/>
+              <a:t>muito</a:t>
+            </a:r>
+            <a:r>
+              <a:rPr lang="en-US" baseline="0" dirty="0" smtClean="0"/>
+              <a:t> </a:t>
+            </a:r>
+            <a:r>
+              <a:rPr lang="en-US" baseline="0" dirty="0" err="1" smtClean="0"/>
+              <a:t>esta</a:t>
+            </a:r>
+            <a:r>
+              <a:rPr lang="en-US" baseline="0" dirty="0" smtClean="0"/>
+              <a:t> </a:t>
+            </a:r>
+            <a:r>
+              <a:rPr lang="en-US" baseline="0" dirty="0" err="1" smtClean="0"/>
+              <a:t>abordagem</a:t>
+            </a:r>
+            <a:r>
+              <a:rPr lang="en-US" baseline="0" dirty="0" smtClean="0"/>
+              <a:t>.</a:t>
+            </a:r>
+            <a:endParaRPr lang="en-US" dirty="0"/>
+          </a:p>
+        </p:txBody>
+      </p:sp>
+      <p:sp>
+        <p:nvSpPr>
+          <p:cNvPr id="4" name="Slide Number Placeholder 3"/>
           <p:cNvSpPr>
             <a:spLocks noGrp="1"/>
           </p:cNvSpPr>
@@ -2610,13 +2606,18 @@
             <a:fld id="{CB697A11-5CEE-4588-B832-132CDC30A066}" type="slidenum">
               <a:rPr lang="pt-PT" smtClean="0"/>
               <a:pPr/>
-              <a:t>9</a:t>
+              <a:t>30</a:t>
             </a:fld>
             <a:endParaRPr lang="pt-PT"/>
           </a:p>
         </p:txBody>
       </p:sp>
     </p:spTree>
+    <p:extLst>
+      <p:ext uri="{BB962C8B-B14F-4D97-AF65-F5344CB8AC3E}">
+        <p14:creationId xmlns="" xmlns:p14="http://schemas.microsoft.com/office/powerpoint/2010/main" val="3724839547"/>
+      </p:ext>
+    </p:extLst>
   </p:cSld>
   <p:clrMapOvr>
     <a:masterClrMapping/>
@@ -3283,7 +3284,7 @@
             <a:fld id="{FDFE200E-5E3D-443A-8128-360E1B4273B3}" type="datetime1">
               <a:rPr lang="pt-PT" smtClean="0"/>
               <a:pPr/>
-              <a:t>09-12-2011</a:t>
+              <a:t>10-12-2011</a:t>
             </a:fld>
             <a:endParaRPr lang="pt-PT"/>
           </a:p>
@@ -3468,7 +3469,7 @@
             <a:fld id="{6B744452-25FF-450D-AA53-60C22631FF3B}" type="datetime1">
               <a:rPr lang="pt-PT" smtClean="0"/>
               <a:pPr/>
-              <a:t>09-12-2011</a:t>
+              <a:t>10-12-2011</a:t>
             </a:fld>
             <a:endParaRPr lang="pt-PT"/>
           </a:p>
@@ -3645,7 +3646,7 @@
             <a:fld id="{CA44A751-DD81-434F-8D0D-A0F6502EF70B}" type="datetime1">
               <a:rPr lang="pt-PT" smtClean="0"/>
               <a:pPr/>
-              <a:t>09-12-2011</a:t>
+              <a:t>10-12-2011</a:t>
             </a:fld>
             <a:endParaRPr lang="pt-PT"/>
           </a:p>
@@ -3812,7 +3813,7 @@
             <a:fld id="{5A4DB91E-7B8A-423A-8B0D-BD0D4BF78285}" type="datetime1">
               <a:rPr lang="pt-PT" smtClean="0"/>
               <a:pPr/>
-              <a:t>09-12-2011</a:t>
+              <a:t>10-12-2011</a:t>
             </a:fld>
             <a:endParaRPr lang="pt-PT"/>
           </a:p>
@@ -4035,7 +4036,7 @@
             <a:fld id="{21D41D93-4982-484C-9E6B-1DEB63B99297}" type="datetime1">
               <a:rPr lang="pt-PT" smtClean="0"/>
               <a:pPr/>
-              <a:t>09-12-2011</a:t>
+              <a:t>10-12-2011</a:t>
             </a:fld>
             <a:endParaRPr lang="pt-PT"/>
           </a:p>
@@ -4296,7 +4297,7 @@
             <a:fld id="{2B4C7B7F-9F7E-49D4-BF2C-D3DB5C15DED7}" type="datetime1">
               <a:rPr lang="pt-PT" smtClean="0"/>
               <a:pPr/>
-              <a:t>09-12-2011</a:t>
+              <a:t>10-12-2011</a:t>
             </a:fld>
             <a:endParaRPr lang="pt-PT"/>
           </a:p>
@@ -4702,7 +4703,7 @@
             <a:fld id="{DB921401-0971-4316-89C1-ACF96804946B}" type="datetime1">
               <a:rPr lang="pt-PT" smtClean="0"/>
               <a:pPr/>
-              <a:t>09-12-2011</a:t>
+              <a:t>10-12-2011</a:t>
             </a:fld>
             <a:endParaRPr lang="pt-PT"/>
           </a:p>
@@ -4835,7 +4836,7 @@
             <a:fld id="{F9DC5304-7A0A-4DD1-BC1C-FB42FDF4A8F5}" type="datetime1">
               <a:rPr lang="pt-PT" smtClean="0"/>
               <a:pPr/>
-              <a:t>09-12-2011</a:t>
+              <a:t>10-12-2011</a:t>
             </a:fld>
             <a:endParaRPr lang="pt-PT"/>
           </a:p>
@@ -4937,7 +4938,7 @@
             <a:fld id="{FFB4E187-9955-4630-9912-A621610C6847}" type="datetime1">
               <a:rPr lang="pt-PT" smtClean="0"/>
               <a:pPr/>
-              <a:t>09-12-2011</a:t>
+              <a:t>10-12-2011</a:t>
             </a:fld>
             <a:endParaRPr lang="pt-PT"/>
           </a:p>
@@ -5184,7 +5185,7 @@
             <a:fld id="{711EFB78-06C4-4DE7-8651-27AE14E9AE98}" type="datetime1">
               <a:rPr lang="pt-PT" smtClean="0"/>
               <a:pPr/>
-              <a:t>09-12-2011</a:t>
+              <a:t>10-12-2011</a:t>
             </a:fld>
             <a:endParaRPr lang="pt-PT"/>
           </a:p>
@@ -5430,7 +5431,7 @@
             <a:fld id="{8167AFAD-5534-41E9-968F-3B3BFA0947EA}" type="datetime1">
               <a:rPr lang="pt-PT" smtClean="0"/>
               <a:pPr/>
-              <a:t>09-12-2011</a:t>
+              <a:t>10-12-2011</a:t>
             </a:fld>
             <a:endParaRPr lang="pt-PT"/>
           </a:p>
@@ -6256,7 +6257,7 @@
             <a:fld id="{D1ADC3CB-1463-41E0-9C03-F76948C3E5C0}" type="datetime1">
               <a:rPr lang="pt-PT" smtClean="0"/>
               <a:pPr/>
-              <a:t>09-12-2011</a:t>
+              <a:t>10-12-2011</a:t>
             </a:fld>
             <a:endParaRPr lang="pt-PT"/>
           </a:p>
@@ -6673,15 +6674,7 @@
             <a:pPr algn="ctr"/>
             <a:r>
               <a:rPr lang="pt-PT" sz="3200" dirty="0" smtClean="0"/>
-              <a:t>Captura de tráfego de </a:t>
-            </a:r>
-            <a:r>
-              <a:rPr lang="pt-PT" sz="3200" dirty="0" smtClean="0"/>
-              <a:t>rede de um </a:t>
-            </a:r>
-            <a:r>
-              <a:rPr lang="pt-PT" sz="3200" dirty="0" smtClean="0"/>
-              <a:t/>
+              <a:t>Captura de tráfego de rede de um </a:t>
             </a:r>
             <a:br>
               <a:rPr lang="pt-PT" sz="3200" dirty="0" smtClean="0"/>
@@ -6840,7 +6833,7 @@
         </p:nvSpPr>
         <p:spPr>
           <a:xfrm>
-            <a:off x="457200" y="404664"/>
+            <a:off x="467544" y="476672"/>
             <a:ext cx="8229600" cy="1066800"/>
           </a:xfrm>
         </p:spPr>
@@ -6850,7 +6843,7 @@
           <a:p>
             <a:r>
               <a:rPr lang="pt-PT" smtClean="0"/>
-              <a:t>Arquitectura da solução</a:t>
+              <a:t>Arquitectura da solução (II)</a:t>
             </a:r>
             <a:endParaRPr lang="pt-PT"/>
           </a:p>
@@ -6858,97 +6851,7 @@
       </p:sp>
       <p:sp>
         <p:nvSpPr>
-          <p:cNvPr id="3" name="Marcador de Posição de Conteúdo 2"/>
-          <p:cNvSpPr>
-            <a:spLocks noGrp="1"/>
-          </p:cNvSpPr>
-          <p:nvPr>
-            <p:ph idx="1"/>
-          </p:nvPr>
-        </p:nvSpPr>
-        <p:spPr>
-          <a:xfrm>
-            <a:off x="457200" y="1556792"/>
-            <a:ext cx="8229600" cy="4325112"/>
-          </a:xfrm>
-        </p:spPr>
-        <p:txBody>
-          <a:bodyPr/>
-          <a:lstStyle/>
-          <a:p>
-            <a:r>
-              <a:rPr lang="pt-PT" smtClean="0"/>
-              <a:t>Dividido em 4 componentes</a:t>
-            </a:r>
-          </a:p>
-          <a:p>
-            <a:endParaRPr lang="pt-PT" smtClean="0"/>
-          </a:p>
-          <a:p>
-            <a:pPr lvl="1">
-              <a:buFont typeface="Arial" pitchFamily="34" charset="0"/>
-              <a:buChar char="•"/>
-            </a:pPr>
-            <a:r>
-              <a:rPr lang="pt-PT" smtClean="0"/>
-              <a:t> Instrumentação de chamadas ao sistema</a:t>
-            </a:r>
-          </a:p>
-          <a:p>
-            <a:pPr lvl="1"/>
-            <a:endParaRPr lang="pt-PT" smtClean="0"/>
-          </a:p>
-          <a:p>
-            <a:pPr lvl="1">
-              <a:buFont typeface="Arial" charset="0"/>
-              <a:buChar char="•"/>
-            </a:pPr>
-            <a:r>
-              <a:rPr lang="pt-PT" smtClean="0"/>
-              <a:t> Estado dos portos/</a:t>
-            </a:r>
-            <a:r>
-              <a:rPr lang="pt-PT" err="1" smtClean="0"/>
-              <a:t>sockets</a:t>
-            </a:r>
-            <a:endParaRPr lang="pt-PT" smtClean="0"/>
-          </a:p>
-          <a:p>
-            <a:pPr lvl="1"/>
-            <a:endParaRPr lang="pt-PT" smtClean="0"/>
-          </a:p>
-          <a:p>
-            <a:pPr lvl="1">
-              <a:buFont typeface="Arial" charset="0"/>
-              <a:buChar char="•"/>
-            </a:pPr>
-            <a:r>
-              <a:rPr lang="pt-PT" smtClean="0"/>
-              <a:t> Filtro de pacotes do LSF</a:t>
-            </a:r>
-          </a:p>
-          <a:p>
-            <a:pPr lvl="1"/>
-            <a:endParaRPr lang="pt-PT" smtClean="0"/>
-          </a:p>
-          <a:p>
-            <a:pPr lvl="1">
-              <a:buFont typeface="Arial" charset="0"/>
-              <a:buChar char="•"/>
-            </a:pPr>
-            <a:r>
-              <a:rPr lang="pt-PT" smtClean="0"/>
-              <a:t> Controlo / API</a:t>
-            </a:r>
-          </a:p>
-          <a:p>
-            <a:endParaRPr lang="pt-PT"/>
-          </a:p>
-        </p:txBody>
-      </p:sp>
-      <p:sp>
-        <p:nvSpPr>
-          <p:cNvPr id="5" name="Marcador de Posição do Número do Diapositivo 4"/>
+          <p:cNvPr id="4" name="Marcador de Posição do Número do Diapositivo 3"/>
           <p:cNvSpPr>
             <a:spLocks noGrp="1"/>
           </p:cNvSpPr>
@@ -6970,6 +6873,30 @@
           </a:p>
         </p:txBody>
       </p:sp>
+      <p:pic>
+        <p:nvPicPr>
+          <p:cNvPr id="6" name="Marcador de Posição de Conteúdo 5" descr="bitmap.png"/>
+          <p:cNvPicPr>
+            <a:picLocks noChangeAspect="1"/>
+          </p:cNvPicPr>
+          <p:nvPr/>
+        </p:nvPicPr>
+        <p:blipFill>
+          <a:blip r:embed="rId2" cstate="print"/>
+          <a:stretch>
+            <a:fillRect/>
+          </a:stretch>
+        </p:blipFill>
+        <p:spPr>
+          <a:xfrm>
+            <a:off x="1299179" y="1412776"/>
+            <a:ext cx="6259349" cy="5040560"/>
+          </a:xfrm>
+          <a:prstGeom prst="rect">
+            <a:avLst/>
+          </a:prstGeom>
+        </p:spPr>
+      </p:pic>
     </p:spTree>
   </p:cSld>
   <p:clrMapOvr>
@@ -7012,12 +6939,7 @@
             <p:ph type="title"/>
           </p:nvPr>
         </p:nvSpPr>
-        <p:spPr>
-          <a:xfrm>
-            <a:off x="467544" y="476672"/>
-            <a:ext cx="8229600" cy="1066800"/>
-          </a:xfrm>
-        </p:spPr>
+        <p:spPr/>
         <p:txBody>
           <a:bodyPr/>
           <a:lstStyle/>
@@ -7054,30 +6976,449 @@
           </a:p>
         </p:txBody>
       </p:sp>
-      <p:pic>
-        <p:nvPicPr>
-          <p:cNvPr id="6" name="Marcador de Posição de Conteúdo 5" descr="bitmap.png"/>
-          <p:cNvPicPr>
-            <a:picLocks noChangeAspect="1"/>
-          </p:cNvPicPr>
+      <p:sp>
+        <p:nvSpPr>
+          <p:cNvPr id="5" name="Rectângulo 4"/>
+          <p:cNvSpPr/>
           <p:nvPr/>
-        </p:nvPicPr>
-        <p:blipFill>
-          <a:blip r:embed="rId2" cstate="print"/>
-          <a:stretch>
-            <a:fillRect/>
-          </a:stretch>
-        </p:blipFill>
+        </p:nvSpPr>
         <p:spPr>
           <a:xfrm>
-            <a:off x="1299179" y="1412776"/>
-            <a:ext cx="6259349" cy="5040560"/>
+            <a:off x="1619672" y="2060848"/>
+            <a:ext cx="1368152" cy="216024"/>
           </a:xfrm>
           <a:prstGeom prst="rect">
             <a:avLst/>
           </a:prstGeom>
-        </p:spPr>
-      </p:pic>
+          <a:noFill/>
+        </p:spPr>
+        <p:style>
+          <a:lnRef idx="2">
+            <a:schemeClr val="accent1">
+              <a:shade val="50000"/>
+            </a:schemeClr>
+          </a:lnRef>
+          <a:fillRef idx="1">
+            <a:schemeClr val="accent1"/>
+          </a:fillRef>
+          <a:effectRef idx="0">
+            <a:schemeClr val="accent1"/>
+          </a:effectRef>
+          <a:fontRef idx="minor">
+            <a:schemeClr val="lt1"/>
+          </a:fontRef>
+        </p:style>
+        <p:txBody>
+          <a:bodyPr rtlCol="0" anchor="ctr"/>
+          <a:lstStyle/>
+          <a:p>
+            <a:pPr algn="ctr"/>
+            <a:endParaRPr lang="pt-PT"/>
+          </a:p>
+        </p:txBody>
+      </p:sp>
+      <p:sp>
+        <p:nvSpPr>
+          <p:cNvPr id="10" name="Rectângulo 9"/>
+          <p:cNvSpPr/>
+          <p:nvPr/>
+        </p:nvSpPr>
+        <p:spPr>
+          <a:xfrm>
+            <a:off x="683568" y="2708920"/>
+            <a:ext cx="4824536" cy="216024"/>
+          </a:xfrm>
+          <a:prstGeom prst="rect">
+            <a:avLst/>
+          </a:prstGeom>
+          <a:noFill/>
+        </p:spPr>
+        <p:style>
+          <a:lnRef idx="2">
+            <a:schemeClr val="accent1">
+              <a:shade val="50000"/>
+            </a:schemeClr>
+          </a:lnRef>
+          <a:fillRef idx="1">
+            <a:schemeClr val="accent1"/>
+          </a:fillRef>
+          <a:effectRef idx="0">
+            <a:schemeClr val="accent1"/>
+          </a:effectRef>
+          <a:fontRef idx="minor">
+            <a:schemeClr val="lt1"/>
+          </a:fontRef>
+        </p:style>
+        <p:txBody>
+          <a:bodyPr rtlCol="0" anchor="ctr"/>
+          <a:lstStyle/>
+          <a:p>
+            <a:pPr algn="ctr"/>
+            <a:endParaRPr lang="pt-PT"/>
+          </a:p>
+        </p:txBody>
+      </p:sp>
+      <p:sp>
+        <p:nvSpPr>
+          <p:cNvPr id="11" name="Rectângulo 10"/>
+          <p:cNvSpPr/>
+          <p:nvPr/>
+        </p:nvSpPr>
+        <p:spPr>
+          <a:xfrm>
+            <a:off x="539552" y="4293096"/>
+            <a:ext cx="1368152" cy="720080"/>
+          </a:xfrm>
+          <a:prstGeom prst="rect">
+            <a:avLst/>
+          </a:prstGeom>
+          <a:noFill/>
+        </p:spPr>
+        <p:style>
+          <a:lnRef idx="2">
+            <a:schemeClr val="accent1">
+              <a:shade val="50000"/>
+            </a:schemeClr>
+          </a:lnRef>
+          <a:fillRef idx="1">
+            <a:schemeClr val="accent1"/>
+          </a:fillRef>
+          <a:effectRef idx="0">
+            <a:schemeClr val="accent1"/>
+          </a:effectRef>
+          <a:fontRef idx="minor">
+            <a:schemeClr val="lt1"/>
+          </a:fontRef>
+        </p:style>
+        <p:txBody>
+          <a:bodyPr rtlCol="0" anchor="ctr"/>
+          <a:lstStyle/>
+          <a:p>
+            <a:pPr algn="ctr"/>
+            <a:endParaRPr lang="pt-PT"/>
+          </a:p>
+        </p:txBody>
+      </p:sp>
+      <p:sp>
+        <p:nvSpPr>
+          <p:cNvPr id="12" name="Rectângulo 11"/>
+          <p:cNvSpPr/>
+          <p:nvPr/>
+        </p:nvSpPr>
+        <p:spPr>
+          <a:xfrm>
+            <a:off x="2051720" y="4293096"/>
+            <a:ext cx="1368152" cy="720080"/>
+          </a:xfrm>
+          <a:prstGeom prst="rect">
+            <a:avLst/>
+          </a:prstGeom>
+          <a:noFill/>
+        </p:spPr>
+        <p:style>
+          <a:lnRef idx="2">
+            <a:schemeClr val="accent1">
+              <a:shade val="50000"/>
+            </a:schemeClr>
+          </a:lnRef>
+          <a:fillRef idx="1">
+            <a:schemeClr val="accent1"/>
+          </a:fillRef>
+          <a:effectRef idx="0">
+            <a:schemeClr val="accent1"/>
+          </a:effectRef>
+          <a:fontRef idx="minor">
+            <a:schemeClr val="lt1"/>
+          </a:fontRef>
+        </p:style>
+        <p:txBody>
+          <a:bodyPr rtlCol="0" anchor="ctr"/>
+          <a:lstStyle/>
+          <a:p>
+            <a:pPr algn="ctr"/>
+            <a:endParaRPr lang="pt-PT"/>
+          </a:p>
+        </p:txBody>
+      </p:sp>
+      <p:sp>
+        <p:nvSpPr>
+          <p:cNvPr id="13" name="Rectângulo 12"/>
+          <p:cNvSpPr/>
+          <p:nvPr/>
+        </p:nvSpPr>
+        <p:spPr>
+          <a:xfrm>
+            <a:off x="3635896" y="4293096"/>
+            <a:ext cx="1368152" cy="720080"/>
+          </a:xfrm>
+          <a:prstGeom prst="rect">
+            <a:avLst/>
+          </a:prstGeom>
+          <a:noFill/>
+        </p:spPr>
+        <p:style>
+          <a:lnRef idx="2">
+            <a:schemeClr val="accent1">
+              <a:shade val="50000"/>
+            </a:schemeClr>
+          </a:lnRef>
+          <a:fillRef idx="1">
+            <a:schemeClr val="accent1"/>
+          </a:fillRef>
+          <a:effectRef idx="0">
+            <a:schemeClr val="accent1"/>
+          </a:effectRef>
+          <a:fontRef idx="minor">
+            <a:schemeClr val="lt1"/>
+          </a:fontRef>
+        </p:style>
+        <p:txBody>
+          <a:bodyPr rtlCol="0" anchor="ctr"/>
+          <a:lstStyle/>
+          <a:p>
+            <a:pPr algn="ctr"/>
+            <a:endParaRPr lang="pt-PT"/>
+          </a:p>
+        </p:txBody>
+      </p:sp>
+      <p:sp>
+        <p:nvSpPr>
+          <p:cNvPr id="14" name="Rectângulo 13"/>
+          <p:cNvSpPr/>
+          <p:nvPr/>
+        </p:nvSpPr>
+        <p:spPr>
+          <a:xfrm>
+            <a:off x="1259632" y="3429000"/>
+            <a:ext cx="1080120" cy="360040"/>
+          </a:xfrm>
+          <a:prstGeom prst="rect">
+            <a:avLst/>
+          </a:prstGeom>
+          <a:noFill/>
+        </p:spPr>
+        <p:style>
+          <a:lnRef idx="2">
+            <a:schemeClr val="accent1">
+              <a:shade val="50000"/>
+            </a:schemeClr>
+          </a:lnRef>
+          <a:fillRef idx="1">
+            <a:schemeClr val="accent1"/>
+          </a:fillRef>
+          <a:effectRef idx="0">
+            <a:schemeClr val="accent1"/>
+          </a:effectRef>
+          <a:fontRef idx="minor">
+            <a:schemeClr val="lt1"/>
+          </a:fontRef>
+        </p:style>
+        <p:txBody>
+          <a:bodyPr rtlCol="0" anchor="ctr"/>
+          <a:lstStyle/>
+          <a:p>
+            <a:pPr algn="ctr"/>
+            <a:endParaRPr lang="pt-PT"/>
+          </a:p>
+        </p:txBody>
+      </p:sp>
+      <p:sp>
+        <p:nvSpPr>
+          <p:cNvPr id="15" name="Rectângulo 14"/>
+          <p:cNvSpPr/>
+          <p:nvPr/>
+        </p:nvSpPr>
+        <p:spPr>
+          <a:xfrm>
+            <a:off x="6012160" y="2708920"/>
+            <a:ext cx="1368152" cy="2304256"/>
+          </a:xfrm>
+          <a:prstGeom prst="rect">
+            <a:avLst/>
+          </a:prstGeom>
+          <a:noFill/>
+        </p:spPr>
+        <p:style>
+          <a:lnRef idx="2">
+            <a:schemeClr val="accent1">
+              <a:shade val="50000"/>
+            </a:schemeClr>
+          </a:lnRef>
+          <a:fillRef idx="1">
+            <a:schemeClr val="accent1"/>
+          </a:fillRef>
+          <a:effectRef idx="0">
+            <a:schemeClr val="accent1"/>
+          </a:effectRef>
+          <a:fontRef idx="minor">
+            <a:schemeClr val="lt1"/>
+          </a:fontRef>
+        </p:style>
+        <p:txBody>
+          <a:bodyPr rtlCol="0" anchor="ctr"/>
+          <a:lstStyle/>
+          <a:p>
+            <a:pPr algn="ctr"/>
+            <a:endParaRPr lang="pt-PT"/>
+          </a:p>
+        </p:txBody>
+      </p:sp>
+      <p:sp>
+        <p:nvSpPr>
+          <p:cNvPr id="16" name="Rectângulo 15"/>
+          <p:cNvSpPr/>
+          <p:nvPr/>
+        </p:nvSpPr>
+        <p:spPr>
+          <a:xfrm>
+            <a:off x="6012160" y="4437112"/>
+            <a:ext cx="1368152" cy="216024"/>
+          </a:xfrm>
+          <a:prstGeom prst="rect">
+            <a:avLst/>
+          </a:prstGeom>
+          <a:noFill/>
+        </p:spPr>
+        <p:style>
+          <a:lnRef idx="2">
+            <a:schemeClr val="accent1">
+              <a:shade val="50000"/>
+            </a:schemeClr>
+          </a:lnRef>
+          <a:fillRef idx="1">
+            <a:schemeClr val="accent1"/>
+          </a:fillRef>
+          <a:effectRef idx="0">
+            <a:schemeClr val="accent1"/>
+          </a:effectRef>
+          <a:fontRef idx="minor">
+            <a:schemeClr val="lt1"/>
+          </a:fontRef>
+        </p:style>
+        <p:txBody>
+          <a:bodyPr rtlCol="0" anchor="ctr"/>
+          <a:lstStyle/>
+          <a:p>
+            <a:pPr algn="ctr"/>
+            <a:endParaRPr lang="pt-PT"/>
+          </a:p>
+        </p:txBody>
+      </p:sp>
+      <p:sp>
+        <p:nvSpPr>
+          <p:cNvPr id="17" name="Rectângulo 16"/>
+          <p:cNvSpPr/>
+          <p:nvPr/>
+        </p:nvSpPr>
+        <p:spPr>
+          <a:xfrm>
+            <a:off x="6372200" y="3789040"/>
+            <a:ext cx="720080" cy="432048"/>
+          </a:xfrm>
+          <a:prstGeom prst="rect">
+            <a:avLst/>
+          </a:prstGeom>
+          <a:noFill/>
+        </p:spPr>
+        <p:style>
+          <a:lnRef idx="2">
+            <a:schemeClr val="accent1">
+              <a:shade val="50000"/>
+            </a:schemeClr>
+          </a:lnRef>
+          <a:fillRef idx="1">
+            <a:schemeClr val="accent1"/>
+          </a:fillRef>
+          <a:effectRef idx="0">
+            <a:schemeClr val="accent1"/>
+          </a:effectRef>
+          <a:fontRef idx="minor">
+            <a:schemeClr val="lt1"/>
+          </a:fontRef>
+        </p:style>
+        <p:txBody>
+          <a:bodyPr rtlCol="0" anchor="ctr"/>
+          <a:lstStyle/>
+          <a:p>
+            <a:pPr algn="ctr"/>
+            <a:endParaRPr lang="pt-PT"/>
+          </a:p>
+        </p:txBody>
+      </p:sp>
+      <p:sp>
+        <p:nvSpPr>
+          <p:cNvPr id="18" name="Rectângulo 17"/>
+          <p:cNvSpPr/>
+          <p:nvPr/>
+        </p:nvSpPr>
+        <p:spPr>
+          <a:xfrm>
+            <a:off x="6012160" y="2060848"/>
+            <a:ext cx="1368152" cy="216024"/>
+          </a:xfrm>
+          <a:prstGeom prst="rect">
+            <a:avLst/>
+          </a:prstGeom>
+          <a:noFill/>
+        </p:spPr>
+        <p:style>
+          <a:lnRef idx="2">
+            <a:schemeClr val="accent1">
+              <a:shade val="50000"/>
+            </a:schemeClr>
+          </a:lnRef>
+          <a:fillRef idx="1">
+            <a:schemeClr val="accent1"/>
+          </a:fillRef>
+          <a:effectRef idx="0">
+            <a:schemeClr val="accent1"/>
+          </a:effectRef>
+          <a:fontRef idx="minor">
+            <a:schemeClr val="lt1"/>
+          </a:fontRef>
+        </p:style>
+        <p:txBody>
+          <a:bodyPr rtlCol="0" anchor="ctr"/>
+          <a:lstStyle/>
+          <a:p>
+            <a:pPr algn="ctr"/>
+            <a:endParaRPr lang="pt-PT"/>
+          </a:p>
+        </p:txBody>
+      </p:sp>
+      <p:cxnSp>
+        <p:nvCxnSpPr>
+          <p:cNvPr id="20" name="Conexão recta 19"/>
+          <p:cNvCxnSpPr/>
+          <p:nvPr/>
+        </p:nvCxnSpPr>
+        <p:spPr>
+          <a:xfrm>
+            <a:off x="395536" y="2420888"/>
+            <a:ext cx="7632848" cy="0"/>
+          </a:xfrm>
+          <a:prstGeom prst="line">
+            <a:avLst/>
+          </a:prstGeom>
+          <a:ln w="19050">
+            <a:prstDash val="sysDash"/>
+          </a:ln>
+        </p:spPr>
+        <p:style>
+          <a:lnRef idx="1">
+            <a:schemeClr val="accent1"/>
+          </a:lnRef>
+          <a:fillRef idx="0">
+            <a:schemeClr val="accent1"/>
+          </a:fillRef>
+          <a:effectRef idx="0">
+            <a:schemeClr val="accent1"/>
+          </a:effectRef>
+          <a:fontRef idx="minor">
+            <a:schemeClr val="tx1"/>
+          </a:fontRef>
+        </p:style>
+      </p:cxnSp>
     </p:spTree>
   </p:cSld>
   <p:clrMapOvr>
@@ -7120,16 +7461,182 @@
             <p:ph type="title"/>
           </p:nvPr>
         </p:nvSpPr>
-        <p:spPr/>
+        <p:spPr>
+          <a:xfrm>
+            <a:off x="457200" y="404664"/>
+            <a:ext cx="8229600" cy="1066800"/>
+          </a:xfrm>
+        </p:spPr>
         <p:txBody>
           <a:bodyPr/>
           <a:lstStyle/>
           <a:p>
             <a:r>
               <a:rPr lang="pt-PT" smtClean="0"/>
-              <a:t>Arquitectura da solução (II)</a:t>
+              <a:t>Arquitectura da solução (III)</a:t>
             </a:r>
             <a:endParaRPr lang="pt-PT"/>
+          </a:p>
+        </p:txBody>
+      </p:sp>
+      <p:sp>
+        <p:nvSpPr>
+          <p:cNvPr id="7" name="Marcador de Posição de Conteúdo 6"/>
+          <p:cNvSpPr>
+            <a:spLocks noGrp="1"/>
+          </p:cNvSpPr>
+          <p:nvPr>
+            <p:ph idx="1"/>
+          </p:nvPr>
+        </p:nvSpPr>
+        <p:spPr>
+          <a:xfrm>
+            <a:off x="457200" y="1484784"/>
+            <a:ext cx="8229600" cy="4968552"/>
+          </a:xfrm>
+        </p:spPr>
+        <p:txBody>
+          <a:bodyPr>
+            <a:normAutofit/>
+          </a:bodyPr>
+          <a:lstStyle/>
+          <a:p>
+            <a:r>
+              <a:rPr lang="pt-PT" dirty="0" smtClean="0"/>
+              <a:t>Instrumentação das chamadas ao sistema</a:t>
+            </a:r>
+          </a:p>
+          <a:p>
+            <a:pPr lvl="1"/>
+            <a:r>
+              <a:rPr lang="pt-PT" dirty="0" smtClean="0"/>
+              <a:t>Funções </a:t>
+            </a:r>
+            <a:r>
+              <a:rPr lang="pt-PT" dirty="0" err="1" smtClean="0"/>
+              <a:t>bind</a:t>
+            </a:r>
+            <a:r>
+              <a:rPr lang="pt-PT" dirty="0" smtClean="0"/>
+              <a:t>, </a:t>
+            </a:r>
+            <a:r>
+              <a:rPr lang="pt-PT" dirty="0" err="1" smtClean="0"/>
+              <a:t>accept</a:t>
+            </a:r>
+            <a:r>
+              <a:rPr lang="pt-PT" dirty="0" smtClean="0"/>
+              <a:t>, </a:t>
+            </a:r>
+            <a:r>
+              <a:rPr lang="pt-PT" dirty="0" err="1" smtClean="0"/>
+              <a:t>connect</a:t>
+            </a:r>
+            <a:r>
+              <a:rPr lang="pt-PT" dirty="0" smtClean="0"/>
+              <a:t>, </a:t>
+            </a:r>
+            <a:r>
+              <a:rPr lang="pt-PT" dirty="0" err="1" smtClean="0"/>
+              <a:t>sendto</a:t>
+            </a:r>
+            <a:r>
+              <a:rPr lang="pt-PT" dirty="0" smtClean="0"/>
+              <a:t>, </a:t>
+            </a:r>
+            <a:r>
+              <a:rPr lang="pt-PT" dirty="0" err="1" smtClean="0"/>
+              <a:t>recvfrom</a:t>
+            </a:r>
+            <a:r>
+              <a:rPr lang="pt-PT" dirty="0" smtClean="0"/>
+              <a:t>, </a:t>
+            </a:r>
+            <a:r>
+              <a:rPr lang="pt-PT" dirty="0" err="1" smtClean="0"/>
+              <a:t>sock_close</a:t>
+            </a:r>
+            <a:r>
+              <a:rPr lang="pt-PT" dirty="0" smtClean="0"/>
+              <a:t> </a:t>
+            </a:r>
+          </a:p>
+          <a:p>
+            <a:pPr lvl="1"/>
+            <a:r>
+              <a:rPr lang="pt-PT" dirty="0" smtClean="0"/>
+              <a:t>Instrumentação utilizando o </a:t>
+            </a:r>
+            <a:r>
+              <a:rPr lang="pt-PT" dirty="0" err="1" smtClean="0"/>
+              <a:t>KProbes</a:t>
+            </a:r>
+            <a:endParaRPr lang="pt-PT" dirty="0" smtClean="0"/>
+          </a:p>
+          <a:p>
+            <a:endParaRPr lang="pt-PT" dirty="0" smtClean="0"/>
+          </a:p>
+          <a:p>
+            <a:r>
+              <a:rPr lang="pt-PT" dirty="0" smtClean="0"/>
+              <a:t>Estado dos </a:t>
+            </a:r>
+            <a:r>
+              <a:rPr lang="pt-PT" dirty="0" err="1" smtClean="0"/>
+              <a:t>sockets</a:t>
+            </a:r>
+            <a:endParaRPr lang="pt-PT" dirty="0" smtClean="0"/>
+          </a:p>
+          <a:p>
+            <a:pPr lvl="1"/>
+            <a:r>
+              <a:rPr lang="pt-PT" dirty="0" smtClean="0"/>
+              <a:t>Árvore </a:t>
+            </a:r>
+            <a:r>
+              <a:rPr lang="pt-PT" dirty="0" err="1" smtClean="0"/>
+              <a:t>Red-Black</a:t>
+            </a:r>
+            <a:r>
+              <a:rPr lang="pt-PT" dirty="0" smtClean="0"/>
+              <a:t> (repositório)</a:t>
+            </a:r>
+          </a:p>
+          <a:p>
+            <a:pPr lvl="1"/>
+            <a:r>
+              <a:rPr lang="pt-PT" dirty="0" err="1" smtClean="0"/>
+              <a:t>Actualizado</a:t>
+            </a:r>
+            <a:r>
+              <a:rPr lang="pt-PT" dirty="0" smtClean="0"/>
+              <a:t> pelos </a:t>
+            </a:r>
+            <a:r>
+              <a:rPr lang="pt-PT" dirty="0" err="1" smtClean="0"/>
+              <a:t>handlers</a:t>
+            </a:r>
+            <a:r>
+              <a:rPr lang="pt-PT" dirty="0" smtClean="0"/>
+              <a:t> das funções instrumentadas</a:t>
+            </a:r>
+          </a:p>
+          <a:p>
+            <a:pPr lvl="1"/>
+            <a:r>
+              <a:rPr lang="pt-PT" dirty="0" smtClean="0"/>
+              <a:t>Serve de suporte ao filtro de pacotes</a:t>
+            </a:r>
+          </a:p>
+          <a:p>
+            <a:pPr>
+              <a:buNone/>
+            </a:pPr>
+            <a:endParaRPr lang="pt-PT" dirty="0" smtClean="0"/>
+          </a:p>
+          <a:p>
+            <a:pPr lvl="1"/>
+            <a:endParaRPr lang="pt-PT" dirty="0"/>
           </a:p>
         </p:txBody>
       </p:sp>
@@ -7157,449 +7664,6 @@
           </a:p>
         </p:txBody>
       </p:sp>
-      <p:sp>
-        <p:nvSpPr>
-          <p:cNvPr id="5" name="Rectângulo 4"/>
-          <p:cNvSpPr/>
-          <p:nvPr/>
-        </p:nvSpPr>
-        <p:spPr>
-          <a:xfrm>
-            <a:off x="1619672" y="2060848"/>
-            <a:ext cx="1368152" cy="216024"/>
-          </a:xfrm>
-          <a:prstGeom prst="rect">
-            <a:avLst/>
-          </a:prstGeom>
-          <a:noFill/>
-        </p:spPr>
-        <p:style>
-          <a:lnRef idx="2">
-            <a:schemeClr val="accent1">
-              <a:shade val="50000"/>
-            </a:schemeClr>
-          </a:lnRef>
-          <a:fillRef idx="1">
-            <a:schemeClr val="accent1"/>
-          </a:fillRef>
-          <a:effectRef idx="0">
-            <a:schemeClr val="accent1"/>
-          </a:effectRef>
-          <a:fontRef idx="minor">
-            <a:schemeClr val="lt1"/>
-          </a:fontRef>
-        </p:style>
-        <p:txBody>
-          <a:bodyPr rtlCol="0" anchor="ctr"/>
-          <a:lstStyle/>
-          <a:p>
-            <a:pPr algn="ctr"/>
-            <a:endParaRPr lang="pt-PT"/>
-          </a:p>
-        </p:txBody>
-      </p:sp>
-      <p:sp>
-        <p:nvSpPr>
-          <p:cNvPr id="10" name="Rectângulo 9"/>
-          <p:cNvSpPr/>
-          <p:nvPr/>
-        </p:nvSpPr>
-        <p:spPr>
-          <a:xfrm>
-            <a:off x="683568" y="2708920"/>
-            <a:ext cx="4824536" cy="216024"/>
-          </a:xfrm>
-          <a:prstGeom prst="rect">
-            <a:avLst/>
-          </a:prstGeom>
-          <a:noFill/>
-        </p:spPr>
-        <p:style>
-          <a:lnRef idx="2">
-            <a:schemeClr val="accent1">
-              <a:shade val="50000"/>
-            </a:schemeClr>
-          </a:lnRef>
-          <a:fillRef idx="1">
-            <a:schemeClr val="accent1"/>
-          </a:fillRef>
-          <a:effectRef idx="0">
-            <a:schemeClr val="accent1"/>
-          </a:effectRef>
-          <a:fontRef idx="minor">
-            <a:schemeClr val="lt1"/>
-          </a:fontRef>
-        </p:style>
-        <p:txBody>
-          <a:bodyPr rtlCol="0" anchor="ctr"/>
-          <a:lstStyle/>
-          <a:p>
-            <a:pPr algn="ctr"/>
-            <a:endParaRPr lang="pt-PT"/>
-          </a:p>
-        </p:txBody>
-      </p:sp>
-      <p:sp>
-        <p:nvSpPr>
-          <p:cNvPr id="11" name="Rectângulo 10"/>
-          <p:cNvSpPr/>
-          <p:nvPr/>
-        </p:nvSpPr>
-        <p:spPr>
-          <a:xfrm>
-            <a:off x="539552" y="4293096"/>
-            <a:ext cx="1368152" cy="720080"/>
-          </a:xfrm>
-          <a:prstGeom prst="rect">
-            <a:avLst/>
-          </a:prstGeom>
-          <a:noFill/>
-        </p:spPr>
-        <p:style>
-          <a:lnRef idx="2">
-            <a:schemeClr val="accent1">
-              <a:shade val="50000"/>
-            </a:schemeClr>
-          </a:lnRef>
-          <a:fillRef idx="1">
-            <a:schemeClr val="accent1"/>
-          </a:fillRef>
-          <a:effectRef idx="0">
-            <a:schemeClr val="accent1"/>
-          </a:effectRef>
-          <a:fontRef idx="minor">
-            <a:schemeClr val="lt1"/>
-          </a:fontRef>
-        </p:style>
-        <p:txBody>
-          <a:bodyPr rtlCol="0" anchor="ctr"/>
-          <a:lstStyle/>
-          <a:p>
-            <a:pPr algn="ctr"/>
-            <a:endParaRPr lang="pt-PT"/>
-          </a:p>
-        </p:txBody>
-      </p:sp>
-      <p:sp>
-        <p:nvSpPr>
-          <p:cNvPr id="12" name="Rectângulo 11"/>
-          <p:cNvSpPr/>
-          <p:nvPr/>
-        </p:nvSpPr>
-        <p:spPr>
-          <a:xfrm>
-            <a:off x="2051720" y="4293096"/>
-            <a:ext cx="1368152" cy="720080"/>
-          </a:xfrm>
-          <a:prstGeom prst="rect">
-            <a:avLst/>
-          </a:prstGeom>
-          <a:noFill/>
-        </p:spPr>
-        <p:style>
-          <a:lnRef idx="2">
-            <a:schemeClr val="accent1">
-              <a:shade val="50000"/>
-            </a:schemeClr>
-          </a:lnRef>
-          <a:fillRef idx="1">
-            <a:schemeClr val="accent1"/>
-          </a:fillRef>
-          <a:effectRef idx="0">
-            <a:schemeClr val="accent1"/>
-          </a:effectRef>
-          <a:fontRef idx="minor">
-            <a:schemeClr val="lt1"/>
-          </a:fontRef>
-        </p:style>
-        <p:txBody>
-          <a:bodyPr rtlCol="0" anchor="ctr"/>
-          <a:lstStyle/>
-          <a:p>
-            <a:pPr algn="ctr"/>
-            <a:endParaRPr lang="pt-PT"/>
-          </a:p>
-        </p:txBody>
-      </p:sp>
-      <p:sp>
-        <p:nvSpPr>
-          <p:cNvPr id="13" name="Rectângulo 12"/>
-          <p:cNvSpPr/>
-          <p:nvPr/>
-        </p:nvSpPr>
-        <p:spPr>
-          <a:xfrm>
-            <a:off x="3635896" y="4293096"/>
-            <a:ext cx="1368152" cy="720080"/>
-          </a:xfrm>
-          <a:prstGeom prst="rect">
-            <a:avLst/>
-          </a:prstGeom>
-          <a:noFill/>
-        </p:spPr>
-        <p:style>
-          <a:lnRef idx="2">
-            <a:schemeClr val="accent1">
-              <a:shade val="50000"/>
-            </a:schemeClr>
-          </a:lnRef>
-          <a:fillRef idx="1">
-            <a:schemeClr val="accent1"/>
-          </a:fillRef>
-          <a:effectRef idx="0">
-            <a:schemeClr val="accent1"/>
-          </a:effectRef>
-          <a:fontRef idx="minor">
-            <a:schemeClr val="lt1"/>
-          </a:fontRef>
-        </p:style>
-        <p:txBody>
-          <a:bodyPr rtlCol="0" anchor="ctr"/>
-          <a:lstStyle/>
-          <a:p>
-            <a:pPr algn="ctr"/>
-            <a:endParaRPr lang="pt-PT"/>
-          </a:p>
-        </p:txBody>
-      </p:sp>
-      <p:sp>
-        <p:nvSpPr>
-          <p:cNvPr id="14" name="Rectângulo 13"/>
-          <p:cNvSpPr/>
-          <p:nvPr/>
-        </p:nvSpPr>
-        <p:spPr>
-          <a:xfrm>
-            <a:off x="1259632" y="3429000"/>
-            <a:ext cx="1080120" cy="360040"/>
-          </a:xfrm>
-          <a:prstGeom prst="rect">
-            <a:avLst/>
-          </a:prstGeom>
-          <a:noFill/>
-        </p:spPr>
-        <p:style>
-          <a:lnRef idx="2">
-            <a:schemeClr val="accent1">
-              <a:shade val="50000"/>
-            </a:schemeClr>
-          </a:lnRef>
-          <a:fillRef idx="1">
-            <a:schemeClr val="accent1"/>
-          </a:fillRef>
-          <a:effectRef idx="0">
-            <a:schemeClr val="accent1"/>
-          </a:effectRef>
-          <a:fontRef idx="minor">
-            <a:schemeClr val="lt1"/>
-          </a:fontRef>
-        </p:style>
-        <p:txBody>
-          <a:bodyPr rtlCol="0" anchor="ctr"/>
-          <a:lstStyle/>
-          <a:p>
-            <a:pPr algn="ctr"/>
-            <a:endParaRPr lang="pt-PT"/>
-          </a:p>
-        </p:txBody>
-      </p:sp>
-      <p:sp>
-        <p:nvSpPr>
-          <p:cNvPr id="15" name="Rectângulo 14"/>
-          <p:cNvSpPr/>
-          <p:nvPr/>
-        </p:nvSpPr>
-        <p:spPr>
-          <a:xfrm>
-            <a:off x="6012160" y="2708920"/>
-            <a:ext cx="1368152" cy="2304256"/>
-          </a:xfrm>
-          <a:prstGeom prst="rect">
-            <a:avLst/>
-          </a:prstGeom>
-          <a:noFill/>
-        </p:spPr>
-        <p:style>
-          <a:lnRef idx="2">
-            <a:schemeClr val="accent1">
-              <a:shade val="50000"/>
-            </a:schemeClr>
-          </a:lnRef>
-          <a:fillRef idx="1">
-            <a:schemeClr val="accent1"/>
-          </a:fillRef>
-          <a:effectRef idx="0">
-            <a:schemeClr val="accent1"/>
-          </a:effectRef>
-          <a:fontRef idx="minor">
-            <a:schemeClr val="lt1"/>
-          </a:fontRef>
-        </p:style>
-        <p:txBody>
-          <a:bodyPr rtlCol="0" anchor="ctr"/>
-          <a:lstStyle/>
-          <a:p>
-            <a:pPr algn="ctr"/>
-            <a:endParaRPr lang="pt-PT"/>
-          </a:p>
-        </p:txBody>
-      </p:sp>
-      <p:sp>
-        <p:nvSpPr>
-          <p:cNvPr id="16" name="Rectângulo 15"/>
-          <p:cNvSpPr/>
-          <p:nvPr/>
-        </p:nvSpPr>
-        <p:spPr>
-          <a:xfrm>
-            <a:off x="6012160" y="4437112"/>
-            <a:ext cx="1368152" cy="216024"/>
-          </a:xfrm>
-          <a:prstGeom prst="rect">
-            <a:avLst/>
-          </a:prstGeom>
-          <a:noFill/>
-        </p:spPr>
-        <p:style>
-          <a:lnRef idx="2">
-            <a:schemeClr val="accent1">
-              <a:shade val="50000"/>
-            </a:schemeClr>
-          </a:lnRef>
-          <a:fillRef idx="1">
-            <a:schemeClr val="accent1"/>
-          </a:fillRef>
-          <a:effectRef idx="0">
-            <a:schemeClr val="accent1"/>
-          </a:effectRef>
-          <a:fontRef idx="minor">
-            <a:schemeClr val="lt1"/>
-          </a:fontRef>
-        </p:style>
-        <p:txBody>
-          <a:bodyPr rtlCol="0" anchor="ctr"/>
-          <a:lstStyle/>
-          <a:p>
-            <a:pPr algn="ctr"/>
-            <a:endParaRPr lang="pt-PT"/>
-          </a:p>
-        </p:txBody>
-      </p:sp>
-      <p:sp>
-        <p:nvSpPr>
-          <p:cNvPr id="17" name="Rectângulo 16"/>
-          <p:cNvSpPr/>
-          <p:nvPr/>
-        </p:nvSpPr>
-        <p:spPr>
-          <a:xfrm>
-            <a:off x="6372200" y="3789040"/>
-            <a:ext cx="720080" cy="432048"/>
-          </a:xfrm>
-          <a:prstGeom prst="rect">
-            <a:avLst/>
-          </a:prstGeom>
-          <a:noFill/>
-        </p:spPr>
-        <p:style>
-          <a:lnRef idx="2">
-            <a:schemeClr val="accent1">
-              <a:shade val="50000"/>
-            </a:schemeClr>
-          </a:lnRef>
-          <a:fillRef idx="1">
-            <a:schemeClr val="accent1"/>
-          </a:fillRef>
-          <a:effectRef idx="0">
-            <a:schemeClr val="accent1"/>
-          </a:effectRef>
-          <a:fontRef idx="minor">
-            <a:schemeClr val="lt1"/>
-          </a:fontRef>
-        </p:style>
-        <p:txBody>
-          <a:bodyPr rtlCol="0" anchor="ctr"/>
-          <a:lstStyle/>
-          <a:p>
-            <a:pPr algn="ctr"/>
-            <a:endParaRPr lang="pt-PT"/>
-          </a:p>
-        </p:txBody>
-      </p:sp>
-      <p:sp>
-        <p:nvSpPr>
-          <p:cNvPr id="18" name="Rectângulo 17"/>
-          <p:cNvSpPr/>
-          <p:nvPr/>
-        </p:nvSpPr>
-        <p:spPr>
-          <a:xfrm>
-            <a:off x="6012160" y="2060848"/>
-            <a:ext cx="1368152" cy="216024"/>
-          </a:xfrm>
-          <a:prstGeom prst="rect">
-            <a:avLst/>
-          </a:prstGeom>
-          <a:noFill/>
-        </p:spPr>
-        <p:style>
-          <a:lnRef idx="2">
-            <a:schemeClr val="accent1">
-              <a:shade val="50000"/>
-            </a:schemeClr>
-          </a:lnRef>
-          <a:fillRef idx="1">
-            <a:schemeClr val="accent1"/>
-          </a:fillRef>
-          <a:effectRef idx="0">
-            <a:schemeClr val="accent1"/>
-          </a:effectRef>
-          <a:fontRef idx="minor">
-            <a:schemeClr val="lt1"/>
-          </a:fontRef>
-        </p:style>
-        <p:txBody>
-          <a:bodyPr rtlCol="0" anchor="ctr"/>
-          <a:lstStyle/>
-          <a:p>
-            <a:pPr algn="ctr"/>
-            <a:endParaRPr lang="pt-PT"/>
-          </a:p>
-        </p:txBody>
-      </p:sp>
-      <p:cxnSp>
-        <p:nvCxnSpPr>
-          <p:cNvPr id="20" name="Conexão recta 19"/>
-          <p:cNvCxnSpPr/>
-          <p:nvPr/>
-        </p:nvCxnSpPr>
-        <p:spPr>
-          <a:xfrm>
-            <a:off x="395536" y="2420888"/>
-            <a:ext cx="7632848" cy="0"/>
-          </a:xfrm>
-          <a:prstGeom prst="line">
-            <a:avLst/>
-          </a:prstGeom>
-          <a:ln w="19050">
-            <a:prstDash val="sysDash"/>
-          </a:ln>
-        </p:spPr>
-        <p:style>
-          <a:lnRef idx="1">
-            <a:schemeClr val="accent1"/>
-          </a:lnRef>
-          <a:fillRef idx="0">
-            <a:schemeClr val="accent1"/>
-          </a:fillRef>
-          <a:effectRef idx="0">
-            <a:schemeClr val="accent1"/>
-          </a:effectRef>
-          <a:fontRef idx="minor">
-            <a:schemeClr val="tx1"/>
-          </a:fontRef>
-        </p:style>
-      </p:cxnSp>
     </p:spTree>
   </p:cSld>
   <p:clrMapOvr>
@@ -7644,7 +7708,7 @@
         </p:nvSpPr>
         <p:spPr>
           <a:xfrm>
-            <a:off x="457200" y="404664"/>
+            <a:off x="457200" y="417984"/>
             <a:ext cx="8229600" cy="1066800"/>
           </a:xfrm>
         </p:spPr>
@@ -7654,7 +7718,7 @@
           <a:p>
             <a:r>
               <a:rPr lang="pt-PT" smtClean="0"/>
-              <a:t>Arquitectura da solução (III)</a:t>
+              <a:t>Arquitectura da solução (IV)</a:t>
             </a:r>
             <a:endParaRPr lang="pt-PT"/>
           </a:p>
@@ -7662,7 +7726,7 @@
       </p:sp>
       <p:sp>
         <p:nvSpPr>
-          <p:cNvPr id="7" name="Marcador de Posição de Conteúdo 6"/>
+          <p:cNvPr id="6" name="Marcador de Posição de Conteúdo 5"/>
           <p:cNvSpPr>
             <a:spLocks noGrp="1"/>
           </p:cNvSpPr>
@@ -7672,148 +7736,92 @@
         </p:nvSpPr>
         <p:spPr>
           <a:xfrm>
-            <a:off x="457200" y="1484784"/>
-            <a:ext cx="8229600" cy="4968552"/>
+            <a:off x="457200" y="1556792"/>
+            <a:ext cx="8229600" cy="4325112"/>
           </a:xfrm>
         </p:spPr>
         <p:txBody>
           <a:bodyPr>
-            <a:normAutofit/>
+            <a:normAutofit lnSpcReduction="10000"/>
           </a:bodyPr>
           <a:lstStyle/>
           <a:p>
             <a:r>
               <a:rPr lang="pt-PT" dirty="0" smtClean="0"/>
-              <a:t>Instrumentação das chamadas ao sistema</a:t>
-            </a:r>
-          </a:p>
-          <a:p>
-            <a:pPr lvl="1"/>
-            <a:r>
-              <a:rPr lang="pt-PT" dirty="0" smtClean="0"/>
-              <a:t>Funções </a:t>
-            </a:r>
-            <a:r>
-              <a:rPr lang="pt-PT" dirty="0" err="1" smtClean="0"/>
-              <a:t>bind</a:t>
-            </a:r>
-            <a:r>
-              <a:rPr lang="pt-PT" dirty="0" smtClean="0"/>
-              <a:t>, </a:t>
-            </a:r>
-            <a:r>
-              <a:rPr lang="pt-PT" dirty="0" err="1" smtClean="0"/>
-              <a:t>accept</a:t>
-            </a:r>
-            <a:r>
-              <a:rPr lang="pt-PT" dirty="0" smtClean="0"/>
-              <a:t>, </a:t>
-            </a:r>
-            <a:r>
-              <a:rPr lang="pt-PT" dirty="0" err="1" smtClean="0"/>
-              <a:t>connect</a:t>
-            </a:r>
-            <a:r>
-              <a:rPr lang="pt-PT" dirty="0" smtClean="0"/>
-              <a:t>, </a:t>
-            </a:r>
-            <a:r>
-              <a:rPr lang="pt-PT" dirty="0" err="1" smtClean="0"/>
-              <a:t>sendto</a:t>
-            </a:r>
-            <a:r>
-              <a:rPr lang="pt-PT" dirty="0" smtClean="0"/>
-              <a:t>, </a:t>
-            </a:r>
-            <a:r>
-              <a:rPr lang="pt-PT" dirty="0" err="1" smtClean="0"/>
-              <a:t>recvfrom</a:t>
-            </a:r>
-            <a:r>
-              <a:rPr lang="pt-PT" dirty="0" smtClean="0"/>
-              <a:t>, </a:t>
-            </a:r>
-            <a:r>
-              <a:rPr lang="pt-PT" dirty="0" err="1" smtClean="0"/>
-              <a:t>sock_close</a:t>
-            </a:r>
-            <a:r>
-              <a:rPr lang="pt-PT" dirty="0" smtClean="0"/>
-              <a:t> </a:t>
-            </a:r>
-          </a:p>
-          <a:p>
-            <a:pPr lvl="1"/>
-            <a:r>
-              <a:rPr lang="pt-PT" dirty="0" smtClean="0"/>
-              <a:t>Instrumentação utilizando o </a:t>
-            </a:r>
-            <a:r>
-              <a:rPr lang="pt-PT" dirty="0" err="1" smtClean="0"/>
-              <a:t>KProbes</a:t>
-            </a:r>
-            <a:endParaRPr lang="pt-PT" dirty="0" smtClean="0"/>
-          </a:p>
-          <a:p>
-            <a:endParaRPr lang="pt-PT" dirty="0" smtClean="0"/>
-          </a:p>
-          <a:p>
-            <a:r>
-              <a:rPr lang="pt-PT" dirty="0" smtClean="0"/>
-              <a:t>Estado dos </a:t>
-            </a:r>
-            <a:r>
-              <a:rPr lang="pt-PT" dirty="0" err="1" smtClean="0"/>
-              <a:t>sockets</a:t>
-            </a:r>
-            <a:endParaRPr lang="pt-PT" dirty="0" smtClean="0"/>
-          </a:p>
-          <a:p>
-            <a:pPr lvl="1"/>
-            <a:r>
-              <a:rPr lang="pt-PT" dirty="0" smtClean="0"/>
-              <a:t>Árvore </a:t>
-            </a:r>
-            <a:r>
-              <a:rPr lang="pt-PT" dirty="0" err="1" smtClean="0"/>
-              <a:t>Red-Black</a:t>
-            </a:r>
-            <a:r>
-              <a:rPr lang="pt-PT" dirty="0" smtClean="0"/>
-              <a:t> (repositório)</a:t>
-            </a:r>
-          </a:p>
-          <a:p>
-            <a:pPr lvl="1"/>
-            <a:r>
-              <a:rPr lang="pt-PT" dirty="0" err="1" smtClean="0"/>
-              <a:t>Actualizado</a:t>
-            </a:r>
-            <a:r>
-              <a:rPr lang="pt-PT" dirty="0" smtClean="0"/>
-              <a:t> pelos </a:t>
-            </a:r>
-            <a:r>
-              <a:rPr lang="pt-PT" dirty="0" err="1" smtClean="0"/>
-              <a:t>handlers</a:t>
-            </a:r>
-            <a:r>
-              <a:rPr lang="pt-PT" dirty="0" smtClean="0"/>
-              <a:t> das funções instrumentadas</a:t>
-            </a:r>
-          </a:p>
-          <a:p>
-            <a:pPr lvl="1"/>
-            <a:r>
-              <a:rPr lang="pt-PT" dirty="0" smtClean="0"/>
-              <a:t>Serve de suporte ao filtro de pacotes</a:t>
+              <a:t>Filtro de pacotes</a:t>
             </a:r>
           </a:p>
           <a:p>
             <a:pPr>
               <a:buNone/>
             </a:pPr>
+            <a:endParaRPr lang="pt-PT" sz="1800" dirty="0" smtClean="0"/>
+          </a:p>
+          <a:p>
+            <a:pPr lvl="1"/>
+            <a:r>
+              <a:rPr lang="pt-PT" dirty="0" smtClean="0"/>
+              <a:t>Adicionado um </a:t>
+            </a:r>
+            <a:r>
+              <a:rPr lang="pt-PT" i="1" dirty="0" err="1" smtClean="0"/>
+              <a:t>hook</a:t>
+            </a:r>
+            <a:r>
+              <a:rPr lang="pt-PT" dirty="0" smtClean="0"/>
+              <a:t> ao código LSF </a:t>
+            </a:r>
+            <a:r>
+              <a:rPr lang="pt-PT" dirty="0"/>
+              <a:t>n</a:t>
+            </a:r>
+            <a:r>
+              <a:rPr lang="pt-PT" dirty="0" smtClean="0"/>
+              <a:t>o núcleo</a:t>
+            </a:r>
+          </a:p>
+          <a:p>
+            <a:pPr lvl="2"/>
+            <a:r>
+              <a:rPr lang="pt-PT" dirty="0" smtClean="0"/>
+              <a:t>Depois de verificar os filtros LSF verifica se o pacote diz respeito ao processo alvo</a:t>
+            </a:r>
+          </a:p>
+          <a:p>
+            <a:pPr lvl="2"/>
+            <a:r>
+              <a:rPr lang="pt-PT" dirty="0" smtClean="0"/>
+              <a:t>Quando o </a:t>
+            </a:r>
+            <a:r>
+              <a:rPr lang="pt-PT" dirty="0" err="1" smtClean="0"/>
+              <a:t>hook</a:t>
+            </a:r>
+            <a:r>
+              <a:rPr lang="pt-PT" dirty="0" smtClean="0"/>
+              <a:t> não está ligado apenas custa o teste dum booleano</a:t>
+            </a:r>
+          </a:p>
+          <a:p>
+            <a:pPr lvl="2">
+              <a:buNone/>
+            </a:pPr>
             <a:endParaRPr lang="pt-PT" dirty="0" smtClean="0"/>
+          </a:p>
+          <a:p>
+            <a:pPr lvl="1"/>
+            <a:r>
+              <a:rPr lang="pt-PT" dirty="0" smtClean="0"/>
+              <a:t>Permite a conjunção do filtro estático, definido na </a:t>
+            </a:r>
+            <a:r>
+              <a:rPr lang="pt-PT" dirty="0" err="1" smtClean="0"/>
+              <a:t>libpcap</a:t>
+            </a:r>
+            <a:r>
+              <a:rPr lang="pt-PT" dirty="0" smtClean="0"/>
+              <a:t>, com a filtragem dinâmica com base no processo</a:t>
+            </a:r>
           </a:p>
           <a:p>
             <a:pPr lvl="1"/>
@@ -7889,7 +7897,7 @@
         </p:nvSpPr>
         <p:spPr>
           <a:xfrm>
-            <a:off x="457200" y="417984"/>
+            <a:off x="251520" y="476672"/>
             <a:ext cx="8229600" cy="1066800"/>
           </a:xfrm>
         </p:spPr>
@@ -7899,7 +7907,7 @@
           <a:p>
             <a:r>
               <a:rPr lang="pt-PT" smtClean="0"/>
-              <a:t>Arquitectura da solução (IV)</a:t>
+              <a:t>Arquitectura da solução (V)</a:t>
             </a:r>
             <a:endParaRPr lang="pt-PT"/>
           </a:p>
@@ -7917,71 +7925,98 @@
         </p:nvSpPr>
         <p:spPr>
           <a:xfrm>
-            <a:off x="457200" y="1556792"/>
-            <a:ext cx="8229600" cy="4325112"/>
-          </a:xfrm>
-        </p:spPr>
-        <p:txBody>
-          <a:bodyPr>
-            <a:normAutofit lnSpcReduction="10000"/>
-          </a:bodyPr>
+            <a:off x="457200" y="1844824"/>
+            <a:ext cx="8229600" cy="4729712"/>
+          </a:xfrm>
+        </p:spPr>
+        <p:txBody>
+          <a:bodyPr/>
           <a:lstStyle/>
           <a:p>
             <a:r>
               <a:rPr lang="pt-PT" dirty="0" smtClean="0"/>
-              <a:t>Filtro de pacotes</a:t>
-            </a:r>
-          </a:p>
-          <a:p>
-            <a:pPr>
-              <a:buNone/>
-            </a:pPr>
-            <a:endParaRPr lang="pt-PT" sz="1800" dirty="0" smtClean="0"/>
+              <a:t>Controlo / API (para nível utilizador)</a:t>
+            </a:r>
           </a:p>
           <a:p>
             <a:pPr lvl="1"/>
             <a:r>
               <a:rPr lang="pt-PT" dirty="0" smtClean="0"/>
-              <a:t>Adicionado um </a:t>
-            </a:r>
-            <a:r>
-              <a:rPr lang="pt-PT" i="1" dirty="0" err="1" smtClean="0"/>
-              <a:t>hook</a:t>
+              <a:t>Utilizando o sistema de ficheiros virtual </a:t>
+            </a:r>
+            <a:r>
+              <a:rPr lang="pt-PT" dirty="0" err="1" smtClean="0"/>
+              <a:t>DebugFs</a:t>
+            </a:r>
+            <a:endParaRPr lang="pt-PT" dirty="0" smtClean="0"/>
+          </a:p>
+          <a:p>
+            <a:pPr lvl="2"/>
+            <a:r>
+              <a:rPr lang="pt-PT" dirty="0"/>
+              <a:t>Ficheiros de </a:t>
             </a:r>
             <a:r>
               <a:rPr lang="pt-PT" dirty="0" smtClean="0"/>
-              <a:t> ao código LSF </a:t>
-            </a:r>
-            <a:r>
-              <a:rPr lang="pt-PT" dirty="0"/>
-              <a:t>n</a:t>
+              <a:t>controlo: </a:t>
+            </a:r>
+            <a:r>
+              <a:rPr lang="pt-PT" dirty="0" err="1" smtClean="0"/>
+              <a:t>pid</a:t>
             </a:r>
             <a:r>
               <a:rPr lang="pt-PT" dirty="0" smtClean="0"/>
-              <a:t>o núcleo</a:t>
-            </a:r>
+              <a:t>, </a:t>
+            </a:r>
+            <a:r>
+              <a:rPr lang="pt-PT" dirty="0" err="1" smtClean="0"/>
+              <a:t>ppid</a:t>
+            </a:r>
+            <a:r>
+              <a:rPr lang="pt-PT" dirty="0" smtClean="0"/>
+              <a:t>, </a:t>
+            </a:r>
+            <a:r>
+              <a:rPr lang="pt-PT" dirty="0" err="1" smtClean="0"/>
+              <a:t>tgid</a:t>
+            </a:r>
+            <a:r>
+              <a:rPr lang="pt-PT" dirty="0" smtClean="0"/>
+              <a:t> e </a:t>
+            </a:r>
+            <a:r>
+              <a:rPr lang="pt-PT" dirty="0" err="1" smtClean="0"/>
+              <a:t>Option</a:t>
+            </a:r>
+            <a:endParaRPr lang="pt-PT" dirty="0"/>
           </a:p>
           <a:p>
             <a:pPr lvl="2"/>
             <a:r>
               <a:rPr lang="pt-PT" dirty="0" smtClean="0"/>
-              <a:t>Depois de verificar os filtros LSF verifica se o pacote diz respeito ao processo alvo</a:t>
-            </a:r>
-          </a:p>
-          <a:p>
-            <a:pPr lvl="2"/>
+              <a:t>Ficheiros de estatísticas: </a:t>
+            </a:r>
+            <a:r>
+              <a:rPr lang="pt-PT" dirty="0" err="1" smtClean="0"/>
+              <a:t>filter_stats</a:t>
+            </a:r>
             <a:r>
               <a:rPr lang="pt-PT" dirty="0" smtClean="0"/>
-              <a:t>Quando o </a:t>
+              <a:t>, </a:t>
             </a:r>
             <a:r>
               <a:rPr lang="pt-PT" dirty="0" err="1" smtClean="0"/>
-              <a:t>hook</a:t>
+              <a:t>monitor_stats</a:t>
             </a:r>
             <a:r>
               <a:rPr lang="pt-PT" dirty="0" smtClean="0"/>
-              <a:t> não está ligado apenas custa o teste dum booleano</a:t>
-            </a:r>
+              <a:t>, </a:t>
+            </a:r>
+            <a:r>
+              <a:rPr lang="pt-PT" dirty="0" err="1" smtClean="0"/>
+              <a:t>db_stats</a:t>
+            </a:r>
+            <a:endParaRPr lang="pt-PT" dirty="0" smtClean="0"/>
           </a:p>
           <a:p>
             <a:pPr lvl="2">
@@ -7993,20 +8028,13 @@
             <a:pPr lvl="1"/>
             <a:r>
               <a:rPr lang="pt-PT" dirty="0" smtClean="0"/>
-              <a:t>Permite a conjunção do filtro estático, definido na </a:t>
+              <a:t>Ficheiros apenas acessíveis ao utilizador </a:t>
             </a:r>
             <a:r>
               <a:rPr lang="pt-PT" dirty="0" err="1" smtClean="0"/>
-              <a:t>libpcap</a:t>
-            </a:r>
-            <a:r>
-              <a:rPr lang="pt-PT" dirty="0" smtClean="0"/>
-              <a:t>, com a filtragem dinâmica com base no processo</a:t>
-            </a:r>
-          </a:p>
-          <a:p>
-            <a:pPr lvl="1"/>
-            <a:endParaRPr lang="pt-PT" dirty="0"/>
+              <a:t>root</a:t>
+            </a:r>
+            <a:endParaRPr lang="pt-PT" dirty="0" smtClean="0"/>
           </a:p>
         </p:txBody>
       </p:sp>
@@ -8078,215 +8106,6 @@
         </p:nvSpPr>
         <p:spPr>
           <a:xfrm>
-            <a:off x="251520" y="476672"/>
-            <a:ext cx="8229600" cy="1066800"/>
-          </a:xfrm>
-        </p:spPr>
-        <p:txBody>
-          <a:bodyPr/>
-          <a:lstStyle/>
-          <a:p>
-            <a:r>
-              <a:rPr lang="pt-PT" smtClean="0"/>
-              <a:t>Arquitectura da solução (V)</a:t>
-            </a:r>
-            <a:endParaRPr lang="pt-PT"/>
-          </a:p>
-        </p:txBody>
-      </p:sp>
-      <p:sp>
-        <p:nvSpPr>
-          <p:cNvPr id="6" name="Marcador de Posição de Conteúdo 5"/>
-          <p:cNvSpPr>
-            <a:spLocks noGrp="1"/>
-          </p:cNvSpPr>
-          <p:nvPr>
-            <p:ph idx="1"/>
-          </p:nvPr>
-        </p:nvSpPr>
-        <p:spPr>
-          <a:xfrm>
-            <a:off x="457200" y="1844824"/>
-            <a:ext cx="8229600" cy="4729712"/>
-          </a:xfrm>
-        </p:spPr>
-        <p:txBody>
-          <a:bodyPr/>
-          <a:lstStyle/>
-          <a:p>
-            <a:r>
-              <a:rPr lang="pt-PT" dirty="0" smtClean="0"/>
-              <a:t>Controlo / API (para nível utilizador)</a:t>
-            </a:r>
-          </a:p>
-          <a:p>
-            <a:pPr lvl="1"/>
-            <a:r>
-              <a:rPr lang="pt-PT" dirty="0" smtClean="0"/>
-              <a:t>Utilizando o sistema de ficheiros virtual </a:t>
-            </a:r>
-            <a:r>
-              <a:rPr lang="pt-PT" dirty="0" err="1" smtClean="0"/>
-              <a:t>DebugFs</a:t>
-            </a:r>
-            <a:endParaRPr lang="pt-PT" dirty="0" smtClean="0"/>
-          </a:p>
-          <a:p>
-            <a:pPr lvl="2"/>
-            <a:r>
-              <a:rPr lang="pt-PT" dirty="0"/>
-              <a:t>Ficheiros de </a:t>
-            </a:r>
-            <a:r>
-              <a:rPr lang="pt-PT" dirty="0" smtClean="0"/>
-              <a:t>controlo: </a:t>
-            </a:r>
-            <a:r>
-              <a:rPr lang="pt-PT" dirty="0" err="1" smtClean="0"/>
-              <a:t>pid</a:t>
-            </a:r>
-            <a:r>
-              <a:rPr lang="pt-PT" dirty="0" smtClean="0"/>
-              <a:t>, </a:t>
-            </a:r>
-            <a:r>
-              <a:rPr lang="pt-PT" dirty="0" err="1" smtClean="0"/>
-              <a:t>ppid</a:t>
-            </a:r>
-            <a:r>
-              <a:rPr lang="pt-PT" dirty="0" smtClean="0"/>
-              <a:t>, </a:t>
-            </a:r>
-            <a:r>
-              <a:rPr lang="pt-PT" dirty="0" err="1" smtClean="0"/>
-              <a:t>tgid</a:t>
-            </a:r>
-            <a:r>
-              <a:rPr lang="pt-PT" dirty="0" smtClean="0"/>
-              <a:t> e </a:t>
-            </a:r>
-            <a:r>
-              <a:rPr lang="pt-PT" dirty="0" err="1" smtClean="0"/>
-              <a:t>Option</a:t>
-            </a:r>
-            <a:endParaRPr lang="pt-PT" dirty="0"/>
-          </a:p>
-          <a:p>
-            <a:pPr lvl="2"/>
-            <a:r>
-              <a:rPr lang="pt-PT" dirty="0" smtClean="0"/>
-              <a:t>Ficheiros de estatísticas: </a:t>
-            </a:r>
-            <a:r>
-              <a:rPr lang="pt-PT" dirty="0" err="1" smtClean="0"/>
-              <a:t>filter_stats</a:t>
-            </a:r>
-            <a:r>
-              <a:rPr lang="pt-PT" dirty="0" smtClean="0"/>
-              <a:t>, </a:t>
-            </a:r>
-            <a:r>
-              <a:rPr lang="pt-PT" dirty="0" err="1" smtClean="0"/>
-              <a:t>monitor_stats</a:t>
-            </a:r>
-            <a:r>
-              <a:rPr lang="pt-PT" dirty="0" smtClean="0"/>
-              <a:t>, </a:t>
-            </a:r>
-            <a:r>
-              <a:rPr lang="pt-PT" dirty="0" err="1" smtClean="0"/>
-              <a:t>db_stats</a:t>
-            </a:r>
-            <a:endParaRPr lang="pt-PT" dirty="0" smtClean="0"/>
-          </a:p>
-          <a:p>
-            <a:pPr lvl="2">
-              <a:buNone/>
-            </a:pPr>
-            <a:endParaRPr lang="pt-PT" dirty="0" smtClean="0"/>
-          </a:p>
-          <a:p>
-            <a:pPr lvl="1"/>
-            <a:r>
-              <a:rPr lang="pt-PT" dirty="0" smtClean="0"/>
-              <a:t>Ficheiros apenas acessíveis ao utilizador </a:t>
-            </a:r>
-            <a:r>
-              <a:rPr lang="pt-PT" dirty="0" err="1" smtClean="0"/>
-              <a:t>root</a:t>
-            </a:r>
-            <a:endParaRPr lang="pt-PT" dirty="0" smtClean="0"/>
-          </a:p>
-        </p:txBody>
-      </p:sp>
-      <p:sp>
-        <p:nvSpPr>
-          <p:cNvPr id="4" name="Marcador de Posição do Número do Diapositivo 3"/>
-          <p:cNvSpPr>
-            <a:spLocks noGrp="1"/>
-          </p:cNvSpPr>
-          <p:nvPr>
-            <p:ph type="sldNum" sz="quarter" idx="12"/>
-          </p:nvPr>
-        </p:nvSpPr>
-        <p:spPr/>
-        <p:txBody>
-          <a:bodyPr/>
-          <a:lstStyle/>
-          <a:p>
-            <a:fld id="{AC560869-1695-4081-8E6F-05D0DB8947D3}" type="slidenum">
-              <a:rPr lang="pt-PT" smtClean="0"/>
-              <a:pPr/>
-              <a:t>15</a:t>
-            </a:fld>
-            <a:endParaRPr lang="pt-PT"/>
-          </a:p>
-        </p:txBody>
-      </p:sp>
-    </p:spTree>
-  </p:cSld>
-  <p:clrMapOvr>
-    <a:masterClrMapping/>
-  </p:clrMapOvr>
-  <p:timing>
-    <p:tnLst>
-      <p:par>
-        <p:cTn id="1" dur="indefinite" restart="never" nodeType="tmRoot"/>
-      </p:par>
-    </p:tnLst>
-  </p:timing>
-</p:sld>
-</file>
-
-<file path=ppt/slides/slide16.xml><?xml version="1.0" encoding="utf-8"?>
-<p:sld xmlns:a="http://schemas.openxmlformats.org/drawingml/2006/main" xmlns:r="http://schemas.openxmlformats.org/officeDocument/2006/relationships" xmlns:p="http://schemas.openxmlformats.org/presentationml/2006/main">
-  <p:cSld>
-    <p:spTree>
-      <p:nvGrpSpPr>
-        <p:cNvPr id="1" name=""/>
-        <p:cNvGrpSpPr/>
-        <p:nvPr/>
-      </p:nvGrpSpPr>
-      <p:grpSpPr>
-        <a:xfrm>
-          <a:off x="0" y="0"/>
-          <a:ext cx="0" cy="0"/>
-          <a:chOff x="0" y="0"/>
-          <a:chExt cx="0" cy="0"/>
-        </a:xfrm>
-      </p:grpSpPr>
-      <p:sp>
-        <p:nvSpPr>
-          <p:cNvPr id="2" name="Título 1"/>
-          <p:cNvSpPr>
-            <a:spLocks noGrp="1"/>
-          </p:cNvSpPr>
-          <p:nvPr>
-            <p:ph type="title"/>
-          </p:nvPr>
-        </p:nvSpPr>
-        <p:spPr>
-          <a:xfrm>
             <a:off x="323528" y="404664"/>
             <a:ext cx="8229600" cy="1066800"/>
           </a:xfrm>
@@ -8710,7 +8529,7 @@
             <a:fld id="{AC560869-1695-4081-8E6F-05D0DB8947D3}" type="slidenum">
               <a:rPr lang="pt-PT" smtClean="0"/>
               <a:pPr/>
-              <a:t>16</a:t>
+              <a:t>15</a:t>
             </a:fld>
             <a:endParaRPr lang="pt-PT" dirty="0"/>
           </a:p>
@@ -10024,7 +9843,7 @@
 </p:sld>
 </file>
 
-<file path=ppt/slides/slide17.xml><?xml version="1.0" encoding="utf-8"?>
+<file path=ppt/slides/slide16.xml><?xml version="1.0" encoding="utf-8"?>
 <p:sld xmlns:a="http://schemas.openxmlformats.org/drawingml/2006/main" xmlns:r="http://schemas.openxmlformats.org/officeDocument/2006/relationships" xmlns:p="http://schemas.openxmlformats.org/presentationml/2006/main">
   <p:cSld>
     <p:spTree>
@@ -10476,7 +10295,7 @@
             <a:fld id="{AC560869-1695-4081-8E6F-05D0DB8947D3}" type="slidenum">
               <a:rPr lang="pt-PT" smtClean="0"/>
               <a:pPr/>
-              <a:t>17</a:t>
+              <a:t>16</a:t>
             </a:fld>
             <a:endParaRPr lang="pt-PT" dirty="0"/>
           </a:p>
@@ -10944,7 +10763,7 @@
 </p:sld>
 </file>
 
-<file path=ppt/slides/slide18.xml><?xml version="1.0" encoding="utf-8"?>
+<file path=ppt/slides/slide17.xml><?xml version="1.0" encoding="utf-8"?>
 <p:sld xmlns:a="http://schemas.openxmlformats.org/drawingml/2006/main" xmlns:r="http://schemas.openxmlformats.org/officeDocument/2006/relationships" xmlns:p="http://schemas.openxmlformats.org/presentationml/2006/main">
   <p:cSld>
     <p:spTree>
@@ -11396,7 +11215,7 @@
             <a:fld id="{AC560869-1695-4081-8E6F-05D0DB8947D3}" type="slidenum">
               <a:rPr lang="pt-PT" smtClean="0"/>
               <a:pPr/>
-              <a:t>18</a:t>
+              <a:t>17</a:t>
             </a:fld>
             <a:endParaRPr lang="pt-PT" dirty="0"/>
           </a:p>
@@ -11903,7 +11722,7 @@
 </p:sld>
 </file>
 
-<file path=ppt/slides/slide19.xml><?xml version="1.0" encoding="utf-8"?>
+<file path=ppt/slides/slide18.xml><?xml version="1.0" encoding="utf-8"?>
 <p:sld xmlns:a="http://schemas.openxmlformats.org/drawingml/2006/main" xmlns:r="http://schemas.openxmlformats.org/officeDocument/2006/relationships" xmlns:p="http://schemas.openxmlformats.org/presentationml/2006/main">
   <p:cSld>
     <p:spTree>
@@ -12357,7 +12176,7 @@
             <a:fld id="{AC560869-1695-4081-8E6F-05D0DB8947D3}" type="slidenum">
               <a:rPr lang="pt-PT" smtClean="0"/>
               <a:pPr/>
-              <a:t>19</a:t>
+              <a:t>18</a:t>
             </a:fld>
             <a:endParaRPr lang="pt-PT" dirty="0"/>
           </a:p>
@@ -13110,6 +12929,97 @@
 </p:sld>
 </file>
 
+<file path=ppt/slides/slide19.xml><?xml version="1.0" encoding="utf-8"?>
+<p:sld xmlns:a="http://schemas.openxmlformats.org/drawingml/2006/main" xmlns:r="http://schemas.openxmlformats.org/officeDocument/2006/relationships" xmlns:p="http://schemas.openxmlformats.org/presentationml/2006/main">
+  <p:cSld>
+    <p:spTree>
+      <p:nvGrpSpPr>
+        <p:cNvPr id="1" name=""/>
+        <p:cNvGrpSpPr/>
+        <p:nvPr/>
+      </p:nvGrpSpPr>
+      <p:grpSpPr>
+        <a:xfrm>
+          <a:off x="0" y="0"/>
+          <a:ext cx="0" cy="0"/>
+          <a:chOff x="0" y="0"/>
+          <a:chExt cx="0" cy="0"/>
+        </a:xfrm>
+      </p:grpSpPr>
+      <p:sp>
+        <p:nvSpPr>
+          <p:cNvPr id="2" name="Título 1"/>
+          <p:cNvSpPr>
+            <a:spLocks noGrp="1"/>
+          </p:cNvSpPr>
+          <p:nvPr>
+            <p:ph type="title"/>
+          </p:nvPr>
+        </p:nvSpPr>
+        <p:spPr/>
+        <p:txBody>
+          <a:bodyPr/>
+          <a:lstStyle/>
+          <a:p>
+            <a:r>
+              <a:rPr lang="pt-PT" dirty="0" smtClean="0"/>
+              <a:t>Percursos … </a:t>
+            </a:r>
+            <a:endParaRPr lang="pt-PT" dirty="0"/>
+          </a:p>
+        </p:txBody>
+      </p:sp>
+      <p:sp>
+        <p:nvSpPr>
+          <p:cNvPr id="3" name="Marcador de Posição de Conteúdo 2"/>
+          <p:cNvSpPr>
+            <a:spLocks noGrp="1"/>
+          </p:cNvSpPr>
+          <p:nvPr>
+            <p:ph idx="1"/>
+          </p:nvPr>
+        </p:nvSpPr>
+        <p:spPr/>
+        <p:txBody>
+          <a:bodyPr/>
+          <a:lstStyle/>
+          <a:p>
+            <a:endParaRPr lang="pt-PT"/>
+          </a:p>
+        </p:txBody>
+      </p:sp>
+      <p:sp>
+        <p:nvSpPr>
+          <p:cNvPr id="4" name="Marcador de Posição do Número do Diapositivo 3"/>
+          <p:cNvSpPr>
+            <a:spLocks noGrp="1"/>
+          </p:cNvSpPr>
+          <p:nvPr>
+            <p:ph type="sldNum" sz="quarter" idx="12"/>
+          </p:nvPr>
+        </p:nvSpPr>
+        <p:spPr/>
+        <p:txBody>
+          <a:bodyPr/>
+          <a:lstStyle/>
+          <a:p>
+            <a:fld id="{AC560869-1695-4081-8E6F-05D0DB8947D3}" type="slidenum">
+              <a:rPr lang="pt-PT" smtClean="0"/>
+              <a:pPr/>
+              <a:t>19</a:t>
+            </a:fld>
+            <a:endParaRPr lang="pt-PT"/>
+          </a:p>
+        </p:txBody>
+      </p:sp>
+    </p:spTree>
+  </p:cSld>
+  <p:clrMapOvr>
+    <a:masterClrMapping/>
+  </p:clrMapOvr>
+</p:sld>
+</file>
+
 <file path=ppt/slides/slide2.xml><?xml version="1.0" encoding="utf-8"?>
 <p:sld xmlns:a="http://schemas.openxmlformats.org/drawingml/2006/main" xmlns:r="http://schemas.openxmlformats.org/officeDocument/2006/relationships" xmlns:p="http://schemas.openxmlformats.org/presentationml/2006/main">
   <p:cSld>
@@ -13235,14 +13145,19 @@
             <p:ph type="title"/>
           </p:nvPr>
         </p:nvSpPr>
-        <p:spPr/>
+        <p:spPr>
+          <a:xfrm>
+            <a:off x="457200" y="260648"/>
+            <a:ext cx="8229600" cy="1066800"/>
+          </a:xfrm>
+        </p:spPr>
         <p:txBody>
           <a:bodyPr/>
           <a:lstStyle/>
           <a:p>
             <a:r>
               <a:rPr lang="pt-PT" dirty="0" smtClean="0"/>
-              <a:t>Percursos … </a:t>
+              <a:t>Avaliação</a:t>
             </a:r>
             <a:endParaRPr lang="pt-PT" dirty="0"/>
           </a:p>
@@ -13258,18 +13173,151 @@
             <p:ph idx="1"/>
           </p:nvPr>
         </p:nvSpPr>
-        <p:spPr/>
-        <p:txBody>
-          <a:bodyPr/>
-          <a:lstStyle/>
-          <a:p>
-            <a:endParaRPr lang="pt-PT"/>
-          </a:p>
-        </p:txBody>
-      </p:sp>
-      <p:sp>
-        <p:nvSpPr>
-          <p:cNvPr id="4" name="Marcador de Posição do Número do Diapositivo 3"/>
+        <p:spPr>
+          <a:xfrm>
+            <a:off x="457200" y="1124744"/>
+            <a:ext cx="8229600" cy="5472608"/>
+          </a:xfrm>
+        </p:spPr>
+        <p:txBody>
+          <a:bodyPr>
+            <a:normAutofit fontScale="92500" lnSpcReduction="10000"/>
+          </a:bodyPr>
+          <a:lstStyle/>
+          <a:p>
+            <a:r>
+              <a:rPr lang="pt-PT" dirty="0" smtClean="0"/>
+              <a:t>Avaliação funcional</a:t>
+            </a:r>
+          </a:p>
+          <a:p>
+            <a:pPr lvl="1"/>
+            <a:r>
+              <a:rPr lang="pt-PT" dirty="0" smtClean="0"/>
+              <a:t>Efectuada utilizando programas simples</a:t>
+            </a:r>
+          </a:p>
+          <a:p>
+            <a:pPr lvl="2"/>
+            <a:r>
+              <a:rPr lang="pt-PT" dirty="0" smtClean="0"/>
+              <a:t>Transferências </a:t>
+            </a:r>
+            <a:r>
+              <a:rPr lang="pt-PT" dirty="0" err="1" smtClean="0"/>
+              <a:t>ftp</a:t>
+            </a:r>
+            <a:r>
+              <a:rPr lang="pt-PT" dirty="0" smtClean="0"/>
+              <a:t> e http</a:t>
+            </a:r>
+          </a:p>
+          <a:p>
+            <a:pPr lvl="2"/>
+            <a:r>
+              <a:rPr lang="pt-PT" dirty="0" smtClean="0"/>
+              <a:t>Programas de teste</a:t>
+            </a:r>
+          </a:p>
+          <a:p>
+            <a:pPr lvl="1"/>
+            <a:r>
+              <a:rPr lang="pt-PT" dirty="0" smtClean="0"/>
+              <a:t>Verificada a correcção/completude da captura efectuada </a:t>
+            </a:r>
+          </a:p>
+          <a:p>
+            <a:pPr lvl="2"/>
+            <a:r>
+              <a:rPr lang="en-US" dirty="0" smtClean="0"/>
+              <a:t>V</a:t>
+            </a:r>
+            <a:r>
+              <a:rPr lang="pt-PT" dirty="0" err="1" smtClean="0"/>
+              <a:t>isualização</a:t>
+            </a:r>
+            <a:r>
+              <a:rPr lang="pt-PT" dirty="0" smtClean="0"/>
+              <a:t> usando </a:t>
+            </a:r>
+            <a:r>
+              <a:rPr lang="pt-PT" dirty="0" err="1" smtClean="0"/>
+              <a:t>Wireshark</a:t>
+            </a:r>
+            <a:endParaRPr lang="pt-PT" dirty="0" smtClean="0"/>
+          </a:p>
+          <a:p>
+            <a:pPr lvl="1"/>
+            <a:endParaRPr lang="pt-PT" dirty="0" smtClean="0"/>
+          </a:p>
+          <a:p>
+            <a:r>
+              <a:rPr lang="pt-PT" dirty="0" smtClean="0"/>
+              <a:t>Avaliação de desempenho</a:t>
+            </a:r>
+          </a:p>
+          <a:p>
+            <a:pPr lvl="1"/>
+            <a:r>
+              <a:rPr lang="en-US" dirty="0" smtClean="0"/>
+              <a:t>S</a:t>
+            </a:r>
+            <a:r>
+              <a:rPr lang="pt-PT" dirty="0" err="1" smtClean="0"/>
+              <a:t>obrecarga</a:t>
+            </a:r>
+            <a:r>
+              <a:rPr lang="pt-PT" dirty="0" smtClean="0"/>
+              <a:t> introduzida pela instrumentação do processo</a:t>
+            </a:r>
+          </a:p>
+          <a:p>
+            <a:pPr lvl="1"/>
+            <a:r>
+              <a:rPr lang="en-US" dirty="0" smtClean="0"/>
+              <a:t>S</a:t>
+            </a:r>
+            <a:r>
+              <a:rPr lang="pt-PT" dirty="0" err="1" smtClean="0"/>
+              <a:t>obrecarga</a:t>
+            </a:r>
+            <a:r>
+              <a:rPr lang="pt-PT" dirty="0" smtClean="0"/>
+              <a:t> face ao sistema original</a:t>
+            </a:r>
+          </a:p>
+          <a:p>
+            <a:pPr lvl="2"/>
+            <a:r>
+              <a:rPr lang="en-US" dirty="0" smtClean="0"/>
+              <a:t>C</a:t>
+            </a:r>
+            <a:r>
+              <a:rPr lang="pt-PT" dirty="0" err="1" smtClean="0"/>
+              <a:t>aptura</a:t>
+            </a:r>
+            <a:r>
+              <a:rPr lang="pt-PT" dirty="0" smtClean="0"/>
+              <a:t> de tráfego usando </a:t>
+            </a:r>
+            <a:r>
+              <a:rPr lang="pt-PT" dirty="0" err="1" smtClean="0"/>
+              <a:t>tcpdump</a:t>
+            </a:r>
+            <a:r>
+              <a:rPr lang="pt-PT" dirty="0" smtClean="0"/>
+              <a:t> em testes de transferência de grandes volumes de dados</a:t>
+            </a:r>
+          </a:p>
+          <a:p>
+            <a:pPr lvl="2"/>
+            <a:endParaRPr lang="pt-PT" dirty="0" smtClean="0"/>
+          </a:p>
+        </p:txBody>
+      </p:sp>
+      <p:sp>
+        <p:nvSpPr>
+          <p:cNvPr id="5" name="Marcador de Posição do Número do Diapositivo 4"/>
           <p:cNvSpPr>
             <a:spLocks noGrp="1"/>
           </p:cNvSpPr>
@@ -13296,6 +13344,13 @@
   <p:clrMapOvr>
     <a:masterClrMapping/>
   </p:clrMapOvr>
+  <p:timing>
+    <p:tnLst>
+      <p:par>
+        <p:cTn id="1" dur="indefinite" restart="never" nodeType="tmRoot"/>
+      </p:par>
+    </p:tnLst>
+  </p:timing>
 </p:sld>
 </file>
 
@@ -13338,7 +13393,7 @@
           <a:p>
             <a:r>
               <a:rPr lang="pt-PT" dirty="0" smtClean="0"/>
-              <a:t>Avaliação</a:t>
+              <a:t>Avaliação II</a:t>
             </a:r>
             <a:endParaRPr lang="pt-PT" dirty="0"/>
           </a:p>
@@ -13362,133 +13417,18 @@
         </p:spPr>
         <p:txBody>
           <a:bodyPr>
-            <a:normAutofit fontScale="92500" lnSpcReduction="10000"/>
+            <a:normAutofit/>
           </a:bodyPr>
           <a:lstStyle/>
           <a:p>
             <a:r>
               <a:rPr lang="pt-PT" dirty="0" smtClean="0"/>
-              <a:t>Avaliação funcional</a:t>
-            </a:r>
-          </a:p>
-          <a:p>
-            <a:pPr lvl="1"/>
-            <a:r>
-              <a:rPr lang="pt-PT" dirty="0" smtClean="0"/>
-              <a:t>Efectuada utilizando programas simples</a:t>
-            </a:r>
-          </a:p>
-          <a:p>
-            <a:pPr lvl="2"/>
-            <a:r>
-              <a:rPr lang="pt-PT" dirty="0" smtClean="0"/>
-              <a:t>Transferências </a:t>
-            </a:r>
-            <a:r>
-              <a:rPr lang="pt-PT" dirty="0" err="1" smtClean="0"/>
-              <a:t>ftp</a:t>
-            </a:r>
-            <a:r>
-              <a:rPr lang="pt-PT" dirty="0" smtClean="0"/>
-              <a:t> e http</a:t>
-            </a:r>
-          </a:p>
-          <a:p>
-            <a:pPr lvl="2"/>
-            <a:r>
-              <a:rPr lang="pt-PT" dirty="0" smtClean="0"/>
-              <a:t>Programas de teste</a:t>
-            </a:r>
-          </a:p>
-          <a:p>
-            <a:pPr lvl="1"/>
-            <a:r>
-              <a:rPr lang="pt-PT" dirty="0" smtClean="0"/>
-              <a:t>Verificada a correcção/completude da captura efectuada </a:t>
-            </a:r>
-          </a:p>
-          <a:p>
-            <a:pPr lvl="2"/>
-            <a:r>
-              <a:rPr lang="en-US" dirty="0" smtClean="0"/>
-              <a:t>V</a:t>
-            </a:r>
-            <a:r>
-              <a:rPr lang="pt-PT" dirty="0" err="1" smtClean="0"/>
-              <a:t>isualização</a:t>
-            </a:r>
-            <a:r>
-              <a:rPr lang="pt-PT" dirty="0" smtClean="0"/>
-              <a:t> usando </a:t>
-            </a:r>
-            <a:r>
-              <a:rPr lang="pt-PT" dirty="0" err="1" smtClean="0"/>
-              <a:t>Wireshark</a:t>
-            </a:r>
-            <a:endParaRPr lang="pt-PT" dirty="0" smtClean="0"/>
+              <a:t>Explicar os diversos testes …..</a:t>
+            </a:r>
           </a:p>
           <a:p>
             <a:pPr lvl="1"/>
             <a:endParaRPr lang="pt-PT" dirty="0" smtClean="0"/>
-          </a:p>
-          <a:p>
-            <a:r>
-              <a:rPr lang="pt-PT" dirty="0" smtClean="0"/>
-              <a:t>Avaliação de desempenho</a:t>
-            </a:r>
-          </a:p>
-          <a:p>
-            <a:pPr lvl="1"/>
-            <a:r>
-              <a:rPr lang="en-US" dirty="0" smtClean="0"/>
-              <a:t>S</a:t>
-            </a:r>
-            <a:r>
-              <a:rPr lang="pt-PT" dirty="0" err="1" smtClean="0"/>
-              <a:t>obrecarga</a:t>
-            </a:r>
-            <a:r>
-              <a:rPr lang="pt-PT" dirty="0" smtClean="0"/>
-              <a:t> introduzida pela instrumentação do processo</a:t>
-            </a:r>
-          </a:p>
-          <a:p>
-            <a:pPr lvl="1"/>
-            <a:r>
-              <a:rPr lang="en-US" dirty="0" smtClean="0"/>
-              <a:t>S</a:t>
-            </a:r>
-            <a:r>
-              <a:rPr lang="pt-PT" dirty="0" err="1" smtClean="0"/>
-              <a:t>obrecarga</a:t>
-            </a:r>
-            <a:r>
-              <a:rPr lang="pt-PT" dirty="0" smtClean="0"/>
-              <a:t> face ao sistema original</a:t>
-            </a:r>
-          </a:p>
-          <a:p>
-            <a:pPr lvl="2"/>
-            <a:r>
-              <a:rPr lang="en-US" dirty="0" smtClean="0"/>
-              <a:t>C</a:t>
-            </a:r>
-            <a:r>
-              <a:rPr lang="pt-PT" dirty="0" err="1" smtClean="0"/>
-              <a:t>aptura</a:t>
-            </a:r>
-            <a:r>
-              <a:rPr lang="pt-PT" dirty="0" smtClean="0"/>
-              <a:t> de tráfego usando </a:t>
-            </a:r>
-            <a:r>
-              <a:rPr lang="pt-PT" dirty="0" err="1" smtClean="0"/>
-              <a:t>tcpdump</a:t>
-            </a:r>
-            <a:r>
-              <a:rPr lang="pt-PT" dirty="0" smtClean="0"/>
-              <a:t> em testes de transferência de grandes volumes de dados</a:t>
-            </a:r>
           </a:p>
           <a:p>
             <a:pPr lvl="2"/>
@@ -13564,7 +13504,7 @@
         </p:nvSpPr>
         <p:spPr>
           <a:xfrm>
-            <a:off x="457200" y="260648"/>
+            <a:off x="457200" y="476672"/>
             <a:ext cx="8229600" cy="1066800"/>
           </a:xfrm>
         </p:spPr>
@@ -13574,7 +13514,7 @@
           <a:p>
             <a:r>
               <a:rPr lang="pt-PT" dirty="0" smtClean="0"/>
-              <a:t>Avaliação II</a:t>
+              <a:t>Avaliação de desempenho (II)</a:t>
             </a:r>
             <a:endParaRPr lang="pt-PT" dirty="0"/>
           </a:p>
@@ -13592,19 +13532,58 @@
         </p:nvSpPr>
         <p:spPr>
           <a:xfrm>
-            <a:off x="457200" y="1124744"/>
-            <a:ext cx="8229600" cy="5472608"/>
-          </a:xfrm>
-        </p:spPr>
-        <p:txBody>
-          <a:bodyPr>
-            <a:normAutofit/>
-          </a:bodyPr>
+            <a:off x="467544" y="1412776"/>
+            <a:ext cx="8229600" cy="5157192"/>
+          </a:xfrm>
+        </p:spPr>
+        <p:txBody>
+          <a:bodyPr/>
           <a:lstStyle/>
           <a:p>
             <a:r>
               <a:rPr lang="pt-PT" dirty="0" smtClean="0"/>
-              <a:t>Explicar os diversos testes …..</a:t>
+              <a:t>Avaliação da sobrecarga introduzida</a:t>
+            </a:r>
+          </a:p>
+          <a:p>
+            <a:pPr lvl="1"/>
+            <a:r>
+              <a:rPr lang="pt-PT" dirty="0" smtClean="0"/>
+              <a:t>Instrumentação com </a:t>
+            </a:r>
+            <a:r>
+              <a:rPr lang="pt-PT" dirty="0" err="1" smtClean="0"/>
+              <a:t>KProbe</a:t>
+            </a:r>
+            <a:r>
+              <a:rPr lang="pt-PT" dirty="0" smtClean="0"/>
+              <a:t> da chamada ao sistema </a:t>
+            </a:r>
+            <a:r>
+              <a:rPr lang="pt-PT" dirty="0" err="1" smtClean="0"/>
+              <a:t>getpid</a:t>
+            </a:r>
+            <a:endParaRPr lang="pt-PT" dirty="0" smtClean="0"/>
+          </a:p>
+          <a:p>
+            <a:pPr lvl="1">
+              <a:buNone/>
+            </a:pPr>
+            <a:r>
+              <a:rPr lang="pt-PT" dirty="0" smtClean="0"/>
+              <a:t>                           </a:t>
+            </a:r>
+            <a:r>
+              <a:rPr lang="pt-PT" sz="1400" dirty="0" smtClean="0"/>
+              <a:t>Tempos médios por chamada (</a:t>
+            </a:r>
+            <a:r>
+              <a:rPr lang="pt-PT" sz="1400" dirty="0" err="1" smtClean="0"/>
+              <a:t>micro-segundos</a:t>
+            </a:r>
+            <a:r>
+              <a:rPr lang="pt-PT" sz="1400" dirty="0" smtClean="0"/>
+              <a:t>)</a:t>
             </a:r>
             <a:endParaRPr lang="pt-PT" dirty="0" smtClean="0"/>
           </a:p>
@@ -13613,7 +13592,39 @@
             <a:endParaRPr lang="pt-PT" dirty="0" smtClean="0"/>
           </a:p>
           <a:p>
-            <a:pPr lvl="2"/>
+            <a:pPr lvl="1">
+              <a:buNone/>
+            </a:pPr>
+            <a:endParaRPr lang="en-US" dirty="0" smtClean="0"/>
+          </a:p>
+          <a:p>
+            <a:pPr lvl="1"/>
+            <a:endParaRPr lang="en-US" sz="1200" dirty="0" smtClean="0"/>
+          </a:p>
+          <a:p>
+            <a:pPr lvl="1"/>
+            <a:r>
+              <a:rPr lang="en-US" dirty="0" err="1" smtClean="0"/>
+              <a:t>Simulação</a:t>
+            </a:r>
+            <a:r>
+              <a:rPr lang="en-US" dirty="0" smtClean="0"/>
+              <a:t> d</a:t>
+            </a:r>
+            <a:r>
+              <a:rPr lang="pt-PT" dirty="0" smtClean="0"/>
+              <a:t>a criação e destruição de </a:t>
+            </a:r>
+            <a:r>
+              <a:rPr lang="pt-PT" dirty="0" err="1" smtClean="0"/>
+              <a:t>sockets</a:t>
+            </a:r>
+            <a:endParaRPr lang="pt-PT" dirty="0" smtClean="0"/>
+          </a:p>
+          <a:p>
+            <a:pPr lvl="1">
+              <a:buNone/>
+            </a:pPr>
             <a:endParaRPr lang="pt-PT" dirty="0" smtClean="0"/>
           </a:p>
         </p:txBody>
@@ -13637,199 +13648,6 @@
               <a:rPr lang="pt-PT" smtClean="0"/>
               <a:pPr/>
               <a:t>22</a:t>
-            </a:fld>
-            <a:endParaRPr lang="pt-PT"/>
-          </a:p>
-        </p:txBody>
-      </p:sp>
-    </p:spTree>
-  </p:cSld>
-  <p:clrMapOvr>
-    <a:masterClrMapping/>
-  </p:clrMapOvr>
-  <p:timing>
-    <p:tnLst>
-      <p:par>
-        <p:cTn id="1" dur="indefinite" restart="never" nodeType="tmRoot"/>
-      </p:par>
-    </p:tnLst>
-  </p:timing>
-</p:sld>
-</file>
-
-<file path=ppt/slides/slide23.xml><?xml version="1.0" encoding="utf-8"?>
-<p:sld xmlns:a="http://schemas.openxmlformats.org/drawingml/2006/main" xmlns:r="http://schemas.openxmlformats.org/officeDocument/2006/relationships" xmlns:p="http://schemas.openxmlformats.org/presentationml/2006/main">
-  <p:cSld>
-    <p:spTree>
-      <p:nvGrpSpPr>
-        <p:cNvPr id="1" name=""/>
-        <p:cNvGrpSpPr/>
-        <p:nvPr/>
-      </p:nvGrpSpPr>
-      <p:grpSpPr>
-        <a:xfrm>
-          <a:off x="0" y="0"/>
-          <a:ext cx="0" cy="0"/>
-          <a:chOff x="0" y="0"/>
-          <a:chExt cx="0" cy="0"/>
-        </a:xfrm>
-      </p:grpSpPr>
-      <p:sp>
-        <p:nvSpPr>
-          <p:cNvPr id="2" name="Título 1"/>
-          <p:cNvSpPr>
-            <a:spLocks noGrp="1"/>
-          </p:cNvSpPr>
-          <p:nvPr>
-            <p:ph type="title"/>
-          </p:nvPr>
-        </p:nvSpPr>
-        <p:spPr>
-          <a:xfrm>
-            <a:off x="457200" y="476672"/>
-            <a:ext cx="8229600" cy="1066800"/>
-          </a:xfrm>
-        </p:spPr>
-        <p:txBody>
-          <a:bodyPr/>
-          <a:lstStyle/>
-          <a:p>
-            <a:r>
-              <a:rPr lang="pt-PT" dirty="0" smtClean="0"/>
-              <a:t>Avaliação de desempenho (II)</a:t>
-            </a:r>
-            <a:endParaRPr lang="pt-PT" dirty="0"/>
-          </a:p>
-        </p:txBody>
-      </p:sp>
-      <p:sp>
-        <p:nvSpPr>
-          <p:cNvPr id="3" name="Marcador de Posição de Conteúdo 2"/>
-          <p:cNvSpPr>
-            <a:spLocks noGrp="1"/>
-          </p:cNvSpPr>
-          <p:nvPr>
-            <p:ph idx="1"/>
-          </p:nvPr>
-        </p:nvSpPr>
-        <p:spPr>
-          <a:xfrm>
-            <a:off x="467544" y="1412776"/>
-            <a:ext cx="8229600" cy="5157192"/>
-          </a:xfrm>
-        </p:spPr>
-        <p:txBody>
-          <a:bodyPr/>
-          <a:lstStyle/>
-          <a:p>
-            <a:r>
-              <a:rPr lang="pt-PT" dirty="0" smtClean="0"/>
-              <a:t>Avaliação da sobrecarga introduzida</a:t>
-            </a:r>
-          </a:p>
-          <a:p>
-            <a:pPr lvl="1"/>
-            <a:r>
-              <a:rPr lang="pt-PT" dirty="0" smtClean="0"/>
-              <a:t>Instrumentação com </a:t>
-            </a:r>
-            <a:r>
-              <a:rPr lang="pt-PT" dirty="0" err="1" smtClean="0"/>
-              <a:t>KProbe</a:t>
-            </a:r>
-            <a:r>
-              <a:rPr lang="pt-PT" dirty="0" smtClean="0"/>
-              <a:t> da chamada ao sistema </a:t>
-            </a:r>
-            <a:r>
-              <a:rPr lang="pt-PT" dirty="0" err="1" smtClean="0"/>
-              <a:t>getpid</a:t>
-            </a:r>
-            <a:endParaRPr lang="pt-PT" dirty="0" smtClean="0"/>
-          </a:p>
-          <a:p>
-            <a:pPr lvl="1">
-              <a:buNone/>
-            </a:pPr>
-            <a:r>
-              <a:rPr lang="pt-PT" dirty="0" smtClean="0"/>
-              <a:t>                           </a:t>
-            </a:r>
-            <a:r>
-              <a:rPr lang="pt-PT" sz="1400" dirty="0" smtClean="0"/>
-              <a:t>Tempos médios por chamada (</a:t>
-            </a:r>
-            <a:r>
-              <a:rPr lang="pt-PT" sz="1400" dirty="0" err="1" smtClean="0"/>
-              <a:t>micro-segundos</a:t>
-            </a:r>
-            <a:r>
-              <a:rPr lang="pt-PT" sz="1400" dirty="0" smtClean="0"/>
-              <a:t>)</a:t>
-            </a:r>
-            <a:endParaRPr lang="pt-PT" dirty="0" smtClean="0"/>
-          </a:p>
-          <a:p>
-            <a:pPr lvl="1"/>
-            <a:endParaRPr lang="pt-PT" dirty="0" smtClean="0"/>
-          </a:p>
-          <a:p>
-            <a:pPr lvl="1">
-              <a:buNone/>
-            </a:pPr>
-            <a:endParaRPr lang="en-US" dirty="0" smtClean="0"/>
-          </a:p>
-          <a:p>
-            <a:pPr lvl="1"/>
-            <a:endParaRPr lang="en-US" sz="1200" dirty="0" smtClean="0"/>
-          </a:p>
-          <a:p>
-            <a:pPr lvl="1"/>
-            <a:r>
-              <a:rPr lang="en-US" dirty="0" err="1" smtClean="0"/>
-              <a:t>Simulação</a:t>
-            </a:r>
-            <a:r>
-              <a:rPr lang="en-US" dirty="0" smtClean="0"/>
-              <a:t> d</a:t>
-            </a:r>
-            <a:r>
-              <a:rPr lang="pt-PT" dirty="0" smtClean="0"/>
-              <a:t>a criação e destruição de </a:t>
-            </a:r>
-            <a:r>
-              <a:rPr lang="pt-PT" dirty="0" err="1" smtClean="0"/>
-              <a:t>sockets</a:t>
-            </a:r>
-            <a:endParaRPr lang="pt-PT" dirty="0" smtClean="0"/>
-          </a:p>
-          <a:p>
-            <a:pPr lvl="1">
-              <a:buNone/>
-            </a:pPr>
-            <a:endParaRPr lang="pt-PT" dirty="0" smtClean="0"/>
-          </a:p>
-        </p:txBody>
-      </p:sp>
-      <p:sp>
-        <p:nvSpPr>
-          <p:cNvPr id="5" name="Marcador de Posição do Número do Diapositivo 4"/>
-          <p:cNvSpPr>
-            <a:spLocks noGrp="1"/>
-          </p:cNvSpPr>
-          <p:nvPr>
-            <p:ph type="sldNum" sz="quarter" idx="12"/>
-          </p:nvPr>
-        </p:nvSpPr>
-        <p:spPr/>
-        <p:txBody>
-          <a:bodyPr/>
-          <a:lstStyle/>
-          <a:p>
-            <a:fld id="{AC560869-1695-4081-8E6F-05D0DB8947D3}" type="slidenum">
-              <a:rPr lang="pt-PT" smtClean="0"/>
-              <a:pPr/>
-              <a:t>23</a:t>
             </a:fld>
             <a:endParaRPr lang="pt-PT"/>
           </a:p>
@@ -14185,7 +14003,7 @@
 </p:sld>
 </file>
 
-<file path=ppt/slides/slide24.xml><?xml version="1.0" encoding="utf-8"?>
+<file path=ppt/slides/slide23.xml><?xml version="1.0" encoding="utf-8"?>
 <p:sld xmlns:a="http://schemas.openxmlformats.org/drawingml/2006/main" xmlns:r="http://schemas.openxmlformats.org/officeDocument/2006/relationships" xmlns:p="http://schemas.openxmlformats.org/presentationml/2006/main">
   <p:cSld>
     <p:spTree>
@@ -14250,7 +14068,7 @@
             <a:fld id="{AC560869-1695-4081-8E6F-05D0DB8947D3}" type="slidenum">
               <a:rPr lang="pt-PT" smtClean="0"/>
               <a:pPr/>
-              <a:t>24</a:t>
+              <a:t>23</a:t>
             </a:fld>
             <a:endParaRPr lang="pt-PT"/>
           </a:p>
@@ -14289,6 +14107,146 @@
 </p:sld>
 </file>
 
+<file path=ppt/slides/slide24.xml><?xml version="1.0" encoding="utf-8"?>
+<p:sld xmlns:a="http://schemas.openxmlformats.org/drawingml/2006/main" xmlns:r="http://schemas.openxmlformats.org/officeDocument/2006/relationships" xmlns:p="http://schemas.openxmlformats.org/presentationml/2006/main">
+  <p:cSld>
+    <p:spTree>
+      <p:nvGrpSpPr>
+        <p:cNvPr id="1" name=""/>
+        <p:cNvGrpSpPr/>
+        <p:nvPr/>
+      </p:nvGrpSpPr>
+      <p:grpSpPr>
+        <a:xfrm>
+          <a:off x="0" y="0"/>
+          <a:ext cx="0" cy="0"/>
+          <a:chOff x="0" y="0"/>
+          <a:chExt cx="0" cy="0"/>
+        </a:xfrm>
+      </p:grpSpPr>
+      <p:sp>
+        <p:nvSpPr>
+          <p:cNvPr id="2" name="Título 1"/>
+          <p:cNvSpPr>
+            <a:spLocks noGrp="1"/>
+          </p:cNvSpPr>
+          <p:nvPr>
+            <p:ph type="title"/>
+          </p:nvPr>
+        </p:nvSpPr>
+        <p:spPr>
+          <a:xfrm>
+            <a:off x="35496" y="404664"/>
+            <a:ext cx="8229600" cy="1066800"/>
+          </a:xfrm>
+        </p:spPr>
+        <p:txBody>
+          <a:bodyPr>
+            <a:normAutofit/>
+          </a:bodyPr>
+          <a:lstStyle/>
+          <a:p>
+            <a:r>
+              <a:rPr lang="pt-PT" smtClean="0"/>
+              <a:t>Avaliação de desempenho (IV)</a:t>
+            </a:r>
+            <a:endParaRPr lang="pt-PT"/>
+          </a:p>
+        </p:txBody>
+      </p:sp>
+      <p:sp>
+        <p:nvSpPr>
+          <p:cNvPr id="5" name="Marcador de Posição do Número do Diapositivo 4"/>
+          <p:cNvSpPr>
+            <a:spLocks noGrp="1"/>
+          </p:cNvSpPr>
+          <p:nvPr>
+            <p:ph type="sldNum" sz="quarter" idx="12"/>
+          </p:nvPr>
+        </p:nvSpPr>
+        <p:spPr/>
+        <p:txBody>
+          <a:bodyPr/>
+          <a:lstStyle/>
+          <a:p>
+            <a:fld id="{AC560869-1695-4081-8E6F-05D0DB8947D3}" type="slidenum">
+              <a:rPr lang="pt-PT" smtClean="0"/>
+              <a:pPr/>
+              <a:t>24</a:t>
+            </a:fld>
+            <a:endParaRPr lang="pt-PT"/>
+          </a:p>
+        </p:txBody>
+      </p:sp>
+      <p:graphicFrame>
+        <p:nvGraphicFramePr>
+          <p:cNvPr id="7" name="Gráfico 6"/>
+          <p:cNvGraphicFramePr>
+            <a:graphicFrameLocks/>
+          </p:cNvGraphicFramePr>
+          <p:nvPr>
+            <p:extLst>
+              <p:ext uri="{D42A27DB-BD31-4B8C-83A1-F6EECF244321}">
+                <p14:modId xmlns="" xmlns:p14="http://schemas.microsoft.com/office/powerpoint/2010/main" val="2923390044"/>
+              </p:ext>
+            </p:extLst>
+          </p:nvPr>
+        </p:nvGraphicFramePr>
+        <p:xfrm>
+          <a:off x="899592" y="1556792"/>
+          <a:ext cx="7267327" cy="4395936"/>
+        </p:xfrm>
+        <a:graphic>
+          <a:graphicData uri="http://schemas.openxmlformats.org/drawingml/2006/chart">
+            <c:chart xmlns:c="http://schemas.openxmlformats.org/drawingml/2006/chart" xmlns:r="http://schemas.openxmlformats.org/officeDocument/2006/relationships" r:id="rId2"/>
+          </a:graphicData>
+        </a:graphic>
+      </p:graphicFrame>
+      <p:sp>
+        <p:nvSpPr>
+          <p:cNvPr id="6" name="CaixaDeTexto 5"/>
+          <p:cNvSpPr txBox="1"/>
+          <p:nvPr/>
+        </p:nvSpPr>
+        <p:spPr>
+          <a:xfrm>
+            <a:off x="2987824" y="1628800"/>
+            <a:ext cx="1008112" cy="369332"/>
+          </a:xfrm>
+          <a:prstGeom prst="rect">
+            <a:avLst/>
+          </a:prstGeom>
+          <a:noFill/>
+        </p:spPr>
+        <p:txBody>
+          <a:bodyPr wrap="square" rtlCol="0">
+            <a:spAutoFit/>
+          </a:bodyPr>
+          <a:lstStyle/>
+          <a:p>
+            <a:r>
+              <a:rPr lang="pt-PT" dirty="0" smtClean="0"/>
+              <a:t>+ 3.5 %</a:t>
+            </a:r>
+            <a:endParaRPr lang="pt-PT" dirty="0"/>
+          </a:p>
+        </p:txBody>
+      </p:sp>
+    </p:spTree>
+  </p:cSld>
+  <p:clrMapOvr>
+    <a:masterClrMapping/>
+  </p:clrMapOvr>
+  <p:timing>
+    <p:tnLst>
+      <p:par>
+        <p:cTn id="1" dur="indefinite" restart="never" nodeType="tmRoot"/>
+      </p:par>
+    </p:tnLst>
+  </p:timing>
+</p:sld>
+</file>
+
 <file path=ppt/slides/slide25.xml><?xml version="1.0" encoding="utf-8"?>
 <p:sld xmlns:a="http://schemas.openxmlformats.org/drawingml/2006/main" xmlns:r="http://schemas.openxmlformats.org/officeDocument/2006/relationships" xmlns:p="http://schemas.openxmlformats.org/presentationml/2006/main">
   <p:cSld>
@@ -14318,21 +14276,109 @@
         </p:nvSpPr>
         <p:spPr>
           <a:xfrm>
-            <a:off x="35496" y="404664"/>
+            <a:off x="457200" y="692696"/>
             <a:ext cx="8229600" cy="1066800"/>
           </a:xfrm>
         </p:spPr>
         <p:txBody>
+          <a:bodyPr/>
+          <a:lstStyle/>
+          <a:p>
+            <a:r>
+              <a:rPr lang="pt-PT" dirty="0" smtClean="0"/>
+              <a:t>Conclusões</a:t>
+            </a:r>
+            <a:endParaRPr lang="pt-PT" dirty="0"/>
+          </a:p>
+        </p:txBody>
+      </p:sp>
+      <p:sp>
+        <p:nvSpPr>
+          <p:cNvPr id="3" name="Marcador de Posição de Conteúdo 2"/>
+          <p:cNvSpPr>
+            <a:spLocks noGrp="1"/>
+          </p:cNvSpPr>
+          <p:nvPr>
+            <p:ph idx="1"/>
+          </p:nvPr>
+        </p:nvSpPr>
+        <p:spPr>
+          <a:xfrm>
+            <a:off x="457200" y="1772816"/>
+            <a:ext cx="8229600" cy="4801720"/>
+          </a:xfrm>
+        </p:spPr>
+        <p:txBody>
           <a:bodyPr>
-            <a:normAutofit/>
+            <a:normAutofit fontScale="92500"/>
           </a:bodyPr>
           <a:lstStyle/>
           <a:p>
             <a:r>
-              <a:rPr lang="pt-PT" smtClean="0"/>
-              <a:t>Avaliação de desempenho (IV)</a:t>
-            </a:r>
-            <a:endParaRPr lang="pt-PT"/>
+              <a:rPr lang="pt-PT" dirty="0" smtClean="0"/>
+              <a:t>Implementado módulo de </a:t>
+            </a:r>
+            <a:r>
+              <a:rPr lang="pt-PT" dirty="0"/>
+              <a:t>extensão ao </a:t>
+            </a:r>
+            <a:r>
+              <a:rPr lang="pt-PT" dirty="0" smtClean="0"/>
+              <a:t>LSF/P</a:t>
+            </a:r>
+            <a:r>
+              <a:rPr lang="en-US" dirty="0" smtClean="0"/>
+              <a:t>C</a:t>
+            </a:r>
+            <a:r>
+              <a:rPr lang="pt-PT" dirty="0" err="1" smtClean="0"/>
+              <a:t>ap</a:t>
+            </a:r>
+            <a:r>
+              <a:rPr lang="pt-PT" dirty="0" smtClean="0"/>
+              <a:t> para filtragem orientada ao processo(s)</a:t>
+            </a:r>
+            <a:endParaRPr lang="pt-PT" dirty="0"/>
+          </a:p>
+          <a:p>
+            <a:r>
+              <a:rPr lang="pt-PT" dirty="0" smtClean="0"/>
+              <a:t>Obtém durante a execução apenas a informação relevante</a:t>
+            </a:r>
+          </a:p>
+          <a:p>
+            <a:r>
+              <a:rPr lang="pt-PT" dirty="0" smtClean="0"/>
+              <a:t>Mantida a compatibilidade com os filtros existentes</a:t>
+            </a:r>
+            <a:endParaRPr lang="pt-PT" dirty="0"/>
+          </a:p>
+          <a:p>
+            <a:r>
+              <a:rPr lang="pt-PT" dirty="0" smtClean="0"/>
+              <a:t>Sobrecarga mínima e permite melhores resultados que a captura original noutros casos</a:t>
+            </a:r>
+          </a:p>
+          <a:p>
+            <a:pPr lvl="1"/>
+            <a:r>
+              <a:rPr lang="pt-PT" dirty="0" smtClean="0"/>
+              <a:t>Apenas captura um subconjunto do tráfego de rede</a:t>
+            </a:r>
+            <a:endParaRPr lang="pt-PT" dirty="0"/>
+          </a:p>
+          <a:p>
+            <a:r>
+              <a:rPr lang="pt-PT" dirty="0" smtClean="0"/>
+              <a:t>Trabalho futuro:</a:t>
+            </a:r>
+          </a:p>
+          <a:p>
+            <a:pPr lvl="1"/>
+            <a:r>
+              <a:rPr lang="pt-PT" dirty="0" smtClean="0"/>
+              <a:t>Disponibilização e testes para a comunidade</a:t>
+            </a:r>
           </a:p>
         </p:txBody>
       </p:sp>
@@ -14357,60 +14403,6 @@
               <a:t>25</a:t>
             </a:fld>
             <a:endParaRPr lang="pt-PT"/>
-          </a:p>
-        </p:txBody>
-      </p:sp>
-      <p:graphicFrame>
-        <p:nvGraphicFramePr>
-          <p:cNvPr id="7" name="Gráfico 6"/>
-          <p:cNvGraphicFramePr>
-            <a:graphicFrameLocks/>
-          </p:cNvGraphicFramePr>
-          <p:nvPr>
-            <p:extLst>
-              <p:ext uri="{D42A27DB-BD31-4B8C-83A1-F6EECF244321}">
-                <p14:modId xmlns:p14="http://schemas.microsoft.com/office/powerpoint/2010/main" xmlns="" val="2923390044"/>
-              </p:ext>
-            </p:extLst>
-          </p:nvPr>
-        </p:nvGraphicFramePr>
-        <p:xfrm>
-          <a:off x="899592" y="1556792"/>
-          <a:ext cx="7267327" cy="4395936"/>
-        </p:xfrm>
-        <a:graphic>
-          <a:graphicData uri="http://schemas.openxmlformats.org/drawingml/2006/chart">
-            <c:chart xmlns:c="http://schemas.openxmlformats.org/drawingml/2006/chart" xmlns:r="http://schemas.openxmlformats.org/officeDocument/2006/relationships" r:id="rId2"/>
-          </a:graphicData>
-        </a:graphic>
-      </p:graphicFrame>
-      <p:sp>
-        <p:nvSpPr>
-          <p:cNvPr id="6" name="CaixaDeTexto 5"/>
-          <p:cNvSpPr txBox="1"/>
-          <p:nvPr/>
-        </p:nvSpPr>
-        <p:spPr>
-          <a:xfrm>
-            <a:off x="2987824" y="1628800"/>
-            <a:ext cx="1008112" cy="369332"/>
-          </a:xfrm>
-          <a:prstGeom prst="rect">
-            <a:avLst/>
-          </a:prstGeom>
-          <a:noFill/>
-        </p:spPr>
-        <p:txBody>
-          <a:bodyPr wrap="square" rtlCol="0">
-            <a:spAutoFit/>
-          </a:bodyPr>
-          <a:lstStyle/>
-          <a:p>
-            <a:r>
-              <a:rPr lang="pt-PT" dirty="0" smtClean="0"/>
-              <a:t>+ 3.5 %</a:t>
-            </a:r>
-            <a:endParaRPr lang="pt-PT" dirty="0"/>
           </a:p>
         </p:txBody>
       </p:sp>
@@ -14448,180 +14440,6 @@
       </p:grpSpPr>
       <p:sp>
         <p:nvSpPr>
-          <p:cNvPr id="2" name="Título 1"/>
-          <p:cNvSpPr>
-            <a:spLocks noGrp="1"/>
-          </p:cNvSpPr>
-          <p:nvPr>
-            <p:ph type="title"/>
-          </p:nvPr>
-        </p:nvSpPr>
-        <p:spPr>
-          <a:xfrm>
-            <a:off x="457200" y="692696"/>
-            <a:ext cx="8229600" cy="1066800"/>
-          </a:xfrm>
-        </p:spPr>
-        <p:txBody>
-          <a:bodyPr/>
-          <a:lstStyle/>
-          <a:p>
-            <a:r>
-              <a:rPr lang="pt-PT" dirty="0" smtClean="0"/>
-              <a:t>Conclusões</a:t>
-            </a:r>
-            <a:endParaRPr lang="pt-PT" dirty="0"/>
-          </a:p>
-        </p:txBody>
-      </p:sp>
-      <p:sp>
-        <p:nvSpPr>
-          <p:cNvPr id="3" name="Marcador de Posição de Conteúdo 2"/>
-          <p:cNvSpPr>
-            <a:spLocks noGrp="1"/>
-          </p:cNvSpPr>
-          <p:nvPr>
-            <p:ph idx="1"/>
-          </p:nvPr>
-        </p:nvSpPr>
-        <p:spPr>
-          <a:xfrm>
-            <a:off x="457200" y="1772816"/>
-            <a:ext cx="8229600" cy="4801720"/>
-          </a:xfrm>
-        </p:spPr>
-        <p:txBody>
-          <a:bodyPr>
-            <a:normAutofit fontScale="92500"/>
-          </a:bodyPr>
-          <a:lstStyle/>
-          <a:p>
-            <a:r>
-              <a:rPr lang="pt-PT" dirty="0" smtClean="0"/>
-              <a:t>Implementado módulo de </a:t>
-            </a:r>
-            <a:r>
-              <a:rPr lang="pt-PT" dirty="0"/>
-              <a:t>extensão ao </a:t>
-            </a:r>
-            <a:r>
-              <a:rPr lang="pt-PT" dirty="0" smtClean="0"/>
-              <a:t>LSF/P</a:t>
-            </a:r>
-            <a:r>
-              <a:rPr lang="en-US" dirty="0" smtClean="0"/>
-              <a:t>C</a:t>
-            </a:r>
-            <a:r>
-              <a:rPr lang="pt-PT" dirty="0" err="1" smtClean="0"/>
-              <a:t>ap</a:t>
-            </a:r>
-            <a:r>
-              <a:rPr lang="pt-PT" dirty="0" smtClean="0"/>
-              <a:t> para filtragem orientada ao processo(s)</a:t>
-            </a:r>
-            <a:endParaRPr lang="pt-PT" dirty="0"/>
-          </a:p>
-          <a:p>
-            <a:r>
-              <a:rPr lang="pt-PT" dirty="0" smtClean="0"/>
-              <a:t>Obtém durante a execução apenas a informação relevante</a:t>
-            </a:r>
-          </a:p>
-          <a:p>
-            <a:r>
-              <a:rPr lang="pt-PT" dirty="0" smtClean="0"/>
-              <a:t>Mantida a compatibilidade com os filtros existentes</a:t>
-            </a:r>
-            <a:endParaRPr lang="pt-PT" dirty="0"/>
-          </a:p>
-          <a:p>
-            <a:r>
-              <a:rPr lang="pt-PT" dirty="0" smtClean="0"/>
-              <a:t>Sobrecarga mínima e permite melhores resultados que a captura original noutros casos</a:t>
-            </a:r>
-          </a:p>
-          <a:p>
-            <a:pPr lvl="1"/>
-            <a:r>
-              <a:rPr lang="pt-PT" dirty="0" smtClean="0"/>
-              <a:t>Apenas captura um subconjunto do tráfego de rede</a:t>
-            </a:r>
-            <a:endParaRPr lang="pt-PT" dirty="0"/>
-          </a:p>
-          <a:p>
-            <a:r>
-              <a:rPr lang="pt-PT" dirty="0" smtClean="0"/>
-              <a:t>Trabalho futuro:</a:t>
-            </a:r>
-          </a:p>
-          <a:p>
-            <a:pPr lvl="1"/>
-            <a:r>
-              <a:rPr lang="pt-PT" dirty="0" smtClean="0"/>
-              <a:t>Disponibilização e testes para a comunidade</a:t>
-            </a:r>
-          </a:p>
-        </p:txBody>
-      </p:sp>
-      <p:sp>
-        <p:nvSpPr>
-          <p:cNvPr id="5" name="Marcador de Posição do Número do Diapositivo 4"/>
-          <p:cNvSpPr>
-            <a:spLocks noGrp="1"/>
-          </p:cNvSpPr>
-          <p:nvPr>
-            <p:ph type="sldNum" sz="quarter" idx="12"/>
-          </p:nvPr>
-        </p:nvSpPr>
-        <p:spPr/>
-        <p:txBody>
-          <a:bodyPr/>
-          <a:lstStyle/>
-          <a:p>
-            <a:fld id="{AC560869-1695-4081-8E6F-05D0DB8947D3}" type="slidenum">
-              <a:rPr lang="pt-PT" smtClean="0"/>
-              <a:pPr/>
-              <a:t>26</a:t>
-            </a:fld>
-            <a:endParaRPr lang="pt-PT"/>
-          </a:p>
-        </p:txBody>
-      </p:sp>
-    </p:spTree>
-  </p:cSld>
-  <p:clrMapOvr>
-    <a:masterClrMapping/>
-  </p:clrMapOvr>
-  <p:timing>
-    <p:tnLst>
-      <p:par>
-        <p:cTn id="1" dur="indefinite" restart="never" nodeType="tmRoot"/>
-      </p:par>
-    </p:tnLst>
-  </p:timing>
-</p:sld>
-</file>
-
-<file path=ppt/slides/slide27.xml><?xml version="1.0" encoding="utf-8"?>
-<p:sld xmlns:a="http://schemas.openxmlformats.org/drawingml/2006/main" xmlns:r="http://schemas.openxmlformats.org/officeDocument/2006/relationships" xmlns:p="http://schemas.openxmlformats.org/presentationml/2006/main">
-  <p:cSld>
-    <p:spTree>
-      <p:nvGrpSpPr>
-        <p:cNvPr id="1" name=""/>
-        <p:cNvGrpSpPr/>
-        <p:nvPr/>
-      </p:nvGrpSpPr>
-      <p:grpSpPr>
-        <a:xfrm>
-          <a:off x="0" y="0"/>
-          <a:ext cx="0" cy="0"/>
-          <a:chOff x="0" y="0"/>
-          <a:chExt cx="0" cy="0"/>
-        </a:xfrm>
-      </p:grpSpPr>
-      <p:sp>
-        <p:nvSpPr>
           <p:cNvPr id="7" name="Título 6"/>
           <p:cNvSpPr>
             <a:spLocks noGrp="1"/>
@@ -14717,7 +14535,7 @@
             <a:fld id="{AC560869-1695-4081-8E6F-05D0DB8947D3}" type="slidenum">
               <a:rPr lang="pt-PT" smtClean="0"/>
               <a:pPr/>
-              <a:t>27</a:t>
+              <a:t>26</a:t>
             </a:fld>
             <a:endParaRPr lang="pt-PT"/>
           </a:p>
@@ -14812,7 +14630,7 @@
 </p:sld>
 </file>
 
-<file path=ppt/slides/slide28.xml><?xml version="1.0" encoding="utf-8"?>
+<file path=ppt/slides/slide27.xml><?xml version="1.0" encoding="utf-8"?>
 <p:sld xmlns:a="http://schemas.openxmlformats.org/drawingml/2006/main" xmlns:r="http://schemas.openxmlformats.org/officeDocument/2006/relationships" xmlns:p="http://schemas.openxmlformats.org/presentationml/2006/main">
   <p:cSld>
     <p:spTree>
@@ -16236,7 +16054,7 @@
             <a:fld id="{AC560869-1695-4081-8E6F-05D0DB8947D3}" type="slidenum">
               <a:rPr lang="pt-PT" smtClean="0"/>
               <a:pPr/>
-              <a:t>28</a:t>
+              <a:t>27</a:t>
             </a:fld>
             <a:endParaRPr lang="pt-PT"/>
           </a:p>
@@ -17286,6 +17104,147 @@
 </p:sld>
 </file>
 
+<file path=ppt/slides/slide28.xml><?xml version="1.0" encoding="utf-8"?>
+<p:sld xmlns:a="http://schemas.openxmlformats.org/drawingml/2006/main" xmlns:r="http://schemas.openxmlformats.org/officeDocument/2006/relationships" xmlns:p="http://schemas.openxmlformats.org/presentationml/2006/main">
+  <p:cSld>
+    <p:spTree>
+      <p:nvGrpSpPr>
+        <p:cNvPr id="1" name=""/>
+        <p:cNvGrpSpPr/>
+        <p:nvPr/>
+      </p:nvGrpSpPr>
+      <p:grpSpPr>
+        <a:xfrm>
+          <a:off x="0" y="0"/>
+          <a:ext cx="0" cy="0"/>
+          <a:chOff x="0" y="0"/>
+          <a:chExt cx="0" cy="0"/>
+        </a:xfrm>
+      </p:grpSpPr>
+      <p:sp>
+        <p:nvSpPr>
+          <p:cNvPr id="2" name="Título 1"/>
+          <p:cNvSpPr>
+            <a:spLocks noGrp="1"/>
+          </p:cNvSpPr>
+          <p:nvPr>
+            <p:ph type="title"/>
+          </p:nvPr>
+        </p:nvSpPr>
+        <p:spPr>
+          <a:xfrm>
+            <a:off x="457200" y="404664"/>
+            <a:ext cx="8229600" cy="1066800"/>
+          </a:xfrm>
+        </p:spPr>
+        <p:txBody>
+          <a:bodyPr/>
+          <a:lstStyle/>
+          <a:p>
+            <a:r>
+              <a:rPr lang="pt-PT" smtClean="0"/>
+              <a:t>Avaliação</a:t>
+            </a:r>
+            <a:endParaRPr lang="pt-PT"/>
+          </a:p>
+        </p:txBody>
+      </p:sp>
+      <p:sp>
+        <p:nvSpPr>
+          <p:cNvPr id="3" name="Marcador de Posição de Conteúdo 2"/>
+          <p:cNvSpPr>
+            <a:spLocks noGrp="1"/>
+          </p:cNvSpPr>
+          <p:nvPr>
+            <p:ph idx="1"/>
+          </p:nvPr>
+        </p:nvSpPr>
+        <p:spPr>
+          <a:xfrm>
+            <a:off x="457200" y="1480152"/>
+            <a:ext cx="8229600" cy="4829168"/>
+          </a:xfrm>
+        </p:spPr>
+        <p:txBody>
+          <a:bodyPr>
+            <a:normAutofit/>
+          </a:bodyPr>
+          <a:lstStyle/>
+          <a:p>
+            <a:pPr lvl="2"/>
+            <a:endParaRPr lang="pt-PT" smtClean="0"/>
+          </a:p>
+          <a:p>
+            <a:pPr lvl="2"/>
+            <a:r>
+              <a:rPr lang="pt-PT" smtClean="0"/>
+              <a:t>2 testes com tráfego paralelo</a:t>
+            </a:r>
+          </a:p>
+          <a:p>
+            <a:pPr lvl="2"/>
+            <a:r>
+              <a:rPr lang="pt-PT" smtClean="0"/>
+              <a:t>Avaliação de desempenho no pior caso (4 testes) (em que se tenha de capturar tudo)</a:t>
+            </a:r>
+          </a:p>
+          <a:p>
+            <a:pPr lvl="2"/>
+            <a:r>
+              <a:rPr lang="pt-PT" smtClean="0"/>
+              <a:t>Avaliação de desempenho com tráfego paralelo (capturar apenas um fluxo)</a:t>
+            </a:r>
+          </a:p>
+          <a:p>
+            <a:pPr lvl="1"/>
+            <a:endParaRPr lang="pt-PT"/>
+          </a:p>
+        </p:txBody>
+      </p:sp>
+      <p:sp>
+        <p:nvSpPr>
+          <p:cNvPr id="5" name="Marcador de Posição do Número do Diapositivo 4"/>
+          <p:cNvSpPr>
+            <a:spLocks noGrp="1"/>
+          </p:cNvSpPr>
+          <p:nvPr>
+            <p:ph type="sldNum" sz="quarter" idx="12"/>
+          </p:nvPr>
+        </p:nvSpPr>
+        <p:spPr/>
+        <p:txBody>
+          <a:bodyPr/>
+          <a:lstStyle/>
+          <a:p>
+            <a:fld id="{AC560869-1695-4081-8E6F-05D0DB8947D3}" type="slidenum">
+              <a:rPr lang="pt-PT" smtClean="0"/>
+              <a:pPr/>
+              <a:t>28</a:t>
+            </a:fld>
+            <a:endParaRPr lang="pt-PT"/>
+          </a:p>
+        </p:txBody>
+      </p:sp>
+    </p:spTree>
+    <p:extLst>
+      <p:ext uri="{BB962C8B-B14F-4D97-AF65-F5344CB8AC3E}">
+        <p14:creationId xmlns="" xmlns:p14="http://schemas.microsoft.com/office/powerpoint/2010/main" val="2480020566"/>
+      </p:ext>
+    </p:extLst>
+  </p:cSld>
+  <p:clrMapOvr>
+    <a:masterClrMapping/>
+  </p:clrMapOvr>
+  <p:timing>
+    <p:tnLst>
+      <p:par>
+        <p:cTn id="1" dur="indefinite" restart="never" nodeType="tmRoot"/>
+      </p:par>
+    </p:tnLst>
+  </p:timing>
+</p:sld>
+</file>
+
 <file path=ppt/slides/slide29.xml><?xml version="1.0" encoding="utf-8"?>
 <p:sld xmlns:a="http://schemas.openxmlformats.org/drawingml/2006/main" xmlns:r="http://schemas.openxmlformats.org/officeDocument/2006/relationships" xmlns:p="http://schemas.openxmlformats.org/presentationml/2006/main">
   <p:cSld>
@@ -17315,36 +17274,8 @@
         </p:nvSpPr>
         <p:spPr>
           <a:xfrm>
-            <a:off x="457200" y="404664"/>
+            <a:off x="35496" y="404664"/>
             <a:ext cx="8229600" cy="1066800"/>
-          </a:xfrm>
-        </p:spPr>
-        <p:txBody>
-          <a:bodyPr/>
-          <a:lstStyle/>
-          <a:p>
-            <a:r>
-              <a:rPr lang="pt-PT" smtClean="0"/>
-              <a:t>Avaliação</a:t>
-            </a:r>
-            <a:endParaRPr lang="pt-PT"/>
-          </a:p>
-        </p:txBody>
-      </p:sp>
-      <p:sp>
-        <p:nvSpPr>
-          <p:cNvPr id="3" name="Marcador de Posição de Conteúdo 2"/>
-          <p:cNvSpPr>
-            <a:spLocks noGrp="1"/>
-          </p:cNvSpPr>
-          <p:nvPr>
-            <p:ph idx="1"/>
-          </p:nvPr>
-        </p:nvSpPr>
-        <p:spPr>
-          <a:xfrm>
-            <a:off x="457200" y="1480152"/>
-            <a:ext cx="8229600" cy="4829168"/>
           </a:xfrm>
         </p:spPr>
         <p:txBody>
@@ -17353,32 +17284,10 @@
           </a:bodyPr>
           <a:lstStyle/>
           <a:p>
-            <a:pPr lvl="2"/>
-            <a:endParaRPr lang="pt-PT" smtClean="0"/>
-          </a:p>
-          <a:p>
-            <a:pPr lvl="2"/>
             <a:r>
               <a:rPr lang="pt-PT" smtClean="0"/>
-              <a:t>2 testes com tráfego paralelo</a:t>
-            </a:r>
-          </a:p>
-          <a:p>
-            <a:pPr lvl="2"/>
-            <a:r>
-              <a:rPr lang="pt-PT" smtClean="0"/>
-              <a:t>Avaliação de desempenho no pior caso (4 testes) (em que se tenha de capturar tudo)</a:t>
-            </a:r>
-          </a:p>
-          <a:p>
-            <a:pPr lvl="2"/>
-            <a:r>
-              <a:rPr lang="pt-PT" smtClean="0"/>
-              <a:t>Avaliação de desempenho com tráfego paralelo (capturar apenas um fluxo)</a:t>
-            </a:r>
-          </a:p>
-          <a:p>
-            <a:pPr lvl="1"/>
+              <a:t>Avaliação de desempenho (V)</a:t>
+            </a:r>
             <a:endParaRPr lang="pt-PT"/>
           </a:p>
         </p:txBody>
@@ -17407,12 +17316,55 @@
           </a:p>
         </p:txBody>
       </p:sp>
+      <p:graphicFrame>
+        <p:nvGraphicFramePr>
+          <p:cNvPr id="10" name="Gráfico 9"/>
+          <p:cNvGraphicFramePr>
+            <a:graphicFrameLocks/>
+          </p:cNvGraphicFramePr>
+          <p:nvPr>
+            <p:extLst>
+              <p:ext uri="{D42A27DB-BD31-4B8C-83A1-F6EECF244321}">
+                <p14:modId xmlns="" xmlns:p14="http://schemas.microsoft.com/office/powerpoint/2010/main" val="3402441427"/>
+              </p:ext>
+            </p:extLst>
+          </p:nvPr>
+        </p:nvGraphicFramePr>
+        <p:xfrm>
+          <a:off x="-828600" y="1916832"/>
+          <a:ext cx="5544616" cy="4248472"/>
+        </p:xfrm>
+        <a:graphic>
+          <a:graphicData uri="http://schemas.openxmlformats.org/drawingml/2006/chart">
+            <c:chart xmlns:c="http://schemas.openxmlformats.org/drawingml/2006/chart" xmlns:r="http://schemas.openxmlformats.org/officeDocument/2006/relationships" r:id="rId2"/>
+          </a:graphicData>
+        </a:graphic>
+      </p:graphicFrame>
+      <p:graphicFrame>
+        <p:nvGraphicFramePr>
+          <p:cNvPr id="11" name="Gráfico 10"/>
+          <p:cNvGraphicFramePr>
+            <a:graphicFrameLocks/>
+          </p:cNvGraphicFramePr>
+          <p:nvPr>
+            <p:extLst>
+              <p:ext uri="{D42A27DB-BD31-4B8C-83A1-F6EECF244321}">
+                <p14:modId xmlns="" xmlns:p14="http://schemas.microsoft.com/office/powerpoint/2010/main" val="4122839546"/>
+              </p:ext>
+            </p:extLst>
+          </p:nvPr>
+        </p:nvGraphicFramePr>
+        <p:xfrm>
+          <a:off x="4716016" y="1916832"/>
+          <a:ext cx="4572000" cy="4104456"/>
+        </p:xfrm>
+        <a:graphic>
+          <a:graphicData uri="http://schemas.openxmlformats.org/drawingml/2006/chart">
+            <c:chart xmlns:c="http://schemas.openxmlformats.org/drawingml/2006/chart" xmlns:r="http://schemas.openxmlformats.org/officeDocument/2006/relationships" r:id="rId3"/>
+          </a:graphicData>
+        </a:graphic>
+      </p:graphicFrame>
     </p:spTree>
-    <p:extLst>
-      <p:ext uri="{BB962C8B-B14F-4D97-AF65-F5344CB8AC3E}">
-        <p14:creationId xmlns:p14="http://schemas.microsoft.com/office/powerpoint/2010/main" xmlns="" val="2480020566"/>
-      </p:ext>
-    </p:extLst>
   </p:cSld>
   <p:clrMapOvr>
     <a:masterClrMapping/>
@@ -17554,821 +17506,6 @@
         </p:nvSpPr>
         <p:spPr>
           <a:xfrm>
-            <a:off x="35496" y="404664"/>
-            <a:ext cx="8229600" cy="1066800"/>
-          </a:xfrm>
-        </p:spPr>
-        <p:txBody>
-          <a:bodyPr>
-            <a:normAutofit/>
-          </a:bodyPr>
-          <a:lstStyle/>
-          <a:p>
-            <a:r>
-              <a:rPr lang="pt-PT" smtClean="0"/>
-              <a:t>Avaliação de desempenho (V)</a:t>
-            </a:r>
-            <a:endParaRPr lang="pt-PT"/>
-          </a:p>
-        </p:txBody>
-      </p:sp>
-      <p:sp>
-        <p:nvSpPr>
-          <p:cNvPr id="5" name="Marcador de Posição do Número do Diapositivo 4"/>
-          <p:cNvSpPr>
-            <a:spLocks noGrp="1"/>
-          </p:cNvSpPr>
-          <p:nvPr>
-            <p:ph type="sldNum" sz="quarter" idx="12"/>
-          </p:nvPr>
-        </p:nvSpPr>
-        <p:spPr/>
-        <p:txBody>
-          <a:bodyPr/>
-          <a:lstStyle/>
-          <a:p>
-            <a:fld id="{AC560869-1695-4081-8E6F-05D0DB8947D3}" type="slidenum">
-              <a:rPr lang="pt-PT" smtClean="0"/>
-              <a:pPr/>
-              <a:t>30</a:t>
-            </a:fld>
-            <a:endParaRPr lang="pt-PT"/>
-          </a:p>
-        </p:txBody>
-      </p:sp>
-      <p:graphicFrame>
-        <p:nvGraphicFramePr>
-          <p:cNvPr id="10" name="Gráfico 9"/>
-          <p:cNvGraphicFramePr>
-            <a:graphicFrameLocks/>
-          </p:cNvGraphicFramePr>
-          <p:nvPr>
-            <p:extLst>
-              <p:ext uri="{D42A27DB-BD31-4B8C-83A1-F6EECF244321}">
-                <p14:modId xmlns:p14="http://schemas.microsoft.com/office/powerpoint/2010/main" xmlns="" val="3402441427"/>
-              </p:ext>
-            </p:extLst>
-          </p:nvPr>
-        </p:nvGraphicFramePr>
-        <p:xfrm>
-          <a:off x="-828600" y="1916832"/>
-          <a:ext cx="5544616" cy="4248472"/>
-        </p:xfrm>
-        <a:graphic>
-          <a:graphicData uri="http://schemas.openxmlformats.org/drawingml/2006/chart">
-            <c:chart xmlns:c="http://schemas.openxmlformats.org/drawingml/2006/chart" xmlns:r="http://schemas.openxmlformats.org/officeDocument/2006/relationships" r:id="rId2"/>
-          </a:graphicData>
-        </a:graphic>
-      </p:graphicFrame>
-      <p:graphicFrame>
-        <p:nvGraphicFramePr>
-          <p:cNvPr id="11" name="Gráfico 10"/>
-          <p:cNvGraphicFramePr>
-            <a:graphicFrameLocks/>
-          </p:cNvGraphicFramePr>
-          <p:nvPr>
-            <p:extLst>
-              <p:ext uri="{D42A27DB-BD31-4B8C-83A1-F6EECF244321}">
-                <p14:modId xmlns:p14="http://schemas.microsoft.com/office/powerpoint/2010/main" xmlns="" val="4122839546"/>
-              </p:ext>
-            </p:extLst>
-          </p:nvPr>
-        </p:nvGraphicFramePr>
-        <p:xfrm>
-          <a:off x="4716016" y="1916832"/>
-          <a:ext cx="4572000" cy="4104456"/>
-        </p:xfrm>
-        <a:graphic>
-          <a:graphicData uri="http://schemas.openxmlformats.org/drawingml/2006/chart">
-            <c:chart xmlns:c="http://schemas.openxmlformats.org/drawingml/2006/chart" xmlns:r="http://schemas.openxmlformats.org/officeDocument/2006/relationships" r:id="rId3"/>
-          </a:graphicData>
-        </a:graphic>
-      </p:graphicFrame>
-    </p:spTree>
-  </p:cSld>
-  <p:clrMapOvr>
-    <a:masterClrMapping/>
-  </p:clrMapOvr>
-  <p:timing>
-    <p:tnLst>
-      <p:par>
-        <p:cTn id="1" dur="indefinite" restart="never" nodeType="tmRoot"/>
-      </p:par>
-    </p:tnLst>
-  </p:timing>
-</p:sld>
-</file>
-
-<file path=ppt/slides/slide4.xml><?xml version="1.0" encoding="utf-8"?>
-<p:sld xmlns:a="http://schemas.openxmlformats.org/drawingml/2006/main" xmlns:r="http://schemas.openxmlformats.org/officeDocument/2006/relationships" xmlns:p="http://schemas.openxmlformats.org/presentationml/2006/main">
-  <p:cSld>
-    <p:spTree>
-      <p:nvGrpSpPr>
-        <p:cNvPr id="1" name=""/>
-        <p:cNvGrpSpPr/>
-        <p:nvPr/>
-      </p:nvGrpSpPr>
-      <p:grpSpPr>
-        <a:xfrm>
-          <a:off x="0" y="0"/>
-          <a:ext cx="0" cy="0"/>
-          <a:chOff x="0" y="0"/>
-          <a:chExt cx="0" cy="0"/>
-        </a:xfrm>
-      </p:grpSpPr>
-      <p:sp>
-        <p:nvSpPr>
-          <p:cNvPr id="2" name="Título 1"/>
-          <p:cNvSpPr>
-            <a:spLocks noGrp="1"/>
-          </p:cNvSpPr>
-          <p:nvPr>
-            <p:ph type="title"/>
-          </p:nvPr>
-        </p:nvSpPr>
-        <p:spPr>
-          <a:xfrm>
-            <a:off x="179512" y="404664"/>
-            <a:ext cx="8229600" cy="1066800"/>
-          </a:xfrm>
-        </p:spPr>
-        <p:txBody>
-          <a:bodyPr/>
-          <a:lstStyle/>
-          <a:p>
-            <a:r>
-              <a:rPr lang="pt-PT" dirty="0" smtClean="0"/>
-              <a:t>Motivação</a:t>
-            </a:r>
-            <a:endParaRPr lang="pt-PT" dirty="0"/>
-          </a:p>
-        </p:txBody>
-      </p:sp>
-      <p:sp>
-        <p:nvSpPr>
-          <p:cNvPr id="3" name="Marcador de Posição de Conteúdo 2"/>
-          <p:cNvSpPr>
-            <a:spLocks noGrp="1"/>
-          </p:cNvSpPr>
-          <p:nvPr>
-            <p:ph idx="1"/>
-          </p:nvPr>
-        </p:nvSpPr>
-        <p:spPr>
-          <a:xfrm>
-            <a:off x="179512" y="1484784"/>
-            <a:ext cx="8229600" cy="5112568"/>
-          </a:xfrm>
-        </p:spPr>
-        <p:txBody>
-          <a:bodyPr>
-            <a:normAutofit fontScale="77500" lnSpcReduction="20000"/>
-          </a:bodyPr>
-          <a:lstStyle/>
-          <a:p>
-            <a:r>
-              <a:rPr lang="pt-PT" dirty="0" smtClean="0"/>
-              <a:t>Monitorização de sistemas distribuídos:</a:t>
-            </a:r>
-          </a:p>
-          <a:p>
-            <a:pPr lvl="1"/>
-            <a:r>
-              <a:rPr lang="pt-PT" dirty="0" smtClean="0"/>
-              <a:t>Análise dos protocolos de comunicação</a:t>
-            </a:r>
-          </a:p>
-          <a:p>
-            <a:pPr lvl="1"/>
-            <a:r>
-              <a:rPr lang="pt-PT" dirty="0" smtClean="0"/>
-              <a:t>Análise das interacções entre entidades distribuídas</a:t>
-            </a:r>
-          </a:p>
-          <a:p>
-            <a:pPr lvl="1"/>
-            <a:r>
-              <a:rPr lang="pt-PT" dirty="0" smtClean="0"/>
-              <a:t>Detecção de falhas, erros, problemas de desempenho, outros...</a:t>
-            </a:r>
-          </a:p>
-          <a:p>
-            <a:pPr marL="411480" lvl="1" indent="0">
-              <a:buNone/>
-            </a:pPr>
-            <a:endParaRPr lang="pt-PT" dirty="0" smtClean="0"/>
-          </a:p>
-          <a:p>
-            <a:r>
-              <a:rPr lang="pt-PT" dirty="0" smtClean="0"/>
-              <a:t>Identificar e capturar apenas os fluxos de dados relevantes:</a:t>
-            </a:r>
-          </a:p>
-          <a:p>
-            <a:pPr lvl="1"/>
-            <a:r>
-              <a:rPr lang="pt-PT" dirty="0" smtClean="0"/>
-              <a:t>Dificuldades acrescidas quando existem muitas outras interacções irrelevantes em curso</a:t>
-            </a:r>
-          </a:p>
-          <a:p>
-            <a:pPr lvl="1">
-              <a:buNone/>
-            </a:pPr>
-            <a:endParaRPr lang="pt-PT" dirty="0" smtClean="0"/>
-          </a:p>
-          <a:p>
-            <a:r>
-              <a:rPr lang="pt-PT" dirty="0" smtClean="0"/>
-              <a:t>Aplicações dinâmicas:</a:t>
-            </a:r>
-          </a:p>
-          <a:p>
-            <a:pPr lvl="1"/>
-            <a:r>
-              <a:rPr lang="pt-PT" dirty="0" smtClean="0"/>
-              <a:t>Interacções variam durante a execução; </a:t>
-            </a:r>
-            <a:r>
-              <a:rPr lang="pt-PT" dirty="0" err="1" smtClean="0"/>
-              <a:t>p.e</a:t>
-            </a:r>
-            <a:r>
-              <a:rPr lang="pt-PT" dirty="0" smtClean="0"/>
-              <a:t>. portos desconhecidos </a:t>
-            </a:r>
-            <a:r>
-              <a:rPr lang="pt-PT" i="1" dirty="0" smtClean="0"/>
-              <a:t>a priori </a:t>
-            </a:r>
-          </a:p>
-          <a:p>
-            <a:pPr lvl="1">
-              <a:buNone/>
-            </a:pPr>
-            <a:endParaRPr lang="pt-PT" dirty="0" smtClean="0"/>
-          </a:p>
-          <a:p>
-            <a:r>
-              <a:rPr lang="pt-PT" dirty="0" smtClean="0"/>
-              <a:t>Sobrecarga do sistema quando se está a efectuar a monitorização:</a:t>
-            </a:r>
-          </a:p>
-          <a:p>
-            <a:pPr lvl="1"/>
-            <a:r>
-              <a:rPr lang="pt-PT" dirty="0" smtClean="0"/>
-              <a:t>Principalmente com elevado tráfego ou um elevado número de interacções</a:t>
-            </a:r>
-            <a:endParaRPr lang="pt-PT" dirty="0"/>
-          </a:p>
-        </p:txBody>
-      </p:sp>
-      <p:sp>
-        <p:nvSpPr>
-          <p:cNvPr id="5" name="Marcador de Posição do Número do Diapositivo 4"/>
-          <p:cNvSpPr>
-            <a:spLocks noGrp="1"/>
-          </p:cNvSpPr>
-          <p:nvPr>
-            <p:ph type="sldNum" sz="quarter" idx="12"/>
-          </p:nvPr>
-        </p:nvSpPr>
-        <p:spPr/>
-        <p:txBody>
-          <a:bodyPr/>
-          <a:lstStyle/>
-          <a:p>
-            <a:fld id="{AC560869-1695-4081-8E6F-05D0DB8947D3}" type="slidenum">
-              <a:rPr lang="pt-PT" smtClean="0"/>
-              <a:pPr/>
-              <a:t>4</a:t>
-            </a:fld>
-            <a:endParaRPr lang="pt-PT"/>
-          </a:p>
-        </p:txBody>
-      </p:sp>
-    </p:spTree>
-  </p:cSld>
-  <p:clrMapOvr>
-    <a:masterClrMapping/>
-  </p:clrMapOvr>
-  <p:timing>
-    <p:tnLst>
-      <p:par>
-        <p:cTn id="1" dur="indefinite" restart="never" nodeType="tmRoot"/>
-      </p:par>
-    </p:tnLst>
-  </p:timing>
-</p:sld>
-</file>
-
-<file path=ppt/slides/slide5.xml><?xml version="1.0" encoding="utf-8"?>
-<p:sld xmlns:a="http://schemas.openxmlformats.org/drawingml/2006/main" xmlns:r="http://schemas.openxmlformats.org/officeDocument/2006/relationships" xmlns:p="http://schemas.openxmlformats.org/presentationml/2006/main">
-  <p:cSld>
-    <p:spTree>
-      <p:nvGrpSpPr>
-        <p:cNvPr id="1" name=""/>
-        <p:cNvGrpSpPr/>
-        <p:nvPr/>
-      </p:nvGrpSpPr>
-      <p:grpSpPr>
-        <a:xfrm>
-          <a:off x="0" y="0"/>
-          <a:ext cx="0" cy="0"/>
-          <a:chOff x="0" y="0"/>
-          <a:chExt cx="0" cy="0"/>
-        </a:xfrm>
-      </p:grpSpPr>
-      <p:sp>
-        <p:nvSpPr>
-          <p:cNvPr id="2" name="Título 1"/>
-          <p:cNvSpPr>
-            <a:spLocks noGrp="1"/>
-          </p:cNvSpPr>
-          <p:nvPr>
-            <p:ph type="title"/>
-          </p:nvPr>
-        </p:nvSpPr>
-        <p:spPr>
-          <a:xfrm>
-            <a:off x="467544" y="634008"/>
-            <a:ext cx="8229600" cy="1066800"/>
-          </a:xfrm>
-        </p:spPr>
-        <p:txBody>
-          <a:bodyPr>
-            <a:normAutofit/>
-          </a:bodyPr>
-          <a:lstStyle/>
-          <a:p>
-            <a:r>
-              <a:rPr lang="pt-PT" dirty="0" smtClean="0"/>
-              <a:t> Monitorização </a:t>
-            </a:r>
-            <a:endParaRPr lang="pt-PT" dirty="0"/>
-          </a:p>
-        </p:txBody>
-      </p:sp>
-      <p:sp>
-        <p:nvSpPr>
-          <p:cNvPr id="3" name="Marcador de Posição de Conteúdo 2"/>
-          <p:cNvSpPr>
-            <a:spLocks noGrp="1"/>
-          </p:cNvSpPr>
-          <p:nvPr>
-            <p:ph idx="1"/>
-          </p:nvPr>
-        </p:nvSpPr>
-        <p:spPr>
-          <a:xfrm>
-            <a:off x="179512" y="1840192"/>
-            <a:ext cx="8784976" cy="4325112"/>
-          </a:xfrm>
-        </p:spPr>
-        <p:txBody>
-          <a:bodyPr>
-            <a:normAutofit lnSpcReduction="10000"/>
-          </a:bodyPr>
-          <a:lstStyle/>
-          <a:p>
-            <a:r>
-              <a:rPr lang="pt-PT" dirty="0" smtClean="0"/>
-              <a:t>Abordagens (para as interacções de um processo)</a:t>
-            </a:r>
-          </a:p>
-          <a:p>
-            <a:pPr lvl="1"/>
-            <a:r>
-              <a:rPr lang="pt-PT" dirty="0"/>
-              <a:t>N</a:t>
-            </a:r>
-            <a:r>
-              <a:rPr lang="pt-PT" dirty="0" smtClean="0"/>
-              <a:t>ível utilizador (1)</a:t>
-            </a:r>
-          </a:p>
-          <a:p>
-            <a:pPr lvl="2"/>
-            <a:r>
-              <a:rPr lang="pt-PT" dirty="0" smtClean="0"/>
-              <a:t>Instrumentação do programa ou bibliotecas para obter a informação relevante</a:t>
-            </a:r>
-          </a:p>
-          <a:p>
-            <a:pPr lvl="2"/>
-            <a:endParaRPr lang="pt-PT" dirty="0" smtClean="0"/>
-          </a:p>
-          <a:p>
-            <a:pPr lvl="1"/>
-            <a:r>
-              <a:rPr lang="pt-PT" dirty="0" smtClean="0"/>
-              <a:t>Com auxílio do núcleo do sistema (2)</a:t>
-            </a:r>
-          </a:p>
-          <a:p>
-            <a:pPr lvl="2"/>
-            <a:r>
-              <a:rPr lang="pt-PT" dirty="0" smtClean="0"/>
-              <a:t>exemplo</a:t>
-            </a:r>
-            <a:r>
-              <a:rPr lang="en-US" dirty="0" smtClean="0"/>
-              <a:t>: </a:t>
-            </a:r>
-            <a:r>
-              <a:rPr lang="pt-PT" dirty="0" smtClean="0"/>
-              <a:t>captura de pacotes através da biblioteca </a:t>
-            </a:r>
-            <a:r>
-              <a:rPr lang="pt-PT" i="1" dirty="0" err="1" smtClean="0"/>
-              <a:t>PCap</a:t>
-            </a:r>
-            <a:r>
-              <a:rPr lang="pt-PT" dirty="0" smtClean="0"/>
-              <a:t> </a:t>
-            </a:r>
-            <a:endParaRPr lang="pt-PT" dirty="0"/>
-          </a:p>
-          <a:p>
-            <a:pPr lvl="2"/>
-            <a:r>
-              <a:rPr lang="pt-PT" dirty="0" smtClean="0"/>
-              <a:t>monitorização do processo para obter as alterações nas interacções via rede</a:t>
-            </a:r>
-          </a:p>
-          <a:p>
-            <a:pPr lvl="2"/>
-            <a:r>
-              <a:rPr lang="pt-PT" dirty="0" smtClean="0"/>
-              <a:t>filtrar a informação relevante</a:t>
-            </a:r>
-          </a:p>
-          <a:p>
-            <a:pPr lvl="8">
-              <a:buNone/>
-            </a:pPr>
-            <a:r>
-              <a:rPr lang="pt-PT" dirty="0" smtClean="0"/>
-              <a:t>		</a:t>
-            </a:r>
-            <a:endParaRPr lang="pt-PT" dirty="0"/>
-          </a:p>
-        </p:txBody>
-      </p:sp>
-      <p:sp>
-        <p:nvSpPr>
-          <p:cNvPr id="4" name="Marcador de Posição do Número do Diapositivo 3"/>
-          <p:cNvSpPr>
-            <a:spLocks noGrp="1"/>
-          </p:cNvSpPr>
-          <p:nvPr>
-            <p:ph type="sldNum" sz="quarter" idx="12"/>
-          </p:nvPr>
-        </p:nvSpPr>
-        <p:spPr/>
-        <p:txBody>
-          <a:bodyPr/>
-          <a:lstStyle/>
-          <a:p>
-            <a:fld id="{AC560869-1695-4081-8E6F-05D0DB8947D3}" type="slidenum">
-              <a:rPr lang="pt-PT" smtClean="0"/>
-              <a:pPr/>
-              <a:t>5</a:t>
-            </a:fld>
-            <a:endParaRPr lang="pt-PT"/>
-          </a:p>
-        </p:txBody>
-      </p:sp>
-    </p:spTree>
-  </p:cSld>
-  <p:clrMapOvr>
-    <a:masterClrMapping/>
-  </p:clrMapOvr>
-  <p:timing>
-    <p:tnLst>
-      <p:par>
-        <p:cTn id="1" dur="indefinite" restart="never" nodeType="tmRoot"/>
-      </p:par>
-    </p:tnLst>
-  </p:timing>
-</p:sld>
-</file>
-
-<file path=ppt/slides/slide6.xml><?xml version="1.0" encoding="utf-8"?>
-<p:sld xmlns:a="http://schemas.openxmlformats.org/drawingml/2006/main" xmlns:r="http://schemas.openxmlformats.org/officeDocument/2006/relationships" xmlns:p="http://schemas.openxmlformats.org/presentationml/2006/main">
-  <p:cSld>
-    <p:spTree>
-      <p:nvGrpSpPr>
-        <p:cNvPr id="1" name=""/>
-        <p:cNvGrpSpPr/>
-        <p:nvPr/>
-      </p:nvGrpSpPr>
-      <p:grpSpPr>
-        <a:xfrm>
-          <a:off x="0" y="0"/>
-          <a:ext cx="0" cy="0"/>
-          <a:chOff x="0" y="0"/>
-          <a:chExt cx="0" cy="0"/>
-        </a:xfrm>
-      </p:grpSpPr>
-      <p:sp>
-        <p:nvSpPr>
-          <p:cNvPr id="2" name="Título 1"/>
-          <p:cNvSpPr>
-            <a:spLocks noGrp="1"/>
-          </p:cNvSpPr>
-          <p:nvPr>
-            <p:ph type="title"/>
-          </p:nvPr>
-        </p:nvSpPr>
-        <p:spPr>
-          <a:xfrm>
-            <a:off x="457200" y="404664"/>
-            <a:ext cx="8229600" cy="1066800"/>
-          </a:xfrm>
-        </p:spPr>
-        <p:txBody>
-          <a:bodyPr/>
-          <a:lstStyle/>
-          <a:p>
-            <a:r>
-              <a:rPr lang="pt-PT" dirty="0" smtClean="0"/>
-              <a:t>Monitorização de rede</a:t>
-            </a:r>
-            <a:endParaRPr lang="pt-PT" dirty="0"/>
-          </a:p>
-        </p:txBody>
-      </p:sp>
-      <p:sp>
-        <p:nvSpPr>
-          <p:cNvPr id="3" name="Marcador de Posição de Conteúdo 2"/>
-          <p:cNvSpPr>
-            <a:spLocks noGrp="1"/>
-          </p:cNvSpPr>
-          <p:nvPr>
-            <p:ph idx="1"/>
-          </p:nvPr>
-        </p:nvSpPr>
-        <p:spPr>
-          <a:xfrm>
-            <a:off x="457200" y="1484784"/>
-            <a:ext cx="8229600" cy="4608512"/>
-          </a:xfrm>
-        </p:spPr>
-        <p:txBody>
-          <a:bodyPr>
-            <a:normAutofit fontScale="85000" lnSpcReduction="20000"/>
-          </a:bodyPr>
-          <a:lstStyle/>
-          <a:p>
-            <a:r>
-              <a:rPr lang="pt-PT" dirty="0"/>
-              <a:t>Monitorização do processo alvo </a:t>
-            </a:r>
-            <a:endParaRPr lang="pt-PT" dirty="0" smtClean="0"/>
-          </a:p>
-          <a:p>
-            <a:pPr lvl="1"/>
-            <a:r>
-              <a:rPr lang="en-US" dirty="0" smtClean="0"/>
-              <a:t>M</a:t>
-            </a:r>
-            <a:r>
-              <a:rPr lang="pt-PT" dirty="0" err="1" smtClean="0"/>
-              <a:t>anter</a:t>
-            </a:r>
-            <a:r>
-              <a:rPr lang="pt-PT" dirty="0" smtClean="0"/>
-              <a:t> actualizado o estado relativamente às interacções por rede (portos/</a:t>
-            </a:r>
-            <a:r>
-              <a:rPr lang="pt-PT" i="1" dirty="0" err="1" smtClean="0"/>
-              <a:t>sockets</a:t>
-            </a:r>
-            <a:r>
-              <a:rPr lang="pt-PT" dirty="0" smtClean="0"/>
-              <a:t>)</a:t>
-            </a:r>
-          </a:p>
-          <a:p>
-            <a:pPr lvl="2">
-              <a:buNone/>
-            </a:pPr>
-            <a:endParaRPr lang="pt-PT" dirty="0" smtClean="0"/>
-          </a:p>
-          <a:p>
-            <a:r>
-              <a:rPr lang="pt-PT" dirty="0" smtClean="0"/>
-              <a:t>Abordagem 1</a:t>
-            </a:r>
-          </a:p>
-          <a:p>
-            <a:pPr lvl="1"/>
-            <a:r>
-              <a:rPr lang="pt-PT" dirty="0"/>
-              <a:t>Instrumentação das funções de rede (</a:t>
-            </a:r>
-            <a:r>
-              <a:rPr lang="pt-PT" dirty="0" err="1" smtClean="0"/>
-              <a:t>p.e</a:t>
-            </a:r>
-            <a:r>
-              <a:rPr lang="pt-PT" dirty="0" smtClean="0"/>
-              <a:t> na </a:t>
-            </a:r>
-            <a:r>
-              <a:rPr lang="pt-PT" dirty="0" err="1" smtClean="0"/>
-              <a:t>libC</a:t>
-            </a:r>
-            <a:r>
-              <a:rPr lang="pt-PT" dirty="0" smtClean="0"/>
-              <a:t>) e capturar os dados relevantes no processo alvo</a:t>
-            </a:r>
-          </a:p>
-          <a:p>
-            <a:r>
-              <a:rPr lang="pt-PT" dirty="0" smtClean="0"/>
-              <a:t>Abordagem 2</a:t>
-            </a:r>
-          </a:p>
-          <a:p>
-            <a:pPr lvl="1"/>
-            <a:r>
-              <a:rPr lang="pt-PT" dirty="0"/>
-              <a:t>Instrumentação das funções de </a:t>
-            </a:r>
-            <a:r>
-              <a:rPr lang="pt-PT" dirty="0" smtClean="0"/>
-              <a:t>rede (</a:t>
-            </a:r>
-            <a:r>
-              <a:rPr lang="pt-PT" dirty="0" err="1"/>
-              <a:t>p.e</a:t>
-            </a:r>
-            <a:r>
-              <a:rPr lang="pt-PT" dirty="0"/>
-              <a:t> na </a:t>
-            </a:r>
-            <a:r>
-              <a:rPr lang="pt-PT" dirty="0" err="1"/>
-              <a:t>libC</a:t>
-            </a:r>
-            <a:r>
-              <a:rPr lang="pt-PT" dirty="0" smtClean="0"/>
-              <a:t>); </a:t>
-            </a:r>
-            <a:r>
-              <a:rPr lang="pt-PT" dirty="0"/>
-              <a:t>utilização do suporte do </a:t>
-            </a:r>
-            <a:r>
-              <a:rPr lang="pt-PT" dirty="0" err="1"/>
-              <a:t>ptrace</a:t>
-            </a:r>
-            <a:r>
-              <a:rPr lang="pt-PT" dirty="0"/>
-              <a:t>; instrumentação no núcleo das chamadas de rede (</a:t>
-            </a:r>
-            <a:r>
-              <a:rPr lang="pt-PT" dirty="0" err="1"/>
-              <a:t>p.e</a:t>
-            </a:r>
-            <a:r>
-              <a:rPr lang="pt-PT" dirty="0"/>
-              <a:t>. </a:t>
-            </a:r>
-            <a:r>
-              <a:rPr lang="en-US" i="1" dirty="0" smtClean="0"/>
-              <a:t>K</a:t>
-            </a:r>
-            <a:r>
-              <a:rPr lang="pt-PT" i="1" dirty="0" err="1" smtClean="0"/>
-              <a:t>Probes</a:t>
-            </a:r>
-            <a:r>
-              <a:rPr lang="pt-PT" dirty="0" smtClean="0"/>
-              <a:t>)</a:t>
-            </a:r>
-            <a:endParaRPr lang="pt-PT" dirty="0"/>
-          </a:p>
-          <a:p>
-            <a:pPr lvl="1"/>
-            <a:r>
-              <a:rPr lang="pt-PT" dirty="0" smtClean="0"/>
-              <a:t>Capturar todo o tráfego via </a:t>
-            </a:r>
-            <a:r>
-              <a:rPr lang="pt-PT" dirty="0" err="1" smtClean="0"/>
-              <a:t>PCap</a:t>
-            </a:r>
-            <a:r>
-              <a:rPr lang="pt-PT" dirty="0" smtClean="0"/>
-              <a:t> e filtrar com base no estado do processo</a:t>
-            </a:r>
-          </a:p>
-          <a:p>
-            <a:pPr lvl="1"/>
-            <a:r>
-              <a:rPr lang="pt-PT" dirty="0" smtClean="0"/>
-              <a:t>Ou tentar manter actualizado </a:t>
-            </a:r>
-            <a:r>
-              <a:rPr lang="pt-PT" dirty="0"/>
-              <a:t>o </a:t>
-            </a:r>
-            <a:r>
-              <a:rPr lang="pt-PT" dirty="0" smtClean="0"/>
-              <a:t>filtro LSF </a:t>
-            </a:r>
-            <a:r>
-              <a:rPr lang="pt-PT" dirty="0"/>
-              <a:t>no núcleo via </a:t>
-            </a:r>
-            <a:r>
-              <a:rPr lang="pt-PT" dirty="0" smtClean="0"/>
-              <a:t>a </a:t>
-            </a:r>
-            <a:r>
-              <a:rPr lang="pt-PT" smtClean="0"/>
-              <a:t>biblioteca PCap</a:t>
-            </a:r>
-            <a:endParaRPr lang="pt-PT" dirty="0"/>
-          </a:p>
-          <a:p>
-            <a:pPr lvl="1"/>
-            <a:endParaRPr lang="pt-PT" dirty="0"/>
-          </a:p>
-        </p:txBody>
-      </p:sp>
-      <p:sp>
-        <p:nvSpPr>
-          <p:cNvPr id="5" name="Marcador de Posição do Número do Diapositivo 4"/>
-          <p:cNvSpPr>
-            <a:spLocks noGrp="1"/>
-          </p:cNvSpPr>
-          <p:nvPr>
-            <p:ph type="sldNum" sz="quarter" idx="12"/>
-          </p:nvPr>
-        </p:nvSpPr>
-        <p:spPr/>
-        <p:txBody>
-          <a:bodyPr/>
-          <a:lstStyle/>
-          <a:p>
-            <a:fld id="{AC560869-1695-4081-8E6F-05D0DB8947D3}" type="slidenum">
-              <a:rPr lang="pt-PT" smtClean="0"/>
-              <a:pPr/>
-              <a:t>6</a:t>
-            </a:fld>
-            <a:endParaRPr lang="pt-PT"/>
-          </a:p>
-        </p:txBody>
-      </p:sp>
-    </p:spTree>
-  </p:cSld>
-  <p:clrMapOvr>
-    <a:masterClrMapping/>
-  </p:clrMapOvr>
-  <p:timing>
-    <p:tnLst>
-      <p:par>
-        <p:cTn id="1" dur="indefinite" restart="never" nodeType="tmRoot"/>
-      </p:par>
-    </p:tnLst>
-  </p:timing>
-</p:sld>
-</file>
-
-<file path=ppt/slides/slide7.xml><?xml version="1.0" encoding="utf-8"?>
-<p:sld xmlns:a="http://schemas.openxmlformats.org/drawingml/2006/main" xmlns:r="http://schemas.openxmlformats.org/officeDocument/2006/relationships" xmlns:p="http://schemas.openxmlformats.org/presentationml/2006/main">
-  <p:cSld>
-    <p:spTree>
-      <p:nvGrpSpPr>
-        <p:cNvPr id="1" name=""/>
-        <p:cNvGrpSpPr/>
-        <p:nvPr/>
-      </p:nvGrpSpPr>
-      <p:grpSpPr>
-        <a:xfrm>
-          <a:off x="0" y="0"/>
-          <a:ext cx="0" cy="0"/>
-          <a:chOff x="0" y="0"/>
-          <a:chExt cx="0" cy="0"/>
-        </a:xfrm>
-      </p:grpSpPr>
-      <p:sp>
-        <p:nvSpPr>
-          <p:cNvPr id="2" name="Título 1"/>
-          <p:cNvSpPr>
-            <a:spLocks noGrp="1"/>
-          </p:cNvSpPr>
-          <p:nvPr>
-            <p:ph type="title"/>
-          </p:nvPr>
-        </p:nvSpPr>
-        <p:spPr>
-          <a:xfrm>
             <a:off x="323528" y="620688"/>
             <a:ext cx="8229600" cy="1066800"/>
           </a:xfrm>
@@ -18878,7 +18015,7 @@
             <a:fld id="{AC560869-1695-4081-8E6F-05D0DB8947D3}" type="slidenum">
               <a:rPr lang="pt-PT" smtClean="0"/>
               <a:pPr/>
-              <a:t>7</a:t>
+              <a:t>30</a:t>
             </a:fld>
             <a:endParaRPr lang="pt-PT"/>
           </a:p>
@@ -19578,6 +18715,843 @@
 </p:sld>
 </file>
 
+<file path=ppt/slides/slide4.xml><?xml version="1.0" encoding="utf-8"?>
+<p:sld xmlns:a="http://schemas.openxmlformats.org/drawingml/2006/main" xmlns:r="http://schemas.openxmlformats.org/officeDocument/2006/relationships" xmlns:p="http://schemas.openxmlformats.org/presentationml/2006/main">
+  <p:cSld>
+    <p:spTree>
+      <p:nvGrpSpPr>
+        <p:cNvPr id="1" name=""/>
+        <p:cNvGrpSpPr/>
+        <p:nvPr/>
+      </p:nvGrpSpPr>
+      <p:grpSpPr>
+        <a:xfrm>
+          <a:off x="0" y="0"/>
+          <a:ext cx="0" cy="0"/>
+          <a:chOff x="0" y="0"/>
+          <a:chExt cx="0" cy="0"/>
+        </a:xfrm>
+      </p:grpSpPr>
+      <p:sp>
+        <p:nvSpPr>
+          <p:cNvPr id="2" name="Título 1"/>
+          <p:cNvSpPr>
+            <a:spLocks noGrp="1"/>
+          </p:cNvSpPr>
+          <p:nvPr>
+            <p:ph type="title"/>
+          </p:nvPr>
+        </p:nvSpPr>
+        <p:spPr>
+          <a:xfrm>
+            <a:off x="179512" y="404664"/>
+            <a:ext cx="8229600" cy="1066800"/>
+          </a:xfrm>
+        </p:spPr>
+        <p:txBody>
+          <a:bodyPr/>
+          <a:lstStyle/>
+          <a:p>
+            <a:r>
+              <a:rPr lang="pt-PT" dirty="0" smtClean="0"/>
+              <a:t>Motivação</a:t>
+            </a:r>
+            <a:endParaRPr lang="pt-PT" dirty="0"/>
+          </a:p>
+        </p:txBody>
+      </p:sp>
+      <p:sp>
+        <p:nvSpPr>
+          <p:cNvPr id="3" name="Marcador de Posição de Conteúdo 2"/>
+          <p:cNvSpPr>
+            <a:spLocks noGrp="1"/>
+          </p:cNvSpPr>
+          <p:nvPr>
+            <p:ph idx="1"/>
+          </p:nvPr>
+        </p:nvSpPr>
+        <p:spPr>
+          <a:xfrm>
+            <a:off x="179512" y="1484784"/>
+            <a:ext cx="8229600" cy="5112568"/>
+          </a:xfrm>
+        </p:spPr>
+        <p:txBody>
+          <a:bodyPr>
+            <a:normAutofit fontScale="77500" lnSpcReduction="20000"/>
+          </a:bodyPr>
+          <a:lstStyle/>
+          <a:p>
+            <a:r>
+              <a:rPr lang="pt-PT" dirty="0" smtClean="0"/>
+              <a:t>Monitorização de sistemas distribuídos:</a:t>
+            </a:r>
+          </a:p>
+          <a:p>
+            <a:pPr lvl="1"/>
+            <a:r>
+              <a:rPr lang="pt-PT" dirty="0" smtClean="0"/>
+              <a:t>Análise dos protocolos de comunicação</a:t>
+            </a:r>
+          </a:p>
+          <a:p>
+            <a:pPr lvl="1"/>
+            <a:r>
+              <a:rPr lang="pt-PT" dirty="0" smtClean="0"/>
+              <a:t>Análise das interacções entre entidades distribuídas</a:t>
+            </a:r>
+          </a:p>
+          <a:p>
+            <a:pPr lvl="1"/>
+            <a:r>
+              <a:rPr lang="pt-PT" dirty="0" smtClean="0"/>
+              <a:t>Detecção de falhas, erros, problemas de desempenho, outros...</a:t>
+            </a:r>
+          </a:p>
+          <a:p>
+            <a:pPr marL="411480" lvl="1" indent="0">
+              <a:buNone/>
+            </a:pPr>
+            <a:endParaRPr lang="pt-PT" dirty="0" smtClean="0"/>
+          </a:p>
+          <a:p>
+            <a:r>
+              <a:rPr lang="pt-PT" dirty="0" smtClean="0"/>
+              <a:t>Identificar e capturar apenas os fluxos de dados relevantes:</a:t>
+            </a:r>
+          </a:p>
+          <a:p>
+            <a:pPr lvl="1"/>
+            <a:r>
+              <a:rPr lang="pt-PT" dirty="0" smtClean="0"/>
+              <a:t>Dificuldades acrescidas quando existem muitas outras interacções irrelevantes em curso</a:t>
+            </a:r>
+          </a:p>
+          <a:p>
+            <a:pPr lvl="1">
+              <a:buNone/>
+            </a:pPr>
+            <a:endParaRPr lang="pt-PT" dirty="0" smtClean="0"/>
+          </a:p>
+          <a:p>
+            <a:r>
+              <a:rPr lang="pt-PT" dirty="0" smtClean="0"/>
+              <a:t>Aplicações dinâmicas:</a:t>
+            </a:r>
+          </a:p>
+          <a:p>
+            <a:pPr lvl="1"/>
+            <a:r>
+              <a:rPr lang="pt-PT" dirty="0" smtClean="0"/>
+              <a:t>Interacções variam durante a execução; </a:t>
+            </a:r>
+            <a:r>
+              <a:rPr lang="pt-PT" dirty="0" err="1" smtClean="0"/>
+              <a:t>p.e</a:t>
+            </a:r>
+            <a:r>
+              <a:rPr lang="pt-PT" dirty="0" smtClean="0"/>
+              <a:t>. portos desconhecidos </a:t>
+            </a:r>
+            <a:r>
+              <a:rPr lang="pt-PT" i="1" dirty="0" smtClean="0"/>
+              <a:t>a priori </a:t>
+            </a:r>
+          </a:p>
+          <a:p>
+            <a:pPr lvl="1">
+              <a:buNone/>
+            </a:pPr>
+            <a:endParaRPr lang="pt-PT" dirty="0" smtClean="0"/>
+          </a:p>
+          <a:p>
+            <a:r>
+              <a:rPr lang="pt-PT" dirty="0" smtClean="0"/>
+              <a:t>Sobrecarga do sistema quando se está a efectuar a monitorização:</a:t>
+            </a:r>
+          </a:p>
+          <a:p>
+            <a:pPr lvl="1"/>
+            <a:r>
+              <a:rPr lang="pt-PT" dirty="0" smtClean="0"/>
+              <a:t>Principalmente com elevado tráfego ou um elevado número de interacções</a:t>
+            </a:r>
+            <a:endParaRPr lang="pt-PT" dirty="0"/>
+          </a:p>
+        </p:txBody>
+      </p:sp>
+      <p:sp>
+        <p:nvSpPr>
+          <p:cNvPr id="5" name="Marcador de Posição do Número do Diapositivo 4"/>
+          <p:cNvSpPr>
+            <a:spLocks noGrp="1"/>
+          </p:cNvSpPr>
+          <p:nvPr>
+            <p:ph type="sldNum" sz="quarter" idx="12"/>
+          </p:nvPr>
+        </p:nvSpPr>
+        <p:spPr/>
+        <p:txBody>
+          <a:bodyPr/>
+          <a:lstStyle/>
+          <a:p>
+            <a:fld id="{AC560869-1695-4081-8E6F-05D0DB8947D3}" type="slidenum">
+              <a:rPr lang="pt-PT" smtClean="0"/>
+              <a:pPr/>
+              <a:t>4</a:t>
+            </a:fld>
+            <a:endParaRPr lang="pt-PT"/>
+          </a:p>
+        </p:txBody>
+      </p:sp>
+    </p:spTree>
+  </p:cSld>
+  <p:clrMapOvr>
+    <a:masterClrMapping/>
+  </p:clrMapOvr>
+  <p:timing>
+    <p:tnLst>
+      <p:par>
+        <p:cTn id="1" dur="indefinite" restart="never" nodeType="tmRoot"/>
+      </p:par>
+    </p:tnLst>
+  </p:timing>
+</p:sld>
+</file>
+
+<file path=ppt/slides/slide5.xml><?xml version="1.0" encoding="utf-8"?>
+<p:sld xmlns:a="http://schemas.openxmlformats.org/drawingml/2006/main" xmlns:r="http://schemas.openxmlformats.org/officeDocument/2006/relationships" xmlns:p="http://schemas.openxmlformats.org/presentationml/2006/main">
+  <p:cSld>
+    <p:spTree>
+      <p:nvGrpSpPr>
+        <p:cNvPr id="1" name=""/>
+        <p:cNvGrpSpPr/>
+        <p:nvPr/>
+      </p:nvGrpSpPr>
+      <p:grpSpPr>
+        <a:xfrm>
+          <a:off x="0" y="0"/>
+          <a:ext cx="0" cy="0"/>
+          <a:chOff x="0" y="0"/>
+          <a:chExt cx="0" cy="0"/>
+        </a:xfrm>
+      </p:grpSpPr>
+      <p:sp>
+        <p:nvSpPr>
+          <p:cNvPr id="2" name="Título 1"/>
+          <p:cNvSpPr>
+            <a:spLocks noGrp="1"/>
+          </p:cNvSpPr>
+          <p:nvPr>
+            <p:ph type="title"/>
+          </p:nvPr>
+        </p:nvSpPr>
+        <p:spPr>
+          <a:xfrm>
+            <a:off x="467544" y="634008"/>
+            <a:ext cx="8229600" cy="1066800"/>
+          </a:xfrm>
+        </p:spPr>
+        <p:txBody>
+          <a:bodyPr>
+            <a:normAutofit/>
+          </a:bodyPr>
+          <a:lstStyle/>
+          <a:p>
+            <a:r>
+              <a:rPr lang="pt-PT" dirty="0" smtClean="0"/>
+              <a:t> Monitorização </a:t>
+            </a:r>
+            <a:endParaRPr lang="pt-PT" dirty="0"/>
+          </a:p>
+        </p:txBody>
+      </p:sp>
+      <p:sp>
+        <p:nvSpPr>
+          <p:cNvPr id="3" name="Marcador de Posição de Conteúdo 2"/>
+          <p:cNvSpPr>
+            <a:spLocks noGrp="1"/>
+          </p:cNvSpPr>
+          <p:nvPr>
+            <p:ph idx="1"/>
+          </p:nvPr>
+        </p:nvSpPr>
+        <p:spPr>
+          <a:xfrm>
+            <a:off x="179512" y="1840192"/>
+            <a:ext cx="8784976" cy="4325112"/>
+          </a:xfrm>
+        </p:spPr>
+        <p:txBody>
+          <a:bodyPr>
+            <a:normAutofit lnSpcReduction="10000"/>
+          </a:bodyPr>
+          <a:lstStyle/>
+          <a:p>
+            <a:r>
+              <a:rPr lang="pt-PT" dirty="0" smtClean="0"/>
+              <a:t>Abordagens (para as interacções de um processo)</a:t>
+            </a:r>
+          </a:p>
+          <a:p>
+            <a:pPr lvl="1"/>
+            <a:r>
+              <a:rPr lang="pt-PT" dirty="0"/>
+              <a:t>N</a:t>
+            </a:r>
+            <a:r>
+              <a:rPr lang="pt-PT" dirty="0" smtClean="0"/>
+              <a:t>ível utilizador (1)</a:t>
+            </a:r>
+          </a:p>
+          <a:p>
+            <a:pPr lvl="2"/>
+            <a:r>
+              <a:rPr lang="pt-PT" dirty="0" smtClean="0"/>
+              <a:t>Instrumentação do programa ou bibliotecas para obter a informação relevante</a:t>
+            </a:r>
+          </a:p>
+          <a:p>
+            <a:pPr lvl="2"/>
+            <a:endParaRPr lang="pt-PT" dirty="0" smtClean="0"/>
+          </a:p>
+          <a:p>
+            <a:pPr lvl="1"/>
+            <a:r>
+              <a:rPr lang="pt-PT" dirty="0" smtClean="0"/>
+              <a:t>Com auxílio do núcleo do sistema (2)</a:t>
+            </a:r>
+          </a:p>
+          <a:p>
+            <a:pPr lvl="2"/>
+            <a:r>
+              <a:rPr lang="pt-PT" dirty="0" smtClean="0"/>
+              <a:t>exemplo</a:t>
+            </a:r>
+            <a:r>
+              <a:rPr lang="en-US" dirty="0" smtClean="0"/>
+              <a:t>: </a:t>
+            </a:r>
+            <a:r>
+              <a:rPr lang="pt-PT" dirty="0" smtClean="0"/>
+              <a:t>captura de pacotes através da biblioteca </a:t>
+            </a:r>
+            <a:r>
+              <a:rPr lang="pt-PT" i="1" dirty="0" err="1" smtClean="0"/>
+              <a:t>PCap</a:t>
+            </a:r>
+            <a:r>
+              <a:rPr lang="pt-PT" dirty="0" smtClean="0"/>
+              <a:t> </a:t>
+            </a:r>
+            <a:endParaRPr lang="pt-PT" dirty="0"/>
+          </a:p>
+          <a:p>
+            <a:pPr lvl="2"/>
+            <a:r>
+              <a:rPr lang="pt-PT" dirty="0" smtClean="0"/>
+              <a:t>monitorização do processo para obter as alterações nas interacções via rede</a:t>
+            </a:r>
+          </a:p>
+          <a:p>
+            <a:pPr lvl="2"/>
+            <a:r>
+              <a:rPr lang="pt-PT" dirty="0" smtClean="0"/>
+              <a:t>filtrar a informação relevante</a:t>
+            </a:r>
+          </a:p>
+          <a:p>
+            <a:pPr lvl="8">
+              <a:buNone/>
+            </a:pPr>
+            <a:r>
+              <a:rPr lang="pt-PT" dirty="0" smtClean="0"/>
+              <a:t>		</a:t>
+            </a:r>
+            <a:endParaRPr lang="pt-PT" dirty="0"/>
+          </a:p>
+        </p:txBody>
+      </p:sp>
+      <p:sp>
+        <p:nvSpPr>
+          <p:cNvPr id="4" name="Marcador de Posição do Número do Diapositivo 3"/>
+          <p:cNvSpPr>
+            <a:spLocks noGrp="1"/>
+          </p:cNvSpPr>
+          <p:nvPr>
+            <p:ph type="sldNum" sz="quarter" idx="12"/>
+          </p:nvPr>
+        </p:nvSpPr>
+        <p:spPr/>
+        <p:txBody>
+          <a:bodyPr/>
+          <a:lstStyle/>
+          <a:p>
+            <a:fld id="{AC560869-1695-4081-8E6F-05D0DB8947D3}" type="slidenum">
+              <a:rPr lang="pt-PT" smtClean="0"/>
+              <a:pPr/>
+              <a:t>5</a:t>
+            </a:fld>
+            <a:endParaRPr lang="pt-PT"/>
+          </a:p>
+        </p:txBody>
+      </p:sp>
+    </p:spTree>
+  </p:cSld>
+  <p:clrMapOvr>
+    <a:masterClrMapping/>
+  </p:clrMapOvr>
+  <p:timing>
+    <p:tnLst>
+      <p:par>
+        <p:cTn id="1" dur="indefinite" restart="never" nodeType="tmRoot"/>
+      </p:par>
+    </p:tnLst>
+  </p:timing>
+</p:sld>
+</file>
+
+<file path=ppt/slides/slide6.xml><?xml version="1.0" encoding="utf-8"?>
+<p:sld xmlns:a="http://schemas.openxmlformats.org/drawingml/2006/main" xmlns:r="http://schemas.openxmlformats.org/officeDocument/2006/relationships" xmlns:p="http://schemas.openxmlformats.org/presentationml/2006/main">
+  <p:cSld>
+    <p:spTree>
+      <p:nvGrpSpPr>
+        <p:cNvPr id="1" name=""/>
+        <p:cNvGrpSpPr/>
+        <p:nvPr/>
+      </p:nvGrpSpPr>
+      <p:grpSpPr>
+        <a:xfrm>
+          <a:off x="0" y="0"/>
+          <a:ext cx="0" cy="0"/>
+          <a:chOff x="0" y="0"/>
+          <a:chExt cx="0" cy="0"/>
+        </a:xfrm>
+      </p:grpSpPr>
+      <p:sp>
+        <p:nvSpPr>
+          <p:cNvPr id="2" name="Título 1"/>
+          <p:cNvSpPr>
+            <a:spLocks noGrp="1"/>
+          </p:cNvSpPr>
+          <p:nvPr>
+            <p:ph type="title"/>
+          </p:nvPr>
+        </p:nvSpPr>
+        <p:spPr>
+          <a:xfrm>
+            <a:off x="457200" y="404664"/>
+            <a:ext cx="8229600" cy="1066800"/>
+          </a:xfrm>
+        </p:spPr>
+        <p:txBody>
+          <a:bodyPr/>
+          <a:lstStyle/>
+          <a:p>
+            <a:r>
+              <a:rPr lang="pt-PT" dirty="0" smtClean="0"/>
+              <a:t>Monitorização de rede</a:t>
+            </a:r>
+            <a:endParaRPr lang="pt-PT" dirty="0"/>
+          </a:p>
+        </p:txBody>
+      </p:sp>
+      <p:sp>
+        <p:nvSpPr>
+          <p:cNvPr id="3" name="Marcador de Posição de Conteúdo 2"/>
+          <p:cNvSpPr>
+            <a:spLocks noGrp="1"/>
+          </p:cNvSpPr>
+          <p:nvPr>
+            <p:ph idx="1"/>
+          </p:nvPr>
+        </p:nvSpPr>
+        <p:spPr>
+          <a:xfrm>
+            <a:off x="457200" y="1484784"/>
+            <a:ext cx="8229600" cy="4608512"/>
+          </a:xfrm>
+        </p:spPr>
+        <p:txBody>
+          <a:bodyPr>
+            <a:normAutofit fontScale="85000" lnSpcReduction="20000"/>
+          </a:bodyPr>
+          <a:lstStyle/>
+          <a:p>
+            <a:r>
+              <a:rPr lang="pt-PT" dirty="0"/>
+              <a:t>Monitorização do processo alvo </a:t>
+            </a:r>
+            <a:endParaRPr lang="pt-PT" dirty="0" smtClean="0"/>
+          </a:p>
+          <a:p>
+            <a:pPr lvl="1"/>
+            <a:r>
+              <a:rPr lang="en-US" dirty="0" smtClean="0"/>
+              <a:t>M</a:t>
+            </a:r>
+            <a:r>
+              <a:rPr lang="pt-PT" dirty="0" err="1" smtClean="0"/>
+              <a:t>anter</a:t>
+            </a:r>
+            <a:r>
+              <a:rPr lang="pt-PT" dirty="0" smtClean="0"/>
+              <a:t> actualizado o estado relativamente às interacções por rede (portos/</a:t>
+            </a:r>
+            <a:r>
+              <a:rPr lang="pt-PT" i="1" dirty="0" err="1" smtClean="0"/>
+              <a:t>sockets</a:t>
+            </a:r>
+            <a:r>
+              <a:rPr lang="pt-PT" dirty="0" smtClean="0"/>
+              <a:t>)</a:t>
+            </a:r>
+          </a:p>
+          <a:p>
+            <a:pPr lvl="2">
+              <a:buNone/>
+            </a:pPr>
+            <a:endParaRPr lang="pt-PT" dirty="0" smtClean="0"/>
+          </a:p>
+          <a:p>
+            <a:r>
+              <a:rPr lang="pt-PT" dirty="0" smtClean="0"/>
+              <a:t>Abordagem 1</a:t>
+            </a:r>
+          </a:p>
+          <a:p>
+            <a:pPr lvl="1"/>
+            <a:r>
+              <a:rPr lang="pt-PT" dirty="0"/>
+              <a:t>Instrumentação das funções de rede (</a:t>
+            </a:r>
+            <a:r>
+              <a:rPr lang="pt-PT" dirty="0" err="1" smtClean="0"/>
+              <a:t>p.e</a:t>
+            </a:r>
+            <a:r>
+              <a:rPr lang="pt-PT" dirty="0" smtClean="0"/>
+              <a:t> na </a:t>
+            </a:r>
+            <a:r>
+              <a:rPr lang="pt-PT" dirty="0" err="1" smtClean="0"/>
+              <a:t>libC</a:t>
+            </a:r>
+            <a:r>
+              <a:rPr lang="pt-PT" dirty="0" smtClean="0"/>
+              <a:t>) e capturar os dados relevantes no processo alvo</a:t>
+            </a:r>
+          </a:p>
+          <a:p>
+            <a:r>
+              <a:rPr lang="pt-PT" dirty="0" smtClean="0"/>
+              <a:t>Abordagem 2</a:t>
+            </a:r>
+          </a:p>
+          <a:p>
+            <a:pPr lvl="1"/>
+            <a:r>
+              <a:rPr lang="pt-PT" dirty="0"/>
+              <a:t>Instrumentação das funções de </a:t>
+            </a:r>
+            <a:r>
+              <a:rPr lang="pt-PT" dirty="0" smtClean="0"/>
+              <a:t>rede (</a:t>
+            </a:r>
+            <a:r>
+              <a:rPr lang="pt-PT" dirty="0" err="1"/>
+              <a:t>p.e</a:t>
+            </a:r>
+            <a:r>
+              <a:rPr lang="pt-PT" dirty="0"/>
+              <a:t> na </a:t>
+            </a:r>
+            <a:r>
+              <a:rPr lang="pt-PT" dirty="0" err="1"/>
+              <a:t>libC</a:t>
+            </a:r>
+            <a:r>
+              <a:rPr lang="pt-PT" dirty="0" smtClean="0"/>
+              <a:t>); </a:t>
+            </a:r>
+            <a:r>
+              <a:rPr lang="pt-PT" dirty="0"/>
+              <a:t>utilização do suporte do </a:t>
+            </a:r>
+            <a:r>
+              <a:rPr lang="pt-PT" dirty="0" err="1"/>
+              <a:t>ptrace</a:t>
+            </a:r>
+            <a:r>
+              <a:rPr lang="pt-PT" dirty="0"/>
+              <a:t>; instrumentação no núcleo das chamadas de rede (</a:t>
+            </a:r>
+            <a:r>
+              <a:rPr lang="pt-PT" dirty="0" err="1"/>
+              <a:t>p.e</a:t>
+            </a:r>
+            <a:r>
+              <a:rPr lang="pt-PT" dirty="0"/>
+              <a:t>. </a:t>
+            </a:r>
+            <a:r>
+              <a:rPr lang="en-US" i="1" dirty="0" smtClean="0"/>
+              <a:t>K</a:t>
+            </a:r>
+            <a:r>
+              <a:rPr lang="pt-PT" i="1" dirty="0" err="1" smtClean="0"/>
+              <a:t>Probes</a:t>
+            </a:r>
+            <a:r>
+              <a:rPr lang="pt-PT" dirty="0" smtClean="0"/>
+              <a:t>)</a:t>
+            </a:r>
+            <a:endParaRPr lang="pt-PT" dirty="0"/>
+          </a:p>
+          <a:p>
+            <a:pPr lvl="1"/>
+            <a:r>
+              <a:rPr lang="pt-PT" dirty="0" smtClean="0"/>
+              <a:t>Capturar todo o tráfego via </a:t>
+            </a:r>
+            <a:r>
+              <a:rPr lang="pt-PT" dirty="0" err="1" smtClean="0"/>
+              <a:t>PCap</a:t>
+            </a:r>
+            <a:r>
+              <a:rPr lang="pt-PT" dirty="0" smtClean="0"/>
+              <a:t> e filtrar com base no estado do processo</a:t>
+            </a:r>
+          </a:p>
+          <a:p>
+            <a:pPr lvl="1"/>
+            <a:r>
+              <a:rPr lang="pt-PT" dirty="0" smtClean="0"/>
+              <a:t>Ou tentar manter actualizado </a:t>
+            </a:r>
+            <a:r>
+              <a:rPr lang="pt-PT" dirty="0"/>
+              <a:t>o </a:t>
+            </a:r>
+            <a:r>
+              <a:rPr lang="pt-PT" dirty="0" smtClean="0"/>
+              <a:t>filtro LSF </a:t>
+            </a:r>
+            <a:r>
+              <a:rPr lang="pt-PT" dirty="0"/>
+              <a:t>no núcleo via </a:t>
+            </a:r>
+            <a:r>
+              <a:rPr lang="pt-PT" dirty="0" smtClean="0"/>
+              <a:t>a </a:t>
+            </a:r>
+            <a:r>
+              <a:rPr lang="pt-PT" smtClean="0"/>
+              <a:t>biblioteca PCap</a:t>
+            </a:r>
+            <a:endParaRPr lang="pt-PT" dirty="0"/>
+          </a:p>
+          <a:p>
+            <a:pPr lvl="1"/>
+            <a:endParaRPr lang="pt-PT" dirty="0"/>
+          </a:p>
+        </p:txBody>
+      </p:sp>
+      <p:sp>
+        <p:nvSpPr>
+          <p:cNvPr id="5" name="Marcador de Posição do Número do Diapositivo 4"/>
+          <p:cNvSpPr>
+            <a:spLocks noGrp="1"/>
+          </p:cNvSpPr>
+          <p:nvPr>
+            <p:ph type="sldNum" sz="quarter" idx="12"/>
+          </p:nvPr>
+        </p:nvSpPr>
+        <p:spPr/>
+        <p:txBody>
+          <a:bodyPr/>
+          <a:lstStyle/>
+          <a:p>
+            <a:fld id="{AC560869-1695-4081-8E6F-05D0DB8947D3}" type="slidenum">
+              <a:rPr lang="pt-PT" smtClean="0"/>
+              <a:pPr/>
+              <a:t>6</a:t>
+            </a:fld>
+            <a:endParaRPr lang="pt-PT"/>
+          </a:p>
+        </p:txBody>
+      </p:sp>
+    </p:spTree>
+  </p:cSld>
+  <p:clrMapOvr>
+    <a:masterClrMapping/>
+  </p:clrMapOvr>
+  <p:timing>
+    <p:tnLst>
+      <p:par>
+        <p:cTn id="1" dur="indefinite" restart="never" nodeType="tmRoot"/>
+      </p:par>
+    </p:tnLst>
+  </p:timing>
+</p:sld>
+</file>
+
+<file path=ppt/slides/slide7.xml><?xml version="1.0" encoding="utf-8"?>
+<p:sld xmlns:a="http://schemas.openxmlformats.org/drawingml/2006/main" xmlns:r="http://schemas.openxmlformats.org/officeDocument/2006/relationships" xmlns:p="http://schemas.openxmlformats.org/presentationml/2006/main">
+  <p:cSld>
+    <p:spTree>
+      <p:nvGrpSpPr>
+        <p:cNvPr id="1" name=""/>
+        <p:cNvGrpSpPr/>
+        <p:nvPr/>
+      </p:nvGrpSpPr>
+      <p:grpSpPr>
+        <a:xfrm>
+          <a:off x="0" y="0"/>
+          <a:ext cx="0" cy="0"/>
+          <a:chOff x="0" y="0"/>
+          <a:chExt cx="0" cy="0"/>
+        </a:xfrm>
+      </p:grpSpPr>
+      <p:sp>
+        <p:nvSpPr>
+          <p:cNvPr id="2" name="Título 1"/>
+          <p:cNvSpPr>
+            <a:spLocks noGrp="1"/>
+          </p:cNvSpPr>
+          <p:nvPr>
+            <p:ph type="title"/>
+          </p:nvPr>
+        </p:nvSpPr>
+        <p:spPr>
+          <a:xfrm>
+            <a:off x="457200" y="404664"/>
+            <a:ext cx="8229600" cy="1066800"/>
+          </a:xfrm>
+        </p:spPr>
+        <p:txBody>
+          <a:bodyPr/>
+          <a:lstStyle/>
+          <a:p>
+            <a:r>
+              <a:rPr lang="pt-PT" smtClean="0"/>
+              <a:t>Monitorização de rede ( III )</a:t>
+            </a:r>
+            <a:endParaRPr lang="pt-PT"/>
+          </a:p>
+        </p:txBody>
+      </p:sp>
+      <p:sp>
+        <p:nvSpPr>
+          <p:cNvPr id="3" name="Marcador de Posição de Conteúdo 2"/>
+          <p:cNvSpPr>
+            <a:spLocks noGrp="1"/>
+          </p:cNvSpPr>
+          <p:nvPr>
+            <p:ph idx="1"/>
+          </p:nvPr>
+        </p:nvSpPr>
+        <p:spPr>
+          <a:xfrm>
+            <a:off x="179512" y="1408144"/>
+            <a:ext cx="8784976" cy="4325112"/>
+          </a:xfrm>
+        </p:spPr>
+        <p:txBody>
+          <a:bodyPr/>
+          <a:lstStyle/>
+          <a:p>
+            <a:r>
+              <a:rPr lang="pt-PT" dirty="0" smtClean="0"/>
+              <a:t>Abordagem seguida</a:t>
+            </a:r>
+          </a:p>
+          <a:p>
+            <a:pPr lvl="1"/>
+            <a:r>
+              <a:rPr lang="pt-PT" sz="2400" dirty="0" smtClean="0"/>
+              <a:t>Monitorização do processo alvo no núcleo</a:t>
+            </a:r>
+          </a:p>
+          <a:p>
+            <a:pPr lvl="2"/>
+            <a:r>
+              <a:rPr lang="pt-PT" dirty="0" smtClean="0"/>
+              <a:t>Instrumentação das chamadas ao sistema através do </a:t>
+            </a:r>
+            <a:r>
+              <a:rPr lang="pt-PT" dirty="0" err="1" smtClean="0"/>
+              <a:t>KProbes</a:t>
+            </a:r>
+            <a:endParaRPr lang="pt-PT" dirty="0" smtClean="0"/>
+          </a:p>
+          <a:p>
+            <a:pPr lvl="2"/>
+            <a:endParaRPr lang="pt-PT" dirty="0" smtClean="0"/>
+          </a:p>
+          <a:p>
+            <a:pPr lvl="1"/>
+            <a:r>
+              <a:rPr lang="pt-PT" dirty="0" smtClean="0"/>
+              <a:t>Criar um novo filtro no núcleo com base no suporte da monitorização do processo</a:t>
+            </a:r>
+          </a:p>
+          <a:p>
+            <a:pPr lvl="2"/>
+            <a:r>
+              <a:rPr lang="pt-PT" dirty="0" smtClean="0"/>
+              <a:t>Este novo filtro é uma conjunção do filtro estático definido pela </a:t>
+            </a:r>
+            <a:r>
+              <a:rPr lang="pt-PT" dirty="0" err="1" smtClean="0"/>
+              <a:t>libpcap</a:t>
+            </a:r>
+            <a:r>
+              <a:rPr lang="pt-PT" dirty="0" smtClean="0"/>
+              <a:t> e a monitorização do processo no núcleo</a:t>
+            </a:r>
+          </a:p>
+        </p:txBody>
+      </p:sp>
+      <p:sp>
+        <p:nvSpPr>
+          <p:cNvPr id="5" name="Marcador de Posição do Número do Diapositivo 4"/>
+          <p:cNvSpPr>
+            <a:spLocks noGrp="1"/>
+          </p:cNvSpPr>
+          <p:nvPr>
+            <p:ph type="sldNum" sz="quarter" idx="12"/>
+          </p:nvPr>
+        </p:nvSpPr>
+        <p:spPr/>
+        <p:txBody>
+          <a:bodyPr/>
+          <a:lstStyle/>
+          <a:p>
+            <a:fld id="{AC560869-1695-4081-8E6F-05D0DB8947D3}" type="slidenum">
+              <a:rPr lang="pt-PT" smtClean="0"/>
+              <a:pPr/>
+              <a:t>7</a:t>
+            </a:fld>
+            <a:endParaRPr lang="pt-PT"/>
+          </a:p>
+        </p:txBody>
+      </p:sp>
+    </p:spTree>
+  </p:cSld>
+  <p:clrMapOvr>
+    <a:masterClrMapping/>
+  </p:clrMapOvr>
+  <p:timing>
+    <p:tnLst>
+      <p:par>
+        <p:cTn id="1" dur="indefinite" restart="never" nodeType="tmRoot"/>
+      </p:par>
+    </p:tnLst>
+  </p:timing>
+</p:sld>
+</file>
+
 <file path=ppt/slides/slide8.xml><?xml version="1.0" encoding="utf-8"?>
 <p:sld xmlns:a="http://schemas.openxmlformats.org/drawingml/2006/main" xmlns:r="http://schemas.openxmlformats.org/officeDocument/2006/relationships" xmlns:p="http://schemas.openxmlformats.org/presentationml/2006/main">
   <p:cSld>
@@ -19607,7 +19581,7 @@
         </p:nvSpPr>
         <p:spPr>
           <a:xfrm>
-            <a:off x="457200" y="404664"/>
+            <a:off x="395536" y="404664"/>
             <a:ext cx="8229600" cy="1066800"/>
           </a:xfrm>
         </p:spPr>
@@ -19617,7 +19591,11 @@
           <a:p>
             <a:r>
               <a:rPr lang="pt-PT" smtClean="0"/>
-              <a:t>Monitorização de rede ( III )</a:t>
+              <a:t>Extensão do LSF/</a:t>
+            </a:r>
+            <a:r>
+              <a:rPr lang="pt-PT" err="1" smtClean="0"/>
+              <a:t>libPCap</a:t>
             </a:r>
             <a:endParaRPr lang="pt-PT"/>
           </a:p>
@@ -19635,8 +19613,8 @@
         </p:nvSpPr>
         <p:spPr>
           <a:xfrm>
-            <a:off x="179512" y="1408144"/>
-            <a:ext cx="8784976" cy="4325112"/>
+            <a:off x="457200" y="1480152"/>
+            <a:ext cx="8229600" cy="4325112"/>
           </a:xfrm>
         </p:spPr>
         <p:txBody>
@@ -19644,64 +19622,97 @@
           <a:lstStyle/>
           <a:p>
             <a:r>
-              <a:rPr lang="pt-PT" dirty="0" smtClean="0"/>
-              <a:t>Abordagem seguida</a:t>
+              <a:rPr lang="en-US" smtClean="0"/>
+              <a:t>C</a:t>
+            </a:r>
+            <a:r>
+              <a:rPr lang="pt-PT" err="1" smtClean="0"/>
+              <a:t>aptura</a:t>
+            </a:r>
+            <a:r>
+              <a:rPr lang="pt-PT" smtClean="0"/>
+              <a:t> e filtragem por processo no núcleo</a:t>
             </a:r>
           </a:p>
           <a:p>
             <a:pPr lvl="1"/>
             <a:r>
-              <a:rPr lang="pt-PT" sz="2400" dirty="0" smtClean="0"/>
-              <a:t>Monitorização do processo alvo no núcleo</a:t>
+              <a:rPr lang="pt-PT" smtClean="0"/>
+              <a:t>Desafios</a:t>
             </a:r>
           </a:p>
           <a:p>
             <a:pPr lvl="2"/>
             <a:r>
-              <a:rPr lang="pt-PT" dirty="0" smtClean="0"/>
-              <a:t>Instrumentação das chamadas ao </a:t>
-            </a:r>
-            <a:r>
-              <a:rPr lang="pt-PT" dirty="0" smtClean="0"/>
-              <a:t>sistema através do </a:t>
-            </a:r>
-            <a:r>
-              <a:rPr lang="pt-PT" dirty="0" err="1" smtClean="0"/>
-              <a:t>KProbes</a:t>
-            </a:r>
-            <a:endParaRPr lang="pt-PT" dirty="0" smtClean="0"/>
+              <a:rPr lang="pt-PT"/>
+              <a:t>M</a:t>
+            </a:r>
+            <a:r>
+              <a:rPr lang="pt-PT" smtClean="0"/>
+              <a:t>onitorização do processo no núcleo</a:t>
+            </a:r>
           </a:p>
           <a:p>
             <a:pPr lvl="2"/>
-            <a:endParaRPr lang="pt-PT" dirty="0" smtClean="0"/>
-          </a:p>
-          <a:p>
-            <a:pPr lvl="1"/>
-            <a:r>
-              <a:rPr lang="pt-PT" dirty="0" smtClean="0"/>
-              <a:t>Criar um novo filtro no núcleo com base no suporte da monitorização do processo</a:t>
+            <a:r>
+              <a:rPr lang="en-US" smtClean="0"/>
+              <a:t>M</a:t>
+            </a:r>
+            <a:r>
+              <a:rPr lang="pt-PT" err="1" smtClean="0"/>
+              <a:t>anter</a:t>
+            </a:r>
+            <a:r>
+              <a:rPr lang="pt-PT" smtClean="0"/>
+              <a:t> em tempo real o estado do processo alvo</a:t>
             </a:r>
           </a:p>
           <a:p>
             <a:pPr lvl="2"/>
             <a:r>
-              <a:rPr lang="pt-PT" dirty="0" smtClean="0"/>
-              <a:t>Este novo filtro é uma conjunção do filtro estático definido pela </a:t>
-            </a:r>
-            <a:r>
-              <a:rPr lang="pt-PT" dirty="0" err="1" smtClean="0"/>
-              <a:t>libpcap</a:t>
-            </a:r>
-            <a:r>
-              <a:rPr lang="pt-PT" dirty="0" smtClean="0"/>
-              <a:t> e a monitorização do processo no núcleo</a:t>
-            </a:r>
-          </a:p>
-        </p:txBody>
-      </p:sp>
-      <p:sp>
-        <p:nvSpPr>
-          <p:cNvPr id="5" name="Marcador de Posição do Número do Diapositivo 4"/>
+              <a:rPr lang="en-US" smtClean="0"/>
+              <a:t>C</a:t>
+            </a:r>
+            <a:r>
+              <a:rPr lang="pt-PT" err="1" smtClean="0"/>
+              <a:t>aptura</a:t>
+            </a:r>
+            <a:r>
+              <a:rPr lang="pt-PT" smtClean="0"/>
+              <a:t> no LSF com base no estado do processo</a:t>
+            </a:r>
+          </a:p>
+          <a:p>
+            <a:pPr lvl="2"/>
+            <a:r>
+              <a:rPr lang="pt-PT" smtClean="0"/>
+              <a:t>Manter compatibilidade com o sistema existente</a:t>
+            </a:r>
+          </a:p>
+          <a:p>
+            <a:pPr lvl="2"/>
+            <a:r>
+              <a:rPr lang="en-US" smtClean="0"/>
+              <a:t>M</a:t>
+            </a:r>
+            <a:r>
+              <a:rPr lang="pt-PT" err="1" smtClean="0"/>
+              <a:t>anter</a:t>
+            </a:r>
+            <a:r>
+              <a:rPr lang="pt-PT" smtClean="0"/>
+              <a:t> a perturbação/sobrecarga mínima, especialmente quando não utilizado</a:t>
+            </a:r>
+          </a:p>
+          <a:p>
+            <a:pPr lvl="2"/>
+            <a:endParaRPr lang="pt-PT"/>
+          </a:p>
+        </p:txBody>
+      </p:sp>
+      <p:sp>
+        <p:nvSpPr>
+          <p:cNvPr id="4" name="Marcador de Posição do Número do Diapositivo 3"/>
           <p:cNvSpPr>
             <a:spLocks noGrp="1"/>
           </p:cNvSpPr>
@@ -19767,7 +19778,7 @@
         </p:nvSpPr>
         <p:spPr>
           <a:xfrm>
-            <a:off x="395536" y="404664"/>
+            <a:off x="457200" y="404664"/>
             <a:ext cx="8229600" cy="1066800"/>
           </a:xfrm>
         </p:spPr>
@@ -19777,11 +19788,7 @@
           <a:p>
             <a:r>
               <a:rPr lang="pt-PT" smtClean="0"/>
-              <a:t>Extensão do LSF/</a:t>
-            </a:r>
-            <a:r>
-              <a:rPr lang="pt-PT" err="1" smtClean="0"/>
-              <a:t>libPCap</a:t>
+              <a:t>Arquitectura da solução</a:t>
             </a:r>
             <a:endParaRPr lang="pt-PT"/>
           </a:p>
@@ -19799,7 +19806,7 @@
         </p:nvSpPr>
         <p:spPr>
           <a:xfrm>
-            <a:off x="457200" y="1480152"/>
+            <a:off x="457200" y="1556792"/>
             <a:ext cx="8229600" cy="4325112"/>
           </a:xfrm>
         </p:spPr>
@@ -19808,97 +19815,78 @@
           <a:lstStyle/>
           <a:p>
             <a:r>
-              <a:rPr lang="en-US" smtClean="0"/>
-              <a:t>C</a:t>
+              <a:rPr lang="pt-PT" smtClean="0"/>
+              <a:t>Dividido em 4 componentes</a:t>
+            </a:r>
+          </a:p>
+          <a:p>
+            <a:endParaRPr lang="pt-PT" smtClean="0"/>
+          </a:p>
+          <a:p>
+            <a:pPr lvl="1">
+              <a:buFont typeface="Arial" pitchFamily="34" charset="0"/>
+              <a:buChar char="•"/>
+            </a:pPr>
+            <a:r>
+              <a:rPr lang="pt-PT" smtClean="0"/>
+              <a:t> Instrumentação de chamadas ao sistema</a:t>
+            </a:r>
+          </a:p>
+          <a:p>
+            <a:pPr lvl="1"/>
+            <a:endParaRPr lang="pt-PT" smtClean="0"/>
+          </a:p>
+          <a:p>
+            <a:pPr lvl="1">
+              <a:buFont typeface="Arial" charset="0"/>
+              <a:buChar char="•"/>
+            </a:pPr>
+            <a:r>
+              <a:rPr lang="pt-PT" smtClean="0"/>
+              <a:t> Estado dos portos/</a:t>
             </a:r>
             <a:r>
               <a:rPr lang="pt-PT" err="1" smtClean="0"/>
-              <a:t>aptura</a:t>
-            </a:r>
+              <a:t>sockets</a:t>
+            </a:r>
+            <a:endParaRPr lang="pt-PT" smtClean="0"/>
+          </a:p>
+          <a:p>
+            <a:pPr lvl="1"/>
+            <a:endParaRPr lang="pt-PT" smtClean="0"/>
+          </a:p>
+          <a:p>
+            <a:pPr lvl="1">
+              <a:buFont typeface="Arial" charset="0"/>
+              <a:buChar char="•"/>
+            </a:pPr>
             <a:r>
               <a:rPr lang="pt-PT" smtClean="0"/>
-              <a:t> e filtragem por processo no núcleo</a:t>
+              <a:t> Filtro de pacotes do LSF</a:t>
             </a:r>
           </a:p>
           <a:p>
             <a:pPr lvl="1"/>
+            <a:endParaRPr lang="pt-PT" smtClean="0"/>
+          </a:p>
+          <a:p>
+            <a:pPr lvl="1">
+              <a:buFont typeface="Arial" charset="0"/>
+              <a:buChar char="•"/>
+            </a:pPr>
             <a:r>
               <a:rPr lang="pt-PT" smtClean="0"/>
-              <a:t>Desafios</a:t>
-            </a:r>
-          </a:p>
-          <a:p>
-            <a:pPr lvl="2"/>
-            <a:r>
-              <a:rPr lang="pt-PT"/>
-              <a:t>M</a:t>
-            </a:r>
-            <a:r>
-              <a:rPr lang="pt-PT" smtClean="0"/>
-              <a:t>onitorização do processo no núcleo</a:t>
-            </a:r>
-          </a:p>
-          <a:p>
-            <a:pPr lvl="2"/>
-            <a:r>
-              <a:rPr lang="en-US" smtClean="0"/>
-              <a:t>M</a:t>
-            </a:r>
-            <a:r>
-              <a:rPr lang="pt-PT" err="1" smtClean="0"/>
-              <a:t>anter</a:t>
-            </a:r>
-            <a:r>
-              <a:rPr lang="pt-PT" smtClean="0"/>
-              <a:t> em tempo real o estado do processo alvo</a:t>
-            </a:r>
-          </a:p>
-          <a:p>
-            <a:pPr lvl="2"/>
-            <a:r>
-              <a:rPr lang="en-US" smtClean="0"/>
-              <a:t>C</a:t>
-            </a:r>
-            <a:r>
-              <a:rPr lang="pt-PT" err="1" smtClean="0"/>
-              <a:t>aptura</a:t>
-            </a:r>
-            <a:r>
-              <a:rPr lang="pt-PT" smtClean="0"/>
-              <a:t> no LSF com base no estado do processo</a:t>
-            </a:r>
-          </a:p>
-          <a:p>
-            <a:pPr lvl="2"/>
-            <a:r>
-              <a:rPr lang="pt-PT" smtClean="0"/>
-              <a:t>Manter compatibilidade com o sistema existente</a:t>
-            </a:r>
-          </a:p>
-          <a:p>
-            <a:pPr lvl="2"/>
-            <a:r>
-              <a:rPr lang="en-US" smtClean="0"/>
-              <a:t>M</a:t>
-            </a:r>
-            <a:r>
-              <a:rPr lang="pt-PT" err="1" smtClean="0"/>
-              <a:t>anter</a:t>
-            </a:r>
-            <a:r>
-              <a:rPr lang="pt-PT" smtClean="0"/>
-              <a:t> a perturbação/sobrecarga mínima, especialmente quando não utilizado</a:t>
-            </a:r>
-          </a:p>
-          <a:p>
-            <a:pPr lvl="2"/>
+              <a:t> Controlo / API</a:t>
+            </a:r>
+          </a:p>
+          <a:p>
             <a:endParaRPr lang="pt-PT"/>
           </a:p>
         </p:txBody>
       </p:sp>
       <p:sp>
         <p:nvSpPr>
-          <p:cNvPr id="4" name="Marcador de Posição do Número do Diapositivo 3"/>
+          <p:cNvPr id="5" name="Marcador de Posição do Número do Diapositivo 4"/>
           <p:cNvSpPr>
             <a:spLocks noGrp="1"/>
           </p:cNvSpPr>

--- a/doc/apresentacao_dissertacao.pptx
+++ b/doc/apresentacao_dissertacao.pptx
@@ -15,32 +15,32 @@
     <p:sldId id="298" r:id="rId3"/>
     <p:sldId id="299" r:id="rId4"/>
     <p:sldId id="279" r:id="rId5"/>
-    <p:sldId id="259" r:id="rId6"/>
-    <p:sldId id="268" r:id="rId7"/>
-    <p:sldId id="273" r:id="rId8"/>
-    <p:sldId id="260" r:id="rId9"/>
-    <p:sldId id="270" r:id="rId10"/>
-    <p:sldId id="269" r:id="rId11"/>
-    <p:sldId id="300" r:id="rId12"/>
-    <p:sldId id="274" r:id="rId13"/>
-    <p:sldId id="276" r:id="rId14"/>
-    <p:sldId id="277" r:id="rId15"/>
-    <p:sldId id="292" r:id="rId16"/>
-    <p:sldId id="293" r:id="rId17"/>
-    <p:sldId id="294" r:id="rId18"/>
-    <p:sldId id="295" r:id="rId19"/>
-    <p:sldId id="301" r:id="rId20"/>
-    <p:sldId id="271" r:id="rId21"/>
-    <p:sldId id="297" r:id="rId22"/>
-    <p:sldId id="286" r:id="rId23"/>
-    <p:sldId id="283" r:id="rId24"/>
-    <p:sldId id="284" r:id="rId25"/>
-    <p:sldId id="282" r:id="rId26"/>
-    <p:sldId id="281" r:id="rId27"/>
-    <p:sldId id="265" r:id="rId28"/>
-    <p:sldId id="291" r:id="rId29"/>
-    <p:sldId id="285" r:id="rId30"/>
-    <p:sldId id="261" r:id="rId31"/>
+    <p:sldId id="273" r:id="rId6"/>
+    <p:sldId id="260" r:id="rId7"/>
+    <p:sldId id="270" r:id="rId8"/>
+    <p:sldId id="269" r:id="rId9"/>
+    <p:sldId id="300" r:id="rId10"/>
+    <p:sldId id="274" r:id="rId11"/>
+    <p:sldId id="276" r:id="rId12"/>
+    <p:sldId id="277" r:id="rId13"/>
+    <p:sldId id="292" r:id="rId14"/>
+    <p:sldId id="293" r:id="rId15"/>
+    <p:sldId id="294" r:id="rId16"/>
+    <p:sldId id="295" r:id="rId17"/>
+    <p:sldId id="301" r:id="rId18"/>
+    <p:sldId id="271" r:id="rId19"/>
+    <p:sldId id="297" r:id="rId20"/>
+    <p:sldId id="286" r:id="rId21"/>
+    <p:sldId id="283" r:id="rId22"/>
+    <p:sldId id="284" r:id="rId23"/>
+    <p:sldId id="282" r:id="rId24"/>
+    <p:sldId id="281" r:id="rId25"/>
+    <p:sldId id="265" r:id="rId26"/>
+    <p:sldId id="291" r:id="rId27"/>
+    <p:sldId id="285" r:id="rId28"/>
+    <p:sldId id="261" r:id="rId29"/>
+    <p:sldId id="259" r:id="rId30"/>
+    <p:sldId id="268" r:id="rId31"/>
   </p:sldIdLst>
   <p:sldSz cx="9144000" cy="6858000" type="screen4x3"/>
   <p:notesSz cx="9874250" cy="6797675"/>
@@ -211,7 +211,7 @@
                   <c:v>89.797500000000127</c:v>
                 </c:pt>
                 <c:pt idx="4">
-                  <c:v>182.15730000000028</c:v>
+                  <c:v>182.1573000000003</c:v>
                 </c:pt>
                 <c:pt idx="5">
                   <c:v>179.49300000000002</c:v>
@@ -279,7 +279,7 @@
                   <c:v>89.800699999999992</c:v>
                 </c:pt>
                 <c:pt idx="4">
-                  <c:v>188.71559999999963</c:v>
+                  <c:v>188.7155999999996</c:v>
                 </c:pt>
                 <c:pt idx="5">
                   <c:v>179.62800000000001</c:v>
@@ -341,7 +341,7 @@
                   <c:v>91.667400000000001</c:v>
                 </c:pt>
                 <c:pt idx="2">
-                  <c:v>91.267200000000201</c:v>
+                  <c:v>91.267200000000216</c:v>
                 </c:pt>
                 <c:pt idx="3">
                   <c:v>89.846400000000003</c:v>
@@ -356,11 +356,11 @@
             </c:numRef>
           </c:val>
         </c:ser>
-        <c:axId val="64154624"/>
-        <c:axId val="64235008"/>
+        <c:axId val="64951424"/>
+        <c:axId val="64953344"/>
       </c:barChart>
       <c:catAx>
-        <c:axId val="64154624"/>
+        <c:axId val="64951424"/>
         <c:scaling>
           <c:orientation val="minMax"/>
         </c:scaling>
@@ -385,21 +385,21 @@
             <c:manualLayout>
               <c:xMode val="edge"/>
               <c:yMode val="edge"/>
-              <c:x val="0.4443243280529498"/>
+              <c:x val="0.44432432805294991"/>
               <c:y val="0.88981208334873663"/>
             </c:manualLayout>
           </c:layout>
         </c:title>
         <c:numFmt formatCode="General" sourceLinked="1"/>
         <c:tickLblPos val="nextTo"/>
-        <c:crossAx val="64235008"/>
+        <c:crossAx val="64953344"/>
         <c:crosses val="autoZero"/>
         <c:auto val="1"/>
         <c:lblAlgn val="ctr"/>
         <c:lblOffset val="100"/>
       </c:catAx>
       <c:valAx>
-        <c:axId val="64235008"/>
+        <c:axId val="64953344"/>
         <c:scaling>
           <c:orientation val="minMax"/>
         </c:scaling>
@@ -426,13 +426,13 @@
               <c:xMode val="edge"/>
               <c:yMode val="edge"/>
               <c:x val="1.4212132813227503E-2"/>
-              <c:y val="0.33453895727822847"/>
+              <c:y val="0.33453895727822852"/>
             </c:manualLayout>
           </c:layout>
         </c:title>
         <c:numFmt formatCode="0.0" sourceLinked="0"/>
         <c:tickLblPos val="nextTo"/>
-        <c:crossAx val="64154624"/>
+        <c:crossAx val="64951424"/>
         <c:crosses val="autoZero"/>
         <c:crossBetween val="between"/>
       </c:valAx>
@@ -492,7 +492,7 @@
                 <c:formatCode>0.0000</c:formatCode>
                 <c:ptCount val="2"/>
                 <c:pt idx="0">
-                  <c:v>182.15730000000028</c:v>
+                  <c:v>182.1573000000003</c:v>
                 </c:pt>
                 <c:pt idx="1">
                   <c:v>179.49300000000002</c:v>
@@ -536,7 +536,7 @@
                 <c:formatCode>General</c:formatCode>
                 <c:ptCount val="2"/>
                 <c:pt idx="0">
-                  <c:v>188.71559999999963</c:v>
+                  <c:v>188.7155999999996</c:v>
                 </c:pt>
                 <c:pt idx="1">
                   <c:v>179.62800000000001</c:v>
@@ -589,11 +589,11 @@
             </c:numRef>
           </c:val>
         </c:ser>
-        <c:axId val="46842624"/>
-        <c:axId val="46844544"/>
+        <c:axId val="66355968"/>
+        <c:axId val="66357888"/>
       </c:barChart>
       <c:catAx>
-        <c:axId val="46842624"/>
+        <c:axId val="66355968"/>
         <c:scaling>
           <c:orientation val="minMax"/>
         </c:scaling>
@@ -618,14 +618,14 @@
         </c:title>
         <c:numFmt formatCode="General" sourceLinked="1"/>
         <c:tickLblPos val="nextTo"/>
-        <c:crossAx val="46844544"/>
+        <c:crossAx val="66357888"/>
         <c:crosses val="autoZero"/>
         <c:auto val="1"/>
         <c:lblAlgn val="ctr"/>
         <c:lblOffset val="100"/>
       </c:catAx>
       <c:valAx>
-        <c:axId val="46844544"/>
+        <c:axId val="66357888"/>
         <c:scaling>
           <c:orientation val="minMax"/>
         </c:scaling>
@@ -656,7 +656,7 @@
         </c:title>
         <c:numFmt formatCode="0.0" sourceLinked="0"/>
         <c:tickLblPos val="nextTo"/>
-        <c:crossAx val="46842624"/>
+        <c:crossAx val="66355968"/>
         <c:crosses val="autoZero"/>
         <c:crossBetween val="between"/>
       </c:valAx>
@@ -731,13 +731,13 @@
                   <c:v>-9.0000000000000247E-4</c:v>
                 </c:pt>
                 <c:pt idx="1">
-                  <c:v>8.8000000000000231E-3</c:v>
+                  <c:v>8.8000000000000248E-3</c:v>
                 </c:pt>
                 <c:pt idx="2">
                   <c:v>0.13730000000000001</c:v>
                 </c:pt>
                 <c:pt idx="3">
-                  <c:v>3.6000000000000047E-3</c:v>
+                  <c:v>3.6000000000000055E-3</c:v>
                 </c:pt>
                 <c:pt idx="4">
                   <c:v>3.6003000000000012</c:v>
@@ -817,11 +817,11 @@
             </c:numRef>
           </c:val>
         </c:ser>
-        <c:axId val="47000960"/>
-        <c:axId val="47015424"/>
+        <c:axId val="66379136"/>
+        <c:axId val="65082880"/>
       </c:barChart>
       <c:catAx>
-        <c:axId val="47000960"/>
+        <c:axId val="66379136"/>
         <c:scaling>
           <c:orientation val="minMax"/>
         </c:scaling>
@@ -846,14 +846,14 @@
         </c:title>
         <c:numFmt formatCode="General" sourceLinked="1"/>
         <c:tickLblPos val="nextTo"/>
-        <c:crossAx val="47015424"/>
+        <c:crossAx val="65082880"/>
         <c:crosses val="autoZero"/>
         <c:auto val="1"/>
         <c:lblAlgn val="ctr"/>
         <c:lblOffset val="100"/>
       </c:catAx>
       <c:valAx>
-        <c:axId val="47015424"/>
+        <c:axId val="65082880"/>
         <c:scaling>
           <c:orientation val="minMax"/>
         </c:scaling>
@@ -880,14 +880,14 @@
             <c:manualLayout>
               <c:xMode val="edge"/>
               <c:yMode val="edge"/>
-              <c:x val="0.31962265575324073"/>
-              <c:y val="3.2139286111066638E-4"/>
+              <c:x val="0.31962265575324089"/>
+              <c:y val="3.2139286111066648E-4"/>
             </c:manualLayout>
           </c:layout>
         </c:title>
         <c:numFmt formatCode="0.00" sourceLinked="0"/>
         <c:tickLblPos val="nextTo"/>
-        <c:crossAx val="47000960"/>
+        <c:crossAx val="66379136"/>
         <c:crosses val="autoZero"/>
         <c:crossBetween val="between"/>
       </c:valAx>
@@ -996,11 +996,11 @@
             </c:numRef>
           </c:val>
         </c:ser>
-        <c:axId val="47035904"/>
-        <c:axId val="47037824"/>
+        <c:axId val="65099264"/>
+        <c:axId val="65101184"/>
       </c:barChart>
       <c:catAx>
-        <c:axId val="47035904"/>
+        <c:axId val="65099264"/>
         <c:scaling>
           <c:orientation val="minMax"/>
         </c:scaling>
@@ -1025,14 +1025,14 @@
         </c:title>
         <c:numFmt formatCode="General" sourceLinked="1"/>
         <c:tickLblPos val="nextTo"/>
-        <c:crossAx val="47037824"/>
+        <c:crossAx val="65101184"/>
         <c:crosses val="autoZero"/>
         <c:auto val="1"/>
         <c:lblAlgn val="ctr"/>
         <c:lblOffset val="100"/>
       </c:catAx>
       <c:valAx>
-        <c:axId val="47037824"/>
+        <c:axId val="65101184"/>
         <c:scaling>
           <c:orientation val="minMax"/>
         </c:scaling>
@@ -1040,7 +1040,7 @@
         <c:majorGridlines/>
         <c:numFmt formatCode="0.00" sourceLinked="0"/>
         <c:tickLblPos val="nextTo"/>
-        <c:crossAx val="47035904"/>
+        <c:crossAx val="65099264"/>
         <c:crosses val="autoZero"/>
         <c:crossBetween val="between"/>
       </c:valAx>
@@ -1215,7 +1215,7 @@
     </p:spTree>
     <p:extLst>
       <p:ext uri="{BB962C8B-B14F-4D97-AF65-F5344CB8AC3E}">
-        <p14:creationId xmlns="" xmlns:p14="http://schemas.microsoft.com/office/powerpoint/2010/main" val="3502731545"/>
+        <p14:creationId xmlns:p14="http://schemas.microsoft.com/office/powerpoint/2010/main" xmlns="" val="3502731545"/>
       </p:ext>
     </p:extLst>
   </p:cSld>
@@ -1477,7 +1477,7 @@
     </p:spTree>
     <p:extLst>
       <p:ext uri="{BB962C8B-B14F-4D97-AF65-F5344CB8AC3E}">
-        <p14:creationId xmlns="" xmlns:p14="http://schemas.microsoft.com/office/powerpoint/2010/main" val="1191317535"/>
+        <p14:creationId xmlns:p14="http://schemas.microsoft.com/office/powerpoint/2010/main" xmlns="" val="1191317535"/>
       </p:ext>
     </p:extLst>
   </p:cSld>
@@ -2023,86 +2023,7 @@
           </a:bodyPr>
           <a:lstStyle/>
           <a:p>
-            <a:r>
-              <a:rPr lang="pt-PT" dirty="0" smtClean="0"/>
-              <a:t>...</a:t>
-            </a:r>
-            <a:r>
-              <a:rPr lang="pt-PT" baseline="0" dirty="0" smtClean="0"/>
-              <a:t> </a:t>
-            </a:r>
-            <a:r>
-              <a:rPr lang="en-US" baseline="0" dirty="0" smtClean="0"/>
-              <a:t>M</a:t>
-            </a:r>
-            <a:r>
-              <a:rPr lang="pt-PT" baseline="0" dirty="0" err="1" smtClean="0"/>
-              <a:t>onitorização</a:t>
-            </a:r>
-            <a:r>
-              <a:rPr lang="pt-PT" baseline="0" dirty="0" smtClean="0"/>
-              <a:t> apenas em nível utilizador;</a:t>
-            </a:r>
-          </a:p>
-          <a:p>
-            <a:r>
-              <a:rPr lang="en-US" baseline="0" dirty="0" smtClean="0"/>
-              <a:t>O</a:t>
-            </a:r>
-            <a:r>
-              <a:rPr lang="pt-PT" baseline="0" dirty="0" smtClean="0"/>
-              <a:t>u também com o auxilio do núcleo do sistema.</a:t>
-            </a:r>
-          </a:p>
-          <a:p>
-            <a:endParaRPr lang="pt-PT" baseline="0" dirty="0" smtClean="0"/>
-          </a:p>
-          <a:p>
-            <a:r>
-              <a:rPr lang="pt-PT" baseline="0" dirty="0" smtClean="0"/>
-              <a:t>No primeiro caso altera-se o programa ou suas bibliotecas instrumentando-os para detectar e recolher a informação relevante.</a:t>
-            </a:r>
-          </a:p>
-          <a:p>
-            <a:r>
-              <a:rPr lang="pt-PT" baseline="0" dirty="0" smtClean="0"/>
-              <a:t>Nem sempre é possível, pode sobrecarregar bastante o processo, e é efectuado caso a caso.</a:t>
-            </a:r>
-          </a:p>
-          <a:p>
-            <a:endParaRPr lang="pt-PT" baseline="0" dirty="0" smtClean="0"/>
-          </a:p>
-          <a:p>
-            <a:r>
-              <a:rPr lang="pt-PT" baseline="0" dirty="0" smtClean="0"/>
-              <a:t>No segundo caso, recorre-se a funcionalidades internas do sistema que permitem obter alguma informação eficientemente e independente do processo monitorizado.</a:t>
-            </a:r>
-          </a:p>
-          <a:p>
-            <a:r>
-              <a:rPr lang="pt-PT" baseline="0" dirty="0" smtClean="0"/>
-              <a:t>Por exemplo, a captura do tráfego de rede usando a biblioteca </a:t>
-            </a:r>
-            <a:r>
-              <a:rPr lang="pt-PT" baseline="0" dirty="0" err="1" smtClean="0"/>
-              <a:t>libpcap</a:t>
-            </a:r>
-            <a:r>
-              <a:rPr lang="pt-PT" baseline="0" dirty="0" smtClean="0"/>
-              <a:t>.</a:t>
-            </a:r>
-          </a:p>
-          <a:p>
-            <a:r>
-              <a:rPr lang="pt-PT" baseline="0" dirty="0" smtClean="0"/>
-              <a:t>Mas nestes casos, para obter a informação relevante, podemos de ter de monitorizar o processo alvo, para conseguir separar a informação relevante da dos restantes processos. Tal também pode ser feito com base em funcionalidades existentes no núcleo do sistema.</a:t>
-            </a:r>
-          </a:p>
-          <a:p>
-            <a:endParaRPr lang="pt-PT" baseline="0" dirty="0" smtClean="0"/>
-          </a:p>
-          <a:p>
-            <a:endParaRPr lang="pt-PT" dirty="0"/>
+            <a:endParaRPr lang="pt-PT"/>
           </a:p>
         </p:txBody>
       </p:sp>
@@ -2124,7 +2045,7 @@
             <a:fld id="{CB697A11-5CEE-4588-B832-132CDC30A066}" type="slidenum">
               <a:rPr lang="pt-PT" smtClean="0"/>
               <a:pPr/>
-              <a:t>5</a:t>
+              <a:t>6</a:t>
             </a:fld>
             <a:endParaRPr lang="pt-PT"/>
           </a:p>
@@ -2183,126 +2104,117 @@
           <a:lstStyle/>
           <a:p>
             <a:r>
-              <a:rPr lang="pt-PT" baseline="0" dirty="0" smtClean="0"/>
-              <a:t>A monitorização do processo alvo tem como objectivo observar portos e protocolos </a:t>
-            </a:r>
-            <a:r>
-              <a:rPr lang="pt-PT" u="none" baseline="0" dirty="0" smtClean="0"/>
-              <a:t>usados</a:t>
-            </a:r>
-            <a:r>
-              <a:rPr lang="pt-PT" baseline="0" dirty="0" smtClean="0"/>
-              <a:t> para poder identificar as </a:t>
-            </a:r>
-            <a:r>
-              <a:rPr lang="pt-PT" baseline="0" dirty="0" err="1" smtClean="0"/>
-              <a:t>interacções</a:t>
-            </a:r>
-            <a:r>
-              <a:rPr lang="pt-PT" baseline="0" dirty="0" smtClean="0"/>
-              <a:t> deste processo no resto de todo o tráfego de rede.</a:t>
-            </a:r>
-          </a:p>
-          <a:p>
-            <a:r>
-              <a:rPr lang="pt-PT" baseline="0" dirty="0" smtClean="0"/>
-              <a:t>Tal pode ser, como visto, instrumentando o programa (por exemplo algumas funções de chamadas ao sistema;</a:t>
-            </a:r>
-          </a:p>
-          <a:p>
-            <a:r>
-              <a:rPr lang="pt-PT" baseline="0" dirty="0" smtClean="0"/>
-              <a:t>Ou recorrendo aos mecanismos do núcleo como </a:t>
-            </a:r>
-            <a:r>
-              <a:rPr lang="pt-PT" baseline="0" dirty="0" err="1" smtClean="0"/>
-              <a:t>ptrace</a:t>
-            </a:r>
-            <a:r>
-              <a:rPr lang="pt-PT" baseline="0" dirty="0" smtClean="0"/>
-              <a:t> ou </a:t>
-            </a:r>
-            <a:r>
-              <a:rPr lang="pt-PT" baseline="0" dirty="0" err="1" smtClean="0"/>
-              <a:t>kprobes</a:t>
-            </a:r>
-            <a:r>
-              <a:rPr lang="pt-PT" baseline="0" dirty="0" smtClean="0"/>
+              <a:rPr lang="en-US" dirty="0" smtClean="0"/>
+              <a:t>(</a:t>
+            </a:r>
+            <a:r>
+              <a:rPr lang="en-US" dirty="0" err="1" smtClean="0"/>
+              <a:t>explicar</a:t>
+            </a:r>
+            <a:r>
+              <a:rPr lang="en-US" dirty="0" smtClean="0"/>
+              <a:t> </a:t>
+            </a:r>
+            <a:r>
+              <a:rPr lang="en-US" dirty="0" err="1" smtClean="0"/>
+              <a:t>porquê</a:t>
+            </a:r>
+            <a:r>
+              <a:rPr lang="en-US" dirty="0" smtClean="0"/>
+              <a:t> …)</a:t>
+            </a:r>
+          </a:p>
+          <a:p>
+            <a:endParaRPr lang="en-US" dirty="0" smtClean="0"/>
+          </a:p>
+          <a:p>
+            <a:r>
+              <a:rPr lang="en-US" dirty="0" smtClean="0"/>
+              <a:t>A </a:t>
+            </a:r>
+            <a:r>
+              <a:rPr lang="en-US" dirty="0" err="1" smtClean="0"/>
+              <a:t>perca</a:t>
+            </a:r>
+            <a:r>
+              <a:rPr lang="en-US" dirty="0" smtClean="0"/>
+              <a:t> de </a:t>
+            </a:r>
+            <a:r>
+              <a:rPr lang="en-US" dirty="0" err="1" smtClean="0"/>
+              <a:t>informação</a:t>
+            </a:r>
+            <a:r>
+              <a:rPr lang="en-US" dirty="0" smtClean="0"/>
+              <a:t> </a:t>
+            </a:r>
+            <a:r>
+              <a:rPr lang="en-US" dirty="0" err="1" smtClean="0"/>
+              <a:t>relevante</a:t>
+            </a:r>
+            <a:r>
+              <a:rPr lang="en-US" dirty="0" smtClean="0"/>
+              <a:t> e a</a:t>
+            </a:r>
+            <a:r>
+              <a:rPr lang="en-US" baseline="0" dirty="0" smtClean="0"/>
+              <a:t> </a:t>
+            </a:r>
+            <a:r>
+              <a:rPr lang="en-US" baseline="0" dirty="0" err="1" smtClean="0"/>
+              <a:t>grande</a:t>
+            </a:r>
+            <a:r>
+              <a:rPr lang="en-US" baseline="0" dirty="0" smtClean="0"/>
+              <a:t> </a:t>
+            </a:r>
+            <a:r>
+              <a:rPr lang="en-US" baseline="0" dirty="0" err="1" smtClean="0"/>
+              <a:t>sobrecarga</a:t>
+            </a:r>
+            <a:r>
+              <a:rPr lang="en-US" baseline="0" dirty="0" smtClean="0"/>
+              <a:t> </a:t>
+            </a:r>
+            <a:r>
+              <a:rPr lang="en-US" baseline="0" dirty="0" err="1" smtClean="0"/>
+              <a:t>introduzida</a:t>
+            </a:r>
+            <a:r>
+              <a:rPr lang="en-US" baseline="0" dirty="0" smtClean="0"/>
+              <a:t> </a:t>
+            </a:r>
+            <a:r>
+              <a:rPr lang="en-US" baseline="0" dirty="0" err="1" smtClean="0"/>
+              <a:t>limita</a:t>
+            </a:r>
+            <a:r>
+              <a:rPr lang="en-US" baseline="0" dirty="0" smtClean="0"/>
+              <a:t> </a:t>
+            </a:r>
+            <a:r>
+              <a:rPr lang="en-US" baseline="0" dirty="0" err="1" smtClean="0"/>
+              <a:t>muito</a:t>
+            </a:r>
+            <a:r>
+              <a:rPr lang="en-US" baseline="0" dirty="0" smtClean="0"/>
+              <a:t> </a:t>
+            </a:r>
+            <a:r>
+              <a:rPr lang="en-US" baseline="0" dirty="0" err="1" smtClean="0"/>
+              <a:t>esta</a:t>
+            </a:r>
+            <a:r>
+              <a:rPr lang="en-US" baseline="0" dirty="0" smtClean="0"/>
+              <a:t> </a:t>
+            </a:r>
+            <a:r>
+              <a:rPr lang="en-US" baseline="0" dirty="0" err="1" smtClean="0"/>
+              <a:t>abordagem</a:t>
+            </a:r>
+            <a:r>
+              <a:rPr lang="en-US" baseline="0" dirty="0" smtClean="0"/>
               <a:t>.</a:t>
-            </a:r>
-          </a:p>
-          <a:p>
-            <a:endParaRPr lang="pt-PT" baseline="0" dirty="0" smtClean="0"/>
-          </a:p>
-          <a:p>
-            <a:r>
-              <a:rPr lang="pt-PT" baseline="0" dirty="0" smtClean="0"/>
-              <a:t>Para evitar capturar informação irrelevante que depois tem de ser filtrada, pode-se tentar usar os filtros existentes no </a:t>
-            </a:r>
-            <a:r>
-              <a:rPr lang="pt-PT" baseline="0" dirty="0" err="1" smtClean="0"/>
-              <a:t>libpcap</a:t>
-            </a:r>
-            <a:r>
-              <a:rPr lang="pt-PT" baseline="0" dirty="0" smtClean="0"/>
-              <a:t> que permitem que no próprio núcleo (usando </a:t>
-            </a:r>
-            <a:r>
-              <a:rPr lang="pt-PT" baseline="0" dirty="0" err="1" smtClean="0"/>
-              <a:t>linux</a:t>
-            </a:r>
-            <a:r>
-              <a:rPr lang="pt-PT" baseline="0" dirty="0" smtClean="0"/>
-              <a:t> </a:t>
-            </a:r>
-            <a:r>
-              <a:rPr lang="pt-PT" baseline="0" dirty="0" err="1" smtClean="0"/>
-              <a:t>socket</a:t>
-            </a:r>
-            <a:r>
-              <a:rPr lang="pt-PT" baseline="0" dirty="0" smtClean="0"/>
-              <a:t> </a:t>
-            </a:r>
-            <a:r>
-              <a:rPr lang="pt-PT" baseline="0" dirty="0" err="1" smtClean="0"/>
-              <a:t>filters</a:t>
-            </a:r>
-            <a:r>
-              <a:rPr lang="pt-PT" baseline="0" dirty="0" smtClean="0"/>
-              <a:t>) apenas algum do tráfego seja capturado e copiado para a ferramenta monitora.</a:t>
-            </a:r>
-          </a:p>
-          <a:p>
-            <a:endParaRPr lang="pt-PT" baseline="0" dirty="0" smtClean="0"/>
-          </a:p>
-          <a:p>
-            <a:r>
-              <a:rPr lang="pt-PT" baseline="0" dirty="0" smtClean="0"/>
-              <a:t>No entanto, manter estes filtros </a:t>
-            </a:r>
-            <a:r>
-              <a:rPr lang="pt-PT" baseline="0" dirty="0" err="1" smtClean="0"/>
-              <a:t>actualizados</a:t>
-            </a:r>
-            <a:r>
-              <a:rPr lang="pt-PT" baseline="0" dirty="0" smtClean="0"/>
-              <a:t>, quando desconhecemos os portos usados pelo processo ou este cria e </a:t>
-            </a:r>
-            <a:r>
-              <a:rPr lang="pt-PT" baseline="0" dirty="0" err="1" smtClean="0"/>
-              <a:t>destroi</a:t>
-            </a:r>
-            <a:r>
-              <a:rPr lang="pt-PT" baseline="0" dirty="0" smtClean="0"/>
-              <a:t> </a:t>
-            </a:r>
-            <a:r>
-              <a:rPr lang="pt-PT" baseline="0" dirty="0" err="1" smtClean="0"/>
-              <a:t>sockets</a:t>
-            </a:r>
-            <a:r>
-              <a:rPr lang="pt-PT" baseline="0" dirty="0" smtClean="0"/>
-              <a:t> ao longo da sua execução trás grandes problemas ...</a:t>
             </a:r>
             <a:endParaRPr lang="en-US" dirty="0"/>
           </a:p>
@@ -2326,7 +2238,7 @@
             <a:fld id="{CB697A11-5CEE-4588-B832-132CDC30A066}" type="slidenum">
               <a:rPr lang="pt-PT" smtClean="0"/>
               <a:pPr/>
-              <a:t>6</a:t>
+              <a:t>28</a:t>
             </a:fld>
             <a:endParaRPr lang="pt-PT"/>
           </a:p>
@@ -2335,7 +2247,7 @@
     </p:spTree>
     <p:extLst>
       <p:ext uri="{BB962C8B-B14F-4D97-AF65-F5344CB8AC3E}">
-        <p14:creationId xmlns="" xmlns:p14="http://schemas.microsoft.com/office/powerpoint/2010/main" val="1742877947"/>
+        <p14:creationId xmlns:p14="http://schemas.microsoft.com/office/powerpoint/2010/main" xmlns="" val="3724839547"/>
       </p:ext>
     </p:extLst>
   </p:cSld>
@@ -2391,7 +2303,86 @@
           </a:bodyPr>
           <a:lstStyle/>
           <a:p>
-            <a:endParaRPr lang="pt-PT"/>
+            <a:r>
+              <a:rPr lang="pt-PT" dirty="0" smtClean="0"/>
+              <a:t>...</a:t>
+            </a:r>
+            <a:r>
+              <a:rPr lang="pt-PT" baseline="0" dirty="0" smtClean="0"/>
+              <a:t> </a:t>
+            </a:r>
+            <a:r>
+              <a:rPr lang="en-US" baseline="0" dirty="0" smtClean="0"/>
+              <a:t>M</a:t>
+            </a:r>
+            <a:r>
+              <a:rPr lang="pt-PT" baseline="0" dirty="0" err="1" smtClean="0"/>
+              <a:t>onitorização</a:t>
+            </a:r>
+            <a:r>
+              <a:rPr lang="pt-PT" baseline="0" dirty="0" smtClean="0"/>
+              <a:t> apenas em nível utilizador;</a:t>
+            </a:r>
+          </a:p>
+          <a:p>
+            <a:r>
+              <a:rPr lang="en-US" baseline="0" dirty="0" smtClean="0"/>
+              <a:t>O</a:t>
+            </a:r>
+            <a:r>
+              <a:rPr lang="pt-PT" baseline="0" dirty="0" smtClean="0"/>
+              <a:t>u também com o auxilio do núcleo do sistema.</a:t>
+            </a:r>
+          </a:p>
+          <a:p>
+            <a:endParaRPr lang="pt-PT" baseline="0" dirty="0" smtClean="0"/>
+          </a:p>
+          <a:p>
+            <a:r>
+              <a:rPr lang="pt-PT" baseline="0" dirty="0" smtClean="0"/>
+              <a:t>No primeiro caso altera-se o programa ou suas bibliotecas instrumentando-os para detectar e recolher a informação relevante.</a:t>
+            </a:r>
+          </a:p>
+          <a:p>
+            <a:r>
+              <a:rPr lang="pt-PT" baseline="0" dirty="0" smtClean="0"/>
+              <a:t>Nem sempre é possível, pode sobrecarregar bastante o processo, e é efectuado caso a caso.</a:t>
+            </a:r>
+          </a:p>
+          <a:p>
+            <a:endParaRPr lang="pt-PT" baseline="0" dirty="0" smtClean="0"/>
+          </a:p>
+          <a:p>
+            <a:r>
+              <a:rPr lang="pt-PT" baseline="0" dirty="0" smtClean="0"/>
+              <a:t>No segundo caso, recorre-se a funcionalidades internas do sistema que permitem obter alguma informação eficientemente e independente do processo monitorizado.</a:t>
+            </a:r>
+          </a:p>
+          <a:p>
+            <a:r>
+              <a:rPr lang="pt-PT" baseline="0" dirty="0" smtClean="0"/>
+              <a:t>Por exemplo, a captura do tráfego de rede usando a biblioteca </a:t>
+            </a:r>
+            <a:r>
+              <a:rPr lang="pt-PT" baseline="0" dirty="0" err="1" smtClean="0"/>
+              <a:t>libpcap</a:t>
+            </a:r>
+            <a:r>
+              <a:rPr lang="pt-PT" baseline="0" dirty="0" smtClean="0"/>
+              <a:t>.</a:t>
+            </a:r>
+          </a:p>
+          <a:p>
+            <a:r>
+              <a:rPr lang="pt-PT" baseline="0" dirty="0" smtClean="0"/>
+              <a:t>Mas nestes casos, para obter a informação relevante, podemos de ter de monitorizar o processo alvo, para conseguir separar a informação relevante da dos restantes processos. Tal também pode ser feito com base em funcionalidades existentes no núcleo do sistema.</a:t>
+            </a:r>
+          </a:p>
+          <a:p>
+            <a:endParaRPr lang="pt-PT" baseline="0" dirty="0" smtClean="0"/>
+          </a:p>
+          <a:p>
+            <a:endParaRPr lang="pt-PT" dirty="0"/>
           </a:p>
         </p:txBody>
       </p:sp>
@@ -2413,7 +2404,7 @@
             <a:fld id="{CB697A11-5CEE-4588-B832-132CDC30A066}" type="slidenum">
               <a:rPr lang="pt-PT" smtClean="0"/>
               <a:pPr/>
-              <a:t>8</a:t>
+              <a:t>29</a:t>
             </a:fld>
             <a:endParaRPr lang="pt-PT"/>
           </a:p>
@@ -2472,117 +2463,126 @@
           <a:lstStyle/>
           <a:p>
             <a:r>
-              <a:rPr lang="en-US" dirty="0" smtClean="0"/>
-              <a:t>(</a:t>
-            </a:r>
-            <a:r>
-              <a:rPr lang="en-US" dirty="0" err="1" smtClean="0"/>
-              <a:t>explicar</a:t>
-            </a:r>
-            <a:r>
-              <a:rPr lang="en-US" dirty="0" smtClean="0"/>
+              <a:rPr lang="pt-PT" baseline="0" dirty="0" smtClean="0"/>
+              <a:t>A monitorização do processo alvo tem como objectivo observar portos e protocolos </a:t>
+            </a:r>
+            <a:r>
+              <a:rPr lang="pt-PT" u="none" baseline="0" dirty="0" smtClean="0"/>
+              <a:t>usados</a:t>
+            </a:r>
+            <a:r>
+              <a:rPr lang="pt-PT" baseline="0" dirty="0" smtClean="0"/>
+              <a:t> para poder identificar as </a:t>
+            </a:r>
+            <a:r>
+              <a:rPr lang="pt-PT" baseline="0" dirty="0" err="1" smtClean="0"/>
+              <a:t>interacções</a:t>
+            </a:r>
+            <a:r>
+              <a:rPr lang="pt-PT" baseline="0" dirty="0" smtClean="0"/>
+              <a:t> deste processo no resto de todo o tráfego de rede.</a:t>
+            </a:r>
+          </a:p>
+          <a:p>
+            <a:r>
+              <a:rPr lang="pt-PT" baseline="0" dirty="0" smtClean="0"/>
+              <a:t>Tal pode ser, como visto, instrumentando o programa (por exemplo algumas funções de chamadas ao sistema;</a:t>
+            </a:r>
+          </a:p>
+          <a:p>
+            <a:r>
+              <a:rPr lang="pt-PT" baseline="0" dirty="0" smtClean="0"/>
+              <a:t>Ou recorrendo aos mecanismos do núcleo como </a:t>
+            </a:r>
+            <a:r>
+              <a:rPr lang="pt-PT" baseline="0" dirty="0" err="1" smtClean="0"/>
+              <a:t>ptrace</a:t>
+            </a:r>
+            <a:r>
+              <a:rPr lang="pt-PT" baseline="0" dirty="0" smtClean="0"/>
+              <a:t> ou </a:t>
+            </a:r>
+            <a:r>
+              <a:rPr lang="pt-PT" baseline="0" dirty="0" err="1" smtClean="0"/>
+              <a:t>kprobes</a:t>
+            </a:r>
+            <a:r>
+              <a:rPr lang="pt-PT" baseline="0" dirty="0" smtClean="0"/>
+              <a:t>.</a:t>
+            </a:r>
+          </a:p>
+          <a:p>
+            <a:endParaRPr lang="pt-PT" baseline="0" dirty="0" smtClean="0"/>
+          </a:p>
+          <a:p>
+            <a:r>
+              <a:rPr lang="pt-PT" baseline="0" dirty="0" smtClean="0"/>
+              <a:t>Para evitar capturar informação irrelevante que depois tem de ser filtrada, pode-se tentar usar os filtros existentes no </a:t>
+            </a:r>
+            <a:r>
+              <a:rPr lang="pt-PT" baseline="0" dirty="0" err="1" smtClean="0"/>
+              <a:t>libpcap</a:t>
+            </a:r>
+            <a:r>
+              <a:rPr lang="pt-PT" baseline="0" dirty="0" smtClean="0"/>
+              <a:t> que permitem que no próprio núcleo (usando </a:t>
+            </a:r>
+            <a:r>
+              <a:rPr lang="pt-PT" baseline="0" dirty="0" err="1" smtClean="0"/>
+              <a:t>linux</a:t>
+            </a:r>
+            <a:r>
+              <a:rPr lang="pt-PT" baseline="0" dirty="0" smtClean="0"/>
               <a:t> </a:t>
             </a:r>
             <a:r>
-              <a:rPr lang="en-US" dirty="0" err="1" smtClean="0"/>
-              <a:t>porquê</a:t>
-            </a:r>
-            <a:r>
-              <a:rPr lang="en-US" dirty="0" smtClean="0"/>
-              <a:t> …)</a:t>
-            </a:r>
-          </a:p>
-          <a:p>
-            <a:endParaRPr lang="en-US" dirty="0" smtClean="0"/>
-          </a:p>
-          <a:p>
-            <a:r>
-              <a:rPr lang="en-US" dirty="0" smtClean="0"/>
-              <a:t>A </a:t>
-            </a:r>
-            <a:r>
-              <a:rPr lang="en-US" dirty="0" err="1" smtClean="0"/>
-              <a:t>perca</a:t>
-            </a:r>
-            <a:r>
-              <a:rPr lang="en-US" dirty="0" smtClean="0"/>
-              <a:t> de </a:t>
-            </a:r>
-            <a:r>
-              <a:rPr lang="en-US" dirty="0" err="1" smtClean="0"/>
-              <a:t>informação</a:t>
-            </a:r>
-            <a:r>
-              <a:rPr lang="en-US" dirty="0" smtClean="0"/>
+              <a:rPr lang="pt-PT" baseline="0" dirty="0" err="1" smtClean="0"/>
+              <a:t>socket</a:t>
+            </a:r>
+            <a:r>
+              <a:rPr lang="pt-PT" baseline="0" dirty="0" smtClean="0"/>
               <a:t> </a:t>
             </a:r>
             <a:r>
-              <a:rPr lang="en-US" dirty="0" err="1" smtClean="0"/>
-              <a:t>relevante</a:t>
-            </a:r>
-            <a:r>
-              <a:rPr lang="en-US" dirty="0" smtClean="0"/>
-              <a:t> e a</a:t>
-            </a:r>
-            <a:r>
-              <a:rPr lang="en-US" baseline="0" dirty="0" smtClean="0"/>
+              <a:rPr lang="pt-PT" baseline="0" dirty="0" err="1" smtClean="0"/>
+              <a:t>filters</a:t>
+            </a:r>
+            <a:r>
+              <a:rPr lang="pt-PT" baseline="0" dirty="0" smtClean="0"/>
+              <a:t>) apenas algum do tráfego seja capturado e copiado para a ferramenta monitora.</a:t>
+            </a:r>
+          </a:p>
+          <a:p>
+            <a:endParaRPr lang="pt-PT" baseline="0" dirty="0" smtClean="0"/>
+          </a:p>
+          <a:p>
+            <a:r>
+              <a:rPr lang="pt-PT" baseline="0" dirty="0" smtClean="0"/>
+              <a:t>No entanto, manter estes filtros </a:t>
+            </a:r>
+            <a:r>
+              <a:rPr lang="pt-PT" baseline="0" dirty="0" err="1" smtClean="0"/>
+              <a:t>actualizados</a:t>
+            </a:r>
+            <a:r>
+              <a:rPr lang="pt-PT" baseline="0" dirty="0" smtClean="0"/>
+              <a:t>, quando desconhecemos os portos usados pelo processo ou este cria e </a:t>
+            </a:r>
+            <a:r>
+              <a:rPr lang="pt-PT" baseline="0" dirty="0" err="1" smtClean="0"/>
+              <a:t>destroi</a:t>
+            </a:r>
+            <a:r>
+              <a:rPr lang="pt-PT" baseline="0" dirty="0" smtClean="0"/>
               <a:t> </a:t>
             </a:r>
             <a:r>
-              <a:rPr lang="en-US" baseline="0" dirty="0" err="1" smtClean="0"/>
-              <a:t>grande</a:t>
-            </a:r>
-            <a:r>
-              <a:rPr lang="en-US" baseline="0" dirty="0" smtClean="0"/>
-              <a:t> </a:t>
-            </a:r>
-            <a:r>
-              <a:rPr lang="en-US" baseline="0" dirty="0" err="1" smtClean="0"/>
-              <a:t>sobrecarga</a:t>
-            </a:r>
-            <a:r>
-              <a:rPr lang="en-US" baseline="0" dirty="0" smtClean="0"/>
-              <a:t> </a:t>
-            </a:r>
-            <a:r>
-              <a:rPr lang="en-US" baseline="0" dirty="0" err="1" smtClean="0"/>
-              <a:t>introduzida</a:t>
-            </a:r>
-            <a:r>
-              <a:rPr lang="en-US" baseline="0" dirty="0" smtClean="0"/>
-              <a:t> </a:t>
-            </a:r>
-            <a:r>
-              <a:rPr lang="en-US" baseline="0" dirty="0" err="1" smtClean="0"/>
-              <a:t>limita</a:t>
-            </a:r>
-            <a:r>
-              <a:rPr lang="en-US" baseline="0" dirty="0" smtClean="0"/>
-              <a:t> </a:t>
-            </a:r>
-            <a:r>
-              <a:rPr lang="en-US" baseline="0" dirty="0" err="1" smtClean="0"/>
-              <a:t>muito</a:t>
-            </a:r>
-            <a:r>
-              <a:rPr lang="en-US" baseline="0" dirty="0" smtClean="0"/>
-              <a:t> </a:t>
-            </a:r>
-            <a:r>
-              <a:rPr lang="en-US" baseline="0" dirty="0" err="1" smtClean="0"/>
-              <a:t>esta</a:t>
-            </a:r>
-            <a:r>
-              <a:rPr lang="en-US" baseline="0" dirty="0" smtClean="0"/>
-              <a:t> </a:t>
-            </a:r>
-            <a:r>
-              <a:rPr lang="en-US" baseline="0" dirty="0" err="1" smtClean="0"/>
-              <a:t>abordagem</a:t>
-            </a:r>
-            <a:r>
-              <a:rPr lang="en-US" baseline="0" dirty="0" smtClean="0"/>
-              <a:t>.</a:t>
+              <a:rPr lang="pt-PT" baseline="0" dirty="0" err="1" smtClean="0"/>
+              <a:t>sockets</a:t>
+            </a:r>
+            <a:r>
+              <a:rPr lang="pt-PT" baseline="0" dirty="0" smtClean="0"/>
+              <a:t> ao longo da sua execução trás grandes problemas ...</a:t>
             </a:r>
             <a:endParaRPr lang="en-US" dirty="0"/>
           </a:p>
@@ -2615,7 +2615,7 @@
     </p:spTree>
     <p:extLst>
       <p:ext uri="{BB962C8B-B14F-4D97-AF65-F5344CB8AC3E}">
-        <p14:creationId xmlns="" xmlns:p14="http://schemas.microsoft.com/office/powerpoint/2010/main" val="3724839547"/>
+        <p14:creationId xmlns:p14="http://schemas.microsoft.com/office/powerpoint/2010/main" xmlns="" val="1742877947"/>
       </p:ext>
     </p:extLst>
   </p:cSld>
@@ -6833,7 +6833,7 @@
         </p:nvSpPr>
         <p:spPr>
           <a:xfrm>
-            <a:off x="467544" y="476672"/>
+            <a:off x="457200" y="404664"/>
             <a:ext cx="8229600" cy="1066800"/>
           </a:xfrm>
         </p:spPr>
@@ -6843,9 +6843,170 @@
           <a:p>
             <a:r>
               <a:rPr lang="pt-PT" smtClean="0"/>
-              <a:t>Arquitectura da solução (II)</a:t>
+              <a:t>Arquitectura da solução (III)</a:t>
             </a:r>
             <a:endParaRPr lang="pt-PT"/>
+          </a:p>
+        </p:txBody>
+      </p:sp>
+      <p:sp>
+        <p:nvSpPr>
+          <p:cNvPr id="7" name="Marcador de Posição de Conteúdo 6"/>
+          <p:cNvSpPr>
+            <a:spLocks noGrp="1"/>
+          </p:cNvSpPr>
+          <p:nvPr>
+            <p:ph idx="1"/>
+          </p:nvPr>
+        </p:nvSpPr>
+        <p:spPr>
+          <a:xfrm>
+            <a:off x="457200" y="1484784"/>
+            <a:ext cx="8229600" cy="4968552"/>
+          </a:xfrm>
+        </p:spPr>
+        <p:txBody>
+          <a:bodyPr>
+            <a:normAutofit/>
+          </a:bodyPr>
+          <a:lstStyle/>
+          <a:p>
+            <a:r>
+              <a:rPr lang="pt-PT" dirty="0" smtClean="0"/>
+              <a:t>Instrumentação das chamadas ao sistema</a:t>
+            </a:r>
+          </a:p>
+          <a:p>
+            <a:pPr lvl="1"/>
+            <a:r>
+              <a:rPr lang="pt-PT" dirty="0" smtClean="0"/>
+              <a:t>Funções </a:t>
+            </a:r>
+            <a:r>
+              <a:rPr lang="pt-PT" dirty="0" err="1" smtClean="0"/>
+              <a:t>bind</a:t>
+            </a:r>
+            <a:r>
+              <a:rPr lang="pt-PT" dirty="0" smtClean="0"/>
+              <a:t>, </a:t>
+            </a:r>
+            <a:r>
+              <a:rPr lang="pt-PT" dirty="0" err="1" smtClean="0"/>
+              <a:t>accept</a:t>
+            </a:r>
+            <a:r>
+              <a:rPr lang="pt-PT" dirty="0" smtClean="0"/>
+              <a:t>, </a:t>
+            </a:r>
+            <a:r>
+              <a:rPr lang="pt-PT" dirty="0" err="1" smtClean="0"/>
+              <a:t>connect</a:t>
+            </a:r>
+            <a:r>
+              <a:rPr lang="pt-PT" dirty="0" smtClean="0"/>
+              <a:t>, </a:t>
+            </a:r>
+            <a:r>
+              <a:rPr lang="pt-PT" dirty="0" err="1" smtClean="0"/>
+              <a:t>sendto</a:t>
+            </a:r>
+            <a:r>
+              <a:rPr lang="pt-PT" dirty="0" smtClean="0"/>
+              <a:t>, </a:t>
+            </a:r>
+            <a:r>
+              <a:rPr lang="pt-PT" dirty="0" err="1" smtClean="0"/>
+              <a:t>recvfrom</a:t>
+            </a:r>
+            <a:r>
+              <a:rPr lang="pt-PT" dirty="0" smtClean="0"/>
+              <a:t>, </a:t>
+            </a:r>
+            <a:r>
+              <a:rPr lang="pt-PT" dirty="0" err="1" smtClean="0"/>
+              <a:t>sock_close</a:t>
+            </a:r>
+            <a:r>
+              <a:rPr lang="pt-PT" dirty="0" smtClean="0"/>
+              <a:t> </a:t>
+            </a:r>
+          </a:p>
+          <a:p>
+            <a:pPr lvl="1"/>
+            <a:r>
+              <a:rPr lang="pt-PT" dirty="0" smtClean="0"/>
+              <a:t>Instrumentação utilizando o </a:t>
+            </a:r>
+            <a:r>
+              <a:rPr lang="pt-PT" dirty="0" err="1" smtClean="0"/>
+              <a:t>KProbes</a:t>
+            </a:r>
+            <a:endParaRPr lang="pt-PT" dirty="0" smtClean="0"/>
+          </a:p>
+          <a:p>
+            <a:endParaRPr lang="pt-PT" dirty="0" smtClean="0"/>
+          </a:p>
+          <a:p>
+            <a:r>
+              <a:rPr lang="pt-PT" dirty="0" smtClean="0"/>
+              <a:t>Estado dos </a:t>
+            </a:r>
+            <a:r>
+              <a:rPr lang="pt-PT" dirty="0" err="1" smtClean="0"/>
+              <a:t>sockets</a:t>
+            </a:r>
+            <a:endParaRPr lang="pt-PT" dirty="0" smtClean="0"/>
+          </a:p>
+          <a:p>
+            <a:pPr lvl="1"/>
+            <a:r>
+              <a:rPr lang="pt-PT" dirty="0" smtClean="0"/>
+              <a:t>Árvore </a:t>
+            </a:r>
+            <a:r>
+              <a:rPr lang="pt-PT" dirty="0" err="1" smtClean="0"/>
+              <a:t>Red-Black</a:t>
+            </a:r>
+            <a:r>
+              <a:rPr lang="pt-PT" dirty="0" smtClean="0"/>
+              <a:t> (repositório)</a:t>
+            </a:r>
+          </a:p>
+          <a:p>
+            <a:pPr lvl="1"/>
+            <a:r>
+              <a:rPr lang="pt-PT" dirty="0" err="1" smtClean="0"/>
+              <a:t>Actualizado</a:t>
+            </a:r>
+            <a:r>
+              <a:rPr lang="pt-PT" dirty="0" smtClean="0"/>
+              <a:t> pelos </a:t>
+            </a:r>
+            <a:r>
+              <a:rPr lang="pt-PT" dirty="0" err="1" smtClean="0"/>
+              <a:t>handlers</a:t>
+            </a:r>
+            <a:r>
+              <a:rPr lang="pt-PT" dirty="0" smtClean="0"/>
+              <a:t> das funções instrumentadas</a:t>
+            </a:r>
+          </a:p>
+          <a:p>
+            <a:pPr lvl="1"/>
+            <a:r>
+              <a:rPr lang="pt-PT" dirty="0" smtClean="0"/>
+              <a:t>Serve de suporte ao filtro de pacotes</a:t>
+            </a:r>
+          </a:p>
+          <a:p>
+            <a:pPr>
+              <a:buNone/>
+            </a:pPr>
+            <a:endParaRPr lang="pt-PT" dirty="0" smtClean="0"/>
+          </a:p>
+          <a:p>
+            <a:pPr lvl="1"/>
+            <a:endParaRPr lang="pt-PT" dirty="0"/>
           </a:p>
         </p:txBody>
       </p:sp>
@@ -6873,30 +7034,6 @@
           </a:p>
         </p:txBody>
       </p:sp>
-      <p:pic>
-        <p:nvPicPr>
-          <p:cNvPr id="6" name="Marcador de Posição de Conteúdo 5" descr="bitmap.png"/>
-          <p:cNvPicPr>
-            <a:picLocks noChangeAspect="1"/>
-          </p:cNvPicPr>
-          <p:nvPr/>
-        </p:nvPicPr>
-        <p:blipFill>
-          <a:blip r:embed="rId2" cstate="print"/>
-          <a:stretch>
-            <a:fillRect/>
-          </a:stretch>
-        </p:blipFill>
-        <p:spPr>
-          <a:xfrm>
-            <a:off x="1299179" y="1412776"/>
-            <a:ext cx="6259349" cy="5040560"/>
-          </a:xfrm>
-          <a:prstGeom prst="rect">
-            <a:avLst/>
-          </a:prstGeom>
-        </p:spPr>
-      </p:pic>
     </p:spTree>
   </p:cSld>
   <p:clrMapOvr>
@@ -6939,16 +7076,126 @@
             <p:ph type="title"/>
           </p:nvPr>
         </p:nvSpPr>
-        <p:spPr/>
+        <p:spPr>
+          <a:xfrm>
+            <a:off x="457200" y="417984"/>
+            <a:ext cx="8229600" cy="1066800"/>
+          </a:xfrm>
+        </p:spPr>
         <p:txBody>
           <a:bodyPr/>
           <a:lstStyle/>
           <a:p>
             <a:r>
               <a:rPr lang="pt-PT" smtClean="0"/>
-              <a:t>Arquitectura da solução (II)</a:t>
+              <a:t>Arquitectura da solução (IV)</a:t>
             </a:r>
             <a:endParaRPr lang="pt-PT"/>
+          </a:p>
+        </p:txBody>
+      </p:sp>
+      <p:sp>
+        <p:nvSpPr>
+          <p:cNvPr id="6" name="Marcador de Posição de Conteúdo 5"/>
+          <p:cNvSpPr>
+            <a:spLocks noGrp="1"/>
+          </p:cNvSpPr>
+          <p:nvPr>
+            <p:ph idx="1"/>
+          </p:nvPr>
+        </p:nvSpPr>
+        <p:spPr>
+          <a:xfrm>
+            <a:off x="457200" y="1556792"/>
+            <a:ext cx="8229600" cy="4325112"/>
+          </a:xfrm>
+        </p:spPr>
+        <p:txBody>
+          <a:bodyPr>
+            <a:normAutofit lnSpcReduction="10000"/>
+          </a:bodyPr>
+          <a:lstStyle/>
+          <a:p>
+            <a:r>
+              <a:rPr lang="pt-PT" dirty="0" smtClean="0"/>
+              <a:t>Filtro de pacotes</a:t>
+            </a:r>
+          </a:p>
+          <a:p>
+            <a:pPr>
+              <a:buNone/>
+            </a:pPr>
+            <a:endParaRPr lang="pt-PT" sz="1800" dirty="0" smtClean="0"/>
+          </a:p>
+          <a:p>
+            <a:pPr lvl="1"/>
+            <a:r>
+              <a:rPr lang="pt-PT" dirty="0" smtClean="0"/>
+              <a:t>Adicionado um </a:t>
+            </a:r>
+            <a:r>
+              <a:rPr lang="pt-PT" i="1" dirty="0" err="1" smtClean="0"/>
+              <a:t>hook</a:t>
+            </a:r>
+            <a:r>
+              <a:rPr lang="pt-PT" dirty="0" smtClean="0"/>
+              <a:t> ao código LSF </a:t>
+            </a:r>
+            <a:r>
+              <a:rPr lang="pt-PT" dirty="0"/>
+              <a:t>n</a:t>
+            </a:r>
+            <a:r>
+              <a:rPr lang="pt-PT" dirty="0" smtClean="0"/>
+              <a:t>o núcleo</a:t>
+            </a:r>
+          </a:p>
+          <a:p>
+            <a:pPr lvl="2"/>
+            <a:r>
+              <a:rPr lang="pt-PT" dirty="0" smtClean="0"/>
+              <a:t>Depois de verificar os filtros LSF verifica se o pacote diz respeito ao processo alvo</a:t>
+            </a:r>
+          </a:p>
+          <a:p>
+            <a:pPr lvl="2"/>
+            <a:r>
+              <a:rPr lang="pt-PT" dirty="0" smtClean="0"/>
+              <a:t>Quando o </a:t>
+            </a:r>
+            <a:r>
+              <a:rPr lang="pt-PT" dirty="0" err="1" smtClean="0"/>
+              <a:t>hook</a:t>
+            </a:r>
+            <a:r>
+              <a:rPr lang="pt-PT" dirty="0" smtClean="0"/>
+              <a:t> não está ligado apenas custa o teste dum booleano</a:t>
+            </a:r>
+          </a:p>
+          <a:p>
+            <a:pPr lvl="2">
+              <a:buNone/>
+            </a:pPr>
+            <a:endParaRPr lang="pt-PT" dirty="0" smtClean="0"/>
+          </a:p>
+          <a:p>
+            <a:pPr lvl="1"/>
+            <a:r>
+              <a:rPr lang="pt-PT" dirty="0" smtClean="0"/>
+              <a:t>Permite a conjunção do filtro estático, definido na </a:t>
+            </a:r>
+            <a:r>
+              <a:rPr lang="pt-PT" dirty="0" err="1" smtClean="0"/>
+              <a:t>libpcap</a:t>
+            </a:r>
+            <a:r>
+              <a:rPr lang="pt-PT" dirty="0" smtClean="0"/>
+              <a:t>, com a filtragem dinâmica com base no processo</a:t>
+            </a:r>
+          </a:p>
+          <a:p>
+            <a:pPr lvl="1"/>
+            <a:endParaRPr lang="pt-PT" dirty="0"/>
           </a:p>
         </p:txBody>
       </p:sp>
@@ -6976,449 +7223,6 @@
           </a:p>
         </p:txBody>
       </p:sp>
-      <p:sp>
-        <p:nvSpPr>
-          <p:cNvPr id="5" name="Rectângulo 4"/>
-          <p:cNvSpPr/>
-          <p:nvPr/>
-        </p:nvSpPr>
-        <p:spPr>
-          <a:xfrm>
-            <a:off x="1619672" y="2060848"/>
-            <a:ext cx="1368152" cy="216024"/>
-          </a:xfrm>
-          <a:prstGeom prst="rect">
-            <a:avLst/>
-          </a:prstGeom>
-          <a:noFill/>
-        </p:spPr>
-        <p:style>
-          <a:lnRef idx="2">
-            <a:schemeClr val="accent1">
-              <a:shade val="50000"/>
-            </a:schemeClr>
-          </a:lnRef>
-          <a:fillRef idx="1">
-            <a:schemeClr val="accent1"/>
-          </a:fillRef>
-          <a:effectRef idx="0">
-            <a:schemeClr val="accent1"/>
-          </a:effectRef>
-          <a:fontRef idx="minor">
-            <a:schemeClr val="lt1"/>
-          </a:fontRef>
-        </p:style>
-        <p:txBody>
-          <a:bodyPr rtlCol="0" anchor="ctr"/>
-          <a:lstStyle/>
-          <a:p>
-            <a:pPr algn="ctr"/>
-            <a:endParaRPr lang="pt-PT"/>
-          </a:p>
-        </p:txBody>
-      </p:sp>
-      <p:sp>
-        <p:nvSpPr>
-          <p:cNvPr id="10" name="Rectângulo 9"/>
-          <p:cNvSpPr/>
-          <p:nvPr/>
-        </p:nvSpPr>
-        <p:spPr>
-          <a:xfrm>
-            <a:off x="683568" y="2708920"/>
-            <a:ext cx="4824536" cy="216024"/>
-          </a:xfrm>
-          <a:prstGeom prst="rect">
-            <a:avLst/>
-          </a:prstGeom>
-          <a:noFill/>
-        </p:spPr>
-        <p:style>
-          <a:lnRef idx="2">
-            <a:schemeClr val="accent1">
-              <a:shade val="50000"/>
-            </a:schemeClr>
-          </a:lnRef>
-          <a:fillRef idx="1">
-            <a:schemeClr val="accent1"/>
-          </a:fillRef>
-          <a:effectRef idx="0">
-            <a:schemeClr val="accent1"/>
-          </a:effectRef>
-          <a:fontRef idx="minor">
-            <a:schemeClr val="lt1"/>
-          </a:fontRef>
-        </p:style>
-        <p:txBody>
-          <a:bodyPr rtlCol="0" anchor="ctr"/>
-          <a:lstStyle/>
-          <a:p>
-            <a:pPr algn="ctr"/>
-            <a:endParaRPr lang="pt-PT"/>
-          </a:p>
-        </p:txBody>
-      </p:sp>
-      <p:sp>
-        <p:nvSpPr>
-          <p:cNvPr id="11" name="Rectângulo 10"/>
-          <p:cNvSpPr/>
-          <p:nvPr/>
-        </p:nvSpPr>
-        <p:spPr>
-          <a:xfrm>
-            <a:off x="539552" y="4293096"/>
-            <a:ext cx="1368152" cy="720080"/>
-          </a:xfrm>
-          <a:prstGeom prst="rect">
-            <a:avLst/>
-          </a:prstGeom>
-          <a:noFill/>
-        </p:spPr>
-        <p:style>
-          <a:lnRef idx="2">
-            <a:schemeClr val="accent1">
-              <a:shade val="50000"/>
-            </a:schemeClr>
-          </a:lnRef>
-          <a:fillRef idx="1">
-            <a:schemeClr val="accent1"/>
-          </a:fillRef>
-          <a:effectRef idx="0">
-            <a:schemeClr val="accent1"/>
-          </a:effectRef>
-          <a:fontRef idx="minor">
-            <a:schemeClr val="lt1"/>
-          </a:fontRef>
-        </p:style>
-        <p:txBody>
-          <a:bodyPr rtlCol="0" anchor="ctr"/>
-          <a:lstStyle/>
-          <a:p>
-            <a:pPr algn="ctr"/>
-            <a:endParaRPr lang="pt-PT"/>
-          </a:p>
-        </p:txBody>
-      </p:sp>
-      <p:sp>
-        <p:nvSpPr>
-          <p:cNvPr id="12" name="Rectângulo 11"/>
-          <p:cNvSpPr/>
-          <p:nvPr/>
-        </p:nvSpPr>
-        <p:spPr>
-          <a:xfrm>
-            <a:off x="2051720" y="4293096"/>
-            <a:ext cx="1368152" cy="720080"/>
-          </a:xfrm>
-          <a:prstGeom prst="rect">
-            <a:avLst/>
-          </a:prstGeom>
-          <a:noFill/>
-        </p:spPr>
-        <p:style>
-          <a:lnRef idx="2">
-            <a:schemeClr val="accent1">
-              <a:shade val="50000"/>
-            </a:schemeClr>
-          </a:lnRef>
-          <a:fillRef idx="1">
-            <a:schemeClr val="accent1"/>
-          </a:fillRef>
-          <a:effectRef idx="0">
-            <a:schemeClr val="accent1"/>
-          </a:effectRef>
-          <a:fontRef idx="minor">
-            <a:schemeClr val="lt1"/>
-          </a:fontRef>
-        </p:style>
-        <p:txBody>
-          <a:bodyPr rtlCol="0" anchor="ctr"/>
-          <a:lstStyle/>
-          <a:p>
-            <a:pPr algn="ctr"/>
-            <a:endParaRPr lang="pt-PT"/>
-          </a:p>
-        </p:txBody>
-      </p:sp>
-      <p:sp>
-        <p:nvSpPr>
-          <p:cNvPr id="13" name="Rectângulo 12"/>
-          <p:cNvSpPr/>
-          <p:nvPr/>
-        </p:nvSpPr>
-        <p:spPr>
-          <a:xfrm>
-            <a:off x="3635896" y="4293096"/>
-            <a:ext cx="1368152" cy="720080"/>
-          </a:xfrm>
-          <a:prstGeom prst="rect">
-            <a:avLst/>
-          </a:prstGeom>
-          <a:noFill/>
-        </p:spPr>
-        <p:style>
-          <a:lnRef idx="2">
-            <a:schemeClr val="accent1">
-              <a:shade val="50000"/>
-            </a:schemeClr>
-          </a:lnRef>
-          <a:fillRef idx="1">
-            <a:schemeClr val="accent1"/>
-          </a:fillRef>
-          <a:effectRef idx="0">
-            <a:schemeClr val="accent1"/>
-          </a:effectRef>
-          <a:fontRef idx="minor">
-            <a:schemeClr val="lt1"/>
-          </a:fontRef>
-        </p:style>
-        <p:txBody>
-          <a:bodyPr rtlCol="0" anchor="ctr"/>
-          <a:lstStyle/>
-          <a:p>
-            <a:pPr algn="ctr"/>
-            <a:endParaRPr lang="pt-PT"/>
-          </a:p>
-        </p:txBody>
-      </p:sp>
-      <p:sp>
-        <p:nvSpPr>
-          <p:cNvPr id="14" name="Rectângulo 13"/>
-          <p:cNvSpPr/>
-          <p:nvPr/>
-        </p:nvSpPr>
-        <p:spPr>
-          <a:xfrm>
-            <a:off x="1259632" y="3429000"/>
-            <a:ext cx="1080120" cy="360040"/>
-          </a:xfrm>
-          <a:prstGeom prst="rect">
-            <a:avLst/>
-          </a:prstGeom>
-          <a:noFill/>
-        </p:spPr>
-        <p:style>
-          <a:lnRef idx="2">
-            <a:schemeClr val="accent1">
-              <a:shade val="50000"/>
-            </a:schemeClr>
-          </a:lnRef>
-          <a:fillRef idx="1">
-            <a:schemeClr val="accent1"/>
-          </a:fillRef>
-          <a:effectRef idx="0">
-            <a:schemeClr val="accent1"/>
-          </a:effectRef>
-          <a:fontRef idx="minor">
-            <a:schemeClr val="lt1"/>
-          </a:fontRef>
-        </p:style>
-        <p:txBody>
-          <a:bodyPr rtlCol="0" anchor="ctr"/>
-          <a:lstStyle/>
-          <a:p>
-            <a:pPr algn="ctr"/>
-            <a:endParaRPr lang="pt-PT"/>
-          </a:p>
-        </p:txBody>
-      </p:sp>
-      <p:sp>
-        <p:nvSpPr>
-          <p:cNvPr id="15" name="Rectângulo 14"/>
-          <p:cNvSpPr/>
-          <p:nvPr/>
-        </p:nvSpPr>
-        <p:spPr>
-          <a:xfrm>
-            <a:off x="6012160" y="2708920"/>
-            <a:ext cx="1368152" cy="2304256"/>
-          </a:xfrm>
-          <a:prstGeom prst="rect">
-            <a:avLst/>
-          </a:prstGeom>
-          <a:noFill/>
-        </p:spPr>
-        <p:style>
-          <a:lnRef idx="2">
-            <a:schemeClr val="accent1">
-              <a:shade val="50000"/>
-            </a:schemeClr>
-          </a:lnRef>
-          <a:fillRef idx="1">
-            <a:schemeClr val="accent1"/>
-          </a:fillRef>
-          <a:effectRef idx="0">
-            <a:schemeClr val="accent1"/>
-          </a:effectRef>
-          <a:fontRef idx="minor">
-            <a:schemeClr val="lt1"/>
-          </a:fontRef>
-        </p:style>
-        <p:txBody>
-          <a:bodyPr rtlCol="0" anchor="ctr"/>
-          <a:lstStyle/>
-          <a:p>
-            <a:pPr algn="ctr"/>
-            <a:endParaRPr lang="pt-PT"/>
-          </a:p>
-        </p:txBody>
-      </p:sp>
-      <p:sp>
-        <p:nvSpPr>
-          <p:cNvPr id="16" name="Rectângulo 15"/>
-          <p:cNvSpPr/>
-          <p:nvPr/>
-        </p:nvSpPr>
-        <p:spPr>
-          <a:xfrm>
-            <a:off x="6012160" y="4437112"/>
-            <a:ext cx="1368152" cy="216024"/>
-          </a:xfrm>
-          <a:prstGeom prst="rect">
-            <a:avLst/>
-          </a:prstGeom>
-          <a:noFill/>
-        </p:spPr>
-        <p:style>
-          <a:lnRef idx="2">
-            <a:schemeClr val="accent1">
-              <a:shade val="50000"/>
-            </a:schemeClr>
-          </a:lnRef>
-          <a:fillRef idx="1">
-            <a:schemeClr val="accent1"/>
-          </a:fillRef>
-          <a:effectRef idx="0">
-            <a:schemeClr val="accent1"/>
-          </a:effectRef>
-          <a:fontRef idx="minor">
-            <a:schemeClr val="lt1"/>
-          </a:fontRef>
-        </p:style>
-        <p:txBody>
-          <a:bodyPr rtlCol="0" anchor="ctr"/>
-          <a:lstStyle/>
-          <a:p>
-            <a:pPr algn="ctr"/>
-            <a:endParaRPr lang="pt-PT"/>
-          </a:p>
-        </p:txBody>
-      </p:sp>
-      <p:sp>
-        <p:nvSpPr>
-          <p:cNvPr id="17" name="Rectângulo 16"/>
-          <p:cNvSpPr/>
-          <p:nvPr/>
-        </p:nvSpPr>
-        <p:spPr>
-          <a:xfrm>
-            <a:off x="6372200" y="3789040"/>
-            <a:ext cx="720080" cy="432048"/>
-          </a:xfrm>
-          <a:prstGeom prst="rect">
-            <a:avLst/>
-          </a:prstGeom>
-          <a:noFill/>
-        </p:spPr>
-        <p:style>
-          <a:lnRef idx="2">
-            <a:schemeClr val="accent1">
-              <a:shade val="50000"/>
-            </a:schemeClr>
-          </a:lnRef>
-          <a:fillRef idx="1">
-            <a:schemeClr val="accent1"/>
-          </a:fillRef>
-          <a:effectRef idx="0">
-            <a:schemeClr val="accent1"/>
-          </a:effectRef>
-          <a:fontRef idx="minor">
-            <a:schemeClr val="lt1"/>
-          </a:fontRef>
-        </p:style>
-        <p:txBody>
-          <a:bodyPr rtlCol="0" anchor="ctr"/>
-          <a:lstStyle/>
-          <a:p>
-            <a:pPr algn="ctr"/>
-            <a:endParaRPr lang="pt-PT"/>
-          </a:p>
-        </p:txBody>
-      </p:sp>
-      <p:sp>
-        <p:nvSpPr>
-          <p:cNvPr id="18" name="Rectângulo 17"/>
-          <p:cNvSpPr/>
-          <p:nvPr/>
-        </p:nvSpPr>
-        <p:spPr>
-          <a:xfrm>
-            <a:off x="6012160" y="2060848"/>
-            <a:ext cx="1368152" cy="216024"/>
-          </a:xfrm>
-          <a:prstGeom prst="rect">
-            <a:avLst/>
-          </a:prstGeom>
-          <a:noFill/>
-        </p:spPr>
-        <p:style>
-          <a:lnRef idx="2">
-            <a:schemeClr val="accent1">
-              <a:shade val="50000"/>
-            </a:schemeClr>
-          </a:lnRef>
-          <a:fillRef idx="1">
-            <a:schemeClr val="accent1"/>
-          </a:fillRef>
-          <a:effectRef idx="0">
-            <a:schemeClr val="accent1"/>
-          </a:effectRef>
-          <a:fontRef idx="minor">
-            <a:schemeClr val="lt1"/>
-          </a:fontRef>
-        </p:style>
-        <p:txBody>
-          <a:bodyPr rtlCol="0" anchor="ctr"/>
-          <a:lstStyle/>
-          <a:p>
-            <a:pPr algn="ctr"/>
-            <a:endParaRPr lang="pt-PT"/>
-          </a:p>
-        </p:txBody>
-      </p:sp>
-      <p:cxnSp>
-        <p:nvCxnSpPr>
-          <p:cNvPr id="20" name="Conexão recta 19"/>
-          <p:cNvCxnSpPr/>
-          <p:nvPr/>
-        </p:nvCxnSpPr>
-        <p:spPr>
-          <a:xfrm>
-            <a:off x="395536" y="2420888"/>
-            <a:ext cx="7632848" cy="0"/>
-          </a:xfrm>
-          <a:prstGeom prst="line">
-            <a:avLst/>
-          </a:prstGeom>
-          <a:ln w="19050">
-            <a:prstDash val="sysDash"/>
-          </a:ln>
-        </p:spPr>
-        <p:style>
-          <a:lnRef idx="1">
-            <a:schemeClr val="accent1"/>
-          </a:lnRef>
-          <a:fillRef idx="0">
-            <a:schemeClr val="accent1"/>
-          </a:fillRef>
-          <a:effectRef idx="0">
-            <a:schemeClr val="accent1"/>
-          </a:effectRef>
-          <a:fontRef idx="minor">
-            <a:schemeClr val="tx1"/>
-          </a:fontRef>
-        </p:style>
-      </p:cxnSp>
     </p:spTree>
   </p:cSld>
   <p:clrMapOvr>
@@ -7463,7 +7267,7 @@
         </p:nvSpPr>
         <p:spPr>
           <a:xfrm>
-            <a:off x="457200" y="404664"/>
+            <a:off x="251520" y="476672"/>
             <a:ext cx="8229600" cy="1066800"/>
           </a:xfrm>
         </p:spPr>
@@ -7473,7 +7277,7 @@
           <a:p>
             <a:r>
               <a:rPr lang="pt-PT" smtClean="0"/>
-              <a:t>Arquitectura da solução (III)</a:t>
+              <a:t>Arquitectura da solução (V)</a:t>
             </a:r>
             <a:endParaRPr lang="pt-PT"/>
           </a:p>
@@ -7481,7 +7285,7 @@
       </p:sp>
       <p:sp>
         <p:nvSpPr>
-          <p:cNvPr id="7" name="Marcador de Posição de Conteúdo 6"/>
+          <p:cNvPr id="6" name="Marcador de Posição de Conteúdo 5"/>
           <p:cNvSpPr>
             <a:spLocks noGrp="1"/>
           </p:cNvSpPr>
@@ -7491,30 +7295,44 @@
         </p:nvSpPr>
         <p:spPr>
           <a:xfrm>
-            <a:off x="457200" y="1484784"/>
-            <a:ext cx="8229600" cy="4968552"/>
-          </a:xfrm>
-        </p:spPr>
-        <p:txBody>
-          <a:bodyPr>
-            <a:normAutofit/>
-          </a:bodyPr>
+            <a:off x="457200" y="1844824"/>
+            <a:ext cx="8229600" cy="4729712"/>
+          </a:xfrm>
+        </p:spPr>
+        <p:txBody>
+          <a:bodyPr/>
           <a:lstStyle/>
           <a:p>
             <a:r>
               <a:rPr lang="pt-PT" dirty="0" smtClean="0"/>
-              <a:t>Instrumentação das chamadas ao sistema</a:t>
+              <a:t>Controlo / API (para nível utilizador)</a:t>
             </a:r>
           </a:p>
           <a:p>
             <a:pPr lvl="1"/>
             <a:r>
               <a:rPr lang="pt-PT" dirty="0" smtClean="0"/>
-              <a:t>Funções </a:t>
+              <a:t>Utilizando o sistema de ficheiros virtual </a:t>
             </a:r>
             <a:r>
               <a:rPr lang="pt-PT" dirty="0" err="1" smtClean="0"/>
-              <a:t>bind</a:t>
+              <a:t>DebugFs</a:t>
+            </a:r>
+            <a:endParaRPr lang="pt-PT" dirty="0" smtClean="0"/>
+          </a:p>
+          <a:p>
+            <a:pPr lvl="2"/>
+            <a:r>
+              <a:rPr lang="pt-PT" dirty="0"/>
+              <a:t>Ficheiros de </a:t>
+            </a:r>
+            <a:r>
+              <a:rPr lang="pt-PT" dirty="0" smtClean="0"/>
+              <a:t>controlo: </a:t>
+            </a:r>
+            <a:r>
+              <a:rPr lang="pt-PT" dirty="0" err="1" smtClean="0"/>
+              <a:t>pid</a:t>
             </a:r>
             <a:r>
               <a:rPr lang="pt-PT" dirty="0" smtClean="0"/>
@@ -7522,7 +7340,7 @@
             </a:r>
             <a:r>
               <a:rPr lang="pt-PT" dirty="0" err="1" smtClean="0"/>
-              <a:t>accept</a:t>
+              <a:t>ppid</a:t>
             </a:r>
             <a:r>
               <a:rPr lang="pt-PT" dirty="0" smtClean="0"/>
@@ -7530,7 +7348,27 @@
             </a:r>
             <a:r>
               <a:rPr lang="pt-PT" dirty="0" err="1" smtClean="0"/>
-              <a:t>connect</a:t>
+              <a:t>tgid</a:t>
+            </a:r>
+            <a:r>
+              <a:rPr lang="pt-PT" dirty="0" smtClean="0"/>
+              <a:t> e </a:t>
+            </a:r>
+            <a:r>
+              <a:rPr lang="pt-PT" dirty="0" err="1" smtClean="0"/>
+              <a:t>Option</a:t>
+            </a:r>
+            <a:endParaRPr lang="pt-PT" dirty="0"/>
+          </a:p>
+          <a:p>
+            <a:pPr lvl="2"/>
+            <a:r>
+              <a:rPr lang="pt-PT" dirty="0" smtClean="0"/>
+              <a:t>Ficheiros de estatísticas: </a:t>
+            </a:r>
+            <a:r>
+              <a:rPr lang="pt-PT" dirty="0" err="1" smtClean="0"/>
+              <a:t>filter_stats</a:t>
             </a:r>
             <a:r>
               <a:rPr lang="pt-PT" dirty="0" smtClean="0"/>
@@ -7538,7 +7376,7 @@
             </a:r>
             <a:r>
               <a:rPr lang="pt-PT" dirty="0" err="1" smtClean="0"/>
-              <a:t>sendto</a:t>
+              <a:t>monitor_stats</a:t>
             </a:r>
             <a:r>
               <a:rPr lang="pt-PT" dirty="0" smtClean="0"/>
@@ -7546,97 +7384,27 @@
             </a:r>
             <a:r>
               <a:rPr lang="pt-PT" dirty="0" err="1" smtClean="0"/>
-              <a:t>recvfrom</a:t>
-            </a:r>
-            <a:r>
-              <a:rPr lang="pt-PT" dirty="0" smtClean="0"/>
-              <a:t>, </a:t>
-            </a:r>
-            <a:r>
-              <a:rPr lang="pt-PT" dirty="0" err="1" smtClean="0"/>
-              <a:t>sock_close</a:t>
-            </a:r>
-            <a:r>
-              <a:rPr lang="pt-PT" dirty="0" smtClean="0"/>
-              <a:t> </a:t>
-            </a:r>
-          </a:p>
-          <a:p>
-            <a:pPr lvl="1"/>
-            <a:r>
-              <a:rPr lang="pt-PT" dirty="0" smtClean="0"/>
-              <a:t>Instrumentação utilizando o </a:t>
-            </a:r>
-            <a:r>
-              <a:rPr lang="pt-PT" dirty="0" err="1" smtClean="0"/>
-              <a:t>KProbes</a:t>
+              <a:t>db_stats</a:t>
             </a:r>
             <a:endParaRPr lang="pt-PT" dirty="0" smtClean="0"/>
           </a:p>
           <a:p>
-            <a:endParaRPr lang="pt-PT" dirty="0" smtClean="0"/>
-          </a:p>
-          <a:p>
-            <a:r>
-              <a:rPr lang="pt-PT" dirty="0" smtClean="0"/>
-              <a:t>Estado dos </a:t>
-            </a:r>
-            <a:r>
-              <a:rPr lang="pt-PT" dirty="0" err="1" smtClean="0"/>
-              <a:t>sockets</a:t>
-            </a:r>
-            <a:endParaRPr lang="pt-PT" dirty="0" smtClean="0"/>
-          </a:p>
-          <a:p>
-            <a:pPr lvl="1"/>
-            <a:r>
-              <a:rPr lang="pt-PT" dirty="0" smtClean="0"/>
-              <a:t>Árvore </a:t>
-            </a:r>
-            <a:r>
-              <a:rPr lang="pt-PT" dirty="0" err="1" smtClean="0"/>
-              <a:t>Red-Black</a:t>
-            </a:r>
-            <a:r>
-              <a:rPr lang="pt-PT" dirty="0" smtClean="0"/>
-              <a:t> (repositório)</a:t>
-            </a:r>
-          </a:p>
-          <a:p>
-            <a:pPr lvl="1"/>
-            <a:r>
-              <a:rPr lang="pt-PT" dirty="0" err="1" smtClean="0"/>
-              <a:t>Actualizado</a:t>
-            </a:r>
-            <a:r>
-              <a:rPr lang="pt-PT" dirty="0" smtClean="0"/>
-              <a:t> pelos </a:t>
-            </a:r>
-            <a:r>
-              <a:rPr lang="pt-PT" dirty="0" err="1" smtClean="0"/>
-              <a:t>handlers</a:t>
-            </a:r>
-            <a:r>
-              <a:rPr lang="pt-PT" dirty="0" smtClean="0"/>
-              <a:t> das funções instrumentadas</a:t>
-            </a:r>
-          </a:p>
-          <a:p>
-            <a:pPr lvl="1"/>
-            <a:r>
-              <a:rPr lang="pt-PT" dirty="0" smtClean="0"/>
-              <a:t>Serve de suporte ao filtro de pacotes</a:t>
-            </a:r>
-          </a:p>
-          <a:p>
-            <a:pPr>
+            <a:pPr lvl="2">
               <a:buNone/>
             </a:pPr>
             <a:endParaRPr lang="pt-PT" dirty="0" smtClean="0"/>
           </a:p>
           <a:p>
             <a:pPr lvl="1"/>
-            <a:endParaRPr lang="pt-PT" dirty="0"/>
+            <a:r>
+              <a:rPr lang="pt-PT" dirty="0" smtClean="0"/>
+              <a:t>Ficheiros apenas acessíveis ao utilizador </a:t>
+            </a:r>
+            <a:r>
+              <a:rPr lang="pt-PT" dirty="0" err="1" smtClean="0"/>
+              <a:t>root</a:t>
+            </a:r>
+            <a:endParaRPr lang="pt-PT" dirty="0" smtClean="0"/>
           </a:p>
         </p:txBody>
       </p:sp>
@@ -7708,404 +7476,6 @@
         </p:nvSpPr>
         <p:spPr>
           <a:xfrm>
-            <a:off x="457200" y="417984"/>
-            <a:ext cx="8229600" cy="1066800"/>
-          </a:xfrm>
-        </p:spPr>
-        <p:txBody>
-          <a:bodyPr/>
-          <a:lstStyle/>
-          <a:p>
-            <a:r>
-              <a:rPr lang="pt-PT" smtClean="0"/>
-              <a:t>Arquitectura da solução (IV)</a:t>
-            </a:r>
-            <a:endParaRPr lang="pt-PT"/>
-          </a:p>
-        </p:txBody>
-      </p:sp>
-      <p:sp>
-        <p:nvSpPr>
-          <p:cNvPr id="6" name="Marcador de Posição de Conteúdo 5"/>
-          <p:cNvSpPr>
-            <a:spLocks noGrp="1"/>
-          </p:cNvSpPr>
-          <p:nvPr>
-            <p:ph idx="1"/>
-          </p:nvPr>
-        </p:nvSpPr>
-        <p:spPr>
-          <a:xfrm>
-            <a:off x="457200" y="1556792"/>
-            <a:ext cx="8229600" cy="4325112"/>
-          </a:xfrm>
-        </p:spPr>
-        <p:txBody>
-          <a:bodyPr>
-            <a:normAutofit lnSpcReduction="10000"/>
-          </a:bodyPr>
-          <a:lstStyle/>
-          <a:p>
-            <a:r>
-              <a:rPr lang="pt-PT" dirty="0" smtClean="0"/>
-              <a:t>Filtro de pacotes</a:t>
-            </a:r>
-          </a:p>
-          <a:p>
-            <a:pPr>
-              <a:buNone/>
-            </a:pPr>
-            <a:endParaRPr lang="pt-PT" sz="1800" dirty="0" smtClean="0"/>
-          </a:p>
-          <a:p>
-            <a:pPr lvl="1"/>
-            <a:r>
-              <a:rPr lang="pt-PT" dirty="0" smtClean="0"/>
-              <a:t>Adicionado um </a:t>
-            </a:r>
-            <a:r>
-              <a:rPr lang="pt-PT" i="1" dirty="0" err="1" smtClean="0"/>
-              <a:t>hook</a:t>
-            </a:r>
-            <a:r>
-              <a:rPr lang="pt-PT" dirty="0" smtClean="0"/>
-              <a:t> ao código LSF </a:t>
-            </a:r>
-            <a:r>
-              <a:rPr lang="pt-PT" dirty="0"/>
-              <a:t>n</a:t>
-            </a:r>
-            <a:r>
-              <a:rPr lang="pt-PT" dirty="0" smtClean="0"/>
-              <a:t>o núcleo</a:t>
-            </a:r>
-          </a:p>
-          <a:p>
-            <a:pPr lvl="2"/>
-            <a:r>
-              <a:rPr lang="pt-PT" dirty="0" smtClean="0"/>
-              <a:t>Depois de verificar os filtros LSF verifica se o pacote diz respeito ao processo alvo</a:t>
-            </a:r>
-          </a:p>
-          <a:p>
-            <a:pPr lvl="2"/>
-            <a:r>
-              <a:rPr lang="pt-PT" dirty="0" smtClean="0"/>
-              <a:t>Quando o </a:t>
-            </a:r>
-            <a:r>
-              <a:rPr lang="pt-PT" dirty="0" err="1" smtClean="0"/>
-              <a:t>hook</a:t>
-            </a:r>
-            <a:r>
-              <a:rPr lang="pt-PT" dirty="0" smtClean="0"/>
-              <a:t> não está ligado apenas custa o teste dum booleano</a:t>
-            </a:r>
-          </a:p>
-          <a:p>
-            <a:pPr lvl="2">
-              <a:buNone/>
-            </a:pPr>
-            <a:endParaRPr lang="pt-PT" dirty="0" smtClean="0"/>
-          </a:p>
-          <a:p>
-            <a:pPr lvl="1"/>
-            <a:r>
-              <a:rPr lang="pt-PT" dirty="0" smtClean="0"/>
-              <a:t>Permite a conjunção do filtro estático, definido na </a:t>
-            </a:r>
-            <a:r>
-              <a:rPr lang="pt-PT" dirty="0" err="1" smtClean="0"/>
-              <a:t>libpcap</a:t>
-            </a:r>
-            <a:r>
-              <a:rPr lang="pt-PT" dirty="0" smtClean="0"/>
-              <a:t>, com a filtragem dinâmica com base no processo</a:t>
-            </a:r>
-          </a:p>
-          <a:p>
-            <a:pPr lvl="1"/>
-            <a:endParaRPr lang="pt-PT" dirty="0"/>
-          </a:p>
-        </p:txBody>
-      </p:sp>
-      <p:sp>
-        <p:nvSpPr>
-          <p:cNvPr id="4" name="Marcador de Posição do Número do Diapositivo 3"/>
-          <p:cNvSpPr>
-            <a:spLocks noGrp="1"/>
-          </p:cNvSpPr>
-          <p:nvPr>
-            <p:ph type="sldNum" sz="quarter" idx="12"/>
-          </p:nvPr>
-        </p:nvSpPr>
-        <p:spPr/>
-        <p:txBody>
-          <a:bodyPr/>
-          <a:lstStyle/>
-          <a:p>
-            <a:fld id="{AC560869-1695-4081-8E6F-05D0DB8947D3}" type="slidenum">
-              <a:rPr lang="pt-PT" smtClean="0"/>
-              <a:pPr/>
-              <a:t>13</a:t>
-            </a:fld>
-            <a:endParaRPr lang="pt-PT"/>
-          </a:p>
-        </p:txBody>
-      </p:sp>
-    </p:spTree>
-  </p:cSld>
-  <p:clrMapOvr>
-    <a:masterClrMapping/>
-  </p:clrMapOvr>
-  <p:timing>
-    <p:tnLst>
-      <p:par>
-        <p:cTn id="1" dur="indefinite" restart="never" nodeType="tmRoot"/>
-      </p:par>
-    </p:tnLst>
-  </p:timing>
-</p:sld>
-</file>
-
-<file path=ppt/slides/slide14.xml><?xml version="1.0" encoding="utf-8"?>
-<p:sld xmlns:a="http://schemas.openxmlformats.org/drawingml/2006/main" xmlns:r="http://schemas.openxmlformats.org/officeDocument/2006/relationships" xmlns:p="http://schemas.openxmlformats.org/presentationml/2006/main">
-  <p:cSld>
-    <p:spTree>
-      <p:nvGrpSpPr>
-        <p:cNvPr id="1" name=""/>
-        <p:cNvGrpSpPr/>
-        <p:nvPr/>
-      </p:nvGrpSpPr>
-      <p:grpSpPr>
-        <a:xfrm>
-          <a:off x="0" y="0"/>
-          <a:ext cx="0" cy="0"/>
-          <a:chOff x="0" y="0"/>
-          <a:chExt cx="0" cy="0"/>
-        </a:xfrm>
-      </p:grpSpPr>
-      <p:sp>
-        <p:nvSpPr>
-          <p:cNvPr id="2" name="Título 1"/>
-          <p:cNvSpPr>
-            <a:spLocks noGrp="1"/>
-          </p:cNvSpPr>
-          <p:nvPr>
-            <p:ph type="title"/>
-          </p:nvPr>
-        </p:nvSpPr>
-        <p:spPr>
-          <a:xfrm>
-            <a:off x="251520" y="476672"/>
-            <a:ext cx="8229600" cy="1066800"/>
-          </a:xfrm>
-        </p:spPr>
-        <p:txBody>
-          <a:bodyPr/>
-          <a:lstStyle/>
-          <a:p>
-            <a:r>
-              <a:rPr lang="pt-PT" smtClean="0"/>
-              <a:t>Arquitectura da solução (V)</a:t>
-            </a:r>
-            <a:endParaRPr lang="pt-PT"/>
-          </a:p>
-        </p:txBody>
-      </p:sp>
-      <p:sp>
-        <p:nvSpPr>
-          <p:cNvPr id="6" name="Marcador de Posição de Conteúdo 5"/>
-          <p:cNvSpPr>
-            <a:spLocks noGrp="1"/>
-          </p:cNvSpPr>
-          <p:nvPr>
-            <p:ph idx="1"/>
-          </p:nvPr>
-        </p:nvSpPr>
-        <p:spPr>
-          <a:xfrm>
-            <a:off x="457200" y="1844824"/>
-            <a:ext cx="8229600" cy="4729712"/>
-          </a:xfrm>
-        </p:spPr>
-        <p:txBody>
-          <a:bodyPr/>
-          <a:lstStyle/>
-          <a:p>
-            <a:r>
-              <a:rPr lang="pt-PT" dirty="0" smtClean="0"/>
-              <a:t>Controlo / API (para nível utilizador)</a:t>
-            </a:r>
-          </a:p>
-          <a:p>
-            <a:pPr lvl="1"/>
-            <a:r>
-              <a:rPr lang="pt-PT" dirty="0" smtClean="0"/>
-              <a:t>Utilizando o sistema de ficheiros virtual </a:t>
-            </a:r>
-            <a:r>
-              <a:rPr lang="pt-PT" dirty="0" err="1" smtClean="0"/>
-              <a:t>DebugFs</a:t>
-            </a:r>
-            <a:endParaRPr lang="pt-PT" dirty="0" smtClean="0"/>
-          </a:p>
-          <a:p>
-            <a:pPr lvl="2"/>
-            <a:r>
-              <a:rPr lang="pt-PT" dirty="0"/>
-              <a:t>Ficheiros de </a:t>
-            </a:r>
-            <a:r>
-              <a:rPr lang="pt-PT" dirty="0" smtClean="0"/>
-              <a:t>controlo: </a:t>
-            </a:r>
-            <a:r>
-              <a:rPr lang="pt-PT" dirty="0" err="1" smtClean="0"/>
-              <a:t>pid</a:t>
-            </a:r>
-            <a:r>
-              <a:rPr lang="pt-PT" dirty="0" smtClean="0"/>
-              <a:t>, </a:t>
-            </a:r>
-            <a:r>
-              <a:rPr lang="pt-PT" dirty="0" err="1" smtClean="0"/>
-              <a:t>ppid</a:t>
-            </a:r>
-            <a:r>
-              <a:rPr lang="pt-PT" dirty="0" smtClean="0"/>
-              <a:t>, </a:t>
-            </a:r>
-            <a:r>
-              <a:rPr lang="pt-PT" dirty="0" err="1" smtClean="0"/>
-              <a:t>tgid</a:t>
-            </a:r>
-            <a:r>
-              <a:rPr lang="pt-PT" dirty="0" smtClean="0"/>
-              <a:t> e </a:t>
-            </a:r>
-            <a:r>
-              <a:rPr lang="pt-PT" dirty="0" err="1" smtClean="0"/>
-              <a:t>Option</a:t>
-            </a:r>
-            <a:endParaRPr lang="pt-PT" dirty="0"/>
-          </a:p>
-          <a:p>
-            <a:pPr lvl="2"/>
-            <a:r>
-              <a:rPr lang="pt-PT" dirty="0" smtClean="0"/>
-              <a:t>Ficheiros de estatísticas: </a:t>
-            </a:r>
-            <a:r>
-              <a:rPr lang="pt-PT" dirty="0" err="1" smtClean="0"/>
-              <a:t>filter_stats</a:t>
-            </a:r>
-            <a:r>
-              <a:rPr lang="pt-PT" dirty="0" smtClean="0"/>
-              <a:t>, </a:t>
-            </a:r>
-            <a:r>
-              <a:rPr lang="pt-PT" dirty="0" err="1" smtClean="0"/>
-              <a:t>monitor_stats</a:t>
-            </a:r>
-            <a:r>
-              <a:rPr lang="pt-PT" dirty="0" smtClean="0"/>
-              <a:t>, </a:t>
-            </a:r>
-            <a:r>
-              <a:rPr lang="pt-PT" dirty="0" err="1" smtClean="0"/>
-              <a:t>db_stats</a:t>
-            </a:r>
-            <a:endParaRPr lang="pt-PT" dirty="0" smtClean="0"/>
-          </a:p>
-          <a:p>
-            <a:pPr lvl="2">
-              <a:buNone/>
-            </a:pPr>
-            <a:endParaRPr lang="pt-PT" dirty="0" smtClean="0"/>
-          </a:p>
-          <a:p>
-            <a:pPr lvl="1"/>
-            <a:r>
-              <a:rPr lang="pt-PT" dirty="0" smtClean="0"/>
-              <a:t>Ficheiros apenas acessíveis ao utilizador </a:t>
-            </a:r>
-            <a:r>
-              <a:rPr lang="pt-PT" dirty="0" err="1" smtClean="0"/>
-              <a:t>root</a:t>
-            </a:r>
-            <a:endParaRPr lang="pt-PT" dirty="0" smtClean="0"/>
-          </a:p>
-        </p:txBody>
-      </p:sp>
-      <p:sp>
-        <p:nvSpPr>
-          <p:cNvPr id="4" name="Marcador de Posição do Número do Diapositivo 3"/>
-          <p:cNvSpPr>
-            <a:spLocks noGrp="1"/>
-          </p:cNvSpPr>
-          <p:nvPr>
-            <p:ph type="sldNum" sz="quarter" idx="12"/>
-          </p:nvPr>
-        </p:nvSpPr>
-        <p:spPr/>
-        <p:txBody>
-          <a:bodyPr/>
-          <a:lstStyle/>
-          <a:p>
-            <a:fld id="{AC560869-1695-4081-8E6F-05D0DB8947D3}" type="slidenum">
-              <a:rPr lang="pt-PT" smtClean="0"/>
-              <a:pPr/>
-              <a:t>14</a:t>
-            </a:fld>
-            <a:endParaRPr lang="pt-PT"/>
-          </a:p>
-        </p:txBody>
-      </p:sp>
-    </p:spTree>
-  </p:cSld>
-  <p:clrMapOvr>
-    <a:masterClrMapping/>
-  </p:clrMapOvr>
-  <p:timing>
-    <p:tnLst>
-      <p:par>
-        <p:cTn id="1" dur="indefinite" restart="never" nodeType="tmRoot"/>
-      </p:par>
-    </p:tnLst>
-  </p:timing>
-</p:sld>
-</file>
-
-<file path=ppt/slides/slide15.xml><?xml version="1.0" encoding="utf-8"?>
-<p:sld xmlns:a="http://schemas.openxmlformats.org/drawingml/2006/main" xmlns:r="http://schemas.openxmlformats.org/officeDocument/2006/relationships" xmlns:p="http://schemas.openxmlformats.org/presentationml/2006/main">
-  <p:cSld>
-    <p:spTree>
-      <p:nvGrpSpPr>
-        <p:cNvPr id="1" name=""/>
-        <p:cNvGrpSpPr/>
-        <p:nvPr/>
-      </p:nvGrpSpPr>
-      <p:grpSpPr>
-        <a:xfrm>
-          <a:off x="0" y="0"/>
-          <a:ext cx="0" cy="0"/>
-          <a:chOff x="0" y="0"/>
-          <a:chExt cx="0" cy="0"/>
-        </a:xfrm>
-      </p:grpSpPr>
-      <p:sp>
-        <p:nvSpPr>
-          <p:cNvPr id="2" name="Título 1"/>
-          <p:cNvSpPr>
-            <a:spLocks noGrp="1"/>
-          </p:cNvSpPr>
-          <p:nvPr>
-            <p:ph type="title"/>
-          </p:nvPr>
-        </p:nvSpPr>
-        <p:spPr>
-          <a:xfrm>
             <a:off x="323528" y="404664"/>
             <a:ext cx="8229600" cy="1066800"/>
           </a:xfrm>
@@ -8529,7 +7899,7 @@
             <a:fld id="{AC560869-1695-4081-8E6F-05D0DB8947D3}" type="slidenum">
               <a:rPr lang="pt-PT" smtClean="0"/>
               <a:pPr/>
-              <a:t>15</a:t>
+              <a:t>13</a:t>
             </a:fld>
             <a:endParaRPr lang="pt-PT" dirty="0"/>
           </a:p>
@@ -9843,7 +9213,7 @@
 </p:sld>
 </file>
 
-<file path=ppt/slides/slide16.xml><?xml version="1.0" encoding="utf-8"?>
+<file path=ppt/slides/slide14.xml><?xml version="1.0" encoding="utf-8"?>
 <p:sld xmlns:a="http://schemas.openxmlformats.org/drawingml/2006/main" xmlns:r="http://schemas.openxmlformats.org/officeDocument/2006/relationships" xmlns:p="http://schemas.openxmlformats.org/presentationml/2006/main">
   <p:cSld>
     <p:spTree>
@@ -10295,7 +9665,7 @@
             <a:fld id="{AC560869-1695-4081-8E6F-05D0DB8947D3}" type="slidenum">
               <a:rPr lang="pt-PT" smtClean="0"/>
               <a:pPr/>
-              <a:t>16</a:t>
+              <a:t>14</a:t>
             </a:fld>
             <a:endParaRPr lang="pt-PT" dirty="0"/>
           </a:p>
@@ -10763,7 +10133,7 @@
 </p:sld>
 </file>
 
-<file path=ppt/slides/slide17.xml><?xml version="1.0" encoding="utf-8"?>
+<file path=ppt/slides/slide15.xml><?xml version="1.0" encoding="utf-8"?>
 <p:sld xmlns:a="http://schemas.openxmlformats.org/drawingml/2006/main" xmlns:r="http://schemas.openxmlformats.org/officeDocument/2006/relationships" xmlns:p="http://schemas.openxmlformats.org/presentationml/2006/main">
   <p:cSld>
     <p:spTree>
@@ -11215,7 +10585,7 @@
             <a:fld id="{AC560869-1695-4081-8E6F-05D0DB8947D3}" type="slidenum">
               <a:rPr lang="pt-PT" smtClean="0"/>
               <a:pPr/>
-              <a:t>17</a:t>
+              <a:t>15</a:t>
             </a:fld>
             <a:endParaRPr lang="pt-PT" dirty="0"/>
           </a:p>
@@ -11722,7 +11092,7 @@
 </p:sld>
 </file>
 
-<file path=ppt/slides/slide18.xml><?xml version="1.0" encoding="utf-8"?>
+<file path=ppt/slides/slide16.xml><?xml version="1.0" encoding="utf-8"?>
 <p:sld xmlns:a="http://schemas.openxmlformats.org/drawingml/2006/main" xmlns:r="http://schemas.openxmlformats.org/officeDocument/2006/relationships" xmlns:p="http://schemas.openxmlformats.org/presentationml/2006/main">
   <p:cSld>
     <p:spTree>
@@ -12176,7 +11546,7 @@
             <a:fld id="{AC560869-1695-4081-8E6F-05D0DB8947D3}" type="slidenum">
               <a:rPr lang="pt-PT" smtClean="0"/>
               <a:pPr/>
-              <a:t>18</a:t>
+              <a:t>16</a:t>
             </a:fld>
             <a:endParaRPr lang="pt-PT" dirty="0"/>
           </a:p>
@@ -12929,6 +12299,340 @@
 </p:sld>
 </file>
 
+<file path=ppt/slides/slide17.xml><?xml version="1.0" encoding="utf-8"?>
+<p:sld xmlns:a="http://schemas.openxmlformats.org/drawingml/2006/main" xmlns:r="http://schemas.openxmlformats.org/officeDocument/2006/relationships" xmlns:p="http://schemas.openxmlformats.org/presentationml/2006/main">
+  <p:cSld>
+    <p:spTree>
+      <p:nvGrpSpPr>
+        <p:cNvPr id="1" name=""/>
+        <p:cNvGrpSpPr/>
+        <p:nvPr/>
+      </p:nvGrpSpPr>
+      <p:grpSpPr>
+        <a:xfrm>
+          <a:off x="0" y="0"/>
+          <a:ext cx="0" cy="0"/>
+          <a:chOff x="0" y="0"/>
+          <a:chExt cx="0" cy="0"/>
+        </a:xfrm>
+      </p:grpSpPr>
+      <p:sp>
+        <p:nvSpPr>
+          <p:cNvPr id="2" name="Título 1"/>
+          <p:cNvSpPr>
+            <a:spLocks noGrp="1"/>
+          </p:cNvSpPr>
+          <p:nvPr>
+            <p:ph type="title"/>
+          </p:nvPr>
+        </p:nvSpPr>
+        <p:spPr/>
+        <p:txBody>
+          <a:bodyPr/>
+          <a:lstStyle/>
+          <a:p>
+            <a:r>
+              <a:rPr lang="pt-PT" dirty="0" smtClean="0"/>
+              <a:t>Percursos … </a:t>
+            </a:r>
+            <a:endParaRPr lang="pt-PT" dirty="0"/>
+          </a:p>
+        </p:txBody>
+      </p:sp>
+      <p:sp>
+        <p:nvSpPr>
+          <p:cNvPr id="3" name="Marcador de Posição de Conteúdo 2"/>
+          <p:cNvSpPr>
+            <a:spLocks noGrp="1"/>
+          </p:cNvSpPr>
+          <p:nvPr>
+            <p:ph idx="1"/>
+          </p:nvPr>
+        </p:nvSpPr>
+        <p:spPr/>
+        <p:txBody>
+          <a:bodyPr/>
+          <a:lstStyle/>
+          <a:p>
+            <a:endParaRPr lang="pt-PT"/>
+          </a:p>
+        </p:txBody>
+      </p:sp>
+      <p:sp>
+        <p:nvSpPr>
+          <p:cNvPr id="4" name="Marcador de Posição do Número do Diapositivo 3"/>
+          <p:cNvSpPr>
+            <a:spLocks noGrp="1"/>
+          </p:cNvSpPr>
+          <p:nvPr>
+            <p:ph type="sldNum" sz="quarter" idx="12"/>
+          </p:nvPr>
+        </p:nvSpPr>
+        <p:spPr/>
+        <p:txBody>
+          <a:bodyPr/>
+          <a:lstStyle/>
+          <a:p>
+            <a:fld id="{AC560869-1695-4081-8E6F-05D0DB8947D3}" type="slidenum">
+              <a:rPr lang="pt-PT" smtClean="0"/>
+              <a:pPr/>
+              <a:t>17</a:t>
+            </a:fld>
+            <a:endParaRPr lang="pt-PT"/>
+          </a:p>
+        </p:txBody>
+      </p:sp>
+    </p:spTree>
+  </p:cSld>
+  <p:clrMapOvr>
+    <a:masterClrMapping/>
+  </p:clrMapOvr>
+  <p:timing>
+    <p:tnLst>
+      <p:par>
+        <p:cTn id="1" dur="indefinite" restart="never" nodeType="tmRoot"/>
+      </p:par>
+    </p:tnLst>
+  </p:timing>
+</p:sld>
+</file>
+
+<file path=ppt/slides/slide18.xml><?xml version="1.0" encoding="utf-8"?>
+<p:sld xmlns:a="http://schemas.openxmlformats.org/drawingml/2006/main" xmlns:r="http://schemas.openxmlformats.org/officeDocument/2006/relationships" xmlns:p="http://schemas.openxmlformats.org/presentationml/2006/main">
+  <p:cSld>
+    <p:spTree>
+      <p:nvGrpSpPr>
+        <p:cNvPr id="1" name=""/>
+        <p:cNvGrpSpPr/>
+        <p:nvPr/>
+      </p:nvGrpSpPr>
+      <p:grpSpPr>
+        <a:xfrm>
+          <a:off x="0" y="0"/>
+          <a:ext cx="0" cy="0"/>
+          <a:chOff x="0" y="0"/>
+          <a:chExt cx="0" cy="0"/>
+        </a:xfrm>
+      </p:grpSpPr>
+      <p:sp>
+        <p:nvSpPr>
+          <p:cNvPr id="2" name="Título 1"/>
+          <p:cNvSpPr>
+            <a:spLocks noGrp="1"/>
+          </p:cNvSpPr>
+          <p:nvPr>
+            <p:ph type="title"/>
+          </p:nvPr>
+        </p:nvSpPr>
+        <p:spPr>
+          <a:xfrm>
+            <a:off x="457200" y="260648"/>
+            <a:ext cx="8229600" cy="1066800"/>
+          </a:xfrm>
+        </p:spPr>
+        <p:txBody>
+          <a:bodyPr/>
+          <a:lstStyle/>
+          <a:p>
+            <a:r>
+              <a:rPr lang="pt-PT" dirty="0" smtClean="0"/>
+              <a:t>Avaliação</a:t>
+            </a:r>
+            <a:endParaRPr lang="pt-PT" dirty="0"/>
+          </a:p>
+        </p:txBody>
+      </p:sp>
+      <p:sp>
+        <p:nvSpPr>
+          <p:cNvPr id="3" name="Marcador de Posição de Conteúdo 2"/>
+          <p:cNvSpPr>
+            <a:spLocks noGrp="1"/>
+          </p:cNvSpPr>
+          <p:nvPr>
+            <p:ph idx="1"/>
+          </p:nvPr>
+        </p:nvSpPr>
+        <p:spPr>
+          <a:xfrm>
+            <a:off x="457200" y="1124744"/>
+            <a:ext cx="8229600" cy="5472608"/>
+          </a:xfrm>
+        </p:spPr>
+        <p:txBody>
+          <a:bodyPr>
+            <a:normAutofit fontScale="92500" lnSpcReduction="10000"/>
+          </a:bodyPr>
+          <a:lstStyle/>
+          <a:p>
+            <a:r>
+              <a:rPr lang="pt-PT" dirty="0" smtClean="0"/>
+              <a:t>Avaliação funcional</a:t>
+            </a:r>
+          </a:p>
+          <a:p>
+            <a:pPr lvl="1"/>
+            <a:r>
+              <a:rPr lang="pt-PT" dirty="0" smtClean="0"/>
+              <a:t>Efectuada utilizando programas simples</a:t>
+            </a:r>
+          </a:p>
+          <a:p>
+            <a:pPr lvl="2"/>
+            <a:r>
+              <a:rPr lang="pt-PT" dirty="0" smtClean="0"/>
+              <a:t>Transferências </a:t>
+            </a:r>
+            <a:r>
+              <a:rPr lang="pt-PT" dirty="0" err="1" smtClean="0"/>
+              <a:t>ftp</a:t>
+            </a:r>
+            <a:r>
+              <a:rPr lang="pt-PT" dirty="0" smtClean="0"/>
+              <a:t> e http</a:t>
+            </a:r>
+          </a:p>
+          <a:p>
+            <a:pPr lvl="2"/>
+            <a:r>
+              <a:rPr lang="pt-PT" dirty="0" smtClean="0"/>
+              <a:t>Programas de teste</a:t>
+            </a:r>
+          </a:p>
+          <a:p>
+            <a:pPr lvl="1"/>
+            <a:r>
+              <a:rPr lang="pt-PT" dirty="0" smtClean="0"/>
+              <a:t>Verificada a correcção/completude da captura efectuada </a:t>
+            </a:r>
+          </a:p>
+          <a:p>
+            <a:pPr lvl="2"/>
+            <a:r>
+              <a:rPr lang="en-US" dirty="0" smtClean="0"/>
+              <a:t>V</a:t>
+            </a:r>
+            <a:r>
+              <a:rPr lang="pt-PT" dirty="0" err="1" smtClean="0"/>
+              <a:t>isualização</a:t>
+            </a:r>
+            <a:r>
+              <a:rPr lang="pt-PT" dirty="0" smtClean="0"/>
+              <a:t> usando </a:t>
+            </a:r>
+            <a:r>
+              <a:rPr lang="pt-PT" dirty="0" err="1" smtClean="0"/>
+              <a:t>Wireshark</a:t>
+            </a:r>
+            <a:endParaRPr lang="pt-PT" dirty="0" smtClean="0"/>
+          </a:p>
+          <a:p>
+            <a:pPr lvl="1"/>
+            <a:endParaRPr lang="pt-PT" dirty="0" smtClean="0"/>
+          </a:p>
+          <a:p>
+            <a:r>
+              <a:rPr lang="pt-PT" dirty="0" smtClean="0"/>
+              <a:t>Avaliação de desempenho</a:t>
+            </a:r>
+          </a:p>
+          <a:p>
+            <a:pPr lvl="1"/>
+            <a:r>
+              <a:rPr lang="en-US" dirty="0" smtClean="0"/>
+              <a:t>S</a:t>
+            </a:r>
+            <a:r>
+              <a:rPr lang="pt-PT" dirty="0" err="1" smtClean="0"/>
+              <a:t>obrecarga</a:t>
+            </a:r>
+            <a:r>
+              <a:rPr lang="pt-PT" dirty="0" smtClean="0"/>
+              <a:t> introduzida pela instrumentação do processo</a:t>
+            </a:r>
+          </a:p>
+          <a:p>
+            <a:pPr lvl="1"/>
+            <a:r>
+              <a:rPr lang="en-US" dirty="0" smtClean="0"/>
+              <a:t>S</a:t>
+            </a:r>
+            <a:r>
+              <a:rPr lang="pt-PT" dirty="0" err="1" smtClean="0"/>
+              <a:t>obrecarga</a:t>
+            </a:r>
+            <a:r>
+              <a:rPr lang="pt-PT" dirty="0" smtClean="0"/>
+              <a:t> face ao sistema original</a:t>
+            </a:r>
+          </a:p>
+          <a:p>
+            <a:pPr lvl="2"/>
+            <a:r>
+              <a:rPr lang="en-US" dirty="0" smtClean="0"/>
+              <a:t>C</a:t>
+            </a:r>
+            <a:r>
+              <a:rPr lang="pt-PT" dirty="0" err="1" smtClean="0"/>
+              <a:t>aptura</a:t>
+            </a:r>
+            <a:r>
+              <a:rPr lang="pt-PT" dirty="0" smtClean="0"/>
+              <a:t> de tráfego usando </a:t>
+            </a:r>
+            <a:r>
+              <a:rPr lang="pt-PT" dirty="0" err="1" smtClean="0"/>
+              <a:t>tcpdump</a:t>
+            </a:r>
+            <a:r>
+              <a:rPr lang="pt-PT" dirty="0" smtClean="0"/>
+              <a:t> em testes de transferência de grandes volumes de dados</a:t>
+            </a:r>
+          </a:p>
+          <a:p>
+            <a:pPr lvl="2"/>
+            <a:endParaRPr lang="pt-PT" dirty="0" smtClean="0"/>
+          </a:p>
+        </p:txBody>
+      </p:sp>
+      <p:sp>
+        <p:nvSpPr>
+          <p:cNvPr id="5" name="Marcador de Posição do Número do Diapositivo 4"/>
+          <p:cNvSpPr>
+            <a:spLocks noGrp="1"/>
+          </p:cNvSpPr>
+          <p:nvPr>
+            <p:ph type="sldNum" sz="quarter" idx="12"/>
+          </p:nvPr>
+        </p:nvSpPr>
+        <p:spPr/>
+        <p:txBody>
+          <a:bodyPr/>
+          <a:lstStyle/>
+          <a:p>
+            <a:fld id="{AC560869-1695-4081-8E6F-05D0DB8947D3}" type="slidenum">
+              <a:rPr lang="pt-PT" smtClean="0"/>
+              <a:pPr/>
+              <a:t>18</a:t>
+            </a:fld>
+            <a:endParaRPr lang="pt-PT"/>
+          </a:p>
+        </p:txBody>
+      </p:sp>
+    </p:spTree>
+  </p:cSld>
+  <p:clrMapOvr>
+    <a:masterClrMapping/>
+  </p:clrMapOvr>
+  <p:timing>
+    <p:tnLst>
+      <p:par>
+        <p:cTn id="1" dur="indefinite" restart="never" nodeType="tmRoot"/>
+      </p:par>
+    </p:tnLst>
+  </p:timing>
+</p:sld>
+</file>
+
 <file path=ppt/slides/slide19.xml><?xml version="1.0" encoding="utf-8"?>
 <p:sld xmlns:a="http://schemas.openxmlformats.org/drawingml/2006/main" xmlns:r="http://schemas.openxmlformats.org/officeDocument/2006/relationships" xmlns:p="http://schemas.openxmlformats.org/presentationml/2006/main">
   <p:cSld>
@@ -12956,14 +12660,19 @@
             <p:ph type="title"/>
           </p:nvPr>
         </p:nvSpPr>
-        <p:spPr/>
+        <p:spPr>
+          <a:xfrm>
+            <a:off x="457200" y="260648"/>
+            <a:ext cx="8229600" cy="1066800"/>
+          </a:xfrm>
+        </p:spPr>
         <p:txBody>
           <a:bodyPr/>
           <a:lstStyle/>
           <a:p>
             <a:r>
               <a:rPr lang="pt-PT" dirty="0" smtClean="0"/>
-              <a:t>Percursos … </a:t>
+              <a:t>Avaliação II</a:t>
             </a:r>
             <a:endParaRPr lang="pt-PT" dirty="0"/>
           </a:p>
@@ -12979,18 +12688,36 @@
             <p:ph idx="1"/>
           </p:nvPr>
         </p:nvSpPr>
-        <p:spPr/>
-        <p:txBody>
-          <a:bodyPr/>
-          <a:lstStyle/>
-          <a:p>
-            <a:endParaRPr lang="pt-PT"/>
-          </a:p>
-        </p:txBody>
-      </p:sp>
-      <p:sp>
-        <p:nvSpPr>
-          <p:cNvPr id="4" name="Marcador de Posição do Número do Diapositivo 3"/>
+        <p:spPr>
+          <a:xfrm>
+            <a:off x="457200" y="1124744"/>
+            <a:ext cx="8229600" cy="5472608"/>
+          </a:xfrm>
+        </p:spPr>
+        <p:txBody>
+          <a:bodyPr>
+            <a:normAutofit/>
+          </a:bodyPr>
+          <a:lstStyle/>
+          <a:p>
+            <a:r>
+              <a:rPr lang="pt-PT" dirty="0" smtClean="0"/>
+              <a:t>Explicar os diversos testes …..</a:t>
+            </a:r>
+          </a:p>
+          <a:p>
+            <a:pPr lvl="1"/>
+            <a:endParaRPr lang="pt-PT" dirty="0" smtClean="0"/>
+          </a:p>
+          <a:p>
+            <a:pPr lvl="2"/>
+            <a:endParaRPr lang="pt-PT" dirty="0" smtClean="0"/>
+          </a:p>
+        </p:txBody>
+      </p:sp>
+      <p:sp>
+        <p:nvSpPr>
+          <p:cNvPr id="5" name="Marcador de Posição do Número do Diapositivo 4"/>
           <p:cNvSpPr>
             <a:spLocks noGrp="1"/>
           </p:cNvSpPr>
@@ -13017,6 +12744,13 @@
   <p:clrMapOvr>
     <a:masterClrMapping/>
   </p:clrMapOvr>
+  <p:timing>
+    <p:tnLst>
+      <p:par>
+        <p:cTn id="1" dur="indefinite" restart="never" nodeType="tmRoot"/>
+      </p:par>
+    </p:tnLst>
+  </p:timing>
 </p:sld>
 </file>
 
@@ -13147,7 +12881,7 @@
         </p:nvSpPr>
         <p:spPr>
           <a:xfrm>
-            <a:off x="457200" y="260648"/>
+            <a:off x="457200" y="476672"/>
             <a:ext cx="8229600" cy="1066800"/>
           </a:xfrm>
         </p:spPr>
@@ -13157,7 +12891,7 @@
           <a:p>
             <a:r>
               <a:rPr lang="pt-PT" dirty="0" smtClean="0"/>
-              <a:t>Avaliação</a:t>
+              <a:t>Avaliação de desempenho (II)</a:t>
             </a:r>
             <a:endParaRPr lang="pt-PT" dirty="0"/>
           </a:p>
@@ -13175,74 +12909,58 @@
         </p:nvSpPr>
         <p:spPr>
           <a:xfrm>
-            <a:off x="457200" y="1124744"/>
-            <a:ext cx="8229600" cy="5472608"/>
-          </a:xfrm>
-        </p:spPr>
-        <p:txBody>
-          <a:bodyPr>
-            <a:normAutofit fontScale="92500" lnSpcReduction="10000"/>
-          </a:bodyPr>
+            <a:off x="467544" y="1412776"/>
+            <a:ext cx="8229600" cy="5157192"/>
+          </a:xfrm>
+        </p:spPr>
+        <p:txBody>
+          <a:bodyPr/>
           <a:lstStyle/>
           <a:p>
             <a:r>
               <a:rPr lang="pt-PT" dirty="0" smtClean="0"/>
-              <a:t>Avaliação funcional</a:t>
+              <a:t>Avaliação da sobrecarga introduzida</a:t>
             </a:r>
           </a:p>
           <a:p>
             <a:pPr lvl="1"/>
             <a:r>
               <a:rPr lang="pt-PT" dirty="0" smtClean="0"/>
-              <a:t>Efectuada utilizando programas simples</a:t>
-            </a:r>
-          </a:p>
-          <a:p>
-            <a:pPr lvl="2"/>
+              <a:t>Instrumentação com </a:t>
+            </a:r>
+            <a:r>
+              <a:rPr lang="pt-PT" dirty="0" err="1" smtClean="0"/>
+              <a:t>KProbe</a:t>
+            </a:r>
             <a:r>
               <a:rPr lang="pt-PT" dirty="0" smtClean="0"/>
-              <a:t>Transferências </a:t>
+              <a:t> da chamada ao sistema </a:t>
             </a:r>
             <a:r>
               <a:rPr lang="pt-PT" dirty="0" err="1" smtClean="0"/>
-              <a:t>ftp</a:t>
-            </a:r>
+              <a:t>getpid</a:t>
+            </a:r>
+            <a:endParaRPr lang="pt-PT" dirty="0" smtClean="0"/>
+          </a:p>
+          <a:p>
+            <a:pPr lvl="1">
+              <a:buNone/>
+            </a:pPr>
             <a:r>
               <a:rPr lang="pt-PT" dirty="0" smtClean="0"/>
-              <a:t> e http</a:t>
-            </a:r>
-          </a:p>
-          <a:p>
-            <a:pPr lvl="2"/>
-            <a:r>
-              <a:rPr lang="pt-PT" dirty="0" smtClean="0"/>
-              <a:t>Programas de teste</a:t>
-            </a:r>
-          </a:p>
-          <a:p>
-            <a:pPr lvl="1"/>
-            <a:r>
-              <a:rPr lang="pt-PT" dirty="0" smtClean="0"/>
-              <a:t>Verificada a correcção/completude da captura efectuada </a:t>
-            </a:r>
-          </a:p>
-          <a:p>
-            <a:pPr lvl="2"/>
-            <a:r>
-              <a:rPr lang="en-US" dirty="0" smtClean="0"/>
-              <a:t>V</a:t>
-            </a:r>
-            <a:r>
-              <a:rPr lang="pt-PT" dirty="0" err="1" smtClean="0"/>
-              <a:t>isualização</a:t>
-            </a:r>
-            <a:r>
-              <a:rPr lang="pt-PT" dirty="0" smtClean="0"/>
-              <a:t> usando </a:t>
-            </a:r>
-            <a:r>
-              <a:rPr lang="pt-PT" dirty="0" err="1" smtClean="0"/>
-              <a:t>Wireshark</a:t>
+              <a:t>                           </a:t>
+            </a:r>
+            <a:r>
+              <a:rPr lang="pt-PT" sz="1400" dirty="0" smtClean="0"/>
+              <a:t>Tempos médios por chamada (</a:t>
+            </a:r>
+            <a:r>
+              <a:rPr lang="pt-PT" sz="1400" dirty="0" err="1" smtClean="0"/>
+              <a:t>micro-segundos</a:t>
+            </a:r>
+            <a:r>
+              <a:rPr lang="pt-PT" sz="1400" dirty="0" smtClean="0"/>
+              <a:t>)</a:t>
             </a:r>
             <a:endParaRPr lang="pt-PT" dirty="0" smtClean="0"/>
           </a:p>
@@ -13251,66 +12969,39 @@
             <a:endParaRPr lang="pt-PT" dirty="0" smtClean="0"/>
           </a:p>
           <a:p>
+            <a:pPr lvl="1">
+              <a:buNone/>
+            </a:pPr>
+            <a:endParaRPr lang="en-US" dirty="0" smtClean="0"/>
+          </a:p>
+          <a:p>
+            <a:pPr lvl="1"/>
+            <a:endParaRPr lang="en-US" sz="1200" dirty="0" smtClean="0"/>
+          </a:p>
+          <a:p>
+            <a:pPr lvl="1"/>
+            <a:r>
+              <a:rPr lang="en-US" dirty="0" err="1" smtClean="0"/>
+              <a:t>Simulação</a:t>
+            </a:r>
+            <a:r>
+              <a:rPr lang="en-US" dirty="0" smtClean="0"/>
+              <a:t> d</a:t>
+            </a:r>
             <a:r>
               <a:rPr lang="pt-PT" dirty="0" smtClean="0"/>
-              <a:t>Avaliação de desempenho</a:t>
-            </a:r>
-          </a:p>
-          <a:p>
-            <a:pPr lvl="1"/>
-            <a:r>
-              <a:rPr lang="en-US" dirty="0" smtClean="0"/>
-              <a:t>S</a:t>
+              <a:t>a criação e destruição de </a:t>
             </a:r>
             <a:r>
               <a:rPr lang="pt-PT" dirty="0" err="1" smtClean="0"/>
-              <a:t>obrecarga</a:t>
-            </a:r>
-            <a:r>
-              <a:rPr lang="pt-PT" dirty="0" smtClean="0"/>
-              <a:t> introduzida pela instrumentação do processo</a:t>
-            </a:r>
-          </a:p>
-          <a:p>
-            <a:pPr lvl="1"/>
-            <a:r>
-              <a:rPr lang="en-US" dirty="0" smtClean="0"/>
-              <a:t>S</a:t>
-            </a:r>
-            <a:r>
-              <a:rPr lang="pt-PT" dirty="0" err="1" smtClean="0"/>
-              <a:t>obrecarga</a:t>
-            </a:r>
-            <a:r>
-              <a:rPr lang="pt-PT" dirty="0" smtClean="0"/>
-              <a:t> face ao sistema original</a:t>
-            </a:r>
-          </a:p>
-          <a:p>
-            <a:pPr lvl="2"/>
-            <a:r>
-              <a:rPr lang="en-US" dirty="0" smtClean="0"/>
-              <a:t>C</a:t>
-            </a:r>
-            <a:r>
-              <a:rPr lang="pt-PT" dirty="0" err="1" smtClean="0"/>
-              <a:t>aptura</a:t>
-            </a:r>
-            <a:r>
-              <a:rPr lang="pt-PT" dirty="0" smtClean="0"/>
-              <a:t> de tráfego usando </a:t>
-            </a:r>
-            <a:r>
-              <a:rPr lang="pt-PT" dirty="0" err="1" smtClean="0"/>
-              <a:t>tcpdump</a:t>
-            </a:r>
-            <a:r>
-              <a:rPr lang="pt-PT" dirty="0" smtClean="0"/>
-              <a:t> em testes de transferência de grandes volumes de dados</a:t>
-            </a:r>
-          </a:p>
-          <a:p>
-            <a:pPr lvl="2"/>
+              <a:t>sockets</a:t>
+            </a:r>
+            <a:endParaRPr lang="pt-PT" dirty="0" smtClean="0"/>
+          </a:p>
+          <a:p>
+            <a:pPr lvl="1">
+              <a:buNone/>
+            </a:pPr>
             <a:endParaRPr lang="pt-PT" dirty="0" smtClean="0"/>
           </a:p>
         </p:txBody>
@@ -13334,320 +13025,6 @@
               <a:rPr lang="pt-PT" smtClean="0"/>
               <a:pPr/>
               <a:t>20</a:t>
-            </a:fld>
-            <a:endParaRPr lang="pt-PT"/>
-          </a:p>
-        </p:txBody>
-      </p:sp>
-    </p:spTree>
-  </p:cSld>
-  <p:clrMapOvr>
-    <a:masterClrMapping/>
-  </p:clrMapOvr>
-  <p:timing>
-    <p:tnLst>
-      <p:par>
-        <p:cTn id="1" dur="indefinite" restart="never" nodeType="tmRoot"/>
-      </p:par>
-    </p:tnLst>
-  </p:timing>
-</p:sld>
-</file>
-
-<file path=ppt/slides/slide21.xml><?xml version="1.0" encoding="utf-8"?>
-<p:sld xmlns:a="http://schemas.openxmlformats.org/drawingml/2006/main" xmlns:r="http://schemas.openxmlformats.org/officeDocument/2006/relationships" xmlns:p="http://schemas.openxmlformats.org/presentationml/2006/main">
-  <p:cSld>
-    <p:spTree>
-      <p:nvGrpSpPr>
-        <p:cNvPr id="1" name=""/>
-        <p:cNvGrpSpPr/>
-        <p:nvPr/>
-      </p:nvGrpSpPr>
-      <p:grpSpPr>
-        <a:xfrm>
-          <a:off x="0" y="0"/>
-          <a:ext cx="0" cy="0"/>
-          <a:chOff x="0" y="0"/>
-          <a:chExt cx="0" cy="0"/>
-        </a:xfrm>
-      </p:grpSpPr>
-      <p:sp>
-        <p:nvSpPr>
-          <p:cNvPr id="2" name="Título 1"/>
-          <p:cNvSpPr>
-            <a:spLocks noGrp="1"/>
-          </p:cNvSpPr>
-          <p:nvPr>
-            <p:ph type="title"/>
-          </p:nvPr>
-        </p:nvSpPr>
-        <p:spPr>
-          <a:xfrm>
-            <a:off x="457200" y="260648"/>
-            <a:ext cx="8229600" cy="1066800"/>
-          </a:xfrm>
-        </p:spPr>
-        <p:txBody>
-          <a:bodyPr/>
-          <a:lstStyle/>
-          <a:p>
-            <a:r>
-              <a:rPr lang="pt-PT" dirty="0" smtClean="0"/>
-              <a:t>Avaliação II</a:t>
-            </a:r>
-            <a:endParaRPr lang="pt-PT" dirty="0"/>
-          </a:p>
-        </p:txBody>
-      </p:sp>
-      <p:sp>
-        <p:nvSpPr>
-          <p:cNvPr id="3" name="Marcador de Posição de Conteúdo 2"/>
-          <p:cNvSpPr>
-            <a:spLocks noGrp="1"/>
-          </p:cNvSpPr>
-          <p:nvPr>
-            <p:ph idx="1"/>
-          </p:nvPr>
-        </p:nvSpPr>
-        <p:spPr>
-          <a:xfrm>
-            <a:off x="457200" y="1124744"/>
-            <a:ext cx="8229600" cy="5472608"/>
-          </a:xfrm>
-        </p:spPr>
-        <p:txBody>
-          <a:bodyPr>
-            <a:normAutofit/>
-          </a:bodyPr>
-          <a:lstStyle/>
-          <a:p>
-            <a:r>
-              <a:rPr lang="pt-PT" dirty="0" smtClean="0"/>
-              <a:t>Explicar os diversos testes …..</a:t>
-            </a:r>
-          </a:p>
-          <a:p>
-            <a:pPr lvl="1"/>
-            <a:endParaRPr lang="pt-PT" dirty="0" smtClean="0"/>
-          </a:p>
-          <a:p>
-            <a:pPr lvl="2"/>
-            <a:endParaRPr lang="pt-PT" dirty="0" smtClean="0"/>
-          </a:p>
-        </p:txBody>
-      </p:sp>
-      <p:sp>
-        <p:nvSpPr>
-          <p:cNvPr id="5" name="Marcador de Posição do Número do Diapositivo 4"/>
-          <p:cNvSpPr>
-            <a:spLocks noGrp="1"/>
-          </p:cNvSpPr>
-          <p:nvPr>
-            <p:ph type="sldNum" sz="quarter" idx="12"/>
-          </p:nvPr>
-        </p:nvSpPr>
-        <p:spPr/>
-        <p:txBody>
-          <a:bodyPr/>
-          <a:lstStyle/>
-          <a:p>
-            <a:fld id="{AC560869-1695-4081-8E6F-05D0DB8947D3}" type="slidenum">
-              <a:rPr lang="pt-PT" smtClean="0"/>
-              <a:pPr/>
-              <a:t>21</a:t>
-            </a:fld>
-            <a:endParaRPr lang="pt-PT"/>
-          </a:p>
-        </p:txBody>
-      </p:sp>
-    </p:spTree>
-  </p:cSld>
-  <p:clrMapOvr>
-    <a:masterClrMapping/>
-  </p:clrMapOvr>
-  <p:timing>
-    <p:tnLst>
-      <p:par>
-        <p:cTn id="1" dur="indefinite" restart="never" nodeType="tmRoot"/>
-      </p:par>
-    </p:tnLst>
-  </p:timing>
-</p:sld>
-</file>
-
-<file path=ppt/slides/slide22.xml><?xml version="1.0" encoding="utf-8"?>
-<p:sld xmlns:a="http://schemas.openxmlformats.org/drawingml/2006/main" xmlns:r="http://schemas.openxmlformats.org/officeDocument/2006/relationships" xmlns:p="http://schemas.openxmlformats.org/presentationml/2006/main">
-  <p:cSld>
-    <p:spTree>
-      <p:nvGrpSpPr>
-        <p:cNvPr id="1" name=""/>
-        <p:cNvGrpSpPr/>
-        <p:nvPr/>
-      </p:nvGrpSpPr>
-      <p:grpSpPr>
-        <a:xfrm>
-          <a:off x="0" y="0"/>
-          <a:ext cx="0" cy="0"/>
-          <a:chOff x="0" y="0"/>
-          <a:chExt cx="0" cy="0"/>
-        </a:xfrm>
-      </p:grpSpPr>
-      <p:sp>
-        <p:nvSpPr>
-          <p:cNvPr id="2" name="Título 1"/>
-          <p:cNvSpPr>
-            <a:spLocks noGrp="1"/>
-          </p:cNvSpPr>
-          <p:nvPr>
-            <p:ph type="title"/>
-          </p:nvPr>
-        </p:nvSpPr>
-        <p:spPr>
-          <a:xfrm>
-            <a:off x="457200" y="476672"/>
-            <a:ext cx="8229600" cy="1066800"/>
-          </a:xfrm>
-        </p:spPr>
-        <p:txBody>
-          <a:bodyPr/>
-          <a:lstStyle/>
-          <a:p>
-            <a:r>
-              <a:rPr lang="pt-PT" dirty="0" smtClean="0"/>
-              <a:t>Avaliação de desempenho (II)</a:t>
-            </a:r>
-            <a:endParaRPr lang="pt-PT" dirty="0"/>
-          </a:p>
-        </p:txBody>
-      </p:sp>
-      <p:sp>
-        <p:nvSpPr>
-          <p:cNvPr id="3" name="Marcador de Posição de Conteúdo 2"/>
-          <p:cNvSpPr>
-            <a:spLocks noGrp="1"/>
-          </p:cNvSpPr>
-          <p:nvPr>
-            <p:ph idx="1"/>
-          </p:nvPr>
-        </p:nvSpPr>
-        <p:spPr>
-          <a:xfrm>
-            <a:off x="467544" y="1412776"/>
-            <a:ext cx="8229600" cy="5157192"/>
-          </a:xfrm>
-        </p:spPr>
-        <p:txBody>
-          <a:bodyPr/>
-          <a:lstStyle/>
-          <a:p>
-            <a:r>
-              <a:rPr lang="pt-PT" dirty="0" smtClean="0"/>
-              <a:t>Avaliação da sobrecarga introduzida</a:t>
-            </a:r>
-          </a:p>
-          <a:p>
-            <a:pPr lvl="1"/>
-            <a:r>
-              <a:rPr lang="pt-PT" dirty="0" smtClean="0"/>
-              <a:t>Instrumentação com </a:t>
-            </a:r>
-            <a:r>
-              <a:rPr lang="pt-PT" dirty="0" err="1" smtClean="0"/>
-              <a:t>KProbe</a:t>
-            </a:r>
-            <a:r>
-              <a:rPr lang="pt-PT" dirty="0" smtClean="0"/>
-              <a:t> da chamada ao sistema </a:t>
-            </a:r>
-            <a:r>
-              <a:rPr lang="pt-PT" dirty="0" err="1" smtClean="0"/>
-              <a:t>getpid</a:t>
-            </a:r>
-            <a:endParaRPr lang="pt-PT" dirty="0" smtClean="0"/>
-          </a:p>
-          <a:p>
-            <a:pPr lvl="1">
-              <a:buNone/>
-            </a:pPr>
-            <a:r>
-              <a:rPr lang="pt-PT" dirty="0" smtClean="0"/>
-              <a:t>                           </a:t>
-            </a:r>
-            <a:r>
-              <a:rPr lang="pt-PT" sz="1400" dirty="0" smtClean="0"/>
-              <a:t>Tempos médios por chamada (</a:t>
-            </a:r>
-            <a:r>
-              <a:rPr lang="pt-PT" sz="1400" dirty="0" err="1" smtClean="0"/>
-              <a:t>micro-segundos</a:t>
-            </a:r>
-            <a:r>
-              <a:rPr lang="pt-PT" sz="1400" dirty="0" smtClean="0"/>
-              <a:t>)</a:t>
-            </a:r>
-            <a:endParaRPr lang="pt-PT" dirty="0" smtClean="0"/>
-          </a:p>
-          <a:p>
-            <a:pPr lvl="1"/>
-            <a:endParaRPr lang="pt-PT" dirty="0" smtClean="0"/>
-          </a:p>
-          <a:p>
-            <a:pPr lvl="1">
-              <a:buNone/>
-            </a:pPr>
-            <a:endParaRPr lang="en-US" dirty="0" smtClean="0"/>
-          </a:p>
-          <a:p>
-            <a:pPr lvl="1"/>
-            <a:endParaRPr lang="en-US" sz="1200" dirty="0" smtClean="0"/>
-          </a:p>
-          <a:p>
-            <a:pPr lvl="1"/>
-            <a:r>
-              <a:rPr lang="en-US" dirty="0" err="1" smtClean="0"/>
-              <a:t>Simulação</a:t>
-            </a:r>
-            <a:r>
-              <a:rPr lang="en-US" dirty="0" smtClean="0"/>
-              <a:t> d</a:t>
-            </a:r>
-            <a:r>
-              <a:rPr lang="pt-PT" dirty="0" smtClean="0"/>
-              <a:t>a criação e destruição de </a:t>
-            </a:r>
-            <a:r>
-              <a:rPr lang="pt-PT" dirty="0" err="1" smtClean="0"/>
-              <a:t>sockets</a:t>
-            </a:r>
-            <a:endParaRPr lang="pt-PT" dirty="0" smtClean="0"/>
-          </a:p>
-          <a:p>
-            <a:pPr lvl="1">
-              <a:buNone/>
-            </a:pPr>
-            <a:endParaRPr lang="pt-PT" dirty="0" smtClean="0"/>
-          </a:p>
-        </p:txBody>
-      </p:sp>
-      <p:sp>
-        <p:nvSpPr>
-          <p:cNvPr id="5" name="Marcador de Posição do Número do Diapositivo 4"/>
-          <p:cNvSpPr>
-            <a:spLocks noGrp="1"/>
-          </p:cNvSpPr>
-          <p:nvPr>
-            <p:ph type="sldNum" sz="quarter" idx="12"/>
-          </p:nvPr>
-        </p:nvSpPr>
-        <p:spPr/>
-        <p:txBody>
-          <a:bodyPr/>
-          <a:lstStyle/>
-          <a:p>
-            <a:fld id="{AC560869-1695-4081-8E6F-05D0DB8947D3}" type="slidenum">
-              <a:rPr lang="pt-PT" smtClean="0"/>
-              <a:pPr/>
-              <a:t>22</a:t>
             </a:fld>
             <a:endParaRPr lang="pt-PT"/>
           </a:p>
@@ -14003,7 +13380,7 @@
 </p:sld>
 </file>
 
-<file path=ppt/slides/slide23.xml><?xml version="1.0" encoding="utf-8"?>
+<file path=ppt/slides/slide21.xml><?xml version="1.0" encoding="utf-8"?>
 <p:sld xmlns:a="http://schemas.openxmlformats.org/drawingml/2006/main" xmlns:r="http://schemas.openxmlformats.org/officeDocument/2006/relationships" xmlns:p="http://schemas.openxmlformats.org/presentationml/2006/main">
   <p:cSld>
     <p:spTree>
@@ -14068,7 +13445,7 @@
             <a:fld id="{AC560869-1695-4081-8E6F-05D0DB8947D3}" type="slidenum">
               <a:rPr lang="pt-PT" smtClean="0"/>
               <a:pPr/>
-              <a:t>23</a:t>
+              <a:t>21</a:t>
             </a:fld>
             <a:endParaRPr lang="pt-PT"/>
           </a:p>
@@ -14107,7 +13484,7 @@
 </p:sld>
 </file>
 
-<file path=ppt/slides/slide24.xml><?xml version="1.0" encoding="utf-8"?>
+<file path=ppt/slides/slide22.xml><?xml version="1.0" encoding="utf-8"?>
 <p:sld xmlns:a="http://schemas.openxmlformats.org/drawingml/2006/main" xmlns:r="http://schemas.openxmlformats.org/officeDocument/2006/relationships" xmlns:p="http://schemas.openxmlformats.org/presentationml/2006/main">
   <p:cSld>
     <p:spTree>
@@ -14172,7 +13549,7 @@
             <a:fld id="{AC560869-1695-4081-8E6F-05D0DB8947D3}" type="slidenum">
               <a:rPr lang="pt-PT" smtClean="0"/>
               <a:pPr/>
-              <a:t>24</a:t>
+              <a:t>22</a:t>
             </a:fld>
             <a:endParaRPr lang="pt-PT"/>
           </a:p>
@@ -14187,7 +13564,7 @@
           <p:nvPr>
             <p:extLst>
               <p:ext uri="{D42A27DB-BD31-4B8C-83A1-F6EECF244321}">
-                <p14:modId xmlns="" xmlns:p14="http://schemas.microsoft.com/office/powerpoint/2010/main" val="2923390044"/>
+                <p14:modId xmlns:p14="http://schemas.microsoft.com/office/powerpoint/2010/main" xmlns="" val="2923390044"/>
               </p:ext>
             </p:extLst>
           </p:nvPr>
@@ -14247,7 +13624,7 @@
 </p:sld>
 </file>
 
-<file path=ppt/slides/slide25.xml><?xml version="1.0" encoding="utf-8"?>
+<file path=ppt/slides/slide23.xml><?xml version="1.0" encoding="utf-8"?>
 <p:sld xmlns:a="http://schemas.openxmlformats.org/drawingml/2006/main" xmlns:r="http://schemas.openxmlformats.org/officeDocument/2006/relationships" xmlns:p="http://schemas.openxmlformats.org/presentationml/2006/main">
   <p:cSld>
     <p:spTree>
@@ -14400,7 +13777,7 @@
             <a:fld id="{AC560869-1695-4081-8E6F-05D0DB8947D3}" type="slidenum">
               <a:rPr lang="pt-PT" smtClean="0"/>
               <a:pPr/>
-              <a:t>25</a:t>
+              <a:t>23</a:t>
             </a:fld>
             <a:endParaRPr lang="pt-PT"/>
           </a:p>
@@ -14421,7 +13798,7 @@
 </p:sld>
 </file>
 
-<file path=ppt/slides/slide26.xml><?xml version="1.0" encoding="utf-8"?>
+<file path=ppt/slides/slide24.xml><?xml version="1.0" encoding="utf-8"?>
 <p:sld xmlns:a="http://schemas.openxmlformats.org/drawingml/2006/main" xmlns:r="http://schemas.openxmlformats.org/officeDocument/2006/relationships" xmlns:p="http://schemas.openxmlformats.org/presentationml/2006/main">
   <p:cSld>
     <p:spTree>
@@ -14535,7 +13912,7 @@
             <a:fld id="{AC560869-1695-4081-8E6F-05D0DB8947D3}" type="slidenum">
               <a:rPr lang="pt-PT" smtClean="0"/>
               <a:pPr/>
-              <a:t>26</a:t>
+              <a:t>24</a:t>
             </a:fld>
             <a:endParaRPr lang="pt-PT"/>
           </a:p>
@@ -14630,7 +14007,7 @@
 </p:sld>
 </file>
 
-<file path=ppt/slides/slide27.xml><?xml version="1.0" encoding="utf-8"?>
+<file path=ppt/slides/slide25.xml><?xml version="1.0" encoding="utf-8"?>
 <p:sld xmlns:a="http://schemas.openxmlformats.org/drawingml/2006/main" xmlns:r="http://schemas.openxmlformats.org/officeDocument/2006/relationships" xmlns:p="http://schemas.openxmlformats.org/presentationml/2006/main">
   <p:cSld>
     <p:spTree>
@@ -16054,7 +15431,7 @@
             <a:fld id="{AC560869-1695-4081-8E6F-05D0DB8947D3}" type="slidenum">
               <a:rPr lang="pt-PT" smtClean="0"/>
               <a:pPr/>
-              <a:t>27</a:t>
+              <a:t>25</a:t>
             </a:fld>
             <a:endParaRPr lang="pt-PT"/>
           </a:p>
@@ -17104,7 +16481,7 @@
 </p:sld>
 </file>
 
-<file path=ppt/slides/slide28.xml><?xml version="1.0" encoding="utf-8"?>
+<file path=ppt/slides/slide26.xml><?xml version="1.0" encoding="utf-8"?>
 <p:sld xmlns:a="http://schemas.openxmlformats.org/drawingml/2006/main" xmlns:r="http://schemas.openxmlformats.org/officeDocument/2006/relationships" xmlns:p="http://schemas.openxmlformats.org/presentationml/2006/main">
   <p:cSld>
     <p:spTree>
@@ -17219,7 +16596,7 @@
             <a:fld id="{AC560869-1695-4081-8E6F-05D0DB8947D3}" type="slidenum">
               <a:rPr lang="pt-PT" smtClean="0"/>
               <a:pPr/>
-              <a:t>28</a:t>
+              <a:t>26</a:t>
             </a:fld>
             <a:endParaRPr lang="pt-PT"/>
           </a:p>
@@ -17228,7 +16605,7 @@
     </p:spTree>
     <p:extLst>
       <p:ext uri="{BB962C8B-B14F-4D97-AF65-F5344CB8AC3E}">
-        <p14:creationId xmlns="" xmlns:p14="http://schemas.microsoft.com/office/powerpoint/2010/main" val="2480020566"/>
+        <p14:creationId xmlns:p14="http://schemas.microsoft.com/office/powerpoint/2010/main" xmlns="" val="2480020566"/>
       </p:ext>
     </p:extLst>
   </p:cSld>
@@ -17245,7 +16622,7 @@
 </p:sld>
 </file>
 
-<file path=ppt/slides/slide29.xml><?xml version="1.0" encoding="utf-8"?>
+<file path=ppt/slides/slide27.xml><?xml version="1.0" encoding="utf-8"?>
 <p:sld xmlns:a="http://schemas.openxmlformats.org/drawingml/2006/main" xmlns:r="http://schemas.openxmlformats.org/officeDocument/2006/relationships" xmlns:p="http://schemas.openxmlformats.org/presentationml/2006/main">
   <p:cSld>
     <p:spTree>
@@ -17310,7 +16687,7 @@
             <a:fld id="{AC560869-1695-4081-8E6F-05D0DB8947D3}" type="slidenum">
               <a:rPr lang="pt-PT" smtClean="0"/>
               <a:pPr/>
-              <a:t>29</a:t>
+              <a:t>27</a:t>
             </a:fld>
             <a:endParaRPr lang="pt-PT"/>
           </a:p>
@@ -17325,7 +16702,7 @@
           <p:nvPr>
             <p:extLst>
               <p:ext uri="{D42A27DB-BD31-4B8C-83A1-F6EECF244321}">
-                <p14:modId xmlns="" xmlns:p14="http://schemas.microsoft.com/office/powerpoint/2010/main" val="3402441427"/>
+                <p14:modId xmlns:p14="http://schemas.microsoft.com/office/powerpoint/2010/main" xmlns="" val="3402441427"/>
               </p:ext>
             </p:extLst>
           </p:nvPr>
@@ -17349,7 +16726,7 @@
           <p:nvPr>
             <p:extLst>
               <p:ext uri="{D42A27DB-BD31-4B8C-83A1-F6EECF244321}">
-                <p14:modId xmlns="" xmlns:p14="http://schemas.microsoft.com/office/powerpoint/2010/main" val="4122839546"/>
+                <p14:modId xmlns:p14="http://schemas.microsoft.com/office/powerpoint/2010/main" xmlns="" val="4122839546"/>
               </p:ext>
             </p:extLst>
           </p:nvPr>
@@ -17379,7 +16756,7 @@
 </p:sld>
 </file>
 
-<file path=ppt/slides/slide3.xml><?xml version="1.0" encoding="utf-8"?>
+<file path=ppt/slides/slide28.xml><?xml version="1.0" encoding="utf-8"?>
 <p:sld xmlns:a="http://schemas.openxmlformats.org/drawingml/2006/main" xmlns:r="http://schemas.openxmlformats.org/officeDocument/2006/relationships" xmlns:p="http://schemas.openxmlformats.org/presentationml/2006/main">
   <p:cSld>
     <p:spTree>
@@ -17406,104 +16783,6 @@
             <p:ph type="title"/>
           </p:nvPr>
         </p:nvSpPr>
-        <p:spPr/>
-        <p:txBody>
-          <a:bodyPr/>
-          <a:lstStyle/>
-          <a:p>
-            <a:r>
-              <a:rPr lang="pt-PT" dirty="0" smtClean="0"/>
-              <a:t>Monitorização de rede (geral)</a:t>
-            </a:r>
-            <a:endParaRPr lang="pt-PT" dirty="0"/>
-          </a:p>
-        </p:txBody>
-      </p:sp>
-      <p:sp>
-        <p:nvSpPr>
-          <p:cNvPr id="3" name="Marcador de Posição de Conteúdo 2"/>
-          <p:cNvSpPr>
-            <a:spLocks noGrp="1"/>
-          </p:cNvSpPr>
-          <p:nvPr>
-            <p:ph idx="1"/>
-          </p:nvPr>
-        </p:nvSpPr>
-        <p:spPr/>
-        <p:txBody>
-          <a:bodyPr/>
-          <a:lstStyle/>
-          <a:p>
-            <a:endParaRPr lang="pt-PT"/>
-          </a:p>
-        </p:txBody>
-      </p:sp>
-      <p:sp>
-        <p:nvSpPr>
-          <p:cNvPr id="4" name="Marcador de Posição do Número do Diapositivo 3"/>
-          <p:cNvSpPr>
-            <a:spLocks noGrp="1"/>
-          </p:cNvSpPr>
-          <p:nvPr>
-            <p:ph type="sldNum" sz="quarter" idx="12"/>
-          </p:nvPr>
-        </p:nvSpPr>
-        <p:spPr/>
-        <p:txBody>
-          <a:bodyPr/>
-          <a:lstStyle/>
-          <a:p>
-            <a:fld id="{AC560869-1695-4081-8E6F-05D0DB8947D3}" type="slidenum">
-              <a:rPr lang="pt-PT" smtClean="0"/>
-              <a:pPr/>
-              <a:t>3</a:t>
-            </a:fld>
-            <a:endParaRPr lang="pt-PT"/>
-          </a:p>
-        </p:txBody>
-      </p:sp>
-    </p:spTree>
-  </p:cSld>
-  <p:clrMapOvr>
-    <a:masterClrMapping/>
-  </p:clrMapOvr>
-  <p:timing>
-    <p:tnLst>
-      <p:par>
-        <p:cTn id="1" dur="indefinite" restart="never" nodeType="tmRoot"/>
-      </p:par>
-    </p:tnLst>
-  </p:timing>
-</p:sld>
-</file>
-
-<file path=ppt/slides/slide30.xml><?xml version="1.0" encoding="utf-8"?>
-<p:sld xmlns:a="http://schemas.openxmlformats.org/drawingml/2006/main" xmlns:r="http://schemas.openxmlformats.org/officeDocument/2006/relationships" xmlns:p="http://schemas.openxmlformats.org/presentationml/2006/main">
-  <p:cSld>
-    <p:spTree>
-      <p:nvGrpSpPr>
-        <p:cNvPr id="1" name=""/>
-        <p:cNvGrpSpPr/>
-        <p:nvPr/>
-      </p:nvGrpSpPr>
-      <p:grpSpPr>
-        <a:xfrm>
-          <a:off x="0" y="0"/>
-          <a:ext cx="0" cy="0"/>
-          <a:chOff x="0" y="0"/>
-          <a:chExt cx="0" cy="0"/>
-        </a:xfrm>
-      </p:grpSpPr>
-      <p:sp>
-        <p:nvSpPr>
-          <p:cNvPr id="2" name="Título 1"/>
-          <p:cNvSpPr>
-            <a:spLocks noGrp="1"/>
-          </p:cNvSpPr>
-          <p:nvPr>
-            <p:ph type="title"/>
-          </p:nvPr>
-        </p:nvSpPr>
         <p:spPr>
           <a:xfrm>
             <a:off x="323528" y="620688"/>
@@ -18015,7 +17294,7 @@
             <a:fld id="{AC560869-1695-4081-8E6F-05D0DB8947D3}" type="slidenum">
               <a:rPr lang="pt-PT" smtClean="0"/>
               <a:pPr/>
-              <a:t>30</a:t>
+              <a:t>28</a:t>
             </a:fld>
             <a:endParaRPr lang="pt-PT"/>
           </a:p>
@@ -18715,6 +17994,581 @@
 </p:sld>
 </file>
 
+<file path=ppt/slides/slide29.xml><?xml version="1.0" encoding="utf-8"?>
+<p:sld xmlns:a="http://schemas.openxmlformats.org/drawingml/2006/main" xmlns:r="http://schemas.openxmlformats.org/officeDocument/2006/relationships" xmlns:p="http://schemas.openxmlformats.org/presentationml/2006/main">
+  <p:cSld>
+    <p:spTree>
+      <p:nvGrpSpPr>
+        <p:cNvPr id="1" name=""/>
+        <p:cNvGrpSpPr/>
+        <p:nvPr/>
+      </p:nvGrpSpPr>
+      <p:grpSpPr>
+        <a:xfrm>
+          <a:off x="0" y="0"/>
+          <a:ext cx="0" cy="0"/>
+          <a:chOff x="0" y="0"/>
+          <a:chExt cx="0" cy="0"/>
+        </a:xfrm>
+      </p:grpSpPr>
+      <p:sp>
+        <p:nvSpPr>
+          <p:cNvPr id="2" name="Título 1"/>
+          <p:cNvSpPr>
+            <a:spLocks noGrp="1"/>
+          </p:cNvSpPr>
+          <p:nvPr>
+            <p:ph type="title"/>
+          </p:nvPr>
+        </p:nvSpPr>
+        <p:spPr>
+          <a:xfrm>
+            <a:off x="467544" y="634008"/>
+            <a:ext cx="8229600" cy="1066800"/>
+          </a:xfrm>
+        </p:spPr>
+        <p:txBody>
+          <a:bodyPr>
+            <a:normAutofit/>
+          </a:bodyPr>
+          <a:lstStyle/>
+          <a:p>
+            <a:r>
+              <a:rPr lang="pt-PT" dirty="0" smtClean="0"/>
+              <a:t> Monitorização </a:t>
+            </a:r>
+            <a:endParaRPr lang="pt-PT" dirty="0"/>
+          </a:p>
+        </p:txBody>
+      </p:sp>
+      <p:sp>
+        <p:nvSpPr>
+          <p:cNvPr id="3" name="Marcador de Posição de Conteúdo 2"/>
+          <p:cNvSpPr>
+            <a:spLocks noGrp="1"/>
+          </p:cNvSpPr>
+          <p:nvPr>
+            <p:ph idx="1"/>
+          </p:nvPr>
+        </p:nvSpPr>
+        <p:spPr>
+          <a:xfrm>
+            <a:off x="179512" y="1840192"/>
+            <a:ext cx="8784976" cy="4325112"/>
+          </a:xfrm>
+        </p:spPr>
+        <p:txBody>
+          <a:bodyPr>
+            <a:normAutofit lnSpcReduction="10000"/>
+          </a:bodyPr>
+          <a:lstStyle/>
+          <a:p>
+            <a:r>
+              <a:rPr lang="pt-PT" dirty="0" smtClean="0"/>
+              <a:t>Abordagens (para as interacções de um processo)</a:t>
+            </a:r>
+          </a:p>
+          <a:p>
+            <a:pPr lvl="1"/>
+            <a:r>
+              <a:rPr lang="pt-PT" dirty="0"/>
+              <a:t>N</a:t>
+            </a:r>
+            <a:r>
+              <a:rPr lang="pt-PT" dirty="0" smtClean="0"/>
+              <a:t>ível utilizador (1)</a:t>
+            </a:r>
+          </a:p>
+          <a:p>
+            <a:pPr lvl="2"/>
+            <a:r>
+              <a:rPr lang="pt-PT" dirty="0" smtClean="0"/>
+              <a:t>Instrumentação do programa ou bibliotecas para obter a informação relevante</a:t>
+            </a:r>
+          </a:p>
+          <a:p>
+            <a:pPr lvl="2"/>
+            <a:endParaRPr lang="pt-PT" dirty="0" smtClean="0"/>
+          </a:p>
+          <a:p>
+            <a:pPr lvl="1"/>
+            <a:r>
+              <a:rPr lang="pt-PT" dirty="0" smtClean="0"/>
+              <a:t>Com auxílio do núcleo do sistema (2)</a:t>
+            </a:r>
+          </a:p>
+          <a:p>
+            <a:pPr lvl="2"/>
+            <a:r>
+              <a:rPr lang="pt-PT" dirty="0" smtClean="0"/>
+              <a:t>exemplo</a:t>
+            </a:r>
+            <a:r>
+              <a:rPr lang="en-US" dirty="0" smtClean="0"/>
+              <a:t>: </a:t>
+            </a:r>
+            <a:r>
+              <a:rPr lang="pt-PT" dirty="0" smtClean="0"/>
+              <a:t>captura de pacotes através da biblioteca </a:t>
+            </a:r>
+            <a:r>
+              <a:rPr lang="pt-PT" i="1" dirty="0" err="1" smtClean="0"/>
+              <a:t>PCap</a:t>
+            </a:r>
+            <a:r>
+              <a:rPr lang="pt-PT" dirty="0" smtClean="0"/>
+              <a:t> </a:t>
+            </a:r>
+            <a:endParaRPr lang="pt-PT" dirty="0"/>
+          </a:p>
+          <a:p>
+            <a:pPr lvl="2"/>
+            <a:r>
+              <a:rPr lang="pt-PT" dirty="0" smtClean="0"/>
+              <a:t>monitorização do processo para obter as alterações nas interacções via rede</a:t>
+            </a:r>
+          </a:p>
+          <a:p>
+            <a:pPr lvl="2"/>
+            <a:r>
+              <a:rPr lang="pt-PT" dirty="0" smtClean="0"/>
+              <a:t>filtrar a informação relevante</a:t>
+            </a:r>
+          </a:p>
+          <a:p>
+            <a:pPr lvl="8">
+              <a:buNone/>
+            </a:pPr>
+            <a:r>
+              <a:rPr lang="pt-PT" dirty="0" smtClean="0"/>
+              <a:t>		</a:t>
+            </a:r>
+            <a:endParaRPr lang="pt-PT" dirty="0"/>
+          </a:p>
+        </p:txBody>
+      </p:sp>
+      <p:sp>
+        <p:nvSpPr>
+          <p:cNvPr id="4" name="Marcador de Posição do Número do Diapositivo 3"/>
+          <p:cNvSpPr>
+            <a:spLocks noGrp="1"/>
+          </p:cNvSpPr>
+          <p:nvPr>
+            <p:ph type="sldNum" sz="quarter" idx="12"/>
+          </p:nvPr>
+        </p:nvSpPr>
+        <p:spPr/>
+        <p:txBody>
+          <a:bodyPr/>
+          <a:lstStyle/>
+          <a:p>
+            <a:fld id="{AC560869-1695-4081-8E6F-05D0DB8947D3}" type="slidenum">
+              <a:rPr lang="pt-PT" smtClean="0"/>
+              <a:pPr/>
+              <a:t>29</a:t>
+            </a:fld>
+            <a:endParaRPr lang="pt-PT"/>
+          </a:p>
+        </p:txBody>
+      </p:sp>
+    </p:spTree>
+  </p:cSld>
+  <p:clrMapOvr>
+    <a:masterClrMapping/>
+  </p:clrMapOvr>
+  <p:timing>
+    <p:tnLst>
+      <p:par>
+        <p:cTn id="1" dur="indefinite" restart="never" nodeType="tmRoot"/>
+      </p:par>
+    </p:tnLst>
+  </p:timing>
+</p:sld>
+</file>
+
+<file path=ppt/slides/slide3.xml><?xml version="1.0" encoding="utf-8"?>
+<p:sld xmlns:a="http://schemas.openxmlformats.org/drawingml/2006/main" xmlns:r="http://schemas.openxmlformats.org/officeDocument/2006/relationships" xmlns:p="http://schemas.openxmlformats.org/presentationml/2006/main">
+  <p:cSld>
+    <p:spTree>
+      <p:nvGrpSpPr>
+        <p:cNvPr id="1" name=""/>
+        <p:cNvGrpSpPr/>
+        <p:nvPr/>
+      </p:nvGrpSpPr>
+      <p:grpSpPr>
+        <a:xfrm>
+          <a:off x="0" y="0"/>
+          <a:ext cx="0" cy="0"/>
+          <a:chOff x="0" y="0"/>
+          <a:chExt cx="0" cy="0"/>
+        </a:xfrm>
+      </p:grpSpPr>
+      <p:sp>
+        <p:nvSpPr>
+          <p:cNvPr id="2" name="Título 1"/>
+          <p:cNvSpPr>
+            <a:spLocks noGrp="1"/>
+          </p:cNvSpPr>
+          <p:nvPr>
+            <p:ph type="title"/>
+          </p:nvPr>
+        </p:nvSpPr>
+        <p:spPr/>
+        <p:txBody>
+          <a:bodyPr/>
+          <a:lstStyle/>
+          <a:p>
+            <a:r>
+              <a:rPr lang="pt-PT" dirty="0" smtClean="0"/>
+              <a:t>Monitorização de rede (geral)</a:t>
+            </a:r>
+            <a:endParaRPr lang="pt-PT" dirty="0"/>
+          </a:p>
+        </p:txBody>
+      </p:sp>
+      <p:sp>
+        <p:nvSpPr>
+          <p:cNvPr id="3" name="Marcador de Posição de Conteúdo 2"/>
+          <p:cNvSpPr>
+            <a:spLocks noGrp="1"/>
+          </p:cNvSpPr>
+          <p:nvPr>
+            <p:ph idx="1"/>
+          </p:nvPr>
+        </p:nvSpPr>
+        <p:spPr/>
+        <p:txBody>
+          <a:bodyPr/>
+          <a:lstStyle/>
+          <a:p>
+            <a:endParaRPr lang="pt-PT"/>
+          </a:p>
+        </p:txBody>
+      </p:sp>
+      <p:sp>
+        <p:nvSpPr>
+          <p:cNvPr id="4" name="Marcador de Posição do Número do Diapositivo 3"/>
+          <p:cNvSpPr>
+            <a:spLocks noGrp="1"/>
+          </p:cNvSpPr>
+          <p:nvPr>
+            <p:ph type="sldNum" sz="quarter" idx="12"/>
+          </p:nvPr>
+        </p:nvSpPr>
+        <p:spPr/>
+        <p:txBody>
+          <a:bodyPr/>
+          <a:lstStyle/>
+          <a:p>
+            <a:fld id="{AC560869-1695-4081-8E6F-05D0DB8947D3}" type="slidenum">
+              <a:rPr lang="pt-PT" smtClean="0"/>
+              <a:pPr/>
+              <a:t>3</a:t>
+            </a:fld>
+            <a:endParaRPr lang="pt-PT"/>
+          </a:p>
+        </p:txBody>
+      </p:sp>
+    </p:spTree>
+  </p:cSld>
+  <p:clrMapOvr>
+    <a:masterClrMapping/>
+  </p:clrMapOvr>
+  <p:timing>
+    <p:tnLst>
+      <p:par>
+        <p:cTn id="1" dur="indefinite" restart="never" nodeType="tmRoot"/>
+      </p:par>
+    </p:tnLst>
+  </p:timing>
+</p:sld>
+</file>
+
+<file path=ppt/slides/slide30.xml><?xml version="1.0" encoding="utf-8"?>
+<p:sld xmlns:a="http://schemas.openxmlformats.org/drawingml/2006/main" xmlns:r="http://schemas.openxmlformats.org/officeDocument/2006/relationships" xmlns:p="http://schemas.openxmlformats.org/presentationml/2006/main">
+  <p:cSld>
+    <p:spTree>
+      <p:nvGrpSpPr>
+        <p:cNvPr id="1" name=""/>
+        <p:cNvGrpSpPr/>
+        <p:nvPr/>
+      </p:nvGrpSpPr>
+      <p:grpSpPr>
+        <a:xfrm>
+          <a:off x="0" y="0"/>
+          <a:ext cx="0" cy="0"/>
+          <a:chOff x="0" y="0"/>
+          <a:chExt cx="0" cy="0"/>
+        </a:xfrm>
+      </p:grpSpPr>
+      <p:sp>
+        <p:nvSpPr>
+          <p:cNvPr id="2" name="Título 1"/>
+          <p:cNvSpPr>
+            <a:spLocks noGrp="1"/>
+          </p:cNvSpPr>
+          <p:nvPr>
+            <p:ph type="title"/>
+          </p:nvPr>
+        </p:nvSpPr>
+        <p:spPr>
+          <a:xfrm>
+            <a:off x="457200" y="404664"/>
+            <a:ext cx="8229600" cy="1066800"/>
+          </a:xfrm>
+        </p:spPr>
+        <p:txBody>
+          <a:bodyPr/>
+          <a:lstStyle/>
+          <a:p>
+            <a:r>
+              <a:rPr lang="pt-PT" dirty="0" smtClean="0"/>
+              <a:t>Monitorização de rede</a:t>
+            </a:r>
+            <a:endParaRPr lang="pt-PT" dirty="0"/>
+          </a:p>
+        </p:txBody>
+      </p:sp>
+      <p:sp>
+        <p:nvSpPr>
+          <p:cNvPr id="3" name="Marcador de Posição de Conteúdo 2"/>
+          <p:cNvSpPr>
+            <a:spLocks noGrp="1"/>
+          </p:cNvSpPr>
+          <p:nvPr>
+            <p:ph idx="1"/>
+          </p:nvPr>
+        </p:nvSpPr>
+        <p:spPr>
+          <a:xfrm>
+            <a:off x="457200" y="1484784"/>
+            <a:ext cx="8229600" cy="4608512"/>
+          </a:xfrm>
+        </p:spPr>
+        <p:txBody>
+          <a:bodyPr>
+            <a:normAutofit fontScale="85000" lnSpcReduction="20000"/>
+          </a:bodyPr>
+          <a:lstStyle/>
+          <a:p>
+            <a:r>
+              <a:rPr lang="pt-PT" dirty="0"/>
+              <a:t>Monitorização do processo alvo </a:t>
+            </a:r>
+            <a:endParaRPr lang="pt-PT" dirty="0" smtClean="0"/>
+          </a:p>
+          <a:p>
+            <a:pPr lvl="1"/>
+            <a:r>
+              <a:rPr lang="en-US" dirty="0" smtClean="0"/>
+              <a:t>M</a:t>
+            </a:r>
+            <a:r>
+              <a:rPr lang="pt-PT" dirty="0" err="1" smtClean="0"/>
+              <a:t>anter</a:t>
+            </a:r>
+            <a:r>
+              <a:rPr lang="pt-PT" dirty="0" smtClean="0"/>
+              <a:t> actualizado o estado relativamente às interacções por rede (portos/</a:t>
+            </a:r>
+            <a:r>
+              <a:rPr lang="pt-PT" i="1" dirty="0" err="1" smtClean="0"/>
+              <a:t>sockets</a:t>
+            </a:r>
+            <a:r>
+              <a:rPr lang="pt-PT" dirty="0" smtClean="0"/>
+              <a:t>)</a:t>
+            </a:r>
+          </a:p>
+          <a:p>
+            <a:pPr lvl="2">
+              <a:buNone/>
+            </a:pPr>
+            <a:endParaRPr lang="pt-PT" dirty="0" smtClean="0"/>
+          </a:p>
+          <a:p>
+            <a:r>
+              <a:rPr lang="pt-PT" dirty="0" smtClean="0"/>
+              <a:t>Abordagem 1</a:t>
+            </a:r>
+          </a:p>
+          <a:p>
+            <a:pPr lvl="1"/>
+            <a:r>
+              <a:rPr lang="pt-PT" dirty="0"/>
+              <a:t>Instrumentação das funções de rede (</a:t>
+            </a:r>
+            <a:r>
+              <a:rPr lang="pt-PT" dirty="0" err="1" smtClean="0"/>
+              <a:t>p.e</a:t>
+            </a:r>
+            <a:r>
+              <a:rPr lang="pt-PT" dirty="0" smtClean="0"/>
+              <a:t> na </a:t>
+            </a:r>
+            <a:r>
+              <a:rPr lang="pt-PT" dirty="0" err="1" smtClean="0"/>
+              <a:t>libC</a:t>
+            </a:r>
+            <a:r>
+              <a:rPr lang="pt-PT" dirty="0" smtClean="0"/>
+              <a:t>) e capturar os dados relevantes no processo alvo</a:t>
+            </a:r>
+          </a:p>
+          <a:p>
+            <a:r>
+              <a:rPr lang="pt-PT" dirty="0" smtClean="0"/>
+              <a:t>Abordagem 2</a:t>
+            </a:r>
+          </a:p>
+          <a:p>
+            <a:pPr lvl="1"/>
+            <a:r>
+              <a:rPr lang="pt-PT" dirty="0"/>
+              <a:t>Instrumentação das funções de </a:t>
+            </a:r>
+            <a:r>
+              <a:rPr lang="pt-PT" dirty="0" smtClean="0"/>
+              <a:t>rede (</a:t>
+            </a:r>
+            <a:r>
+              <a:rPr lang="pt-PT" dirty="0" err="1"/>
+              <a:t>p.e</a:t>
+            </a:r>
+            <a:r>
+              <a:rPr lang="pt-PT" dirty="0"/>
+              <a:t> na </a:t>
+            </a:r>
+            <a:r>
+              <a:rPr lang="pt-PT" dirty="0" err="1"/>
+              <a:t>libC</a:t>
+            </a:r>
+            <a:r>
+              <a:rPr lang="pt-PT" dirty="0" smtClean="0"/>
+              <a:t>); </a:t>
+            </a:r>
+            <a:r>
+              <a:rPr lang="pt-PT" dirty="0"/>
+              <a:t>utilização do suporte do </a:t>
+            </a:r>
+            <a:r>
+              <a:rPr lang="pt-PT" dirty="0" err="1"/>
+              <a:t>ptrace</a:t>
+            </a:r>
+            <a:r>
+              <a:rPr lang="pt-PT" dirty="0"/>
+              <a:t>; instrumentação no núcleo das chamadas de rede (</a:t>
+            </a:r>
+            <a:r>
+              <a:rPr lang="pt-PT" dirty="0" err="1"/>
+              <a:t>p.e</a:t>
+            </a:r>
+            <a:r>
+              <a:rPr lang="pt-PT" dirty="0"/>
+              <a:t>. </a:t>
+            </a:r>
+            <a:r>
+              <a:rPr lang="en-US" i="1" dirty="0" smtClean="0"/>
+              <a:t>K</a:t>
+            </a:r>
+            <a:r>
+              <a:rPr lang="pt-PT" i="1" dirty="0" err="1" smtClean="0"/>
+              <a:t>Probes</a:t>
+            </a:r>
+            <a:r>
+              <a:rPr lang="pt-PT" dirty="0" smtClean="0"/>
+              <a:t>)</a:t>
+            </a:r>
+            <a:endParaRPr lang="pt-PT" dirty="0"/>
+          </a:p>
+          <a:p>
+            <a:pPr lvl="1"/>
+            <a:r>
+              <a:rPr lang="pt-PT" dirty="0" smtClean="0"/>
+              <a:t>Capturar todo o tráfego via </a:t>
+            </a:r>
+            <a:r>
+              <a:rPr lang="pt-PT" dirty="0" err="1" smtClean="0"/>
+              <a:t>PCap</a:t>
+            </a:r>
+            <a:r>
+              <a:rPr lang="pt-PT" dirty="0" smtClean="0"/>
+              <a:t> e filtrar com base no estado do processo</a:t>
+            </a:r>
+          </a:p>
+          <a:p>
+            <a:pPr lvl="1"/>
+            <a:r>
+              <a:rPr lang="pt-PT" dirty="0" smtClean="0"/>
+              <a:t>Ou tentar manter actualizado </a:t>
+            </a:r>
+            <a:r>
+              <a:rPr lang="pt-PT" dirty="0"/>
+              <a:t>o </a:t>
+            </a:r>
+            <a:r>
+              <a:rPr lang="pt-PT" dirty="0" smtClean="0"/>
+              <a:t>filtro LSF </a:t>
+            </a:r>
+            <a:r>
+              <a:rPr lang="pt-PT" dirty="0"/>
+              <a:t>no núcleo via </a:t>
+            </a:r>
+            <a:r>
+              <a:rPr lang="pt-PT" dirty="0" smtClean="0"/>
+              <a:t>a </a:t>
+            </a:r>
+            <a:r>
+              <a:rPr lang="pt-PT" smtClean="0"/>
+              <a:t>biblioteca PCap</a:t>
+            </a:r>
+            <a:endParaRPr lang="pt-PT" dirty="0"/>
+          </a:p>
+          <a:p>
+            <a:pPr lvl="1"/>
+            <a:endParaRPr lang="pt-PT" dirty="0"/>
+          </a:p>
+        </p:txBody>
+      </p:sp>
+      <p:sp>
+        <p:nvSpPr>
+          <p:cNvPr id="5" name="Marcador de Posição do Número do Diapositivo 4"/>
+          <p:cNvSpPr>
+            <a:spLocks noGrp="1"/>
+          </p:cNvSpPr>
+          <p:nvPr>
+            <p:ph type="sldNum" sz="quarter" idx="12"/>
+          </p:nvPr>
+        </p:nvSpPr>
+        <p:spPr/>
+        <p:txBody>
+          <a:bodyPr/>
+          <a:lstStyle/>
+          <a:p>
+            <a:fld id="{AC560869-1695-4081-8E6F-05D0DB8947D3}" type="slidenum">
+              <a:rPr lang="pt-PT" smtClean="0"/>
+              <a:pPr/>
+              <a:t>30</a:t>
+            </a:fld>
+            <a:endParaRPr lang="pt-PT"/>
+          </a:p>
+        </p:txBody>
+      </p:sp>
+    </p:spTree>
+  </p:cSld>
+  <p:clrMapOvr>
+    <a:masterClrMapping/>
+  </p:clrMapOvr>
+  <p:timing>
+    <p:tnLst>
+      <p:par>
+        <p:cTn id="1" dur="indefinite" restart="never" nodeType="tmRoot"/>
+      </p:par>
+    </p:tnLst>
+  </p:timing>
+</p:sld>
+</file>
+
 <file path=ppt/slides/slide4.xml><?xml version="1.0" encoding="utf-8"?>
 <p:sld xmlns:a="http://schemas.openxmlformats.org/drawingml/2006/main" xmlns:r="http://schemas.openxmlformats.org/officeDocument/2006/relationships" xmlns:p="http://schemas.openxmlformats.org/presentationml/2006/main">
   <p:cSld>
@@ -18753,8 +18607,8 @@
           <a:lstStyle/>
           <a:p>
             <a:r>
-              <a:rPr lang="pt-PT" dirty="0" smtClean="0"/>
-              <a:t>Motivação</a:t>
+              <a:rPr lang="pt-PT" smtClean="0"/>
+              <a:t>Problemas</a:t>
             </a:r>
             <a:endParaRPr lang="pt-PT" dirty="0"/>
           </a:p>
@@ -18948,21 +18802,19 @@
         </p:nvSpPr>
         <p:spPr>
           <a:xfrm>
-            <a:off x="467544" y="634008"/>
+            <a:off x="457200" y="404664"/>
             <a:ext cx="8229600" cy="1066800"/>
           </a:xfrm>
         </p:spPr>
         <p:txBody>
-          <a:bodyPr>
-            <a:normAutofit/>
-          </a:bodyPr>
-          <a:lstStyle/>
-          <a:p>
-            <a:r>
-              <a:rPr lang="pt-PT" dirty="0" smtClean="0"/>
-              <a:t> Monitorização </a:t>
-            </a:r>
-            <a:endParaRPr lang="pt-PT" dirty="0"/>
+          <a:bodyPr/>
+          <a:lstStyle/>
+          <a:p>
+            <a:r>
+              <a:rPr lang="pt-PT" smtClean="0"/>
+              <a:t>Monitorização de rede ( III )</a:t>
+            </a:r>
+            <a:endParaRPr lang="pt-PT"/>
           </a:p>
         </p:txBody>
       </p:sp>
@@ -18978,38 +18830,37 @@
         </p:nvSpPr>
         <p:spPr>
           <a:xfrm>
-            <a:off x="179512" y="1840192"/>
+            <a:off x="179512" y="1408144"/>
             <a:ext cx="8784976" cy="4325112"/>
           </a:xfrm>
         </p:spPr>
         <p:txBody>
-          <a:bodyPr>
-            <a:normAutofit lnSpcReduction="10000"/>
-          </a:bodyPr>
+          <a:bodyPr/>
           <a:lstStyle/>
           <a:p>
             <a:r>
               <a:rPr lang="pt-PT" dirty="0" smtClean="0"/>
-              <a:t>Abordagens (para as interacções de um processo)</a:t>
+              <a:t>Abordagem seguida</a:t>
             </a:r>
           </a:p>
           <a:p>
             <a:pPr lvl="1"/>
             <a:r>
-              <a:rPr lang="pt-PT" dirty="0"/>
-              <a:t>N</a:t>
-            </a:r>
+              <a:rPr lang="pt-PT" sz="2400" dirty="0" smtClean="0"/>
+              <a:t>Monitorização do processo alvo no núcleo</a:t>
+            </a:r>
+          </a:p>
+          <a:p>
+            <a:pPr lvl="2"/>
             <a:r>
               <a:rPr lang="pt-PT" dirty="0" smtClean="0"/>
-              <a:t>ível utilizador (1)</a:t>
-            </a:r>
-          </a:p>
-          <a:p>
-            <a:pPr lvl="2"/>
-            <a:r>
-              <a:rPr lang="pt-PT" dirty="0" smtClean="0"/>
-              <a:t>Instrumentação do programa ou bibliotecas para obter a informação relevante</a:t>
-            </a:r>
+              <a:t>Instrumentação das chamadas ao sistema através do </a:t>
+            </a:r>
+            <a:r>
+              <a:rPr lang="pt-PT" dirty="0" err="1" smtClean="0"/>
+              <a:t>KProbes</a:t>
+            </a:r>
+            <a:endParaRPr lang="pt-PT" dirty="0" smtClean="0"/>
           </a:p>
           <a:p>
             <a:pPr lvl="2"/>
@@ -19019,62 +18870,29 @@
             <a:pPr lvl="1"/>
             <a:r>
               <a:rPr lang="pt-PT" dirty="0" smtClean="0"/>
-              <a:t>Com auxílio do núcleo do sistema (2)</a:t>
+              <a:t>Criar um novo filtro no núcleo com base no suporte da monitorização do processo</a:t>
             </a:r>
           </a:p>
           <a:p>
             <a:pPr lvl="2"/>
             <a:r>
               <a:rPr lang="pt-PT" dirty="0" smtClean="0"/>
-              <a:t>exemplo</a:t>
-            </a:r>
-            <a:r>
-              <a:rPr lang="en-US" dirty="0" smtClean="0"/>
-              <a:t>: </a:t>
+              <a:t>Este novo filtro é uma conjunção do filtro estático definido pela </a:t>
+            </a:r>
+            <a:r>
+              <a:rPr lang="pt-PT" dirty="0" err="1" smtClean="0"/>
+              <a:t>libpcap</a:t>
             </a:r>
             <a:r>
               <a:rPr lang="pt-PT" dirty="0" smtClean="0"/>
-              <a:t>captura de pacotes através da biblioteca </a:t>
-            </a:r>
-            <a:r>
-              <a:rPr lang="pt-PT" i="1" dirty="0" err="1" smtClean="0"/>
-              <a:t>PCap</a:t>
-            </a:r>
-            <a:r>
-              <a:rPr lang="pt-PT" dirty="0" smtClean="0"/>
-              <a:t> </a:t>
-            </a:r>
-            <a:endParaRPr lang="pt-PT" dirty="0"/>
-          </a:p>
-          <a:p>
-            <a:pPr lvl="2"/>
-            <a:r>
-              <a:rPr lang="pt-PT" dirty="0" smtClean="0"/>
-              <a:t>monitorização do processo para obter as alterações nas interacções via rede</a:t>
-            </a:r>
-          </a:p>
-          <a:p>
-            <a:pPr lvl="2"/>
-            <a:r>
-              <a:rPr lang="pt-PT" dirty="0" smtClean="0"/>
-              <a:t>filtrar a informação relevante</a:t>
-            </a:r>
-          </a:p>
-          <a:p>
-            <a:pPr lvl="8">
-              <a:buNone/>
-            </a:pPr>
-            <a:r>
-              <a:rPr lang="pt-PT" dirty="0" smtClean="0"/>
-              <a:t>		</a:t>
-            </a:r>
-            <a:endParaRPr lang="pt-PT" dirty="0"/>
-          </a:p>
-        </p:txBody>
-      </p:sp>
-      <p:sp>
-        <p:nvSpPr>
-          <p:cNvPr id="4" name="Marcador de Posição do Número do Diapositivo 3"/>
+              <a:t> e a monitorização do processo no núcleo</a:t>
+            </a:r>
+          </a:p>
+        </p:txBody>
+      </p:sp>
+      <p:sp>
+        <p:nvSpPr>
+          <p:cNvPr id="5" name="Marcador de Posição do Número do Diapositivo 4"/>
           <p:cNvSpPr>
             <a:spLocks noGrp="1"/>
           </p:cNvSpPr>
@@ -19140,7 +18958,7 @@
         </p:nvSpPr>
         <p:spPr>
           <a:xfrm>
-            <a:off x="457200" y="404664"/>
+            <a:off x="395536" y="404664"/>
             <a:ext cx="8229600" cy="1066800"/>
           </a:xfrm>
         </p:spPr>
@@ -19149,10 +18967,14 @@
           <a:lstStyle/>
           <a:p>
             <a:r>
-              <a:rPr lang="pt-PT" dirty="0" smtClean="0"/>
-              <a:t>Monitorização de rede</a:t>
-            </a:r>
-            <a:endParaRPr lang="pt-PT" dirty="0"/>
+              <a:rPr lang="pt-PT" smtClean="0"/>
+              <a:t>Extensão do LSF/</a:t>
+            </a:r>
+            <a:r>
+              <a:rPr lang="pt-PT" err="1" smtClean="0"/>
+              <a:t>libPCap</a:t>
+            </a:r>
+            <a:endParaRPr lang="pt-PT"/>
           </a:p>
         </p:txBody>
       </p:sp>
@@ -19168,198 +18990,106 @@
         </p:nvSpPr>
         <p:spPr>
           <a:xfrm>
-            <a:off x="457200" y="1484784"/>
-            <a:ext cx="8229600" cy="4608512"/>
-          </a:xfrm>
-        </p:spPr>
-        <p:txBody>
-          <a:bodyPr>
-            <a:normAutofit fontScale="85000" lnSpcReduction="20000"/>
-          </a:bodyPr>
-          <a:lstStyle/>
-          <a:p>
-            <a:r>
-              <a:rPr lang="pt-PT" dirty="0"/>
-              <a:t>Monitorização do processo alvo </a:t>
-            </a:r>
-            <a:endParaRPr lang="pt-PT" dirty="0" smtClean="0"/>
+            <a:off x="457200" y="1480152"/>
+            <a:ext cx="8229600" cy="4325112"/>
+          </a:xfrm>
+        </p:spPr>
+        <p:txBody>
+          <a:bodyPr/>
+          <a:lstStyle/>
+          <a:p>
+            <a:r>
+              <a:rPr lang="en-US" smtClean="0"/>
+              <a:t>C</a:t>
+            </a:r>
+            <a:r>
+              <a:rPr lang="pt-PT" err="1" smtClean="0"/>
+              <a:t>aptura</a:t>
+            </a:r>
+            <a:r>
+              <a:rPr lang="pt-PT" smtClean="0"/>
+              <a:t> e filtragem por processo no núcleo</a:t>
+            </a:r>
           </a:p>
           <a:p>
             <a:pPr lvl="1"/>
             <a:r>
-              <a:rPr lang="en-US" dirty="0" smtClean="0"/>
+              <a:rPr lang="pt-PT" smtClean="0"/>
+              <a:t>Desafios</a:t>
+            </a:r>
+          </a:p>
+          <a:p>
+            <a:pPr lvl="2"/>
+            <a:r>
+              <a:rPr lang="pt-PT"/>
               <a:t>M</a:t>
             </a:r>
             <a:r>
-              <a:rPr lang="pt-PT" dirty="0" err="1" smtClean="0"/>
+              <a:rPr lang="pt-PT" smtClean="0"/>
+              <a:t>onitorização do processo no núcleo</a:t>
+            </a:r>
+          </a:p>
+          <a:p>
+            <a:pPr lvl="2"/>
+            <a:r>
+              <a:rPr lang="en-US" smtClean="0"/>
+              <a:t>M</a:t>
+            </a:r>
+            <a:r>
+              <a:rPr lang="pt-PT" err="1" smtClean="0"/>
               <a:t>anter</a:t>
             </a:r>
             <a:r>
-              <a:rPr lang="pt-PT" dirty="0" smtClean="0"/>
-              <a:t> actualizado o estado relativamente às interacções por rede (portos/</a:t>
-            </a:r>
-            <a:r>
-              <a:rPr lang="pt-PT" i="1" dirty="0" err="1" smtClean="0"/>
-              <a:t>sockets</a:t>
-            </a:r>
-            <a:r>
-              <a:rPr lang="pt-PT" dirty="0" smtClean="0"/>
-              <a:t>)</a:t>
-            </a:r>
-          </a:p>
-          <a:p>
-            <a:pPr lvl="2">
-              <a:buNone/>
-            </a:pPr>
-            <a:endParaRPr lang="pt-PT" dirty="0" smtClean="0"/>
-          </a:p>
-          <a:p>
-            <a:r>
-              <a:rPr lang="pt-PT" dirty="0" smtClean="0"/>
-              <a:t>Abordagem 1</a:t>
-            </a:r>
-          </a:p>
-          <a:p>
-            <a:pPr lvl="1"/>
-            <a:r>
-              <a:rPr lang="pt-PT" dirty="0"/>
-              <a:t>Instrumentação das funções de rede (</a:t>
-            </a:r>
-            <a:r>
-              <a:rPr lang="pt-PT" dirty="0" err="1" smtClean="0"/>
-              <a:t>p.e</a:t>
-            </a:r>
-            <a:r>
-              <a:rPr lang="pt-PT" dirty="0" smtClean="0"/>
-              <a:t> na </a:t>
-            </a:r>
-            <a:r>
-              <a:rPr lang="pt-PT" dirty="0" err="1" smtClean="0"/>
-              <a:t>libC</a:t>
-            </a:r>
-            <a:r>
-              <a:rPr lang="pt-PT" dirty="0" smtClean="0"/>
-              <a:t>) e capturar os dados relevantes no processo alvo</a:t>
-            </a:r>
-          </a:p>
-          <a:p>
-            <a:r>
-              <a:rPr lang="pt-PT" dirty="0" smtClean="0"/>
-              <a:t>Abordagem 2</a:t>
-            </a:r>
-          </a:p>
-          <a:p>
-            <a:pPr lvl="1"/>
-            <a:r>
-              <a:rPr lang="pt-PT" dirty="0"/>
-              <a:t>Instrumentação das funções de </a:t>
-            </a:r>
-            <a:r>
-              <a:rPr lang="pt-PT" dirty="0" smtClean="0"/>
-              <a:t>rede (</a:t>
-            </a:r>
-            <a:r>
-              <a:rPr lang="pt-PT" dirty="0" err="1"/>
-              <a:t>p.e</a:t>
-            </a:r>
-            <a:r>
-              <a:rPr lang="pt-PT" dirty="0"/>
-              <a:t> na </a:t>
-            </a:r>
-            <a:r>
-              <a:rPr lang="pt-PT" dirty="0" err="1"/>
-              <a:t>libC</a:t>
-            </a:r>
-            <a:r>
-              <a:rPr lang="pt-PT" dirty="0" smtClean="0"/>
-              <a:t>); </a:t>
-            </a:r>
-            <a:r>
-              <a:rPr lang="pt-PT" dirty="0"/>
-              <a:t>utilização do suporte do </a:t>
-            </a:r>
-            <a:r>
-              <a:rPr lang="pt-PT" dirty="0" err="1"/>
-              <a:t>ptrace</a:t>
-            </a:r>
-            <a:r>
-              <a:rPr lang="pt-PT" dirty="0"/>
-              <a:t>; instrumentação no núcleo das chamadas de rede (</a:t>
-            </a:r>
-            <a:r>
-              <a:rPr lang="pt-PT" dirty="0" err="1"/>
-              <a:t>p.e</a:t>
-            </a:r>
-            <a:r>
-              <a:rPr lang="pt-PT" dirty="0"/>
-              <a:t>. </a:t>
-            </a:r>
-            <a:r>
-              <a:rPr lang="en-US" i="1" dirty="0" smtClean="0"/>
-              <a:t>K</a:t>
-            </a:r>
-            <a:r>
-              <a:rPr lang="pt-PT" i="1" dirty="0" err="1" smtClean="0"/>
-              <a:t>Probes</a:t>
-            </a:r>
-            <a:r>
-              <a:rPr lang="pt-PT" dirty="0" smtClean="0"/>
-              <a:t>)</a:t>
-            </a:r>
-            <a:endParaRPr lang="pt-PT" dirty="0"/>
-          </a:p>
-          <a:p>
-            <a:pPr lvl="1"/>
-            <a:r>
-              <a:rPr lang="pt-PT" dirty="0" smtClean="0"/>
-              <a:t>Capturar todo o tráfego via </a:t>
-            </a:r>
-            <a:r>
-              <a:rPr lang="pt-PT" dirty="0" err="1" smtClean="0"/>
-              <a:t>PCap</a:t>
-            </a:r>
-            <a:r>
-              <a:rPr lang="pt-PT" dirty="0" smtClean="0"/>
-              <a:t> e filtrar com base no estado do processo</a:t>
-            </a:r>
-          </a:p>
-          <a:p>
-            <a:pPr lvl="1"/>
-            <a:r>
-              <a:rPr lang="pt-PT" dirty="0" smtClean="0"/>
-              <a:t>Ou tentar manter actualizado </a:t>
-            </a:r>
-            <a:r>
-              <a:rPr lang="pt-PT" dirty="0"/>
-              <a:t>o </a:t>
-            </a:r>
-            <a:r>
-              <a:rPr lang="pt-PT" dirty="0" smtClean="0"/>
-              <a:t>filtro LSF </a:t>
-            </a:r>
-            <a:r>
-              <a:rPr lang="pt-PT" dirty="0"/>
-              <a:t>no núcleo via </a:t>
-            </a:r>
-            <a:r>
-              <a:rPr lang="pt-PT" dirty="0" smtClean="0"/>
-              <a:t>a </a:t>
-            </a:r>
-            <a:r>
               <a:rPr lang="pt-PT" smtClean="0"/>
-              <a:t>biblioteca PCap</a:t>
-            </a:r>
-            <a:endParaRPr lang="pt-PT" dirty="0"/>
-          </a:p>
-          <a:p>
-            <a:pPr lvl="1"/>
-            <a:endParaRPr lang="pt-PT" dirty="0"/>
-          </a:p>
-        </p:txBody>
-      </p:sp>
-      <p:sp>
-        <p:nvSpPr>
-          <p:cNvPr id="5" name="Marcador de Posição do Número do Diapositivo 4"/>
+              <a:t> em tempo real o estado do processo alvo</a:t>
+            </a:r>
+          </a:p>
+          <a:p>
+            <a:pPr lvl="2"/>
+            <a:r>
+              <a:rPr lang="en-US" smtClean="0"/>
+              <a:t>C</a:t>
+            </a:r>
+            <a:r>
+              <a:rPr lang="pt-PT" err="1" smtClean="0"/>
+              <a:t>aptura</a:t>
+            </a:r>
+            <a:r>
+              <a:rPr lang="pt-PT" smtClean="0"/>
+              <a:t> no LSF com base no estado do processo</a:t>
+            </a:r>
+          </a:p>
+          <a:p>
+            <a:pPr lvl="2"/>
+            <a:r>
+              <a:rPr lang="pt-PT" smtClean="0"/>
+              <a:t>Manter compatibilidade com o sistema existente</a:t>
+            </a:r>
+          </a:p>
+          <a:p>
+            <a:pPr lvl="2"/>
+            <a:r>
+              <a:rPr lang="en-US" smtClean="0"/>
+              <a:t>M</a:t>
+            </a:r>
+            <a:r>
+              <a:rPr lang="pt-PT" err="1" smtClean="0"/>
+              <a:t>anter</a:t>
+            </a:r>
+            <a:r>
+              <a:rPr lang="pt-PT" smtClean="0"/>
+              <a:t> a perturbação/sobrecarga mínima, especialmente quando não utilizado</a:t>
+            </a:r>
+          </a:p>
+          <a:p>
+            <a:pPr lvl="2"/>
+            <a:endParaRPr lang="pt-PT"/>
+          </a:p>
+        </p:txBody>
+      </p:sp>
+      <p:sp>
+        <p:nvSpPr>
+          <p:cNvPr id="4" name="Marcador de Posição do Número do Diapositivo 3"/>
           <p:cNvSpPr>
             <a:spLocks noGrp="1"/>
           </p:cNvSpPr>
@@ -19435,7 +19165,7 @@
           <a:p>
             <a:r>
               <a:rPr lang="pt-PT" smtClean="0"/>
-              <a:t>Monitorização de rede ( III )</a:t>
+              <a:t>Arquitectura da solução</a:t>
             </a:r>
             <a:endParaRPr lang="pt-PT"/>
           </a:p>
@@ -19453,8 +19183,8 @@
         </p:nvSpPr>
         <p:spPr>
           <a:xfrm>
-            <a:off x="179512" y="1408144"/>
-            <a:ext cx="8784976" cy="4325112"/>
+            <a:off x="457200" y="1556792"/>
+            <a:ext cx="8229600" cy="4325112"/>
           </a:xfrm>
         </p:spPr>
         <p:txBody>
@@ -19462,54 +19192,72 @@
           <a:lstStyle/>
           <a:p>
             <a:r>
-              <a:rPr lang="pt-PT" dirty="0" smtClean="0"/>
-              <a:t>Abordagem seguida</a:t>
+              <a:rPr lang="pt-PT" smtClean="0"/>
+              <a:t>Dividido em 4 componentes</a:t>
+            </a:r>
+          </a:p>
+          <a:p>
+            <a:endParaRPr lang="pt-PT" smtClean="0"/>
+          </a:p>
+          <a:p>
+            <a:pPr lvl="1">
+              <a:buFont typeface="Arial" pitchFamily="34" charset="0"/>
+              <a:buChar char="•"/>
+            </a:pPr>
+            <a:r>
+              <a:rPr lang="pt-PT" smtClean="0"/>
+              <a:t> Instrumentação de chamadas ao sistema</a:t>
             </a:r>
           </a:p>
           <a:p>
             <a:pPr lvl="1"/>
-            <a:r>
-              <a:rPr lang="pt-PT" sz="2400" dirty="0" smtClean="0"/>
-              <a:t>Monitorização do processo alvo no núcleo</a:t>
-            </a:r>
-          </a:p>
-          <a:p>
-            <a:pPr lvl="2"/>
-            <a:r>
-              <a:rPr lang="pt-PT" dirty="0" smtClean="0"/>
-              <a:t>Instrumentação das chamadas ao sistema através do </a:t>
-            </a:r>
-            <a:r>
-              <a:rPr lang="pt-PT" dirty="0" err="1" smtClean="0"/>
-              <a:t>KProbes</a:t>
-            </a:r>
-            <a:endParaRPr lang="pt-PT" dirty="0" smtClean="0"/>
-          </a:p>
-          <a:p>
-            <a:pPr lvl="2"/>
-            <a:endParaRPr lang="pt-PT" dirty="0" smtClean="0"/>
+            <a:endParaRPr lang="pt-PT" smtClean="0"/>
+          </a:p>
+          <a:p>
+            <a:pPr lvl="1">
+              <a:buFont typeface="Arial" charset="0"/>
+              <a:buChar char="•"/>
+            </a:pPr>
+            <a:r>
+              <a:rPr lang="pt-PT" smtClean="0"/>
+              <a:t> Estado dos portos/</a:t>
+            </a:r>
+            <a:r>
+              <a:rPr lang="pt-PT" err="1" smtClean="0"/>
+              <a:t>sockets</a:t>
+            </a:r>
+            <a:endParaRPr lang="pt-PT" smtClean="0"/>
           </a:p>
           <a:p>
             <a:pPr lvl="1"/>
-            <a:r>
-              <a:rPr lang="pt-PT" dirty="0" smtClean="0"/>
-              <a:t>Criar um novo filtro no núcleo com base no suporte da monitorização do processo</a:t>
-            </a:r>
-          </a:p>
-          <a:p>
-            <a:pPr lvl="2"/>
-            <a:r>
-              <a:rPr lang="pt-PT" dirty="0" smtClean="0"/>
-              <a:t>Este novo filtro é uma conjunção do filtro estático definido pela </a:t>
-            </a:r>
-            <a:r>
-              <a:rPr lang="pt-PT" dirty="0" err="1" smtClean="0"/>
-              <a:t>libpcap</a:t>
-            </a:r>
-            <a:r>
-              <a:rPr lang="pt-PT" dirty="0" smtClean="0"/>
-              <a:t> e a monitorização do processo no núcleo</a:t>
-            </a:r>
+            <a:endParaRPr lang="pt-PT" smtClean="0"/>
+          </a:p>
+          <a:p>
+            <a:pPr lvl="1">
+              <a:buFont typeface="Arial" charset="0"/>
+              <a:buChar char="•"/>
+            </a:pPr>
+            <a:r>
+              <a:rPr lang="pt-PT" smtClean="0"/>
+              <a:t> Filtro de pacotes do LSF</a:t>
+            </a:r>
+          </a:p>
+          <a:p>
+            <a:pPr lvl="1"/>
+            <a:endParaRPr lang="pt-PT" smtClean="0"/>
+          </a:p>
+          <a:p>
+            <a:pPr lvl="1">
+              <a:buFont typeface="Arial" charset="0"/>
+              <a:buChar char="•"/>
+            </a:pPr>
+            <a:r>
+              <a:rPr lang="pt-PT" smtClean="0"/>
+              <a:t> Controlo / API</a:t>
+            </a:r>
+          </a:p>
+          <a:p>
+            <a:endParaRPr lang="pt-PT"/>
           </a:p>
         </p:txBody>
       </p:sp>
@@ -19581,7 +19329,7 @@
         </p:nvSpPr>
         <p:spPr>
           <a:xfrm>
-            <a:off x="395536" y="404664"/>
+            <a:off x="467544" y="476672"/>
             <a:ext cx="8229600" cy="1066800"/>
           </a:xfrm>
         </p:spPr>
@@ -19591,121 +19339,8 @@
           <a:p>
             <a:r>
               <a:rPr lang="pt-PT" smtClean="0"/>
-              <a:t>Extensão do LSF/</a:t>
-            </a:r>
-            <a:r>
-              <a:rPr lang="pt-PT" err="1" smtClean="0"/>
-              <a:t>libPCap</a:t>
-            </a:r>
-            <a:endParaRPr lang="pt-PT"/>
-          </a:p>
-        </p:txBody>
-      </p:sp>
-      <p:sp>
-        <p:nvSpPr>
-          <p:cNvPr id="3" name="Marcador de Posição de Conteúdo 2"/>
-          <p:cNvSpPr>
-            <a:spLocks noGrp="1"/>
-          </p:cNvSpPr>
-          <p:nvPr>
-            <p:ph idx="1"/>
-          </p:nvPr>
-        </p:nvSpPr>
-        <p:spPr>
-          <a:xfrm>
-            <a:off x="457200" y="1480152"/>
-            <a:ext cx="8229600" cy="4325112"/>
-          </a:xfrm>
-        </p:spPr>
-        <p:txBody>
-          <a:bodyPr/>
-          <a:lstStyle/>
-          <a:p>
-            <a:r>
-              <a:rPr lang="en-US" smtClean="0"/>
-              <a:t>C</a:t>
-            </a:r>
-            <a:r>
-              <a:rPr lang="pt-PT" err="1" smtClean="0"/>
-              <a:t>aptura</a:t>
-            </a:r>
-            <a:r>
-              <a:rPr lang="pt-PT" smtClean="0"/>
-              <a:t> e filtragem por processo no núcleo</a:t>
-            </a:r>
-          </a:p>
-          <a:p>
-            <a:pPr lvl="1"/>
-            <a:r>
-              <a:rPr lang="pt-PT" smtClean="0"/>
-              <a:t>Desafios</a:t>
-            </a:r>
-          </a:p>
-          <a:p>
-            <a:pPr lvl="2"/>
-            <a:r>
-              <a:rPr lang="pt-PT"/>
-              <a:t>M</a:t>
-            </a:r>
-            <a:r>
-              <a:rPr lang="pt-PT" smtClean="0"/>
-              <a:t>onitorização do processo no núcleo</a:t>
-            </a:r>
-          </a:p>
-          <a:p>
-            <a:pPr lvl="2"/>
-            <a:r>
-              <a:rPr lang="en-US" smtClean="0"/>
-              <a:t>M</a:t>
-            </a:r>
-            <a:r>
-              <a:rPr lang="pt-PT" err="1" smtClean="0"/>
-              <a:t>anter</a:t>
-            </a:r>
-            <a:r>
-              <a:rPr lang="pt-PT" smtClean="0"/>
-              <a:t> em tempo real o estado do processo alvo</a:t>
-            </a:r>
-          </a:p>
-          <a:p>
-            <a:pPr lvl="2"/>
-            <a:r>
-              <a:rPr lang="en-US" smtClean="0"/>
-              <a:t>C</a:t>
-            </a:r>
-            <a:r>
-              <a:rPr lang="pt-PT" err="1" smtClean="0"/>
-              <a:t>aptura</a:t>
-            </a:r>
-            <a:r>
-              <a:rPr lang="pt-PT" smtClean="0"/>
-              <a:t> no LSF com base no estado do processo</a:t>
-            </a:r>
-          </a:p>
-          <a:p>
-            <a:pPr lvl="2"/>
-            <a:r>
-              <a:rPr lang="pt-PT" smtClean="0"/>
-              <a:t>Manter compatibilidade com o sistema existente</a:t>
-            </a:r>
-          </a:p>
-          <a:p>
-            <a:pPr lvl="2"/>
-            <a:r>
-              <a:rPr lang="en-US" smtClean="0"/>
-              <a:t>M</a:t>
-            </a:r>
-            <a:r>
-              <a:rPr lang="pt-PT" err="1" smtClean="0"/>
-              <a:t>anter</a:t>
-            </a:r>
-            <a:r>
-              <a:rPr lang="pt-PT" smtClean="0"/>
-              <a:t> a perturbação/sobrecarga mínima, especialmente quando não utilizado</a:t>
-            </a:r>
-          </a:p>
-          <a:p>
-            <a:pPr lvl="2"/>
+              <a:t>Arquitectura da solução (II)</a:t>
+            </a:r>
             <a:endParaRPr lang="pt-PT"/>
           </a:p>
         </p:txBody>
@@ -19734,6 +19369,30 @@
           </a:p>
         </p:txBody>
       </p:sp>
+      <p:pic>
+        <p:nvPicPr>
+          <p:cNvPr id="6" name="Marcador de Posição de Conteúdo 5" descr="bitmap.png"/>
+          <p:cNvPicPr>
+            <a:picLocks noChangeAspect="1"/>
+          </p:cNvPicPr>
+          <p:nvPr/>
+        </p:nvPicPr>
+        <p:blipFill>
+          <a:blip r:embed="rId2" cstate="print"/>
+          <a:stretch>
+            <a:fillRect/>
+          </a:stretch>
+        </p:blipFill>
+        <p:spPr>
+          <a:xfrm>
+            <a:off x="1299179" y="1412776"/>
+            <a:ext cx="6259349" cy="5040560"/>
+          </a:xfrm>
+          <a:prstGeom prst="rect">
+            <a:avLst/>
+          </a:prstGeom>
+        </p:spPr>
+      </p:pic>
     </p:spTree>
   </p:cSld>
   <p:clrMapOvr>
@@ -19778,7 +19437,7 @@
         </p:nvSpPr>
         <p:spPr>
           <a:xfrm>
-            <a:off x="457200" y="404664"/>
+            <a:off x="-36512" y="273968"/>
             <a:ext cx="8229600" cy="1066800"/>
           </a:xfrm>
         </p:spPr>
@@ -19787,106 +19446,20 @@
           <a:lstStyle/>
           <a:p>
             <a:r>
-              <a:rPr lang="pt-PT" smtClean="0"/>
-              <a:t>Arquitectura da solução</a:t>
-            </a:r>
-            <a:endParaRPr lang="pt-PT"/>
-          </a:p>
-        </p:txBody>
-      </p:sp>
-      <p:sp>
-        <p:nvSpPr>
-          <p:cNvPr id="3" name="Marcador de Posição de Conteúdo 2"/>
-          <p:cNvSpPr>
-            <a:spLocks noGrp="1"/>
-          </p:cNvSpPr>
-          <p:nvPr>
-            <p:ph idx="1"/>
-          </p:nvPr>
-        </p:nvSpPr>
-        <p:spPr>
-          <a:xfrm>
-            <a:off x="457200" y="1556792"/>
-            <a:ext cx="8229600" cy="4325112"/>
-          </a:xfrm>
-        </p:spPr>
-        <p:txBody>
-          <a:bodyPr/>
-          <a:lstStyle/>
-          <a:p>
-            <a:r>
-              <a:rPr lang="pt-PT" smtClean="0"/>
-              <a:t>Dividido em 4 componentes</a:t>
-            </a:r>
-          </a:p>
-          <a:p>
-            <a:endParaRPr lang="pt-PT" smtClean="0"/>
-          </a:p>
-          <a:p>
-            <a:pPr lvl="1">
-              <a:buFont typeface="Arial" pitchFamily="34" charset="0"/>
-              <a:buChar char="•"/>
-            </a:pPr>
-            <a:r>
-              <a:rPr lang="pt-PT" smtClean="0"/>
-              <a:t> Instrumentação de chamadas ao sistema</a:t>
-            </a:r>
-          </a:p>
-          <a:p>
-            <a:pPr lvl="1"/>
-            <a:endParaRPr lang="pt-PT" smtClean="0"/>
-          </a:p>
-          <a:p>
-            <a:pPr lvl="1">
-              <a:buFont typeface="Arial" charset="0"/>
-              <a:buChar char="•"/>
-            </a:pPr>
-            <a:r>
-              <a:rPr lang="pt-PT" smtClean="0"/>
-              <a:t> Estado dos portos/</a:t>
-            </a:r>
-            <a:r>
-              <a:rPr lang="pt-PT" err="1" smtClean="0"/>
-              <a:t>sockets</a:t>
-            </a:r>
-            <a:endParaRPr lang="pt-PT" smtClean="0"/>
-          </a:p>
-          <a:p>
-            <a:pPr lvl="1"/>
-            <a:endParaRPr lang="pt-PT" smtClean="0"/>
-          </a:p>
-          <a:p>
-            <a:pPr lvl="1">
-              <a:buFont typeface="Arial" charset="0"/>
-              <a:buChar char="•"/>
-            </a:pPr>
-            <a:r>
-              <a:rPr lang="pt-PT" smtClean="0"/>
-              <a:t> Filtro de pacotes do LSF</a:t>
-            </a:r>
-          </a:p>
-          <a:p>
-            <a:pPr lvl="1"/>
-            <a:endParaRPr lang="pt-PT" smtClean="0"/>
-          </a:p>
-          <a:p>
-            <a:pPr lvl="1">
-              <a:buFont typeface="Arial" charset="0"/>
-              <a:buChar char="•"/>
-            </a:pPr>
-            <a:r>
-              <a:rPr lang="pt-PT" smtClean="0"/>
-              <a:t> Controlo / API</a:t>
-            </a:r>
-          </a:p>
-          <a:p>
-            <a:endParaRPr lang="pt-PT"/>
-          </a:p>
-        </p:txBody>
-      </p:sp>
-      <p:sp>
-        <p:nvSpPr>
-          <p:cNvPr id="5" name="Marcador de Posição do Número do Diapositivo 4"/>
+              <a:rPr lang="pt-PT" dirty="0" err="1" smtClean="0"/>
+              <a:t>Arquitectura</a:t>
+            </a:r>
+            <a:r>
+              <a:rPr lang="pt-PT" dirty="0" smtClean="0"/>
+              <a:t> da solução (II)</a:t>
+            </a:r>
+            <a:endParaRPr lang="pt-PT" dirty="0"/>
+          </a:p>
+        </p:txBody>
+      </p:sp>
+      <p:sp>
+        <p:nvSpPr>
+          <p:cNvPr id="4" name="Marcador de Posição do Número do Diapositivo 3"/>
           <p:cNvSpPr>
             <a:spLocks noGrp="1"/>
           </p:cNvSpPr>
@@ -19908,6 +19481,482 @@
           </a:p>
         </p:txBody>
       </p:sp>
+      <p:sp>
+        <p:nvSpPr>
+          <p:cNvPr id="5" name="Rectângulo 4"/>
+          <p:cNvSpPr/>
+          <p:nvPr/>
+        </p:nvSpPr>
+        <p:spPr>
+          <a:xfrm>
+            <a:off x="1619672" y="1628800"/>
+            <a:ext cx="1368152" cy="216024"/>
+          </a:xfrm>
+          <a:prstGeom prst="rect">
+            <a:avLst/>
+          </a:prstGeom>
+          <a:noFill/>
+        </p:spPr>
+        <p:style>
+          <a:lnRef idx="2">
+            <a:schemeClr val="accent1">
+              <a:shade val="50000"/>
+            </a:schemeClr>
+          </a:lnRef>
+          <a:fillRef idx="1">
+            <a:schemeClr val="accent1"/>
+          </a:fillRef>
+          <a:effectRef idx="0">
+            <a:schemeClr val="accent1"/>
+          </a:effectRef>
+          <a:fontRef idx="minor">
+            <a:schemeClr val="lt1"/>
+          </a:fontRef>
+        </p:style>
+        <p:txBody>
+          <a:bodyPr rtlCol="0" anchor="ctr"/>
+          <a:lstStyle/>
+          <a:p>
+            <a:pPr algn="ctr"/>
+            <a:endParaRPr lang="pt-PT"/>
+          </a:p>
+        </p:txBody>
+      </p:sp>
+      <p:sp>
+        <p:nvSpPr>
+          <p:cNvPr id="10" name="Rectângulo 9"/>
+          <p:cNvSpPr/>
+          <p:nvPr/>
+        </p:nvSpPr>
+        <p:spPr>
+          <a:xfrm>
+            <a:off x="683568" y="2276872"/>
+            <a:ext cx="4824536" cy="216024"/>
+          </a:xfrm>
+          <a:prstGeom prst="rect">
+            <a:avLst/>
+          </a:prstGeom>
+          <a:noFill/>
+        </p:spPr>
+        <p:style>
+          <a:lnRef idx="2">
+            <a:schemeClr val="accent1">
+              <a:shade val="50000"/>
+            </a:schemeClr>
+          </a:lnRef>
+          <a:fillRef idx="1">
+            <a:schemeClr val="accent1"/>
+          </a:fillRef>
+          <a:effectRef idx="0">
+            <a:schemeClr val="accent1"/>
+          </a:effectRef>
+          <a:fontRef idx="minor">
+            <a:schemeClr val="lt1"/>
+          </a:fontRef>
+        </p:style>
+        <p:txBody>
+          <a:bodyPr rtlCol="0" anchor="ctr"/>
+          <a:lstStyle/>
+          <a:p>
+            <a:pPr algn="ctr"/>
+            <a:endParaRPr lang="pt-PT"/>
+          </a:p>
+        </p:txBody>
+      </p:sp>
+      <p:sp>
+        <p:nvSpPr>
+          <p:cNvPr id="11" name="Rectângulo 10"/>
+          <p:cNvSpPr/>
+          <p:nvPr/>
+        </p:nvSpPr>
+        <p:spPr>
+          <a:xfrm>
+            <a:off x="539552" y="3861048"/>
+            <a:ext cx="1368152" cy="720080"/>
+          </a:xfrm>
+          <a:prstGeom prst="rect">
+            <a:avLst/>
+          </a:prstGeom>
+          <a:noFill/>
+        </p:spPr>
+        <p:style>
+          <a:lnRef idx="2">
+            <a:schemeClr val="accent1">
+              <a:shade val="50000"/>
+            </a:schemeClr>
+          </a:lnRef>
+          <a:fillRef idx="1">
+            <a:schemeClr val="accent1"/>
+          </a:fillRef>
+          <a:effectRef idx="0">
+            <a:schemeClr val="accent1"/>
+          </a:effectRef>
+          <a:fontRef idx="minor">
+            <a:schemeClr val="lt1"/>
+          </a:fontRef>
+        </p:style>
+        <p:txBody>
+          <a:bodyPr rtlCol="0" anchor="ctr"/>
+          <a:lstStyle/>
+          <a:p>
+            <a:pPr algn="ctr"/>
+            <a:endParaRPr lang="pt-PT"/>
+          </a:p>
+        </p:txBody>
+      </p:sp>
+      <p:sp>
+        <p:nvSpPr>
+          <p:cNvPr id="12" name="Rectângulo 11"/>
+          <p:cNvSpPr/>
+          <p:nvPr/>
+        </p:nvSpPr>
+        <p:spPr>
+          <a:xfrm>
+            <a:off x="2051720" y="3861048"/>
+            <a:ext cx="1368152" cy="720080"/>
+          </a:xfrm>
+          <a:prstGeom prst="rect">
+            <a:avLst/>
+          </a:prstGeom>
+          <a:noFill/>
+        </p:spPr>
+        <p:style>
+          <a:lnRef idx="2">
+            <a:schemeClr val="accent1">
+              <a:shade val="50000"/>
+            </a:schemeClr>
+          </a:lnRef>
+          <a:fillRef idx="1">
+            <a:schemeClr val="accent1"/>
+          </a:fillRef>
+          <a:effectRef idx="0">
+            <a:schemeClr val="accent1"/>
+          </a:effectRef>
+          <a:fontRef idx="minor">
+            <a:schemeClr val="lt1"/>
+          </a:fontRef>
+        </p:style>
+        <p:txBody>
+          <a:bodyPr rtlCol="0" anchor="ctr"/>
+          <a:lstStyle/>
+          <a:p>
+            <a:pPr algn="ctr"/>
+            <a:endParaRPr lang="pt-PT"/>
+          </a:p>
+        </p:txBody>
+      </p:sp>
+      <p:sp>
+        <p:nvSpPr>
+          <p:cNvPr id="13" name="Rectângulo 12"/>
+          <p:cNvSpPr/>
+          <p:nvPr/>
+        </p:nvSpPr>
+        <p:spPr>
+          <a:xfrm>
+            <a:off x="3635896" y="3861048"/>
+            <a:ext cx="1368152" cy="720080"/>
+          </a:xfrm>
+          <a:prstGeom prst="rect">
+            <a:avLst/>
+          </a:prstGeom>
+          <a:noFill/>
+        </p:spPr>
+        <p:style>
+          <a:lnRef idx="2">
+            <a:schemeClr val="accent1">
+              <a:shade val="50000"/>
+            </a:schemeClr>
+          </a:lnRef>
+          <a:fillRef idx="1">
+            <a:schemeClr val="accent1"/>
+          </a:fillRef>
+          <a:effectRef idx="0">
+            <a:schemeClr val="accent1"/>
+          </a:effectRef>
+          <a:fontRef idx="minor">
+            <a:schemeClr val="lt1"/>
+          </a:fontRef>
+        </p:style>
+        <p:txBody>
+          <a:bodyPr rtlCol="0" anchor="ctr"/>
+          <a:lstStyle/>
+          <a:p>
+            <a:pPr algn="ctr"/>
+            <a:endParaRPr lang="pt-PT"/>
+          </a:p>
+        </p:txBody>
+      </p:sp>
+      <p:sp>
+        <p:nvSpPr>
+          <p:cNvPr id="14" name="Rectângulo 13"/>
+          <p:cNvSpPr/>
+          <p:nvPr/>
+        </p:nvSpPr>
+        <p:spPr>
+          <a:xfrm>
+            <a:off x="1259632" y="2996952"/>
+            <a:ext cx="1080120" cy="360040"/>
+          </a:xfrm>
+          <a:prstGeom prst="rect">
+            <a:avLst/>
+          </a:prstGeom>
+          <a:noFill/>
+        </p:spPr>
+        <p:style>
+          <a:lnRef idx="2">
+            <a:schemeClr val="accent1">
+              <a:shade val="50000"/>
+            </a:schemeClr>
+          </a:lnRef>
+          <a:fillRef idx="1">
+            <a:schemeClr val="accent1"/>
+          </a:fillRef>
+          <a:effectRef idx="0">
+            <a:schemeClr val="accent1"/>
+          </a:effectRef>
+          <a:fontRef idx="minor">
+            <a:schemeClr val="lt1"/>
+          </a:fontRef>
+        </p:style>
+        <p:txBody>
+          <a:bodyPr rtlCol="0" anchor="ctr"/>
+          <a:lstStyle/>
+          <a:p>
+            <a:pPr algn="ctr"/>
+            <a:endParaRPr lang="pt-PT"/>
+          </a:p>
+        </p:txBody>
+      </p:sp>
+      <p:sp>
+        <p:nvSpPr>
+          <p:cNvPr id="15" name="Rectângulo 14"/>
+          <p:cNvSpPr/>
+          <p:nvPr/>
+        </p:nvSpPr>
+        <p:spPr>
+          <a:xfrm>
+            <a:off x="6012160" y="2276872"/>
+            <a:ext cx="1368152" cy="2304256"/>
+          </a:xfrm>
+          <a:prstGeom prst="rect">
+            <a:avLst/>
+          </a:prstGeom>
+          <a:noFill/>
+        </p:spPr>
+        <p:style>
+          <a:lnRef idx="2">
+            <a:schemeClr val="accent1">
+              <a:shade val="50000"/>
+            </a:schemeClr>
+          </a:lnRef>
+          <a:fillRef idx="1">
+            <a:schemeClr val="accent1"/>
+          </a:fillRef>
+          <a:effectRef idx="0">
+            <a:schemeClr val="accent1"/>
+          </a:effectRef>
+          <a:fontRef idx="minor">
+            <a:schemeClr val="lt1"/>
+          </a:fontRef>
+        </p:style>
+        <p:txBody>
+          <a:bodyPr rtlCol="0" anchor="ctr"/>
+          <a:lstStyle/>
+          <a:p>
+            <a:pPr algn="ctr"/>
+            <a:endParaRPr lang="pt-PT"/>
+          </a:p>
+        </p:txBody>
+      </p:sp>
+      <p:sp>
+        <p:nvSpPr>
+          <p:cNvPr id="16" name="Rectângulo 15"/>
+          <p:cNvSpPr/>
+          <p:nvPr/>
+        </p:nvSpPr>
+        <p:spPr>
+          <a:xfrm>
+            <a:off x="6012160" y="4005064"/>
+            <a:ext cx="1368152" cy="216024"/>
+          </a:xfrm>
+          <a:prstGeom prst="rect">
+            <a:avLst/>
+          </a:prstGeom>
+          <a:noFill/>
+        </p:spPr>
+        <p:style>
+          <a:lnRef idx="2">
+            <a:schemeClr val="accent1">
+              <a:shade val="50000"/>
+            </a:schemeClr>
+          </a:lnRef>
+          <a:fillRef idx="1">
+            <a:schemeClr val="accent1"/>
+          </a:fillRef>
+          <a:effectRef idx="0">
+            <a:schemeClr val="accent1"/>
+          </a:effectRef>
+          <a:fontRef idx="minor">
+            <a:schemeClr val="lt1"/>
+          </a:fontRef>
+        </p:style>
+        <p:txBody>
+          <a:bodyPr rtlCol="0" anchor="ctr"/>
+          <a:lstStyle/>
+          <a:p>
+            <a:pPr algn="ctr"/>
+            <a:endParaRPr lang="pt-PT"/>
+          </a:p>
+        </p:txBody>
+      </p:sp>
+      <p:sp>
+        <p:nvSpPr>
+          <p:cNvPr id="17" name="Rectângulo 16"/>
+          <p:cNvSpPr/>
+          <p:nvPr/>
+        </p:nvSpPr>
+        <p:spPr>
+          <a:xfrm>
+            <a:off x="6372200" y="3356992"/>
+            <a:ext cx="720080" cy="432048"/>
+          </a:xfrm>
+          <a:prstGeom prst="rect">
+            <a:avLst/>
+          </a:prstGeom>
+          <a:noFill/>
+        </p:spPr>
+        <p:style>
+          <a:lnRef idx="2">
+            <a:schemeClr val="accent1">
+              <a:shade val="50000"/>
+            </a:schemeClr>
+          </a:lnRef>
+          <a:fillRef idx="1">
+            <a:schemeClr val="accent1"/>
+          </a:fillRef>
+          <a:effectRef idx="0">
+            <a:schemeClr val="accent1"/>
+          </a:effectRef>
+          <a:fontRef idx="minor">
+            <a:schemeClr val="lt1"/>
+          </a:fontRef>
+        </p:style>
+        <p:txBody>
+          <a:bodyPr rtlCol="0" anchor="ctr"/>
+          <a:lstStyle/>
+          <a:p>
+            <a:pPr algn="ctr"/>
+            <a:endParaRPr lang="pt-PT"/>
+          </a:p>
+        </p:txBody>
+      </p:sp>
+      <p:sp>
+        <p:nvSpPr>
+          <p:cNvPr id="18" name="Rectângulo 17"/>
+          <p:cNvSpPr/>
+          <p:nvPr/>
+        </p:nvSpPr>
+        <p:spPr>
+          <a:xfrm>
+            <a:off x="6012160" y="1196752"/>
+            <a:ext cx="1800200" cy="648072"/>
+          </a:xfrm>
+          <a:prstGeom prst="rect">
+            <a:avLst/>
+          </a:prstGeom>
+          <a:noFill/>
+        </p:spPr>
+        <p:style>
+          <a:lnRef idx="2">
+            <a:schemeClr val="accent1">
+              <a:shade val="50000"/>
+            </a:schemeClr>
+          </a:lnRef>
+          <a:fillRef idx="1">
+            <a:schemeClr val="accent1"/>
+          </a:fillRef>
+          <a:effectRef idx="0">
+            <a:schemeClr val="accent1"/>
+          </a:effectRef>
+          <a:fontRef idx="minor">
+            <a:schemeClr val="lt1"/>
+          </a:fontRef>
+        </p:style>
+        <p:txBody>
+          <a:bodyPr rtlCol="0" anchor="ctr"/>
+          <a:lstStyle/>
+          <a:p>
+            <a:pPr algn="ctr"/>
+            <a:endParaRPr lang="pt-PT"/>
+          </a:p>
+        </p:txBody>
+      </p:sp>
+      <p:cxnSp>
+        <p:nvCxnSpPr>
+          <p:cNvPr id="20" name="Conexão recta 19"/>
+          <p:cNvCxnSpPr/>
+          <p:nvPr/>
+        </p:nvCxnSpPr>
+        <p:spPr>
+          <a:xfrm>
+            <a:off x="395536" y="1988840"/>
+            <a:ext cx="7632848" cy="0"/>
+          </a:xfrm>
+          <a:prstGeom prst="line">
+            <a:avLst/>
+          </a:prstGeom>
+          <a:ln w="19050">
+            <a:prstDash val="sysDash"/>
+          </a:ln>
+        </p:spPr>
+        <p:style>
+          <a:lnRef idx="1">
+            <a:schemeClr val="accent1"/>
+          </a:lnRef>
+          <a:fillRef idx="0">
+            <a:schemeClr val="accent1"/>
+          </a:fillRef>
+          <a:effectRef idx="0">
+            <a:schemeClr val="accent1"/>
+          </a:effectRef>
+          <a:fontRef idx="minor">
+            <a:schemeClr val="tx1"/>
+          </a:fontRef>
+        </p:style>
+      </p:cxnSp>
+      <p:cxnSp>
+        <p:nvCxnSpPr>
+          <p:cNvPr id="19" name="Conexão recta 18"/>
+          <p:cNvCxnSpPr/>
+          <p:nvPr/>
+        </p:nvCxnSpPr>
+        <p:spPr>
+          <a:xfrm>
+            <a:off x="395536" y="5013176"/>
+            <a:ext cx="7632848" cy="0"/>
+          </a:xfrm>
+          <a:prstGeom prst="line">
+            <a:avLst/>
+          </a:prstGeom>
+          <a:ln w="19050">
+            <a:prstDash val="sysDash"/>
+          </a:ln>
+        </p:spPr>
+        <p:style>
+          <a:lnRef idx="1">
+            <a:schemeClr val="accent1"/>
+          </a:lnRef>
+          <a:fillRef idx="0">
+            <a:schemeClr val="accent1"/>
+          </a:fillRef>
+          <a:effectRef idx="0">
+            <a:schemeClr val="accent1"/>
+          </a:effectRef>
+          <a:fontRef idx="minor">
+            <a:schemeClr val="tx1"/>
+          </a:fontRef>
+        </p:style>
+      </p:cxnSp>
     </p:spTree>
   </p:cSld>
   <p:clrMapOvr>

--- a/doc/apresentacao_dissertacao.pptx
+++ b/doc/apresentacao_dissertacao.pptx
@@ -211,7 +211,7 @@
                   <c:v>89.797500000000127</c:v>
                 </c:pt>
                 <c:pt idx="4">
-                  <c:v>182.1573000000003</c:v>
+                  <c:v>182.15730000000033</c:v>
                 </c:pt>
                 <c:pt idx="5">
                   <c:v>179.49300000000002</c:v>
@@ -279,7 +279,7 @@
                   <c:v>89.800699999999992</c:v>
                 </c:pt>
                 <c:pt idx="4">
-                  <c:v>188.7155999999996</c:v>
+                  <c:v>188.71559999999957</c:v>
                 </c:pt>
                 <c:pt idx="5">
                   <c:v>179.62800000000001</c:v>
@@ -341,7 +341,7 @@
                   <c:v>91.667400000000001</c:v>
                 </c:pt>
                 <c:pt idx="2">
-                  <c:v>91.267200000000216</c:v>
+                  <c:v>91.26720000000023</c:v>
                 </c:pt>
                 <c:pt idx="3">
                   <c:v>89.846400000000003</c:v>
@@ -356,11 +356,11 @@
             </c:numRef>
           </c:val>
         </c:ser>
-        <c:axId val="64951424"/>
-        <c:axId val="64953344"/>
+        <c:axId val="71386240"/>
+        <c:axId val="71388160"/>
       </c:barChart>
       <c:catAx>
-        <c:axId val="64951424"/>
+        <c:axId val="71386240"/>
         <c:scaling>
           <c:orientation val="minMax"/>
         </c:scaling>
@@ -385,21 +385,21 @@
             <c:manualLayout>
               <c:xMode val="edge"/>
               <c:yMode val="edge"/>
-              <c:x val="0.44432432805294991"/>
+              <c:x val="0.44432432805295002"/>
               <c:y val="0.88981208334873663"/>
             </c:manualLayout>
           </c:layout>
         </c:title>
         <c:numFmt formatCode="General" sourceLinked="1"/>
         <c:tickLblPos val="nextTo"/>
-        <c:crossAx val="64953344"/>
+        <c:crossAx val="71388160"/>
         <c:crosses val="autoZero"/>
         <c:auto val="1"/>
         <c:lblAlgn val="ctr"/>
         <c:lblOffset val="100"/>
       </c:catAx>
       <c:valAx>
-        <c:axId val="64953344"/>
+        <c:axId val="71388160"/>
         <c:scaling>
           <c:orientation val="minMax"/>
         </c:scaling>
@@ -426,20 +426,19 @@
               <c:xMode val="edge"/>
               <c:yMode val="edge"/>
               <c:x val="1.4212132813227503E-2"/>
-              <c:y val="0.33453895727822852"/>
+              <c:y val="0.33453895727822858"/>
             </c:manualLayout>
           </c:layout>
         </c:title>
         <c:numFmt formatCode="0.0" sourceLinked="0"/>
         <c:tickLblPos val="nextTo"/>
-        <c:crossAx val="64951424"/>
+        <c:crossAx val="71386240"/>
         <c:crosses val="autoZero"/>
         <c:crossBetween val="between"/>
       </c:valAx>
     </c:plotArea>
     <c:legend>
       <c:legendPos val="r"/>
-      <c:layout/>
     </c:legend>
     <c:plotVisOnly val="1"/>
     <c:dispBlanksAs val="gap"/>
@@ -492,7 +491,7 @@
                 <c:formatCode>0.0000</c:formatCode>
                 <c:ptCount val="2"/>
                 <c:pt idx="0">
-                  <c:v>182.1573000000003</c:v>
+                  <c:v>182.15730000000033</c:v>
                 </c:pt>
                 <c:pt idx="1">
                   <c:v>179.49300000000002</c:v>
@@ -536,7 +535,7 @@
                 <c:formatCode>General</c:formatCode>
                 <c:ptCount val="2"/>
                 <c:pt idx="0">
-                  <c:v>188.7155999999996</c:v>
+                  <c:v>188.71559999999957</c:v>
                 </c:pt>
                 <c:pt idx="1">
                   <c:v>179.62800000000001</c:v>
@@ -589,11 +588,11 @@
             </c:numRef>
           </c:val>
         </c:ser>
-        <c:axId val="66355968"/>
-        <c:axId val="66357888"/>
+        <c:axId val="72254208"/>
+        <c:axId val="72256128"/>
       </c:barChart>
       <c:catAx>
-        <c:axId val="66355968"/>
+        <c:axId val="72254208"/>
         <c:scaling>
           <c:orientation val="minMax"/>
         </c:scaling>
@@ -614,18 +613,17 @@
               </a:p>
             </c:rich>
           </c:tx>
-          <c:layout/>
         </c:title>
         <c:numFmt formatCode="General" sourceLinked="1"/>
         <c:tickLblPos val="nextTo"/>
-        <c:crossAx val="66357888"/>
+        <c:crossAx val="72256128"/>
         <c:crosses val="autoZero"/>
         <c:auto val="1"/>
         <c:lblAlgn val="ctr"/>
         <c:lblOffset val="100"/>
       </c:catAx>
       <c:valAx>
-        <c:axId val="66357888"/>
+        <c:axId val="72256128"/>
         <c:scaling>
           <c:orientation val="minMax"/>
         </c:scaling>
@@ -652,18 +650,16 @@
               </a:p>
             </c:rich>
           </c:tx>
-          <c:layout/>
         </c:title>
         <c:numFmt formatCode="0.0" sourceLinked="0"/>
         <c:tickLblPos val="nextTo"/>
-        <c:crossAx val="66355968"/>
+        <c:crossAx val="72254208"/>
         <c:crosses val="autoZero"/>
         <c:crossBetween val="between"/>
       </c:valAx>
     </c:plotArea>
     <c:legend>
       <c:legendPos val="r"/>
-      <c:layout/>
     </c:legend>
     <c:plotVisOnly val="1"/>
     <c:dispBlanksAs val="gap"/>
@@ -737,7 +733,7 @@
                   <c:v>0.13730000000000001</c:v>
                 </c:pt>
                 <c:pt idx="3">
-                  <c:v>3.6000000000000055E-3</c:v>
+                  <c:v>3.600000000000006E-3</c:v>
                 </c:pt>
                 <c:pt idx="4">
                   <c:v>3.6003000000000012</c:v>
@@ -817,11 +813,11 @@
             </c:numRef>
           </c:val>
         </c:ser>
-        <c:axId val="66379136"/>
-        <c:axId val="65082880"/>
+        <c:axId val="72285568"/>
+        <c:axId val="71775744"/>
       </c:barChart>
       <c:catAx>
-        <c:axId val="66379136"/>
+        <c:axId val="72285568"/>
         <c:scaling>
           <c:orientation val="minMax"/>
         </c:scaling>
@@ -842,18 +838,17 @@
               </a:p>
             </c:rich>
           </c:tx>
-          <c:layout/>
         </c:title>
         <c:numFmt formatCode="General" sourceLinked="1"/>
         <c:tickLblPos val="nextTo"/>
-        <c:crossAx val="65082880"/>
+        <c:crossAx val="71775744"/>
         <c:crosses val="autoZero"/>
         <c:auto val="1"/>
         <c:lblAlgn val="ctr"/>
         <c:lblOffset val="100"/>
       </c:catAx>
       <c:valAx>
-        <c:axId val="65082880"/>
+        <c:axId val="71775744"/>
         <c:scaling>
           <c:orientation val="minMax"/>
         </c:scaling>
@@ -880,14 +875,14 @@
             <c:manualLayout>
               <c:xMode val="edge"/>
               <c:yMode val="edge"/>
-              <c:x val="0.31962265575324089"/>
-              <c:y val="3.2139286111066648E-4"/>
+              <c:x val="0.319622655753241"/>
+              <c:y val="3.2139286111066654E-4"/>
             </c:manualLayout>
           </c:layout>
         </c:title>
         <c:numFmt formatCode="0.00" sourceLinked="0"/>
         <c:tickLblPos val="nextTo"/>
-        <c:crossAx val="66379136"/>
+        <c:crossAx val="72285568"/>
         <c:crosses val="autoZero"/>
         <c:crossBetween val="between"/>
       </c:valAx>
@@ -996,11 +991,11 @@
             </c:numRef>
           </c:val>
         </c:ser>
-        <c:axId val="65099264"/>
-        <c:axId val="65101184"/>
+        <c:axId val="71796224"/>
+        <c:axId val="71798144"/>
       </c:barChart>
       <c:catAx>
-        <c:axId val="65099264"/>
+        <c:axId val="71796224"/>
         <c:scaling>
           <c:orientation val="minMax"/>
         </c:scaling>
@@ -1021,18 +1016,17 @@
               </a:p>
             </c:rich>
           </c:tx>
-          <c:layout/>
         </c:title>
         <c:numFmt formatCode="General" sourceLinked="1"/>
         <c:tickLblPos val="nextTo"/>
-        <c:crossAx val="65101184"/>
+        <c:crossAx val="71798144"/>
         <c:crosses val="autoZero"/>
         <c:auto val="1"/>
         <c:lblAlgn val="ctr"/>
         <c:lblOffset val="100"/>
       </c:catAx>
       <c:valAx>
-        <c:axId val="65101184"/>
+        <c:axId val="71798144"/>
         <c:scaling>
           <c:orientation val="minMax"/>
         </c:scaling>
@@ -1040,14 +1034,13 @@
         <c:majorGridlines/>
         <c:numFmt formatCode="0.00" sourceLinked="0"/>
         <c:tickLblPos val="nextTo"/>
-        <c:crossAx val="65099264"/>
+        <c:crossAx val="71796224"/>
         <c:crosses val="autoZero"/>
         <c:crossBetween val="between"/>
       </c:valAx>
     </c:plotArea>
     <c:legend>
       <c:legendPos val="r"/>
-      <c:layout/>
     </c:legend>
     <c:plotVisOnly val="1"/>
     <c:dispBlanksAs val="gap"/>
@@ -1139,7 +1132,7 @@
             <a:fld id="{FBBBECB9-2F83-4596-B504-AC1E375931CE}" type="datetimeFigureOut">
               <a:rPr lang="pt-PT" smtClean="0"/>
               <a:pPr/>
-              <a:t>10-12-2011</a:t>
+              <a:t>12-12-2011</a:t>
             </a:fld>
             <a:endParaRPr lang="pt-PT"/>
           </a:p>
@@ -1215,7 +1208,7 @@
     </p:spTree>
     <p:extLst>
       <p:ext uri="{BB962C8B-B14F-4D97-AF65-F5344CB8AC3E}">
-        <p14:creationId xmlns:p14="http://schemas.microsoft.com/office/powerpoint/2010/main" xmlns="" val="3502731545"/>
+        <p14:creationId xmlns="" xmlns:p14="http://schemas.microsoft.com/office/powerpoint/2010/main" val="3502731545"/>
       </p:ext>
     </p:extLst>
   </p:cSld>
@@ -1306,7 +1299,7 @@
             <a:fld id="{9B5C831C-B110-4E4E-9FCE-53887ECEDBF7}" type="datetimeFigureOut">
               <a:rPr lang="pt-PT" smtClean="0"/>
               <a:pPr/>
-              <a:t>10-12-2011</a:t>
+              <a:t>12-12-2011</a:t>
             </a:fld>
             <a:endParaRPr lang="pt-PT"/>
           </a:p>
@@ -1477,7 +1470,7 @@
     </p:spTree>
     <p:extLst>
       <p:ext uri="{BB962C8B-B14F-4D97-AF65-F5344CB8AC3E}">
-        <p14:creationId xmlns:p14="http://schemas.microsoft.com/office/powerpoint/2010/main" xmlns="" val="1191317535"/>
+        <p14:creationId xmlns="" xmlns:p14="http://schemas.microsoft.com/office/powerpoint/2010/main" val="1191317535"/>
       </p:ext>
     </p:extLst>
   </p:cSld>
@@ -2247,7 +2240,7 @@
     </p:spTree>
     <p:extLst>
       <p:ext uri="{BB962C8B-B14F-4D97-AF65-F5344CB8AC3E}">
-        <p14:creationId xmlns:p14="http://schemas.microsoft.com/office/powerpoint/2010/main" xmlns="" val="3724839547"/>
+        <p14:creationId xmlns="" xmlns:p14="http://schemas.microsoft.com/office/powerpoint/2010/main" val="3724839547"/>
       </p:ext>
     </p:extLst>
   </p:cSld>
@@ -2615,7 +2608,7 @@
     </p:spTree>
     <p:extLst>
       <p:ext uri="{BB962C8B-B14F-4D97-AF65-F5344CB8AC3E}">
-        <p14:creationId xmlns:p14="http://schemas.microsoft.com/office/powerpoint/2010/main" xmlns="" val="1742877947"/>
+        <p14:creationId xmlns="" xmlns:p14="http://schemas.microsoft.com/office/powerpoint/2010/main" val="1742877947"/>
       </p:ext>
     </p:extLst>
   </p:cSld>
@@ -3284,7 +3277,7 @@
             <a:fld id="{FDFE200E-5E3D-443A-8128-360E1B4273B3}" type="datetime1">
               <a:rPr lang="pt-PT" smtClean="0"/>
               <a:pPr/>
-              <a:t>10-12-2011</a:t>
+              <a:t>12-12-2011</a:t>
             </a:fld>
             <a:endParaRPr lang="pt-PT"/>
           </a:p>
@@ -3469,7 +3462,7 @@
             <a:fld id="{6B744452-25FF-450D-AA53-60C22631FF3B}" type="datetime1">
               <a:rPr lang="pt-PT" smtClean="0"/>
               <a:pPr/>
-              <a:t>10-12-2011</a:t>
+              <a:t>12-12-2011</a:t>
             </a:fld>
             <a:endParaRPr lang="pt-PT"/>
           </a:p>
@@ -3646,7 +3639,7 @@
             <a:fld id="{CA44A751-DD81-434F-8D0D-A0F6502EF70B}" type="datetime1">
               <a:rPr lang="pt-PT" smtClean="0"/>
               <a:pPr/>
-              <a:t>10-12-2011</a:t>
+              <a:t>12-12-2011</a:t>
             </a:fld>
             <a:endParaRPr lang="pt-PT"/>
           </a:p>
@@ -3813,7 +3806,7 @@
             <a:fld id="{5A4DB91E-7B8A-423A-8B0D-BD0D4BF78285}" type="datetime1">
               <a:rPr lang="pt-PT" smtClean="0"/>
               <a:pPr/>
-              <a:t>10-12-2011</a:t>
+              <a:t>12-12-2011</a:t>
             </a:fld>
             <a:endParaRPr lang="pt-PT"/>
           </a:p>
@@ -4036,7 +4029,7 @@
             <a:fld id="{21D41D93-4982-484C-9E6B-1DEB63B99297}" type="datetime1">
               <a:rPr lang="pt-PT" smtClean="0"/>
               <a:pPr/>
-              <a:t>10-12-2011</a:t>
+              <a:t>12-12-2011</a:t>
             </a:fld>
             <a:endParaRPr lang="pt-PT"/>
           </a:p>
@@ -4297,7 +4290,7 @@
             <a:fld id="{2B4C7B7F-9F7E-49D4-BF2C-D3DB5C15DED7}" type="datetime1">
               <a:rPr lang="pt-PT" smtClean="0"/>
               <a:pPr/>
-              <a:t>10-12-2011</a:t>
+              <a:t>12-12-2011</a:t>
             </a:fld>
             <a:endParaRPr lang="pt-PT"/>
           </a:p>
@@ -4703,7 +4696,7 @@
             <a:fld id="{DB921401-0971-4316-89C1-ACF96804946B}" type="datetime1">
               <a:rPr lang="pt-PT" smtClean="0"/>
               <a:pPr/>
-              <a:t>10-12-2011</a:t>
+              <a:t>12-12-2011</a:t>
             </a:fld>
             <a:endParaRPr lang="pt-PT"/>
           </a:p>
@@ -4836,7 +4829,7 @@
             <a:fld id="{F9DC5304-7A0A-4DD1-BC1C-FB42FDF4A8F5}" type="datetime1">
               <a:rPr lang="pt-PT" smtClean="0"/>
               <a:pPr/>
-              <a:t>10-12-2011</a:t>
+              <a:t>12-12-2011</a:t>
             </a:fld>
             <a:endParaRPr lang="pt-PT"/>
           </a:p>
@@ -4938,7 +4931,7 @@
             <a:fld id="{FFB4E187-9955-4630-9912-A621610C6847}" type="datetime1">
               <a:rPr lang="pt-PT" smtClean="0"/>
               <a:pPr/>
-              <a:t>10-12-2011</a:t>
+              <a:t>12-12-2011</a:t>
             </a:fld>
             <a:endParaRPr lang="pt-PT"/>
           </a:p>
@@ -5185,7 +5178,7 @@
             <a:fld id="{711EFB78-06C4-4DE7-8651-27AE14E9AE98}" type="datetime1">
               <a:rPr lang="pt-PT" smtClean="0"/>
               <a:pPr/>
-              <a:t>10-12-2011</a:t>
+              <a:t>12-12-2011</a:t>
             </a:fld>
             <a:endParaRPr lang="pt-PT"/>
           </a:p>
@@ -5431,7 +5424,7 @@
             <a:fld id="{8167AFAD-5534-41E9-968F-3B3BFA0947EA}" type="datetime1">
               <a:rPr lang="pt-PT" smtClean="0"/>
               <a:pPr/>
-              <a:t>10-12-2011</a:t>
+              <a:t>12-12-2011</a:t>
             </a:fld>
             <a:endParaRPr lang="pt-PT"/>
           </a:p>
@@ -6257,7 +6250,7 @@
             <a:fld id="{D1ADC3CB-1463-41E0-9C03-F76948C3E5C0}" type="datetime1">
               <a:rPr lang="pt-PT" smtClean="0"/>
               <a:pPr/>
-              <a:t>10-12-2011</a:t>
+              <a:t>12-12-2011</a:t>
             </a:fld>
             <a:endParaRPr lang="pt-PT"/>
           </a:p>
@@ -12781,7 +12774,12 @@
             <p:ph type="title"/>
           </p:nvPr>
         </p:nvSpPr>
-        <p:spPr/>
+        <p:spPr>
+          <a:xfrm>
+            <a:off x="395536" y="332656"/>
+            <a:ext cx="8229600" cy="1066800"/>
+          </a:xfrm>
+        </p:spPr>
         <p:txBody>
           <a:bodyPr/>
           <a:lstStyle/>
@@ -12804,12 +12802,33 @@
             <p:ph idx="1"/>
           </p:nvPr>
         </p:nvSpPr>
-        <p:spPr/>
+        <p:spPr>
+          <a:xfrm>
+            <a:off x="457200" y="1484784"/>
+            <a:ext cx="8229600" cy="5089752"/>
+          </a:xfrm>
+        </p:spPr>
         <p:txBody>
           <a:bodyPr/>
           <a:lstStyle/>
           <a:p>
-            <a:endParaRPr lang="pt-PT"/>
+            <a:r>
+              <a:rPr lang="pt-PT" dirty="0" smtClean="0"/>
+              <a:t>Compreender o comportamento de execuções reais</a:t>
+            </a:r>
+          </a:p>
+          <a:p>
+            <a:r>
+              <a:rPr lang="pt-PT" dirty="0" smtClean="0"/>
+              <a:t>Análise dos recursos utilizados</a:t>
+            </a:r>
+          </a:p>
+          <a:p>
+            <a:r>
+              <a:rPr lang="pt-PT" dirty="0" smtClean="0"/>
+              <a:t>Perfil de utilização</a:t>
+            </a:r>
+            <a:endParaRPr lang="pt-PT" dirty="0"/>
           </a:p>
         </p:txBody>
       </p:sp>
@@ -13564,7 +13583,7 @@
           <p:nvPr>
             <p:extLst>
               <p:ext uri="{D42A27DB-BD31-4B8C-83A1-F6EECF244321}">
-                <p14:modId xmlns:p14="http://schemas.microsoft.com/office/powerpoint/2010/main" xmlns="" val="2923390044"/>
+                <p14:modId xmlns="" xmlns:p14="http://schemas.microsoft.com/office/powerpoint/2010/main" val="2923390044"/>
               </p:ext>
             </p:extLst>
           </p:nvPr>
@@ -16605,7 +16624,7 @@
     </p:spTree>
     <p:extLst>
       <p:ext uri="{BB962C8B-B14F-4D97-AF65-F5344CB8AC3E}">
-        <p14:creationId xmlns:p14="http://schemas.microsoft.com/office/powerpoint/2010/main" xmlns="" val="2480020566"/>
+        <p14:creationId xmlns="" xmlns:p14="http://schemas.microsoft.com/office/powerpoint/2010/main" val="2480020566"/>
       </p:ext>
     </p:extLst>
   </p:cSld>
@@ -16702,7 +16721,7 @@
           <p:nvPr>
             <p:extLst>
               <p:ext uri="{D42A27DB-BD31-4B8C-83A1-F6EECF244321}">
-                <p14:modId xmlns:p14="http://schemas.microsoft.com/office/powerpoint/2010/main" xmlns="" val="3402441427"/>
+                <p14:modId xmlns="" xmlns:p14="http://schemas.microsoft.com/office/powerpoint/2010/main" val="3402441427"/>
               </p:ext>
             </p:extLst>
           </p:nvPr>
@@ -16726,7 +16745,7 @@
           <p:nvPr>
             <p:extLst>
               <p:ext uri="{D42A27DB-BD31-4B8C-83A1-F6EECF244321}">
-                <p14:modId xmlns:p14="http://schemas.microsoft.com/office/powerpoint/2010/main" xmlns="" val="4122839546"/>
+                <p14:modId xmlns="" xmlns:p14="http://schemas.microsoft.com/office/powerpoint/2010/main" val="4122839546"/>
               </p:ext>
             </p:extLst>
           </p:nvPr>
@@ -18213,14 +18232,23 @@
             <p:ph type="title"/>
           </p:nvPr>
         </p:nvSpPr>
-        <p:spPr/>
+        <p:spPr>
+          <a:xfrm>
+            <a:off x="395536" y="260648"/>
+            <a:ext cx="8229600" cy="1066800"/>
+          </a:xfrm>
+        </p:spPr>
         <p:txBody>
           <a:bodyPr/>
           <a:lstStyle/>
           <a:p>
             <a:r>
               <a:rPr lang="pt-PT" dirty="0" smtClean="0"/>
-              <a:t>Monitorização de rede (geral)</a:t>
+              <a:t>Monitorização de </a:t>
+            </a:r>
+            <a:r>
+              <a:rPr lang="pt-PT" dirty="0" smtClean="0"/>
+              <a:t>rede</a:t>
             </a:r>
             <a:endParaRPr lang="pt-PT" dirty="0"/>
           </a:p>
@@ -18236,12 +18264,47 @@
             <p:ph idx="1"/>
           </p:nvPr>
         </p:nvSpPr>
-        <p:spPr/>
+        <p:spPr>
+          <a:xfrm>
+            <a:off x="457200" y="1412776"/>
+            <a:ext cx="8229600" cy="5161760"/>
+          </a:xfrm>
+        </p:spPr>
         <p:txBody>
           <a:bodyPr/>
           <a:lstStyle/>
           <a:p>
-            <a:endParaRPr lang="pt-PT"/>
+            <a:r>
+              <a:rPr lang="pt-PT" dirty="0" smtClean="0"/>
+              <a:t>Análise dos protocolos de comunicação</a:t>
+            </a:r>
+          </a:p>
+          <a:p>
+            <a:r>
+              <a:rPr lang="pt-PT" dirty="0" smtClean="0"/>
+              <a:t>Análise das </a:t>
+            </a:r>
+            <a:r>
+              <a:rPr lang="pt-PT" dirty="0" err="1" smtClean="0"/>
+              <a:t>interacções</a:t>
+            </a:r>
+            <a:r>
+              <a:rPr lang="pt-PT" dirty="0" smtClean="0"/>
+              <a:t> entre entidades distribuídas</a:t>
+            </a:r>
+          </a:p>
+          <a:p>
+            <a:r>
+              <a:rPr lang="pt-PT" dirty="0" err="1" smtClean="0"/>
+              <a:t>Detecção</a:t>
+            </a:r>
+            <a:r>
+              <a:rPr lang="pt-PT" dirty="0" smtClean="0"/>
+              <a:t> de falhas, erros, problemas de desempenho, outros...</a:t>
+            </a:r>
+          </a:p>
+          <a:p>
+            <a:endParaRPr lang="pt-PT" dirty="0"/>
           </a:p>
         </p:txBody>
       </p:sp>
@@ -18607,7 +18670,7 @@
           <a:lstStyle/>
           <a:p>
             <a:r>
-              <a:rPr lang="pt-PT" smtClean="0"/>
+              <a:rPr lang="pt-PT" dirty="0" smtClean="0"/>
               <a:t>Problemas</a:t>
             </a:r>
             <a:endParaRPr lang="pt-PT" dirty="0"/>
@@ -18632,36 +18695,9 @@
         </p:spPr>
         <p:txBody>
           <a:bodyPr>
-            <a:normAutofit fontScale="77500" lnSpcReduction="20000"/>
+            <a:normAutofit fontScale="92500" lnSpcReduction="20000"/>
           </a:bodyPr>
           <a:lstStyle/>
-          <a:p>
-            <a:r>
-              <a:rPr lang="pt-PT" dirty="0" smtClean="0"/>
-              <a:t>Monitorização de sistemas distribuídos:</a:t>
-            </a:r>
-          </a:p>
-          <a:p>
-            <a:pPr lvl="1"/>
-            <a:r>
-              <a:rPr lang="pt-PT" dirty="0" smtClean="0"/>
-              <a:t>Análise dos protocolos de comunicação</a:t>
-            </a:r>
-          </a:p>
-          <a:p>
-            <a:pPr lvl="1"/>
-            <a:r>
-              <a:rPr lang="pt-PT" dirty="0" smtClean="0"/>
-              <a:t>Análise das interacções entre entidades distribuídas</a:t>
-            </a:r>
-          </a:p>
-          <a:p>
-            <a:pPr lvl="1"/>
-            <a:r>
-              <a:rPr lang="pt-PT" dirty="0" smtClean="0"/>
-              <a:t>Detecção de falhas, erros, problemas de desempenho, outros...</a:t>
-            </a:r>
-          </a:p>
           <a:p>
             <a:pPr marL="411480" lvl="1" indent="0">
               <a:buNone/>
@@ -18811,10 +18847,9 @@
           <a:lstStyle/>
           <a:p>
             <a:r>
-              <a:rPr lang="pt-PT" smtClean="0"/>
-              <a:t>Monitorização de rede ( III )</a:t>
-            </a:r>
-            <a:endParaRPr lang="pt-PT"/>
+              <a:rPr lang="pt-PT" dirty="0" smtClean="0"/>
+              <a:t>Abordagem seguida</a:t>
+            </a:r>
           </a:p>
         </p:txBody>
       </p:sp>
@@ -18830,7 +18865,7 @@
         </p:nvSpPr>
         <p:spPr>
           <a:xfrm>
-            <a:off x="179512" y="1408144"/>
+            <a:off x="179512" y="1624168"/>
             <a:ext cx="8784976" cy="4325112"/>
           </a:xfrm>
         </p:spPr>
@@ -18840,14 +18875,11 @@
           <a:p>
             <a:r>
               <a:rPr lang="pt-PT" dirty="0" smtClean="0"/>
-              <a:t>Abordagem seguida</a:t>
-            </a:r>
-          </a:p>
-          <a:p>
-            <a:pPr lvl="1"/>
-            <a:r>
-              <a:rPr lang="pt-PT" sz="2400" dirty="0" smtClean="0"/>
-              <a:t>Monitorização do processo alvo no núcleo</a:t>
+              <a:t>Monitorização </a:t>
+            </a:r>
+            <a:r>
+              <a:rPr lang="pt-PT" dirty="0" smtClean="0"/>
+              <a:t>do processo alvo no núcleo</a:t>
             </a:r>
           </a:p>
           <a:p>
@@ -18867,7 +18899,6 @@
             <a:endParaRPr lang="pt-PT" dirty="0" smtClean="0"/>
           </a:p>
           <a:p>
-            <a:pPr lvl="1"/>
             <a:r>
               <a:rPr lang="pt-PT" dirty="0" smtClean="0"/>
               <a:t>Criar um novo filtro no núcleo com base no suporte da monitorização do processo</a:t>
@@ -18877,15 +18908,31 @@
             <a:pPr lvl="2"/>
             <a:r>
               <a:rPr lang="pt-PT" dirty="0" smtClean="0"/>
-              <a:t>Este novo filtro é uma conjunção do filtro estático definido pela </a:t>
+              <a:t>Este novo filtro é uma conjunção do filtro estático definido </a:t>
+            </a:r>
+            <a:r>
+              <a:rPr lang="pt-PT" dirty="0" smtClean="0"/>
+              <a:t>através da biblioteca </a:t>
             </a:r>
             <a:r>
               <a:rPr lang="pt-PT" dirty="0" err="1" smtClean="0"/>
-              <a:t>libpcap</a:t>
+              <a:t>PCap</a:t>
             </a:r>
             <a:r>
               <a:rPr lang="pt-PT" dirty="0" smtClean="0"/>
-              <a:t> e a monitorização do processo no núcleo</a:t>
+              <a:t> </a:t>
+            </a:r>
+            <a:r>
+              <a:rPr lang="pt-PT" dirty="0" smtClean="0"/>
+              <a:t>e a monitorização do processo </a:t>
+            </a:r>
+            <a:r>
+              <a:rPr lang="pt-PT" dirty="0" smtClean="0"/>
+              <a:t>alvo no </a:t>
+            </a:r>
+            <a:r>
+              <a:rPr lang="pt-PT" dirty="0" smtClean="0"/>
+              <a:t>núcleo</a:t>
             </a:r>
           </a:p>
         </p:txBody>
@@ -19489,8 +19536,8 @@
         </p:nvSpPr>
         <p:spPr>
           <a:xfrm>
-            <a:off x="1619672" y="1628800"/>
-            <a:ext cx="1368152" cy="216024"/>
+            <a:off x="1619672" y="1556792"/>
+            <a:ext cx="1368152" cy="360040"/>
           </a:xfrm>
           <a:prstGeom prst="rect">
             <a:avLst/>
@@ -19531,7 +19578,7 @@
         <p:spPr>
           <a:xfrm>
             <a:off x="683568" y="2276872"/>
-            <a:ext cx="4824536" cy="216024"/>
+            <a:ext cx="4824536" cy="360040"/>
           </a:xfrm>
           <a:prstGeom prst="rect">
             <a:avLst/>
@@ -19777,7 +19824,7 @@
         <p:spPr>
           <a:xfrm>
             <a:off x="6012160" y="4005064"/>
-            <a:ext cx="1368152" cy="216024"/>
+            <a:ext cx="1368152" cy="360040"/>
           </a:xfrm>
           <a:prstGeom prst="rect">
             <a:avLst/>
@@ -19817,7 +19864,7 @@
         </p:nvSpPr>
         <p:spPr>
           <a:xfrm>
-            <a:off x="6372200" y="3356992"/>
+            <a:off x="6300192" y="3212976"/>
             <a:ext cx="720080" cy="432048"/>
           </a:xfrm>
           <a:prstGeom prst="rect">
@@ -19957,6 +20004,140 @@
           </a:fontRef>
         </p:style>
       </p:cxnSp>
+      <p:cxnSp>
+        <p:nvCxnSpPr>
+          <p:cNvPr id="22" name="Conexão recta 21"/>
+          <p:cNvCxnSpPr>
+            <a:stCxn id="18" idx="1"/>
+            <a:endCxn id="18" idx="3"/>
+          </p:cNvCxnSpPr>
+          <p:nvPr/>
+        </p:nvCxnSpPr>
+        <p:spPr>
+          <a:xfrm>
+            <a:off x="6012160" y="1520788"/>
+            <a:ext cx="1800200" cy="0"/>
+          </a:xfrm>
+          <a:prstGeom prst="line">
+            <a:avLst/>
+          </a:prstGeom>
+        </p:spPr>
+        <p:style>
+          <a:lnRef idx="1">
+            <a:schemeClr val="accent1"/>
+          </a:lnRef>
+          <a:fillRef idx="0">
+            <a:schemeClr val="accent1"/>
+          </a:fillRef>
+          <a:effectRef idx="0">
+            <a:schemeClr val="accent1"/>
+          </a:effectRef>
+          <a:fontRef idx="minor">
+            <a:schemeClr val="tx1"/>
+          </a:fontRef>
+        </p:style>
+      </p:cxnSp>
+      <p:sp>
+        <p:nvSpPr>
+          <p:cNvPr id="23" name="CaixaDeTexto 22"/>
+          <p:cNvSpPr txBox="1"/>
+          <p:nvPr/>
+        </p:nvSpPr>
+        <p:spPr>
+          <a:xfrm>
+            <a:off x="6012160" y="1196752"/>
+            <a:ext cx="1800200" cy="646331"/>
+          </a:xfrm>
+          <a:prstGeom prst="rect">
+            <a:avLst/>
+          </a:prstGeom>
+          <a:noFill/>
+        </p:spPr>
+        <p:txBody>
+          <a:bodyPr wrap="square" rtlCol="0">
+            <a:spAutoFit/>
+          </a:bodyPr>
+          <a:lstStyle/>
+          <a:p>
+            <a:r>
+              <a:rPr lang="pt-PT" dirty="0" err="1" smtClean="0"/>
+              <a:t>TCPDump</a:t>
+            </a:r>
+            <a:endParaRPr lang="pt-PT" dirty="0" smtClean="0"/>
+          </a:p>
+          <a:p>
+            <a:r>
+              <a:rPr lang="pt-PT" dirty="0" smtClean="0"/>
+              <a:t>Biblioteca </a:t>
+            </a:r>
+            <a:r>
+              <a:rPr lang="pt-PT" dirty="0" err="1" smtClean="0"/>
+              <a:t>PCap</a:t>
+            </a:r>
+            <a:endParaRPr lang="pt-PT" dirty="0"/>
+          </a:p>
+        </p:txBody>
+      </p:sp>
+      <p:sp>
+        <p:nvSpPr>
+          <p:cNvPr id="24" name="CaixaDeTexto 23"/>
+          <p:cNvSpPr txBox="1"/>
+          <p:nvPr/>
+        </p:nvSpPr>
+        <p:spPr>
+          <a:xfrm>
+            <a:off x="1691680" y="1556792"/>
+            <a:ext cx="1224136" cy="369332"/>
+          </a:xfrm>
+          <a:prstGeom prst="rect">
+            <a:avLst/>
+          </a:prstGeom>
+          <a:noFill/>
+        </p:spPr>
+        <p:txBody>
+          <a:bodyPr wrap="square" rtlCol="0">
+            <a:spAutoFit/>
+          </a:bodyPr>
+          <a:lstStyle/>
+          <a:p>
+            <a:r>
+              <a:rPr lang="pt-PT" dirty="0" smtClean="0"/>
+              <a:t>Monitor</a:t>
+            </a:r>
+            <a:endParaRPr lang="pt-PT" dirty="0"/>
+          </a:p>
+        </p:txBody>
+      </p:sp>
+      <p:sp>
+        <p:nvSpPr>
+          <p:cNvPr id="25" name="CaixaDeTexto 24"/>
+          <p:cNvSpPr txBox="1"/>
+          <p:nvPr/>
+        </p:nvSpPr>
+        <p:spPr>
+          <a:xfrm>
+            <a:off x="755576" y="2276872"/>
+            <a:ext cx="4680520" cy="369332"/>
+          </a:xfrm>
+          <a:prstGeom prst="rect">
+            <a:avLst/>
+          </a:prstGeom>
+          <a:noFill/>
+        </p:spPr>
+        <p:txBody>
+          <a:bodyPr wrap="square" rtlCol="0">
+            <a:spAutoFit/>
+          </a:bodyPr>
+          <a:lstStyle/>
+          <a:p>
+            <a:r>
+              <a:rPr lang="pt-PT" dirty="0" smtClean="0"/>
+              <a:t>API de Controlo</a:t>
+            </a:r>
+            <a:endParaRPr lang="pt-PT" dirty="0"/>
+          </a:p>
+        </p:txBody>
+      </p:sp>
     </p:spTree>
   </p:cSld>
   <p:clrMapOvr>

--- a/doc/apresentacao_dissertacao.pptx
+++ b/doc/apresentacao_dissertacao.pptx
@@ -19536,7 +19536,7 @@
         </p:nvSpPr>
         <p:spPr>
           <a:xfrm>
-            <a:off x="1619672" y="1556792"/>
+            <a:off x="2339752" y="1403484"/>
             <a:ext cx="1368152" cy="360040"/>
           </a:xfrm>
           <a:prstGeom prst="rect">
@@ -19618,8 +19618,8 @@
         </p:nvSpPr>
         <p:spPr>
           <a:xfrm>
-            <a:off x="539552" y="3861048"/>
-            <a:ext cx="1368152" cy="720080"/>
+            <a:off x="395536" y="3861048"/>
+            <a:ext cx="1872208" cy="720080"/>
           </a:xfrm>
           <a:prstGeom prst="rect">
             <a:avLst/>
@@ -19659,7 +19659,7 @@
         </p:nvSpPr>
         <p:spPr>
           <a:xfrm>
-            <a:off x="2051720" y="3861048"/>
+            <a:off x="2411760" y="3861048"/>
             <a:ext cx="1368152" cy="720080"/>
           </a:xfrm>
           <a:prstGeom prst="rect">
@@ -19700,8 +19700,8 @@
         </p:nvSpPr>
         <p:spPr>
           <a:xfrm>
-            <a:off x="3635896" y="3861048"/>
-            <a:ext cx="1368152" cy="720080"/>
+            <a:off x="4139952" y="3861048"/>
+            <a:ext cx="1656184" cy="720080"/>
           </a:xfrm>
           <a:prstGeom prst="rect">
             <a:avLst/>
@@ -19742,7 +19742,7 @@
         <p:spPr>
           <a:xfrm>
             <a:off x="1259632" y="2996952"/>
-            <a:ext cx="1080120" cy="360040"/>
+            <a:ext cx="1368152" cy="432048"/>
           </a:xfrm>
           <a:prstGeom prst="rect">
             <a:avLst/>
@@ -19782,7 +19782,7 @@
         </p:nvSpPr>
         <p:spPr>
           <a:xfrm>
-            <a:off x="6012160" y="2276872"/>
+            <a:off x="6660232" y="2276872"/>
             <a:ext cx="1368152" cy="2304256"/>
           </a:xfrm>
           <a:prstGeom prst="rect">
@@ -19823,8 +19823,8 @@
         </p:nvSpPr>
         <p:spPr>
           <a:xfrm>
-            <a:off x="6012160" y="4005064"/>
-            <a:ext cx="1368152" cy="360040"/>
+            <a:off x="6444208" y="4725144"/>
+            <a:ext cx="1656184" cy="576064"/>
           </a:xfrm>
           <a:prstGeom prst="rect">
             <a:avLst/>
@@ -19864,7 +19864,7 @@
         </p:nvSpPr>
         <p:spPr>
           <a:xfrm>
-            <a:off x="6300192" y="3212976"/>
+            <a:off x="6948264" y="3645024"/>
             <a:ext cx="720080" cy="432048"/>
           </a:xfrm>
           <a:prstGeom prst="rect">
@@ -19905,7 +19905,7 @@
         </p:nvSpPr>
         <p:spPr>
           <a:xfrm>
-            <a:off x="6012160" y="1196752"/>
+            <a:off x="6372200" y="1196752"/>
             <a:ext cx="1800200" cy="648072"/>
           </a:xfrm>
           <a:prstGeom prst="rect">
@@ -19979,8 +19979,8 @@
         </p:nvCxnSpPr>
         <p:spPr>
           <a:xfrm>
-            <a:off x="395536" y="5013176"/>
-            <a:ext cx="7632848" cy="0"/>
+            <a:off x="395536" y="5445224"/>
+            <a:ext cx="7920880" cy="0"/>
           </a:xfrm>
           <a:prstGeom prst="line">
             <a:avLst/>
@@ -20015,7 +20015,7 @@
         </p:nvCxnSpPr>
         <p:spPr>
           <a:xfrm>
-            <a:off x="6012160" y="1520788"/>
+            <a:off x="6372200" y="1520788"/>
             <a:ext cx="1800200" cy="0"/>
           </a:xfrm>
           <a:prstGeom prst="line">
@@ -20045,7 +20045,7 @@
         </p:nvSpPr>
         <p:spPr>
           <a:xfrm>
-            <a:off x="6012160" y="1196752"/>
+            <a:off x="6372200" y="1196752"/>
             <a:ext cx="1800200" cy="646331"/>
           </a:xfrm>
           <a:prstGeom prst="rect">
@@ -20086,7 +20086,7 @@
         </p:nvSpPr>
         <p:spPr>
           <a:xfrm>
-            <a:off x="1691680" y="1556792"/>
+            <a:off x="2411760" y="1403484"/>
             <a:ext cx="1224136" cy="369332"/>
           </a:xfrm>
           <a:prstGeom prst="rect">
@@ -20133,6 +20133,299 @@
             <a:r>
               <a:rPr lang="pt-PT" dirty="0" smtClean="0"/>
               <a:t>API de Controlo</a:t>
+            </a:r>
+            <a:endParaRPr lang="pt-PT" dirty="0"/>
+          </a:p>
+        </p:txBody>
+      </p:sp>
+      <p:sp>
+        <p:nvSpPr>
+          <p:cNvPr id="26" name="CaixaDeTexto 25"/>
+          <p:cNvSpPr txBox="1"/>
+          <p:nvPr/>
+        </p:nvSpPr>
+        <p:spPr>
+          <a:xfrm>
+            <a:off x="1331640" y="3068960"/>
+            <a:ext cx="1296144" cy="369332"/>
+          </a:xfrm>
+          <a:prstGeom prst="rect">
+            <a:avLst/>
+          </a:prstGeom>
+          <a:noFill/>
+        </p:spPr>
+        <p:txBody>
+          <a:bodyPr wrap="square" rtlCol="0">
+            <a:spAutoFit/>
+          </a:bodyPr>
+          <a:lstStyle/>
+          <a:p>
+            <a:r>
+              <a:rPr lang="pt-PT" dirty="0" err="1" smtClean="0"/>
+              <a:t>KProbes</a:t>
+            </a:r>
+            <a:endParaRPr lang="pt-PT" dirty="0"/>
+          </a:p>
+        </p:txBody>
+      </p:sp>
+      <p:sp>
+        <p:nvSpPr>
+          <p:cNvPr id="28" name="CaixaDeTexto 27"/>
+          <p:cNvSpPr txBox="1"/>
+          <p:nvPr/>
+        </p:nvSpPr>
+        <p:spPr>
+          <a:xfrm>
+            <a:off x="4139952" y="3861048"/>
+            <a:ext cx="1872208" cy="584775"/>
+          </a:xfrm>
+          <a:prstGeom prst="rect">
+            <a:avLst/>
+          </a:prstGeom>
+          <a:noFill/>
+        </p:spPr>
+        <p:txBody>
+          <a:bodyPr wrap="square" rtlCol="0">
+            <a:spAutoFit/>
+          </a:bodyPr>
+          <a:lstStyle/>
+          <a:p>
+            <a:r>
+              <a:rPr lang="pt-PT" sz="1600" dirty="0" smtClean="0"/>
+              <a:t>Filtro de pacotes</a:t>
+            </a:r>
+          </a:p>
+          <a:p>
+            <a:r>
+              <a:rPr lang="pt-PT" sz="1600" dirty="0" smtClean="0"/>
+              <a:t>Ligação ao LSF</a:t>
+            </a:r>
+            <a:endParaRPr lang="pt-PT" sz="2000" dirty="0"/>
+          </a:p>
+        </p:txBody>
+      </p:sp>
+      <p:sp>
+        <p:nvSpPr>
+          <p:cNvPr id="29" name="CaixaDeTexto 28"/>
+          <p:cNvSpPr txBox="1"/>
+          <p:nvPr/>
+        </p:nvSpPr>
+        <p:spPr>
+          <a:xfrm>
+            <a:off x="2411760" y="3933056"/>
+            <a:ext cx="1296144" cy="646331"/>
+          </a:xfrm>
+          <a:prstGeom prst="rect">
+            <a:avLst/>
+          </a:prstGeom>
+          <a:noFill/>
+        </p:spPr>
+        <p:txBody>
+          <a:bodyPr wrap="square" rtlCol="0">
+            <a:spAutoFit/>
+          </a:bodyPr>
+          <a:lstStyle/>
+          <a:p>
+            <a:r>
+              <a:rPr lang="pt-PT" dirty="0" smtClean="0"/>
+              <a:t>Estado do</a:t>
+            </a:r>
+          </a:p>
+          <a:p>
+            <a:r>
+              <a:rPr lang="pt-PT" dirty="0" smtClean="0"/>
+              <a:t>processo</a:t>
+            </a:r>
+            <a:endParaRPr lang="pt-PT" dirty="0"/>
+          </a:p>
+        </p:txBody>
+      </p:sp>
+      <p:sp>
+        <p:nvSpPr>
+          <p:cNvPr id="30" name="CaixaDeTexto 29"/>
+          <p:cNvSpPr txBox="1"/>
+          <p:nvPr/>
+        </p:nvSpPr>
+        <p:spPr>
+          <a:xfrm>
+            <a:off x="467544" y="3861048"/>
+            <a:ext cx="1728192" cy="830997"/>
+          </a:xfrm>
+          <a:prstGeom prst="rect">
+            <a:avLst/>
+          </a:prstGeom>
+          <a:noFill/>
+        </p:spPr>
+        <p:txBody>
+          <a:bodyPr wrap="square" rtlCol="0">
+            <a:spAutoFit/>
+          </a:bodyPr>
+          <a:lstStyle/>
+          <a:p>
+            <a:r>
+              <a:rPr lang="pt-PT" sz="1600" dirty="0" smtClean="0"/>
+              <a:t>Instrumentação das chamadas ao sistema</a:t>
+            </a:r>
+            <a:endParaRPr lang="pt-PT" sz="1600" dirty="0"/>
+          </a:p>
+        </p:txBody>
+      </p:sp>
+      <p:sp>
+        <p:nvSpPr>
+          <p:cNvPr id="31" name="CaixaDeTexto 30"/>
+          <p:cNvSpPr txBox="1"/>
+          <p:nvPr/>
+        </p:nvSpPr>
+        <p:spPr>
+          <a:xfrm>
+            <a:off x="6948264" y="3645024"/>
+            <a:ext cx="864096" cy="369332"/>
+          </a:xfrm>
+          <a:prstGeom prst="rect">
+            <a:avLst/>
+          </a:prstGeom>
+          <a:noFill/>
+        </p:spPr>
+        <p:txBody>
+          <a:bodyPr wrap="square" rtlCol="0">
+            <a:spAutoFit/>
+          </a:bodyPr>
+          <a:lstStyle/>
+          <a:p>
+            <a:r>
+              <a:rPr lang="pt-PT" dirty="0" err="1" smtClean="0"/>
+              <a:t>Hook</a:t>
+            </a:r>
+            <a:endParaRPr lang="pt-PT" dirty="0"/>
+          </a:p>
+        </p:txBody>
+      </p:sp>
+      <p:sp>
+        <p:nvSpPr>
+          <p:cNvPr id="32" name="CaixaDeTexto 31"/>
+          <p:cNvSpPr txBox="1"/>
+          <p:nvPr/>
+        </p:nvSpPr>
+        <p:spPr>
+          <a:xfrm>
+            <a:off x="6660232" y="2420888"/>
+            <a:ext cx="1368152" cy="338554"/>
+          </a:xfrm>
+          <a:prstGeom prst="rect">
+            <a:avLst/>
+          </a:prstGeom>
+          <a:noFill/>
+        </p:spPr>
+        <p:txBody>
+          <a:bodyPr wrap="square" rtlCol="0">
+            <a:spAutoFit/>
+          </a:bodyPr>
+          <a:lstStyle/>
+          <a:p>
+            <a:r>
+              <a:rPr lang="pt-PT" sz="1600" dirty="0" smtClean="0"/>
+              <a:t>AF_PACKET</a:t>
+            </a:r>
+            <a:endParaRPr lang="pt-PT" sz="1600" dirty="0"/>
+          </a:p>
+        </p:txBody>
+      </p:sp>
+      <p:sp>
+        <p:nvSpPr>
+          <p:cNvPr id="33" name="CaixaDeTexto 32"/>
+          <p:cNvSpPr txBox="1"/>
+          <p:nvPr/>
+        </p:nvSpPr>
+        <p:spPr>
+          <a:xfrm>
+            <a:off x="6444208" y="4725144"/>
+            <a:ext cx="1728192" cy="646331"/>
+          </a:xfrm>
+          <a:prstGeom prst="rect">
+            <a:avLst/>
+          </a:prstGeom>
+          <a:noFill/>
+        </p:spPr>
+        <p:txBody>
+          <a:bodyPr wrap="square" rtlCol="0">
+            <a:spAutoFit/>
+          </a:bodyPr>
+          <a:lstStyle/>
+          <a:p>
+            <a:r>
+              <a:rPr lang="pt-PT" dirty="0" smtClean="0"/>
+              <a:t>Controlador da placa de rede</a:t>
+            </a:r>
+            <a:endParaRPr lang="pt-PT" dirty="0"/>
+          </a:p>
+        </p:txBody>
+      </p:sp>
+      <p:sp>
+        <p:nvSpPr>
+          <p:cNvPr id="35" name="Rectângulo 34"/>
+          <p:cNvSpPr/>
+          <p:nvPr/>
+        </p:nvSpPr>
+        <p:spPr>
+          <a:xfrm>
+            <a:off x="6444208" y="5661248"/>
+            <a:ext cx="1656184" cy="576064"/>
+          </a:xfrm>
+          <a:prstGeom prst="rect">
+            <a:avLst/>
+          </a:prstGeom>
+          <a:noFill/>
+        </p:spPr>
+        <p:style>
+          <a:lnRef idx="2">
+            <a:schemeClr val="accent1">
+              <a:shade val="50000"/>
+            </a:schemeClr>
+          </a:lnRef>
+          <a:fillRef idx="1">
+            <a:schemeClr val="accent1"/>
+          </a:fillRef>
+          <a:effectRef idx="0">
+            <a:schemeClr val="accent1"/>
+          </a:effectRef>
+          <a:fontRef idx="minor">
+            <a:schemeClr val="lt1"/>
+          </a:fontRef>
+        </p:style>
+        <p:txBody>
+          <a:bodyPr rtlCol="0" anchor="ctr"/>
+          <a:lstStyle/>
+          <a:p>
+            <a:pPr algn="ctr"/>
+            <a:endParaRPr lang="pt-PT"/>
+          </a:p>
+        </p:txBody>
+      </p:sp>
+      <p:sp>
+        <p:nvSpPr>
+          <p:cNvPr id="36" name="CaixaDeTexto 35"/>
+          <p:cNvSpPr txBox="1"/>
+          <p:nvPr/>
+        </p:nvSpPr>
+        <p:spPr>
+          <a:xfrm>
+            <a:off x="6444208" y="5795972"/>
+            <a:ext cx="1656184" cy="369332"/>
+          </a:xfrm>
+          <a:prstGeom prst="rect">
+            <a:avLst/>
+          </a:prstGeom>
+          <a:noFill/>
+        </p:spPr>
+        <p:txBody>
+          <a:bodyPr wrap="square" rtlCol="0">
+            <a:spAutoFit/>
+          </a:bodyPr>
+          <a:lstStyle/>
+          <a:p>
+            <a:r>
+              <a:rPr lang="pt-PT" dirty="0" smtClean="0"/>
+              <a:t>Placa de rede</a:t>
             </a:r>
             <a:endParaRPr lang="pt-PT" dirty="0"/>
           </a:p>

--- a/doc/apresentacao_dissertacao.pptx
+++ b/doc/apresentacao_dissertacao.pptx
@@ -5,10 +5,10 @@
     <p:sldMasterId id="2147483660" r:id="rId1"/>
   </p:sldMasterIdLst>
   <p:notesMasterIdLst>
-    <p:notesMasterId r:id="rId32"/>
+    <p:notesMasterId r:id="rId33"/>
   </p:notesMasterIdLst>
   <p:handoutMasterIdLst>
-    <p:handoutMasterId r:id="rId33"/>
+    <p:handoutMasterId r:id="rId34"/>
   </p:handoutMasterIdLst>
   <p:sldIdLst>
     <p:sldId id="256" r:id="rId2"/>
@@ -29,18 +29,19 @@
     <p:sldId id="295" r:id="rId17"/>
     <p:sldId id="301" r:id="rId18"/>
     <p:sldId id="271" r:id="rId19"/>
-    <p:sldId id="297" r:id="rId20"/>
-    <p:sldId id="286" r:id="rId21"/>
+    <p:sldId id="302" r:id="rId20"/>
+    <p:sldId id="297" r:id="rId21"/>
     <p:sldId id="283" r:id="rId22"/>
     <p:sldId id="284" r:id="rId23"/>
-    <p:sldId id="282" r:id="rId24"/>
-    <p:sldId id="281" r:id="rId25"/>
-    <p:sldId id="265" r:id="rId26"/>
-    <p:sldId id="291" r:id="rId27"/>
-    <p:sldId id="285" r:id="rId28"/>
-    <p:sldId id="261" r:id="rId29"/>
-    <p:sldId id="259" r:id="rId30"/>
-    <p:sldId id="268" r:id="rId31"/>
+    <p:sldId id="286" r:id="rId24"/>
+    <p:sldId id="282" r:id="rId25"/>
+    <p:sldId id="281" r:id="rId26"/>
+    <p:sldId id="265" r:id="rId27"/>
+    <p:sldId id="291" r:id="rId28"/>
+    <p:sldId id="285" r:id="rId29"/>
+    <p:sldId id="261" r:id="rId30"/>
+    <p:sldId id="259" r:id="rId31"/>
+    <p:sldId id="268" r:id="rId32"/>
   </p:sldIdLst>
   <p:sldSz cx="9144000" cy="6858000" type="screen4x3"/>
   <p:notesSz cx="9874250" cy="6797675"/>
@@ -439,6 +440,7 @@
     </c:plotArea>
     <c:legend>
       <c:legendPos val="r"/>
+      <c:layout/>
     </c:legend>
     <c:plotVisOnly val="1"/>
     <c:dispBlanksAs val="gap"/>
@@ -613,6 +615,7 @@
               </a:p>
             </c:rich>
           </c:tx>
+          <c:layout/>
         </c:title>
         <c:numFmt formatCode="General" sourceLinked="1"/>
         <c:tickLblPos val="nextTo"/>
@@ -650,6 +653,7 @@
               </a:p>
             </c:rich>
           </c:tx>
+          <c:layout/>
         </c:title>
         <c:numFmt formatCode="0.0" sourceLinked="0"/>
         <c:tickLblPos val="nextTo"/>
@@ -660,6 +664,7 @@
     </c:plotArea>
     <c:legend>
       <c:legendPos val="r"/>
+      <c:layout/>
     </c:legend>
     <c:plotVisOnly val="1"/>
     <c:dispBlanksAs val="gap"/>
@@ -838,6 +843,7 @@
               </a:p>
             </c:rich>
           </c:tx>
+          <c:layout/>
         </c:title>
         <c:numFmt formatCode="General" sourceLinked="1"/>
         <c:tickLblPos val="nextTo"/>
@@ -1016,6 +1022,7 @@
               </a:p>
             </c:rich>
           </c:tx>
+          <c:layout/>
         </c:title>
         <c:numFmt formatCode="General" sourceLinked="1"/>
         <c:tickLblPos val="nextTo"/>
@@ -1041,6 +1048,7 @@
     </c:plotArea>
     <c:legend>
       <c:legendPos val="r"/>
+      <c:layout/>
     </c:legend>
     <c:plotVisOnly val="1"/>
     <c:dispBlanksAs val="gap"/>
@@ -2231,7 +2239,7 @@
             <a:fld id="{CB697A11-5CEE-4588-B832-132CDC30A066}" type="slidenum">
               <a:rPr lang="pt-PT" smtClean="0"/>
               <a:pPr/>
-              <a:t>28</a:t>
+              <a:t>29</a:t>
             </a:fld>
             <a:endParaRPr lang="pt-PT"/>
           </a:p>
@@ -2397,7 +2405,7 @@
             <a:fld id="{CB697A11-5CEE-4588-B832-132CDC30A066}" type="slidenum">
               <a:rPr lang="pt-PT" smtClean="0"/>
               <a:pPr/>
-              <a:t>29</a:t>
+              <a:t>30</a:t>
             </a:fld>
             <a:endParaRPr lang="pt-PT"/>
           </a:p>
@@ -2599,7 +2607,7 @@
             <a:fld id="{CB697A11-5CEE-4588-B832-132CDC30A066}" type="slidenum">
               <a:rPr lang="pt-PT" smtClean="0"/>
               <a:pPr/>
-              <a:t>30</a:t>
+              <a:t>31</a:t>
             </a:fld>
             <a:endParaRPr lang="pt-PT"/>
           </a:p>
@@ -12293,7 +12301,7 @@
 </file>
 
 <file path=ppt/slides/slide17.xml><?xml version="1.0" encoding="utf-8"?>
-<p:sld xmlns:a="http://schemas.openxmlformats.org/drawingml/2006/main" xmlns:r="http://schemas.openxmlformats.org/officeDocument/2006/relationships" xmlns:p="http://schemas.openxmlformats.org/presentationml/2006/main">
+<p:sld xmlns:a="http://schemas.openxmlformats.org/drawingml/2006/main" xmlns:r="http://schemas.openxmlformats.org/officeDocument/2006/relationships" xmlns:p="http://schemas.openxmlformats.org/presentationml/2006/main" show="0">
   <p:cSld>
     <p:spTree>
       <p:nvGrpSpPr>
@@ -12380,6 +12388,7 @@
   <p:clrMapOvr>
     <a:masterClrMapping/>
   </p:clrMapOvr>
+  <p:transition/>
   <p:timing>
     <p:tnLst>
       <p:par>
@@ -12453,7 +12462,7 @@
         </p:spPr>
         <p:txBody>
           <a:bodyPr>
-            <a:normAutofit fontScale="92500" lnSpcReduction="10000"/>
+            <a:normAutofit/>
           </a:bodyPr>
           <a:lstStyle/>
           <a:p>
@@ -12521,65 +12530,6 @@
           <a:p>
             <a:pPr lvl="1"/>
             <a:endParaRPr lang="pt-PT" dirty="0" smtClean="0"/>
-          </a:p>
-          <a:p>
-            <a:r>
-              <a:rPr lang="pt-PT" dirty="0" smtClean="0"/>
-              <a:t>Avaliação de desempenho</a:t>
-            </a:r>
-          </a:p>
-          <a:p>
-            <a:pPr lvl="1"/>
-            <a:r>
-              <a:rPr lang="en-US" dirty="0" smtClean="0"/>
-              <a:t>S</a:t>
-            </a:r>
-            <a:r>
-              <a:rPr lang="pt-PT" dirty="0" err="1" smtClean="0"/>
-              <a:t>obrecarga</a:t>
-            </a:r>
-            <a:r>
-              <a:rPr lang="pt-PT" dirty="0" smtClean="0"/>
-              <a:t> introduzida pela instrumentação do processo</a:t>
-            </a:r>
-          </a:p>
-          <a:p>
-            <a:pPr lvl="1"/>
-            <a:r>
-              <a:rPr lang="en-US" dirty="0" smtClean="0"/>
-              <a:t>S</a:t>
-            </a:r>
-            <a:r>
-              <a:rPr lang="pt-PT" dirty="0" err="1" smtClean="0"/>
-              <a:t>obrecarga</a:t>
-            </a:r>
-            <a:r>
-              <a:rPr lang="pt-PT" dirty="0" smtClean="0"/>
-              <a:t> face ao sistema original</a:t>
-            </a:r>
-          </a:p>
-          <a:p>
-            <a:pPr lvl="2"/>
-            <a:r>
-              <a:rPr lang="en-US" dirty="0" smtClean="0"/>
-              <a:t>C</a:t>
-            </a:r>
-            <a:r>
-              <a:rPr lang="pt-PT" dirty="0" err="1" smtClean="0"/>
-              <a:t>aptura</a:t>
-            </a:r>
-            <a:r>
-              <a:rPr lang="pt-PT" dirty="0" smtClean="0"/>
-              <a:t> de tráfego usando </a:t>
-            </a:r>
-            <a:r>
-              <a:rPr lang="pt-PT" dirty="0" err="1" smtClean="0"/>
-              <a:t>tcpdump</a:t>
-            </a:r>
-            <a:r>
-              <a:rPr lang="pt-PT" dirty="0" smtClean="0"/>
-              <a:t> em testes de transferência de grandes volumes de dados</a:t>
-            </a:r>
           </a:p>
           <a:p>
             <a:pPr lvl="2"/>
@@ -12665,7 +12615,7 @@
           <a:p>
             <a:r>
               <a:rPr lang="pt-PT" dirty="0" smtClean="0"/>
-              <a:t>Avaliação II</a:t>
+              <a:t>Avaliação</a:t>
             </a:r>
             <a:endParaRPr lang="pt-PT" dirty="0"/>
           </a:p>
@@ -12695,8 +12645,69 @@
           <a:p>
             <a:r>
               <a:rPr lang="pt-PT" dirty="0" smtClean="0"/>
-              <a:t>Explicar os diversos testes …..</a:t>
-            </a:r>
+              <a:t>Avaliação </a:t>
+            </a:r>
+            <a:r>
+              <a:rPr lang="pt-PT" dirty="0" smtClean="0"/>
+              <a:t>de desempenho</a:t>
+            </a:r>
+          </a:p>
+          <a:p>
+            <a:pPr lvl="1"/>
+            <a:r>
+              <a:rPr lang="en-US" dirty="0" smtClean="0"/>
+              <a:t>S</a:t>
+            </a:r>
+            <a:r>
+              <a:rPr lang="pt-PT" dirty="0" err="1" smtClean="0"/>
+              <a:t>obrecarga</a:t>
+            </a:r>
+            <a:r>
+              <a:rPr lang="pt-PT" dirty="0" smtClean="0"/>
+              <a:t> face ao sistema original</a:t>
+            </a:r>
+          </a:p>
+          <a:p>
+            <a:pPr lvl="2"/>
+            <a:r>
+              <a:rPr lang="en-US" dirty="0" smtClean="0"/>
+              <a:t>C</a:t>
+            </a:r>
+            <a:r>
+              <a:rPr lang="pt-PT" dirty="0" err="1" smtClean="0"/>
+              <a:t>aptura</a:t>
+            </a:r>
+            <a:r>
+              <a:rPr lang="pt-PT" dirty="0" smtClean="0"/>
+              <a:t> de tráfego usando </a:t>
+            </a:r>
+            <a:r>
+              <a:rPr lang="pt-PT" dirty="0" err="1" smtClean="0"/>
+              <a:t>tcpdump</a:t>
+            </a:r>
+            <a:r>
+              <a:rPr lang="pt-PT" dirty="0" smtClean="0"/>
+              <a:t> em testes de transferência de grandes volumes de dados</a:t>
+            </a:r>
+          </a:p>
+          <a:p>
+            <a:pPr lvl="1"/>
+            <a:r>
+              <a:rPr lang="en-US" dirty="0" smtClean="0"/>
+              <a:t>S</a:t>
+            </a:r>
+            <a:r>
+              <a:rPr lang="pt-PT" dirty="0" err="1" smtClean="0"/>
+              <a:t>obrecarga</a:t>
+            </a:r>
+            <a:r>
+              <a:rPr lang="pt-PT" dirty="0" smtClean="0"/>
+              <a:t> introduzida pela instrumentação do processo</a:t>
+            </a:r>
+          </a:p>
+          <a:p>
+            <a:pPr lvl="2"/>
+            <a:endParaRPr lang="pt-PT" dirty="0" smtClean="0"/>
           </a:p>
           <a:p>
             <a:pPr lvl="1"/>
@@ -12900,7 +12911,7 @@
         </p:nvSpPr>
         <p:spPr>
           <a:xfrm>
-            <a:off x="457200" y="476672"/>
+            <a:off x="457200" y="260648"/>
             <a:ext cx="8229600" cy="1066800"/>
           </a:xfrm>
         </p:spPr>
@@ -12910,7 +12921,11 @@
           <a:p>
             <a:r>
               <a:rPr lang="pt-PT" dirty="0" smtClean="0"/>
-              <a:t>Avaliação de desempenho (II)</a:t>
+              <a:t>Avaliação </a:t>
+            </a:r>
+            <a:r>
+              <a:rPr lang="pt-PT" dirty="0" smtClean="0"/>
+              <a:t>de desempenho</a:t>
             </a:r>
             <a:endParaRPr lang="pt-PT" dirty="0"/>
           </a:p>
@@ -12928,99 +12943,91 @@
         </p:nvSpPr>
         <p:spPr>
           <a:xfrm>
-            <a:off x="467544" y="1412776"/>
-            <a:ext cx="8229600" cy="5157192"/>
-          </a:xfrm>
-        </p:spPr>
-        <p:txBody>
-          <a:bodyPr/>
+            <a:off x="323528" y="1412776"/>
+            <a:ext cx="8229600" cy="5472608"/>
+          </a:xfrm>
+        </p:spPr>
+        <p:txBody>
+          <a:bodyPr>
+            <a:normAutofit/>
+          </a:bodyPr>
           <a:lstStyle/>
           <a:p>
             <a:r>
               <a:rPr lang="pt-PT" dirty="0" smtClean="0"/>
-              <a:t>Avaliação da sobrecarga introduzida</a:t>
-            </a:r>
+              <a:t>Duas máquinas ligadas </a:t>
+            </a:r>
+            <a:r>
+              <a:rPr lang="pt-PT" dirty="0" err="1" smtClean="0"/>
+              <a:t>directamente</a:t>
+            </a:r>
+            <a:endParaRPr lang="pt-PT" dirty="0" smtClean="0"/>
+          </a:p>
+          <a:p>
+            <a:r>
+              <a:rPr lang="pt-PT" dirty="0" smtClean="0"/>
+              <a:t>Desempenho na transferência de 1 GB de dados através dos protocolos </a:t>
+            </a:r>
+            <a:r>
+              <a:rPr lang="pt-PT" dirty="0" err="1" smtClean="0"/>
+              <a:t>ftp</a:t>
+            </a:r>
+            <a:r>
+              <a:rPr lang="pt-PT" dirty="0" smtClean="0"/>
+              <a:t> e </a:t>
+            </a:r>
+            <a:r>
+              <a:rPr lang="pt-PT" dirty="0" err="1" smtClean="0"/>
+              <a:t>http</a:t>
+            </a:r>
+            <a:endParaRPr lang="pt-PT" dirty="0" smtClean="0"/>
           </a:p>
           <a:p>
             <a:pPr lvl="1"/>
             <a:r>
               <a:rPr lang="pt-PT" dirty="0" smtClean="0"/>
-              <a:t>Instrumentação com </a:t>
+              <a:t>Capturar todo o tráfego através da biblioteca </a:t>
             </a:r>
             <a:r>
               <a:rPr lang="pt-PT" dirty="0" err="1" smtClean="0"/>
-              <a:t>KProbe</a:t>
+              <a:t>PCap</a:t>
             </a:r>
             <a:r>
               <a:rPr lang="pt-PT" dirty="0" smtClean="0"/>
-              <a:t> da chamada ao sistema </a:t>
+              <a:t> com recurso </a:t>
+            </a:r>
+          </a:p>
+          <a:p>
+            <a:pPr lvl="1"/>
+            <a:r>
+              <a:rPr lang="pt-PT" dirty="0" smtClean="0"/>
+              <a:t>Capturar através do filtro dinâmico</a:t>
+            </a:r>
+          </a:p>
+          <a:p>
+            <a:r>
+              <a:rPr lang="pt-PT" dirty="0" smtClean="0"/>
+              <a:t>Dois fluxos de dados onde se captura apenas um através do recurso ao filtro dinâmico</a:t>
+            </a:r>
+          </a:p>
+          <a:p>
+            <a:pPr lvl="1"/>
+            <a:r>
+              <a:rPr lang="pt-PT" dirty="0" smtClean="0"/>
+              <a:t>A filtragem em nível utilizador ou através dos filtros estáticos do </a:t>
             </a:r>
             <a:r>
               <a:rPr lang="pt-PT" dirty="0" err="1" smtClean="0"/>
-              <a:t>getpid</a:t>
+              <a:t>PCap</a:t>
+            </a:r>
+            <a:r>
+              <a:rPr lang="pt-PT" dirty="0" smtClean="0"/>
+              <a:t> aumenta a sobrecarga</a:t>
             </a:r>
             <a:endParaRPr lang="pt-PT" dirty="0" smtClean="0"/>
           </a:p>
           <a:p>
-            <a:pPr lvl="1">
-              <a:buNone/>
-            </a:pPr>
-            <a:r>
-              <a:rPr lang="pt-PT" dirty="0" smtClean="0"/>
-              <a:t>                           </a:t>
-            </a:r>
-            <a:r>
-              <a:rPr lang="pt-PT" sz="1400" dirty="0" smtClean="0"/>
-              <a:t>Tempos médios por chamada (</a:t>
-            </a:r>
-            <a:r>
-              <a:rPr lang="pt-PT" sz="1400" dirty="0" err="1" smtClean="0"/>
-              <a:t>micro-segundos</a:t>
-            </a:r>
-            <a:r>
-              <a:rPr lang="pt-PT" sz="1400" dirty="0" smtClean="0"/>
-              <a:t>)</a:t>
-            </a:r>
-            <a:endParaRPr lang="pt-PT" dirty="0" smtClean="0"/>
-          </a:p>
-          <a:p>
-            <a:pPr lvl="1"/>
-            <a:endParaRPr lang="pt-PT" dirty="0" smtClean="0"/>
-          </a:p>
-          <a:p>
-            <a:pPr lvl="1">
-              <a:buNone/>
-            </a:pPr>
-            <a:endParaRPr lang="en-US" dirty="0" smtClean="0"/>
-          </a:p>
-          <a:p>
-            <a:pPr lvl="1"/>
-            <a:endParaRPr lang="en-US" sz="1200" dirty="0" smtClean="0"/>
-          </a:p>
-          <a:p>
-            <a:pPr lvl="1"/>
-            <a:r>
-              <a:rPr lang="en-US" dirty="0" err="1" smtClean="0"/>
-              <a:t>Simulação</a:t>
-            </a:r>
-            <a:r>
-              <a:rPr lang="en-US" dirty="0" smtClean="0"/>
-              <a:t> d</a:t>
-            </a:r>
-            <a:r>
-              <a:rPr lang="pt-PT" dirty="0" smtClean="0"/>
-              <a:t>a criação e destruição de </a:t>
-            </a:r>
-            <a:r>
-              <a:rPr lang="pt-PT" dirty="0" err="1" smtClean="0"/>
-              <a:t>sockets</a:t>
-            </a:r>
-            <a:endParaRPr lang="pt-PT" dirty="0" smtClean="0"/>
-          </a:p>
-          <a:p>
-            <a:pPr lvl="1">
-              <a:buNone/>
-            </a:pPr>
+            <a:pPr lvl="2"/>
             <a:endParaRPr lang="pt-PT" dirty="0" smtClean="0"/>
           </a:p>
         </p:txBody>
@@ -13044,6 +13051,443 @@
               <a:rPr lang="pt-PT" smtClean="0"/>
               <a:pPr/>
               <a:t>20</a:t>
+            </a:fld>
+            <a:endParaRPr lang="pt-PT"/>
+          </a:p>
+        </p:txBody>
+      </p:sp>
+    </p:spTree>
+  </p:cSld>
+  <p:clrMapOvr>
+    <a:masterClrMapping/>
+  </p:clrMapOvr>
+  <p:timing>
+    <p:tnLst>
+      <p:par>
+        <p:cTn id="1" dur="indefinite" restart="never" nodeType="tmRoot"/>
+      </p:par>
+    </p:tnLst>
+  </p:timing>
+</p:sld>
+</file>
+
+<file path=ppt/slides/slide21.xml><?xml version="1.0" encoding="utf-8"?>
+<p:sld xmlns:a="http://schemas.openxmlformats.org/drawingml/2006/main" xmlns:r="http://schemas.openxmlformats.org/officeDocument/2006/relationships" xmlns:p="http://schemas.openxmlformats.org/presentationml/2006/main">
+  <p:cSld>
+    <p:spTree>
+      <p:nvGrpSpPr>
+        <p:cNvPr id="1" name=""/>
+        <p:cNvGrpSpPr/>
+        <p:nvPr/>
+      </p:nvGrpSpPr>
+      <p:grpSpPr>
+        <a:xfrm>
+          <a:off x="0" y="0"/>
+          <a:ext cx="0" cy="0"/>
+          <a:chOff x="0" y="0"/>
+          <a:chExt cx="0" cy="0"/>
+        </a:xfrm>
+      </p:grpSpPr>
+      <p:sp>
+        <p:nvSpPr>
+          <p:cNvPr id="2" name="Título 1"/>
+          <p:cNvSpPr>
+            <a:spLocks noGrp="1"/>
+          </p:cNvSpPr>
+          <p:nvPr>
+            <p:ph type="title"/>
+          </p:nvPr>
+        </p:nvSpPr>
+        <p:spPr>
+          <a:xfrm>
+            <a:off x="35496" y="404664"/>
+            <a:ext cx="8229600" cy="1066800"/>
+          </a:xfrm>
+        </p:spPr>
+        <p:txBody>
+          <a:bodyPr>
+            <a:normAutofit/>
+          </a:bodyPr>
+          <a:lstStyle/>
+          <a:p>
+            <a:r>
+              <a:rPr lang="pt-PT" smtClean="0"/>
+              <a:t>Avaliação de desempenho (III)</a:t>
+            </a:r>
+            <a:endParaRPr lang="pt-PT"/>
+          </a:p>
+        </p:txBody>
+      </p:sp>
+      <p:sp>
+        <p:nvSpPr>
+          <p:cNvPr id="5" name="Marcador de Posição do Número do Diapositivo 4"/>
+          <p:cNvSpPr>
+            <a:spLocks noGrp="1"/>
+          </p:cNvSpPr>
+          <p:nvPr>
+            <p:ph type="sldNum" sz="quarter" idx="12"/>
+          </p:nvPr>
+        </p:nvSpPr>
+        <p:spPr/>
+        <p:txBody>
+          <a:bodyPr/>
+          <a:lstStyle/>
+          <a:p>
+            <a:fld id="{AC560869-1695-4081-8E6F-05D0DB8947D3}" type="slidenum">
+              <a:rPr lang="pt-PT" smtClean="0"/>
+              <a:pPr/>
+              <a:t>21</a:t>
+            </a:fld>
+            <a:endParaRPr lang="pt-PT"/>
+          </a:p>
+        </p:txBody>
+      </p:sp>
+      <p:graphicFrame>
+        <p:nvGraphicFramePr>
+          <p:cNvPr id="6" name="Gráfico 5"/>
+          <p:cNvGraphicFramePr>
+            <a:graphicFrameLocks/>
+          </p:cNvGraphicFramePr>
+          <p:nvPr/>
+        </p:nvGraphicFramePr>
+        <p:xfrm>
+          <a:off x="251520" y="2420888"/>
+          <a:ext cx="8496944" cy="4057650"/>
+        </p:xfrm>
+        <a:graphic>
+          <a:graphicData uri="http://schemas.openxmlformats.org/drawingml/2006/chart">
+            <c:chart xmlns:c="http://schemas.openxmlformats.org/drawingml/2006/chart" xmlns:r="http://schemas.openxmlformats.org/officeDocument/2006/relationships" r:id="rId2"/>
+          </a:graphicData>
+        </a:graphic>
+      </p:graphicFrame>
+    </p:spTree>
+  </p:cSld>
+  <p:clrMapOvr>
+    <a:masterClrMapping/>
+  </p:clrMapOvr>
+  <p:timing>
+    <p:tnLst>
+      <p:par>
+        <p:cTn id="1" dur="indefinite" restart="never" nodeType="tmRoot"/>
+      </p:par>
+    </p:tnLst>
+  </p:timing>
+</p:sld>
+</file>
+
+<file path=ppt/slides/slide22.xml><?xml version="1.0" encoding="utf-8"?>
+<p:sld xmlns:a="http://schemas.openxmlformats.org/drawingml/2006/main" xmlns:r="http://schemas.openxmlformats.org/officeDocument/2006/relationships" xmlns:p="http://schemas.openxmlformats.org/presentationml/2006/main">
+  <p:cSld>
+    <p:spTree>
+      <p:nvGrpSpPr>
+        <p:cNvPr id="1" name=""/>
+        <p:cNvGrpSpPr/>
+        <p:nvPr/>
+      </p:nvGrpSpPr>
+      <p:grpSpPr>
+        <a:xfrm>
+          <a:off x="0" y="0"/>
+          <a:ext cx="0" cy="0"/>
+          <a:chOff x="0" y="0"/>
+          <a:chExt cx="0" cy="0"/>
+        </a:xfrm>
+      </p:grpSpPr>
+      <p:sp>
+        <p:nvSpPr>
+          <p:cNvPr id="2" name="Título 1"/>
+          <p:cNvSpPr>
+            <a:spLocks noGrp="1"/>
+          </p:cNvSpPr>
+          <p:nvPr>
+            <p:ph type="title"/>
+          </p:nvPr>
+        </p:nvSpPr>
+        <p:spPr>
+          <a:xfrm>
+            <a:off x="35496" y="404664"/>
+            <a:ext cx="8229600" cy="1066800"/>
+          </a:xfrm>
+        </p:spPr>
+        <p:txBody>
+          <a:bodyPr>
+            <a:normAutofit/>
+          </a:bodyPr>
+          <a:lstStyle/>
+          <a:p>
+            <a:r>
+              <a:rPr lang="pt-PT" smtClean="0"/>
+              <a:t>Avaliação de desempenho (IV)</a:t>
+            </a:r>
+            <a:endParaRPr lang="pt-PT"/>
+          </a:p>
+        </p:txBody>
+      </p:sp>
+      <p:sp>
+        <p:nvSpPr>
+          <p:cNvPr id="5" name="Marcador de Posição do Número do Diapositivo 4"/>
+          <p:cNvSpPr>
+            <a:spLocks noGrp="1"/>
+          </p:cNvSpPr>
+          <p:nvPr>
+            <p:ph type="sldNum" sz="quarter" idx="12"/>
+          </p:nvPr>
+        </p:nvSpPr>
+        <p:spPr/>
+        <p:txBody>
+          <a:bodyPr/>
+          <a:lstStyle/>
+          <a:p>
+            <a:fld id="{AC560869-1695-4081-8E6F-05D0DB8947D3}" type="slidenum">
+              <a:rPr lang="pt-PT" smtClean="0"/>
+              <a:pPr/>
+              <a:t>22</a:t>
+            </a:fld>
+            <a:endParaRPr lang="pt-PT"/>
+          </a:p>
+        </p:txBody>
+      </p:sp>
+      <p:graphicFrame>
+        <p:nvGraphicFramePr>
+          <p:cNvPr id="7" name="Gráfico 6"/>
+          <p:cNvGraphicFramePr>
+            <a:graphicFrameLocks/>
+          </p:cNvGraphicFramePr>
+          <p:nvPr>
+            <p:extLst>
+              <p:ext uri="{D42A27DB-BD31-4B8C-83A1-F6EECF244321}">
+                <p14:modId xmlns="" xmlns:p14="http://schemas.microsoft.com/office/powerpoint/2010/main" val="2923390044"/>
+              </p:ext>
+            </p:extLst>
+          </p:nvPr>
+        </p:nvGraphicFramePr>
+        <p:xfrm>
+          <a:off x="899592" y="1556792"/>
+          <a:ext cx="7267327" cy="4395936"/>
+        </p:xfrm>
+        <a:graphic>
+          <a:graphicData uri="http://schemas.openxmlformats.org/drawingml/2006/chart">
+            <c:chart xmlns:c="http://schemas.openxmlformats.org/drawingml/2006/chart" xmlns:r="http://schemas.openxmlformats.org/officeDocument/2006/relationships" r:id="rId2"/>
+          </a:graphicData>
+        </a:graphic>
+      </p:graphicFrame>
+      <p:sp>
+        <p:nvSpPr>
+          <p:cNvPr id="6" name="CaixaDeTexto 5"/>
+          <p:cNvSpPr txBox="1"/>
+          <p:nvPr/>
+        </p:nvSpPr>
+        <p:spPr>
+          <a:xfrm>
+            <a:off x="2987824" y="1628800"/>
+            <a:ext cx="1008112" cy="369332"/>
+          </a:xfrm>
+          <a:prstGeom prst="rect">
+            <a:avLst/>
+          </a:prstGeom>
+          <a:noFill/>
+        </p:spPr>
+        <p:txBody>
+          <a:bodyPr wrap="square" rtlCol="0">
+            <a:spAutoFit/>
+          </a:bodyPr>
+          <a:lstStyle/>
+          <a:p>
+            <a:r>
+              <a:rPr lang="pt-PT" dirty="0" smtClean="0"/>
+              <a:t>+ 3.5 %</a:t>
+            </a:r>
+            <a:endParaRPr lang="pt-PT" dirty="0"/>
+          </a:p>
+        </p:txBody>
+      </p:sp>
+    </p:spTree>
+  </p:cSld>
+  <p:clrMapOvr>
+    <a:masterClrMapping/>
+  </p:clrMapOvr>
+  <p:timing>
+    <p:tnLst>
+      <p:par>
+        <p:cTn id="1" dur="indefinite" restart="never" nodeType="tmRoot"/>
+      </p:par>
+    </p:tnLst>
+  </p:timing>
+</p:sld>
+</file>
+
+<file path=ppt/slides/slide23.xml><?xml version="1.0" encoding="utf-8"?>
+<p:sld xmlns:a="http://schemas.openxmlformats.org/drawingml/2006/main" xmlns:r="http://schemas.openxmlformats.org/officeDocument/2006/relationships" xmlns:p="http://schemas.openxmlformats.org/presentationml/2006/main">
+  <p:cSld>
+    <p:spTree>
+      <p:nvGrpSpPr>
+        <p:cNvPr id="1" name=""/>
+        <p:cNvGrpSpPr/>
+        <p:nvPr/>
+      </p:nvGrpSpPr>
+      <p:grpSpPr>
+        <a:xfrm>
+          <a:off x="0" y="0"/>
+          <a:ext cx="0" cy="0"/>
+          <a:chOff x="0" y="0"/>
+          <a:chExt cx="0" cy="0"/>
+        </a:xfrm>
+      </p:grpSpPr>
+      <p:sp>
+        <p:nvSpPr>
+          <p:cNvPr id="2" name="Título 1"/>
+          <p:cNvSpPr>
+            <a:spLocks noGrp="1"/>
+          </p:cNvSpPr>
+          <p:nvPr>
+            <p:ph type="title"/>
+          </p:nvPr>
+        </p:nvSpPr>
+        <p:spPr>
+          <a:xfrm>
+            <a:off x="457200" y="476672"/>
+            <a:ext cx="8229600" cy="1066800"/>
+          </a:xfrm>
+        </p:spPr>
+        <p:txBody>
+          <a:bodyPr/>
+          <a:lstStyle/>
+          <a:p>
+            <a:r>
+              <a:rPr lang="pt-PT" dirty="0" smtClean="0"/>
+              <a:t>Avaliação de desempenho (II)</a:t>
+            </a:r>
+            <a:endParaRPr lang="pt-PT" dirty="0"/>
+          </a:p>
+        </p:txBody>
+      </p:sp>
+      <p:sp>
+        <p:nvSpPr>
+          <p:cNvPr id="3" name="Marcador de Posição de Conteúdo 2"/>
+          <p:cNvSpPr>
+            <a:spLocks noGrp="1"/>
+          </p:cNvSpPr>
+          <p:nvPr>
+            <p:ph idx="1"/>
+          </p:nvPr>
+        </p:nvSpPr>
+        <p:spPr>
+          <a:xfrm>
+            <a:off x="467544" y="1412776"/>
+            <a:ext cx="8229600" cy="5157192"/>
+          </a:xfrm>
+        </p:spPr>
+        <p:txBody>
+          <a:bodyPr/>
+          <a:lstStyle/>
+          <a:p>
+            <a:r>
+              <a:rPr lang="pt-PT" dirty="0" smtClean="0"/>
+              <a:t>Avaliação da sobrecarga introduzida</a:t>
+            </a:r>
+          </a:p>
+          <a:p>
+            <a:pPr lvl="1"/>
+            <a:r>
+              <a:rPr lang="pt-PT" dirty="0" smtClean="0"/>
+              <a:t>Instrumentação com </a:t>
+            </a:r>
+            <a:r>
+              <a:rPr lang="pt-PT" dirty="0" err="1" smtClean="0"/>
+              <a:t>KProbe</a:t>
+            </a:r>
+            <a:r>
+              <a:rPr lang="pt-PT" dirty="0" smtClean="0"/>
+              <a:t> da chamada ao sistema </a:t>
+            </a:r>
+            <a:r>
+              <a:rPr lang="pt-PT" dirty="0" err="1" smtClean="0"/>
+              <a:t>getpid</a:t>
+            </a:r>
+            <a:endParaRPr lang="pt-PT" dirty="0" smtClean="0"/>
+          </a:p>
+          <a:p>
+            <a:pPr lvl="1">
+              <a:buNone/>
+            </a:pPr>
+            <a:r>
+              <a:rPr lang="pt-PT" dirty="0" smtClean="0"/>
+              <a:t>                           </a:t>
+            </a:r>
+            <a:r>
+              <a:rPr lang="pt-PT" sz="1400" dirty="0" smtClean="0"/>
+              <a:t>Tempos médios por chamada (</a:t>
+            </a:r>
+            <a:r>
+              <a:rPr lang="pt-PT" sz="1400" dirty="0" err="1" smtClean="0"/>
+              <a:t>micro-segundos</a:t>
+            </a:r>
+            <a:r>
+              <a:rPr lang="pt-PT" sz="1400" dirty="0" smtClean="0"/>
+              <a:t>)</a:t>
+            </a:r>
+            <a:endParaRPr lang="pt-PT" dirty="0" smtClean="0"/>
+          </a:p>
+          <a:p>
+            <a:pPr lvl="1"/>
+            <a:endParaRPr lang="pt-PT" dirty="0" smtClean="0"/>
+          </a:p>
+          <a:p>
+            <a:pPr lvl="1">
+              <a:buNone/>
+            </a:pPr>
+            <a:endParaRPr lang="en-US" dirty="0" smtClean="0"/>
+          </a:p>
+          <a:p>
+            <a:pPr lvl="1"/>
+            <a:endParaRPr lang="en-US" sz="1200" dirty="0" smtClean="0"/>
+          </a:p>
+          <a:p>
+            <a:pPr lvl="1"/>
+            <a:r>
+              <a:rPr lang="en-US" dirty="0" err="1" smtClean="0"/>
+              <a:t>Simulação</a:t>
+            </a:r>
+            <a:r>
+              <a:rPr lang="en-US" dirty="0" smtClean="0"/>
+              <a:t> d</a:t>
+            </a:r>
+            <a:r>
+              <a:rPr lang="pt-PT" dirty="0" smtClean="0"/>
+              <a:t>a criação e destruição de </a:t>
+            </a:r>
+            <a:r>
+              <a:rPr lang="pt-PT" dirty="0" err="1" smtClean="0"/>
+              <a:t>sockets</a:t>
+            </a:r>
+            <a:endParaRPr lang="pt-PT" dirty="0" smtClean="0"/>
+          </a:p>
+          <a:p>
+            <a:pPr lvl="1">
+              <a:buNone/>
+            </a:pPr>
+            <a:endParaRPr lang="pt-PT" dirty="0" smtClean="0"/>
+          </a:p>
+        </p:txBody>
+      </p:sp>
+      <p:sp>
+        <p:nvSpPr>
+          <p:cNvPr id="5" name="Marcador de Posição do Número do Diapositivo 4"/>
+          <p:cNvSpPr>
+            <a:spLocks noGrp="1"/>
+          </p:cNvSpPr>
+          <p:nvPr>
+            <p:ph type="sldNum" sz="quarter" idx="12"/>
+          </p:nvPr>
+        </p:nvSpPr>
+        <p:spPr/>
+        <p:txBody>
+          <a:bodyPr/>
+          <a:lstStyle/>
+          <a:p>
+            <a:fld id="{AC560869-1695-4081-8E6F-05D0DB8947D3}" type="slidenum">
+              <a:rPr lang="pt-PT" smtClean="0"/>
+              <a:pPr/>
+              <a:t>23</a:t>
             </a:fld>
             <a:endParaRPr lang="pt-PT"/>
           </a:p>
@@ -13399,7 +13843,7 @@
 </p:sld>
 </file>
 
-<file path=ppt/slides/slide21.xml><?xml version="1.0" encoding="utf-8"?>
+<file path=ppt/slides/slide24.xml><?xml version="1.0" encoding="utf-8"?>
 <p:sld xmlns:a="http://schemas.openxmlformats.org/drawingml/2006/main" xmlns:r="http://schemas.openxmlformats.org/officeDocument/2006/relationships" xmlns:p="http://schemas.openxmlformats.org/presentationml/2006/main">
   <p:cSld>
     <p:spTree>
@@ -13428,21 +13872,109 @@
         </p:nvSpPr>
         <p:spPr>
           <a:xfrm>
-            <a:off x="35496" y="404664"/>
+            <a:off x="457200" y="692696"/>
             <a:ext cx="8229600" cy="1066800"/>
           </a:xfrm>
         </p:spPr>
         <p:txBody>
+          <a:bodyPr/>
+          <a:lstStyle/>
+          <a:p>
+            <a:r>
+              <a:rPr lang="pt-PT" dirty="0" smtClean="0"/>
+              <a:t>Conclusões</a:t>
+            </a:r>
+            <a:endParaRPr lang="pt-PT" dirty="0"/>
+          </a:p>
+        </p:txBody>
+      </p:sp>
+      <p:sp>
+        <p:nvSpPr>
+          <p:cNvPr id="3" name="Marcador de Posição de Conteúdo 2"/>
+          <p:cNvSpPr>
+            <a:spLocks noGrp="1"/>
+          </p:cNvSpPr>
+          <p:nvPr>
+            <p:ph idx="1"/>
+          </p:nvPr>
+        </p:nvSpPr>
+        <p:spPr>
+          <a:xfrm>
+            <a:off x="457200" y="1772816"/>
+            <a:ext cx="8229600" cy="4801720"/>
+          </a:xfrm>
+        </p:spPr>
+        <p:txBody>
           <a:bodyPr>
-            <a:normAutofit/>
+            <a:normAutofit fontScale="92500"/>
           </a:bodyPr>
           <a:lstStyle/>
           <a:p>
             <a:r>
-              <a:rPr lang="pt-PT" smtClean="0"/>
-              <a:t>Avaliação de desempenho (III)</a:t>
-            </a:r>
-            <a:endParaRPr lang="pt-PT"/>
+              <a:rPr lang="pt-PT" dirty="0" smtClean="0"/>
+              <a:t>Implementado módulo de </a:t>
+            </a:r>
+            <a:r>
+              <a:rPr lang="pt-PT" dirty="0"/>
+              <a:t>extensão ao </a:t>
+            </a:r>
+            <a:r>
+              <a:rPr lang="pt-PT" dirty="0" smtClean="0"/>
+              <a:t>LSF/P</a:t>
+            </a:r>
+            <a:r>
+              <a:rPr lang="en-US" dirty="0" smtClean="0"/>
+              <a:t>C</a:t>
+            </a:r>
+            <a:r>
+              <a:rPr lang="pt-PT" dirty="0" err="1" smtClean="0"/>
+              <a:t>ap</a:t>
+            </a:r>
+            <a:r>
+              <a:rPr lang="pt-PT" dirty="0" smtClean="0"/>
+              <a:t> para filtragem orientada ao processo(s)</a:t>
+            </a:r>
+            <a:endParaRPr lang="pt-PT" dirty="0"/>
+          </a:p>
+          <a:p>
+            <a:r>
+              <a:rPr lang="pt-PT" dirty="0" smtClean="0"/>
+              <a:t>Obtém durante a execução apenas a informação relevante</a:t>
+            </a:r>
+          </a:p>
+          <a:p>
+            <a:r>
+              <a:rPr lang="pt-PT" dirty="0" smtClean="0"/>
+              <a:t>Mantida a compatibilidade com os filtros existentes</a:t>
+            </a:r>
+            <a:endParaRPr lang="pt-PT" dirty="0"/>
+          </a:p>
+          <a:p>
+            <a:r>
+              <a:rPr lang="pt-PT" dirty="0" smtClean="0"/>
+              <a:t>Sobrecarga mínima e permite melhores resultados que a captura original noutros casos</a:t>
+            </a:r>
+          </a:p>
+          <a:p>
+            <a:pPr lvl="1"/>
+            <a:r>
+              <a:rPr lang="pt-PT" dirty="0" smtClean="0"/>
+              <a:t>Apenas captura um subconjunto do tráfego de rede</a:t>
+            </a:r>
+            <a:endParaRPr lang="pt-PT" dirty="0"/>
+          </a:p>
+          <a:p>
+            <a:r>
+              <a:rPr lang="pt-PT" dirty="0" smtClean="0"/>
+              <a:t>Trabalho futuro:</a:t>
+            </a:r>
+          </a:p>
+          <a:p>
+            <a:pPr lvl="1"/>
+            <a:r>
+              <a:rPr lang="pt-PT" dirty="0" smtClean="0"/>
+              <a:t>Disponibilização e testes para a comunidade</a:t>
+            </a:r>
           </a:p>
         </p:txBody>
       </p:sp>
@@ -13464,30 +13996,12 @@
             <a:fld id="{AC560869-1695-4081-8E6F-05D0DB8947D3}" type="slidenum">
               <a:rPr lang="pt-PT" smtClean="0"/>
               <a:pPr/>
-              <a:t>21</a:t>
+              <a:t>24</a:t>
             </a:fld>
             <a:endParaRPr lang="pt-PT"/>
           </a:p>
         </p:txBody>
       </p:sp>
-      <p:graphicFrame>
-        <p:nvGraphicFramePr>
-          <p:cNvPr id="6" name="Gráfico 5"/>
-          <p:cNvGraphicFramePr>
-            <a:graphicFrameLocks/>
-          </p:cNvGraphicFramePr>
-          <p:nvPr/>
-        </p:nvGraphicFramePr>
-        <p:xfrm>
-          <a:off x="251520" y="2420888"/>
-          <a:ext cx="8496944" cy="4057650"/>
-        </p:xfrm>
-        <a:graphic>
-          <a:graphicData uri="http://schemas.openxmlformats.org/drawingml/2006/chart">
-            <c:chart xmlns:c="http://schemas.openxmlformats.org/drawingml/2006/chart" xmlns:r="http://schemas.openxmlformats.org/officeDocument/2006/relationships" r:id="rId2"/>
-          </a:graphicData>
-        </a:graphic>
-      </p:graphicFrame>
     </p:spTree>
   </p:cSld>
   <p:clrMapOvr>
@@ -13503,321 +14017,7 @@
 </p:sld>
 </file>
 
-<file path=ppt/slides/slide22.xml><?xml version="1.0" encoding="utf-8"?>
-<p:sld xmlns:a="http://schemas.openxmlformats.org/drawingml/2006/main" xmlns:r="http://schemas.openxmlformats.org/officeDocument/2006/relationships" xmlns:p="http://schemas.openxmlformats.org/presentationml/2006/main">
-  <p:cSld>
-    <p:spTree>
-      <p:nvGrpSpPr>
-        <p:cNvPr id="1" name=""/>
-        <p:cNvGrpSpPr/>
-        <p:nvPr/>
-      </p:nvGrpSpPr>
-      <p:grpSpPr>
-        <a:xfrm>
-          <a:off x="0" y="0"/>
-          <a:ext cx="0" cy="0"/>
-          <a:chOff x="0" y="0"/>
-          <a:chExt cx="0" cy="0"/>
-        </a:xfrm>
-      </p:grpSpPr>
-      <p:sp>
-        <p:nvSpPr>
-          <p:cNvPr id="2" name="Título 1"/>
-          <p:cNvSpPr>
-            <a:spLocks noGrp="1"/>
-          </p:cNvSpPr>
-          <p:nvPr>
-            <p:ph type="title"/>
-          </p:nvPr>
-        </p:nvSpPr>
-        <p:spPr>
-          <a:xfrm>
-            <a:off x="35496" y="404664"/>
-            <a:ext cx="8229600" cy="1066800"/>
-          </a:xfrm>
-        </p:spPr>
-        <p:txBody>
-          <a:bodyPr>
-            <a:normAutofit/>
-          </a:bodyPr>
-          <a:lstStyle/>
-          <a:p>
-            <a:r>
-              <a:rPr lang="pt-PT" smtClean="0"/>
-              <a:t>Avaliação de desempenho (IV)</a:t>
-            </a:r>
-            <a:endParaRPr lang="pt-PT"/>
-          </a:p>
-        </p:txBody>
-      </p:sp>
-      <p:sp>
-        <p:nvSpPr>
-          <p:cNvPr id="5" name="Marcador de Posição do Número do Diapositivo 4"/>
-          <p:cNvSpPr>
-            <a:spLocks noGrp="1"/>
-          </p:cNvSpPr>
-          <p:nvPr>
-            <p:ph type="sldNum" sz="quarter" idx="12"/>
-          </p:nvPr>
-        </p:nvSpPr>
-        <p:spPr/>
-        <p:txBody>
-          <a:bodyPr/>
-          <a:lstStyle/>
-          <a:p>
-            <a:fld id="{AC560869-1695-4081-8E6F-05D0DB8947D3}" type="slidenum">
-              <a:rPr lang="pt-PT" smtClean="0"/>
-              <a:pPr/>
-              <a:t>22</a:t>
-            </a:fld>
-            <a:endParaRPr lang="pt-PT"/>
-          </a:p>
-        </p:txBody>
-      </p:sp>
-      <p:graphicFrame>
-        <p:nvGraphicFramePr>
-          <p:cNvPr id="7" name="Gráfico 6"/>
-          <p:cNvGraphicFramePr>
-            <a:graphicFrameLocks/>
-          </p:cNvGraphicFramePr>
-          <p:nvPr>
-            <p:extLst>
-              <p:ext uri="{D42A27DB-BD31-4B8C-83A1-F6EECF244321}">
-                <p14:modId xmlns="" xmlns:p14="http://schemas.microsoft.com/office/powerpoint/2010/main" val="2923390044"/>
-              </p:ext>
-            </p:extLst>
-          </p:nvPr>
-        </p:nvGraphicFramePr>
-        <p:xfrm>
-          <a:off x="899592" y="1556792"/>
-          <a:ext cx="7267327" cy="4395936"/>
-        </p:xfrm>
-        <a:graphic>
-          <a:graphicData uri="http://schemas.openxmlformats.org/drawingml/2006/chart">
-            <c:chart xmlns:c="http://schemas.openxmlformats.org/drawingml/2006/chart" xmlns:r="http://schemas.openxmlformats.org/officeDocument/2006/relationships" r:id="rId2"/>
-          </a:graphicData>
-        </a:graphic>
-      </p:graphicFrame>
-      <p:sp>
-        <p:nvSpPr>
-          <p:cNvPr id="6" name="CaixaDeTexto 5"/>
-          <p:cNvSpPr txBox="1"/>
-          <p:nvPr/>
-        </p:nvSpPr>
-        <p:spPr>
-          <a:xfrm>
-            <a:off x="2987824" y="1628800"/>
-            <a:ext cx="1008112" cy="369332"/>
-          </a:xfrm>
-          <a:prstGeom prst="rect">
-            <a:avLst/>
-          </a:prstGeom>
-          <a:noFill/>
-        </p:spPr>
-        <p:txBody>
-          <a:bodyPr wrap="square" rtlCol="0">
-            <a:spAutoFit/>
-          </a:bodyPr>
-          <a:lstStyle/>
-          <a:p>
-            <a:r>
-              <a:rPr lang="pt-PT" dirty="0" smtClean="0"/>
-              <a:t>+ 3.5 %</a:t>
-            </a:r>
-            <a:endParaRPr lang="pt-PT" dirty="0"/>
-          </a:p>
-        </p:txBody>
-      </p:sp>
-    </p:spTree>
-  </p:cSld>
-  <p:clrMapOvr>
-    <a:masterClrMapping/>
-  </p:clrMapOvr>
-  <p:timing>
-    <p:tnLst>
-      <p:par>
-        <p:cTn id="1" dur="indefinite" restart="never" nodeType="tmRoot"/>
-      </p:par>
-    </p:tnLst>
-  </p:timing>
-</p:sld>
-</file>
-
-<file path=ppt/slides/slide23.xml><?xml version="1.0" encoding="utf-8"?>
-<p:sld xmlns:a="http://schemas.openxmlformats.org/drawingml/2006/main" xmlns:r="http://schemas.openxmlformats.org/officeDocument/2006/relationships" xmlns:p="http://schemas.openxmlformats.org/presentationml/2006/main">
-  <p:cSld>
-    <p:spTree>
-      <p:nvGrpSpPr>
-        <p:cNvPr id="1" name=""/>
-        <p:cNvGrpSpPr/>
-        <p:nvPr/>
-      </p:nvGrpSpPr>
-      <p:grpSpPr>
-        <a:xfrm>
-          <a:off x="0" y="0"/>
-          <a:ext cx="0" cy="0"/>
-          <a:chOff x="0" y="0"/>
-          <a:chExt cx="0" cy="0"/>
-        </a:xfrm>
-      </p:grpSpPr>
-      <p:sp>
-        <p:nvSpPr>
-          <p:cNvPr id="2" name="Título 1"/>
-          <p:cNvSpPr>
-            <a:spLocks noGrp="1"/>
-          </p:cNvSpPr>
-          <p:nvPr>
-            <p:ph type="title"/>
-          </p:nvPr>
-        </p:nvSpPr>
-        <p:spPr>
-          <a:xfrm>
-            <a:off x="457200" y="692696"/>
-            <a:ext cx="8229600" cy="1066800"/>
-          </a:xfrm>
-        </p:spPr>
-        <p:txBody>
-          <a:bodyPr/>
-          <a:lstStyle/>
-          <a:p>
-            <a:r>
-              <a:rPr lang="pt-PT" dirty="0" smtClean="0"/>
-              <a:t>Conclusões</a:t>
-            </a:r>
-            <a:endParaRPr lang="pt-PT" dirty="0"/>
-          </a:p>
-        </p:txBody>
-      </p:sp>
-      <p:sp>
-        <p:nvSpPr>
-          <p:cNvPr id="3" name="Marcador de Posição de Conteúdo 2"/>
-          <p:cNvSpPr>
-            <a:spLocks noGrp="1"/>
-          </p:cNvSpPr>
-          <p:nvPr>
-            <p:ph idx="1"/>
-          </p:nvPr>
-        </p:nvSpPr>
-        <p:spPr>
-          <a:xfrm>
-            <a:off x="457200" y="1772816"/>
-            <a:ext cx="8229600" cy="4801720"/>
-          </a:xfrm>
-        </p:spPr>
-        <p:txBody>
-          <a:bodyPr>
-            <a:normAutofit fontScale="92500"/>
-          </a:bodyPr>
-          <a:lstStyle/>
-          <a:p>
-            <a:r>
-              <a:rPr lang="pt-PT" dirty="0" smtClean="0"/>
-              <a:t>Implementado módulo de </a:t>
-            </a:r>
-            <a:r>
-              <a:rPr lang="pt-PT" dirty="0"/>
-              <a:t>extensão ao </a:t>
-            </a:r>
-            <a:r>
-              <a:rPr lang="pt-PT" dirty="0" smtClean="0"/>
-              <a:t>LSF/P</a:t>
-            </a:r>
-            <a:r>
-              <a:rPr lang="en-US" dirty="0" smtClean="0"/>
-              <a:t>C</a:t>
-            </a:r>
-            <a:r>
-              <a:rPr lang="pt-PT" dirty="0" err="1" smtClean="0"/>
-              <a:t>ap</a:t>
-            </a:r>
-            <a:r>
-              <a:rPr lang="pt-PT" dirty="0" smtClean="0"/>
-              <a:t> para filtragem orientada ao processo(s)</a:t>
-            </a:r>
-            <a:endParaRPr lang="pt-PT" dirty="0"/>
-          </a:p>
-          <a:p>
-            <a:r>
-              <a:rPr lang="pt-PT" dirty="0" smtClean="0"/>
-              <a:t>Obtém durante a execução apenas a informação relevante</a:t>
-            </a:r>
-          </a:p>
-          <a:p>
-            <a:r>
-              <a:rPr lang="pt-PT" dirty="0" smtClean="0"/>
-              <a:t>Mantida a compatibilidade com os filtros existentes</a:t>
-            </a:r>
-            <a:endParaRPr lang="pt-PT" dirty="0"/>
-          </a:p>
-          <a:p>
-            <a:r>
-              <a:rPr lang="pt-PT" dirty="0" smtClean="0"/>
-              <a:t>Sobrecarga mínima e permite melhores resultados que a captura original noutros casos</a:t>
-            </a:r>
-          </a:p>
-          <a:p>
-            <a:pPr lvl="1"/>
-            <a:r>
-              <a:rPr lang="pt-PT" dirty="0" smtClean="0"/>
-              <a:t>Apenas captura um subconjunto do tráfego de rede</a:t>
-            </a:r>
-            <a:endParaRPr lang="pt-PT" dirty="0"/>
-          </a:p>
-          <a:p>
-            <a:r>
-              <a:rPr lang="pt-PT" dirty="0" smtClean="0"/>
-              <a:t>Trabalho futuro:</a:t>
-            </a:r>
-          </a:p>
-          <a:p>
-            <a:pPr lvl="1"/>
-            <a:r>
-              <a:rPr lang="pt-PT" dirty="0" smtClean="0"/>
-              <a:t>Disponibilização e testes para a comunidade</a:t>
-            </a:r>
-          </a:p>
-        </p:txBody>
-      </p:sp>
-      <p:sp>
-        <p:nvSpPr>
-          <p:cNvPr id="5" name="Marcador de Posição do Número do Diapositivo 4"/>
-          <p:cNvSpPr>
-            <a:spLocks noGrp="1"/>
-          </p:cNvSpPr>
-          <p:nvPr>
-            <p:ph type="sldNum" sz="quarter" idx="12"/>
-          </p:nvPr>
-        </p:nvSpPr>
-        <p:spPr/>
-        <p:txBody>
-          <a:bodyPr/>
-          <a:lstStyle/>
-          <a:p>
-            <a:fld id="{AC560869-1695-4081-8E6F-05D0DB8947D3}" type="slidenum">
-              <a:rPr lang="pt-PT" smtClean="0"/>
-              <a:pPr/>
-              <a:t>23</a:t>
-            </a:fld>
-            <a:endParaRPr lang="pt-PT"/>
-          </a:p>
-        </p:txBody>
-      </p:sp>
-    </p:spTree>
-  </p:cSld>
-  <p:clrMapOvr>
-    <a:masterClrMapping/>
-  </p:clrMapOvr>
-  <p:timing>
-    <p:tnLst>
-      <p:par>
-        <p:cTn id="1" dur="indefinite" restart="never" nodeType="tmRoot"/>
-      </p:par>
-    </p:tnLst>
-  </p:timing>
-</p:sld>
-</file>
-
-<file path=ppt/slides/slide24.xml><?xml version="1.0" encoding="utf-8"?>
+<file path=ppt/slides/slide25.xml><?xml version="1.0" encoding="utf-8"?>
 <p:sld xmlns:a="http://schemas.openxmlformats.org/drawingml/2006/main" xmlns:r="http://schemas.openxmlformats.org/officeDocument/2006/relationships" xmlns:p="http://schemas.openxmlformats.org/presentationml/2006/main">
   <p:cSld>
     <p:spTree>
@@ -13931,7 +14131,7 @@
             <a:fld id="{AC560869-1695-4081-8E6F-05D0DB8947D3}" type="slidenum">
               <a:rPr lang="pt-PT" smtClean="0"/>
               <a:pPr/>
-              <a:t>24</a:t>
+              <a:t>25</a:t>
             </a:fld>
             <a:endParaRPr lang="pt-PT"/>
           </a:p>
@@ -14026,7 +14226,7 @@
 </p:sld>
 </file>
 
-<file path=ppt/slides/slide25.xml><?xml version="1.0" encoding="utf-8"?>
+<file path=ppt/slides/slide26.xml><?xml version="1.0" encoding="utf-8"?>
 <p:sld xmlns:a="http://schemas.openxmlformats.org/drawingml/2006/main" xmlns:r="http://schemas.openxmlformats.org/officeDocument/2006/relationships" xmlns:p="http://schemas.openxmlformats.org/presentationml/2006/main">
   <p:cSld>
     <p:spTree>
@@ -15450,7 +15650,7 @@
             <a:fld id="{AC560869-1695-4081-8E6F-05D0DB8947D3}" type="slidenum">
               <a:rPr lang="pt-PT" smtClean="0"/>
               <a:pPr/>
-              <a:t>25</a:t>
+              <a:t>26</a:t>
             </a:fld>
             <a:endParaRPr lang="pt-PT"/>
           </a:p>
@@ -16500,7 +16700,7 @@
 </p:sld>
 </file>
 
-<file path=ppt/slides/slide26.xml><?xml version="1.0" encoding="utf-8"?>
+<file path=ppt/slides/slide27.xml><?xml version="1.0" encoding="utf-8"?>
 <p:sld xmlns:a="http://schemas.openxmlformats.org/drawingml/2006/main" xmlns:r="http://schemas.openxmlformats.org/officeDocument/2006/relationships" xmlns:p="http://schemas.openxmlformats.org/presentationml/2006/main">
   <p:cSld>
     <p:spTree>
@@ -16615,7 +16815,7 @@
             <a:fld id="{AC560869-1695-4081-8E6F-05D0DB8947D3}" type="slidenum">
               <a:rPr lang="pt-PT" smtClean="0"/>
               <a:pPr/>
-              <a:t>26</a:t>
+              <a:t>27</a:t>
             </a:fld>
             <a:endParaRPr lang="pt-PT"/>
           </a:p>
@@ -16641,7 +16841,7 @@
 </p:sld>
 </file>
 
-<file path=ppt/slides/slide27.xml><?xml version="1.0" encoding="utf-8"?>
+<file path=ppt/slides/slide28.xml><?xml version="1.0" encoding="utf-8"?>
 <p:sld xmlns:a="http://schemas.openxmlformats.org/drawingml/2006/main" xmlns:r="http://schemas.openxmlformats.org/officeDocument/2006/relationships" xmlns:p="http://schemas.openxmlformats.org/presentationml/2006/main">
   <p:cSld>
     <p:spTree>
@@ -16706,7 +16906,7 @@
             <a:fld id="{AC560869-1695-4081-8E6F-05D0DB8947D3}" type="slidenum">
               <a:rPr lang="pt-PT" smtClean="0"/>
               <a:pPr/>
-              <a:t>27</a:t>
+              <a:t>28</a:t>
             </a:fld>
             <a:endParaRPr lang="pt-PT"/>
           </a:p>
@@ -16775,7 +16975,7 @@
 </p:sld>
 </file>
 
-<file path=ppt/slides/slide28.xml><?xml version="1.0" encoding="utf-8"?>
+<file path=ppt/slides/slide29.xml><?xml version="1.0" encoding="utf-8"?>
 <p:sld xmlns:a="http://schemas.openxmlformats.org/drawingml/2006/main" xmlns:r="http://schemas.openxmlformats.org/officeDocument/2006/relationships" xmlns:p="http://schemas.openxmlformats.org/presentationml/2006/main">
   <p:cSld>
     <p:spTree>
@@ -17313,7 +17513,7 @@
             <a:fld id="{AC560869-1695-4081-8E6F-05D0DB8947D3}" type="slidenum">
               <a:rPr lang="pt-PT" smtClean="0"/>
               <a:pPr/>
-              <a:t>28</a:t>
+              <a:t>29</a:t>
             </a:fld>
             <a:endParaRPr lang="pt-PT"/>
           </a:p>
@@ -18013,198 +18213,6 @@
 </p:sld>
 </file>
 
-<file path=ppt/slides/slide29.xml><?xml version="1.0" encoding="utf-8"?>
-<p:sld xmlns:a="http://schemas.openxmlformats.org/drawingml/2006/main" xmlns:r="http://schemas.openxmlformats.org/officeDocument/2006/relationships" xmlns:p="http://schemas.openxmlformats.org/presentationml/2006/main">
-  <p:cSld>
-    <p:spTree>
-      <p:nvGrpSpPr>
-        <p:cNvPr id="1" name=""/>
-        <p:cNvGrpSpPr/>
-        <p:nvPr/>
-      </p:nvGrpSpPr>
-      <p:grpSpPr>
-        <a:xfrm>
-          <a:off x="0" y="0"/>
-          <a:ext cx="0" cy="0"/>
-          <a:chOff x="0" y="0"/>
-          <a:chExt cx="0" cy="0"/>
-        </a:xfrm>
-      </p:grpSpPr>
-      <p:sp>
-        <p:nvSpPr>
-          <p:cNvPr id="2" name="Título 1"/>
-          <p:cNvSpPr>
-            <a:spLocks noGrp="1"/>
-          </p:cNvSpPr>
-          <p:nvPr>
-            <p:ph type="title"/>
-          </p:nvPr>
-        </p:nvSpPr>
-        <p:spPr>
-          <a:xfrm>
-            <a:off x="467544" y="634008"/>
-            <a:ext cx="8229600" cy="1066800"/>
-          </a:xfrm>
-        </p:spPr>
-        <p:txBody>
-          <a:bodyPr>
-            <a:normAutofit/>
-          </a:bodyPr>
-          <a:lstStyle/>
-          <a:p>
-            <a:r>
-              <a:rPr lang="pt-PT" dirty="0" smtClean="0"/>
-              <a:t> Monitorização </a:t>
-            </a:r>
-            <a:endParaRPr lang="pt-PT" dirty="0"/>
-          </a:p>
-        </p:txBody>
-      </p:sp>
-      <p:sp>
-        <p:nvSpPr>
-          <p:cNvPr id="3" name="Marcador de Posição de Conteúdo 2"/>
-          <p:cNvSpPr>
-            <a:spLocks noGrp="1"/>
-          </p:cNvSpPr>
-          <p:nvPr>
-            <p:ph idx="1"/>
-          </p:nvPr>
-        </p:nvSpPr>
-        <p:spPr>
-          <a:xfrm>
-            <a:off x="179512" y="1840192"/>
-            <a:ext cx="8784976" cy="4325112"/>
-          </a:xfrm>
-        </p:spPr>
-        <p:txBody>
-          <a:bodyPr>
-            <a:normAutofit lnSpcReduction="10000"/>
-          </a:bodyPr>
-          <a:lstStyle/>
-          <a:p>
-            <a:r>
-              <a:rPr lang="pt-PT" dirty="0" smtClean="0"/>
-              <a:t>Abordagens (para as interacções de um processo)</a:t>
-            </a:r>
-          </a:p>
-          <a:p>
-            <a:pPr lvl="1"/>
-            <a:r>
-              <a:rPr lang="pt-PT" dirty="0"/>
-              <a:t>N</a:t>
-            </a:r>
-            <a:r>
-              <a:rPr lang="pt-PT" dirty="0" smtClean="0"/>
-              <a:t>ível utilizador (1)</a:t>
-            </a:r>
-          </a:p>
-          <a:p>
-            <a:pPr lvl="2"/>
-            <a:r>
-              <a:rPr lang="pt-PT" dirty="0" smtClean="0"/>
-              <a:t>Instrumentação do programa ou bibliotecas para obter a informação relevante</a:t>
-            </a:r>
-          </a:p>
-          <a:p>
-            <a:pPr lvl="2"/>
-            <a:endParaRPr lang="pt-PT" dirty="0" smtClean="0"/>
-          </a:p>
-          <a:p>
-            <a:pPr lvl="1"/>
-            <a:r>
-              <a:rPr lang="pt-PT" dirty="0" smtClean="0"/>
-              <a:t>Com auxílio do núcleo do sistema (2)</a:t>
-            </a:r>
-          </a:p>
-          <a:p>
-            <a:pPr lvl="2"/>
-            <a:r>
-              <a:rPr lang="pt-PT" dirty="0" smtClean="0"/>
-              <a:t>exemplo</a:t>
-            </a:r>
-            <a:r>
-              <a:rPr lang="en-US" dirty="0" smtClean="0"/>
-              <a:t>: </a:t>
-            </a:r>
-            <a:r>
-              <a:rPr lang="pt-PT" dirty="0" smtClean="0"/>
-              <a:t>captura de pacotes através da biblioteca </a:t>
-            </a:r>
-            <a:r>
-              <a:rPr lang="pt-PT" i="1" dirty="0" err="1" smtClean="0"/>
-              <a:t>PCap</a:t>
-            </a:r>
-            <a:r>
-              <a:rPr lang="pt-PT" dirty="0" smtClean="0"/>
-              <a:t> </a:t>
-            </a:r>
-            <a:endParaRPr lang="pt-PT" dirty="0"/>
-          </a:p>
-          <a:p>
-            <a:pPr lvl="2"/>
-            <a:r>
-              <a:rPr lang="pt-PT" dirty="0" smtClean="0"/>
-              <a:t>monitorização do processo para obter as alterações nas interacções via rede</a:t>
-            </a:r>
-          </a:p>
-          <a:p>
-            <a:pPr lvl="2"/>
-            <a:r>
-              <a:rPr lang="pt-PT" dirty="0" smtClean="0"/>
-              <a:t>filtrar a informação relevante</a:t>
-            </a:r>
-          </a:p>
-          <a:p>
-            <a:pPr lvl="8">
-              <a:buNone/>
-            </a:pPr>
-            <a:r>
-              <a:rPr lang="pt-PT" dirty="0" smtClean="0"/>
-              <a:t>		</a:t>
-            </a:r>
-            <a:endParaRPr lang="pt-PT" dirty="0"/>
-          </a:p>
-        </p:txBody>
-      </p:sp>
-      <p:sp>
-        <p:nvSpPr>
-          <p:cNvPr id="4" name="Marcador de Posição do Número do Diapositivo 3"/>
-          <p:cNvSpPr>
-            <a:spLocks noGrp="1"/>
-          </p:cNvSpPr>
-          <p:nvPr>
-            <p:ph type="sldNum" sz="quarter" idx="12"/>
-          </p:nvPr>
-        </p:nvSpPr>
-        <p:spPr/>
-        <p:txBody>
-          <a:bodyPr/>
-          <a:lstStyle/>
-          <a:p>
-            <a:fld id="{AC560869-1695-4081-8E6F-05D0DB8947D3}" type="slidenum">
-              <a:rPr lang="pt-PT" smtClean="0"/>
-              <a:pPr/>
-              <a:t>29</a:t>
-            </a:fld>
-            <a:endParaRPr lang="pt-PT"/>
-          </a:p>
-        </p:txBody>
-      </p:sp>
-    </p:spTree>
-  </p:cSld>
-  <p:clrMapOvr>
-    <a:masterClrMapping/>
-  </p:clrMapOvr>
-  <p:timing>
-    <p:tnLst>
-      <p:par>
-        <p:cTn id="1" dur="indefinite" restart="never" nodeType="tmRoot"/>
-      </p:par>
-    </p:tnLst>
-  </p:timing>
-</p:sld>
-</file>
-
 <file path=ppt/slides/slide3.xml><?xml version="1.0" encoding="utf-8"?>
 <p:sld xmlns:a="http://schemas.openxmlformats.org/drawingml/2006/main" xmlns:r="http://schemas.openxmlformats.org/officeDocument/2006/relationships" xmlns:p="http://schemas.openxmlformats.org/presentationml/2006/main">
   <p:cSld>
@@ -18376,17 +18384,19 @@
         </p:nvSpPr>
         <p:spPr>
           <a:xfrm>
-            <a:off x="457200" y="404664"/>
+            <a:off x="467544" y="634008"/>
             <a:ext cx="8229600" cy="1066800"/>
           </a:xfrm>
         </p:spPr>
         <p:txBody>
-          <a:bodyPr/>
+          <a:bodyPr>
+            <a:normAutofit/>
+          </a:bodyPr>
           <a:lstStyle/>
           <a:p>
             <a:r>
               <a:rPr lang="pt-PT" dirty="0" smtClean="0"/>
-              <a:t>Monitorização de rede</a:t>
+              <a:t> Monitorização </a:t>
             </a:r>
             <a:endParaRPr lang="pt-PT" dirty="0"/>
           </a:p>
@@ -18404,6 +18414,196 @@
         </p:nvSpPr>
         <p:spPr>
           <a:xfrm>
+            <a:off x="179512" y="1840192"/>
+            <a:ext cx="8784976" cy="4325112"/>
+          </a:xfrm>
+        </p:spPr>
+        <p:txBody>
+          <a:bodyPr>
+            <a:normAutofit lnSpcReduction="10000"/>
+          </a:bodyPr>
+          <a:lstStyle/>
+          <a:p>
+            <a:r>
+              <a:rPr lang="pt-PT" dirty="0" smtClean="0"/>
+              <a:t>Abordagens (para as interacções de um processo)</a:t>
+            </a:r>
+          </a:p>
+          <a:p>
+            <a:pPr lvl="1"/>
+            <a:r>
+              <a:rPr lang="pt-PT" dirty="0"/>
+              <a:t>N</a:t>
+            </a:r>
+            <a:r>
+              <a:rPr lang="pt-PT" dirty="0" smtClean="0"/>
+              <a:t>ível utilizador (1)</a:t>
+            </a:r>
+          </a:p>
+          <a:p>
+            <a:pPr lvl="2"/>
+            <a:r>
+              <a:rPr lang="pt-PT" dirty="0" smtClean="0"/>
+              <a:t>Instrumentação do programa ou bibliotecas para obter a informação relevante</a:t>
+            </a:r>
+          </a:p>
+          <a:p>
+            <a:pPr lvl="2"/>
+            <a:endParaRPr lang="pt-PT" dirty="0" smtClean="0"/>
+          </a:p>
+          <a:p>
+            <a:pPr lvl="1"/>
+            <a:r>
+              <a:rPr lang="pt-PT" dirty="0" smtClean="0"/>
+              <a:t>Com auxílio do núcleo do sistema (2)</a:t>
+            </a:r>
+          </a:p>
+          <a:p>
+            <a:pPr lvl="2"/>
+            <a:r>
+              <a:rPr lang="pt-PT" dirty="0" smtClean="0"/>
+              <a:t>exemplo</a:t>
+            </a:r>
+            <a:r>
+              <a:rPr lang="en-US" dirty="0" smtClean="0"/>
+              <a:t>: </a:t>
+            </a:r>
+            <a:r>
+              <a:rPr lang="pt-PT" dirty="0" smtClean="0"/>
+              <a:t>captura de pacotes através da biblioteca </a:t>
+            </a:r>
+            <a:r>
+              <a:rPr lang="pt-PT" i="1" dirty="0" err="1" smtClean="0"/>
+              <a:t>PCap</a:t>
+            </a:r>
+            <a:r>
+              <a:rPr lang="pt-PT" dirty="0" smtClean="0"/>
+              <a:t> </a:t>
+            </a:r>
+            <a:endParaRPr lang="pt-PT" dirty="0"/>
+          </a:p>
+          <a:p>
+            <a:pPr lvl="2"/>
+            <a:r>
+              <a:rPr lang="pt-PT" dirty="0" smtClean="0"/>
+              <a:t>monitorização do processo para obter as alterações nas interacções via rede</a:t>
+            </a:r>
+          </a:p>
+          <a:p>
+            <a:pPr lvl="2"/>
+            <a:r>
+              <a:rPr lang="pt-PT" dirty="0" smtClean="0"/>
+              <a:t>filtrar a informação relevante</a:t>
+            </a:r>
+          </a:p>
+          <a:p>
+            <a:pPr lvl="8">
+              <a:buNone/>
+            </a:pPr>
+            <a:r>
+              <a:rPr lang="pt-PT" dirty="0" smtClean="0"/>
+              <a:t>		</a:t>
+            </a:r>
+            <a:endParaRPr lang="pt-PT" dirty="0"/>
+          </a:p>
+        </p:txBody>
+      </p:sp>
+      <p:sp>
+        <p:nvSpPr>
+          <p:cNvPr id="4" name="Marcador de Posição do Número do Diapositivo 3"/>
+          <p:cNvSpPr>
+            <a:spLocks noGrp="1"/>
+          </p:cNvSpPr>
+          <p:nvPr>
+            <p:ph type="sldNum" sz="quarter" idx="12"/>
+          </p:nvPr>
+        </p:nvSpPr>
+        <p:spPr/>
+        <p:txBody>
+          <a:bodyPr/>
+          <a:lstStyle/>
+          <a:p>
+            <a:fld id="{AC560869-1695-4081-8E6F-05D0DB8947D3}" type="slidenum">
+              <a:rPr lang="pt-PT" smtClean="0"/>
+              <a:pPr/>
+              <a:t>30</a:t>
+            </a:fld>
+            <a:endParaRPr lang="pt-PT"/>
+          </a:p>
+        </p:txBody>
+      </p:sp>
+    </p:spTree>
+  </p:cSld>
+  <p:clrMapOvr>
+    <a:masterClrMapping/>
+  </p:clrMapOvr>
+  <p:timing>
+    <p:tnLst>
+      <p:par>
+        <p:cTn id="1" dur="indefinite" restart="never" nodeType="tmRoot"/>
+      </p:par>
+    </p:tnLst>
+  </p:timing>
+</p:sld>
+</file>
+
+<file path=ppt/slides/slide31.xml><?xml version="1.0" encoding="utf-8"?>
+<p:sld xmlns:a="http://schemas.openxmlformats.org/drawingml/2006/main" xmlns:r="http://schemas.openxmlformats.org/officeDocument/2006/relationships" xmlns:p="http://schemas.openxmlformats.org/presentationml/2006/main">
+  <p:cSld>
+    <p:spTree>
+      <p:nvGrpSpPr>
+        <p:cNvPr id="1" name=""/>
+        <p:cNvGrpSpPr/>
+        <p:nvPr/>
+      </p:nvGrpSpPr>
+      <p:grpSpPr>
+        <a:xfrm>
+          <a:off x="0" y="0"/>
+          <a:ext cx="0" cy="0"/>
+          <a:chOff x="0" y="0"/>
+          <a:chExt cx="0" cy="0"/>
+        </a:xfrm>
+      </p:grpSpPr>
+      <p:sp>
+        <p:nvSpPr>
+          <p:cNvPr id="2" name="Título 1"/>
+          <p:cNvSpPr>
+            <a:spLocks noGrp="1"/>
+          </p:cNvSpPr>
+          <p:nvPr>
+            <p:ph type="title"/>
+          </p:nvPr>
+        </p:nvSpPr>
+        <p:spPr>
+          <a:xfrm>
+            <a:off x="457200" y="404664"/>
+            <a:ext cx="8229600" cy="1066800"/>
+          </a:xfrm>
+        </p:spPr>
+        <p:txBody>
+          <a:bodyPr/>
+          <a:lstStyle/>
+          <a:p>
+            <a:r>
+              <a:rPr lang="pt-PT" dirty="0" smtClean="0"/>
+              <a:t>Monitorização de rede</a:t>
+            </a:r>
+            <a:endParaRPr lang="pt-PT" dirty="0"/>
+          </a:p>
+        </p:txBody>
+      </p:sp>
+      <p:sp>
+        <p:nvSpPr>
+          <p:cNvPr id="3" name="Marcador de Posição de Conteúdo 2"/>
+          <p:cNvSpPr>
+            <a:spLocks noGrp="1"/>
+          </p:cNvSpPr>
+          <p:nvPr>
+            <p:ph idx="1"/>
+          </p:nvPr>
+        </p:nvSpPr>
+        <p:spPr>
+          <a:xfrm>
             <a:off x="457200" y="1484784"/>
             <a:ext cx="8229600" cy="4608512"/>
           </a:xfrm>
@@ -18611,7 +18811,7 @@
             <a:fld id="{AC560869-1695-4081-8E6F-05D0DB8947D3}" type="slidenum">
               <a:rPr lang="pt-PT" smtClean="0"/>
               <a:pPr/>
-              <a:t>30</a:t>
+              <a:t>31</a:t>
             </a:fld>
             <a:endParaRPr lang="pt-PT"/>
           </a:p>
@@ -19618,8 +19818,8 @@
         </p:nvSpPr>
         <p:spPr>
           <a:xfrm>
-            <a:off x="395536" y="3861048"/>
-            <a:ext cx="1872208" cy="720080"/>
+            <a:off x="251520" y="4005064"/>
+            <a:ext cx="2016224" cy="792088"/>
           </a:xfrm>
           <a:prstGeom prst="rect">
             <a:avLst/>
@@ -19659,7 +19859,7 @@
         </p:nvSpPr>
         <p:spPr>
           <a:xfrm>
-            <a:off x="2411760" y="3861048"/>
+            <a:off x="2411760" y="4005064"/>
             <a:ext cx="1368152" cy="720080"/>
           </a:xfrm>
           <a:prstGeom prst="rect">
@@ -19700,7 +19900,7 @@
         </p:nvSpPr>
         <p:spPr>
           <a:xfrm>
-            <a:off x="4139952" y="3861048"/>
+            <a:off x="4139952" y="4005064"/>
             <a:ext cx="1656184" cy="720080"/>
           </a:xfrm>
           <a:prstGeom prst="rect">
@@ -19741,7 +19941,7 @@
         </p:nvSpPr>
         <p:spPr>
           <a:xfrm>
-            <a:off x="1259632" y="2996952"/>
+            <a:off x="1259632" y="3131676"/>
             <a:ext cx="1368152" cy="432048"/>
           </a:xfrm>
           <a:prstGeom prst="rect">
@@ -20146,7 +20346,7 @@
         </p:nvSpPr>
         <p:spPr>
           <a:xfrm>
-            <a:off x="1331640" y="3068960"/>
+            <a:off x="1331640" y="3203684"/>
             <a:ext cx="1296144" cy="369332"/>
           </a:xfrm>
           <a:prstGeom prst="rect">
@@ -20176,7 +20376,7 @@
         </p:nvSpPr>
         <p:spPr>
           <a:xfrm>
-            <a:off x="4139952" y="3861048"/>
+            <a:off x="4139952" y="4005064"/>
             <a:ext cx="1872208" cy="584775"/>
           </a:xfrm>
           <a:prstGeom prst="rect">
@@ -20212,7 +20412,7 @@
         </p:nvSpPr>
         <p:spPr>
           <a:xfrm>
-            <a:off x="2411760" y="3933056"/>
+            <a:off x="2411760" y="4077072"/>
             <a:ext cx="1296144" cy="646331"/>
           </a:xfrm>
           <a:prstGeom prst="rect">
@@ -20248,8 +20448,8 @@
         </p:nvSpPr>
         <p:spPr>
           <a:xfrm>
-            <a:off x="467544" y="3861048"/>
-            <a:ext cx="1728192" cy="830997"/>
+            <a:off x="323528" y="4005064"/>
+            <a:ext cx="1800200" cy="830997"/>
           </a:xfrm>
           <a:prstGeom prst="rect">
             <a:avLst/>
@@ -20439,7 +20639,474 @@
   <p:timing>
     <p:tnLst>
       <p:par>
-        <p:cTn id="1" dur="indefinite" restart="never" nodeType="tmRoot"/>
+        <p:cTn id="1" dur="indefinite" restart="never" nodeType="tmRoot">
+          <p:childTnLst>
+            <p:seq concurrent="1" nextAc="seek">
+              <p:cTn id="2" dur="indefinite" nodeType="mainSeq">
+                <p:childTnLst>
+                  <p:par>
+                    <p:cTn id="3" fill="hold">
+                      <p:stCondLst>
+                        <p:cond delay="indefinite"/>
+                      </p:stCondLst>
+                      <p:childTnLst>
+                        <p:par>
+                          <p:cTn id="4" fill="hold">
+                            <p:stCondLst>
+                              <p:cond delay="0"/>
+                            </p:stCondLst>
+                            <p:childTnLst>
+                              <p:par>
+                                <p:cTn id="5" presetID="1" presetClass="emph" presetSubtype="2" fill="hold" nodeType="clickEffect">
+                                  <p:stCondLst>
+                                    <p:cond delay="0"/>
+                                  </p:stCondLst>
+                                  <p:childTnLst>
+                                    <p:animClr clrSpc="rgb">
+                                      <p:cBhvr>
+                                        <p:cTn id="6" dur="2000" fill="hold"/>
+                                        <p:tgtEl>
+                                          <p:spTgt spid="11"/>
+                                        </p:tgtEl>
+                                        <p:attrNameLst>
+                                          <p:attrName>fillcolor</p:attrName>
+                                        </p:attrNameLst>
+                                      </p:cBhvr>
+                                      <p:to>
+                                        <a:schemeClr val="accent2"/>
+                                      </p:to>
+                                    </p:animClr>
+                                    <p:set>
+                                      <p:cBhvr>
+                                        <p:cTn id="7" dur="2000" fill="hold"/>
+                                        <p:tgtEl>
+                                          <p:spTgt spid="11"/>
+                                        </p:tgtEl>
+                                        <p:attrNameLst>
+                                          <p:attrName>fill.type</p:attrName>
+                                        </p:attrNameLst>
+                                      </p:cBhvr>
+                                      <p:to>
+                                        <p:strVal val="solid"/>
+                                      </p:to>
+                                    </p:set>
+                                    <p:set>
+                                      <p:cBhvr>
+                                        <p:cTn id="8" dur="2000" fill="hold"/>
+                                        <p:tgtEl>
+                                          <p:spTgt spid="11"/>
+                                        </p:tgtEl>
+                                        <p:attrNameLst>
+                                          <p:attrName>fill.on</p:attrName>
+                                        </p:attrNameLst>
+                                      </p:cBhvr>
+                                      <p:to>
+                                        <p:strVal val="true"/>
+                                      </p:to>
+                                    </p:set>
+                                  </p:childTnLst>
+                                </p:cTn>
+                              </p:par>
+                              <p:par>
+                                <p:cTn id="9" presetID="1" presetClass="emph" presetSubtype="2" fill="hold" nodeType="withEffect">
+                                  <p:stCondLst>
+                                    <p:cond delay="0"/>
+                                  </p:stCondLst>
+                                  <p:childTnLst>
+                                    <p:animClr clrSpc="rgb">
+                                      <p:cBhvr>
+                                        <p:cTn id="10" dur="2000" fill="hold"/>
+                                        <p:tgtEl>
+                                          <p:spTgt spid="12"/>
+                                        </p:tgtEl>
+                                        <p:attrNameLst>
+                                          <p:attrName>fillcolor</p:attrName>
+                                        </p:attrNameLst>
+                                      </p:cBhvr>
+                                      <p:to>
+                                        <a:schemeClr val="accent2"/>
+                                      </p:to>
+                                    </p:animClr>
+                                    <p:set>
+                                      <p:cBhvr>
+                                        <p:cTn id="11" dur="2000" fill="hold"/>
+                                        <p:tgtEl>
+                                          <p:spTgt spid="12"/>
+                                        </p:tgtEl>
+                                        <p:attrNameLst>
+                                          <p:attrName>fill.type</p:attrName>
+                                        </p:attrNameLst>
+                                      </p:cBhvr>
+                                      <p:to>
+                                        <p:strVal val="solid"/>
+                                      </p:to>
+                                    </p:set>
+                                    <p:set>
+                                      <p:cBhvr>
+                                        <p:cTn id="12" dur="2000" fill="hold"/>
+                                        <p:tgtEl>
+                                          <p:spTgt spid="12"/>
+                                        </p:tgtEl>
+                                        <p:attrNameLst>
+                                          <p:attrName>fill.on</p:attrName>
+                                        </p:attrNameLst>
+                                      </p:cBhvr>
+                                      <p:to>
+                                        <p:strVal val="true"/>
+                                      </p:to>
+                                    </p:set>
+                                  </p:childTnLst>
+                                </p:cTn>
+                              </p:par>
+                              <p:par>
+                                <p:cTn id="13" presetID="1" presetClass="emph" presetSubtype="2" fill="hold" nodeType="withEffect">
+                                  <p:stCondLst>
+                                    <p:cond delay="0"/>
+                                  </p:stCondLst>
+                                  <p:childTnLst>
+                                    <p:animClr clrSpc="rgb">
+                                      <p:cBhvr>
+                                        <p:cTn id="14" dur="2000" fill="hold"/>
+                                        <p:tgtEl>
+                                          <p:spTgt spid="13"/>
+                                        </p:tgtEl>
+                                        <p:attrNameLst>
+                                          <p:attrName>fillcolor</p:attrName>
+                                        </p:attrNameLst>
+                                      </p:cBhvr>
+                                      <p:to>
+                                        <a:schemeClr val="accent2"/>
+                                      </p:to>
+                                    </p:animClr>
+                                    <p:set>
+                                      <p:cBhvr>
+                                        <p:cTn id="15" dur="2000" fill="hold"/>
+                                        <p:tgtEl>
+                                          <p:spTgt spid="13"/>
+                                        </p:tgtEl>
+                                        <p:attrNameLst>
+                                          <p:attrName>fill.type</p:attrName>
+                                        </p:attrNameLst>
+                                      </p:cBhvr>
+                                      <p:to>
+                                        <p:strVal val="solid"/>
+                                      </p:to>
+                                    </p:set>
+                                    <p:set>
+                                      <p:cBhvr>
+                                        <p:cTn id="16" dur="2000" fill="hold"/>
+                                        <p:tgtEl>
+                                          <p:spTgt spid="13"/>
+                                        </p:tgtEl>
+                                        <p:attrNameLst>
+                                          <p:attrName>fill.on</p:attrName>
+                                        </p:attrNameLst>
+                                      </p:cBhvr>
+                                      <p:to>
+                                        <p:strVal val="true"/>
+                                      </p:to>
+                                    </p:set>
+                                  </p:childTnLst>
+                                </p:cTn>
+                              </p:par>
+                              <p:par>
+                                <p:cTn id="17" presetID="1" presetClass="emph" presetSubtype="2" fill="hold" nodeType="withEffect">
+                                  <p:stCondLst>
+                                    <p:cond delay="0"/>
+                                  </p:stCondLst>
+                                  <p:childTnLst>
+                                    <p:animClr clrSpc="rgb">
+                                      <p:cBhvr>
+                                        <p:cTn id="18" dur="2000" fill="hold"/>
+                                        <p:tgtEl>
+                                          <p:spTgt spid="29"/>
+                                        </p:tgtEl>
+                                        <p:attrNameLst>
+                                          <p:attrName>fillcolor</p:attrName>
+                                        </p:attrNameLst>
+                                      </p:cBhvr>
+                                      <p:to>
+                                        <a:schemeClr val="accent2"/>
+                                      </p:to>
+                                    </p:animClr>
+                                    <p:set>
+                                      <p:cBhvr>
+                                        <p:cTn id="19" dur="2000" fill="hold"/>
+                                        <p:tgtEl>
+                                          <p:spTgt spid="29"/>
+                                        </p:tgtEl>
+                                        <p:attrNameLst>
+                                          <p:attrName>fill.type</p:attrName>
+                                        </p:attrNameLst>
+                                      </p:cBhvr>
+                                      <p:to>
+                                        <p:strVal val="solid"/>
+                                      </p:to>
+                                    </p:set>
+                                    <p:set>
+                                      <p:cBhvr>
+                                        <p:cTn id="20" dur="2000" fill="hold"/>
+                                        <p:tgtEl>
+                                          <p:spTgt spid="29"/>
+                                        </p:tgtEl>
+                                        <p:attrNameLst>
+                                          <p:attrName>fill.on</p:attrName>
+                                        </p:attrNameLst>
+                                      </p:cBhvr>
+                                      <p:to>
+                                        <p:strVal val="true"/>
+                                      </p:to>
+                                    </p:set>
+                                  </p:childTnLst>
+                                </p:cTn>
+                              </p:par>
+                              <p:par>
+                                <p:cTn id="21" presetID="1" presetClass="emph" presetSubtype="2" fill="hold" nodeType="withEffect">
+                                  <p:stCondLst>
+                                    <p:cond delay="0"/>
+                                  </p:stCondLst>
+                                  <p:childTnLst>
+                                    <p:animClr clrSpc="rgb">
+                                      <p:cBhvr>
+                                        <p:cTn id="22" dur="2000" fill="hold"/>
+                                        <p:tgtEl>
+                                          <p:spTgt spid="30"/>
+                                        </p:tgtEl>
+                                        <p:attrNameLst>
+                                          <p:attrName>fillcolor</p:attrName>
+                                        </p:attrNameLst>
+                                      </p:cBhvr>
+                                      <p:to>
+                                        <a:schemeClr val="accent2"/>
+                                      </p:to>
+                                    </p:animClr>
+                                    <p:set>
+                                      <p:cBhvr>
+                                        <p:cTn id="23" dur="2000" fill="hold"/>
+                                        <p:tgtEl>
+                                          <p:spTgt spid="30"/>
+                                        </p:tgtEl>
+                                        <p:attrNameLst>
+                                          <p:attrName>fill.type</p:attrName>
+                                        </p:attrNameLst>
+                                      </p:cBhvr>
+                                      <p:to>
+                                        <p:strVal val="solid"/>
+                                      </p:to>
+                                    </p:set>
+                                    <p:set>
+                                      <p:cBhvr>
+                                        <p:cTn id="24" dur="2000" fill="hold"/>
+                                        <p:tgtEl>
+                                          <p:spTgt spid="30"/>
+                                        </p:tgtEl>
+                                        <p:attrNameLst>
+                                          <p:attrName>fill.on</p:attrName>
+                                        </p:attrNameLst>
+                                      </p:cBhvr>
+                                      <p:to>
+                                        <p:strVal val="true"/>
+                                      </p:to>
+                                    </p:set>
+                                  </p:childTnLst>
+                                </p:cTn>
+                              </p:par>
+                              <p:par>
+                                <p:cTn id="25" presetID="1" presetClass="emph" presetSubtype="2" fill="hold" nodeType="withEffect">
+                                  <p:stCondLst>
+                                    <p:cond delay="0"/>
+                                  </p:stCondLst>
+                                  <p:childTnLst>
+                                    <p:animClr clrSpc="rgb">
+                                      <p:cBhvr>
+                                        <p:cTn id="26" dur="2000" fill="hold"/>
+                                        <p:tgtEl>
+                                          <p:spTgt spid="10"/>
+                                        </p:tgtEl>
+                                        <p:attrNameLst>
+                                          <p:attrName>fillcolor</p:attrName>
+                                        </p:attrNameLst>
+                                      </p:cBhvr>
+                                      <p:to>
+                                        <a:schemeClr val="accent2"/>
+                                      </p:to>
+                                    </p:animClr>
+                                    <p:set>
+                                      <p:cBhvr>
+                                        <p:cTn id="27" dur="2000" fill="hold"/>
+                                        <p:tgtEl>
+                                          <p:spTgt spid="10"/>
+                                        </p:tgtEl>
+                                        <p:attrNameLst>
+                                          <p:attrName>fill.type</p:attrName>
+                                        </p:attrNameLst>
+                                      </p:cBhvr>
+                                      <p:to>
+                                        <p:strVal val="solid"/>
+                                      </p:to>
+                                    </p:set>
+                                    <p:set>
+                                      <p:cBhvr>
+                                        <p:cTn id="28" dur="2000" fill="hold"/>
+                                        <p:tgtEl>
+                                          <p:spTgt spid="10"/>
+                                        </p:tgtEl>
+                                        <p:attrNameLst>
+                                          <p:attrName>fill.on</p:attrName>
+                                        </p:attrNameLst>
+                                      </p:cBhvr>
+                                      <p:to>
+                                        <p:strVal val="true"/>
+                                      </p:to>
+                                    </p:set>
+                                  </p:childTnLst>
+                                </p:cTn>
+                              </p:par>
+                              <p:par>
+                                <p:cTn id="29" presetID="1" presetClass="emph" presetSubtype="2" fill="hold" nodeType="withEffect">
+                                  <p:stCondLst>
+                                    <p:cond delay="0"/>
+                                  </p:stCondLst>
+                                  <p:childTnLst>
+                                    <p:animClr clrSpc="rgb">
+                                      <p:cBhvr>
+                                        <p:cTn id="30" dur="2000" fill="hold"/>
+                                        <p:tgtEl>
+                                          <p:spTgt spid="25"/>
+                                        </p:tgtEl>
+                                        <p:attrNameLst>
+                                          <p:attrName>fillcolor</p:attrName>
+                                        </p:attrNameLst>
+                                      </p:cBhvr>
+                                      <p:to>
+                                        <a:schemeClr val="accent2"/>
+                                      </p:to>
+                                    </p:animClr>
+                                    <p:set>
+                                      <p:cBhvr>
+                                        <p:cTn id="31" dur="2000" fill="hold"/>
+                                        <p:tgtEl>
+                                          <p:spTgt spid="25"/>
+                                        </p:tgtEl>
+                                        <p:attrNameLst>
+                                          <p:attrName>fill.type</p:attrName>
+                                        </p:attrNameLst>
+                                      </p:cBhvr>
+                                      <p:to>
+                                        <p:strVal val="solid"/>
+                                      </p:to>
+                                    </p:set>
+                                    <p:set>
+                                      <p:cBhvr>
+                                        <p:cTn id="32" dur="2000" fill="hold"/>
+                                        <p:tgtEl>
+                                          <p:spTgt spid="25"/>
+                                        </p:tgtEl>
+                                        <p:attrNameLst>
+                                          <p:attrName>fill.on</p:attrName>
+                                        </p:attrNameLst>
+                                      </p:cBhvr>
+                                      <p:to>
+                                        <p:strVal val="true"/>
+                                      </p:to>
+                                    </p:set>
+                                  </p:childTnLst>
+                                </p:cTn>
+                              </p:par>
+                            </p:childTnLst>
+                          </p:cTn>
+                        </p:par>
+                      </p:childTnLst>
+                    </p:cTn>
+                  </p:par>
+                  <p:par>
+                    <p:cTn id="33" fill="hold">
+                      <p:stCondLst>
+                        <p:cond delay="indefinite"/>
+                      </p:stCondLst>
+                      <p:childTnLst>
+                        <p:par>
+                          <p:cTn id="34" fill="hold">
+                            <p:stCondLst>
+                              <p:cond delay="0"/>
+                            </p:stCondLst>
+                            <p:childTnLst>
+                              <p:par>
+                                <p:cTn id="35" presetID="1" presetClass="emph" presetSubtype="2" fill="hold" nodeType="clickEffect">
+                                  <p:stCondLst>
+                                    <p:cond delay="0"/>
+                                  </p:stCondLst>
+                                  <p:childTnLst>
+                                    <p:animClr clrSpc="rgb">
+                                      <p:cBhvr>
+                                        <p:cTn id="36" dur="2000" fill="hold"/>
+                                        <p:tgtEl>
+                                          <p:spTgt spid="17"/>
+                                        </p:tgtEl>
+                                        <p:attrNameLst>
+                                          <p:attrName>fillcolor</p:attrName>
+                                        </p:attrNameLst>
+                                      </p:cBhvr>
+                                      <p:to>
+                                        <a:schemeClr val="accent2"/>
+                                      </p:to>
+                                    </p:animClr>
+                                    <p:set>
+                                      <p:cBhvr>
+                                        <p:cTn id="37" dur="2000" fill="hold"/>
+                                        <p:tgtEl>
+                                          <p:spTgt spid="17"/>
+                                        </p:tgtEl>
+                                        <p:attrNameLst>
+                                          <p:attrName>fill.type</p:attrName>
+                                        </p:attrNameLst>
+                                      </p:cBhvr>
+                                      <p:to>
+                                        <p:strVal val="solid"/>
+                                      </p:to>
+                                    </p:set>
+                                    <p:set>
+                                      <p:cBhvr>
+                                        <p:cTn id="38" dur="2000" fill="hold"/>
+                                        <p:tgtEl>
+                                          <p:spTgt spid="17"/>
+                                        </p:tgtEl>
+                                        <p:attrNameLst>
+                                          <p:attrName>fill.on</p:attrName>
+                                        </p:attrNameLst>
+                                      </p:cBhvr>
+                                      <p:to>
+                                        <p:strVal val="true"/>
+                                      </p:to>
+                                    </p:set>
+                                  </p:childTnLst>
+                                </p:cTn>
+                              </p:par>
+                            </p:childTnLst>
+                          </p:cTn>
+                        </p:par>
+                      </p:childTnLst>
+                    </p:cTn>
+                  </p:par>
+                </p:childTnLst>
+              </p:cTn>
+              <p:prevCondLst>
+                <p:cond evt="onPrev" delay="0">
+                  <p:tgtEl>
+                    <p:sldTgt/>
+                  </p:tgtEl>
+                </p:cond>
+              </p:prevCondLst>
+              <p:nextCondLst>
+                <p:cond evt="onNext" delay="0">
+                  <p:tgtEl>
+                    <p:sldTgt/>
+                  </p:tgtEl>
+                </p:cond>
+              </p:nextCondLst>
+            </p:seq>
+          </p:childTnLst>
+        </p:cTn>
       </p:par>
     </p:tnLst>
   </p:timing>

--- a/doc/apresentacao_dissertacao.pptx
+++ b/doc/apresentacao_dissertacao.pptx
@@ -12649,8 +12649,18 @@
             </a:r>
             <a:r>
               <a:rPr lang="pt-PT" dirty="0" smtClean="0"/>
-              <a:t>de desempenho</a:t>
-            </a:r>
+              <a:t>de </a:t>
+            </a:r>
+            <a:r>
+              <a:rPr lang="pt-PT" dirty="0" smtClean="0"/>
+              <a:t>desempenho</a:t>
+            </a:r>
+          </a:p>
+          <a:p>
+            <a:pPr>
+              <a:buNone/>
+            </a:pPr>
+            <a:endParaRPr lang="pt-PT" dirty="0" smtClean="0"/>
           </a:p>
           <a:p>
             <a:pPr lvl="1"/>
@@ -12687,8 +12697,18 @@
             </a:r>
             <a:r>
               <a:rPr lang="pt-PT" dirty="0" smtClean="0"/>
-              <a:t> em testes de transferência de grandes volumes de dados</a:t>
-            </a:r>
+              <a:t> em testes de transferência de grandes volumes de </a:t>
+            </a:r>
+            <a:r>
+              <a:rPr lang="pt-PT" dirty="0" smtClean="0"/>
+              <a:t>dados</a:t>
+            </a:r>
+          </a:p>
+          <a:p>
+            <a:pPr lvl="2">
+              <a:buNone/>
+            </a:pPr>
+            <a:endParaRPr lang="pt-PT" dirty="0" smtClean="0"/>
           </a:p>
           <a:p>
             <a:pPr lvl="1"/>
@@ -12836,9 +12856,43 @@
           </a:p>
           <a:p>
             <a:r>
+              <a:rPr lang="pt-PT" dirty="0" err="1" smtClean="0"/>
+              <a:t>Efectuar</a:t>
+            </a:r>
+            <a:r>
               <a:rPr lang="pt-PT" dirty="0" smtClean="0"/>
-              <a:t>Perfil de utilização</a:t>
-            </a:r>
+              <a:t> um perfil de utilização dos processos para análises ao desempenho e </a:t>
+            </a:r>
+            <a:r>
+              <a:rPr lang="pt-PT" dirty="0" err="1" smtClean="0"/>
+              <a:t>correcção</a:t>
+            </a:r>
+            <a:endParaRPr lang="pt-PT" dirty="0" smtClean="0"/>
+          </a:p>
+          <a:p>
+            <a:r>
+              <a:rPr lang="pt-PT" dirty="0" smtClean="0"/>
+              <a:t>Pode ser online ou offline</a:t>
+            </a:r>
+          </a:p>
+          <a:p>
+            <a:r>
+              <a:rPr lang="pt-PT" dirty="0" smtClean="0"/>
+              <a:t>Passiva ou </a:t>
+            </a:r>
+            <a:r>
+              <a:rPr lang="pt-PT" dirty="0" err="1" smtClean="0"/>
+              <a:t>activa</a:t>
+            </a:r>
+            <a:endParaRPr lang="pt-PT" dirty="0" smtClean="0"/>
+          </a:p>
+          <a:p>
+            <a:r>
+              <a:rPr lang="pt-PT" dirty="0" smtClean="0"/>
+              <a:t>Através de instrumentação estática ou dinâmica</a:t>
+            </a:r>
+          </a:p>
+          <a:p>
             <a:endParaRPr lang="pt-PT" dirty="0"/>
           </a:p>
         </p:txBody>
@@ -18308,8 +18362,51 @@
             </a:r>
             <a:r>
               <a:rPr lang="pt-PT" dirty="0" smtClean="0"/>
-              <a:t> de falhas, erros, problemas de desempenho, outros...</a:t>
-            </a:r>
+              <a:t> de falhas, erros, problemas de desempenho, outros</a:t>
+            </a:r>
+            <a:r>
+              <a:rPr lang="pt-PT" dirty="0" smtClean="0"/>
+              <a:t>...</a:t>
+            </a:r>
+          </a:p>
+          <a:p>
+            <a:endParaRPr lang="pt-PT" dirty="0" smtClean="0"/>
+          </a:p>
+          <a:p>
+            <a:r>
+              <a:rPr lang="pt-PT" dirty="0" err="1" smtClean="0"/>
+              <a:t>Efectuada</a:t>
+            </a:r>
+            <a:r>
+              <a:rPr lang="pt-PT" dirty="0" smtClean="0"/>
+              <a:t> de forma passiva</a:t>
+            </a:r>
+          </a:p>
+          <a:p>
+            <a:r>
+              <a:rPr lang="pt-PT" dirty="0" smtClean="0"/>
+              <a:t>Geralmente através da biblioteca </a:t>
+            </a:r>
+            <a:r>
+              <a:rPr lang="pt-PT" dirty="0" err="1" smtClean="0"/>
+              <a:t>PCap</a:t>
+            </a:r>
+            <a:endParaRPr lang="pt-PT" dirty="0" smtClean="0"/>
+          </a:p>
+          <a:p>
+            <a:r>
+              <a:rPr lang="pt-PT" dirty="0" smtClean="0"/>
+              <a:t>Redução dos dados através de filtros (da biblioteca </a:t>
+            </a:r>
+            <a:r>
+              <a:rPr lang="pt-PT" dirty="0" err="1" smtClean="0"/>
+              <a:t>PCap</a:t>
+            </a:r>
+            <a:r>
+              <a:rPr lang="pt-PT" dirty="0" smtClean="0"/>
+              <a:t> ou no núcleo)</a:t>
+            </a:r>
+            <a:endParaRPr lang="pt-PT" dirty="0" smtClean="0"/>
           </a:p>
           <a:p>
             <a:endParaRPr lang="pt-PT" dirty="0"/>
@@ -18866,14 +18963,16 @@
           </a:xfrm>
         </p:spPr>
         <p:txBody>
-          <a:bodyPr/>
-          <a:lstStyle/>
-          <a:p>
-            <a:r>
-              <a:rPr lang="pt-PT" dirty="0" smtClean="0"/>
-              <a:t>Problemas</a:t>
-            </a:r>
-            <a:endParaRPr lang="pt-PT" dirty="0"/>
+          <a:bodyPr>
+            <a:normAutofit/>
+          </a:bodyPr>
+          <a:lstStyle/>
+          <a:p>
+            <a:r>
+              <a:rPr lang="pt-PT" sz="2800" dirty="0" smtClean="0"/>
+              <a:t>Desafios da Monitorização de rede de um processo</a:t>
+            </a:r>
+            <a:endParaRPr lang="pt-PT" sz="2800" dirty="0"/>
           </a:p>
         </p:txBody>
       </p:sp>
@@ -19214,14 +19313,18 @@
           <a:lstStyle/>
           <a:p>
             <a:r>
-              <a:rPr lang="pt-PT" smtClean="0"/>
-              <a:t>Extensão do LSF/</a:t>
-            </a:r>
-            <a:r>
-              <a:rPr lang="pt-PT" err="1" smtClean="0"/>
-              <a:t>libPCap</a:t>
-            </a:r>
-            <a:endParaRPr lang="pt-PT"/>
+              <a:rPr lang="pt-PT" dirty="0" smtClean="0"/>
+              <a:t>Extensão do </a:t>
+            </a:r>
+            <a:r>
+              <a:rPr lang="pt-PT" dirty="0" smtClean="0"/>
+              <a:t>LSF/</a:t>
+            </a:r>
+            <a:r>
+              <a:rPr lang="pt-PT" dirty="0" err="1" smtClean="0"/>
+              <a:t>PCap</a:t>
+            </a:r>
+            <a:endParaRPr lang="pt-PT" dirty="0"/>
           </a:p>
         </p:txBody>
       </p:sp>
@@ -19548,7 +19651,7 @@
 </file>
 
 <file path=ppt/slides/slide8.xml><?xml version="1.0" encoding="utf-8"?>
-<p:sld xmlns:a="http://schemas.openxmlformats.org/drawingml/2006/main" xmlns:r="http://schemas.openxmlformats.org/officeDocument/2006/relationships" xmlns:p="http://schemas.openxmlformats.org/presentationml/2006/main">
+<p:sld xmlns:a="http://schemas.openxmlformats.org/drawingml/2006/main" xmlns:r="http://schemas.openxmlformats.org/officeDocument/2006/relationships" xmlns:p="http://schemas.openxmlformats.org/presentationml/2006/main" show="0">
   <p:cSld>
     <p:spTree>
       <p:nvGrpSpPr>
@@ -19645,6 +19748,7 @@
   <p:clrMapOvr>
     <a:masterClrMapping/>
   </p:clrMapOvr>
+  <p:transition/>
   <p:timing>
     <p:tnLst>
       <p:par>

--- a/doc/apresentacao_dissertacao.pptx
+++ b/doc/apresentacao_dissertacao.pptx
@@ -12870,9 +12870,35 @@
             <a:endParaRPr lang="pt-PT" dirty="0" smtClean="0"/>
           </a:p>
           <a:p>
+            <a:pPr>
+              <a:buNone/>
+            </a:pPr>
+            <a:endParaRPr lang="pt-PT" dirty="0" smtClean="0"/>
+          </a:p>
+          <a:p>
             <a:r>
               <a:rPr lang="pt-PT" dirty="0" smtClean="0"/>
-              <a:t>Pode ser online ou offline</a:t>
+              <a:t>Pode ser </a:t>
+            </a:r>
+            <a:r>
+              <a:rPr lang="pt-PT" dirty="0" err="1" smtClean="0"/>
+              <a:t>efectuada</a:t>
+            </a:r>
+            <a:r>
+              <a:rPr lang="pt-PT" dirty="0" smtClean="0"/>
+              <a:t> de modo </a:t>
+            </a:r>
+            <a:r>
+              <a:rPr lang="pt-PT" i="1" dirty="0" smtClean="0"/>
+              <a:t>online</a:t>
+            </a:r>
+            <a:r>
+              <a:rPr lang="pt-PT" dirty="0" smtClean="0"/>
+              <a:t> ou </a:t>
+            </a:r>
+            <a:r>
+              <a:rPr lang="pt-PT" i="1" dirty="0" smtClean="0"/>
+              <a:t>offline</a:t>
             </a:r>
           </a:p>
           <a:p>

--- a/doc/apresentacao_dissertacao.pptx
+++ b/doc/apresentacao_dissertacao.pptx
@@ -5,20 +5,20 @@
     <p:sldMasterId id="2147483660" r:id="rId1"/>
   </p:sldMasterIdLst>
   <p:notesMasterIdLst>
-    <p:notesMasterId r:id="rId33"/>
+    <p:notesMasterId r:id="rId34"/>
   </p:notesMasterIdLst>
   <p:handoutMasterIdLst>
-    <p:handoutMasterId r:id="rId34"/>
+    <p:handoutMasterId r:id="rId35"/>
   </p:handoutMasterIdLst>
   <p:sldIdLst>
     <p:sldId id="256" r:id="rId2"/>
     <p:sldId id="298" r:id="rId3"/>
     <p:sldId id="299" r:id="rId4"/>
     <p:sldId id="279" r:id="rId5"/>
-    <p:sldId id="273" r:id="rId6"/>
-    <p:sldId id="260" r:id="rId7"/>
-    <p:sldId id="270" r:id="rId8"/>
-    <p:sldId id="269" r:id="rId9"/>
+    <p:sldId id="303" r:id="rId6"/>
+    <p:sldId id="273" r:id="rId7"/>
+    <p:sldId id="260" r:id="rId8"/>
+    <p:sldId id="270" r:id="rId9"/>
     <p:sldId id="300" r:id="rId10"/>
     <p:sldId id="274" r:id="rId11"/>
     <p:sldId id="276" r:id="rId12"/>
@@ -27,24 +27,25 @@
     <p:sldId id="293" r:id="rId15"/>
     <p:sldId id="294" r:id="rId16"/>
     <p:sldId id="295" r:id="rId17"/>
-    <p:sldId id="301" r:id="rId18"/>
-    <p:sldId id="271" r:id="rId19"/>
-    <p:sldId id="302" r:id="rId20"/>
-    <p:sldId id="297" r:id="rId21"/>
-    <p:sldId id="283" r:id="rId22"/>
-    <p:sldId id="284" r:id="rId23"/>
-    <p:sldId id="286" r:id="rId24"/>
-    <p:sldId id="282" r:id="rId25"/>
-    <p:sldId id="281" r:id="rId26"/>
-    <p:sldId id="265" r:id="rId27"/>
-    <p:sldId id="291" r:id="rId28"/>
-    <p:sldId id="285" r:id="rId29"/>
-    <p:sldId id="261" r:id="rId30"/>
-    <p:sldId id="259" r:id="rId31"/>
-    <p:sldId id="268" r:id="rId32"/>
+    <p:sldId id="271" r:id="rId18"/>
+    <p:sldId id="302" r:id="rId19"/>
+    <p:sldId id="297" r:id="rId20"/>
+    <p:sldId id="283" r:id="rId21"/>
+    <p:sldId id="284" r:id="rId22"/>
+    <p:sldId id="286" r:id="rId23"/>
+    <p:sldId id="282" r:id="rId24"/>
+    <p:sldId id="281" r:id="rId25"/>
+    <p:sldId id="265" r:id="rId26"/>
+    <p:sldId id="291" r:id="rId27"/>
+    <p:sldId id="285" r:id="rId28"/>
+    <p:sldId id="261" r:id="rId29"/>
+    <p:sldId id="259" r:id="rId30"/>
+    <p:sldId id="268" r:id="rId31"/>
+    <p:sldId id="269" r:id="rId32"/>
+    <p:sldId id="301" r:id="rId33"/>
   </p:sldIdLst>
   <p:sldSz cx="9144000" cy="6858000" type="screen4x3"/>
-  <p:notesSz cx="9874250" cy="6797675"/>
+  <p:notesSz cx="6797675" cy="9874250"/>
   <p:defaultTextStyle>
     <a:defPPr>
       <a:defRPr lang="pt-PT"/>
@@ -212,7 +213,7 @@
                   <c:v>89.797500000000127</c:v>
                 </c:pt>
                 <c:pt idx="4">
-                  <c:v>182.15730000000033</c:v>
+                  <c:v>182.15730000000036</c:v>
                 </c:pt>
                 <c:pt idx="5">
                   <c:v>179.49300000000002</c:v>
@@ -280,7 +281,7 @@
                   <c:v>89.800699999999992</c:v>
                 </c:pt>
                 <c:pt idx="4">
-                  <c:v>188.71559999999957</c:v>
+                  <c:v>188.71559999999954</c:v>
                 </c:pt>
                 <c:pt idx="5">
                   <c:v>179.62800000000001</c:v>
@@ -342,7 +343,7 @@
                   <c:v>91.667400000000001</c:v>
                 </c:pt>
                 <c:pt idx="2">
-                  <c:v>91.26720000000023</c:v>
+                  <c:v>91.267200000000244</c:v>
                 </c:pt>
                 <c:pt idx="3">
                   <c:v>89.846400000000003</c:v>
@@ -357,11 +358,11 @@
             </c:numRef>
           </c:val>
         </c:ser>
-        <c:axId val="71386240"/>
-        <c:axId val="71388160"/>
+        <c:axId val="47986176"/>
+        <c:axId val="47988096"/>
       </c:barChart>
       <c:catAx>
-        <c:axId val="71386240"/>
+        <c:axId val="47986176"/>
         <c:scaling>
           <c:orientation val="minMax"/>
         </c:scaling>
@@ -386,21 +387,21 @@
             <c:manualLayout>
               <c:xMode val="edge"/>
               <c:yMode val="edge"/>
-              <c:x val="0.44432432805295002"/>
+              <c:x val="0.44432432805295013"/>
               <c:y val="0.88981208334873663"/>
             </c:manualLayout>
           </c:layout>
         </c:title>
         <c:numFmt formatCode="General" sourceLinked="1"/>
         <c:tickLblPos val="nextTo"/>
-        <c:crossAx val="71388160"/>
+        <c:crossAx val="47988096"/>
         <c:crosses val="autoZero"/>
         <c:auto val="1"/>
         <c:lblAlgn val="ctr"/>
         <c:lblOffset val="100"/>
       </c:catAx>
       <c:valAx>
-        <c:axId val="71388160"/>
+        <c:axId val="47988096"/>
         <c:scaling>
           <c:orientation val="minMax"/>
         </c:scaling>
@@ -427,13 +428,13 @@
               <c:xMode val="edge"/>
               <c:yMode val="edge"/>
               <c:x val="1.4212132813227503E-2"/>
-              <c:y val="0.33453895727822858"/>
+              <c:y val="0.33453895727822863"/>
             </c:manualLayout>
           </c:layout>
         </c:title>
         <c:numFmt formatCode="0.0" sourceLinked="0"/>
         <c:tickLblPos val="nextTo"/>
-        <c:crossAx val="71386240"/>
+        <c:crossAx val="47986176"/>
         <c:crosses val="autoZero"/>
         <c:crossBetween val="between"/>
       </c:valAx>
@@ -493,7 +494,7 @@
                 <c:formatCode>0.0000</c:formatCode>
                 <c:ptCount val="2"/>
                 <c:pt idx="0">
-                  <c:v>182.15730000000033</c:v>
+                  <c:v>182.15730000000036</c:v>
                 </c:pt>
                 <c:pt idx="1">
                   <c:v>179.49300000000002</c:v>
@@ -537,7 +538,7 @@
                 <c:formatCode>General</c:formatCode>
                 <c:ptCount val="2"/>
                 <c:pt idx="0">
-                  <c:v>188.71559999999957</c:v>
+                  <c:v>188.71559999999954</c:v>
                 </c:pt>
                 <c:pt idx="1">
                   <c:v>179.62800000000001</c:v>
@@ -590,11 +591,11 @@
             </c:numRef>
           </c:val>
         </c:ser>
-        <c:axId val="72254208"/>
-        <c:axId val="72256128"/>
+        <c:axId val="49386240"/>
+        <c:axId val="49388160"/>
       </c:barChart>
       <c:catAx>
-        <c:axId val="72254208"/>
+        <c:axId val="49386240"/>
         <c:scaling>
           <c:orientation val="minMax"/>
         </c:scaling>
@@ -619,14 +620,14 @@
         </c:title>
         <c:numFmt formatCode="General" sourceLinked="1"/>
         <c:tickLblPos val="nextTo"/>
-        <c:crossAx val="72256128"/>
+        <c:crossAx val="49388160"/>
         <c:crosses val="autoZero"/>
         <c:auto val="1"/>
         <c:lblAlgn val="ctr"/>
         <c:lblOffset val="100"/>
       </c:catAx>
       <c:valAx>
-        <c:axId val="72256128"/>
+        <c:axId val="49388160"/>
         <c:scaling>
           <c:orientation val="minMax"/>
         </c:scaling>
@@ -657,7 +658,7 @@
         </c:title>
         <c:numFmt formatCode="0.0" sourceLinked="0"/>
         <c:tickLblPos val="nextTo"/>
-        <c:crossAx val="72254208"/>
+        <c:crossAx val="49386240"/>
         <c:crosses val="autoZero"/>
         <c:crossBetween val="between"/>
       </c:valAx>
@@ -738,7 +739,7 @@
                   <c:v>0.13730000000000001</c:v>
                 </c:pt>
                 <c:pt idx="3">
-                  <c:v>3.600000000000006E-3</c:v>
+                  <c:v>3.6000000000000068E-3</c:v>
                 </c:pt>
                 <c:pt idx="4">
                   <c:v>3.6003000000000012</c:v>
@@ -818,11 +819,11 @@
             </c:numRef>
           </c:val>
         </c:ser>
-        <c:axId val="72285568"/>
-        <c:axId val="71775744"/>
+        <c:axId val="49409408"/>
+        <c:axId val="48375296"/>
       </c:barChart>
       <c:catAx>
-        <c:axId val="72285568"/>
+        <c:axId val="49409408"/>
         <c:scaling>
           <c:orientation val="minMax"/>
         </c:scaling>
@@ -847,14 +848,14 @@
         </c:title>
         <c:numFmt formatCode="General" sourceLinked="1"/>
         <c:tickLblPos val="nextTo"/>
-        <c:crossAx val="71775744"/>
+        <c:crossAx val="48375296"/>
         <c:crosses val="autoZero"/>
         <c:auto val="1"/>
         <c:lblAlgn val="ctr"/>
         <c:lblOffset val="100"/>
       </c:catAx>
       <c:valAx>
-        <c:axId val="71775744"/>
+        <c:axId val="48375296"/>
         <c:scaling>
           <c:orientation val="minMax"/>
         </c:scaling>
@@ -881,14 +882,14 @@
             <c:manualLayout>
               <c:xMode val="edge"/>
               <c:yMode val="edge"/>
-              <c:x val="0.319622655753241"/>
-              <c:y val="3.2139286111066654E-4"/>
+              <c:x val="0.31962265575324111"/>
+              <c:y val="3.2139286111066659E-4"/>
             </c:manualLayout>
           </c:layout>
         </c:title>
         <c:numFmt formatCode="0.00" sourceLinked="0"/>
         <c:tickLblPos val="nextTo"/>
-        <c:crossAx val="72285568"/>
+        <c:crossAx val="49409408"/>
         <c:crosses val="autoZero"/>
         <c:crossBetween val="between"/>
       </c:valAx>
@@ -997,11 +998,11 @@
             </c:numRef>
           </c:val>
         </c:ser>
-        <c:axId val="71796224"/>
-        <c:axId val="71798144"/>
+        <c:axId val="48391680"/>
+        <c:axId val="48393600"/>
       </c:barChart>
       <c:catAx>
-        <c:axId val="71796224"/>
+        <c:axId val="48391680"/>
         <c:scaling>
           <c:orientation val="minMax"/>
         </c:scaling>
@@ -1026,14 +1027,14 @@
         </c:title>
         <c:numFmt formatCode="General" sourceLinked="1"/>
         <c:tickLblPos val="nextTo"/>
-        <c:crossAx val="71798144"/>
+        <c:crossAx val="48393600"/>
         <c:crosses val="autoZero"/>
         <c:auto val="1"/>
         <c:lblAlgn val="ctr"/>
         <c:lblOffset val="100"/>
       </c:catAx>
       <c:valAx>
-        <c:axId val="71798144"/>
+        <c:axId val="48393600"/>
         <c:scaling>
           <c:orientation val="minMax"/>
         </c:scaling>
@@ -1041,7 +1042,7 @@
         <c:majorGridlines/>
         <c:numFmt formatCode="0.00" sourceLinked="0"/>
         <c:tickLblPos val="nextTo"/>
-        <c:crossAx val="71796224"/>
+        <c:crossAx val="48391680"/>
         <c:crosses val="autoZero"/>
         <c:crossBetween val="between"/>
       </c:valAx>
@@ -1092,7 +1093,7 @@
         <p:spPr>
           <a:xfrm>
             <a:off x="0" y="0"/>
-            <a:ext cx="4278842" cy="339884"/>
+            <a:ext cx="2945659" cy="493713"/>
           </a:xfrm>
           <a:prstGeom prst="rect">
             <a:avLst/>
@@ -1122,8 +1123,8 @@
         </p:nvSpPr>
         <p:spPr>
           <a:xfrm>
-            <a:off x="5593123" y="0"/>
-            <a:ext cx="4278842" cy="339884"/>
+            <a:off x="3850443" y="0"/>
+            <a:ext cx="2945659" cy="493713"/>
           </a:xfrm>
           <a:prstGeom prst="rect">
             <a:avLst/>
@@ -1158,8 +1159,8 @@
         </p:nvSpPr>
         <p:spPr>
           <a:xfrm>
-            <a:off x="0" y="6456612"/>
-            <a:ext cx="4278842" cy="339884"/>
+            <a:off x="0" y="9378824"/>
+            <a:ext cx="2945659" cy="493713"/>
           </a:xfrm>
           <a:prstGeom prst="rect">
             <a:avLst/>
@@ -1189,8 +1190,8 @@
         </p:nvSpPr>
         <p:spPr>
           <a:xfrm>
-            <a:off x="5593123" y="6456612"/>
-            <a:ext cx="4278842" cy="339884"/>
+            <a:off x="3850443" y="9378824"/>
+            <a:ext cx="2945659" cy="493713"/>
           </a:xfrm>
           <a:prstGeom prst="rect">
             <a:avLst/>
@@ -1216,7 +1217,7 @@
     </p:spTree>
     <p:extLst>
       <p:ext uri="{BB962C8B-B14F-4D97-AF65-F5344CB8AC3E}">
-        <p14:creationId xmlns="" xmlns:p14="http://schemas.microsoft.com/office/powerpoint/2010/main" val="3502731545"/>
+        <p14:creationId xmlns:p14="http://schemas.microsoft.com/office/powerpoint/2010/main" xmlns="" val="3502731545"/>
       </p:ext>
     </p:extLst>
   </p:cSld>
@@ -1259,7 +1260,7 @@
         <p:spPr>
           <a:xfrm>
             <a:off x="0" y="0"/>
-            <a:ext cx="4278842" cy="339884"/>
+            <a:ext cx="2945659" cy="493713"/>
           </a:xfrm>
           <a:prstGeom prst="rect">
             <a:avLst/>
@@ -1289,8 +1290,8 @@
         </p:nvSpPr>
         <p:spPr>
           <a:xfrm>
-            <a:off x="5593123" y="0"/>
-            <a:ext cx="4278842" cy="339884"/>
+            <a:off x="3850443" y="0"/>
+            <a:ext cx="2945659" cy="493713"/>
           </a:xfrm>
           <a:prstGeom prst="rect">
             <a:avLst/>
@@ -1325,8 +1326,8 @@
         </p:nvSpPr>
         <p:spPr>
           <a:xfrm>
-            <a:off x="3236913" y="509588"/>
-            <a:ext cx="3400425" cy="2549525"/>
+            <a:off x="930275" y="739775"/>
+            <a:ext cx="4937125" cy="3703638"/>
           </a:xfrm>
           <a:prstGeom prst="rect">
             <a:avLst/>
@@ -1358,8 +1359,8 @@
         </p:nvSpPr>
         <p:spPr>
           <a:xfrm>
-            <a:off x="987425" y="3228895"/>
-            <a:ext cx="7899400" cy="3058954"/>
+            <a:off x="679768" y="4690268"/>
+            <a:ext cx="5438140" cy="4443413"/>
           </a:xfrm>
           <a:prstGeom prst="rect">
             <a:avLst/>
@@ -1420,8 +1421,8 @@
         </p:nvSpPr>
         <p:spPr>
           <a:xfrm>
-            <a:off x="0" y="6456612"/>
-            <a:ext cx="4278842" cy="339884"/>
+            <a:off x="0" y="9378824"/>
+            <a:ext cx="2945659" cy="493713"/>
           </a:xfrm>
           <a:prstGeom prst="rect">
             <a:avLst/>
@@ -1451,8 +1452,8 @@
         </p:nvSpPr>
         <p:spPr>
           <a:xfrm>
-            <a:off x="5593123" y="6456612"/>
-            <a:ext cx="4278842" cy="339884"/>
+            <a:off x="3850443" y="9378824"/>
+            <a:ext cx="2945659" cy="493713"/>
           </a:xfrm>
           <a:prstGeom prst="rect">
             <a:avLst/>
@@ -1478,7 +1479,7 @@
     </p:spTree>
     <p:extLst>
       <p:ext uri="{BB962C8B-B14F-4D97-AF65-F5344CB8AC3E}">
-        <p14:creationId xmlns="" xmlns:p14="http://schemas.microsoft.com/office/powerpoint/2010/main" val="1191317535"/>
+        <p14:creationId xmlns:p14="http://schemas.microsoft.com/office/powerpoint/2010/main" xmlns="" val="1191317535"/>
       </p:ext>
     </p:extLst>
   </p:cSld>
@@ -2024,7 +2025,198 @@
           </a:bodyPr>
           <a:lstStyle/>
           <a:p>
-            <a:endParaRPr lang="pt-PT"/>
+            <a:r>
+              <a:rPr lang="pt-PT" baseline="0" dirty="0" smtClean="0"/>
+              <a:t>Em sistemas distribuídos permite-nos analisar as </a:t>
+            </a:r>
+            <a:r>
+              <a:rPr lang="pt-PT" baseline="0" dirty="0" err="1" smtClean="0"/>
+              <a:t>interacções</a:t>
+            </a:r>
+            <a:r>
+              <a:rPr lang="pt-PT" baseline="0" dirty="0" smtClean="0"/>
+              <a:t> pela rede, entre as várias entidades, verificando a </a:t>
+            </a:r>
+            <a:r>
+              <a:rPr lang="pt-PT" baseline="0" dirty="0" err="1" smtClean="0"/>
+              <a:t>correcção</a:t>
+            </a:r>
+            <a:r>
+              <a:rPr lang="pt-PT" baseline="0" dirty="0" smtClean="0"/>
+              <a:t>, desempenho, detectando problemas, etc.</a:t>
+            </a:r>
+          </a:p>
+          <a:p>
+            <a:endParaRPr lang="pt-PT" baseline="0" dirty="0" smtClean="0"/>
+          </a:p>
+          <a:p>
+            <a:r>
+              <a:rPr lang="pt-PT" baseline="0" dirty="0" smtClean="0"/>
+              <a:t>No entanto tem os problemas de identificar e capturar apenas a informação relevante:</a:t>
+            </a:r>
+          </a:p>
+          <a:p>
+            <a:pPr marL="171450" marR="0" indent="-171450" algn="l" defTabSz="914400" rtl="0" eaLnBrk="1" fontAlgn="auto" latinLnBrk="0" hangingPunct="1">
+              <a:lnSpc>
+                <a:spcPct val="100000"/>
+              </a:lnSpc>
+              <a:spcBef>
+                <a:spcPts val="0"/>
+              </a:spcBef>
+              <a:spcAft>
+                <a:spcPts val="0"/>
+              </a:spcAft>
+              <a:buClrTx/>
+              <a:buSzTx/>
+              <a:buFontTx/>
+              <a:buChar char="-"/>
+              <a:tabLst/>
+              <a:defRPr/>
+            </a:pPr>
+            <a:r>
+              <a:rPr lang="en-US" baseline="0" dirty="0" err="1" smtClean="0"/>
+              <a:t>Por</a:t>
+            </a:r>
+            <a:r>
+              <a:rPr lang="en-US" baseline="0" dirty="0" smtClean="0"/>
+              <a:t> </a:t>
+            </a:r>
+            <a:r>
+              <a:rPr lang="en-US" baseline="0" dirty="0" err="1" smtClean="0"/>
+              <a:t>exemplo</a:t>
+            </a:r>
+            <a:r>
+              <a:rPr lang="en-US" baseline="0" dirty="0" smtClean="0"/>
+              <a:t>, </a:t>
+            </a:r>
+            <a:r>
+              <a:rPr lang="en-US" baseline="0" dirty="0" err="1" smtClean="0"/>
+              <a:t>filtrando</a:t>
+            </a:r>
+            <a:r>
+              <a:rPr lang="en-US" baseline="0" dirty="0" smtClean="0"/>
+              <a:t> dos </a:t>
+            </a:r>
+            <a:r>
+              <a:rPr lang="en-US" baseline="0" dirty="0" err="1" smtClean="0"/>
+              <a:t>fluxos</a:t>
+            </a:r>
+            <a:r>
+              <a:rPr lang="en-US" baseline="0" dirty="0" smtClean="0"/>
+              <a:t> de dados </a:t>
+            </a:r>
+            <a:r>
+              <a:rPr lang="en-US" baseline="0" dirty="0" err="1" smtClean="0"/>
+              <a:t>num</a:t>
+            </a:r>
+            <a:r>
+              <a:rPr lang="en-US" baseline="0" dirty="0" smtClean="0"/>
+              <a:t> </a:t>
+            </a:r>
+            <a:r>
+              <a:rPr lang="en-US" baseline="0" dirty="0" err="1" smtClean="0"/>
+              <a:t>computador</a:t>
+            </a:r>
+            <a:r>
+              <a:rPr lang="en-US" baseline="0" dirty="0" smtClean="0"/>
+              <a:t> </a:t>
+            </a:r>
+            <a:r>
+              <a:rPr lang="en-US" baseline="0" dirty="0" err="1" smtClean="0"/>
+              <a:t>os</a:t>
+            </a:r>
+            <a:r>
+              <a:rPr lang="en-US" baseline="0" dirty="0" smtClean="0"/>
+              <a:t> </a:t>
+            </a:r>
+            <a:r>
+              <a:rPr lang="en-US" baseline="0" dirty="0" err="1" smtClean="0"/>
+              <a:t>que</a:t>
+            </a:r>
+            <a:r>
+              <a:rPr lang="en-US" baseline="0" dirty="0" smtClean="0"/>
+              <a:t> </a:t>
+            </a:r>
+            <a:r>
+              <a:rPr lang="en-US" baseline="0" dirty="0" err="1" smtClean="0"/>
+              <a:t>são</a:t>
+            </a:r>
+            <a:r>
+              <a:rPr lang="en-US" baseline="0" dirty="0" smtClean="0"/>
+              <a:t> </a:t>
+            </a:r>
+            <a:r>
+              <a:rPr lang="en-US" baseline="0" dirty="0" err="1" smtClean="0"/>
+              <a:t>relevantes</a:t>
+            </a:r>
+            <a:r>
+              <a:rPr lang="en-US" baseline="0" dirty="0" smtClean="0"/>
+              <a:t>;</a:t>
+            </a:r>
+          </a:p>
+          <a:p>
+            <a:pPr marL="171450" marR="0" indent="-171450" algn="l" defTabSz="914400" rtl="0" eaLnBrk="1" fontAlgn="auto" latinLnBrk="0" hangingPunct="1">
+              <a:lnSpc>
+                <a:spcPct val="100000"/>
+              </a:lnSpc>
+              <a:spcBef>
+                <a:spcPts val="0"/>
+              </a:spcBef>
+              <a:spcAft>
+                <a:spcPts val="0"/>
+              </a:spcAft>
+              <a:buClrTx/>
+              <a:buSzTx/>
+              <a:buFontTx/>
+              <a:buChar char="-"/>
+              <a:tabLst/>
+              <a:defRPr/>
+            </a:pPr>
+            <a:r>
+              <a:rPr lang="en-US" baseline="0" dirty="0" smtClean="0"/>
+              <a:t>O</a:t>
+            </a:r>
+            <a:r>
+              <a:rPr lang="pt-PT" baseline="0" dirty="0" smtClean="0"/>
+              <a:t>u monitorizando aplicações onde os portos usados nem são conhecidos à priori;</a:t>
+            </a:r>
+          </a:p>
+          <a:p>
+            <a:endParaRPr lang="pt-PT" baseline="0" dirty="0" smtClean="0"/>
+          </a:p>
+          <a:p>
+            <a:r>
+              <a:rPr lang="pt-PT" baseline="0" dirty="0" smtClean="0"/>
+              <a:t>Por fim, a monitorização pode causar uma maior sobrecarga no sistema, especialmente </a:t>
+            </a:r>
+            <a:r>
+              <a:rPr lang="pt-PT" dirty="0" smtClean="0"/>
+              <a:t>com elevado tráfego ou número de </a:t>
+            </a:r>
+            <a:r>
+              <a:rPr lang="pt-PT" dirty="0" err="1" smtClean="0"/>
+              <a:t>interacções</a:t>
+            </a:r>
+            <a:r>
+              <a:rPr lang="pt-PT" dirty="0" smtClean="0"/>
+              <a:t>, </a:t>
+            </a:r>
+            <a:r>
+              <a:rPr lang="pt-PT" baseline="0" dirty="0" smtClean="0"/>
+              <a:t>afectando o desempenho e alterando o comportamento dos processos.</a:t>
+            </a:r>
+          </a:p>
+          <a:p>
+            <a:endParaRPr lang="pt-PT" baseline="0" dirty="0" smtClean="0"/>
+          </a:p>
+          <a:p>
+            <a:r>
+              <a:rPr lang="pt-PT" baseline="0" dirty="0" smtClean="0"/>
+              <a:t>Algumas abordagens na monitorização do tráfego de rede, podem ser ...</a:t>
+            </a:r>
+          </a:p>
+          <a:p>
+            <a:endParaRPr lang="pt-PT" dirty="0"/>
           </a:p>
         </p:txBody>
       </p:sp>
@@ -2046,7 +2238,7 @@
             <a:fld id="{CB697A11-5CEE-4588-B832-132CDC30A066}" type="slidenum">
               <a:rPr lang="pt-PT" smtClean="0"/>
               <a:pPr/>
-              <a:t>6</a:t>
+              <a:t>5</a:t>
             </a:fld>
             <a:endParaRPr lang="pt-PT"/>
           </a:p>
@@ -2079,7 +2271,7 @@
       </p:grpSpPr>
       <p:sp>
         <p:nvSpPr>
-          <p:cNvPr id="2" name="Slide Image Placeholder 1"/>
+          <p:cNvPr id="2" name="Marcador de Posição da Imagem do Diapositivo 1"/>
           <p:cNvSpPr>
             <a:spLocks noGrp="1" noRot="1" noChangeAspect="1"/>
           </p:cNvSpPr>
@@ -2091,7 +2283,7 @@
       </p:sp>
       <p:sp>
         <p:nvSpPr>
-          <p:cNvPr id="3" name="Notes Placeholder 2"/>
+          <p:cNvPr id="3" name="Marcador de Posição de Notas 2"/>
           <p:cNvSpPr>
             <a:spLocks noGrp="1"/>
           </p:cNvSpPr>
@@ -2101,129 +2293,18 @@
         </p:nvSpPr>
         <p:spPr/>
         <p:txBody>
-          <a:bodyPr/>
-          <a:lstStyle/>
-          <a:p>
-            <a:r>
-              <a:rPr lang="en-US" dirty="0" smtClean="0"/>
-              <a:t>(</a:t>
-            </a:r>
-            <a:r>
-              <a:rPr lang="en-US" dirty="0" err="1" smtClean="0"/>
-              <a:t>explicar</a:t>
-            </a:r>
-            <a:r>
-              <a:rPr lang="en-US" dirty="0" smtClean="0"/>
-              <a:t> </a:t>
-            </a:r>
-            <a:r>
-              <a:rPr lang="en-US" dirty="0" err="1" smtClean="0"/>
-              <a:t>porquê</a:t>
-            </a:r>
-            <a:r>
-              <a:rPr lang="en-US" dirty="0" smtClean="0"/>
-              <a:t> …)</a:t>
-            </a:r>
-          </a:p>
-          <a:p>
-            <a:endParaRPr lang="en-US" dirty="0" smtClean="0"/>
-          </a:p>
-          <a:p>
-            <a:r>
-              <a:rPr lang="en-US" dirty="0" smtClean="0"/>
-              <a:t>A </a:t>
-            </a:r>
-            <a:r>
-              <a:rPr lang="en-US" dirty="0" err="1" smtClean="0"/>
-              <a:t>perca</a:t>
-            </a:r>
-            <a:r>
-              <a:rPr lang="en-US" dirty="0" smtClean="0"/>
-              <a:t> de </a:t>
-            </a:r>
-            <a:r>
-              <a:rPr lang="en-US" dirty="0" err="1" smtClean="0"/>
-              <a:t>informação</a:t>
-            </a:r>
-            <a:r>
-              <a:rPr lang="en-US" dirty="0" smtClean="0"/>
-              <a:t> </a:t>
-            </a:r>
-            <a:r>
-              <a:rPr lang="en-US" dirty="0" err="1" smtClean="0"/>
-              <a:t>relevante</a:t>
-            </a:r>
-            <a:r>
-              <a:rPr lang="en-US" dirty="0" smtClean="0"/>
-              <a:t> e a</a:t>
-            </a:r>
-            <a:r>
-              <a:rPr lang="en-US" baseline="0" dirty="0" smtClean="0"/>
-              <a:t> </a:t>
-            </a:r>
-            <a:r>
-              <a:rPr lang="en-US" baseline="0" dirty="0" err="1" smtClean="0"/>
-              <a:t>grande</a:t>
-            </a:r>
-            <a:r>
-              <a:rPr lang="en-US" baseline="0" dirty="0" smtClean="0"/>
-              <a:t> </a:t>
-            </a:r>
-            <a:r>
-              <a:rPr lang="en-US" baseline="0" dirty="0" err="1" smtClean="0"/>
-              <a:t>sobrecarga</a:t>
-            </a:r>
-            <a:r>
-              <a:rPr lang="en-US" baseline="0" dirty="0" smtClean="0"/>
-              <a:t> </a:t>
-            </a:r>
-            <a:r>
-              <a:rPr lang="en-US" baseline="0" dirty="0" err="1" smtClean="0"/>
-              <a:t>introduzida</a:t>
-            </a:r>
-            <a:r>
-              <a:rPr lang="en-US" baseline="0" dirty="0" smtClean="0"/>
-              <a:t> </a:t>
-            </a:r>
-            <a:r>
-              <a:rPr lang="en-US" baseline="0" dirty="0" err="1" smtClean="0"/>
-              <a:t>limita</a:t>
-            </a:r>
-            <a:r>
-              <a:rPr lang="en-US" baseline="0" dirty="0" smtClean="0"/>
-              <a:t> </a:t>
-            </a:r>
-            <a:r>
-              <a:rPr lang="en-US" baseline="0" dirty="0" err="1" smtClean="0"/>
-              <a:t>muito</a:t>
-            </a:r>
-            <a:r>
-              <a:rPr lang="en-US" baseline="0" dirty="0" smtClean="0"/>
-              <a:t> </a:t>
-            </a:r>
-            <a:r>
-              <a:rPr lang="en-US" baseline="0" dirty="0" err="1" smtClean="0"/>
-              <a:t>esta</a:t>
-            </a:r>
-            <a:r>
-              <a:rPr lang="en-US" baseline="0" dirty="0" smtClean="0"/>
-              <a:t> </a:t>
-            </a:r>
-            <a:r>
-              <a:rPr lang="en-US" baseline="0" dirty="0" err="1" smtClean="0"/>
-              <a:t>abordagem</a:t>
-            </a:r>
-            <a:r>
-              <a:rPr lang="en-US" baseline="0" dirty="0" smtClean="0"/>
-              <a:t>.</a:t>
-            </a:r>
-            <a:endParaRPr lang="en-US" dirty="0"/>
-          </a:p>
-        </p:txBody>
-      </p:sp>
-      <p:sp>
-        <p:nvSpPr>
-          <p:cNvPr id="4" name="Slide Number Placeholder 3"/>
+          <a:bodyPr>
+            <a:normAutofit/>
+          </a:bodyPr>
+          <a:lstStyle/>
+          <a:p>
+            <a:endParaRPr lang="pt-PT"/>
+          </a:p>
+        </p:txBody>
+      </p:sp>
+      <p:sp>
+        <p:nvSpPr>
+          <p:cNvPr id="4" name="Marcador de Posição do Número do Diapositivo 3"/>
           <p:cNvSpPr>
             <a:spLocks noGrp="1"/>
           </p:cNvSpPr>
@@ -2239,18 +2320,13 @@
             <a:fld id="{CB697A11-5CEE-4588-B832-132CDC30A066}" type="slidenum">
               <a:rPr lang="pt-PT" smtClean="0"/>
               <a:pPr/>
-              <a:t>29</a:t>
+              <a:t>7</a:t>
             </a:fld>
             <a:endParaRPr lang="pt-PT"/>
           </a:p>
         </p:txBody>
       </p:sp>
     </p:spTree>
-    <p:extLst>
-      <p:ext uri="{BB962C8B-B14F-4D97-AF65-F5344CB8AC3E}">
-        <p14:creationId xmlns="" xmlns:p14="http://schemas.microsoft.com/office/powerpoint/2010/main" val="3724839547"/>
-      </p:ext>
-    </p:extLst>
   </p:cSld>
   <p:clrMapOvr>
     <a:masterClrMapping/>
@@ -2277,7 +2353,7 @@
       </p:grpSpPr>
       <p:sp>
         <p:nvSpPr>
-          <p:cNvPr id="2" name="Marcador de Posição da Imagem do Diapositivo 1"/>
+          <p:cNvPr id="2" name="Slide Image Placeholder 1"/>
           <p:cNvSpPr>
             <a:spLocks noGrp="1" noRot="1" noChangeAspect="1"/>
           </p:cNvSpPr>
@@ -2289,7 +2365,7 @@
       </p:sp>
       <p:sp>
         <p:nvSpPr>
-          <p:cNvPr id="3" name="Marcador de Posição de Notas 2"/>
+          <p:cNvPr id="3" name="Notes Placeholder 2"/>
           <p:cNvSpPr>
             <a:spLocks noGrp="1"/>
           </p:cNvSpPr>
@@ -2299,97 +2375,129 @@
         </p:nvSpPr>
         <p:spPr/>
         <p:txBody>
-          <a:bodyPr>
-            <a:normAutofit/>
-          </a:bodyPr>
-          <a:lstStyle/>
-          <a:p>
-            <a:r>
-              <a:rPr lang="pt-PT" dirty="0" smtClean="0"/>
-              <a:t>...</a:t>
-            </a:r>
-            <a:r>
-              <a:rPr lang="pt-PT" baseline="0" dirty="0" smtClean="0"/>
+          <a:bodyPr/>
+          <a:lstStyle/>
+          <a:p>
+            <a:r>
+              <a:rPr lang="en-US" dirty="0" smtClean="0"/>
+              <a:t>(</a:t>
+            </a:r>
+            <a:r>
+              <a:rPr lang="en-US" dirty="0" err="1" smtClean="0"/>
+              <a:t>explicar</a:t>
+            </a:r>
+            <a:r>
+              <a:rPr lang="en-US" dirty="0" smtClean="0"/>
               <a:t> </a:t>
             </a:r>
             <a:r>
+              <a:rPr lang="en-US" dirty="0" err="1" smtClean="0"/>
+              <a:t>porquê</a:t>
+            </a:r>
+            <a:r>
+              <a:rPr lang="en-US" dirty="0" smtClean="0"/>
+              <a:t> …)</a:t>
+            </a:r>
+          </a:p>
+          <a:p>
+            <a:endParaRPr lang="en-US" dirty="0" smtClean="0"/>
+          </a:p>
+          <a:p>
+            <a:r>
+              <a:rPr lang="en-US" dirty="0" smtClean="0"/>
+              <a:t>A </a:t>
+            </a:r>
+            <a:r>
+              <a:rPr lang="en-US" dirty="0" err="1" smtClean="0"/>
+              <a:t>perca</a:t>
+            </a:r>
+            <a:r>
+              <a:rPr lang="en-US" dirty="0" smtClean="0"/>
+              <a:t> de </a:t>
+            </a:r>
+            <a:r>
+              <a:rPr lang="en-US" dirty="0" err="1" smtClean="0"/>
+              <a:t>informação</a:t>
+            </a:r>
+            <a:r>
+              <a:rPr lang="en-US" dirty="0" smtClean="0"/>
+              <a:t> </a:t>
+            </a:r>
+            <a:r>
+              <a:rPr lang="en-US" dirty="0" err="1" smtClean="0"/>
+              <a:t>relevante</a:t>
+            </a:r>
+            <a:r>
+              <a:rPr lang="en-US" dirty="0" smtClean="0"/>
+              <a:t> e a</a:t>
+            </a:r>
+            <a:r>
               <a:rPr lang="en-US" baseline="0" dirty="0" smtClean="0"/>
-              <a:t>M</a:t>
-            </a:r>
-            <a:r>
-              <a:rPr lang="pt-PT" baseline="0" dirty="0" err="1" smtClean="0"/>
-              <a:t>onitorização</a:t>
-            </a:r>
-            <a:r>
-              <a:rPr lang="pt-PT" baseline="0" dirty="0" smtClean="0"/>
-              <a:t> apenas em nível utilizador;</a:t>
-            </a:r>
-          </a:p>
-          <a:p>
+              <a:t> </a:t>
+            </a:r>
+            <a:r>
+              <a:rPr lang="en-US" baseline="0" dirty="0" err="1" smtClean="0"/>
+              <a:t>grande</a:t>
+            </a:r>
             <a:r>
               <a:rPr lang="en-US" baseline="0" dirty="0" smtClean="0"/>
-              <a:t>O</a:t>
-            </a:r>
-            <a:r>
-              <a:rPr lang="pt-PT" baseline="0" dirty="0" smtClean="0"/>
-              <a:t>u também com o auxilio do núcleo do sistema.</a:t>
-            </a:r>
-          </a:p>
-          <a:p>
-            <a:endParaRPr lang="pt-PT" baseline="0" dirty="0" smtClean="0"/>
-          </a:p>
-          <a:p>
-            <a:r>
-              <a:rPr lang="pt-PT" baseline="0" dirty="0" smtClean="0"/>
-              <a:t>No primeiro caso altera-se o programa ou suas bibliotecas instrumentando-os para detectar e recolher a informação relevante.</a:t>
-            </a:r>
-          </a:p>
-          <a:p>
-            <a:r>
-              <a:rPr lang="pt-PT" baseline="0" dirty="0" smtClean="0"/>
-              <a:t>Nem sempre é possível, pode sobrecarregar bastante o processo, e é efectuado caso a caso.</a:t>
-            </a:r>
-          </a:p>
-          <a:p>
-            <a:endParaRPr lang="pt-PT" baseline="0" dirty="0" smtClean="0"/>
-          </a:p>
-          <a:p>
-            <a:r>
-              <a:rPr lang="pt-PT" baseline="0" dirty="0" smtClean="0"/>
-              <a:t>No segundo caso, recorre-se a funcionalidades internas do sistema que permitem obter alguma informação eficientemente e independente do processo monitorizado.</a:t>
-            </a:r>
-          </a:p>
-          <a:p>
-            <a:r>
-              <a:rPr lang="pt-PT" baseline="0" dirty="0" smtClean="0"/>
-              <a:t>Por exemplo, a captura do tráfego de rede usando a biblioteca </a:t>
-            </a:r>
-            <a:r>
-              <a:rPr lang="pt-PT" baseline="0" dirty="0" err="1" smtClean="0"/>
-              <a:t>libpcap</a:t>
-            </a:r>
-            <a:r>
-              <a:rPr lang="pt-PT" baseline="0" dirty="0" smtClean="0"/>
+              <a:t> </a:t>
+            </a:r>
+            <a:r>
+              <a:rPr lang="en-US" baseline="0" dirty="0" err="1" smtClean="0"/>
+              <a:t>sobrecarga</a:t>
+            </a:r>
+            <a:r>
+              <a:rPr lang="en-US" baseline="0" dirty="0" smtClean="0"/>
+              <a:t> </a:t>
+            </a:r>
+            <a:r>
+              <a:rPr lang="en-US" baseline="0" dirty="0" err="1" smtClean="0"/>
+              <a:t>introduzida</a:t>
+            </a:r>
+            <a:r>
+              <a:rPr lang="en-US" baseline="0" dirty="0" smtClean="0"/>
+              <a:t> </a:t>
+            </a:r>
+            <a:r>
+              <a:rPr lang="en-US" baseline="0" dirty="0" err="1" smtClean="0"/>
+              <a:t>limita</a:t>
+            </a:r>
+            <a:r>
+              <a:rPr lang="en-US" baseline="0" dirty="0" smtClean="0"/>
+              <a:t> </a:t>
+            </a:r>
+            <a:r>
+              <a:rPr lang="en-US" baseline="0" dirty="0" err="1" smtClean="0"/>
+              <a:t>muito</a:t>
+            </a:r>
+            <a:r>
+              <a:rPr lang="en-US" baseline="0" dirty="0" smtClean="0"/>
+              <a:t> </a:t>
+            </a:r>
+            <a:r>
+              <a:rPr lang="en-US" baseline="0" dirty="0" err="1" smtClean="0"/>
+              <a:t>esta</a:t>
+            </a:r>
+            <a:r>
+              <a:rPr lang="en-US" baseline="0" dirty="0" smtClean="0"/>
+              <a:t> </a:t>
+            </a:r>
+            <a:r>
+              <a:rPr lang="en-US" baseline="0" dirty="0" err="1" smtClean="0"/>
+              <a:t>abordagem</a:t>
+            </a:r>
+            <a:r>
+              <a:rPr lang="en-US" baseline="0" dirty="0" smtClean="0"/>
               <a:t>.</a:t>
             </a:r>
-          </a:p>
-          <a:p>
-            <a:r>
-              <a:rPr lang="pt-PT" baseline="0" dirty="0" smtClean="0"/>
-              <a:t>Mas nestes casos, para obter a informação relevante, podemos de ter de monitorizar o processo alvo, para conseguir separar a informação relevante da dos restantes processos. Tal também pode ser feito com base em funcionalidades existentes no núcleo do sistema.</a:t>
-            </a:r>
-          </a:p>
-          <a:p>
-            <a:endParaRPr lang="pt-PT" baseline="0" dirty="0" smtClean="0"/>
-          </a:p>
-          <a:p>
-            <a:endParaRPr lang="pt-PT" dirty="0"/>
-          </a:p>
-        </p:txBody>
-      </p:sp>
-      <p:sp>
-        <p:nvSpPr>
-          <p:cNvPr id="4" name="Marcador de Posição do Número do Diapositivo 3"/>
+            <a:endParaRPr lang="en-US" dirty="0"/>
+          </a:p>
+        </p:txBody>
+      </p:sp>
+      <p:sp>
+        <p:nvSpPr>
+          <p:cNvPr id="4" name="Slide Number Placeholder 3"/>
           <p:cNvSpPr>
             <a:spLocks noGrp="1"/>
           </p:cNvSpPr>
@@ -2405,13 +2513,18 @@
             <a:fld id="{CB697A11-5CEE-4588-B832-132CDC30A066}" type="slidenum">
               <a:rPr lang="pt-PT" smtClean="0"/>
               <a:pPr/>
-              <a:t>30</a:t>
+              <a:t>28</a:t>
             </a:fld>
             <a:endParaRPr lang="pt-PT"/>
           </a:p>
         </p:txBody>
       </p:sp>
     </p:spTree>
+    <p:extLst>
+      <p:ext uri="{BB962C8B-B14F-4D97-AF65-F5344CB8AC3E}">
+        <p14:creationId xmlns:p14="http://schemas.microsoft.com/office/powerpoint/2010/main" xmlns="" val="3724839547"/>
+      </p:ext>
+    </p:extLst>
   </p:cSld>
   <p:clrMapOvr>
     <a:masterClrMapping/>
@@ -2438,6 +2551,167 @@
       </p:grpSpPr>
       <p:sp>
         <p:nvSpPr>
+          <p:cNvPr id="2" name="Marcador de Posição da Imagem do Diapositivo 1"/>
+          <p:cNvSpPr>
+            <a:spLocks noGrp="1" noRot="1" noChangeAspect="1"/>
+          </p:cNvSpPr>
+          <p:nvPr>
+            <p:ph type="sldImg"/>
+          </p:nvPr>
+        </p:nvSpPr>
+        <p:spPr/>
+      </p:sp>
+      <p:sp>
+        <p:nvSpPr>
+          <p:cNvPr id="3" name="Marcador de Posição de Notas 2"/>
+          <p:cNvSpPr>
+            <a:spLocks noGrp="1"/>
+          </p:cNvSpPr>
+          <p:nvPr>
+            <p:ph type="body" idx="1"/>
+          </p:nvPr>
+        </p:nvSpPr>
+        <p:spPr/>
+        <p:txBody>
+          <a:bodyPr>
+            <a:normAutofit/>
+          </a:bodyPr>
+          <a:lstStyle/>
+          <a:p>
+            <a:r>
+              <a:rPr lang="pt-PT" dirty="0" smtClean="0"/>
+              <a:t>...</a:t>
+            </a:r>
+            <a:r>
+              <a:rPr lang="pt-PT" baseline="0" dirty="0" smtClean="0"/>
+              <a:t> </a:t>
+            </a:r>
+            <a:r>
+              <a:rPr lang="en-US" baseline="0" dirty="0" smtClean="0"/>
+              <a:t>M</a:t>
+            </a:r>
+            <a:r>
+              <a:rPr lang="pt-PT" baseline="0" dirty="0" err="1" smtClean="0"/>
+              <a:t>onitorização</a:t>
+            </a:r>
+            <a:r>
+              <a:rPr lang="pt-PT" baseline="0" dirty="0" smtClean="0"/>
+              <a:t> apenas em nível utilizador;</a:t>
+            </a:r>
+          </a:p>
+          <a:p>
+            <a:r>
+              <a:rPr lang="en-US" baseline="0" dirty="0" smtClean="0"/>
+              <a:t>O</a:t>
+            </a:r>
+            <a:r>
+              <a:rPr lang="pt-PT" baseline="0" dirty="0" smtClean="0"/>
+              <a:t>u também com o auxilio do núcleo do sistema.</a:t>
+            </a:r>
+          </a:p>
+          <a:p>
+            <a:endParaRPr lang="pt-PT" baseline="0" dirty="0" smtClean="0"/>
+          </a:p>
+          <a:p>
+            <a:r>
+              <a:rPr lang="pt-PT" baseline="0" dirty="0" smtClean="0"/>
+              <a:t>No primeiro caso altera-se o programa ou suas bibliotecas instrumentando-os para detectar e recolher a informação relevante.</a:t>
+            </a:r>
+          </a:p>
+          <a:p>
+            <a:r>
+              <a:rPr lang="pt-PT" baseline="0" dirty="0" smtClean="0"/>
+              <a:t>Nem sempre é possível, pode sobrecarregar bastante o processo, e é efectuado caso a caso.</a:t>
+            </a:r>
+          </a:p>
+          <a:p>
+            <a:endParaRPr lang="pt-PT" baseline="0" dirty="0" smtClean="0"/>
+          </a:p>
+          <a:p>
+            <a:r>
+              <a:rPr lang="pt-PT" baseline="0" dirty="0" smtClean="0"/>
+              <a:t>No segundo caso, recorre-se a funcionalidades internas do sistema que permitem obter alguma informação eficientemente e independente do processo monitorizado.</a:t>
+            </a:r>
+          </a:p>
+          <a:p>
+            <a:r>
+              <a:rPr lang="pt-PT" baseline="0" dirty="0" smtClean="0"/>
+              <a:t>Por exemplo, a captura do tráfego de rede usando a biblioteca </a:t>
+            </a:r>
+            <a:r>
+              <a:rPr lang="pt-PT" baseline="0" dirty="0" err="1" smtClean="0"/>
+              <a:t>libpcap</a:t>
+            </a:r>
+            <a:r>
+              <a:rPr lang="pt-PT" baseline="0" dirty="0" smtClean="0"/>
+              <a:t>.</a:t>
+            </a:r>
+          </a:p>
+          <a:p>
+            <a:r>
+              <a:rPr lang="pt-PT" baseline="0" dirty="0" smtClean="0"/>
+              <a:t>Mas nestes casos, para obter a informação relevante, podemos de ter de monitorizar o processo alvo, para conseguir separar a informação relevante da dos restantes processos. Tal também pode ser feito com base em funcionalidades existentes no núcleo do sistema.</a:t>
+            </a:r>
+          </a:p>
+          <a:p>
+            <a:endParaRPr lang="pt-PT" baseline="0" dirty="0" smtClean="0"/>
+          </a:p>
+          <a:p>
+            <a:endParaRPr lang="pt-PT" dirty="0"/>
+          </a:p>
+        </p:txBody>
+      </p:sp>
+      <p:sp>
+        <p:nvSpPr>
+          <p:cNvPr id="4" name="Marcador de Posição do Número do Diapositivo 3"/>
+          <p:cNvSpPr>
+            <a:spLocks noGrp="1"/>
+          </p:cNvSpPr>
+          <p:nvPr>
+            <p:ph type="sldNum" sz="quarter" idx="10"/>
+          </p:nvPr>
+        </p:nvSpPr>
+        <p:spPr/>
+        <p:txBody>
+          <a:bodyPr/>
+          <a:lstStyle/>
+          <a:p>
+            <a:fld id="{CB697A11-5CEE-4588-B832-132CDC30A066}" type="slidenum">
+              <a:rPr lang="pt-PT" smtClean="0"/>
+              <a:pPr/>
+              <a:t>29</a:t>
+            </a:fld>
+            <a:endParaRPr lang="pt-PT"/>
+          </a:p>
+        </p:txBody>
+      </p:sp>
+    </p:spTree>
+  </p:cSld>
+  <p:clrMapOvr>
+    <a:masterClrMapping/>
+  </p:clrMapOvr>
+</p:notes>
+</file>
+
+<file path=ppt/notesSlides/notesSlide7.xml><?xml version="1.0" encoding="utf-8"?>
+<p:notes xmlns:a="http://schemas.openxmlformats.org/drawingml/2006/main" xmlns:r="http://schemas.openxmlformats.org/officeDocument/2006/relationships" xmlns:p="http://schemas.openxmlformats.org/presentationml/2006/main">
+  <p:cSld>
+    <p:spTree>
+      <p:nvGrpSpPr>
+        <p:cNvPr id="1" name=""/>
+        <p:cNvGrpSpPr/>
+        <p:nvPr/>
+      </p:nvGrpSpPr>
+      <p:grpSpPr>
+        <a:xfrm>
+          <a:off x="0" y="0"/>
+          <a:ext cx="0" cy="0"/>
+          <a:chOff x="0" y="0"/>
+          <a:chExt cx="0" cy="0"/>
+        </a:xfrm>
+      </p:grpSpPr>
+      <p:sp>
+        <p:nvSpPr>
           <p:cNvPr id="2" name="Slide Image Placeholder 1"/>
           <p:cNvSpPr>
             <a:spLocks noGrp="1" noRot="1" noChangeAspect="1"/>
@@ -2607,7 +2881,7 @@
             <a:fld id="{CB697A11-5CEE-4588-B832-132CDC30A066}" type="slidenum">
               <a:rPr lang="pt-PT" smtClean="0"/>
               <a:pPr/>
-              <a:t>31</a:t>
+              <a:t>30</a:t>
             </a:fld>
             <a:endParaRPr lang="pt-PT"/>
           </a:p>
@@ -2616,7 +2890,7 @@
     </p:spTree>
     <p:extLst>
       <p:ext uri="{BB962C8B-B14F-4D97-AF65-F5344CB8AC3E}">
-        <p14:creationId xmlns="" xmlns:p14="http://schemas.microsoft.com/office/powerpoint/2010/main" val="1742877947"/>
+        <p14:creationId xmlns:p14="http://schemas.microsoft.com/office/powerpoint/2010/main" xmlns="" val="1742877947"/>
       </p:ext>
     </p:extLst>
   </p:cSld>
@@ -7118,8 +7392,12 @@
           <a:lstStyle/>
           <a:p>
             <a:r>
+              <a:rPr lang="pt-PT" smtClean="0"/>
+              <a:t>Extensão ao Filtro </a:t>
+            </a:r>
+            <a:r>
               <a:rPr lang="pt-PT" dirty="0" smtClean="0"/>
-              <a:t>Filtro de pacotes</a:t>
+              <a:t>de pacotes</a:t>
             </a:r>
           </a:p>
           <a:p>
@@ -12301,7 +12579,7 @@
 </file>
 
 <file path=ppt/slides/slide17.xml><?xml version="1.0" encoding="utf-8"?>
-<p:sld xmlns:a="http://schemas.openxmlformats.org/drawingml/2006/main" xmlns:r="http://schemas.openxmlformats.org/officeDocument/2006/relationships" xmlns:p="http://schemas.openxmlformats.org/presentationml/2006/main" show="0">
+<p:sld xmlns:a="http://schemas.openxmlformats.org/drawingml/2006/main" xmlns:r="http://schemas.openxmlformats.org/officeDocument/2006/relationships" xmlns:p="http://schemas.openxmlformats.org/presentationml/2006/main">
   <p:cSld>
     <p:spTree>
       <p:nvGrpSpPr>
@@ -12327,14 +12605,19 @@
             <p:ph type="title"/>
           </p:nvPr>
         </p:nvSpPr>
-        <p:spPr/>
+        <p:spPr>
+          <a:xfrm>
+            <a:off x="457200" y="260648"/>
+            <a:ext cx="8229600" cy="1066800"/>
+          </a:xfrm>
+        </p:spPr>
         <p:txBody>
           <a:bodyPr/>
           <a:lstStyle/>
           <a:p>
             <a:r>
               <a:rPr lang="pt-PT" dirty="0" smtClean="0"/>
-              <a:t>Percursos … </a:t>
+              <a:t>Avaliação</a:t>
             </a:r>
             <a:endParaRPr lang="pt-PT" dirty="0"/>
           </a:p>
@@ -12350,18 +12633,92 @@
             <p:ph idx="1"/>
           </p:nvPr>
         </p:nvSpPr>
-        <p:spPr/>
-        <p:txBody>
-          <a:bodyPr/>
-          <a:lstStyle/>
-          <a:p>
-            <a:endParaRPr lang="pt-PT"/>
-          </a:p>
-        </p:txBody>
-      </p:sp>
-      <p:sp>
-        <p:nvSpPr>
-          <p:cNvPr id="4" name="Marcador de Posição do Número do Diapositivo 3"/>
+        <p:spPr>
+          <a:xfrm>
+            <a:off x="457200" y="1124744"/>
+            <a:ext cx="8229600" cy="5472608"/>
+          </a:xfrm>
+        </p:spPr>
+        <p:txBody>
+          <a:bodyPr>
+            <a:normAutofit/>
+          </a:bodyPr>
+          <a:lstStyle/>
+          <a:p>
+            <a:r>
+              <a:rPr lang="pt-PT" dirty="0" smtClean="0"/>
+              <a:t>Avaliação funcional</a:t>
+            </a:r>
+          </a:p>
+          <a:p>
+            <a:pPr lvl="1"/>
+            <a:r>
+              <a:rPr lang="pt-PT" dirty="0" smtClean="0"/>
+              <a:t>Efectuada utilizando programas simples</a:t>
+            </a:r>
+          </a:p>
+          <a:p>
+            <a:pPr lvl="2"/>
+            <a:r>
+              <a:rPr lang="pt-PT" dirty="0" smtClean="0"/>
+              <a:t>Transferências </a:t>
+            </a:r>
+            <a:r>
+              <a:rPr lang="pt-PT" dirty="0" err="1" smtClean="0"/>
+              <a:t>ftp</a:t>
+            </a:r>
+            <a:r>
+              <a:rPr lang="pt-PT" dirty="0" smtClean="0"/>
+              <a:t> e http</a:t>
+            </a:r>
+          </a:p>
+          <a:p>
+            <a:pPr lvl="2"/>
+            <a:r>
+              <a:rPr lang="pt-PT" dirty="0" smtClean="0"/>
+              <a:t>Programas de teste</a:t>
+            </a:r>
+          </a:p>
+          <a:p>
+            <a:pPr lvl="1"/>
+            <a:r>
+              <a:rPr lang="pt-PT" dirty="0" smtClean="0"/>
+              <a:t>Verificada a correcção/completude da captura efectuada </a:t>
+            </a:r>
+          </a:p>
+          <a:p>
+            <a:pPr lvl="2"/>
+            <a:r>
+              <a:rPr lang="en-US" dirty="0" smtClean="0"/>
+              <a:t>V</a:t>
+            </a:r>
+            <a:r>
+              <a:rPr lang="pt-PT" dirty="0" err="1" smtClean="0"/>
+              <a:t>isualização</a:t>
+            </a:r>
+            <a:r>
+              <a:rPr lang="pt-PT" dirty="0" smtClean="0"/>
+              <a:t> usando </a:t>
+            </a:r>
+            <a:r>
+              <a:rPr lang="pt-PT" dirty="0" err="1" smtClean="0"/>
+              <a:t>Wireshark</a:t>
+            </a:r>
+            <a:endParaRPr lang="pt-PT" dirty="0" smtClean="0"/>
+          </a:p>
+          <a:p>
+            <a:pPr lvl="1"/>
+            <a:endParaRPr lang="pt-PT" dirty="0" smtClean="0"/>
+          </a:p>
+          <a:p>
+            <a:pPr lvl="2"/>
+            <a:endParaRPr lang="pt-PT" dirty="0" smtClean="0"/>
+          </a:p>
+        </p:txBody>
+      </p:sp>
+      <p:sp>
+        <p:nvSpPr>
+          <p:cNvPr id="5" name="Marcador de Posição do Número do Diapositivo 4"/>
           <p:cNvSpPr>
             <a:spLocks noGrp="1"/>
           </p:cNvSpPr>
@@ -12388,7 +12745,6 @@
   <p:clrMapOvr>
     <a:masterClrMapping/>
   </p:clrMapOvr>
-  <p:transition/>
   <p:timing>
     <p:tnLst>
       <p:par>
@@ -12468,63 +12824,76 @@
           <a:p>
             <a:r>
               <a:rPr lang="pt-PT" dirty="0" smtClean="0"/>
-              <a:t>Avaliação funcional</a:t>
-            </a:r>
+              <a:t>Avaliação de desempenho</a:t>
+            </a:r>
+          </a:p>
+          <a:p>
+            <a:pPr>
+              <a:buNone/>
+            </a:pPr>
+            <a:endParaRPr lang="pt-PT" dirty="0" smtClean="0"/>
           </a:p>
           <a:p>
             <a:pPr lvl="1"/>
             <a:r>
+              <a:rPr lang="en-US" dirty="0" smtClean="0"/>
+              <a:t>S</a:t>
+            </a:r>
+            <a:r>
+              <a:rPr lang="pt-PT" dirty="0" err="1" smtClean="0"/>
+              <a:t>obrecarga</a:t>
+            </a:r>
+            <a:r>
               <a:rPr lang="pt-PT" dirty="0" smtClean="0"/>
-              <a:t>Efectuada utilizando programas simples</a:t>
+              <a:t> face ao sistema original</a:t>
             </a:r>
           </a:p>
           <a:p>
             <a:pPr lvl="2"/>
             <a:r>
+              <a:rPr lang="en-US" dirty="0" smtClean="0"/>
+              <a:t>C</a:t>
+            </a:r>
+            <a:r>
+              <a:rPr lang="pt-PT" dirty="0" err="1" smtClean="0"/>
+              <a:t>aptura</a:t>
+            </a:r>
+            <a:r>
               <a:rPr lang="pt-PT" dirty="0" smtClean="0"/>
-              <a:t>Transferências </a:t>
+              <a:t> de tráfego usando </a:t>
             </a:r>
             <a:r>
               <a:rPr lang="pt-PT" dirty="0" err="1" smtClean="0"/>
-              <a:t>ftp</a:t>
+              <a:t>tcpdump</a:t>
             </a:r>
             <a:r>
               <a:rPr lang="pt-PT" dirty="0" smtClean="0"/>
-              <a:t> e http</a:t>
+              <a:t> em testes de transferência de grandes volumes de dados</a:t>
+            </a:r>
+          </a:p>
+          <a:p>
+            <a:pPr lvl="2">
+              <a:buNone/>
+            </a:pPr>
+            <a:endParaRPr lang="pt-PT" dirty="0" smtClean="0"/>
+          </a:p>
+          <a:p>
+            <a:pPr lvl="1"/>
+            <a:r>
+              <a:rPr lang="en-US" dirty="0" smtClean="0"/>
+              <a:t>S</a:t>
+            </a:r>
+            <a:r>
+              <a:rPr lang="pt-PT" dirty="0" err="1" smtClean="0"/>
+              <a:t>obrecarga</a:t>
+            </a:r>
+            <a:r>
+              <a:rPr lang="pt-PT" dirty="0" smtClean="0"/>
+              <a:t> introduzida pela instrumentação do processo</a:t>
             </a:r>
           </a:p>
           <a:p>
             <a:pPr lvl="2"/>
-            <a:r>
-              <a:rPr lang="pt-PT" dirty="0" smtClean="0"/>
-              <a:t>Programas de teste</a:t>
-            </a:r>
-          </a:p>
-          <a:p>
-            <a:pPr lvl="1"/>
-            <a:r>
-              <a:rPr lang="pt-PT" dirty="0" smtClean="0"/>
-              <a:t>Verificada a correcção/completude da captura efectuada </a:t>
-            </a:r>
-          </a:p>
-          <a:p>
-            <a:pPr lvl="2"/>
-            <a:r>
-              <a:rPr lang="en-US" dirty="0" smtClean="0"/>
-              <a:t>V</a:t>
-            </a:r>
-            <a:r>
-              <a:rPr lang="pt-PT" dirty="0" err="1" smtClean="0"/>
-              <a:t>isualização</a:t>
-            </a:r>
-            <a:r>
-              <a:rPr lang="pt-PT" dirty="0" smtClean="0"/>
-              <a:t> usando </a:t>
-            </a:r>
-            <a:r>
-              <a:rPr lang="pt-PT" dirty="0" err="1" smtClean="0"/>
-              <a:t>Wireshark</a:t>
-            </a:r>
             <a:endParaRPr lang="pt-PT" dirty="0" smtClean="0"/>
           </a:p>
           <a:p>
@@ -12615,7 +12984,7 @@
           <a:p>
             <a:r>
               <a:rPr lang="pt-PT" dirty="0" smtClean="0"/>
-              <a:t>Avaliação</a:t>
+              <a:t>Avaliação de desempenho</a:t>
             </a:r>
             <a:endParaRPr lang="pt-PT" dirty="0"/>
           </a:p>
@@ -12633,7 +13002,7 @@
         </p:nvSpPr>
         <p:spPr>
           <a:xfrm>
-            <a:off x="457200" y="1124744"/>
+            <a:off x="323528" y="1412776"/>
             <a:ext cx="8229600" cy="5472608"/>
           </a:xfrm>
         </p:spPr>
@@ -12645,93 +13014,75 @@
           <a:p>
             <a:r>
               <a:rPr lang="pt-PT" dirty="0" smtClean="0"/>
-              <a:t>Avaliação </a:t>
-            </a:r>
+              <a:t>Duas máquinas ligadas </a:t>
+            </a:r>
+            <a:r>
+              <a:rPr lang="pt-PT" dirty="0" err="1" smtClean="0"/>
+              <a:t>directamente</a:t>
+            </a:r>
+            <a:endParaRPr lang="pt-PT" dirty="0" smtClean="0"/>
+          </a:p>
+          <a:p>
             <a:r>
               <a:rPr lang="pt-PT" dirty="0" smtClean="0"/>
-              <a:t>de </a:t>
+              <a:t>Desempenho na transferência de 1 GB de dados através dos protocolos </a:t>
+            </a:r>
+            <a:r>
+              <a:rPr lang="pt-PT" dirty="0" err="1" smtClean="0"/>
+              <a:t>ftp</a:t>
             </a:r>
             <a:r>
               <a:rPr lang="pt-PT" dirty="0" smtClean="0"/>
-              <a:t>desempenho</a:t>
-            </a:r>
-          </a:p>
-          <a:p>
-            <a:pPr>
-              <a:buNone/>
-            </a:pPr>
+              <a:t> e </a:t>
+            </a:r>
+            <a:r>
+              <a:rPr lang="pt-PT" dirty="0" err="1" smtClean="0"/>
+              <a:t>http</a:t>
+            </a:r>
             <a:endParaRPr lang="pt-PT" dirty="0" smtClean="0"/>
           </a:p>
           <a:p>
             <a:pPr lvl="1"/>
             <a:r>
-              <a:rPr lang="en-US" dirty="0" smtClean="0"/>
-              <a:t>S</a:t>
+              <a:rPr lang="pt-PT" dirty="0" smtClean="0"/>
+              <a:t>Capturar todo o tráfego através da biblioteca </a:t>
             </a:r>
             <a:r>
               <a:rPr lang="pt-PT" dirty="0" err="1" smtClean="0"/>
-              <a:t>obrecarga</a:t>
+              <a:t>PCap</a:t>
             </a:r>
             <a:r>
               <a:rPr lang="pt-PT" dirty="0" smtClean="0"/>
-              <a:t> face ao sistema original</a:t>
-            </a:r>
-          </a:p>
-          <a:p>
-            <a:pPr lvl="2"/>
-            <a:r>
-              <a:rPr lang="en-US" dirty="0" smtClean="0"/>
-              <a:t>C</a:t>
+              <a:t> com recurso </a:t>
+            </a:r>
+          </a:p>
+          <a:p>
+            <a:pPr lvl="1"/>
+            <a:r>
+              <a:rPr lang="pt-PT" dirty="0" smtClean="0"/>
+              <a:t>Capturar através do filtro dinâmico</a:t>
+            </a:r>
+          </a:p>
+          <a:p>
+            <a:r>
+              <a:rPr lang="pt-PT" dirty="0" smtClean="0"/>
+              <a:t>Dois fluxos de dados onde se captura apenas um através do recurso ao filtro dinâmico</a:t>
+            </a:r>
+          </a:p>
+          <a:p>
+            <a:pPr lvl="1"/>
+            <a:r>
+              <a:rPr lang="pt-PT" dirty="0" smtClean="0"/>
+              <a:t>A filtragem em nível utilizador ou através dos filtros estáticos do </a:t>
             </a:r>
             <a:r>
               <a:rPr lang="pt-PT" dirty="0" err="1" smtClean="0"/>
-              <a:t>aptura</a:t>
+              <a:t>PCap</a:t>
             </a:r>
             <a:r>
               <a:rPr lang="pt-PT" dirty="0" smtClean="0"/>
-              <a:t> de tráfego usando </a:t>
-            </a:r>
-            <a:r>
-              <a:rPr lang="pt-PT" dirty="0" err="1" smtClean="0"/>
-              <a:t>tcpdump</a:t>
-            </a:r>
-            <a:r>
-              <a:rPr lang="pt-PT" dirty="0" smtClean="0"/>
-              <a:t> em testes de transferência de grandes volumes de </a:t>
-            </a:r>
-            <a:r>
-              <a:rPr lang="pt-PT" dirty="0" smtClean="0"/>
-              <a:t>dados</a:t>
-            </a:r>
-          </a:p>
-          <a:p>
-            <a:pPr lvl="2">
-              <a:buNone/>
-            </a:pPr>
-            <a:endParaRPr lang="pt-PT" dirty="0" smtClean="0"/>
-          </a:p>
-          <a:p>
-            <a:pPr lvl="1"/>
-            <a:r>
-              <a:rPr lang="en-US" dirty="0" smtClean="0"/>
-              <a:t>S</a:t>
-            </a:r>
-            <a:r>
-              <a:rPr lang="pt-PT" dirty="0" err="1" smtClean="0"/>
-              <a:t>obrecarga</a:t>
-            </a:r>
-            <a:r>
-              <a:rPr lang="pt-PT" dirty="0" smtClean="0"/>
-              <a:t> introduzida pela instrumentação do processo</a:t>
-            </a:r>
-          </a:p>
-          <a:p>
-            <a:pPr lvl="2"/>
-            <a:endParaRPr lang="pt-PT" dirty="0" smtClean="0"/>
-          </a:p>
-          <a:p>
-            <a:pPr lvl="1"/>
-            <a:endParaRPr lang="pt-PT" dirty="0" smtClean="0"/>
+              <a:t> aumenta a sobrecarga</a:t>
+            </a:r>
           </a:p>
           <a:p>
             <a:pPr lvl="2"/>
@@ -12817,7 +13168,7 @@
           <a:p>
             <a:r>
               <a:rPr lang="pt-PT" dirty="0" smtClean="0"/>
-              <a:t>Monitorização geral</a:t>
+              <a:t>Monitorização</a:t>
             </a:r>
             <a:endParaRPr lang="pt-PT" dirty="0"/>
           </a:p>
@@ -12878,7 +13229,25 @@
           <a:p>
             <a:r>
               <a:rPr lang="pt-PT" dirty="0" smtClean="0"/>
-              <a:t>Pode ser </a:t>
+              <a:t>Através de instrumentação estática ou dinâmica</a:t>
+            </a:r>
+            <a:endParaRPr lang="pt-PT" dirty="0" smtClean="0"/>
+          </a:p>
+          <a:p>
+            <a:r>
+              <a:rPr lang="pt-PT" dirty="0" smtClean="0"/>
+              <a:t>Pode ser passiva ou </a:t>
+            </a:r>
+            <a:r>
+              <a:rPr lang="pt-PT" dirty="0" err="1" smtClean="0"/>
+              <a:t>activa</a:t>
+            </a:r>
+            <a:endParaRPr lang="pt-PT" dirty="0" smtClean="0"/>
+          </a:p>
+          <a:p>
+            <a:r>
+              <a:rPr lang="pt-PT" dirty="0" smtClean="0"/>
+              <a:t>Análise aos dados </a:t>
             </a:r>
             <a:r>
               <a:rPr lang="pt-PT" dirty="0" err="1" smtClean="0"/>
@@ -12886,7 +13255,11 @@
             </a:r>
             <a:r>
               <a:rPr lang="pt-PT" dirty="0" smtClean="0"/>
-              <a:t> de modo </a:t>
+              <a:t> </a:t>
+            </a:r>
+            <a:r>
+              <a:rPr lang="pt-PT" dirty="0" smtClean="0"/>
+              <a:t>de modo </a:t>
             </a:r>
             <a:r>
               <a:rPr lang="pt-PT" i="1" dirty="0" smtClean="0"/>
@@ -12899,23 +13272,6 @@
             <a:r>
               <a:rPr lang="pt-PT" i="1" dirty="0" smtClean="0"/>
               <a:t>offline</a:t>
-            </a:r>
-          </a:p>
-          <a:p>
-            <a:r>
-              <a:rPr lang="pt-PT" dirty="0" smtClean="0"/>
-              <a:t>Passiva ou </a:t>
-            </a:r>
-            <a:r>
-              <a:rPr lang="pt-PT" dirty="0" err="1" smtClean="0"/>
-              <a:t>activa</a:t>
-            </a:r>
-            <a:endParaRPr lang="pt-PT" dirty="0" smtClean="0"/>
-          </a:p>
-          <a:p>
-            <a:r>
-              <a:rPr lang="pt-PT" dirty="0" smtClean="0"/>
-              <a:t>Através de instrumentação estática ou dinâmica</a:t>
             </a:r>
           </a:p>
           <a:p>
@@ -12991,40 +13347,8 @@
         </p:nvSpPr>
         <p:spPr>
           <a:xfrm>
-            <a:off x="457200" y="260648"/>
+            <a:off x="35496" y="404664"/>
             <a:ext cx="8229600" cy="1066800"/>
-          </a:xfrm>
-        </p:spPr>
-        <p:txBody>
-          <a:bodyPr/>
-          <a:lstStyle/>
-          <a:p>
-            <a:r>
-              <a:rPr lang="pt-PT" dirty="0" smtClean="0"/>
-              <a:t>Avaliação </a:t>
-            </a:r>
-            <a:r>
-              <a:rPr lang="pt-PT" dirty="0" smtClean="0"/>
-              <a:t>de desempenho</a:t>
-            </a:r>
-            <a:endParaRPr lang="pt-PT" dirty="0"/>
-          </a:p>
-        </p:txBody>
-      </p:sp>
-      <p:sp>
-        <p:nvSpPr>
-          <p:cNvPr id="3" name="Marcador de Posição de Conteúdo 2"/>
-          <p:cNvSpPr>
-            <a:spLocks noGrp="1"/>
-          </p:cNvSpPr>
-          <p:nvPr>
-            <p:ph idx="1"/>
-          </p:nvPr>
-        </p:nvSpPr>
-        <p:spPr>
-          <a:xfrm>
-            <a:off x="323528" y="1412776"/>
-            <a:ext cx="8229600" cy="5472608"/>
           </a:xfrm>
         </p:spPr>
         <p:txBody>
@@ -13034,81 +13358,10 @@
           <a:lstStyle/>
           <a:p>
             <a:r>
-              <a:rPr lang="pt-PT" dirty="0" smtClean="0"/>
-              <a:t>Duas máquinas ligadas </a:t>
-            </a:r>
-            <a:r>
-              <a:rPr lang="pt-PT" dirty="0" err="1" smtClean="0"/>
-              <a:t>directamente</a:t>
-            </a:r>
-            <a:endParaRPr lang="pt-PT" dirty="0" smtClean="0"/>
-          </a:p>
-          <a:p>
-            <a:r>
-              <a:rPr lang="pt-PT" dirty="0" smtClean="0"/>
-              <a:t>Desempenho na transferência de 1 GB de dados através dos protocolos </a:t>
-            </a:r>
-            <a:r>
-              <a:rPr lang="pt-PT" dirty="0" err="1" smtClean="0"/>
-              <a:t>ftp</a:t>
-            </a:r>
-            <a:r>
-              <a:rPr lang="pt-PT" dirty="0" smtClean="0"/>
-              <a:t> e </a:t>
-            </a:r>
-            <a:r>
-              <a:rPr lang="pt-PT" dirty="0" err="1" smtClean="0"/>
-              <a:t>http</a:t>
-            </a:r>
-            <a:endParaRPr lang="pt-PT" dirty="0" smtClean="0"/>
-          </a:p>
-          <a:p>
-            <a:pPr lvl="1"/>
-            <a:r>
-              <a:rPr lang="pt-PT" dirty="0" smtClean="0"/>
-              <a:t>Capturar todo o tráfego através da biblioteca </a:t>
-            </a:r>
-            <a:r>
-              <a:rPr lang="pt-PT" dirty="0" err="1" smtClean="0"/>
-              <a:t>PCap</a:t>
-            </a:r>
-            <a:r>
-              <a:rPr lang="pt-PT" dirty="0" smtClean="0"/>
-              <a:t> com recurso </a:t>
-            </a:r>
-          </a:p>
-          <a:p>
-            <a:pPr lvl="1"/>
-            <a:r>
-              <a:rPr lang="pt-PT" dirty="0" smtClean="0"/>
-              <a:t>Capturar através do filtro dinâmico</a:t>
-            </a:r>
-          </a:p>
-          <a:p>
-            <a:r>
-              <a:rPr lang="pt-PT" dirty="0" smtClean="0"/>
-              <a:t>Dois fluxos de dados onde se captura apenas um através do recurso ao filtro dinâmico</a:t>
-            </a:r>
-          </a:p>
-          <a:p>
-            <a:pPr lvl="1"/>
-            <a:r>
-              <a:rPr lang="pt-PT" dirty="0" smtClean="0"/>
-              <a:t>A filtragem em nível utilizador ou através dos filtros estáticos do </a:t>
-            </a:r>
-            <a:r>
-              <a:rPr lang="pt-PT" dirty="0" err="1" smtClean="0"/>
-              <a:t>PCap</a:t>
-            </a:r>
-            <a:r>
-              <a:rPr lang="pt-PT" dirty="0" smtClean="0"/>
-              <a:t> aumenta a sobrecarga</a:t>
-            </a:r>
-            <a:endParaRPr lang="pt-PT" dirty="0" smtClean="0"/>
-          </a:p>
-          <a:p>
-            <a:pPr lvl="2"/>
-            <a:endParaRPr lang="pt-PT" dirty="0" smtClean="0"/>
+              <a:rPr lang="pt-PT" smtClean="0"/>
+              <a:t>Avaliação de desempenho (III)</a:t>
+            </a:r>
+            <a:endParaRPr lang="pt-PT"/>
           </a:p>
         </p:txBody>
       </p:sp>
@@ -13131,92 +13384,6 @@
               <a:rPr lang="pt-PT" smtClean="0"/>
               <a:pPr/>
               <a:t>20</a:t>
-            </a:fld>
-            <a:endParaRPr lang="pt-PT"/>
-          </a:p>
-        </p:txBody>
-      </p:sp>
-    </p:spTree>
-  </p:cSld>
-  <p:clrMapOvr>
-    <a:masterClrMapping/>
-  </p:clrMapOvr>
-  <p:timing>
-    <p:tnLst>
-      <p:par>
-        <p:cTn id="1" dur="indefinite" restart="never" nodeType="tmRoot"/>
-      </p:par>
-    </p:tnLst>
-  </p:timing>
-</p:sld>
-</file>
-
-<file path=ppt/slides/slide21.xml><?xml version="1.0" encoding="utf-8"?>
-<p:sld xmlns:a="http://schemas.openxmlformats.org/drawingml/2006/main" xmlns:r="http://schemas.openxmlformats.org/officeDocument/2006/relationships" xmlns:p="http://schemas.openxmlformats.org/presentationml/2006/main">
-  <p:cSld>
-    <p:spTree>
-      <p:nvGrpSpPr>
-        <p:cNvPr id="1" name=""/>
-        <p:cNvGrpSpPr/>
-        <p:nvPr/>
-      </p:nvGrpSpPr>
-      <p:grpSpPr>
-        <a:xfrm>
-          <a:off x="0" y="0"/>
-          <a:ext cx="0" cy="0"/>
-          <a:chOff x="0" y="0"/>
-          <a:chExt cx="0" cy="0"/>
-        </a:xfrm>
-      </p:grpSpPr>
-      <p:sp>
-        <p:nvSpPr>
-          <p:cNvPr id="2" name="Título 1"/>
-          <p:cNvSpPr>
-            <a:spLocks noGrp="1"/>
-          </p:cNvSpPr>
-          <p:nvPr>
-            <p:ph type="title"/>
-          </p:nvPr>
-        </p:nvSpPr>
-        <p:spPr>
-          <a:xfrm>
-            <a:off x="35496" y="404664"/>
-            <a:ext cx="8229600" cy="1066800"/>
-          </a:xfrm>
-        </p:spPr>
-        <p:txBody>
-          <a:bodyPr>
-            <a:normAutofit/>
-          </a:bodyPr>
-          <a:lstStyle/>
-          <a:p>
-            <a:r>
-              <a:rPr lang="pt-PT" smtClean="0"/>
-              <a:t>Avaliação de desempenho (III)</a:t>
-            </a:r>
-            <a:endParaRPr lang="pt-PT"/>
-          </a:p>
-        </p:txBody>
-      </p:sp>
-      <p:sp>
-        <p:nvSpPr>
-          <p:cNvPr id="5" name="Marcador de Posição do Número do Diapositivo 4"/>
-          <p:cNvSpPr>
-            <a:spLocks noGrp="1"/>
-          </p:cNvSpPr>
-          <p:nvPr>
-            <p:ph type="sldNum" sz="quarter" idx="12"/>
-          </p:nvPr>
-        </p:nvSpPr>
-        <p:spPr/>
-        <p:txBody>
-          <a:bodyPr/>
-          <a:lstStyle/>
-          <a:p>
-            <a:fld id="{AC560869-1695-4081-8E6F-05D0DB8947D3}" type="slidenum">
-              <a:rPr lang="pt-PT" smtClean="0"/>
-              <a:pPr/>
-              <a:t>21</a:t>
             </a:fld>
             <a:endParaRPr lang="pt-PT"/>
           </a:p>
@@ -13255,6 +13422,146 @@
 </p:sld>
 </file>
 
+<file path=ppt/slides/slide21.xml><?xml version="1.0" encoding="utf-8"?>
+<p:sld xmlns:a="http://schemas.openxmlformats.org/drawingml/2006/main" xmlns:r="http://schemas.openxmlformats.org/officeDocument/2006/relationships" xmlns:p="http://schemas.openxmlformats.org/presentationml/2006/main">
+  <p:cSld>
+    <p:spTree>
+      <p:nvGrpSpPr>
+        <p:cNvPr id="1" name=""/>
+        <p:cNvGrpSpPr/>
+        <p:nvPr/>
+      </p:nvGrpSpPr>
+      <p:grpSpPr>
+        <a:xfrm>
+          <a:off x="0" y="0"/>
+          <a:ext cx="0" cy="0"/>
+          <a:chOff x="0" y="0"/>
+          <a:chExt cx="0" cy="0"/>
+        </a:xfrm>
+      </p:grpSpPr>
+      <p:sp>
+        <p:nvSpPr>
+          <p:cNvPr id="2" name="Título 1"/>
+          <p:cNvSpPr>
+            <a:spLocks noGrp="1"/>
+          </p:cNvSpPr>
+          <p:nvPr>
+            <p:ph type="title"/>
+          </p:nvPr>
+        </p:nvSpPr>
+        <p:spPr>
+          <a:xfrm>
+            <a:off x="35496" y="404664"/>
+            <a:ext cx="8229600" cy="1066800"/>
+          </a:xfrm>
+        </p:spPr>
+        <p:txBody>
+          <a:bodyPr>
+            <a:normAutofit/>
+          </a:bodyPr>
+          <a:lstStyle/>
+          <a:p>
+            <a:r>
+              <a:rPr lang="pt-PT" smtClean="0"/>
+              <a:t>Avaliação de desempenho (IV)</a:t>
+            </a:r>
+            <a:endParaRPr lang="pt-PT"/>
+          </a:p>
+        </p:txBody>
+      </p:sp>
+      <p:sp>
+        <p:nvSpPr>
+          <p:cNvPr id="5" name="Marcador de Posição do Número do Diapositivo 4"/>
+          <p:cNvSpPr>
+            <a:spLocks noGrp="1"/>
+          </p:cNvSpPr>
+          <p:nvPr>
+            <p:ph type="sldNum" sz="quarter" idx="12"/>
+          </p:nvPr>
+        </p:nvSpPr>
+        <p:spPr/>
+        <p:txBody>
+          <a:bodyPr/>
+          <a:lstStyle/>
+          <a:p>
+            <a:fld id="{AC560869-1695-4081-8E6F-05D0DB8947D3}" type="slidenum">
+              <a:rPr lang="pt-PT" smtClean="0"/>
+              <a:pPr/>
+              <a:t>21</a:t>
+            </a:fld>
+            <a:endParaRPr lang="pt-PT"/>
+          </a:p>
+        </p:txBody>
+      </p:sp>
+      <p:graphicFrame>
+        <p:nvGraphicFramePr>
+          <p:cNvPr id="7" name="Gráfico 6"/>
+          <p:cNvGraphicFramePr>
+            <a:graphicFrameLocks/>
+          </p:cNvGraphicFramePr>
+          <p:nvPr>
+            <p:extLst>
+              <p:ext uri="{D42A27DB-BD31-4B8C-83A1-F6EECF244321}">
+                <p14:modId xmlns:p14="http://schemas.microsoft.com/office/powerpoint/2010/main" xmlns="" val="2923390044"/>
+              </p:ext>
+            </p:extLst>
+          </p:nvPr>
+        </p:nvGraphicFramePr>
+        <p:xfrm>
+          <a:off x="899592" y="1556792"/>
+          <a:ext cx="7267327" cy="4395936"/>
+        </p:xfrm>
+        <a:graphic>
+          <a:graphicData uri="http://schemas.openxmlformats.org/drawingml/2006/chart">
+            <c:chart xmlns:c="http://schemas.openxmlformats.org/drawingml/2006/chart" xmlns:r="http://schemas.openxmlformats.org/officeDocument/2006/relationships" r:id="rId2"/>
+          </a:graphicData>
+        </a:graphic>
+      </p:graphicFrame>
+      <p:sp>
+        <p:nvSpPr>
+          <p:cNvPr id="6" name="CaixaDeTexto 5"/>
+          <p:cNvSpPr txBox="1"/>
+          <p:nvPr/>
+        </p:nvSpPr>
+        <p:spPr>
+          <a:xfrm>
+            <a:off x="2987824" y="1628800"/>
+            <a:ext cx="1008112" cy="369332"/>
+          </a:xfrm>
+          <a:prstGeom prst="rect">
+            <a:avLst/>
+          </a:prstGeom>
+          <a:noFill/>
+        </p:spPr>
+        <p:txBody>
+          <a:bodyPr wrap="square" rtlCol="0">
+            <a:spAutoFit/>
+          </a:bodyPr>
+          <a:lstStyle/>
+          <a:p>
+            <a:r>
+              <a:rPr lang="pt-PT" dirty="0" smtClean="0"/>
+              <a:t>+ 3.5 %</a:t>
+            </a:r>
+            <a:endParaRPr lang="pt-PT" dirty="0"/>
+          </a:p>
+        </p:txBody>
+      </p:sp>
+    </p:spTree>
+  </p:cSld>
+  <p:clrMapOvr>
+    <a:masterClrMapping/>
+  </p:clrMapOvr>
+  <p:timing>
+    <p:tnLst>
+      <p:par>
+        <p:cTn id="1" dur="indefinite" restart="never" nodeType="tmRoot"/>
+      </p:par>
+    </p:tnLst>
+  </p:timing>
+</p:sld>
+</file>
+
 <file path=ppt/slides/slide22.xml><?xml version="1.0" encoding="utf-8"?>
 <p:sld xmlns:a="http://schemas.openxmlformats.org/drawingml/2006/main" xmlns:r="http://schemas.openxmlformats.org/officeDocument/2006/relationships" xmlns:p="http://schemas.openxmlformats.org/presentationml/2006/main">
   <p:cSld>
@@ -13284,21 +13591,128 @@
         </p:nvSpPr>
         <p:spPr>
           <a:xfrm>
-            <a:off x="35496" y="404664"/>
+            <a:off x="457200" y="476672"/>
             <a:ext cx="8229600" cy="1066800"/>
           </a:xfrm>
         </p:spPr>
         <p:txBody>
-          <a:bodyPr>
-            <a:normAutofit/>
-          </a:bodyPr>
-          <a:lstStyle/>
-          <a:p>
-            <a:r>
-              <a:rPr lang="pt-PT" smtClean="0"/>
-              <a:t>Avaliação de desempenho (IV)</a:t>
-            </a:r>
-            <a:endParaRPr lang="pt-PT"/>
+          <a:bodyPr/>
+          <a:lstStyle/>
+          <a:p>
+            <a:r>
+              <a:rPr lang="pt-PT" dirty="0" smtClean="0"/>
+              <a:t>Avaliação de desempenho (II)</a:t>
+            </a:r>
+            <a:endParaRPr lang="pt-PT" dirty="0"/>
+          </a:p>
+        </p:txBody>
+      </p:sp>
+      <p:sp>
+        <p:nvSpPr>
+          <p:cNvPr id="3" name="Marcador de Posição de Conteúdo 2"/>
+          <p:cNvSpPr>
+            <a:spLocks noGrp="1"/>
+          </p:cNvSpPr>
+          <p:nvPr>
+            <p:ph idx="1"/>
+          </p:nvPr>
+        </p:nvSpPr>
+        <p:spPr>
+          <a:xfrm>
+            <a:off x="467544" y="1412776"/>
+            <a:ext cx="8229600" cy="5157192"/>
+          </a:xfrm>
+        </p:spPr>
+        <p:txBody>
+          <a:bodyPr/>
+          <a:lstStyle/>
+          <a:p>
+            <a:r>
+              <a:rPr lang="pt-PT" dirty="0" smtClean="0"/>
+              <a:t>Avaliação da sobrecarga introduzida</a:t>
+            </a:r>
+          </a:p>
+          <a:p>
+            <a:pPr lvl="1"/>
+            <a:r>
+              <a:rPr lang="pt-PT" dirty="0" smtClean="0"/>
+              <a:t>Instrumentação com </a:t>
+            </a:r>
+            <a:r>
+              <a:rPr lang="pt-PT" dirty="0" err="1" smtClean="0"/>
+              <a:t>KProbe</a:t>
+            </a:r>
+            <a:r>
+              <a:rPr lang="pt-PT" dirty="0" smtClean="0"/>
+              <a:t> da chamada ao sistema </a:t>
+            </a:r>
+            <a:r>
+              <a:rPr lang="pt-PT" dirty="0" err="1" smtClean="0"/>
+              <a:t>getpid</a:t>
+            </a:r>
+            <a:endParaRPr lang="pt-PT" dirty="0" smtClean="0"/>
+          </a:p>
+          <a:p>
+            <a:pPr lvl="1">
+              <a:buNone/>
+            </a:pPr>
+            <a:r>
+              <a:rPr lang="pt-PT" dirty="0" smtClean="0"/>
+              <a:t>                           </a:t>
+            </a:r>
+            <a:r>
+              <a:rPr lang="pt-PT" sz="1400" dirty="0" smtClean="0"/>
+              <a:t>Tempos médios por chamada (</a:t>
+            </a:r>
+            <a:r>
+              <a:rPr lang="pt-PT" sz="1400" dirty="0" err="1" smtClean="0"/>
+              <a:t>micro-segundos</a:t>
+            </a:r>
+            <a:r>
+              <a:rPr lang="pt-PT" sz="1400" dirty="0" smtClean="0"/>
+              <a:t>)</a:t>
+            </a:r>
+            <a:endParaRPr lang="pt-PT" dirty="0" smtClean="0"/>
+          </a:p>
+          <a:p>
+            <a:pPr lvl="1"/>
+            <a:endParaRPr lang="pt-PT" dirty="0" smtClean="0"/>
+          </a:p>
+          <a:p>
+            <a:pPr lvl="1">
+              <a:buNone/>
+            </a:pPr>
+            <a:endParaRPr lang="en-US" dirty="0" smtClean="0"/>
+          </a:p>
+          <a:p>
+            <a:pPr lvl="1"/>
+            <a:endParaRPr lang="en-US" sz="1200" dirty="0" smtClean="0"/>
+          </a:p>
+          <a:p>
+            <a:pPr lvl="1"/>
+            <a:r>
+              <a:rPr lang="en-US" dirty="0" err="1" smtClean="0"/>
+              <a:t>Simulação</a:t>
+            </a:r>
+            <a:r>
+              <a:rPr lang="en-US" dirty="0" smtClean="0"/>
+              <a:t> d</a:t>
+            </a:r>
+            <a:r>
+              <a:rPr lang="pt-PT" dirty="0" smtClean="0"/>
+              <a:t>a criação e destruição de </a:t>
+            </a:r>
+            <a:r>
+              <a:rPr lang="pt-PT" dirty="0" err="1" smtClean="0"/>
+              <a:t>sockets</a:t>
+            </a:r>
+            <a:endParaRPr lang="pt-PT" dirty="0" smtClean="0"/>
+          </a:p>
+          <a:p>
+            <a:pPr lvl="1">
+              <a:buNone/>
+            </a:pPr>
+            <a:endParaRPr lang="pt-PT" dirty="0" smtClean="0"/>
           </a:p>
         </p:txBody>
       </p:sp>
@@ -13321,253 +13735,6 @@
               <a:rPr lang="pt-PT" smtClean="0"/>
               <a:pPr/>
               <a:t>22</a:t>
-            </a:fld>
-            <a:endParaRPr lang="pt-PT"/>
-          </a:p>
-        </p:txBody>
-      </p:sp>
-      <p:graphicFrame>
-        <p:nvGraphicFramePr>
-          <p:cNvPr id="7" name="Gráfico 6"/>
-          <p:cNvGraphicFramePr>
-            <a:graphicFrameLocks/>
-          </p:cNvGraphicFramePr>
-          <p:nvPr>
-            <p:extLst>
-              <p:ext uri="{D42A27DB-BD31-4B8C-83A1-F6EECF244321}">
-                <p14:modId xmlns="" xmlns:p14="http://schemas.microsoft.com/office/powerpoint/2010/main" val="2923390044"/>
-              </p:ext>
-            </p:extLst>
-          </p:nvPr>
-        </p:nvGraphicFramePr>
-        <p:xfrm>
-          <a:off x="899592" y="1556792"/>
-          <a:ext cx="7267327" cy="4395936"/>
-        </p:xfrm>
-        <a:graphic>
-          <a:graphicData uri="http://schemas.openxmlformats.org/drawingml/2006/chart">
-            <c:chart xmlns:c="http://schemas.openxmlformats.org/drawingml/2006/chart" xmlns:r="http://schemas.openxmlformats.org/officeDocument/2006/relationships" r:id="rId2"/>
-          </a:graphicData>
-        </a:graphic>
-      </p:graphicFrame>
-      <p:sp>
-        <p:nvSpPr>
-          <p:cNvPr id="6" name="CaixaDeTexto 5"/>
-          <p:cNvSpPr txBox="1"/>
-          <p:nvPr/>
-        </p:nvSpPr>
-        <p:spPr>
-          <a:xfrm>
-            <a:off x="2987824" y="1628800"/>
-            <a:ext cx="1008112" cy="369332"/>
-          </a:xfrm>
-          <a:prstGeom prst="rect">
-            <a:avLst/>
-          </a:prstGeom>
-          <a:noFill/>
-        </p:spPr>
-        <p:txBody>
-          <a:bodyPr wrap="square" rtlCol="0">
-            <a:spAutoFit/>
-          </a:bodyPr>
-          <a:lstStyle/>
-          <a:p>
-            <a:r>
-              <a:rPr lang="pt-PT" dirty="0" smtClean="0"/>
-              <a:t>+ 3.5 %</a:t>
-            </a:r>
-            <a:endParaRPr lang="pt-PT" dirty="0"/>
-          </a:p>
-        </p:txBody>
-      </p:sp>
-    </p:spTree>
-  </p:cSld>
-  <p:clrMapOvr>
-    <a:masterClrMapping/>
-  </p:clrMapOvr>
-  <p:timing>
-    <p:tnLst>
-      <p:par>
-        <p:cTn id="1" dur="indefinite" restart="never" nodeType="tmRoot"/>
-      </p:par>
-    </p:tnLst>
-  </p:timing>
-</p:sld>
-</file>
-
-<file path=ppt/slides/slide23.xml><?xml version="1.0" encoding="utf-8"?>
-<p:sld xmlns:a="http://schemas.openxmlformats.org/drawingml/2006/main" xmlns:r="http://schemas.openxmlformats.org/officeDocument/2006/relationships" xmlns:p="http://schemas.openxmlformats.org/presentationml/2006/main">
-  <p:cSld>
-    <p:spTree>
-      <p:nvGrpSpPr>
-        <p:cNvPr id="1" name=""/>
-        <p:cNvGrpSpPr/>
-        <p:nvPr/>
-      </p:nvGrpSpPr>
-      <p:grpSpPr>
-        <a:xfrm>
-          <a:off x="0" y="0"/>
-          <a:ext cx="0" cy="0"/>
-          <a:chOff x="0" y="0"/>
-          <a:chExt cx="0" cy="0"/>
-        </a:xfrm>
-      </p:grpSpPr>
-      <p:sp>
-        <p:nvSpPr>
-          <p:cNvPr id="2" name="Título 1"/>
-          <p:cNvSpPr>
-            <a:spLocks noGrp="1"/>
-          </p:cNvSpPr>
-          <p:nvPr>
-            <p:ph type="title"/>
-          </p:nvPr>
-        </p:nvSpPr>
-        <p:spPr>
-          <a:xfrm>
-            <a:off x="457200" y="476672"/>
-            <a:ext cx="8229600" cy="1066800"/>
-          </a:xfrm>
-        </p:spPr>
-        <p:txBody>
-          <a:bodyPr/>
-          <a:lstStyle/>
-          <a:p>
-            <a:r>
-              <a:rPr lang="pt-PT" dirty="0" smtClean="0"/>
-              <a:t>Avaliação de desempenho (II)</a:t>
-            </a:r>
-            <a:endParaRPr lang="pt-PT" dirty="0"/>
-          </a:p>
-        </p:txBody>
-      </p:sp>
-      <p:sp>
-        <p:nvSpPr>
-          <p:cNvPr id="3" name="Marcador de Posição de Conteúdo 2"/>
-          <p:cNvSpPr>
-            <a:spLocks noGrp="1"/>
-          </p:cNvSpPr>
-          <p:nvPr>
-            <p:ph idx="1"/>
-          </p:nvPr>
-        </p:nvSpPr>
-        <p:spPr>
-          <a:xfrm>
-            <a:off x="467544" y="1412776"/>
-            <a:ext cx="8229600" cy="5157192"/>
-          </a:xfrm>
-        </p:spPr>
-        <p:txBody>
-          <a:bodyPr/>
-          <a:lstStyle/>
-          <a:p>
-            <a:r>
-              <a:rPr lang="pt-PT" dirty="0" smtClean="0"/>
-              <a:t>Avaliação da sobrecarga introduzida</a:t>
-            </a:r>
-          </a:p>
-          <a:p>
-            <a:pPr lvl="1"/>
-            <a:r>
-              <a:rPr lang="pt-PT" dirty="0" smtClean="0"/>
-              <a:t>Instrumentação com </a:t>
-            </a:r>
-            <a:r>
-              <a:rPr lang="pt-PT" dirty="0" err="1" smtClean="0"/>
-              <a:t>KProbe</a:t>
-            </a:r>
-            <a:r>
-              <a:rPr lang="pt-PT" dirty="0" smtClean="0"/>
-              <a:t> da chamada ao sistema </a:t>
-            </a:r>
-            <a:r>
-              <a:rPr lang="pt-PT" dirty="0" err="1" smtClean="0"/>
-              <a:t>getpid</a:t>
-            </a:r>
-            <a:endParaRPr lang="pt-PT" dirty="0" smtClean="0"/>
-          </a:p>
-          <a:p>
-            <a:pPr lvl="1">
-              <a:buNone/>
-            </a:pPr>
-            <a:r>
-              <a:rPr lang="pt-PT" dirty="0" smtClean="0"/>
-              <a:t>                           </a:t>
-            </a:r>
-            <a:r>
-              <a:rPr lang="pt-PT" sz="1400" dirty="0" smtClean="0"/>
-              <a:t>Tempos médios por chamada (</a:t>
-            </a:r>
-            <a:r>
-              <a:rPr lang="pt-PT" sz="1400" dirty="0" err="1" smtClean="0"/>
-              <a:t>micro-segundos</a:t>
-            </a:r>
-            <a:r>
-              <a:rPr lang="pt-PT" sz="1400" dirty="0" smtClean="0"/>
-              <a:t>)</a:t>
-            </a:r>
-            <a:endParaRPr lang="pt-PT" dirty="0" smtClean="0"/>
-          </a:p>
-          <a:p>
-            <a:pPr lvl="1"/>
-            <a:endParaRPr lang="pt-PT" dirty="0" smtClean="0"/>
-          </a:p>
-          <a:p>
-            <a:pPr lvl="1">
-              <a:buNone/>
-            </a:pPr>
-            <a:endParaRPr lang="en-US" dirty="0" smtClean="0"/>
-          </a:p>
-          <a:p>
-            <a:pPr lvl="1"/>
-            <a:endParaRPr lang="en-US" sz="1200" dirty="0" smtClean="0"/>
-          </a:p>
-          <a:p>
-            <a:pPr lvl="1"/>
-            <a:r>
-              <a:rPr lang="en-US" dirty="0" err="1" smtClean="0"/>
-              <a:t>Simulação</a:t>
-            </a:r>
-            <a:r>
-              <a:rPr lang="en-US" dirty="0" smtClean="0"/>
-              <a:t> d</a:t>
-            </a:r>
-            <a:r>
-              <a:rPr lang="pt-PT" dirty="0" smtClean="0"/>
-              <a:t>a criação e destruição de </a:t>
-            </a:r>
-            <a:r>
-              <a:rPr lang="pt-PT" dirty="0" err="1" smtClean="0"/>
-              <a:t>sockets</a:t>
-            </a:r>
-            <a:endParaRPr lang="pt-PT" dirty="0" smtClean="0"/>
-          </a:p>
-          <a:p>
-            <a:pPr lvl="1">
-              <a:buNone/>
-            </a:pPr>
-            <a:endParaRPr lang="pt-PT" dirty="0" smtClean="0"/>
-          </a:p>
-        </p:txBody>
-      </p:sp>
-      <p:sp>
-        <p:nvSpPr>
-          <p:cNvPr id="5" name="Marcador de Posição do Número do Diapositivo 4"/>
-          <p:cNvSpPr>
-            <a:spLocks noGrp="1"/>
-          </p:cNvSpPr>
-          <p:nvPr>
-            <p:ph type="sldNum" sz="quarter" idx="12"/>
-          </p:nvPr>
-        </p:nvSpPr>
-        <p:spPr/>
-        <p:txBody>
-          <a:bodyPr/>
-          <a:lstStyle/>
-          <a:p>
-            <a:fld id="{AC560869-1695-4081-8E6F-05D0DB8947D3}" type="slidenum">
-              <a:rPr lang="pt-PT" smtClean="0"/>
-              <a:pPr/>
-              <a:t>23</a:t>
             </a:fld>
             <a:endParaRPr lang="pt-PT"/>
           </a:p>
@@ -13923,7 +14090,7 @@
 </p:sld>
 </file>
 
-<file path=ppt/slides/slide24.xml><?xml version="1.0" encoding="utf-8"?>
+<file path=ppt/slides/slide23.xml><?xml version="1.0" encoding="utf-8"?>
 <p:sld xmlns:a="http://schemas.openxmlformats.org/drawingml/2006/main" xmlns:r="http://schemas.openxmlformats.org/officeDocument/2006/relationships" xmlns:p="http://schemas.openxmlformats.org/presentationml/2006/main">
   <p:cSld>
     <p:spTree>
@@ -14076,7 +14243,7 @@
             <a:fld id="{AC560869-1695-4081-8E6F-05D0DB8947D3}" type="slidenum">
               <a:rPr lang="pt-PT" smtClean="0"/>
               <a:pPr/>
-              <a:t>24</a:t>
+              <a:t>23</a:t>
             </a:fld>
             <a:endParaRPr lang="pt-PT"/>
           </a:p>
@@ -14097,7 +14264,7 @@
 </p:sld>
 </file>
 
-<file path=ppt/slides/slide25.xml><?xml version="1.0" encoding="utf-8"?>
+<file path=ppt/slides/slide24.xml><?xml version="1.0" encoding="utf-8"?>
 <p:sld xmlns:a="http://schemas.openxmlformats.org/drawingml/2006/main" xmlns:r="http://schemas.openxmlformats.org/officeDocument/2006/relationships" xmlns:p="http://schemas.openxmlformats.org/presentationml/2006/main">
   <p:cSld>
     <p:spTree>
@@ -14211,7 +14378,7 @@
             <a:fld id="{AC560869-1695-4081-8E6F-05D0DB8947D3}" type="slidenum">
               <a:rPr lang="pt-PT" smtClean="0"/>
               <a:pPr/>
-              <a:t>25</a:t>
+              <a:t>24</a:t>
             </a:fld>
             <a:endParaRPr lang="pt-PT"/>
           </a:p>
@@ -14306,7 +14473,7 @@
 </p:sld>
 </file>
 
-<file path=ppt/slides/slide26.xml><?xml version="1.0" encoding="utf-8"?>
+<file path=ppt/slides/slide25.xml><?xml version="1.0" encoding="utf-8"?>
 <p:sld xmlns:a="http://schemas.openxmlformats.org/drawingml/2006/main" xmlns:r="http://schemas.openxmlformats.org/officeDocument/2006/relationships" xmlns:p="http://schemas.openxmlformats.org/presentationml/2006/main">
   <p:cSld>
     <p:spTree>
@@ -15730,7 +15897,7 @@
             <a:fld id="{AC560869-1695-4081-8E6F-05D0DB8947D3}" type="slidenum">
               <a:rPr lang="pt-PT" smtClean="0"/>
               <a:pPr/>
-              <a:t>26</a:t>
+              <a:t>25</a:t>
             </a:fld>
             <a:endParaRPr lang="pt-PT"/>
           </a:p>
@@ -16780,6 +16947,147 @@
 </p:sld>
 </file>
 
+<file path=ppt/slides/slide26.xml><?xml version="1.0" encoding="utf-8"?>
+<p:sld xmlns:a="http://schemas.openxmlformats.org/drawingml/2006/main" xmlns:r="http://schemas.openxmlformats.org/officeDocument/2006/relationships" xmlns:p="http://schemas.openxmlformats.org/presentationml/2006/main">
+  <p:cSld>
+    <p:spTree>
+      <p:nvGrpSpPr>
+        <p:cNvPr id="1" name=""/>
+        <p:cNvGrpSpPr/>
+        <p:nvPr/>
+      </p:nvGrpSpPr>
+      <p:grpSpPr>
+        <a:xfrm>
+          <a:off x="0" y="0"/>
+          <a:ext cx="0" cy="0"/>
+          <a:chOff x="0" y="0"/>
+          <a:chExt cx="0" cy="0"/>
+        </a:xfrm>
+      </p:grpSpPr>
+      <p:sp>
+        <p:nvSpPr>
+          <p:cNvPr id="2" name="Título 1"/>
+          <p:cNvSpPr>
+            <a:spLocks noGrp="1"/>
+          </p:cNvSpPr>
+          <p:nvPr>
+            <p:ph type="title"/>
+          </p:nvPr>
+        </p:nvSpPr>
+        <p:spPr>
+          <a:xfrm>
+            <a:off x="457200" y="404664"/>
+            <a:ext cx="8229600" cy="1066800"/>
+          </a:xfrm>
+        </p:spPr>
+        <p:txBody>
+          <a:bodyPr/>
+          <a:lstStyle/>
+          <a:p>
+            <a:r>
+              <a:rPr lang="pt-PT" smtClean="0"/>
+              <a:t>Avaliação</a:t>
+            </a:r>
+            <a:endParaRPr lang="pt-PT"/>
+          </a:p>
+        </p:txBody>
+      </p:sp>
+      <p:sp>
+        <p:nvSpPr>
+          <p:cNvPr id="3" name="Marcador de Posição de Conteúdo 2"/>
+          <p:cNvSpPr>
+            <a:spLocks noGrp="1"/>
+          </p:cNvSpPr>
+          <p:nvPr>
+            <p:ph idx="1"/>
+          </p:nvPr>
+        </p:nvSpPr>
+        <p:spPr>
+          <a:xfrm>
+            <a:off x="457200" y="1480152"/>
+            <a:ext cx="8229600" cy="4829168"/>
+          </a:xfrm>
+        </p:spPr>
+        <p:txBody>
+          <a:bodyPr>
+            <a:normAutofit/>
+          </a:bodyPr>
+          <a:lstStyle/>
+          <a:p>
+            <a:pPr lvl="2"/>
+            <a:endParaRPr lang="pt-PT" smtClean="0"/>
+          </a:p>
+          <a:p>
+            <a:pPr lvl="2"/>
+            <a:r>
+              <a:rPr lang="pt-PT" smtClean="0"/>
+              <a:t>2 testes com tráfego paralelo</a:t>
+            </a:r>
+          </a:p>
+          <a:p>
+            <a:pPr lvl="2"/>
+            <a:r>
+              <a:rPr lang="pt-PT" smtClean="0"/>
+              <a:t>Avaliação de desempenho no pior caso (4 testes) (em que se tenha de capturar tudo)</a:t>
+            </a:r>
+          </a:p>
+          <a:p>
+            <a:pPr lvl="2"/>
+            <a:r>
+              <a:rPr lang="pt-PT" smtClean="0"/>
+              <a:t>Avaliação de desempenho com tráfego paralelo (capturar apenas um fluxo)</a:t>
+            </a:r>
+          </a:p>
+          <a:p>
+            <a:pPr lvl="1"/>
+            <a:endParaRPr lang="pt-PT"/>
+          </a:p>
+        </p:txBody>
+      </p:sp>
+      <p:sp>
+        <p:nvSpPr>
+          <p:cNvPr id="5" name="Marcador de Posição do Número do Diapositivo 4"/>
+          <p:cNvSpPr>
+            <a:spLocks noGrp="1"/>
+          </p:cNvSpPr>
+          <p:nvPr>
+            <p:ph type="sldNum" sz="quarter" idx="12"/>
+          </p:nvPr>
+        </p:nvSpPr>
+        <p:spPr/>
+        <p:txBody>
+          <a:bodyPr/>
+          <a:lstStyle/>
+          <a:p>
+            <a:fld id="{AC560869-1695-4081-8E6F-05D0DB8947D3}" type="slidenum">
+              <a:rPr lang="pt-PT" smtClean="0"/>
+              <a:pPr/>
+              <a:t>26</a:t>
+            </a:fld>
+            <a:endParaRPr lang="pt-PT"/>
+          </a:p>
+        </p:txBody>
+      </p:sp>
+    </p:spTree>
+    <p:extLst>
+      <p:ext uri="{BB962C8B-B14F-4D97-AF65-F5344CB8AC3E}">
+        <p14:creationId xmlns:p14="http://schemas.microsoft.com/office/powerpoint/2010/main" xmlns="" val="2480020566"/>
+      </p:ext>
+    </p:extLst>
+  </p:cSld>
+  <p:clrMapOvr>
+    <a:masterClrMapping/>
+  </p:clrMapOvr>
+  <p:timing>
+    <p:tnLst>
+      <p:par>
+        <p:cTn id="1" dur="indefinite" restart="never" nodeType="tmRoot"/>
+      </p:par>
+    </p:tnLst>
+  </p:timing>
+</p:sld>
+</file>
+
 <file path=ppt/slides/slide27.xml><?xml version="1.0" encoding="utf-8"?>
 <p:sld xmlns:a="http://schemas.openxmlformats.org/drawingml/2006/main" xmlns:r="http://schemas.openxmlformats.org/officeDocument/2006/relationships" xmlns:p="http://schemas.openxmlformats.org/presentationml/2006/main">
   <p:cSld>
@@ -16809,36 +17117,8 @@
         </p:nvSpPr>
         <p:spPr>
           <a:xfrm>
-            <a:off x="457200" y="404664"/>
+            <a:off x="35496" y="404664"/>
             <a:ext cx="8229600" cy="1066800"/>
-          </a:xfrm>
-        </p:spPr>
-        <p:txBody>
-          <a:bodyPr/>
-          <a:lstStyle/>
-          <a:p>
-            <a:r>
-              <a:rPr lang="pt-PT" smtClean="0"/>
-              <a:t>Avaliação</a:t>
-            </a:r>
-            <a:endParaRPr lang="pt-PT"/>
-          </a:p>
-        </p:txBody>
-      </p:sp>
-      <p:sp>
-        <p:nvSpPr>
-          <p:cNvPr id="3" name="Marcador de Posição de Conteúdo 2"/>
-          <p:cNvSpPr>
-            <a:spLocks noGrp="1"/>
-          </p:cNvSpPr>
-          <p:nvPr>
-            <p:ph idx="1"/>
-          </p:nvPr>
-        </p:nvSpPr>
-        <p:spPr>
-          <a:xfrm>
-            <a:off x="457200" y="1480152"/>
-            <a:ext cx="8229600" cy="4829168"/>
           </a:xfrm>
         </p:spPr>
         <p:txBody>
@@ -16847,32 +17127,10 @@
           </a:bodyPr>
           <a:lstStyle/>
           <a:p>
-            <a:pPr lvl="2"/>
-            <a:endParaRPr lang="pt-PT" smtClean="0"/>
-          </a:p>
-          <a:p>
-            <a:pPr lvl="2"/>
             <a:r>
               <a:rPr lang="pt-PT" smtClean="0"/>
-              <a:t>2 testes com tráfego paralelo</a:t>
-            </a:r>
-          </a:p>
-          <a:p>
-            <a:pPr lvl="2"/>
-            <a:r>
-              <a:rPr lang="pt-PT" smtClean="0"/>
-              <a:t>Avaliação de desempenho no pior caso (4 testes) (em que se tenha de capturar tudo)</a:t>
-            </a:r>
-          </a:p>
-          <a:p>
-            <a:pPr lvl="2"/>
-            <a:r>
-              <a:rPr lang="pt-PT" smtClean="0"/>
-              <a:t>Avaliação de desempenho com tráfego paralelo (capturar apenas um fluxo)</a:t>
-            </a:r>
-          </a:p>
-          <a:p>
-            <a:pPr lvl="1"/>
+              <a:t>Avaliação de desempenho (V)</a:t>
+            </a:r>
             <a:endParaRPr lang="pt-PT"/>
           </a:p>
         </p:txBody>
@@ -16901,12 +17159,55 @@
           </a:p>
         </p:txBody>
       </p:sp>
+      <p:graphicFrame>
+        <p:nvGraphicFramePr>
+          <p:cNvPr id="10" name="Gráfico 9"/>
+          <p:cNvGraphicFramePr>
+            <a:graphicFrameLocks/>
+          </p:cNvGraphicFramePr>
+          <p:nvPr>
+            <p:extLst>
+              <p:ext uri="{D42A27DB-BD31-4B8C-83A1-F6EECF244321}">
+                <p14:modId xmlns:p14="http://schemas.microsoft.com/office/powerpoint/2010/main" xmlns="" val="3402441427"/>
+              </p:ext>
+            </p:extLst>
+          </p:nvPr>
+        </p:nvGraphicFramePr>
+        <p:xfrm>
+          <a:off x="-828600" y="1916832"/>
+          <a:ext cx="5544616" cy="4248472"/>
+        </p:xfrm>
+        <a:graphic>
+          <a:graphicData uri="http://schemas.openxmlformats.org/drawingml/2006/chart">
+            <c:chart xmlns:c="http://schemas.openxmlformats.org/drawingml/2006/chart" xmlns:r="http://schemas.openxmlformats.org/officeDocument/2006/relationships" r:id="rId2"/>
+          </a:graphicData>
+        </a:graphic>
+      </p:graphicFrame>
+      <p:graphicFrame>
+        <p:nvGraphicFramePr>
+          <p:cNvPr id="11" name="Gráfico 10"/>
+          <p:cNvGraphicFramePr>
+            <a:graphicFrameLocks/>
+          </p:cNvGraphicFramePr>
+          <p:nvPr>
+            <p:extLst>
+              <p:ext uri="{D42A27DB-BD31-4B8C-83A1-F6EECF244321}">
+                <p14:modId xmlns:p14="http://schemas.microsoft.com/office/powerpoint/2010/main" xmlns="" val="4122839546"/>
+              </p:ext>
+            </p:extLst>
+          </p:nvPr>
+        </p:nvGraphicFramePr>
+        <p:xfrm>
+          <a:off x="4716016" y="1916832"/>
+          <a:ext cx="4572000" cy="4104456"/>
+        </p:xfrm>
+        <a:graphic>
+          <a:graphicData uri="http://schemas.openxmlformats.org/drawingml/2006/chart">
+            <c:chart xmlns:c="http://schemas.openxmlformats.org/drawingml/2006/chart" xmlns:r="http://schemas.openxmlformats.org/officeDocument/2006/relationships" r:id="rId3"/>
+          </a:graphicData>
+        </a:graphic>
+      </p:graphicFrame>
     </p:spTree>
-    <p:extLst>
-      <p:ext uri="{BB962C8B-B14F-4D97-AF65-F5344CB8AC3E}">
-        <p14:creationId xmlns="" xmlns:p14="http://schemas.microsoft.com/office/powerpoint/2010/main" val="2480020566"/>
-      </p:ext>
-    </p:extLst>
   </p:cSld>
   <p:clrMapOvr>
     <a:masterClrMapping/>
@@ -16950,140 +17251,6 @@
         </p:nvSpPr>
         <p:spPr>
           <a:xfrm>
-            <a:off x="35496" y="404664"/>
-            <a:ext cx="8229600" cy="1066800"/>
-          </a:xfrm>
-        </p:spPr>
-        <p:txBody>
-          <a:bodyPr>
-            <a:normAutofit/>
-          </a:bodyPr>
-          <a:lstStyle/>
-          <a:p>
-            <a:r>
-              <a:rPr lang="pt-PT" smtClean="0"/>
-              <a:t>Avaliação de desempenho (V)</a:t>
-            </a:r>
-            <a:endParaRPr lang="pt-PT"/>
-          </a:p>
-        </p:txBody>
-      </p:sp>
-      <p:sp>
-        <p:nvSpPr>
-          <p:cNvPr id="5" name="Marcador de Posição do Número do Diapositivo 4"/>
-          <p:cNvSpPr>
-            <a:spLocks noGrp="1"/>
-          </p:cNvSpPr>
-          <p:nvPr>
-            <p:ph type="sldNum" sz="quarter" idx="12"/>
-          </p:nvPr>
-        </p:nvSpPr>
-        <p:spPr/>
-        <p:txBody>
-          <a:bodyPr/>
-          <a:lstStyle/>
-          <a:p>
-            <a:fld id="{AC560869-1695-4081-8E6F-05D0DB8947D3}" type="slidenum">
-              <a:rPr lang="pt-PT" smtClean="0"/>
-              <a:pPr/>
-              <a:t>28</a:t>
-            </a:fld>
-            <a:endParaRPr lang="pt-PT"/>
-          </a:p>
-        </p:txBody>
-      </p:sp>
-      <p:graphicFrame>
-        <p:nvGraphicFramePr>
-          <p:cNvPr id="10" name="Gráfico 9"/>
-          <p:cNvGraphicFramePr>
-            <a:graphicFrameLocks/>
-          </p:cNvGraphicFramePr>
-          <p:nvPr>
-            <p:extLst>
-              <p:ext uri="{D42A27DB-BD31-4B8C-83A1-F6EECF244321}">
-                <p14:modId xmlns="" xmlns:p14="http://schemas.microsoft.com/office/powerpoint/2010/main" val="3402441427"/>
-              </p:ext>
-            </p:extLst>
-          </p:nvPr>
-        </p:nvGraphicFramePr>
-        <p:xfrm>
-          <a:off x="-828600" y="1916832"/>
-          <a:ext cx="5544616" cy="4248472"/>
-        </p:xfrm>
-        <a:graphic>
-          <a:graphicData uri="http://schemas.openxmlformats.org/drawingml/2006/chart">
-            <c:chart xmlns:c="http://schemas.openxmlformats.org/drawingml/2006/chart" xmlns:r="http://schemas.openxmlformats.org/officeDocument/2006/relationships" r:id="rId2"/>
-          </a:graphicData>
-        </a:graphic>
-      </p:graphicFrame>
-      <p:graphicFrame>
-        <p:nvGraphicFramePr>
-          <p:cNvPr id="11" name="Gráfico 10"/>
-          <p:cNvGraphicFramePr>
-            <a:graphicFrameLocks/>
-          </p:cNvGraphicFramePr>
-          <p:nvPr>
-            <p:extLst>
-              <p:ext uri="{D42A27DB-BD31-4B8C-83A1-F6EECF244321}">
-                <p14:modId xmlns="" xmlns:p14="http://schemas.microsoft.com/office/powerpoint/2010/main" val="4122839546"/>
-              </p:ext>
-            </p:extLst>
-          </p:nvPr>
-        </p:nvGraphicFramePr>
-        <p:xfrm>
-          <a:off x="4716016" y="1916832"/>
-          <a:ext cx="4572000" cy="4104456"/>
-        </p:xfrm>
-        <a:graphic>
-          <a:graphicData uri="http://schemas.openxmlformats.org/drawingml/2006/chart">
-            <c:chart xmlns:c="http://schemas.openxmlformats.org/drawingml/2006/chart" xmlns:r="http://schemas.openxmlformats.org/officeDocument/2006/relationships" r:id="rId3"/>
-          </a:graphicData>
-        </a:graphic>
-      </p:graphicFrame>
-    </p:spTree>
-  </p:cSld>
-  <p:clrMapOvr>
-    <a:masterClrMapping/>
-  </p:clrMapOvr>
-  <p:timing>
-    <p:tnLst>
-      <p:par>
-        <p:cTn id="1" dur="indefinite" restart="never" nodeType="tmRoot"/>
-      </p:par>
-    </p:tnLst>
-  </p:timing>
-</p:sld>
-</file>
-
-<file path=ppt/slides/slide29.xml><?xml version="1.0" encoding="utf-8"?>
-<p:sld xmlns:a="http://schemas.openxmlformats.org/drawingml/2006/main" xmlns:r="http://schemas.openxmlformats.org/officeDocument/2006/relationships" xmlns:p="http://schemas.openxmlformats.org/presentationml/2006/main">
-  <p:cSld>
-    <p:spTree>
-      <p:nvGrpSpPr>
-        <p:cNvPr id="1" name=""/>
-        <p:cNvGrpSpPr/>
-        <p:nvPr/>
-      </p:nvGrpSpPr>
-      <p:grpSpPr>
-        <a:xfrm>
-          <a:off x="0" y="0"/>
-          <a:ext cx="0" cy="0"/>
-          <a:chOff x="0" y="0"/>
-          <a:chExt cx="0" cy="0"/>
-        </a:xfrm>
-      </p:grpSpPr>
-      <p:sp>
-        <p:nvSpPr>
-          <p:cNvPr id="2" name="Título 1"/>
-          <p:cNvSpPr>
-            <a:spLocks noGrp="1"/>
-          </p:cNvSpPr>
-          <p:nvPr>
-            <p:ph type="title"/>
-          </p:nvPr>
-        </p:nvSpPr>
-        <p:spPr>
-          <a:xfrm>
             <a:off x="323528" y="620688"/>
             <a:ext cx="8229600" cy="1066800"/>
           </a:xfrm>
@@ -17593,7 +17760,7 @@
             <a:fld id="{AC560869-1695-4081-8E6F-05D0DB8947D3}" type="slidenum">
               <a:rPr lang="pt-PT" smtClean="0"/>
               <a:pPr/>
-              <a:t>29</a:t>
+              <a:t>28</a:t>
             </a:fld>
             <a:endParaRPr lang="pt-PT"/>
           </a:p>
@@ -18293,6 +18460,198 @@
 </p:sld>
 </file>
 
+<file path=ppt/slides/slide29.xml><?xml version="1.0" encoding="utf-8"?>
+<p:sld xmlns:a="http://schemas.openxmlformats.org/drawingml/2006/main" xmlns:r="http://schemas.openxmlformats.org/officeDocument/2006/relationships" xmlns:p="http://schemas.openxmlformats.org/presentationml/2006/main">
+  <p:cSld>
+    <p:spTree>
+      <p:nvGrpSpPr>
+        <p:cNvPr id="1" name=""/>
+        <p:cNvGrpSpPr/>
+        <p:nvPr/>
+      </p:nvGrpSpPr>
+      <p:grpSpPr>
+        <a:xfrm>
+          <a:off x="0" y="0"/>
+          <a:ext cx="0" cy="0"/>
+          <a:chOff x="0" y="0"/>
+          <a:chExt cx="0" cy="0"/>
+        </a:xfrm>
+      </p:grpSpPr>
+      <p:sp>
+        <p:nvSpPr>
+          <p:cNvPr id="2" name="Título 1"/>
+          <p:cNvSpPr>
+            <a:spLocks noGrp="1"/>
+          </p:cNvSpPr>
+          <p:nvPr>
+            <p:ph type="title"/>
+          </p:nvPr>
+        </p:nvSpPr>
+        <p:spPr>
+          <a:xfrm>
+            <a:off x="467544" y="634008"/>
+            <a:ext cx="8229600" cy="1066800"/>
+          </a:xfrm>
+        </p:spPr>
+        <p:txBody>
+          <a:bodyPr>
+            <a:normAutofit/>
+          </a:bodyPr>
+          <a:lstStyle/>
+          <a:p>
+            <a:r>
+              <a:rPr lang="pt-PT" dirty="0" smtClean="0"/>
+              <a:t> Monitorização </a:t>
+            </a:r>
+            <a:endParaRPr lang="pt-PT" dirty="0"/>
+          </a:p>
+        </p:txBody>
+      </p:sp>
+      <p:sp>
+        <p:nvSpPr>
+          <p:cNvPr id="3" name="Marcador de Posição de Conteúdo 2"/>
+          <p:cNvSpPr>
+            <a:spLocks noGrp="1"/>
+          </p:cNvSpPr>
+          <p:nvPr>
+            <p:ph idx="1"/>
+          </p:nvPr>
+        </p:nvSpPr>
+        <p:spPr>
+          <a:xfrm>
+            <a:off x="179512" y="1840192"/>
+            <a:ext cx="8784976" cy="4325112"/>
+          </a:xfrm>
+        </p:spPr>
+        <p:txBody>
+          <a:bodyPr>
+            <a:normAutofit lnSpcReduction="10000"/>
+          </a:bodyPr>
+          <a:lstStyle/>
+          <a:p>
+            <a:r>
+              <a:rPr lang="pt-PT" dirty="0" smtClean="0"/>
+              <a:t>Abordagens (para as interacções de um processo)</a:t>
+            </a:r>
+          </a:p>
+          <a:p>
+            <a:pPr lvl="1"/>
+            <a:r>
+              <a:rPr lang="pt-PT" dirty="0"/>
+              <a:t>N</a:t>
+            </a:r>
+            <a:r>
+              <a:rPr lang="pt-PT" dirty="0" smtClean="0"/>
+              <a:t>ível utilizador (1)</a:t>
+            </a:r>
+          </a:p>
+          <a:p>
+            <a:pPr lvl="2"/>
+            <a:r>
+              <a:rPr lang="pt-PT" dirty="0" smtClean="0"/>
+              <a:t>Instrumentação do programa ou bibliotecas para obter a informação relevante</a:t>
+            </a:r>
+          </a:p>
+          <a:p>
+            <a:pPr lvl="2"/>
+            <a:endParaRPr lang="pt-PT" dirty="0" smtClean="0"/>
+          </a:p>
+          <a:p>
+            <a:pPr lvl="1"/>
+            <a:r>
+              <a:rPr lang="pt-PT" dirty="0" smtClean="0"/>
+              <a:t>Com auxílio do núcleo do sistema (2)</a:t>
+            </a:r>
+          </a:p>
+          <a:p>
+            <a:pPr lvl="2"/>
+            <a:r>
+              <a:rPr lang="pt-PT" dirty="0" smtClean="0"/>
+              <a:t>exemplo</a:t>
+            </a:r>
+            <a:r>
+              <a:rPr lang="en-US" dirty="0" smtClean="0"/>
+              <a:t>: </a:t>
+            </a:r>
+            <a:r>
+              <a:rPr lang="pt-PT" dirty="0" smtClean="0"/>
+              <a:t>captura de pacotes através da biblioteca </a:t>
+            </a:r>
+            <a:r>
+              <a:rPr lang="pt-PT" i="1" dirty="0" err="1" smtClean="0"/>
+              <a:t>PCap</a:t>
+            </a:r>
+            <a:r>
+              <a:rPr lang="pt-PT" dirty="0" smtClean="0"/>
+              <a:t> </a:t>
+            </a:r>
+            <a:endParaRPr lang="pt-PT" dirty="0"/>
+          </a:p>
+          <a:p>
+            <a:pPr lvl="2"/>
+            <a:r>
+              <a:rPr lang="pt-PT" dirty="0" smtClean="0"/>
+              <a:t>monitorização do processo para obter as alterações nas interacções via rede</a:t>
+            </a:r>
+          </a:p>
+          <a:p>
+            <a:pPr lvl="2"/>
+            <a:r>
+              <a:rPr lang="pt-PT" dirty="0" smtClean="0"/>
+              <a:t>filtrar a informação relevante</a:t>
+            </a:r>
+          </a:p>
+          <a:p>
+            <a:pPr lvl="8">
+              <a:buNone/>
+            </a:pPr>
+            <a:r>
+              <a:rPr lang="pt-PT" dirty="0" smtClean="0"/>
+              <a:t>		</a:t>
+            </a:r>
+            <a:endParaRPr lang="pt-PT" dirty="0"/>
+          </a:p>
+        </p:txBody>
+      </p:sp>
+      <p:sp>
+        <p:nvSpPr>
+          <p:cNvPr id="4" name="Marcador de Posição do Número do Diapositivo 3"/>
+          <p:cNvSpPr>
+            <a:spLocks noGrp="1"/>
+          </p:cNvSpPr>
+          <p:nvPr>
+            <p:ph type="sldNum" sz="quarter" idx="12"/>
+          </p:nvPr>
+        </p:nvSpPr>
+        <p:spPr/>
+        <p:txBody>
+          <a:bodyPr/>
+          <a:lstStyle/>
+          <a:p>
+            <a:fld id="{AC560869-1695-4081-8E6F-05D0DB8947D3}" type="slidenum">
+              <a:rPr lang="pt-PT" smtClean="0"/>
+              <a:pPr/>
+              <a:t>29</a:t>
+            </a:fld>
+            <a:endParaRPr lang="pt-PT"/>
+          </a:p>
+        </p:txBody>
+      </p:sp>
+    </p:spTree>
+  </p:cSld>
+  <p:clrMapOvr>
+    <a:masterClrMapping/>
+  </p:clrMapOvr>
+  <p:timing>
+    <p:tnLst>
+      <p:par>
+        <p:cTn id="1" dur="indefinite" restart="never" nodeType="tmRoot"/>
+      </p:par>
+    </p:tnLst>
+  </p:timing>
+</p:sld>
+</file>
+
 <file path=ppt/slides/slide3.xml><?xml version="1.0" encoding="utf-8"?>
 <p:sld xmlns:a="http://schemas.openxmlformats.org/drawingml/2006/main" xmlns:r="http://schemas.openxmlformats.org/officeDocument/2006/relationships" xmlns:p="http://schemas.openxmlformats.org/presentationml/2006/main">
   <p:cSld>
@@ -18332,11 +18691,7 @@
           <a:p>
             <a:r>
               <a:rPr lang="pt-PT" dirty="0" smtClean="0"/>
-              <a:t>Monitorização de </a:t>
-            </a:r>
-            <a:r>
-              <a:rPr lang="pt-PT" dirty="0" smtClean="0"/>
-              <a:t>rede</a:t>
+              <a:t>Monitorização de rede</a:t>
             </a:r>
             <a:endParaRPr lang="pt-PT" dirty="0"/>
           </a:p>
@@ -18388,11 +18743,7 @@
             </a:r>
             <a:r>
               <a:rPr lang="pt-PT" dirty="0" smtClean="0"/>
-              <a:t> de falhas, erros, problemas de desempenho, outros</a:t>
-            </a:r>
-            <a:r>
-              <a:rPr lang="pt-PT" dirty="0" smtClean="0"/>
-              <a:t>...</a:t>
+              <a:t> de falhas, erros, problemas de desempenho, outros...</a:t>
             </a:r>
           </a:p>
           <a:p>
@@ -18432,7 +18783,6 @@
               <a:rPr lang="pt-PT" dirty="0" smtClean="0"/>
               <a:t> ou no núcleo)</a:t>
             </a:r>
-            <a:endParaRPr lang="pt-PT" dirty="0" smtClean="0"/>
           </a:p>
           <a:p>
             <a:endParaRPr lang="pt-PT" dirty="0"/>
@@ -18507,19 +18857,17 @@
         </p:nvSpPr>
         <p:spPr>
           <a:xfrm>
-            <a:off x="467544" y="634008"/>
+            <a:off x="457200" y="404664"/>
             <a:ext cx="8229600" cy="1066800"/>
           </a:xfrm>
         </p:spPr>
         <p:txBody>
-          <a:bodyPr>
-            <a:normAutofit/>
-          </a:bodyPr>
+          <a:bodyPr/>
           <a:lstStyle/>
           <a:p>
             <a:r>
               <a:rPr lang="pt-PT" dirty="0" smtClean="0"/>
-              <a:t> Monitorização </a:t>
+              <a:t>Monitorização de rede</a:t>
             </a:r>
             <a:endParaRPr lang="pt-PT" dirty="0"/>
           </a:p>
@@ -18537,103 +18885,198 @@
         </p:nvSpPr>
         <p:spPr>
           <a:xfrm>
-            <a:off x="179512" y="1840192"/>
-            <a:ext cx="8784976" cy="4325112"/>
+            <a:off x="457200" y="1484784"/>
+            <a:ext cx="8229600" cy="4608512"/>
           </a:xfrm>
         </p:spPr>
         <p:txBody>
           <a:bodyPr>
-            <a:normAutofit lnSpcReduction="10000"/>
+            <a:normAutofit fontScale="85000" lnSpcReduction="20000"/>
           </a:bodyPr>
           <a:lstStyle/>
           <a:p>
             <a:r>
+              <a:rPr lang="pt-PT" dirty="0"/>
+              <a:t>Monitorização do processo alvo </a:t>
+            </a:r>
+            <a:endParaRPr lang="pt-PT" dirty="0" smtClean="0"/>
+          </a:p>
+          <a:p>
+            <a:pPr lvl="1"/>
+            <a:r>
+              <a:rPr lang="en-US" dirty="0" smtClean="0"/>
+              <a:t>M</a:t>
+            </a:r>
+            <a:r>
+              <a:rPr lang="pt-PT" dirty="0" err="1" smtClean="0"/>
+              <a:t>anter</a:t>
+            </a:r>
+            <a:r>
               <a:rPr lang="pt-PT" dirty="0" smtClean="0"/>
-              <a:t>Abordagens (para as interacções de um processo)</a:t>
-            </a:r>
-          </a:p>
-          <a:p>
-            <a:pPr lvl="1"/>
-            <a:r>
-              <a:rPr lang="pt-PT" dirty="0"/>
-              <a:t>N</a:t>
+              <a:t> actualizado o estado relativamente às interacções por rede (portos/</a:t>
+            </a:r>
+            <a:r>
+              <a:rPr lang="pt-PT" i="1" dirty="0" err="1" smtClean="0"/>
+              <a:t>sockets</a:t>
             </a:r>
             <a:r>
               <a:rPr lang="pt-PT" dirty="0" smtClean="0"/>
-              <a:t>ível utilizador (1)</a:t>
-            </a:r>
-          </a:p>
-          <a:p>
-            <a:pPr lvl="2"/>
-            <a:r>
-              <a:rPr lang="pt-PT" dirty="0" smtClean="0"/>
-              <a:t>Instrumentação do programa ou bibliotecas para obter a informação relevante</a:t>
-            </a:r>
-          </a:p>
-          <a:p>
-            <a:pPr lvl="2"/>
-            <a:endParaRPr lang="pt-PT" dirty="0" smtClean="0"/>
-          </a:p>
-          <a:p>
-            <a:pPr lvl="1"/>
-            <a:r>
-              <a:rPr lang="pt-PT" dirty="0" smtClean="0"/>
-              <a:t>Com auxílio do núcleo do sistema (2)</a:t>
-            </a:r>
-          </a:p>
-          <a:p>
-            <a:pPr lvl="2"/>
-            <a:r>
-              <a:rPr lang="pt-PT" dirty="0" smtClean="0"/>
-              <a:t>exemplo</a:t>
-            </a:r>
-            <a:r>
-              <a:rPr lang="en-US" dirty="0" smtClean="0"/>
-              <a:t>: </a:t>
-            </a:r>
-            <a:r>
-              <a:rPr lang="pt-PT" dirty="0" smtClean="0"/>
-              <a:t>captura de pacotes através da biblioteca </a:t>
-            </a:r>
-            <a:r>
-              <a:rPr lang="pt-PT" i="1" dirty="0" err="1" smtClean="0"/>
-              <a:t>PCap</a:t>
-            </a:r>
-            <a:r>
-              <a:rPr lang="pt-PT" dirty="0" smtClean="0"/>
-              <a:t> </a:t>
-            </a:r>
-            <a:endParaRPr lang="pt-PT" dirty="0"/>
-          </a:p>
-          <a:p>
-            <a:pPr lvl="2"/>
-            <a:r>
-              <a:rPr lang="pt-PT" dirty="0" smtClean="0"/>
-              <a:t>monitorização do processo para obter as alterações nas interacções via rede</a:t>
-            </a:r>
-          </a:p>
-          <a:p>
-            <a:pPr lvl="2"/>
-            <a:r>
-              <a:rPr lang="pt-PT" dirty="0" smtClean="0"/>
-              <a:t>filtrar a informação relevante</a:t>
-            </a:r>
-          </a:p>
-          <a:p>
-            <a:pPr lvl="8">
+              <a:t>)</a:t>
+            </a:r>
+          </a:p>
+          <a:p>
+            <a:pPr lvl="2">
               <a:buNone/>
             </a:pPr>
+            <a:endParaRPr lang="pt-PT" dirty="0" smtClean="0"/>
+          </a:p>
+          <a:p>
             <a:r>
               <a:rPr lang="pt-PT" dirty="0" smtClean="0"/>
-              <a:t>		</a:t>
+              <a:t>Abordagem 1</a:t>
+            </a:r>
+          </a:p>
+          <a:p>
+            <a:pPr lvl="1"/>
+            <a:r>
+              <a:rPr lang="pt-PT" dirty="0"/>
+              <a:t>Instrumentação das funções de rede (</a:t>
+            </a:r>
+            <a:r>
+              <a:rPr lang="pt-PT" dirty="0" err="1" smtClean="0"/>
+              <a:t>p.e</a:t>
+            </a:r>
+            <a:r>
+              <a:rPr lang="pt-PT" dirty="0" smtClean="0"/>
+              <a:t> na </a:t>
+            </a:r>
+            <a:r>
+              <a:rPr lang="pt-PT" dirty="0" err="1" smtClean="0"/>
+              <a:t>libC</a:t>
+            </a:r>
+            <a:r>
+              <a:rPr lang="pt-PT" dirty="0" smtClean="0"/>
+              <a:t>) e capturar os dados relevantes no processo alvo</a:t>
+            </a:r>
+          </a:p>
+          <a:p>
+            <a:r>
+              <a:rPr lang="pt-PT" dirty="0" smtClean="0"/>
+              <a:t>Abordagem 2</a:t>
+            </a:r>
+          </a:p>
+          <a:p>
+            <a:pPr lvl="1"/>
+            <a:r>
+              <a:rPr lang="pt-PT" dirty="0"/>
+              <a:t>Instrumentação das funções de </a:t>
+            </a:r>
+            <a:r>
+              <a:rPr lang="pt-PT" dirty="0" smtClean="0"/>
+              <a:t>rede (</a:t>
+            </a:r>
+            <a:r>
+              <a:rPr lang="pt-PT" dirty="0" err="1"/>
+              <a:t>p.e</a:t>
+            </a:r>
+            <a:r>
+              <a:rPr lang="pt-PT" dirty="0"/>
+              <a:t> na </a:t>
+            </a:r>
+            <a:r>
+              <a:rPr lang="pt-PT" dirty="0" err="1"/>
+              <a:t>libC</a:t>
+            </a:r>
+            <a:r>
+              <a:rPr lang="pt-PT" dirty="0" smtClean="0"/>
+              <a:t>); </a:t>
+            </a:r>
+            <a:r>
+              <a:rPr lang="pt-PT" dirty="0"/>
+              <a:t>utilização do suporte do </a:t>
+            </a:r>
+            <a:r>
+              <a:rPr lang="pt-PT" dirty="0" err="1"/>
+              <a:t>ptrace</a:t>
+            </a:r>
+            <a:r>
+              <a:rPr lang="pt-PT" dirty="0"/>
+              <a:t>; instrumentação no núcleo das chamadas de rede (</a:t>
+            </a:r>
+            <a:r>
+              <a:rPr lang="pt-PT" dirty="0" err="1"/>
+              <a:t>p.e</a:t>
+            </a:r>
+            <a:r>
+              <a:rPr lang="pt-PT" dirty="0"/>
+              <a:t>. </a:t>
+            </a:r>
+            <a:r>
+              <a:rPr lang="en-US" i="1" dirty="0" smtClean="0"/>
+              <a:t>K</a:t>
+            </a:r>
+            <a:r>
+              <a:rPr lang="pt-PT" i="1" dirty="0" err="1" smtClean="0"/>
+              <a:t>Probes</a:t>
+            </a:r>
+            <a:r>
+              <a:rPr lang="pt-PT" dirty="0" smtClean="0"/>
+              <a:t>)</a:t>
             </a:r>
             <a:endParaRPr lang="pt-PT" dirty="0"/>
           </a:p>
-        </p:txBody>
-      </p:sp>
-      <p:sp>
-        <p:nvSpPr>
-          <p:cNvPr id="4" name="Marcador de Posição do Número do Diapositivo 3"/>
+          <a:p>
+            <a:pPr lvl="1"/>
+            <a:r>
+              <a:rPr lang="pt-PT" dirty="0" smtClean="0"/>
+              <a:t>Capturar todo o tráfego via </a:t>
+            </a:r>
+            <a:r>
+              <a:rPr lang="pt-PT" dirty="0" err="1" smtClean="0"/>
+              <a:t>PCap</a:t>
+            </a:r>
+            <a:r>
+              <a:rPr lang="pt-PT" dirty="0" smtClean="0"/>
+              <a:t> e filtrar com base no estado do processo</a:t>
+            </a:r>
+          </a:p>
+          <a:p>
+            <a:pPr lvl="1"/>
+            <a:r>
+              <a:rPr lang="pt-PT" dirty="0" smtClean="0"/>
+              <a:t>Ou tentar manter actualizado </a:t>
+            </a:r>
+            <a:r>
+              <a:rPr lang="pt-PT" dirty="0"/>
+              <a:t>o </a:t>
+            </a:r>
+            <a:r>
+              <a:rPr lang="pt-PT" dirty="0" smtClean="0"/>
+              <a:t>filtro LSF </a:t>
+            </a:r>
+            <a:r>
+              <a:rPr lang="pt-PT" dirty="0"/>
+              <a:t>no núcleo via </a:t>
+            </a:r>
+            <a:r>
+              <a:rPr lang="pt-PT" dirty="0" smtClean="0"/>
+              <a:t>a </a:t>
+            </a:r>
+            <a:r>
+              <a:rPr lang="pt-PT" smtClean="0"/>
+              <a:t>biblioteca PCap</a:t>
+            </a:r>
+            <a:endParaRPr lang="pt-PT" dirty="0"/>
+          </a:p>
+          <a:p>
+            <a:pPr lvl="1"/>
+            <a:endParaRPr lang="pt-PT" dirty="0"/>
+          </a:p>
+        </p:txBody>
+      </p:sp>
+      <p:sp>
+        <p:nvSpPr>
+          <p:cNvPr id="5" name="Marcador de Posição do Número do Diapositivo 4"/>
           <p:cNvSpPr>
             <a:spLocks noGrp="1"/>
           </p:cNvSpPr>
@@ -18671,7 +19114,7 @@
 </file>
 
 <file path=ppt/slides/slide31.xml><?xml version="1.0" encoding="utf-8"?>
-<p:sld xmlns:a="http://schemas.openxmlformats.org/drawingml/2006/main" xmlns:r="http://schemas.openxmlformats.org/officeDocument/2006/relationships" xmlns:p="http://schemas.openxmlformats.org/presentationml/2006/main">
+<p:sld xmlns:a="http://schemas.openxmlformats.org/drawingml/2006/main" xmlns:r="http://schemas.openxmlformats.org/officeDocument/2006/relationships" xmlns:p="http://schemas.openxmlformats.org/presentationml/2006/main" show="0">
   <p:cSld>
     <p:spTree>
       <p:nvGrpSpPr>
@@ -18699,7 +19142,7 @@
         </p:nvSpPr>
         <p:spPr>
           <a:xfrm>
-            <a:off x="457200" y="404664"/>
+            <a:off x="467544" y="476672"/>
             <a:ext cx="8229600" cy="1066800"/>
           </a:xfrm>
         </p:spPr>
@@ -18708,8 +19151,112 @@
           <a:lstStyle/>
           <a:p>
             <a:r>
+              <a:rPr lang="pt-PT" smtClean="0"/>
+              <a:t>Arquitectura da solução (II)</a:t>
+            </a:r>
+            <a:endParaRPr lang="pt-PT"/>
+          </a:p>
+        </p:txBody>
+      </p:sp>
+      <p:sp>
+        <p:nvSpPr>
+          <p:cNvPr id="4" name="Marcador de Posição do Número do Diapositivo 3"/>
+          <p:cNvSpPr>
+            <a:spLocks noGrp="1"/>
+          </p:cNvSpPr>
+          <p:nvPr>
+            <p:ph type="sldNum" sz="quarter" idx="12"/>
+          </p:nvPr>
+        </p:nvSpPr>
+        <p:spPr/>
+        <p:txBody>
+          <a:bodyPr/>
+          <a:lstStyle/>
+          <a:p>
+            <a:fld id="{AC560869-1695-4081-8E6F-05D0DB8947D3}" type="slidenum">
+              <a:rPr lang="pt-PT" smtClean="0"/>
+              <a:pPr/>
+              <a:t>31</a:t>
+            </a:fld>
+            <a:endParaRPr lang="pt-PT"/>
+          </a:p>
+        </p:txBody>
+      </p:sp>
+      <p:pic>
+        <p:nvPicPr>
+          <p:cNvPr id="6" name="Marcador de Posição de Conteúdo 5" descr="bitmap.png"/>
+          <p:cNvPicPr>
+            <a:picLocks noChangeAspect="1"/>
+          </p:cNvPicPr>
+          <p:nvPr/>
+        </p:nvPicPr>
+        <p:blipFill>
+          <a:blip r:embed="rId2" cstate="print"/>
+          <a:stretch>
+            <a:fillRect/>
+          </a:stretch>
+        </p:blipFill>
+        <p:spPr>
+          <a:xfrm>
+            <a:off x="1299179" y="1412776"/>
+            <a:ext cx="6259349" cy="5040560"/>
+          </a:xfrm>
+          <a:prstGeom prst="rect">
+            <a:avLst/>
+          </a:prstGeom>
+        </p:spPr>
+      </p:pic>
+    </p:spTree>
+  </p:cSld>
+  <p:clrMapOvr>
+    <a:masterClrMapping/>
+  </p:clrMapOvr>
+  <p:transition/>
+  <p:timing>
+    <p:tnLst>
+      <p:par>
+        <p:cTn id="1" dur="indefinite" restart="never" nodeType="tmRoot"/>
+      </p:par>
+    </p:tnLst>
+  </p:timing>
+</p:sld>
+</file>
+
+<file path=ppt/slides/slide32.xml><?xml version="1.0" encoding="utf-8"?>
+<p:sld xmlns:a="http://schemas.openxmlformats.org/drawingml/2006/main" xmlns:r="http://schemas.openxmlformats.org/officeDocument/2006/relationships" xmlns:p="http://schemas.openxmlformats.org/presentationml/2006/main" show="0">
+  <p:cSld>
+    <p:spTree>
+      <p:nvGrpSpPr>
+        <p:cNvPr id="1" name=""/>
+        <p:cNvGrpSpPr/>
+        <p:nvPr/>
+      </p:nvGrpSpPr>
+      <p:grpSpPr>
+        <a:xfrm>
+          <a:off x="0" y="0"/>
+          <a:ext cx="0" cy="0"/>
+          <a:chOff x="0" y="0"/>
+          <a:chExt cx="0" cy="0"/>
+        </a:xfrm>
+      </p:grpSpPr>
+      <p:sp>
+        <p:nvSpPr>
+          <p:cNvPr id="2" name="Título 1"/>
+          <p:cNvSpPr>
+            <a:spLocks noGrp="1"/>
+          </p:cNvSpPr>
+          <p:nvPr>
+            <p:ph type="title"/>
+          </p:nvPr>
+        </p:nvSpPr>
+        <p:spPr/>
+        <p:txBody>
+          <a:bodyPr/>
+          <a:lstStyle/>
+          <a:p>
+            <a:r>
               <a:rPr lang="pt-PT" dirty="0" smtClean="0"/>
-              <a:t>Monitorização de rede</a:t>
+              <a:t>Percursos … </a:t>
             </a:r>
             <a:endParaRPr lang="pt-PT" dirty="0"/>
           </a:p>
@@ -18725,200 +19272,18 @@
             <p:ph idx="1"/>
           </p:nvPr>
         </p:nvSpPr>
-        <p:spPr>
-          <a:xfrm>
-            <a:off x="457200" y="1484784"/>
-            <a:ext cx="8229600" cy="4608512"/>
-          </a:xfrm>
-        </p:spPr>
-        <p:txBody>
-          <a:bodyPr>
-            <a:normAutofit fontScale="85000" lnSpcReduction="20000"/>
-          </a:bodyPr>
-          <a:lstStyle/>
-          <a:p>
-            <a:r>
-              <a:rPr lang="pt-PT" dirty="0"/>
-              <a:t>Monitorização do processo alvo </a:t>
-            </a:r>
-            <a:endParaRPr lang="pt-PT" dirty="0" smtClean="0"/>
-          </a:p>
-          <a:p>
-            <a:pPr lvl="1"/>
-            <a:r>
-              <a:rPr lang="en-US" dirty="0" smtClean="0"/>
-              <a:t>M</a:t>
-            </a:r>
-            <a:r>
-              <a:rPr lang="pt-PT" dirty="0" err="1" smtClean="0"/>
-              <a:t>anter</a:t>
-            </a:r>
-            <a:r>
-              <a:rPr lang="pt-PT" dirty="0" smtClean="0"/>
-              <a:t> actualizado o estado relativamente às interacções por rede (portos/</a:t>
-            </a:r>
-            <a:r>
-              <a:rPr lang="pt-PT" i="1" dirty="0" err="1" smtClean="0"/>
-              <a:t>sockets</a:t>
-            </a:r>
-            <a:r>
-              <a:rPr lang="pt-PT" dirty="0" smtClean="0"/>
-              <a:t>)</a:t>
-            </a:r>
-          </a:p>
-          <a:p>
-            <a:pPr lvl="2">
-              <a:buNone/>
-            </a:pPr>
-            <a:endParaRPr lang="pt-PT" dirty="0" smtClean="0"/>
-          </a:p>
-          <a:p>
-            <a:r>
-              <a:rPr lang="pt-PT" dirty="0" smtClean="0"/>
-              <a:t>Abordagem 1</a:t>
-            </a:r>
-          </a:p>
-          <a:p>
-            <a:pPr lvl="1"/>
-            <a:r>
-              <a:rPr lang="pt-PT" dirty="0"/>
-              <a:t>Instrumentação das funções de rede (</a:t>
-            </a:r>
-            <a:r>
-              <a:rPr lang="pt-PT" dirty="0" err="1" smtClean="0"/>
-              <a:t>p.e</a:t>
-            </a:r>
-            <a:r>
-              <a:rPr lang="pt-PT" dirty="0" smtClean="0"/>
-              <a:t> na </a:t>
-            </a:r>
-            <a:r>
-              <a:rPr lang="pt-PT" dirty="0" err="1" smtClean="0"/>
-              <a:t>libC</a:t>
-            </a:r>
-            <a:r>
-              <a:rPr lang="pt-PT" dirty="0" smtClean="0"/>
-              <a:t>) e capturar os dados relevantes no processo alvo</a:t>
-            </a:r>
-          </a:p>
-          <a:p>
-            <a:r>
-              <a:rPr lang="pt-PT" dirty="0" smtClean="0"/>
-              <a:t>Abordagem 2</a:t>
-            </a:r>
-          </a:p>
-          <a:p>
-            <a:pPr lvl="1"/>
-            <a:r>
-              <a:rPr lang="pt-PT" dirty="0"/>
-              <a:t>Instrumentação das funções de </a:t>
-            </a:r>
-            <a:r>
-              <a:rPr lang="pt-PT" dirty="0" smtClean="0"/>
-              <a:t>rede (</a:t>
-            </a:r>
-            <a:r>
-              <a:rPr lang="pt-PT" dirty="0" err="1"/>
-              <a:t>p.e</a:t>
-            </a:r>
-            <a:r>
-              <a:rPr lang="pt-PT" dirty="0"/>
-              <a:t> na </a:t>
-            </a:r>
-            <a:r>
-              <a:rPr lang="pt-PT" dirty="0" err="1"/>
-              <a:t>libC</a:t>
-            </a:r>
-            <a:r>
-              <a:rPr lang="pt-PT" dirty="0" smtClean="0"/>
-              <a:t>); </a:t>
-            </a:r>
-            <a:r>
-              <a:rPr lang="pt-PT" dirty="0"/>
-              <a:t>utilização do suporte do </a:t>
-            </a:r>
-            <a:r>
-              <a:rPr lang="pt-PT" dirty="0" err="1"/>
-              <a:t>ptrace</a:t>
-            </a:r>
-            <a:r>
-              <a:rPr lang="pt-PT" dirty="0"/>
-              <a:t>; instrumentação no núcleo das chamadas de rede (</a:t>
-            </a:r>
-            <a:r>
-              <a:rPr lang="pt-PT" dirty="0" err="1"/>
-              <a:t>p.e</a:t>
-            </a:r>
-            <a:r>
-              <a:rPr lang="pt-PT" dirty="0"/>
-              <a:t>. </a:t>
-            </a:r>
-            <a:r>
-              <a:rPr lang="en-US" i="1" dirty="0" smtClean="0"/>
-              <a:t>K</a:t>
-            </a:r>
-            <a:r>
-              <a:rPr lang="pt-PT" i="1" dirty="0" err="1" smtClean="0"/>
-              <a:t>Probes</a:t>
-            </a:r>
-            <a:r>
-              <a:rPr lang="pt-PT" dirty="0" smtClean="0"/>
-              <a:t>)</a:t>
-            </a:r>
-            <a:endParaRPr lang="pt-PT" dirty="0"/>
-          </a:p>
-          <a:p>
-            <a:pPr lvl="1"/>
-            <a:r>
-              <a:rPr lang="pt-PT" dirty="0" smtClean="0"/>
-              <a:t>Capturar todo o tráfego via </a:t>
-            </a:r>
-            <a:r>
-              <a:rPr lang="pt-PT" dirty="0" err="1" smtClean="0"/>
-              <a:t>PCap</a:t>
-            </a:r>
-            <a:r>
-              <a:rPr lang="pt-PT" dirty="0" smtClean="0"/>
-              <a:t> e filtrar com base no estado do processo</a:t>
-            </a:r>
-          </a:p>
-          <a:p>
-            <a:pPr lvl="1"/>
-            <a:r>
-              <a:rPr lang="pt-PT" dirty="0" smtClean="0"/>
-              <a:t>Ou tentar manter actualizado </a:t>
-            </a:r>
-            <a:r>
-              <a:rPr lang="pt-PT" dirty="0"/>
-              <a:t>o </a:t>
-            </a:r>
-            <a:r>
-              <a:rPr lang="pt-PT" dirty="0" smtClean="0"/>
-              <a:t>filtro LSF </a:t>
-            </a:r>
-            <a:r>
-              <a:rPr lang="pt-PT" dirty="0"/>
-              <a:t>no núcleo via </a:t>
-            </a:r>
-            <a:r>
-              <a:rPr lang="pt-PT" dirty="0" smtClean="0"/>
-              <a:t>a </a:t>
-            </a:r>
-            <a:r>
-              <a:rPr lang="pt-PT" smtClean="0"/>
-              <a:t>biblioteca PCap</a:t>
-            </a:r>
-            <a:endParaRPr lang="pt-PT" dirty="0"/>
-          </a:p>
-          <a:p>
-            <a:pPr lvl="1"/>
-            <a:endParaRPr lang="pt-PT" dirty="0"/>
-          </a:p>
-        </p:txBody>
-      </p:sp>
-      <p:sp>
-        <p:nvSpPr>
-          <p:cNvPr id="5" name="Marcador de Posição do Número do Diapositivo 4"/>
+        <p:spPr/>
+        <p:txBody>
+          <a:bodyPr/>
+          <a:lstStyle/>
+          <a:p>
+            <a:endParaRPr lang="pt-PT"/>
+          </a:p>
+        </p:txBody>
+      </p:sp>
+      <p:sp>
+        <p:nvSpPr>
+          <p:cNvPr id="4" name="Marcador de Posição do Número do Diapositivo 3"/>
           <p:cNvSpPr>
             <a:spLocks noGrp="1"/>
           </p:cNvSpPr>
@@ -18934,7 +19299,7 @@
             <a:fld id="{AC560869-1695-4081-8E6F-05D0DB8947D3}" type="slidenum">
               <a:rPr lang="pt-PT" smtClean="0"/>
               <a:pPr/>
-              <a:t>31</a:t>
+              <a:t>32</a:t>
             </a:fld>
             <a:endParaRPr lang="pt-PT"/>
           </a:p>
@@ -18945,6 +19310,7 @@
   <p:clrMapOvr>
     <a:masterClrMapping/>
   </p:clrMapOvr>
+  <p:transition/>
   <p:timing>
     <p:tnLst>
       <p:par>
@@ -18996,7 +19362,11 @@
           <a:p>
             <a:r>
               <a:rPr lang="pt-PT" sz="2800" dirty="0" smtClean="0"/>
-              <a:t>Desafios da Monitorização de rede de um processo</a:t>
+              <a:t>Desafios da Monitorização de </a:t>
+            </a:r>
+            <a:r>
+              <a:rPr lang="pt-PT" sz="2800" dirty="0" smtClean="0"/>
+              <a:t>rede</a:t>
             </a:r>
             <a:endParaRPr lang="pt-PT" sz="2800" dirty="0"/>
           </a:p>
@@ -19032,30 +19402,43 @@
           <a:p>
             <a:r>
               <a:rPr lang="pt-PT" dirty="0" smtClean="0"/>
-              <a:t>Identificar e capturar apenas os fluxos de dados relevantes:</a:t>
-            </a:r>
+              <a:t>Relativos a um processo</a:t>
+            </a:r>
+            <a:endParaRPr lang="pt-PT" dirty="0" smtClean="0"/>
           </a:p>
           <a:p>
             <a:pPr lvl="1"/>
+            <a:r>
+              <a:rPr lang="pt-PT" dirty="0" smtClean="0"/>
+              <a:t>Identificar </a:t>
+            </a:r>
+            <a:r>
+              <a:rPr lang="pt-PT" dirty="0" smtClean="0"/>
+              <a:t>e capturar apenas os fluxos de dados relevantes:</a:t>
+            </a:r>
+          </a:p>
+          <a:p>
+            <a:pPr lvl="2"/>
             <a:r>
               <a:rPr lang="pt-PT" dirty="0" smtClean="0"/>
               <a:t>Dificuldades acrescidas quando existem muitas outras interacções irrelevantes em curso</a:t>
             </a:r>
           </a:p>
           <a:p>
-            <a:pPr lvl="1">
+            <a:pPr lvl="2">
               <a:buNone/>
             </a:pPr>
             <a:endParaRPr lang="pt-PT" dirty="0" smtClean="0"/>
           </a:p>
           <a:p>
+            <a:pPr lvl="1"/>
             <a:r>
               <a:rPr lang="pt-PT" dirty="0" smtClean="0"/>
               <a:t>Aplicações dinâmicas:</a:t>
             </a:r>
           </a:p>
           <a:p>
-            <a:pPr lvl="1"/>
+            <a:pPr lvl="2"/>
             <a:r>
               <a:rPr lang="pt-PT" dirty="0" smtClean="0"/>
               <a:t>Interacções variam durante a execução; </a:t>
@@ -19074,19 +19457,20 @@
             </a:r>
           </a:p>
           <a:p>
-            <a:pPr lvl="1">
+            <a:pPr lvl="2">
               <a:buNone/>
             </a:pPr>
             <a:endParaRPr lang="pt-PT" dirty="0" smtClean="0"/>
           </a:p>
           <a:p>
+            <a:pPr lvl="1"/>
             <a:r>
               <a:rPr lang="pt-PT" dirty="0" smtClean="0"/>
               <a:t>Sobrecarga do sistema quando se está a efectuar a monitorização:</a:t>
             </a:r>
           </a:p>
           <a:p>
-            <a:pPr lvl="1"/>
+            <a:pPr lvl="2"/>
             <a:r>
               <a:rPr lang="pt-PT" dirty="0" smtClean="0"/>
               <a:t>Principalmente com elevado tráfego ou um elevado número de interacções</a:t>
@@ -19163,18 +19547,29 @@
         </p:nvSpPr>
         <p:spPr>
           <a:xfrm>
-            <a:off x="457200" y="404664"/>
+            <a:off x="179512" y="404664"/>
             <a:ext cx="8229600" cy="1066800"/>
           </a:xfrm>
         </p:spPr>
         <p:txBody>
-          <a:bodyPr/>
-          <a:lstStyle/>
-          <a:p>
-            <a:r>
-              <a:rPr lang="pt-PT" dirty="0" smtClean="0"/>
-              <a:t>Abordagem seguida</a:t>
-            </a:r>
+          <a:bodyPr>
+            <a:normAutofit/>
+          </a:bodyPr>
+          <a:lstStyle/>
+          <a:p>
+            <a:r>
+              <a:rPr lang="pt-PT" sz="2800" dirty="0" smtClean="0"/>
+              <a:t>O </a:t>
+            </a:r>
+            <a:r>
+              <a:rPr lang="pt-PT" sz="2800" dirty="0" err="1" smtClean="0"/>
+              <a:t>pq</a:t>
+            </a:r>
+            <a:r>
+              <a:rPr lang="pt-PT" sz="2800" dirty="0" smtClean="0"/>
+              <a:t> dos desafios …</a:t>
+            </a:r>
+            <a:endParaRPr lang="pt-PT" sz="2800" dirty="0"/>
           </a:p>
         </p:txBody>
       </p:sp>
@@ -19190,75 +19585,20 @@
         </p:nvSpPr>
         <p:spPr>
           <a:xfrm>
-            <a:off x="179512" y="1624168"/>
-            <a:ext cx="8784976" cy="4325112"/>
-          </a:xfrm>
-        </p:spPr>
-        <p:txBody>
-          <a:bodyPr/>
-          <a:lstStyle/>
-          <a:p>
-            <a:r>
-              <a:rPr lang="pt-PT" dirty="0" smtClean="0"/>
-              <a:t>Monitorização </a:t>
-            </a:r>
-            <a:r>
-              <a:rPr lang="pt-PT" dirty="0" smtClean="0"/>
-              <a:t>do processo alvo no núcleo</a:t>
-            </a:r>
-          </a:p>
-          <a:p>
-            <a:pPr lvl="2"/>
-            <a:r>
-              <a:rPr lang="pt-PT" dirty="0" smtClean="0"/>
-              <a:t>Instrumentação das chamadas ao sistema através do </a:t>
-            </a:r>
-            <a:r>
-              <a:rPr lang="pt-PT" dirty="0" err="1" smtClean="0"/>
-              <a:t>KProbes</a:t>
-            </a:r>
+            <a:off x="179512" y="1484784"/>
+            <a:ext cx="8229600" cy="5112568"/>
+          </a:xfrm>
+        </p:spPr>
+        <p:txBody>
+          <a:bodyPr>
+            <a:normAutofit/>
+          </a:bodyPr>
+          <a:lstStyle/>
+          <a:p>
+            <a:pPr marL="411480" lvl="1" indent="0">
+              <a:buNone/>
+            </a:pPr>
             <a:endParaRPr lang="pt-PT" dirty="0" smtClean="0"/>
-          </a:p>
-          <a:p>
-            <a:pPr lvl="2"/>
-            <a:endParaRPr lang="pt-PT" dirty="0" smtClean="0"/>
-          </a:p>
-          <a:p>
-            <a:r>
-              <a:rPr lang="pt-PT" dirty="0" smtClean="0"/>
-              <a:t>Criar um novo filtro no núcleo com base no suporte da monitorização do processo</a:t>
-            </a:r>
-          </a:p>
-          <a:p>
-            <a:pPr lvl="2"/>
-            <a:r>
-              <a:rPr lang="pt-PT" dirty="0" smtClean="0"/>
-              <a:t>Este novo filtro é uma conjunção do filtro estático definido </a:t>
-            </a:r>
-            <a:r>
-              <a:rPr lang="pt-PT" dirty="0" smtClean="0"/>
-              <a:t>através da biblioteca </a:t>
-            </a:r>
-            <a:r>
-              <a:rPr lang="pt-PT" dirty="0" err="1" smtClean="0"/>
-              <a:t>PCap</a:t>
-            </a:r>
-            <a:r>
-              <a:rPr lang="pt-PT" dirty="0" smtClean="0"/>
-              <a:t> </a:t>
-            </a:r>
-            <a:r>
-              <a:rPr lang="pt-PT" dirty="0" smtClean="0"/>
-              <a:t>e a monitorização do processo </a:t>
-            </a:r>
-            <a:r>
-              <a:rPr lang="pt-PT" dirty="0" smtClean="0"/>
-              <a:t>alvo no </a:t>
-            </a:r>
-            <a:r>
-              <a:rPr lang="pt-PT" dirty="0" smtClean="0"/>
-              <a:t>núcleo</a:t>
-            </a:r>
           </a:p>
         </p:txBody>
       </p:sp>
@@ -19330,7 +19670,7 @@
         </p:nvSpPr>
         <p:spPr>
           <a:xfrm>
-            <a:off x="395536" y="404664"/>
+            <a:off x="457200" y="404664"/>
             <a:ext cx="8229600" cy="1066800"/>
           </a:xfrm>
         </p:spPr>
@@ -19340,17 +19680,8 @@
           <a:p>
             <a:r>
               <a:rPr lang="pt-PT" dirty="0" smtClean="0"/>
-              <a:t>Extensão do </a:t>
-            </a:r>
-            <a:r>
-              <a:rPr lang="pt-PT" dirty="0" smtClean="0"/>
-              <a:t>LSF/</a:t>
-            </a:r>
-            <a:r>
-              <a:rPr lang="pt-PT" dirty="0" err="1" smtClean="0"/>
-              <a:t>PCap</a:t>
-            </a:r>
-            <a:endParaRPr lang="pt-PT" dirty="0"/>
+              <a:t>Abordagem seguida</a:t>
+            </a:r>
           </a:p>
         </p:txBody>
       </p:sp>
@@ -19366,8 +19697,8 @@
         </p:nvSpPr>
         <p:spPr>
           <a:xfrm>
-            <a:off x="457200" y="1480152"/>
-            <a:ext cx="8229600" cy="4325112"/>
+            <a:off x="179512" y="1624168"/>
+            <a:ext cx="8784976" cy="4325112"/>
           </a:xfrm>
         </p:spPr>
         <p:txBody>
@@ -19375,97 +19706,52 @@
           <a:lstStyle/>
           <a:p>
             <a:r>
-              <a:rPr lang="en-US" smtClean="0"/>
-              <a:t>C</a:t>
-            </a:r>
-            <a:r>
-              <a:rPr lang="pt-PT" err="1" smtClean="0"/>
-              <a:t>aptura</a:t>
-            </a:r>
-            <a:r>
-              <a:rPr lang="pt-PT" smtClean="0"/>
-              <a:t> e filtragem por processo no núcleo</a:t>
-            </a:r>
-          </a:p>
-          <a:p>
-            <a:pPr lvl="1"/>
-            <a:r>
-              <a:rPr lang="pt-PT" smtClean="0"/>
-              <a:t>Desafios</a:t>
+              <a:rPr lang="pt-PT" dirty="0" smtClean="0"/>
+              <a:t>Monitorização do processo alvo no núcleo</a:t>
             </a:r>
           </a:p>
           <a:p>
             <a:pPr lvl="2"/>
             <a:r>
-              <a:rPr lang="pt-PT"/>
-              <a:t>M</a:t>
-            </a:r>
-            <a:r>
-              <a:rPr lang="pt-PT" smtClean="0"/>
-              <a:t>onitorização do processo no núcleo</a:t>
-            </a:r>
+              <a:rPr lang="pt-PT" dirty="0" smtClean="0"/>
+              <a:t>Instrumentação das chamadas ao sistema através do </a:t>
+            </a:r>
+            <a:r>
+              <a:rPr lang="pt-PT" dirty="0" err="1" smtClean="0"/>
+              <a:t>KProbes</a:t>
+            </a:r>
+            <a:endParaRPr lang="pt-PT" dirty="0" smtClean="0"/>
           </a:p>
           <a:p>
             <a:pPr lvl="2"/>
-            <a:r>
-              <a:rPr lang="en-US" smtClean="0"/>
-              <a:t>M</a:t>
-            </a:r>
-            <a:r>
-              <a:rPr lang="pt-PT" err="1" smtClean="0"/>
-              <a:t>anter</a:t>
-            </a:r>
-            <a:r>
-              <a:rPr lang="pt-PT" smtClean="0"/>
-              <a:t> em tempo real o estado do processo alvo</a:t>
+            <a:endParaRPr lang="pt-PT" dirty="0" smtClean="0"/>
+          </a:p>
+          <a:p>
+            <a:r>
+              <a:rPr lang="pt-PT" dirty="0" smtClean="0"/>
+              <a:t>Criar um novo filtro no núcleo com base no suporte da monitorização do processo</a:t>
             </a:r>
           </a:p>
           <a:p>
             <a:pPr lvl="2"/>
             <a:r>
-              <a:rPr lang="en-US" smtClean="0"/>
-              <a:t>C</a:t>
-            </a:r>
-            <a:r>
-              <a:rPr lang="pt-PT" err="1" smtClean="0"/>
-              <a:t>aptura</a:t>
-            </a:r>
-            <a:r>
-              <a:rPr lang="pt-PT" smtClean="0"/>
-              <a:t> no LSF com base no estado do processo</a:t>
-            </a:r>
-          </a:p>
-          <a:p>
-            <a:pPr lvl="2"/>
-            <a:r>
-              <a:rPr lang="pt-PT" smtClean="0"/>
-              <a:t>Manter compatibilidade com o sistema existente</a:t>
-            </a:r>
-          </a:p>
-          <a:p>
-            <a:pPr lvl="2"/>
-            <a:r>
-              <a:rPr lang="en-US" smtClean="0"/>
-              <a:t>M</a:t>
-            </a:r>
-            <a:r>
-              <a:rPr lang="pt-PT" err="1" smtClean="0"/>
-              <a:t>anter</a:t>
-            </a:r>
-            <a:r>
-              <a:rPr lang="pt-PT" smtClean="0"/>
-              <a:t> a perturbação/sobrecarga mínima, especialmente quando não utilizado</a:t>
-            </a:r>
-          </a:p>
-          <a:p>
-            <a:pPr lvl="2"/>
-            <a:endParaRPr lang="pt-PT"/>
-          </a:p>
-        </p:txBody>
-      </p:sp>
-      <p:sp>
-        <p:nvSpPr>
-          <p:cNvPr id="4" name="Marcador de Posição do Número do Diapositivo 3"/>
+              <a:rPr lang="pt-PT" dirty="0" smtClean="0"/>
+              <a:t>Este novo filtro é uma conjunção do filtro estático definido através da biblioteca </a:t>
+            </a:r>
+            <a:r>
+              <a:rPr lang="pt-PT" dirty="0" err="1" smtClean="0"/>
+              <a:t>PCap</a:t>
+            </a:r>
+            <a:r>
+              <a:rPr lang="pt-PT" dirty="0" smtClean="0"/>
+              <a:t> e a monitorização do processo alvo no núcleo</a:t>
+            </a:r>
+          </a:p>
+        </p:txBody>
+      </p:sp>
+      <p:sp>
+        <p:nvSpPr>
+          <p:cNvPr id="5" name="Marcador de Posição do Número do Diapositivo 4"/>
           <p:cNvSpPr>
             <a:spLocks noGrp="1"/>
           </p:cNvSpPr>
@@ -19531,7 +19817,7 @@
         </p:nvSpPr>
         <p:spPr>
           <a:xfrm>
-            <a:off x="457200" y="404664"/>
+            <a:off x="395536" y="404664"/>
             <a:ext cx="8229600" cy="1066800"/>
           </a:xfrm>
         </p:spPr>
@@ -19540,10 +19826,14 @@
           <a:lstStyle/>
           <a:p>
             <a:r>
-              <a:rPr lang="pt-PT" smtClean="0"/>
-              <a:t>Arquitectura da solução</a:t>
-            </a:r>
-            <a:endParaRPr lang="pt-PT"/>
+              <a:rPr lang="pt-PT" dirty="0" smtClean="0"/>
+              <a:t>Extensão do LSF/</a:t>
+            </a:r>
+            <a:r>
+              <a:rPr lang="pt-PT" dirty="0" err="1" smtClean="0"/>
+              <a:t>PCap</a:t>
+            </a:r>
+            <a:endParaRPr lang="pt-PT" dirty="0"/>
           </a:p>
         </p:txBody>
       </p:sp>
@@ -19559,8 +19849,8 @@
         </p:nvSpPr>
         <p:spPr>
           <a:xfrm>
-            <a:off x="457200" y="1556792"/>
-            <a:ext cx="8229600" cy="4325112"/>
+            <a:off x="457200" y="1480152"/>
+            <a:ext cx="8229600" cy="5117200"/>
           </a:xfrm>
         </p:spPr>
         <p:txBody>
@@ -19568,78 +19858,95 @@
           <a:lstStyle/>
           <a:p>
             <a:r>
-              <a:rPr lang="pt-PT" smtClean="0"/>
-              <a:t>Dividido em 4 componentes</a:t>
-            </a:r>
-          </a:p>
-          <a:p>
-            <a:endParaRPr lang="pt-PT" smtClean="0"/>
-          </a:p>
-          <a:p>
-            <a:pPr lvl="1">
-              <a:buFont typeface="Arial" pitchFamily="34" charset="0"/>
-              <a:buChar char="•"/>
-            </a:pPr>
-            <a:r>
-              <a:rPr lang="pt-PT" smtClean="0"/>
-              <a:t> Instrumentação de chamadas ao sistema</a:t>
-            </a:r>
+              <a:rPr lang="en-US" dirty="0" smtClean="0"/>
+              <a:t>C</a:t>
+            </a:r>
+            <a:r>
+              <a:rPr lang="pt-PT" dirty="0" err="1" smtClean="0"/>
+              <a:t>aptura</a:t>
+            </a:r>
+            <a:r>
+              <a:rPr lang="pt-PT" dirty="0" smtClean="0"/>
+              <a:t> e filtragem por processo no </a:t>
+            </a:r>
+            <a:r>
+              <a:rPr lang="pt-PT" dirty="0" smtClean="0"/>
+              <a:t>núcleo</a:t>
+            </a:r>
+            <a:endParaRPr lang="pt-PT" dirty="0" smtClean="0"/>
           </a:p>
           <a:p>
             <a:pPr lvl="1"/>
-            <a:endParaRPr lang="pt-PT" smtClean="0"/>
-          </a:p>
-          <a:p>
-            <a:pPr lvl="1">
-              <a:buFont typeface="Arial" charset="0"/>
-              <a:buChar char="•"/>
-            </a:pPr>
-            <a:r>
-              <a:rPr lang="pt-PT" smtClean="0"/>
-              <a:t> Estado dos portos/</a:t>
-            </a:r>
-            <a:r>
-              <a:rPr lang="pt-PT" err="1" smtClean="0"/>
-              <a:t>sockets</a:t>
-            </a:r>
-            <a:endParaRPr lang="pt-PT" smtClean="0"/>
+            <a:r>
+              <a:rPr lang="pt-PT" dirty="0" smtClean="0"/>
+              <a:t>Monitorização </a:t>
+            </a:r>
+            <a:r>
+              <a:rPr lang="pt-PT" dirty="0" smtClean="0"/>
+              <a:t>do processo no núcleo</a:t>
+            </a:r>
           </a:p>
           <a:p>
             <a:pPr lvl="1"/>
-            <a:endParaRPr lang="pt-PT" smtClean="0"/>
-          </a:p>
-          <a:p>
-            <a:pPr lvl="1">
-              <a:buFont typeface="Arial" charset="0"/>
-              <a:buChar char="•"/>
-            </a:pPr>
-            <a:r>
-              <a:rPr lang="pt-PT" smtClean="0"/>
-              <a:t> Filtro de pacotes do LSF</a:t>
+            <a:r>
+              <a:rPr lang="en-US" dirty="0" smtClean="0"/>
+              <a:t>M</a:t>
+            </a:r>
+            <a:r>
+              <a:rPr lang="pt-PT" dirty="0" err="1" smtClean="0"/>
+              <a:t>anter</a:t>
+            </a:r>
+            <a:r>
+              <a:rPr lang="pt-PT" dirty="0" smtClean="0"/>
+              <a:t> em tempo real o estado do processo alvo</a:t>
             </a:r>
           </a:p>
           <a:p>
             <a:pPr lvl="1"/>
-            <a:endParaRPr lang="pt-PT" smtClean="0"/>
-          </a:p>
-          <a:p>
-            <a:pPr lvl="1">
-              <a:buFont typeface="Arial" charset="0"/>
-              <a:buChar char="•"/>
-            </a:pPr>
-            <a:r>
-              <a:rPr lang="pt-PT" smtClean="0"/>
-              <a:t> Controlo / API</a:t>
-            </a:r>
-          </a:p>
-          <a:p>
-            <a:endParaRPr lang="pt-PT"/>
-          </a:p>
-        </p:txBody>
-      </p:sp>
-      <p:sp>
-        <p:nvSpPr>
-          <p:cNvPr id="5" name="Marcador de Posição do Número do Diapositivo 4"/>
+            <a:r>
+              <a:rPr lang="en-US" dirty="0" smtClean="0"/>
+              <a:t>C</a:t>
+            </a:r>
+            <a:r>
+              <a:rPr lang="pt-PT" dirty="0" err="1" smtClean="0"/>
+              <a:t>aptura</a:t>
+            </a:r>
+            <a:r>
+              <a:rPr lang="pt-PT" dirty="0" smtClean="0"/>
+              <a:t> no LSF com base no estado do processo</a:t>
+            </a:r>
+          </a:p>
+          <a:p>
+            <a:pPr lvl="1"/>
+            <a:r>
+              <a:rPr lang="pt-PT" dirty="0" smtClean="0"/>
+              <a:t>Manter compatibilidade com o sistema existente</a:t>
+            </a:r>
+          </a:p>
+          <a:p>
+            <a:pPr lvl="1"/>
+            <a:r>
+              <a:rPr lang="en-US" dirty="0" smtClean="0"/>
+              <a:t>M</a:t>
+            </a:r>
+            <a:r>
+              <a:rPr lang="pt-PT" dirty="0" err="1" smtClean="0"/>
+              <a:t>anter</a:t>
+            </a:r>
+            <a:r>
+              <a:rPr lang="pt-PT" dirty="0" smtClean="0"/>
+              <a:t> a perturbação/sobrecarga mínima, especialmente quando não utilizado</a:t>
+            </a:r>
+          </a:p>
+          <a:p>
+            <a:pPr lvl="2"/>
+            <a:endParaRPr lang="pt-PT" dirty="0"/>
+          </a:p>
+        </p:txBody>
+      </p:sp>
+      <p:sp>
+        <p:nvSpPr>
+          <p:cNvPr id="4" name="Marcador de Posição do Número do Diapositivo 3"/>
           <p:cNvSpPr>
             <a:spLocks noGrp="1"/>
           </p:cNvSpPr>
@@ -19677,7 +19984,7 @@
 </file>
 
 <file path=ppt/slides/slide8.xml><?xml version="1.0" encoding="utf-8"?>
-<p:sld xmlns:a="http://schemas.openxmlformats.org/drawingml/2006/main" xmlns:r="http://schemas.openxmlformats.org/officeDocument/2006/relationships" xmlns:p="http://schemas.openxmlformats.org/presentationml/2006/main" show="0">
+<p:sld xmlns:a="http://schemas.openxmlformats.org/drawingml/2006/main" xmlns:r="http://schemas.openxmlformats.org/officeDocument/2006/relationships" xmlns:p="http://schemas.openxmlformats.org/presentationml/2006/main">
   <p:cSld>
     <p:spTree>
       <p:nvGrpSpPr>
@@ -19705,7 +20012,7 @@
         </p:nvSpPr>
         <p:spPr>
           <a:xfrm>
-            <a:off x="467544" y="476672"/>
+            <a:off x="457200" y="404664"/>
             <a:ext cx="8229600" cy="1066800"/>
           </a:xfrm>
         </p:spPr>
@@ -19715,7 +20022,7 @@
           <a:p>
             <a:r>
               <a:rPr lang="pt-PT" smtClean="0"/>
-              <a:t>Arquitectura da solução (II)</a:t>
+              <a:t>Arquitectura da solução</a:t>
             </a:r>
             <a:endParaRPr lang="pt-PT"/>
           </a:p>
@@ -19723,7 +20030,105 @@
       </p:sp>
       <p:sp>
         <p:nvSpPr>
-          <p:cNvPr id="4" name="Marcador de Posição do Número do Diapositivo 3"/>
+          <p:cNvPr id="3" name="Marcador de Posição de Conteúdo 2"/>
+          <p:cNvSpPr>
+            <a:spLocks noGrp="1"/>
+          </p:cNvSpPr>
+          <p:nvPr>
+            <p:ph idx="1"/>
+          </p:nvPr>
+        </p:nvSpPr>
+        <p:spPr>
+          <a:xfrm>
+            <a:off x="457200" y="1556792"/>
+            <a:ext cx="8229600" cy="4325112"/>
+          </a:xfrm>
+        </p:spPr>
+        <p:txBody>
+          <a:bodyPr/>
+          <a:lstStyle/>
+          <a:p>
+            <a:r>
+              <a:rPr lang="pt-PT" dirty="0" smtClean="0"/>
+              <a:t>Dividido em 4 componentes</a:t>
+            </a:r>
+          </a:p>
+          <a:p>
+            <a:endParaRPr lang="pt-PT" dirty="0" smtClean="0"/>
+          </a:p>
+          <a:p>
+            <a:pPr lvl="1">
+              <a:buFont typeface="Arial" pitchFamily="34" charset="0"/>
+              <a:buChar char="•"/>
+            </a:pPr>
+            <a:r>
+              <a:rPr lang="pt-PT" dirty="0" smtClean="0"/>
+              <a:t> Instrumentação de chamadas ao sistema</a:t>
+            </a:r>
+          </a:p>
+          <a:p>
+            <a:pPr lvl="1"/>
+            <a:endParaRPr lang="pt-PT" dirty="0" smtClean="0"/>
+          </a:p>
+          <a:p>
+            <a:pPr lvl="1">
+              <a:buFont typeface="Arial" charset="0"/>
+              <a:buChar char="•"/>
+            </a:pPr>
+            <a:r>
+              <a:rPr lang="pt-PT" dirty="0" smtClean="0"/>
+              <a:t> Estado dos portos/</a:t>
+            </a:r>
+            <a:r>
+              <a:rPr lang="pt-PT" dirty="0" err="1" smtClean="0"/>
+              <a:t>sockets</a:t>
+            </a:r>
+            <a:endParaRPr lang="pt-PT" dirty="0" smtClean="0"/>
+          </a:p>
+          <a:p>
+            <a:pPr lvl="1"/>
+            <a:endParaRPr lang="pt-PT" dirty="0" smtClean="0"/>
+          </a:p>
+          <a:p>
+            <a:pPr lvl="1">
+              <a:buFont typeface="Arial" charset="0"/>
+              <a:buChar char="•"/>
+            </a:pPr>
+            <a:r>
+              <a:rPr lang="pt-PT" dirty="0" smtClean="0"/>
+              <a:t> </a:t>
+            </a:r>
+            <a:r>
+              <a:rPr lang="pt-PT" dirty="0" smtClean="0"/>
+              <a:t>Extensão ao filtro </a:t>
+            </a:r>
+            <a:r>
+              <a:rPr lang="pt-PT" dirty="0" smtClean="0"/>
+              <a:t>de pacotes do LSF</a:t>
+            </a:r>
+          </a:p>
+          <a:p>
+            <a:pPr lvl="1"/>
+            <a:endParaRPr lang="pt-PT" dirty="0" smtClean="0"/>
+          </a:p>
+          <a:p>
+            <a:pPr lvl="1">
+              <a:buFont typeface="Arial" charset="0"/>
+              <a:buChar char="•"/>
+            </a:pPr>
+            <a:r>
+              <a:rPr lang="pt-PT" dirty="0" smtClean="0"/>
+              <a:t> Controlo / API</a:t>
+            </a:r>
+          </a:p>
+          <a:p>
+            <a:endParaRPr lang="pt-PT" dirty="0"/>
+          </a:p>
+        </p:txBody>
+      </p:sp>
+      <p:sp>
+        <p:nvSpPr>
+          <p:cNvPr id="5" name="Marcador de Posição do Número do Diapositivo 4"/>
           <p:cNvSpPr>
             <a:spLocks noGrp="1"/>
           </p:cNvSpPr>
@@ -19745,36 +20150,11 @@
           </a:p>
         </p:txBody>
       </p:sp>
-      <p:pic>
-        <p:nvPicPr>
-          <p:cNvPr id="6" name="Marcador de Posição de Conteúdo 5" descr="bitmap.png"/>
-          <p:cNvPicPr>
-            <a:picLocks noChangeAspect="1"/>
-          </p:cNvPicPr>
-          <p:nvPr/>
-        </p:nvPicPr>
-        <p:blipFill>
-          <a:blip r:embed="rId2" cstate="print"/>
-          <a:stretch>
-            <a:fillRect/>
-          </a:stretch>
-        </p:blipFill>
-        <p:spPr>
-          <a:xfrm>
-            <a:off x="1299179" y="1412776"/>
-            <a:ext cx="6259349" cy="5040560"/>
-          </a:xfrm>
-          <a:prstGeom prst="rect">
-            <a:avLst/>
-          </a:prstGeom>
-        </p:spPr>
-      </p:pic>
     </p:spTree>
   </p:cSld>
   <p:clrMapOvr>
     <a:masterClrMapping/>
   </p:clrMapOvr>
-  <p:transition/>
   <p:timing>
     <p:tnLst>
       <p:par>

--- a/doc/apresentacao_dissertacao.pptx
+++ b/doc/apresentacao_dissertacao.pptx
@@ -213,7 +213,7 @@
                   <c:v>89.797500000000127</c:v>
                 </c:pt>
                 <c:pt idx="4">
-                  <c:v>182.15730000000036</c:v>
+                  <c:v>182.15730000000039</c:v>
                 </c:pt>
                 <c:pt idx="5">
                   <c:v>179.49300000000002</c:v>
@@ -281,7 +281,7 @@
                   <c:v>89.800699999999992</c:v>
                 </c:pt>
                 <c:pt idx="4">
-                  <c:v>188.71559999999954</c:v>
+                  <c:v>188.71559999999951</c:v>
                 </c:pt>
                 <c:pt idx="5">
                   <c:v>179.62800000000001</c:v>
@@ -343,7 +343,7 @@
                   <c:v>91.667400000000001</c:v>
                 </c:pt>
                 <c:pt idx="2">
-                  <c:v>91.267200000000244</c:v>
+                  <c:v>91.267200000000258</c:v>
                 </c:pt>
                 <c:pt idx="3">
                   <c:v>89.846400000000003</c:v>
@@ -358,11 +358,11 @@
             </c:numRef>
           </c:val>
         </c:ser>
-        <c:axId val="47986176"/>
-        <c:axId val="47988096"/>
+        <c:axId val="69813376"/>
+        <c:axId val="69815296"/>
       </c:barChart>
       <c:catAx>
-        <c:axId val="47986176"/>
+        <c:axId val="69813376"/>
         <c:scaling>
           <c:orientation val="minMax"/>
         </c:scaling>
@@ -387,21 +387,21 @@
             <c:manualLayout>
               <c:xMode val="edge"/>
               <c:yMode val="edge"/>
-              <c:x val="0.44432432805295013"/>
+              <c:x val="0.4443243280529503"/>
               <c:y val="0.88981208334873663"/>
             </c:manualLayout>
           </c:layout>
         </c:title>
         <c:numFmt formatCode="General" sourceLinked="1"/>
         <c:tickLblPos val="nextTo"/>
-        <c:crossAx val="47988096"/>
+        <c:crossAx val="69815296"/>
         <c:crosses val="autoZero"/>
         <c:auto val="1"/>
         <c:lblAlgn val="ctr"/>
         <c:lblOffset val="100"/>
       </c:catAx>
       <c:valAx>
-        <c:axId val="47988096"/>
+        <c:axId val="69815296"/>
         <c:scaling>
           <c:orientation val="minMax"/>
         </c:scaling>
@@ -428,13 +428,13 @@
               <c:xMode val="edge"/>
               <c:yMode val="edge"/>
               <c:x val="1.4212132813227503E-2"/>
-              <c:y val="0.33453895727822863"/>
+              <c:y val="0.33453895727822874"/>
             </c:manualLayout>
           </c:layout>
         </c:title>
         <c:numFmt formatCode="0.0" sourceLinked="0"/>
         <c:tickLblPos val="nextTo"/>
-        <c:crossAx val="47986176"/>
+        <c:crossAx val="69813376"/>
         <c:crosses val="autoZero"/>
         <c:crossBetween val="between"/>
       </c:valAx>
@@ -494,7 +494,7 @@
                 <c:formatCode>0.0000</c:formatCode>
                 <c:ptCount val="2"/>
                 <c:pt idx="0">
-                  <c:v>182.15730000000036</c:v>
+                  <c:v>182.15730000000039</c:v>
                 </c:pt>
                 <c:pt idx="1">
                   <c:v>179.49300000000002</c:v>
@@ -538,7 +538,7 @@
                 <c:formatCode>General</c:formatCode>
                 <c:ptCount val="2"/>
                 <c:pt idx="0">
-                  <c:v>188.71559999999954</c:v>
+                  <c:v>188.71559999999951</c:v>
                 </c:pt>
                 <c:pt idx="1">
                   <c:v>179.62800000000001</c:v>
@@ -591,11 +591,11 @@
             </c:numRef>
           </c:val>
         </c:ser>
-        <c:axId val="49386240"/>
-        <c:axId val="49388160"/>
+        <c:axId val="72520448"/>
+        <c:axId val="72522368"/>
       </c:barChart>
       <c:catAx>
-        <c:axId val="49386240"/>
+        <c:axId val="72520448"/>
         <c:scaling>
           <c:orientation val="minMax"/>
         </c:scaling>
@@ -620,14 +620,14 @@
         </c:title>
         <c:numFmt formatCode="General" sourceLinked="1"/>
         <c:tickLblPos val="nextTo"/>
-        <c:crossAx val="49388160"/>
+        <c:crossAx val="72522368"/>
         <c:crosses val="autoZero"/>
         <c:auto val="1"/>
         <c:lblAlgn val="ctr"/>
         <c:lblOffset val="100"/>
       </c:catAx>
       <c:valAx>
-        <c:axId val="49388160"/>
+        <c:axId val="72522368"/>
         <c:scaling>
           <c:orientation val="minMax"/>
         </c:scaling>
@@ -658,7 +658,7 @@
         </c:title>
         <c:numFmt formatCode="0.0" sourceLinked="0"/>
         <c:tickLblPos val="nextTo"/>
-        <c:crossAx val="49386240"/>
+        <c:crossAx val="72520448"/>
         <c:crosses val="autoZero"/>
         <c:crossBetween val="between"/>
       </c:valAx>
@@ -739,7 +739,7 @@
                   <c:v>0.13730000000000001</c:v>
                 </c:pt>
                 <c:pt idx="3">
-                  <c:v>3.6000000000000068E-3</c:v>
+                  <c:v>3.6000000000000077E-3</c:v>
                 </c:pt>
                 <c:pt idx="4">
                   <c:v>3.6003000000000012</c:v>
@@ -819,11 +819,11 @@
             </c:numRef>
           </c:val>
         </c:ser>
-        <c:axId val="49409408"/>
-        <c:axId val="48375296"/>
+        <c:axId val="72424832"/>
+        <c:axId val="72435200"/>
       </c:barChart>
       <c:catAx>
-        <c:axId val="49409408"/>
+        <c:axId val="72424832"/>
         <c:scaling>
           <c:orientation val="minMax"/>
         </c:scaling>
@@ -848,14 +848,14 @@
         </c:title>
         <c:numFmt formatCode="General" sourceLinked="1"/>
         <c:tickLblPos val="nextTo"/>
-        <c:crossAx val="48375296"/>
+        <c:crossAx val="72435200"/>
         <c:crosses val="autoZero"/>
         <c:auto val="1"/>
         <c:lblAlgn val="ctr"/>
         <c:lblOffset val="100"/>
       </c:catAx>
       <c:valAx>
-        <c:axId val="48375296"/>
+        <c:axId val="72435200"/>
         <c:scaling>
           <c:orientation val="minMax"/>
         </c:scaling>
@@ -882,14 +882,14 @@
             <c:manualLayout>
               <c:xMode val="edge"/>
               <c:yMode val="edge"/>
-              <c:x val="0.31962265575324111"/>
-              <c:y val="3.2139286111066659E-4"/>
+              <c:x val="0.31962265575324122"/>
+              <c:y val="3.2139286111066665E-4"/>
             </c:manualLayout>
           </c:layout>
         </c:title>
         <c:numFmt formatCode="0.00" sourceLinked="0"/>
         <c:tickLblPos val="nextTo"/>
-        <c:crossAx val="49409408"/>
+        <c:crossAx val="72424832"/>
         <c:crosses val="autoZero"/>
         <c:crossBetween val="between"/>
       </c:valAx>
@@ -998,11 +998,11 @@
             </c:numRef>
           </c:val>
         </c:ser>
-        <c:axId val="48391680"/>
-        <c:axId val="48393600"/>
+        <c:axId val="72451584"/>
+        <c:axId val="72453504"/>
       </c:barChart>
       <c:catAx>
-        <c:axId val="48391680"/>
+        <c:axId val="72451584"/>
         <c:scaling>
           <c:orientation val="minMax"/>
         </c:scaling>
@@ -1027,14 +1027,14 @@
         </c:title>
         <c:numFmt formatCode="General" sourceLinked="1"/>
         <c:tickLblPos val="nextTo"/>
-        <c:crossAx val="48393600"/>
+        <c:crossAx val="72453504"/>
         <c:crosses val="autoZero"/>
         <c:auto val="1"/>
         <c:lblAlgn val="ctr"/>
         <c:lblOffset val="100"/>
       </c:catAx>
       <c:valAx>
-        <c:axId val="48393600"/>
+        <c:axId val="72453504"/>
         <c:scaling>
           <c:orientation val="minMax"/>
         </c:scaling>
@@ -1042,7 +1042,7 @@
         <c:majorGridlines/>
         <c:numFmt formatCode="0.00" sourceLinked="0"/>
         <c:tickLblPos val="nextTo"/>
-        <c:crossAx val="48391680"/>
+        <c:crossAx val="72451584"/>
         <c:crosses val="autoZero"/>
         <c:crossBetween val="between"/>
       </c:valAx>
@@ -1141,7 +1141,7 @@
             <a:fld id="{FBBBECB9-2F83-4596-B504-AC1E375931CE}" type="datetimeFigureOut">
               <a:rPr lang="pt-PT" smtClean="0"/>
               <a:pPr/>
-              <a:t>12-12-2011</a:t>
+              <a:t>13-12-2011</a:t>
             </a:fld>
             <a:endParaRPr lang="pt-PT"/>
           </a:p>
@@ -1217,7 +1217,7 @@
     </p:spTree>
     <p:extLst>
       <p:ext uri="{BB962C8B-B14F-4D97-AF65-F5344CB8AC3E}">
-        <p14:creationId xmlns:p14="http://schemas.microsoft.com/office/powerpoint/2010/main" xmlns="" val="3502731545"/>
+        <p14:creationId xmlns="" xmlns:p14="http://schemas.microsoft.com/office/powerpoint/2010/main" val="3502731545"/>
       </p:ext>
     </p:extLst>
   </p:cSld>
@@ -1308,7 +1308,7 @@
             <a:fld id="{9B5C831C-B110-4E4E-9FCE-53887ECEDBF7}" type="datetimeFigureOut">
               <a:rPr lang="pt-PT" smtClean="0"/>
               <a:pPr/>
-              <a:t>12-12-2011</a:t>
+              <a:t>13-12-2011</a:t>
             </a:fld>
             <a:endParaRPr lang="pt-PT"/>
           </a:p>
@@ -1479,7 +1479,7 @@
     </p:spTree>
     <p:extLst>
       <p:ext uri="{BB962C8B-B14F-4D97-AF65-F5344CB8AC3E}">
-        <p14:creationId xmlns:p14="http://schemas.microsoft.com/office/powerpoint/2010/main" xmlns="" val="1191317535"/>
+        <p14:creationId xmlns="" xmlns:p14="http://schemas.microsoft.com/office/powerpoint/2010/main" val="1191317535"/>
       </p:ext>
     </p:extLst>
   </p:cSld>
@@ -2522,7 +2522,7 @@
     </p:spTree>
     <p:extLst>
       <p:ext uri="{BB962C8B-B14F-4D97-AF65-F5344CB8AC3E}">
-        <p14:creationId xmlns:p14="http://schemas.microsoft.com/office/powerpoint/2010/main" xmlns="" val="3724839547"/>
+        <p14:creationId xmlns="" xmlns:p14="http://schemas.microsoft.com/office/powerpoint/2010/main" val="3724839547"/>
       </p:ext>
     </p:extLst>
   </p:cSld>
@@ -2890,7 +2890,7 @@
     </p:spTree>
     <p:extLst>
       <p:ext uri="{BB962C8B-B14F-4D97-AF65-F5344CB8AC3E}">
-        <p14:creationId xmlns:p14="http://schemas.microsoft.com/office/powerpoint/2010/main" xmlns="" val="1742877947"/>
+        <p14:creationId xmlns="" xmlns:p14="http://schemas.microsoft.com/office/powerpoint/2010/main" val="1742877947"/>
       </p:ext>
     </p:extLst>
   </p:cSld>
@@ -3559,7 +3559,7 @@
             <a:fld id="{FDFE200E-5E3D-443A-8128-360E1B4273B3}" type="datetime1">
               <a:rPr lang="pt-PT" smtClean="0"/>
               <a:pPr/>
-              <a:t>12-12-2011</a:t>
+              <a:t>13-12-2011</a:t>
             </a:fld>
             <a:endParaRPr lang="pt-PT"/>
           </a:p>
@@ -3744,7 +3744,7 @@
             <a:fld id="{6B744452-25FF-450D-AA53-60C22631FF3B}" type="datetime1">
               <a:rPr lang="pt-PT" smtClean="0"/>
               <a:pPr/>
-              <a:t>12-12-2011</a:t>
+              <a:t>13-12-2011</a:t>
             </a:fld>
             <a:endParaRPr lang="pt-PT"/>
           </a:p>
@@ -3921,7 +3921,7 @@
             <a:fld id="{CA44A751-DD81-434F-8D0D-A0F6502EF70B}" type="datetime1">
               <a:rPr lang="pt-PT" smtClean="0"/>
               <a:pPr/>
-              <a:t>12-12-2011</a:t>
+              <a:t>13-12-2011</a:t>
             </a:fld>
             <a:endParaRPr lang="pt-PT"/>
           </a:p>
@@ -4088,7 +4088,7 @@
             <a:fld id="{5A4DB91E-7B8A-423A-8B0D-BD0D4BF78285}" type="datetime1">
               <a:rPr lang="pt-PT" smtClean="0"/>
               <a:pPr/>
-              <a:t>12-12-2011</a:t>
+              <a:t>13-12-2011</a:t>
             </a:fld>
             <a:endParaRPr lang="pt-PT"/>
           </a:p>
@@ -4311,7 +4311,7 @@
             <a:fld id="{21D41D93-4982-484C-9E6B-1DEB63B99297}" type="datetime1">
               <a:rPr lang="pt-PT" smtClean="0"/>
               <a:pPr/>
-              <a:t>12-12-2011</a:t>
+              <a:t>13-12-2011</a:t>
             </a:fld>
             <a:endParaRPr lang="pt-PT"/>
           </a:p>
@@ -4572,7 +4572,7 @@
             <a:fld id="{2B4C7B7F-9F7E-49D4-BF2C-D3DB5C15DED7}" type="datetime1">
               <a:rPr lang="pt-PT" smtClean="0"/>
               <a:pPr/>
-              <a:t>12-12-2011</a:t>
+              <a:t>13-12-2011</a:t>
             </a:fld>
             <a:endParaRPr lang="pt-PT"/>
           </a:p>
@@ -4978,7 +4978,7 @@
             <a:fld id="{DB921401-0971-4316-89C1-ACF96804946B}" type="datetime1">
               <a:rPr lang="pt-PT" smtClean="0"/>
               <a:pPr/>
-              <a:t>12-12-2011</a:t>
+              <a:t>13-12-2011</a:t>
             </a:fld>
             <a:endParaRPr lang="pt-PT"/>
           </a:p>
@@ -5111,7 +5111,7 @@
             <a:fld id="{F9DC5304-7A0A-4DD1-BC1C-FB42FDF4A8F5}" type="datetime1">
               <a:rPr lang="pt-PT" smtClean="0"/>
               <a:pPr/>
-              <a:t>12-12-2011</a:t>
+              <a:t>13-12-2011</a:t>
             </a:fld>
             <a:endParaRPr lang="pt-PT"/>
           </a:p>
@@ -5213,7 +5213,7 @@
             <a:fld id="{FFB4E187-9955-4630-9912-A621610C6847}" type="datetime1">
               <a:rPr lang="pt-PT" smtClean="0"/>
               <a:pPr/>
-              <a:t>12-12-2011</a:t>
+              <a:t>13-12-2011</a:t>
             </a:fld>
             <a:endParaRPr lang="pt-PT"/>
           </a:p>
@@ -5460,7 +5460,7 @@
             <a:fld id="{711EFB78-06C4-4DE7-8651-27AE14E9AE98}" type="datetime1">
               <a:rPr lang="pt-PT" smtClean="0"/>
               <a:pPr/>
-              <a:t>12-12-2011</a:t>
+              <a:t>13-12-2011</a:t>
             </a:fld>
             <a:endParaRPr lang="pt-PT"/>
           </a:p>
@@ -5706,7 +5706,7 @@
             <a:fld id="{8167AFAD-5534-41E9-968F-3B3BFA0947EA}" type="datetime1">
               <a:rPr lang="pt-PT" smtClean="0"/>
               <a:pPr/>
-              <a:t>12-12-2011</a:t>
+              <a:t>13-12-2011</a:t>
             </a:fld>
             <a:endParaRPr lang="pt-PT"/>
           </a:p>
@@ -6532,7 +6532,7 @@
             <a:fld id="{D1ADC3CB-1463-41E0-9C03-F76948C3E5C0}" type="datetime1">
               <a:rPr lang="pt-PT" smtClean="0"/>
               <a:pPr/>
-              <a:t>12-12-2011</a:t>
+              <a:t>13-12-2011</a:t>
             </a:fld>
             <a:endParaRPr lang="pt-PT"/>
           </a:p>
@@ -12635,8 +12635,8 @@
         </p:nvSpPr>
         <p:spPr>
           <a:xfrm>
-            <a:off x="457200" y="1124744"/>
-            <a:ext cx="8229600" cy="5472608"/>
+            <a:off x="457200" y="1412776"/>
+            <a:ext cx="8229600" cy="5184576"/>
           </a:xfrm>
         </p:spPr>
         <p:txBody>
@@ -12647,8 +12647,13 @@
           <a:p>
             <a:r>
               <a:rPr lang="pt-PT" dirty="0" smtClean="0"/>
-              <a:t>Avaliação funcional</a:t>
-            </a:r>
+              <a:t>Avaliação </a:t>
+            </a:r>
+            <a:r>
+              <a:rPr lang="pt-PT" dirty="0" smtClean="0"/>
+              <a:t>funcional</a:t>
+            </a:r>
+            <a:endParaRPr lang="pt-PT" dirty="0" smtClean="0"/>
           </a:p>
           <a:p>
             <a:pPr lvl="1"/>
@@ -12676,8 +12681,18 @@
             <a:pPr lvl="2"/>
             <a:r>
               <a:rPr lang="pt-PT" dirty="0" smtClean="0"/>
-              <a:t>Programas de teste</a:t>
-            </a:r>
+              <a:t>Programas de </a:t>
+            </a:r>
+            <a:r>
+              <a:rPr lang="pt-PT" dirty="0" smtClean="0"/>
+              <a:t>teste</a:t>
+            </a:r>
+          </a:p>
+          <a:p>
+            <a:pPr lvl="2">
+              <a:buNone/>
+            </a:pPr>
+            <a:endParaRPr lang="pt-PT" dirty="0" smtClean="0"/>
           </a:p>
           <a:p>
             <a:pPr lvl="1"/>
@@ -12704,10 +12719,6 @@
               <a:rPr lang="pt-PT" dirty="0" err="1" smtClean="0"/>
               <a:t>Wireshark</a:t>
             </a:r>
-            <a:endParaRPr lang="pt-PT" dirty="0" smtClean="0"/>
-          </a:p>
-          <a:p>
-            <a:pPr lvl="1"/>
             <a:endParaRPr lang="pt-PT" dirty="0" smtClean="0"/>
           </a:p>
           <a:p>
@@ -12794,7 +12805,7 @@
           <a:p>
             <a:r>
               <a:rPr lang="pt-PT" dirty="0" smtClean="0"/>
-              <a:t>Avaliação</a:t>
+              <a:t>Avaliação (II)</a:t>
             </a:r>
             <a:endParaRPr lang="pt-PT" dirty="0"/>
           </a:p>
@@ -13060,28 +13071,65 @@
             <a:pPr lvl="1"/>
             <a:r>
               <a:rPr lang="pt-PT" dirty="0" smtClean="0"/>
-              <a:t>Capturar através do filtro dinâmico</a:t>
-            </a:r>
+              <a:t>Capturar através do </a:t>
+            </a:r>
+            <a:r>
+              <a:rPr lang="pt-PT" dirty="0" err="1" smtClean="0"/>
+              <a:t>MRoP</a:t>
+            </a:r>
+            <a:endParaRPr lang="pt-PT" dirty="0" smtClean="0"/>
           </a:p>
           <a:p>
             <a:r>
               <a:rPr lang="pt-PT" dirty="0" smtClean="0"/>
-              <a:t>Dois fluxos de dados onde se captura apenas um através do recurso ao filtro dinâmico</a:t>
+              <a:t>Dois fluxos de </a:t>
+            </a:r>
+            <a:r>
+              <a:rPr lang="pt-PT" dirty="0" smtClean="0"/>
+              <a:t>dados</a:t>
             </a:r>
           </a:p>
           <a:p>
             <a:pPr lvl="1"/>
             <a:r>
               <a:rPr lang="pt-PT" dirty="0" smtClean="0"/>
-              <a:t>A filtragem em nível utilizador ou através dos filtros estáticos do </a:t>
+              <a:t>Captura de </a:t>
+            </a:r>
+            <a:r>
+              <a:rPr lang="pt-PT" dirty="0" smtClean="0"/>
+              <a:t>apenas um através do recurso ao </a:t>
+            </a:r>
+            <a:r>
+              <a:rPr lang="pt-PT" dirty="0" err="1" smtClean="0"/>
+              <a:t>MRoP</a:t>
+            </a:r>
+            <a:endParaRPr lang="pt-PT" dirty="0" smtClean="0"/>
+          </a:p>
+          <a:p>
+            <a:pPr lvl="1"/>
+            <a:r>
+              <a:rPr lang="pt-PT" dirty="0" smtClean="0"/>
+              <a:t>Captura em </a:t>
+            </a:r>
+            <a:r>
+              <a:rPr lang="pt-PT" dirty="0" smtClean="0"/>
+              <a:t>nível utilizador ou através dos filtros estáticos do </a:t>
             </a:r>
             <a:r>
               <a:rPr lang="pt-PT" dirty="0" err="1" smtClean="0"/>
               <a:t>PCap</a:t>
             </a:r>
+            <a:endParaRPr lang="pt-PT" dirty="0" smtClean="0"/>
+          </a:p>
+          <a:p>
+            <a:pPr lvl="2"/>
             <a:r>
               <a:rPr lang="pt-PT" dirty="0" smtClean="0"/>
-              <a:t> aumenta a sobrecarga</a:t>
+              <a:t>aumenta </a:t>
+            </a:r>
+            <a:r>
+              <a:rPr lang="pt-PT" dirty="0" smtClean="0"/>
+              <a:t>a sobrecarga</a:t>
             </a:r>
           </a:p>
           <a:p>
@@ -13231,7 +13279,6 @@
               <a:rPr lang="pt-PT" dirty="0" smtClean="0"/>
               <a:t>Através de instrumentação estática ou dinâmica</a:t>
             </a:r>
-            <a:endParaRPr lang="pt-PT" dirty="0" smtClean="0"/>
           </a:p>
           <a:p>
             <a:r>
@@ -13255,11 +13302,7 @@
             </a:r>
             <a:r>
               <a:rPr lang="pt-PT" dirty="0" smtClean="0"/>
-              <a:t> </a:t>
-            </a:r>
-            <a:r>
-              <a:rPr lang="pt-PT" dirty="0" smtClean="0"/>
-              <a:t>de modo </a:t>
+              <a:t> de modo </a:t>
             </a:r>
             <a:r>
               <a:rPr lang="pt-PT" i="1" dirty="0" smtClean="0"/>
@@ -13359,7 +13402,11 @@
           <a:p>
             <a:r>
               <a:rPr lang="pt-PT" smtClean="0"/>
-              <a:t>Avaliação de desempenho (III)</a:t>
+              <a:t>Avaliação de desempenho (</a:t>
+            </a:r>
+            <a:r>
+              <a:rPr lang="pt-PT" smtClean="0"/>
+              <a:t>II)</a:t>
             </a:r>
             <a:endParaRPr lang="pt-PT"/>
           </a:p>
@@ -13502,7 +13549,7 @@
           <p:nvPr>
             <p:extLst>
               <p:ext uri="{D42A27DB-BD31-4B8C-83A1-F6EECF244321}">
-                <p14:modId xmlns:p14="http://schemas.microsoft.com/office/powerpoint/2010/main" xmlns="" val="2923390044"/>
+                <p14:modId xmlns="" xmlns:p14="http://schemas.microsoft.com/office/powerpoint/2010/main" val="2923390044"/>
               </p:ext>
             </p:extLst>
           </p:nvPr>
@@ -13596,14 +13643,20 @@
           </a:xfrm>
         </p:spPr>
         <p:txBody>
-          <a:bodyPr/>
-          <a:lstStyle/>
-          <a:p>
-            <a:r>
-              <a:rPr lang="pt-PT" dirty="0" smtClean="0"/>
-              <a:t>Avaliação de desempenho (II)</a:t>
-            </a:r>
-            <a:endParaRPr lang="pt-PT" dirty="0"/>
+          <a:bodyPr>
+            <a:normAutofit/>
+          </a:bodyPr>
+          <a:lstStyle/>
+          <a:p>
+            <a:r>
+              <a:rPr lang="pt-PT" sz="3200" dirty="0" smtClean="0"/>
+              <a:t>Avaliação </a:t>
+            </a:r>
+            <a:r>
+              <a:rPr lang="pt-PT" sz="3200" dirty="0" smtClean="0"/>
+              <a:t>da sobrecarga da instrumentação</a:t>
+            </a:r>
+            <a:endParaRPr lang="pt-PT" sz="3200" dirty="0"/>
           </a:p>
         </p:txBody>
       </p:sp>
@@ -13629,14 +13682,11 @@
           <a:p>
             <a:r>
               <a:rPr lang="pt-PT" dirty="0" smtClean="0"/>
-              <a:t>Avaliação da sobrecarga introduzida</a:t>
-            </a:r>
-          </a:p>
-          <a:p>
-            <a:pPr lvl="1"/>
+              <a:t>Instrumentação </a:t>
+            </a:r>
             <a:r>
               <a:rPr lang="pt-PT" dirty="0" smtClean="0"/>
-              <a:t>Instrumentação com </a:t>
+              <a:t>com </a:t>
             </a:r>
             <a:r>
               <a:rPr lang="pt-PT" dirty="0" err="1" smtClean="0"/>
@@ -13675,7 +13725,9 @@
             <a:endParaRPr lang="pt-PT" dirty="0" smtClean="0"/>
           </a:p>
           <a:p>
-            <a:pPr lvl="1"/>
+            <a:pPr lvl="1">
+              <a:buNone/>
+            </a:pPr>
             <a:endParaRPr lang="pt-PT" dirty="0" smtClean="0"/>
           </a:p>
           <a:p>
@@ -13690,6 +13742,9 @@
           </a:p>
           <a:p>
             <a:pPr lvl="1"/>
+            <a:endParaRPr lang="en-US" sz="1200" dirty="0" smtClean="0"/>
+          </a:p>
+          <a:p>
             <a:r>
               <a:rPr lang="en-US" dirty="0" err="1" smtClean="0"/>
               <a:t>Simulação</a:t>
@@ -13749,7 +13804,7 @@
           <p:nvPr/>
         </p:nvGraphicFramePr>
         <p:xfrm>
-          <a:off x="1547664" y="3212976"/>
+          <a:off x="1547664" y="2780928"/>
           <a:ext cx="6210690" cy="1008112"/>
         </p:xfrm>
         <a:graphic>
@@ -13865,7 +13920,7 @@
           <p:nvPr/>
         </p:nvGraphicFramePr>
         <p:xfrm>
-          <a:off x="1547664" y="4797152"/>
+          <a:off x="1547664" y="4941168"/>
           <a:ext cx="6120680" cy="1483360"/>
         </p:xfrm>
         <a:graphic>
@@ -17071,7 +17126,7 @@
     </p:spTree>
     <p:extLst>
       <p:ext uri="{BB962C8B-B14F-4D97-AF65-F5344CB8AC3E}">
-        <p14:creationId xmlns:p14="http://schemas.microsoft.com/office/powerpoint/2010/main" xmlns="" val="2480020566"/>
+        <p14:creationId xmlns="" xmlns:p14="http://schemas.microsoft.com/office/powerpoint/2010/main" val="2480020566"/>
       </p:ext>
     </p:extLst>
   </p:cSld>
@@ -17168,7 +17223,7 @@
           <p:nvPr>
             <p:extLst>
               <p:ext uri="{D42A27DB-BD31-4B8C-83A1-F6EECF244321}">
-                <p14:modId xmlns:p14="http://schemas.microsoft.com/office/powerpoint/2010/main" xmlns="" val="3402441427"/>
+                <p14:modId xmlns="" xmlns:p14="http://schemas.microsoft.com/office/powerpoint/2010/main" val="3402441427"/>
               </p:ext>
             </p:extLst>
           </p:nvPr>
@@ -17192,7 +17247,7 @@
           <p:nvPr>
             <p:extLst>
               <p:ext uri="{D42A27DB-BD31-4B8C-83A1-F6EECF244321}">
-                <p14:modId xmlns:p14="http://schemas.microsoft.com/office/powerpoint/2010/main" xmlns="" val="4122839546"/>
+                <p14:modId xmlns="" xmlns:p14="http://schemas.microsoft.com/office/powerpoint/2010/main" val="4122839546"/>
               </p:ext>
             </p:extLst>
           </p:nvPr>
@@ -17279,7 +17334,7 @@
         </p:nvSpPr>
         <p:spPr>
           <a:xfrm>
-            <a:off x="395536" y="1628800"/>
+            <a:off x="611560" y="1340768"/>
             <a:ext cx="8229600" cy="4325112"/>
           </a:xfrm>
         </p:spPr>
@@ -19362,11 +19417,7 @@
           <a:p>
             <a:r>
               <a:rPr lang="pt-PT" sz="2800" dirty="0" smtClean="0"/>
-              <a:t>Desafios da Monitorização de </a:t>
-            </a:r>
-            <a:r>
-              <a:rPr lang="pt-PT" sz="2800" dirty="0" smtClean="0"/>
-              <a:t>rede</a:t>
+              <a:t>Desafios da Monitorização de rede</a:t>
             </a:r>
             <a:endParaRPr lang="pt-PT" sz="2800" dirty="0"/>
           </a:p>
@@ -19384,13 +19435,13 @@
         </p:nvSpPr>
         <p:spPr>
           <a:xfrm>
-            <a:off x="179512" y="1484784"/>
-            <a:ext cx="8229600" cy="5112568"/>
+            <a:off x="179512" y="1124744"/>
+            <a:ext cx="8229600" cy="5472608"/>
           </a:xfrm>
         </p:spPr>
         <p:txBody>
           <a:bodyPr>
-            <a:normAutofit fontScale="92500" lnSpcReduction="20000"/>
+            <a:normAutofit fontScale="92500" lnSpcReduction="10000"/>
           </a:bodyPr>
           <a:lstStyle/>
           <a:p>
@@ -19404,17 +19455,12 @@
               <a:rPr lang="pt-PT" dirty="0" smtClean="0"/>
               <a:t>Relativos a um processo</a:t>
             </a:r>
-            <a:endParaRPr lang="pt-PT" dirty="0" smtClean="0"/>
           </a:p>
           <a:p>
             <a:pPr lvl="1"/>
             <a:r>
               <a:rPr lang="pt-PT" dirty="0" smtClean="0"/>
-              <a:t>Identificar </a:t>
-            </a:r>
-            <a:r>
-              <a:rPr lang="pt-PT" dirty="0" smtClean="0"/>
-              <a:t>e capturar apenas os fluxos de dados relevantes:</a:t>
+              <a:t>Identificar e capturar apenas os fluxos de dados relevantes:</a:t>
             </a:r>
           </a:p>
           <a:p>
@@ -19434,7 +19480,23 @@
             <a:pPr lvl="1"/>
             <a:r>
               <a:rPr lang="pt-PT" dirty="0" smtClean="0"/>
-              <a:t>Aplicações dinâmicas:</a:t>
+              <a:t>Aplicações </a:t>
+            </a:r>
+            <a:r>
+              <a:rPr lang="pt-PT" dirty="0" smtClean="0"/>
+              <a:t>com </a:t>
+            </a:r>
+            <a:r>
+              <a:rPr lang="pt-PT" dirty="0" err="1" smtClean="0"/>
+              <a:t>interacções</a:t>
+            </a:r>
+            <a:r>
+              <a:rPr lang="pt-PT" dirty="0" smtClean="0"/>
+              <a:t> de rede dinâmicas</a:t>
+            </a:r>
+            <a:r>
+              <a:rPr lang="pt-PT" dirty="0" smtClean="0"/>
+              <a:t>:</a:t>
             </a:r>
           </a:p>
           <a:p>
@@ -19547,7 +19609,7 @@
         </p:nvSpPr>
         <p:spPr>
           <a:xfrm>
-            <a:off x="179512" y="404664"/>
+            <a:off x="0" y="188640"/>
             <a:ext cx="8229600" cy="1066800"/>
           </a:xfrm>
         </p:spPr>
@@ -19558,47 +19620,14 @@
           <a:lstStyle/>
           <a:p>
             <a:r>
-              <a:rPr lang="pt-PT" sz="2800" dirty="0" smtClean="0"/>
-              <a:t>O </a:t>
-            </a:r>
-            <a:r>
-              <a:rPr lang="pt-PT" sz="2800" dirty="0" err="1" smtClean="0"/>
-              <a:t>pq</a:t>
-            </a:r>
-            <a:r>
-              <a:rPr lang="pt-PT" sz="2800" dirty="0" smtClean="0"/>
-              <a:t> dos desafios …</a:t>
-            </a:r>
-            <a:endParaRPr lang="pt-PT" sz="2800" dirty="0"/>
-          </a:p>
-        </p:txBody>
-      </p:sp>
-      <p:sp>
-        <p:nvSpPr>
-          <p:cNvPr id="3" name="Marcador de Posição de Conteúdo 2"/>
-          <p:cNvSpPr>
-            <a:spLocks noGrp="1"/>
-          </p:cNvSpPr>
-          <p:nvPr>
-            <p:ph idx="1"/>
-          </p:nvPr>
-        </p:nvSpPr>
-        <p:spPr>
-          <a:xfrm>
-            <a:off x="179512" y="1484784"/>
-            <a:ext cx="8229600" cy="5112568"/>
-          </a:xfrm>
-        </p:spPr>
-        <p:txBody>
-          <a:bodyPr>
-            <a:normAutofit/>
-          </a:bodyPr>
-          <a:lstStyle/>
-          <a:p>
-            <a:pPr marL="411480" lvl="1" indent="0">
-              <a:buNone/>
-            </a:pPr>
-            <a:endParaRPr lang="pt-PT" dirty="0" smtClean="0"/>
+              <a:rPr lang="pt-PT" sz="2400" dirty="0" smtClean="0"/>
+              <a:t>Desafios da Monitorização de </a:t>
+            </a:r>
+            <a:r>
+              <a:rPr lang="pt-PT" sz="2400" dirty="0" smtClean="0"/>
+              <a:t>rede relativos a um processo</a:t>
+            </a:r>
+            <a:endParaRPr lang="pt-PT" sz="2400" dirty="0"/>
           </a:p>
         </p:txBody>
       </p:sp>
@@ -19623,6 +19652,500 @@
               <a:t>5</a:t>
             </a:fld>
             <a:endParaRPr lang="pt-PT"/>
+          </a:p>
+        </p:txBody>
+      </p:sp>
+      <p:sp>
+        <p:nvSpPr>
+          <p:cNvPr id="6" name="Oval 5"/>
+          <p:cNvSpPr/>
+          <p:nvPr/>
+        </p:nvSpPr>
+        <p:spPr>
+          <a:xfrm>
+            <a:off x="1475656" y="4437112"/>
+            <a:ext cx="1008112" cy="792088"/>
+          </a:xfrm>
+          <a:prstGeom prst="ellipse">
+            <a:avLst/>
+          </a:prstGeom>
+          <a:noFill/>
+        </p:spPr>
+        <p:style>
+          <a:lnRef idx="2">
+            <a:schemeClr val="accent1">
+              <a:shade val="50000"/>
+            </a:schemeClr>
+          </a:lnRef>
+          <a:fillRef idx="1">
+            <a:schemeClr val="accent1"/>
+          </a:fillRef>
+          <a:effectRef idx="0">
+            <a:schemeClr val="accent1"/>
+          </a:effectRef>
+          <a:fontRef idx="minor">
+            <a:schemeClr val="lt1"/>
+          </a:fontRef>
+        </p:style>
+        <p:txBody>
+          <a:bodyPr rtlCol="0" anchor="ctr"/>
+          <a:lstStyle/>
+          <a:p>
+            <a:pPr algn="ctr"/>
+            <a:endParaRPr lang="pt-PT" sz="1050"/>
+          </a:p>
+        </p:txBody>
+      </p:sp>
+      <p:sp>
+        <p:nvSpPr>
+          <p:cNvPr id="7" name="CaixaDeTexto 6"/>
+          <p:cNvSpPr txBox="1"/>
+          <p:nvPr/>
+        </p:nvSpPr>
+        <p:spPr>
+          <a:xfrm>
+            <a:off x="1547664" y="4653136"/>
+            <a:ext cx="1152128" cy="261610"/>
+          </a:xfrm>
+          <a:prstGeom prst="rect">
+            <a:avLst/>
+          </a:prstGeom>
+          <a:noFill/>
+        </p:spPr>
+        <p:txBody>
+          <a:bodyPr wrap="square" rtlCol="0">
+            <a:spAutoFit/>
+          </a:bodyPr>
+          <a:lstStyle/>
+          <a:p>
+            <a:r>
+              <a:rPr lang="pt-PT" sz="1050" smtClean="0"/>
+              <a:t>Filtro </a:t>
+            </a:r>
+            <a:r>
+              <a:rPr lang="pt-PT" sz="1050" err="1" smtClean="0"/>
+              <a:t>bpf</a:t>
+            </a:r>
+            <a:endParaRPr lang="pt-PT" sz="1050"/>
+          </a:p>
+        </p:txBody>
+      </p:sp>
+      <p:sp>
+        <p:nvSpPr>
+          <p:cNvPr id="8" name="Seta para a direita 7"/>
+          <p:cNvSpPr/>
+          <p:nvPr/>
+        </p:nvSpPr>
+        <p:spPr>
+          <a:xfrm>
+            <a:off x="2699792" y="4725144"/>
+            <a:ext cx="720080" cy="216024"/>
+          </a:xfrm>
+          <a:prstGeom prst="rightArrow">
+            <a:avLst/>
+          </a:prstGeom>
+        </p:spPr>
+        <p:style>
+          <a:lnRef idx="2">
+            <a:schemeClr val="accent1">
+              <a:shade val="50000"/>
+            </a:schemeClr>
+          </a:lnRef>
+          <a:fillRef idx="1">
+            <a:schemeClr val="accent1"/>
+          </a:fillRef>
+          <a:effectRef idx="0">
+            <a:schemeClr val="accent1"/>
+          </a:effectRef>
+          <a:fontRef idx="minor">
+            <a:schemeClr val="lt1"/>
+          </a:fontRef>
+        </p:style>
+        <p:txBody>
+          <a:bodyPr rtlCol="0" anchor="ctr"/>
+          <a:lstStyle/>
+          <a:p>
+            <a:pPr algn="ctr"/>
+            <a:endParaRPr lang="pt-PT" sz="1050"/>
+          </a:p>
+        </p:txBody>
+      </p:sp>
+      <p:sp>
+        <p:nvSpPr>
+          <p:cNvPr id="9" name="Oval 8"/>
+          <p:cNvSpPr/>
+          <p:nvPr/>
+        </p:nvSpPr>
+        <p:spPr>
+          <a:xfrm>
+            <a:off x="3491880" y="4437112"/>
+            <a:ext cx="1080120" cy="792088"/>
+          </a:xfrm>
+          <a:prstGeom prst="ellipse">
+            <a:avLst/>
+          </a:prstGeom>
+          <a:noFill/>
+        </p:spPr>
+        <p:style>
+          <a:lnRef idx="2">
+            <a:schemeClr val="accent1">
+              <a:shade val="50000"/>
+            </a:schemeClr>
+          </a:lnRef>
+          <a:fillRef idx="1">
+            <a:schemeClr val="accent1"/>
+          </a:fillRef>
+          <a:effectRef idx="0">
+            <a:schemeClr val="accent1"/>
+          </a:effectRef>
+          <a:fontRef idx="minor">
+            <a:schemeClr val="lt1"/>
+          </a:fontRef>
+        </p:style>
+        <p:txBody>
+          <a:bodyPr rtlCol="0" anchor="ctr"/>
+          <a:lstStyle/>
+          <a:p>
+            <a:pPr algn="ctr"/>
+            <a:endParaRPr lang="pt-PT" sz="1050"/>
+          </a:p>
+        </p:txBody>
+      </p:sp>
+      <p:sp>
+        <p:nvSpPr>
+          <p:cNvPr id="10" name="CaixaDeTexto 9"/>
+          <p:cNvSpPr txBox="1"/>
+          <p:nvPr/>
+        </p:nvSpPr>
+        <p:spPr>
+          <a:xfrm>
+            <a:off x="3563888" y="4581128"/>
+            <a:ext cx="1008112" cy="415498"/>
+          </a:xfrm>
+          <a:prstGeom prst="rect">
+            <a:avLst/>
+          </a:prstGeom>
+          <a:noFill/>
+        </p:spPr>
+        <p:txBody>
+          <a:bodyPr wrap="square" rtlCol="0">
+            <a:spAutoFit/>
+          </a:bodyPr>
+          <a:lstStyle/>
+          <a:p>
+            <a:r>
+              <a:rPr lang="pt-PT" sz="1050" dirty="0" smtClean="0"/>
+              <a:t>Compilação e </a:t>
+            </a:r>
+            <a:r>
+              <a:rPr lang="pt-PT" sz="1050" dirty="0" err="1" smtClean="0"/>
+              <a:t>optimização</a:t>
+            </a:r>
+            <a:endParaRPr lang="pt-PT" sz="1050" dirty="0"/>
+          </a:p>
+        </p:txBody>
+      </p:sp>
+      <p:sp>
+        <p:nvSpPr>
+          <p:cNvPr id="11" name="Seta para a direita 10"/>
+          <p:cNvSpPr/>
+          <p:nvPr/>
+        </p:nvSpPr>
+        <p:spPr>
+          <a:xfrm>
+            <a:off x="4788024" y="4725144"/>
+            <a:ext cx="648072" cy="216024"/>
+          </a:xfrm>
+          <a:prstGeom prst="rightArrow">
+            <a:avLst/>
+          </a:prstGeom>
+        </p:spPr>
+        <p:style>
+          <a:lnRef idx="2">
+            <a:schemeClr val="accent1">
+              <a:shade val="50000"/>
+            </a:schemeClr>
+          </a:lnRef>
+          <a:fillRef idx="1">
+            <a:schemeClr val="accent1"/>
+          </a:fillRef>
+          <a:effectRef idx="0">
+            <a:schemeClr val="accent1"/>
+          </a:effectRef>
+          <a:fontRef idx="minor">
+            <a:schemeClr val="lt1"/>
+          </a:fontRef>
+        </p:style>
+        <p:txBody>
+          <a:bodyPr rtlCol="0" anchor="ctr"/>
+          <a:lstStyle/>
+          <a:p>
+            <a:pPr algn="ctr"/>
+            <a:endParaRPr lang="pt-PT" sz="1050"/>
+          </a:p>
+        </p:txBody>
+      </p:sp>
+      <p:sp>
+        <p:nvSpPr>
+          <p:cNvPr id="12" name="Oval 11"/>
+          <p:cNvSpPr/>
+          <p:nvPr/>
+        </p:nvSpPr>
+        <p:spPr>
+          <a:xfrm>
+            <a:off x="5580112" y="4437112"/>
+            <a:ext cx="1224136" cy="720080"/>
+          </a:xfrm>
+          <a:prstGeom prst="ellipse">
+            <a:avLst/>
+          </a:prstGeom>
+          <a:noFill/>
+        </p:spPr>
+        <p:style>
+          <a:lnRef idx="2">
+            <a:schemeClr val="accent1">
+              <a:shade val="50000"/>
+            </a:schemeClr>
+          </a:lnRef>
+          <a:fillRef idx="1">
+            <a:schemeClr val="accent1"/>
+          </a:fillRef>
+          <a:effectRef idx="0">
+            <a:schemeClr val="accent1"/>
+          </a:effectRef>
+          <a:fontRef idx="minor">
+            <a:schemeClr val="lt1"/>
+          </a:fontRef>
+        </p:style>
+        <p:txBody>
+          <a:bodyPr rtlCol="0" anchor="ctr"/>
+          <a:lstStyle/>
+          <a:p>
+            <a:pPr algn="ctr"/>
+            <a:endParaRPr lang="pt-PT" sz="1050"/>
+          </a:p>
+        </p:txBody>
+      </p:sp>
+      <p:sp>
+        <p:nvSpPr>
+          <p:cNvPr id="13" name="CaixaDeTexto 12"/>
+          <p:cNvSpPr txBox="1"/>
+          <p:nvPr/>
+        </p:nvSpPr>
+        <p:spPr>
+          <a:xfrm>
+            <a:off x="5508104" y="4581128"/>
+            <a:ext cx="1368152" cy="430887"/>
+          </a:xfrm>
+          <a:prstGeom prst="rect">
+            <a:avLst/>
+          </a:prstGeom>
+          <a:noFill/>
+        </p:spPr>
+        <p:txBody>
+          <a:bodyPr wrap="square" rtlCol="0">
+            <a:spAutoFit/>
+          </a:bodyPr>
+          <a:lstStyle/>
+          <a:p>
+            <a:pPr algn="ctr"/>
+            <a:r>
+              <a:rPr lang="pt-PT" sz="1050" smtClean="0"/>
+              <a:t>Drenagem e afectação do filtro</a:t>
+            </a:r>
+            <a:endParaRPr lang="pt-PT" sz="1050"/>
+          </a:p>
+        </p:txBody>
+      </p:sp>
+      <p:cxnSp>
+        <p:nvCxnSpPr>
+          <p:cNvPr id="14" name="Conexão recta unidireccional 13"/>
+          <p:cNvCxnSpPr/>
+          <p:nvPr/>
+        </p:nvCxnSpPr>
+        <p:spPr>
+          <a:xfrm flipV="1">
+            <a:off x="1475656" y="5373216"/>
+            <a:ext cx="5400600" cy="3904"/>
+          </a:xfrm>
+          <a:prstGeom prst="straightConnector1">
+            <a:avLst/>
+          </a:prstGeom>
+          <a:ln>
+            <a:tailEnd type="arrow"/>
+          </a:ln>
+        </p:spPr>
+        <p:style>
+          <a:lnRef idx="1">
+            <a:schemeClr val="accent1"/>
+          </a:lnRef>
+          <a:fillRef idx="0">
+            <a:schemeClr val="accent1"/>
+          </a:fillRef>
+          <a:effectRef idx="0">
+            <a:schemeClr val="accent1"/>
+          </a:effectRef>
+          <a:fontRef idx="minor">
+            <a:schemeClr val="tx1"/>
+          </a:fontRef>
+        </p:style>
+      </p:cxnSp>
+      <p:sp>
+        <p:nvSpPr>
+          <p:cNvPr id="15" name="CaixaDeTexto 14"/>
+          <p:cNvSpPr txBox="1"/>
+          <p:nvPr/>
+        </p:nvSpPr>
+        <p:spPr>
+          <a:xfrm>
+            <a:off x="2195736" y="5661248"/>
+            <a:ext cx="2232248" cy="253916"/>
+          </a:xfrm>
+          <a:prstGeom prst="rect">
+            <a:avLst/>
+          </a:prstGeom>
+          <a:noFill/>
+        </p:spPr>
+        <p:txBody>
+          <a:bodyPr wrap="square" rtlCol="0">
+            <a:spAutoFit/>
+          </a:bodyPr>
+          <a:lstStyle/>
+          <a:p>
+            <a:r>
+              <a:rPr lang="pt-PT" sz="1050" dirty="0" smtClean="0"/>
+              <a:t>Latência de </a:t>
+            </a:r>
+            <a:r>
+              <a:rPr lang="pt-PT" sz="1050" dirty="0" err="1" smtClean="0"/>
+              <a:t>afectação</a:t>
+            </a:r>
+            <a:r>
+              <a:rPr lang="pt-PT" sz="1050" dirty="0" smtClean="0"/>
+              <a:t> de um filtro</a:t>
+            </a:r>
+            <a:endParaRPr lang="pt-PT" sz="1050" dirty="0"/>
+          </a:p>
+        </p:txBody>
+      </p:sp>
+      <p:cxnSp>
+        <p:nvCxnSpPr>
+          <p:cNvPr id="16" name="Conexão recta 15"/>
+          <p:cNvCxnSpPr/>
+          <p:nvPr/>
+        </p:nvCxnSpPr>
+        <p:spPr>
+          <a:xfrm>
+            <a:off x="1475656" y="5229200"/>
+            <a:ext cx="0" cy="285716"/>
+          </a:xfrm>
+          <a:prstGeom prst="line">
+            <a:avLst/>
+          </a:prstGeom>
+        </p:spPr>
+        <p:style>
+          <a:lnRef idx="1">
+            <a:schemeClr val="accent1"/>
+          </a:lnRef>
+          <a:fillRef idx="0">
+            <a:schemeClr val="accent1"/>
+          </a:fillRef>
+          <a:effectRef idx="0">
+            <a:schemeClr val="accent1"/>
+          </a:effectRef>
+          <a:fontRef idx="minor">
+            <a:schemeClr val="tx1"/>
+          </a:fontRef>
+        </p:style>
+      </p:cxnSp>
+      <p:sp>
+        <p:nvSpPr>
+          <p:cNvPr id="17" name="CaixaDeTexto 16"/>
+          <p:cNvSpPr txBox="1"/>
+          <p:nvPr/>
+        </p:nvSpPr>
+        <p:spPr>
+          <a:xfrm>
+            <a:off x="1331640" y="5445224"/>
+            <a:ext cx="4824536" cy="253916"/>
+          </a:xfrm>
+          <a:prstGeom prst="rect">
+            <a:avLst/>
+          </a:prstGeom>
+          <a:noFill/>
+        </p:spPr>
+        <p:txBody>
+          <a:bodyPr wrap="square" rtlCol="0">
+            <a:spAutoFit/>
+          </a:bodyPr>
+          <a:lstStyle/>
+          <a:p>
+            <a:r>
+              <a:rPr lang="pt-PT" sz="1050" dirty="0" smtClean="0"/>
+              <a:t>0                                                                                                                                   tempo</a:t>
+            </a:r>
+          </a:p>
+        </p:txBody>
+      </p:sp>
+      <p:sp>
+        <p:nvSpPr>
+          <p:cNvPr id="26" name="Marcador de Posição de Conteúdo 2"/>
+          <p:cNvSpPr>
+            <a:spLocks noGrp="1"/>
+          </p:cNvSpPr>
+          <p:nvPr>
+            <p:ph idx="1"/>
+          </p:nvPr>
+        </p:nvSpPr>
+        <p:spPr>
+          <a:xfrm>
+            <a:off x="179512" y="1124744"/>
+            <a:ext cx="8229600" cy="5472608"/>
+          </a:xfrm>
+        </p:spPr>
+        <p:txBody>
+          <a:bodyPr>
+            <a:normAutofit/>
+          </a:bodyPr>
+          <a:lstStyle/>
+          <a:p>
+            <a:r>
+              <a:rPr lang="pt-PT" dirty="0" smtClean="0"/>
+              <a:t>Não existe suporte na biblioteca </a:t>
+            </a:r>
+            <a:r>
+              <a:rPr lang="pt-PT" dirty="0" err="1" smtClean="0"/>
+              <a:t>PCap</a:t>
+            </a:r>
+            <a:r>
+              <a:rPr lang="pt-PT" dirty="0" smtClean="0"/>
+              <a:t> nem ao nível do núcleo</a:t>
+            </a:r>
+          </a:p>
+          <a:p>
+            <a:r>
+              <a:rPr lang="pt-PT" dirty="0" smtClean="0"/>
+              <a:t>Monitorização de rede de um processo em nível utilizador tem deficiências no desempenho e na sua especificidade</a:t>
+            </a:r>
+          </a:p>
+          <a:p>
+            <a:r>
+              <a:rPr lang="pt-PT" dirty="0" smtClean="0"/>
+              <a:t>Alteração do filtro através da biblioteca </a:t>
+            </a:r>
+            <a:r>
+              <a:rPr lang="pt-PT" dirty="0" err="1" smtClean="0"/>
+              <a:t>PCap</a:t>
+            </a:r>
+            <a:r>
+              <a:rPr lang="pt-PT" dirty="0" smtClean="0"/>
+              <a:t> tem uma </a:t>
+            </a:r>
+            <a:r>
+              <a:rPr lang="pt-PT" smtClean="0"/>
+              <a:t>latência elevada</a:t>
+            </a:r>
+            <a:endParaRPr lang="pt-PT" dirty="0" smtClean="0"/>
           </a:p>
         </p:txBody>
       </p:sp>
@@ -19634,9 +20157,688 @@
   <p:timing>
     <p:tnLst>
       <p:par>
-        <p:cTn id="1" dur="indefinite" restart="never" nodeType="tmRoot"/>
+        <p:cTn id="1" dur="indefinite" restart="never" nodeType="tmRoot">
+          <p:childTnLst>
+            <p:seq concurrent="1" nextAc="seek">
+              <p:cTn id="2" dur="indefinite" nodeType="mainSeq">
+                <p:childTnLst>
+                  <p:par>
+                    <p:cTn id="3" fill="hold">
+                      <p:stCondLst>
+                        <p:cond delay="indefinite"/>
+                      </p:stCondLst>
+                      <p:childTnLst>
+                        <p:par>
+                          <p:cTn id="4" fill="hold">
+                            <p:stCondLst>
+                              <p:cond delay="0"/>
+                            </p:stCondLst>
+                            <p:childTnLst>
+                              <p:par>
+                                <p:cTn id="5" presetID="22" presetClass="entr" presetSubtype="4" fill="hold" grpId="0" nodeType="clickEffect">
+                                  <p:stCondLst>
+                                    <p:cond delay="0"/>
+                                  </p:stCondLst>
+                                  <p:childTnLst>
+                                    <p:set>
+                                      <p:cBhvr>
+                                        <p:cTn id="6" dur="1" fill="hold">
+                                          <p:stCondLst>
+                                            <p:cond delay="0"/>
+                                          </p:stCondLst>
+                                        </p:cTn>
+                                        <p:tgtEl>
+                                          <p:spTgt spid="6"/>
+                                        </p:tgtEl>
+                                        <p:attrNameLst>
+                                          <p:attrName>style.visibility</p:attrName>
+                                        </p:attrNameLst>
+                                      </p:cBhvr>
+                                      <p:to>
+                                        <p:strVal val="visible"/>
+                                      </p:to>
+                                    </p:set>
+                                    <p:animEffect transition="in" filter="wipe(down)">
+                                      <p:cBhvr>
+                                        <p:cTn id="7" dur="500"/>
+                                        <p:tgtEl>
+                                          <p:spTgt spid="6"/>
+                                        </p:tgtEl>
+                                      </p:cBhvr>
+                                    </p:animEffect>
+                                  </p:childTnLst>
+                                </p:cTn>
+                              </p:par>
+                              <p:par>
+                                <p:cTn id="8" presetID="22" presetClass="entr" presetSubtype="4" fill="hold" grpId="0" nodeType="withEffect">
+                                  <p:stCondLst>
+                                    <p:cond delay="0"/>
+                                  </p:stCondLst>
+                                  <p:childTnLst>
+                                    <p:set>
+                                      <p:cBhvr>
+                                        <p:cTn id="9" dur="1" fill="hold">
+                                          <p:stCondLst>
+                                            <p:cond delay="0"/>
+                                          </p:stCondLst>
+                                        </p:cTn>
+                                        <p:tgtEl>
+                                          <p:spTgt spid="7"/>
+                                        </p:tgtEl>
+                                        <p:attrNameLst>
+                                          <p:attrName>style.visibility</p:attrName>
+                                        </p:attrNameLst>
+                                      </p:cBhvr>
+                                      <p:to>
+                                        <p:strVal val="visible"/>
+                                      </p:to>
+                                    </p:set>
+                                    <p:animEffect transition="in" filter="wipe(down)">
+                                      <p:cBhvr>
+                                        <p:cTn id="10" dur="500"/>
+                                        <p:tgtEl>
+                                          <p:spTgt spid="7"/>
+                                        </p:tgtEl>
+                                      </p:cBhvr>
+                                    </p:animEffect>
+                                  </p:childTnLst>
+                                </p:cTn>
+                              </p:par>
+                            </p:childTnLst>
+                          </p:cTn>
+                        </p:par>
+                      </p:childTnLst>
+                    </p:cTn>
+                  </p:par>
+                  <p:par>
+                    <p:cTn id="11" fill="hold">
+                      <p:stCondLst>
+                        <p:cond delay="indefinite"/>
+                      </p:stCondLst>
+                      <p:childTnLst>
+                        <p:par>
+                          <p:cTn id="12" fill="hold">
+                            <p:stCondLst>
+                              <p:cond delay="0"/>
+                            </p:stCondLst>
+                            <p:childTnLst>
+                              <p:par>
+                                <p:cTn id="13" presetID="22" presetClass="entr" presetSubtype="4" fill="hold" grpId="0" nodeType="clickEffect">
+                                  <p:stCondLst>
+                                    <p:cond delay="0"/>
+                                  </p:stCondLst>
+                                  <p:childTnLst>
+                                    <p:set>
+                                      <p:cBhvr>
+                                        <p:cTn id="14" dur="1" fill="hold">
+                                          <p:stCondLst>
+                                            <p:cond delay="0"/>
+                                          </p:stCondLst>
+                                        </p:cTn>
+                                        <p:tgtEl>
+                                          <p:spTgt spid="8"/>
+                                        </p:tgtEl>
+                                        <p:attrNameLst>
+                                          <p:attrName>style.visibility</p:attrName>
+                                        </p:attrNameLst>
+                                      </p:cBhvr>
+                                      <p:to>
+                                        <p:strVal val="visible"/>
+                                      </p:to>
+                                    </p:set>
+                                    <p:animEffect transition="in" filter="wipe(down)">
+                                      <p:cBhvr>
+                                        <p:cTn id="15" dur="500"/>
+                                        <p:tgtEl>
+                                          <p:spTgt spid="8"/>
+                                        </p:tgtEl>
+                                      </p:cBhvr>
+                                    </p:animEffect>
+                                  </p:childTnLst>
+                                </p:cTn>
+                              </p:par>
+                              <p:par>
+                                <p:cTn id="16" presetID="22" presetClass="entr" presetSubtype="4" fill="hold" grpId="0" nodeType="withEffect">
+                                  <p:stCondLst>
+                                    <p:cond delay="0"/>
+                                  </p:stCondLst>
+                                  <p:childTnLst>
+                                    <p:set>
+                                      <p:cBhvr>
+                                        <p:cTn id="17" dur="1" fill="hold">
+                                          <p:stCondLst>
+                                            <p:cond delay="0"/>
+                                          </p:stCondLst>
+                                        </p:cTn>
+                                        <p:tgtEl>
+                                          <p:spTgt spid="9"/>
+                                        </p:tgtEl>
+                                        <p:attrNameLst>
+                                          <p:attrName>style.visibility</p:attrName>
+                                        </p:attrNameLst>
+                                      </p:cBhvr>
+                                      <p:to>
+                                        <p:strVal val="visible"/>
+                                      </p:to>
+                                    </p:set>
+                                    <p:animEffect transition="in" filter="wipe(down)">
+                                      <p:cBhvr>
+                                        <p:cTn id="18" dur="500"/>
+                                        <p:tgtEl>
+                                          <p:spTgt spid="9"/>
+                                        </p:tgtEl>
+                                      </p:cBhvr>
+                                    </p:animEffect>
+                                  </p:childTnLst>
+                                </p:cTn>
+                              </p:par>
+                              <p:par>
+                                <p:cTn id="19" presetID="22" presetClass="entr" presetSubtype="4" fill="hold" grpId="0" nodeType="withEffect">
+                                  <p:stCondLst>
+                                    <p:cond delay="0"/>
+                                  </p:stCondLst>
+                                  <p:childTnLst>
+                                    <p:set>
+                                      <p:cBhvr>
+                                        <p:cTn id="20" dur="1" fill="hold">
+                                          <p:stCondLst>
+                                            <p:cond delay="0"/>
+                                          </p:stCondLst>
+                                        </p:cTn>
+                                        <p:tgtEl>
+                                          <p:spTgt spid="10"/>
+                                        </p:tgtEl>
+                                        <p:attrNameLst>
+                                          <p:attrName>style.visibility</p:attrName>
+                                        </p:attrNameLst>
+                                      </p:cBhvr>
+                                      <p:to>
+                                        <p:strVal val="visible"/>
+                                      </p:to>
+                                    </p:set>
+                                    <p:animEffect transition="in" filter="wipe(down)">
+                                      <p:cBhvr>
+                                        <p:cTn id="21" dur="500"/>
+                                        <p:tgtEl>
+                                          <p:spTgt spid="10"/>
+                                        </p:tgtEl>
+                                      </p:cBhvr>
+                                    </p:animEffect>
+                                  </p:childTnLst>
+                                </p:cTn>
+                              </p:par>
+                            </p:childTnLst>
+                          </p:cTn>
+                        </p:par>
+                      </p:childTnLst>
+                    </p:cTn>
+                  </p:par>
+                  <p:par>
+                    <p:cTn id="22" fill="hold">
+                      <p:stCondLst>
+                        <p:cond delay="indefinite"/>
+                      </p:stCondLst>
+                      <p:childTnLst>
+                        <p:par>
+                          <p:cTn id="23" fill="hold">
+                            <p:stCondLst>
+                              <p:cond delay="0"/>
+                            </p:stCondLst>
+                            <p:childTnLst>
+                              <p:par>
+                                <p:cTn id="24" presetID="22" presetClass="entr" presetSubtype="4" fill="hold" grpId="0" nodeType="clickEffect">
+                                  <p:stCondLst>
+                                    <p:cond delay="0"/>
+                                  </p:stCondLst>
+                                  <p:childTnLst>
+                                    <p:set>
+                                      <p:cBhvr>
+                                        <p:cTn id="25" dur="1" fill="hold">
+                                          <p:stCondLst>
+                                            <p:cond delay="0"/>
+                                          </p:stCondLst>
+                                        </p:cTn>
+                                        <p:tgtEl>
+                                          <p:spTgt spid="11"/>
+                                        </p:tgtEl>
+                                        <p:attrNameLst>
+                                          <p:attrName>style.visibility</p:attrName>
+                                        </p:attrNameLst>
+                                      </p:cBhvr>
+                                      <p:to>
+                                        <p:strVal val="visible"/>
+                                      </p:to>
+                                    </p:set>
+                                    <p:animEffect transition="in" filter="wipe(down)">
+                                      <p:cBhvr>
+                                        <p:cTn id="26" dur="500"/>
+                                        <p:tgtEl>
+                                          <p:spTgt spid="11"/>
+                                        </p:tgtEl>
+                                      </p:cBhvr>
+                                    </p:animEffect>
+                                  </p:childTnLst>
+                                </p:cTn>
+                              </p:par>
+                              <p:par>
+                                <p:cTn id="27" presetID="22" presetClass="entr" presetSubtype="4" fill="hold" grpId="0" nodeType="withEffect">
+                                  <p:stCondLst>
+                                    <p:cond delay="0"/>
+                                  </p:stCondLst>
+                                  <p:childTnLst>
+                                    <p:set>
+                                      <p:cBhvr>
+                                        <p:cTn id="28" dur="1" fill="hold">
+                                          <p:stCondLst>
+                                            <p:cond delay="0"/>
+                                          </p:stCondLst>
+                                        </p:cTn>
+                                        <p:tgtEl>
+                                          <p:spTgt spid="12"/>
+                                        </p:tgtEl>
+                                        <p:attrNameLst>
+                                          <p:attrName>style.visibility</p:attrName>
+                                        </p:attrNameLst>
+                                      </p:cBhvr>
+                                      <p:to>
+                                        <p:strVal val="visible"/>
+                                      </p:to>
+                                    </p:set>
+                                    <p:animEffect transition="in" filter="wipe(down)">
+                                      <p:cBhvr>
+                                        <p:cTn id="29" dur="500"/>
+                                        <p:tgtEl>
+                                          <p:spTgt spid="12"/>
+                                        </p:tgtEl>
+                                      </p:cBhvr>
+                                    </p:animEffect>
+                                  </p:childTnLst>
+                                </p:cTn>
+                              </p:par>
+                              <p:par>
+                                <p:cTn id="30" presetID="22" presetClass="entr" presetSubtype="4" fill="hold" grpId="0" nodeType="withEffect">
+                                  <p:stCondLst>
+                                    <p:cond delay="0"/>
+                                  </p:stCondLst>
+                                  <p:childTnLst>
+                                    <p:set>
+                                      <p:cBhvr>
+                                        <p:cTn id="31" dur="1" fill="hold">
+                                          <p:stCondLst>
+                                            <p:cond delay="0"/>
+                                          </p:stCondLst>
+                                        </p:cTn>
+                                        <p:tgtEl>
+                                          <p:spTgt spid="13"/>
+                                        </p:tgtEl>
+                                        <p:attrNameLst>
+                                          <p:attrName>style.visibility</p:attrName>
+                                        </p:attrNameLst>
+                                      </p:cBhvr>
+                                      <p:to>
+                                        <p:strVal val="visible"/>
+                                      </p:to>
+                                    </p:set>
+                                    <p:animEffect transition="in" filter="wipe(down)">
+                                      <p:cBhvr>
+                                        <p:cTn id="32" dur="500"/>
+                                        <p:tgtEl>
+                                          <p:spTgt spid="13"/>
+                                        </p:tgtEl>
+                                      </p:cBhvr>
+                                    </p:animEffect>
+                                  </p:childTnLst>
+                                </p:cTn>
+                              </p:par>
+                            </p:childTnLst>
+                          </p:cTn>
+                        </p:par>
+                      </p:childTnLst>
+                    </p:cTn>
+                  </p:par>
+                  <p:par>
+                    <p:cTn id="33" fill="hold">
+                      <p:stCondLst>
+                        <p:cond delay="indefinite"/>
+                      </p:stCondLst>
+                      <p:childTnLst>
+                        <p:par>
+                          <p:cTn id="34" fill="hold">
+                            <p:stCondLst>
+                              <p:cond delay="0"/>
+                            </p:stCondLst>
+                            <p:childTnLst>
+                              <p:par>
+                                <p:cTn id="35" presetID="2" presetClass="entr" presetSubtype="4" fill="hold" nodeType="clickEffect">
+                                  <p:stCondLst>
+                                    <p:cond delay="0"/>
+                                  </p:stCondLst>
+                                  <p:childTnLst>
+                                    <p:set>
+                                      <p:cBhvr>
+                                        <p:cTn id="36" dur="1" fill="hold">
+                                          <p:stCondLst>
+                                            <p:cond delay="0"/>
+                                          </p:stCondLst>
+                                        </p:cTn>
+                                        <p:tgtEl>
+                                          <p:spTgt spid="14"/>
+                                        </p:tgtEl>
+                                        <p:attrNameLst>
+                                          <p:attrName>style.visibility</p:attrName>
+                                        </p:attrNameLst>
+                                      </p:cBhvr>
+                                      <p:to>
+                                        <p:strVal val="visible"/>
+                                      </p:to>
+                                    </p:set>
+                                    <p:anim calcmode="lin" valueType="num">
+                                      <p:cBhvr additive="base">
+                                        <p:cTn id="37" dur="500" fill="hold"/>
+                                        <p:tgtEl>
+                                          <p:spTgt spid="14"/>
+                                        </p:tgtEl>
+                                        <p:attrNameLst>
+                                          <p:attrName>ppt_x</p:attrName>
+                                        </p:attrNameLst>
+                                      </p:cBhvr>
+                                      <p:tavLst>
+                                        <p:tav tm="0">
+                                          <p:val>
+                                            <p:strVal val="#ppt_x"/>
+                                          </p:val>
+                                        </p:tav>
+                                        <p:tav tm="100000">
+                                          <p:val>
+                                            <p:strVal val="#ppt_x"/>
+                                          </p:val>
+                                        </p:tav>
+                                      </p:tavLst>
+                                    </p:anim>
+                                    <p:anim calcmode="lin" valueType="num">
+                                      <p:cBhvr additive="base">
+                                        <p:cTn id="38" dur="500" fill="hold"/>
+                                        <p:tgtEl>
+                                          <p:spTgt spid="14"/>
+                                        </p:tgtEl>
+                                        <p:attrNameLst>
+                                          <p:attrName>ppt_y</p:attrName>
+                                        </p:attrNameLst>
+                                      </p:cBhvr>
+                                      <p:tavLst>
+                                        <p:tav tm="0">
+                                          <p:val>
+                                            <p:strVal val="1+#ppt_h/2"/>
+                                          </p:val>
+                                        </p:tav>
+                                        <p:tav tm="100000">
+                                          <p:val>
+                                            <p:strVal val="#ppt_y"/>
+                                          </p:val>
+                                        </p:tav>
+                                      </p:tavLst>
+                                    </p:anim>
+                                  </p:childTnLst>
+                                </p:cTn>
+                              </p:par>
+                              <p:par>
+                                <p:cTn id="39" presetID="2" presetClass="entr" presetSubtype="4" fill="hold" grpId="0" nodeType="withEffect">
+                                  <p:stCondLst>
+                                    <p:cond delay="0"/>
+                                  </p:stCondLst>
+                                  <p:childTnLst>
+                                    <p:set>
+                                      <p:cBhvr>
+                                        <p:cTn id="40" dur="1" fill="hold">
+                                          <p:stCondLst>
+                                            <p:cond delay="0"/>
+                                          </p:stCondLst>
+                                        </p:cTn>
+                                        <p:tgtEl>
+                                          <p:spTgt spid="15"/>
+                                        </p:tgtEl>
+                                        <p:attrNameLst>
+                                          <p:attrName>style.visibility</p:attrName>
+                                        </p:attrNameLst>
+                                      </p:cBhvr>
+                                      <p:to>
+                                        <p:strVal val="visible"/>
+                                      </p:to>
+                                    </p:set>
+                                    <p:anim calcmode="lin" valueType="num">
+                                      <p:cBhvr additive="base">
+                                        <p:cTn id="41" dur="500" fill="hold"/>
+                                        <p:tgtEl>
+                                          <p:spTgt spid="15"/>
+                                        </p:tgtEl>
+                                        <p:attrNameLst>
+                                          <p:attrName>ppt_x</p:attrName>
+                                        </p:attrNameLst>
+                                      </p:cBhvr>
+                                      <p:tavLst>
+                                        <p:tav tm="0">
+                                          <p:val>
+                                            <p:strVal val="#ppt_x"/>
+                                          </p:val>
+                                        </p:tav>
+                                        <p:tav tm="100000">
+                                          <p:val>
+                                            <p:strVal val="#ppt_x"/>
+                                          </p:val>
+                                        </p:tav>
+                                      </p:tavLst>
+                                    </p:anim>
+                                    <p:anim calcmode="lin" valueType="num">
+                                      <p:cBhvr additive="base">
+                                        <p:cTn id="42" dur="500" fill="hold"/>
+                                        <p:tgtEl>
+                                          <p:spTgt spid="15"/>
+                                        </p:tgtEl>
+                                        <p:attrNameLst>
+                                          <p:attrName>ppt_y</p:attrName>
+                                        </p:attrNameLst>
+                                      </p:cBhvr>
+                                      <p:tavLst>
+                                        <p:tav tm="0">
+                                          <p:val>
+                                            <p:strVal val="1+#ppt_h/2"/>
+                                          </p:val>
+                                        </p:tav>
+                                        <p:tav tm="100000">
+                                          <p:val>
+                                            <p:strVal val="#ppt_y"/>
+                                          </p:val>
+                                        </p:tav>
+                                      </p:tavLst>
+                                    </p:anim>
+                                  </p:childTnLst>
+                                </p:cTn>
+                              </p:par>
+                              <p:par>
+                                <p:cTn id="43" presetID="2" presetClass="entr" presetSubtype="4" fill="hold" nodeType="withEffect">
+                                  <p:stCondLst>
+                                    <p:cond delay="0"/>
+                                  </p:stCondLst>
+                                  <p:childTnLst>
+                                    <p:set>
+                                      <p:cBhvr>
+                                        <p:cTn id="44" dur="1" fill="hold">
+                                          <p:stCondLst>
+                                            <p:cond delay="0"/>
+                                          </p:stCondLst>
+                                        </p:cTn>
+                                        <p:tgtEl>
+                                          <p:spTgt spid="16"/>
+                                        </p:tgtEl>
+                                        <p:attrNameLst>
+                                          <p:attrName>style.visibility</p:attrName>
+                                        </p:attrNameLst>
+                                      </p:cBhvr>
+                                      <p:to>
+                                        <p:strVal val="visible"/>
+                                      </p:to>
+                                    </p:set>
+                                    <p:anim calcmode="lin" valueType="num">
+                                      <p:cBhvr additive="base">
+                                        <p:cTn id="45" dur="500" fill="hold"/>
+                                        <p:tgtEl>
+                                          <p:spTgt spid="16"/>
+                                        </p:tgtEl>
+                                        <p:attrNameLst>
+                                          <p:attrName>ppt_x</p:attrName>
+                                        </p:attrNameLst>
+                                      </p:cBhvr>
+                                      <p:tavLst>
+                                        <p:tav tm="0">
+                                          <p:val>
+                                            <p:strVal val="#ppt_x"/>
+                                          </p:val>
+                                        </p:tav>
+                                        <p:tav tm="100000">
+                                          <p:val>
+                                            <p:strVal val="#ppt_x"/>
+                                          </p:val>
+                                        </p:tav>
+                                      </p:tavLst>
+                                    </p:anim>
+                                    <p:anim calcmode="lin" valueType="num">
+                                      <p:cBhvr additive="base">
+                                        <p:cTn id="46" dur="500" fill="hold"/>
+                                        <p:tgtEl>
+                                          <p:spTgt spid="16"/>
+                                        </p:tgtEl>
+                                        <p:attrNameLst>
+                                          <p:attrName>ppt_y</p:attrName>
+                                        </p:attrNameLst>
+                                      </p:cBhvr>
+                                      <p:tavLst>
+                                        <p:tav tm="0">
+                                          <p:val>
+                                            <p:strVal val="1+#ppt_h/2"/>
+                                          </p:val>
+                                        </p:tav>
+                                        <p:tav tm="100000">
+                                          <p:val>
+                                            <p:strVal val="#ppt_y"/>
+                                          </p:val>
+                                        </p:tav>
+                                      </p:tavLst>
+                                    </p:anim>
+                                  </p:childTnLst>
+                                </p:cTn>
+                              </p:par>
+                              <p:par>
+                                <p:cTn id="47" presetID="2" presetClass="entr" presetSubtype="4" fill="hold" grpId="0" nodeType="withEffect">
+                                  <p:stCondLst>
+                                    <p:cond delay="0"/>
+                                  </p:stCondLst>
+                                  <p:childTnLst>
+                                    <p:set>
+                                      <p:cBhvr>
+                                        <p:cTn id="48" dur="1" fill="hold">
+                                          <p:stCondLst>
+                                            <p:cond delay="0"/>
+                                          </p:stCondLst>
+                                        </p:cTn>
+                                        <p:tgtEl>
+                                          <p:spTgt spid="17"/>
+                                        </p:tgtEl>
+                                        <p:attrNameLst>
+                                          <p:attrName>style.visibility</p:attrName>
+                                        </p:attrNameLst>
+                                      </p:cBhvr>
+                                      <p:to>
+                                        <p:strVal val="visible"/>
+                                      </p:to>
+                                    </p:set>
+                                    <p:anim calcmode="lin" valueType="num">
+                                      <p:cBhvr additive="base">
+                                        <p:cTn id="49" dur="500" fill="hold"/>
+                                        <p:tgtEl>
+                                          <p:spTgt spid="17"/>
+                                        </p:tgtEl>
+                                        <p:attrNameLst>
+                                          <p:attrName>ppt_x</p:attrName>
+                                        </p:attrNameLst>
+                                      </p:cBhvr>
+                                      <p:tavLst>
+                                        <p:tav tm="0">
+                                          <p:val>
+                                            <p:strVal val="#ppt_x"/>
+                                          </p:val>
+                                        </p:tav>
+                                        <p:tav tm="100000">
+                                          <p:val>
+                                            <p:strVal val="#ppt_x"/>
+                                          </p:val>
+                                        </p:tav>
+                                      </p:tavLst>
+                                    </p:anim>
+                                    <p:anim calcmode="lin" valueType="num">
+                                      <p:cBhvr additive="base">
+                                        <p:cTn id="50" dur="500" fill="hold"/>
+                                        <p:tgtEl>
+                                          <p:spTgt spid="17"/>
+                                        </p:tgtEl>
+                                        <p:attrNameLst>
+                                          <p:attrName>ppt_y</p:attrName>
+                                        </p:attrNameLst>
+                                      </p:cBhvr>
+                                      <p:tavLst>
+                                        <p:tav tm="0">
+                                          <p:val>
+                                            <p:strVal val="1+#ppt_h/2"/>
+                                          </p:val>
+                                        </p:tav>
+                                        <p:tav tm="100000">
+                                          <p:val>
+                                            <p:strVal val="#ppt_y"/>
+                                          </p:val>
+                                        </p:tav>
+                                      </p:tavLst>
+                                    </p:anim>
+                                  </p:childTnLst>
+                                </p:cTn>
+                              </p:par>
+                            </p:childTnLst>
+                          </p:cTn>
+                        </p:par>
+                      </p:childTnLst>
+                    </p:cTn>
+                  </p:par>
+                </p:childTnLst>
+              </p:cTn>
+              <p:prevCondLst>
+                <p:cond evt="onPrev" delay="0">
+                  <p:tgtEl>
+                    <p:sldTgt/>
+                  </p:tgtEl>
+                </p:cond>
+              </p:prevCondLst>
+              <p:nextCondLst>
+                <p:cond evt="onNext" delay="0">
+                  <p:tgtEl>
+                    <p:sldTgt/>
+                  </p:tgtEl>
+                </p:cond>
+              </p:nextCondLst>
+            </p:seq>
+          </p:childTnLst>
+        </p:cTn>
       </p:par>
     </p:tnLst>
+    <p:bldLst>
+      <p:bldP spid="6" grpId="0" animBg="1"/>
+      <p:bldP spid="7" grpId="0"/>
+      <p:bldP spid="8" grpId="0" animBg="1"/>
+      <p:bldP spid="9" grpId="0" animBg="1"/>
+      <p:bldP spid="10" grpId="0"/>
+      <p:bldP spid="11" grpId="0" animBg="1"/>
+      <p:bldP spid="12" grpId="0" animBg="1"/>
+      <p:bldP spid="13" grpId="0"/>
+      <p:bldP spid="15" grpId="0"/>
+      <p:bldP spid="17" grpId="0"/>
+    </p:bldLst>
   </p:timing>
 </p:sld>
 </file>
@@ -19736,7 +20938,15 @@
             <a:pPr lvl="2"/>
             <a:r>
               <a:rPr lang="pt-PT" dirty="0" smtClean="0"/>
-              <a:t>Este novo filtro é uma conjunção do filtro estático definido através da biblioteca </a:t>
+              <a:t>Este </a:t>
+            </a:r>
+            <a:r>
+              <a:rPr lang="pt-PT" dirty="0" smtClean="0"/>
+              <a:t>novo filtro </a:t>
+            </a:r>
+            <a:r>
+              <a:rPr lang="pt-PT" dirty="0" smtClean="0"/>
+              <a:t>é uma conjunção do filtro estático definido através da biblioteca </a:t>
             </a:r>
             <a:r>
               <a:rPr lang="pt-PT" dirty="0" err="1" smtClean="0"/>
@@ -19867,23 +21077,14 @@
             </a:r>
             <a:r>
               <a:rPr lang="pt-PT" dirty="0" smtClean="0"/>
-              <a:t> e filtragem por processo no </a:t>
-            </a:r>
+              <a:t> e filtragem por processo no núcleo</a:t>
+            </a:r>
+          </a:p>
+          <a:p>
+            <a:pPr lvl="1"/>
             <a:r>
               <a:rPr lang="pt-PT" dirty="0" smtClean="0"/>
-              <a:t>núcleo</a:t>
-            </a:r>
-            <a:endParaRPr lang="pt-PT" dirty="0" smtClean="0"/>
-          </a:p>
-          <a:p>
-            <a:pPr lvl="1"/>
-            <a:r>
-              <a:rPr lang="pt-PT" dirty="0" smtClean="0"/>
-              <a:t>Monitorização </a:t>
-            </a:r>
-            <a:r>
-              <a:rPr lang="pt-PT" dirty="0" smtClean="0"/>
-              <a:t>do processo no núcleo</a:t>
+              <a:t>Monitorização do processo no núcleo</a:t>
             </a:r>
           </a:p>
           <a:p>
@@ -20021,10 +21222,14 @@
           <a:lstStyle/>
           <a:p>
             <a:r>
-              <a:rPr lang="pt-PT" smtClean="0"/>
-              <a:t>Arquitectura da solução</a:t>
-            </a:r>
-            <a:endParaRPr lang="pt-PT"/>
+              <a:rPr lang="pt-PT" dirty="0" err="1" smtClean="0"/>
+              <a:t>Arquitectura</a:t>
+            </a:r>
+            <a:r>
+              <a:rPr lang="pt-PT" dirty="0" smtClean="0"/>
+              <a:t> da solução</a:t>
+            </a:r>
+            <a:endParaRPr lang="pt-PT" dirty="0"/>
           </a:p>
         </p:txBody>
       </p:sp>
@@ -20041,29 +21246,65 @@
         <p:spPr>
           <a:xfrm>
             <a:off x="457200" y="1556792"/>
-            <a:ext cx="8229600" cy="4325112"/>
-          </a:xfrm>
-        </p:spPr>
-        <p:txBody>
-          <a:bodyPr/>
+            <a:ext cx="8229600" cy="4968552"/>
+          </a:xfrm>
+        </p:spPr>
+        <p:txBody>
+          <a:bodyPr>
+            <a:normAutofit lnSpcReduction="10000"/>
+          </a:bodyPr>
           <a:lstStyle/>
           <a:p>
             <a:r>
               <a:rPr lang="pt-PT" dirty="0" smtClean="0"/>
-              <a:t>Dividido em 4 componentes</a:t>
-            </a:r>
-          </a:p>
-          <a:p>
+              <a:t>Monitorização de </a:t>
+            </a:r>
+            <a:r>
+              <a:rPr lang="pt-PT" dirty="0" smtClean="0"/>
+              <a:t>Rede </a:t>
+            </a:r>
+            <a:r>
+              <a:rPr lang="pt-PT" dirty="0" smtClean="0"/>
+              <a:t>orientada ao Processo</a:t>
+            </a:r>
+          </a:p>
+          <a:p>
+            <a:pPr>
+              <a:buNone/>
+            </a:pPr>
             <a:endParaRPr lang="pt-PT" dirty="0" smtClean="0"/>
           </a:p>
           <a:p>
-            <a:pPr lvl="1">
+            <a:pPr lvl="1"/>
+            <a:r>
+              <a:rPr lang="pt-PT" dirty="0" smtClean="0"/>
+              <a:t>Dividido </a:t>
+            </a:r>
+            <a:r>
+              <a:rPr lang="pt-PT" dirty="0" smtClean="0"/>
+              <a:t>em 4 </a:t>
+            </a:r>
+            <a:r>
+              <a:rPr lang="pt-PT" dirty="0" smtClean="0"/>
+              <a:t>componentes</a:t>
+            </a:r>
+          </a:p>
+          <a:p>
+            <a:pPr lvl="1"/>
+            <a:endParaRPr lang="pt-PT" dirty="0" smtClean="0"/>
+          </a:p>
+          <a:p>
+            <a:pPr lvl="2">
               <a:buFont typeface="Arial" pitchFamily="34" charset="0"/>
               <a:buChar char="•"/>
             </a:pPr>
             <a:r>
               <a:rPr lang="pt-PT" dirty="0" smtClean="0"/>
-              <a:t> Instrumentação de chamadas ao sistema</a:t>
+              <a:t>Instrumentação </a:t>
+            </a:r>
+            <a:r>
+              <a:rPr lang="pt-PT" dirty="0" smtClean="0"/>
+              <a:t>de chamadas ao sistema</a:t>
             </a:r>
           </a:p>
           <a:p>
@@ -20071,54 +21312,64 @@
             <a:endParaRPr lang="pt-PT" dirty="0" smtClean="0"/>
           </a:p>
           <a:p>
-            <a:pPr lvl="1">
+            <a:pPr lvl="2">
               <a:buFont typeface="Arial" charset="0"/>
               <a:buChar char="•"/>
             </a:pPr>
             <a:r>
               <a:rPr lang="pt-PT" dirty="0" smtClean="0"/>
-              <a:t> Estado dos portos/</a:t>
-            </a:r>
-            <a:r>
-              <a:rPr lang="pt-PT" dirty="0" err="1" smtClean="0"/>
-              <a:t>sockets</a:t>
-            </a:r>
-            <a:endParaRPr lang="pt-PT" dirty="0" smtClean="0"/>
-          </a:p>
-          <a:p>
-            <a:pPr lvl="1"/>
-            <a:endParaRPr lang="pt-PT" dirty="0" smtClean="0"/>
-          </a:p>
-          <a:p>
-            <a:pPr lvl="1">
+              <a:t>Estado do processo </a:t>
+            </a:r>
+          </a:p>
+          <a:p>
+            <a:pPr lvl="3">
               <a:buFont typeface="Arial" charset="0"/>
               <a:buChar char="•"/>
             </a:pPr>
             <a:r>
               <a:rPr lang="pt-PT" dirty="0" smtClean="0"/>
-              <a:t> </a:t>
-            </a:r>
-            <a:r>
-              <a:rPr lang="pt-PT" dirty="0" smtClean="0"/>
-              <a:t>Extensão ao filtro </a:t>
-            </a:r>
-            <a:r>
-              <a:rPr lang="pt-PT" dirty="0" smtClean="0"/>
-              <a:t>de pacotes do LSF</a:t>
-            </a:r>
+              <a:t>Relativo aos </a:t>
+            </a:r>
+            <a:r>
+              <a:rPr lang="pt-PT" dirty="0" err="1" smtClean="0"/>
+              <a:t>sockets</a:t>
+            </a:r>
+            <a:endParaRPr lang="pt-PT" dirty="0" smtClean="0"/>
           </a:p>
           <a:p>
             <a:pPr lvl="1"/>
             <a:endParaRPr lang="pt-PT" dirty="0" smtClean="0"/>
           </a:p>
           <a:p>
-            <a:pPr lvl="1">
+            <a:pPr lvl="2">
               <a:buFont typeface="Arial" charset="0"/>
               <a:buChar char="•"/>
             </a:pPr>
             <a:r>
               <a:rPr lang="pt-PT" dirty="0" smtClean="0"/>
-              <a:t> Controlo / API</a:t>
+              <a:t>Extensão </a:t>
+            </a:r>
+            <a:r>
+              <a:rPr lang="pt-PT" dirty="0" smtClean="0"/>
+              <a:t>ao filtro de pacotes do LSF</a:t>
+            </a:r>
+          </a:p>
+          <a:p>
+            <a:pPr lvl="1"/>
+            <a:endParaRPr lang="pt-PT" dirty="0" smtClean="0"/>
+          </a:p>
+          <a:p>
+            <a:pPr lvl="2">
+              <a:buFont typeface="Arial" charset="0"/>
+              <a:buChar char="•"/>
+            </a:pPr>
+            <a:r>
+              <a:rPr lang="pt-PT" dirty="0" smtClean="0"/>
+              <a:t>Controlo </a:t>
+            </a:r>
+            <a:r>
+              <a:rPr lang="pt-PT" dirty="0" smtClean="0"/>
+              <a:t>/ API</a:t>
             </a:r>
           </a:p>
           <a:p>

--- a/doc/apresentacao_dissertacao.pptx
+++ b/doc/apresentacao_dissertacao.pptx
@@ -13297,12 +13297,20 @@
               <a:t>Análise aos dados </a:t>
             </a:r>
             <a:r>
+              <a:rPr lang="pt-PT" dirty="0" smtClean="0"/>
+              <a:t>obtidos </a:t>
+            </a:r>
+            <a:r>
               <a:rPr lang="pt-PT" dirty="0" err="1" smtClean="0"/>
               <a:t>efectuada</a:t>
             </a:r>
             <a:r>
               <a:rPr lang="pt-PT" dirty="0" smtClean="0"/>
-              <a:t> de modo </a:t>
+              <a:t> de </a:t>
+            </a:r>
+            <a:r>
+              <a:rPr lang="pt-PT" dirty="0" smtClean="0"/>
+              <a:t>modo </a:t>
             </a:r>
             <a:r>
               <a:rPr lang="pt-PT" i="1" dirty="0" smtClean="0"/>
@@ -20139,11 +20147,7 @@
             </a:r>
             <a:r>
               <a:rPr lang="pt-PT" dirty="0" smtClean="0"/>
-              <a:t> tem uma </a:t>
-            </a:r>
-            <a:r>
-              <a:rPr lang="pt-PT" smtClean="0"/>
-              <a:t>latência elevada</a:t>
+              <a:t> tem uma latência elevada</a:t>
             </a:r>
             <a:endParaRPr lang="pt-PT" dirty="0" smtClean="0"/>
           </a:p>
@@ -21491,14 +21495,14 @@
       </p:sp>
       <p:sp>
         <p:nvSpPr>
-          <p:cNvPr id="5" name="Rectângulo 4"/>
+          <p:cNvPr id="14" name="Rectângulo 13"/>
           <p:cNvSpPr/>
           <p:nvPr/>
         </p:nvSpPr>
         <p:spPr>
           <a:xfrm>
-            <a:off x="2339752" y="1403484"/>
-            <a:ext cx="1368152" cy="360040"/>
+            <a:off x="1259632" y="3131676"/>
+            <a:ext cx="1368152" cy="432048"/>
           </a:xfrm>
           <a:prstGeom prst="rect">
             <a:avLst/>
@@ -21532,14 +21536,14 @@
       </p:sp>
       <p:sp>
         <p:nvSpPr>
-          <p:cNvPr id="10" name="Rectângulo 9"/>
+          <p:cNvPr id="15" name="Rectângulo 14"/>
           <p:cNvSpPr/>
           <p:nvPr/>
         </p:nvSpPr>
         <p:spPr>
           <a:xfrm>
-            <a:off x="683568" y="2276872"/>
-            <a:ext cx="4824536" cy="360040"/>
+            <a:off x="6660232" y="2276872"/>
+            <a:ext cx="1368152" cy="2304256"/>
           </a:xfrm>
           <a:prstGeom prst="rect">
             <a:avLst/>
@@ -21573,211 +21577,6 @@
       </p:sp>
       <p:sp>
         <p:nvSpPr>
-          <p:cNvPr id="11" name="Rectângulo 10"/>
-          <p:cNvSpPr/>
-          <p:nvPr/>
-        </p:nvSpPr>
-        <p:spPr>
-          <a:xfrm>
-            <a:off x="251520" y="4005064"/>
-            <a:ext cx="2016224" cy="792088"/>
-          </a:xfrm>
-          <a:prstGeom prst="rect">
-            <a:avLst/>
-          </a:prstGeom>
-          <a:noFill/>
-        </p:spPr>
-        <p:style>
-          <a:lnRef idx="2">
-            <a:schemeClr val="accent1">
-              <a:shade val="50000"/>
-            </a:schemeClr>
-          </a:lnRef>
-          <a:fillRef idx="1">
-            <a:schemeClr val="accent1"/>
-          </a:fillRef>
-          <a:effectRef idx="0">
-            <a:schemeClr val="accent1"/>
-          </a:effectRef>
-          <a:fontRef idx="minor">
-            <a:schemeClr val="lt1"/>
-          </a:fontRef>
-        </p:style>
-        <p:txBody>
-          <a:bodyPr rtlCol="0" anchor="ctr"/>
-          <a:lstStyle/>
-          <a:p>
-            <a:pPr algn="ctr"/>
-            <a:endParaRPr lang="pt-PT"/>
-          </a:p>
-        </p:txBody>
-      </p:sp>
-      <p:sp>
-        <p:nvSpPr>
-          <p:cNvPr id="12" name="Rectângulo 11"/>
-          <p:cNvSpPr/>
-          <p:nvPr/>
-        </p:nvSpPr>
-        <p:spPr>
-          <a:xfrm>
-            <a:off x="2411760" y="4005064"/>
-            <a:ext cx="1368152" cy="720080"/>
-          </a:xfrm>
-          <a:prstGeom prst="rect">
-            <a:avLst/>
-          </a:prstGeom>
-          <a:noFill/>
-        </p:spPr>
-        <p:style>
-          <a:lnRef idx="2">
-            <a:schemeClr val="accent1">
-              <a:shade val="50000"/>
-            </a:schemeClr>
-          </a:lnRef>
-          <a:fillRef idx="1">
-            <a:schemeClr val="accent1"/>
-          </a:fillRef>
-          <a:effectRef idx="0">
-            <a:schemeClr val="accent1"/>
-          </a:effectRef>
-          <a:fontRef idx="minor">
-            <a:schemeClr val="lt1"/>
-          </a:fontRef>
-        </p:style>
-        <p:txBody>
-          <a:bodyPr rtlCol="0" anchor="ctr"/>
-          <a:lstStyle/>
-          <a:p>
-            <a:pPr algn="ctr"/>
-            <a:endParaRPr lang="pt-PT"/>
-          </a:p>
-        </p:txBody>
-      </p:sp>
-      <p:sp>
-        <p:nvSpPr>
-          <p:cNvPr id="13" name="Rectângulo 12"/>
-          <p:cNvSpPr/>
-          <p:nvPr/>
-        </p:nvSpPr>
-        <p:spPr>
-          <a:xfrm>
-            <a:off x="4139952" y="4005064"/>
-            <a:ext cx="1656184" cy="720080"/>
-          </a:xfrm>
-          <a:prstGeom prst="rect">
-            <a:avLst/>
-          </a:prstGeom>
-          <a:noFill/>
-        </p:spPr>
-        <p:style>
-          <a:lnRef idx="2">
-            <a:schemeClr val="accent1">
-              <a:shade val="50000"/>
-            </a:schemeClr>
-          </a:lnRef>
-          <a:fillRef idx="1">
-            <a:schemeClr val="accent1"/>
-          </a:fillRef>
-          <a:effectRef idx="0">
-            <a:schemeClr val="accent1"/>
-          </a:effectRef>
-          <a:fontRef idx="minor">
-            <a:schemeClr val="lt1"/>
-          </a:fontRef>
-        </p:style>
-        <p:txBody>
-          <a:bodyPr rtlCol="0" anchor="ctr"/>
-          <a:lstStyle/>
-          <a:p>
-            <a:pPr algn="ctr"/>
-            <a:endParaRPr lang="pt-PT"/>
-          </a:p>
-        </p:txBody>
-      </p:sp>
-      <p:sp>
-        <p:nvSpPr>
-          <p:cNvPr id="14" name="Rectângulo 13"/>
-          <p:cNvSpPr/>
-          <p:nvPr/>
-        </p:nvSpPr>
-        <p:spPr>
-          <a:xfrm>
-            <a:off x="1259632" y="3131676"/>
-            <a:ext cx="1368152" cy="432048"/>
-          </a:xfrm>
-          <a:prstGeom prst="rect">
-            <a:avLst/>
-          </a:prstGeom>
-          <a:noFill/>
-        </p:spPr>
-        <p:style>
-          <a:lnRef idx="2">
-            <a:schemeClr val="accent1">
-              <a:shade val="50000"/>
-            </a:schemeClr>
-          </a:lnRef>
-          <a:fillRef idx="1">
-            <a:schemeClr val="accent1"/>
-          </a:fillRef>
-          <a:effectRef idx="0">
-            <a:schemeClr val="accent1"/>
-          </a:effectRef>
-          <a:fontRef idx="minor">
-            <a:schemeClr val="lt1"/>
-          </a:fontRef>
-        </p:style>
-        <p:txBody>
-          <a:bodyPr rtlCol="0" anchor="ctr"/>
-          <a:lstStyle/>
-          <a:p>
-            <a:pPr algn="ctr"/>
-            <a:endParaRPr lang="pt-PT"/>
-          </a:p>
-        </p:txBody>
-      </p:sp>
-      <p:sp>
-        <p:nvSpPr>
-          <p:cNvPr id="15" name="Rectângulo 14"/>
-          <p:cNvSpPr/>
-          <p:nvPr/>
-        </p:nvSpPr>
-        <p:spPr>
-          <a:xfrm>
-            <a:off x="6660232" y="2276872"/>
-            <a:ext cx="1368152" cy="2304256"/>
-          </a:xfrm>
-          <a:prstGeom prst="rect">
-            <a:avLst/>
-          </a:prstGeom>
-          <a:noFill/>
-        </p:spPr>
-        <p:style>
-          <a:lnRef idx="2">
-            <a:schemeClr val="accent1">
-              <a:shade val="50000"/>
-            </a:schemeClr>
-          </a:lnRef>
-          <a:fillRef idx="1">
-            <a:schemeClr val="accent1"/>
-          </a:fillRef>
-          <a:effectRef idx="0">
-            <a:schemeClr val="accent1"/>
-          </a:effectRef>
-          <a:fontRef idx="minor">
-            <a:schemeClr val="lt1"/>
-          </a:fontRef>
-        </p:style>
-        <p:txBody>
-          <a:bodyPr rtlCol="0" anchor="ctr"/>
-          <a:lstStyle/>
-          <a:p>
-            <a:pPr algn="ctr"/>
-            <a:endParaRPr lang="pt-PT"/>
-          </a:p>
-        </p:txBody>
-      </p:sp>
-      <p:sp>
-        <p:nvSpPr>
           <p:cNvPr id="16" name="Rectângulo 15"/>
           <p:cNvSpPr/>
           <p:nvPr/>
@@ -21786,47 +21585,6 @@
           <a:xfrm>
             <a:off x="6444208" y="4725144"/>
             <a:ext cx="1656184" cy="576064"/>
-          </a:xfrm>
-          <a:prstGeom prst="rect">
-            <a:avLst/>
-          </a:prstGeom>
-          <a:noFill/>
-        </p:spPr>
-        <p:style>
-          <a:lnRef idx="2">
-            <a:schemeClr val="accent1">
-              <a:shade val="50000"/>
-            </a:schemeClr>
-          </a:lnRef>
-          <a:fillRef idx="1">
-            <a:schemeClr val="accent1"/>
-          </a:fillRef>
-          <a:effectRef idx="0">
-            <a:schemeClr val="accent1"/>
-          </a:effectRef>
-          <a:fontRef idx="minor">
-            <a:schemeClr val="lt1"/>
-          </a:fontRef>
-        </p:style>
-        <p:txBody>
-          <a:bodyPr rtlCol="0" anchor="ctr"/>
-          <a:lstStyle/>
-          <a:p>
-            <a:pPr algn="ctr"/>
-            <a:endParaRPr lang="pt-PT"/>
-          </a:p>
-        </p:txBody>
-      </p:sp>
-      <p:sp>
-        <p:nvSpPr>
-          <p:cNvPr id="17" name="Rectângulo 16"/>
-          <p:cNvSpPr/>
-          <p:nvPr/>
-        </p:nvSpPr>
-        <p:spPr>
-          <a:xfrm>
-            <a:off x="6948264" y="3645024"/>
-            <a:ext cx="720080" cy="432048"/>
           </a:xfrm>
           <a:prstGeom prst="rect">
             <a:avLst/>
@@ -22047,13 +21805,18 @@
         </p:nvSpPr>
         <p:spPr>
           <a:xfrm>
-            <a:off x="2411760" y="1403484"/>
+            <a:off x="539552" y="1268760"/>
             <a:ext cx="1224136" cy="369332"/>
           </a:xfrm>
           <a:prstGeom prst="rect">
             <a:avLst/>
           </a:prstGeom>
           <a:noFill/>
+          <a:ln>
+            <a:solidFill>
+              <a:schemeClr val="tx1"/>
+            </a:solidFill>
+          </a:ln>
         </p:spPr>
         <p:txBody>
           <a:bodyPr wrap="square" rtlCol="0">
@@ -22063,7 +21826,7 @@
           <a:p>
             <a:r>
               <a:rPr lang="pt-PT" dirty="0" smtClean="0"/>
-              <a:t>Monitor</a:t>
+              <a:t>Gestor</a:t>
             </a:r>
             <a:endParaRPr lang="pt-PT" dirty="0"/>
           </a:p>
@@ -22077,13 +21840,18 @@
         </p:nvSpPr>
         <p:spPr>
           <a:xfrm>
-            <a:off x="755576" y="2276872"/>
+            <a:off x="755576" y="2339588"/>
             <a:ext cx="4680520" cy="369332"/>
           </a:xfrm>
           <a:prstGeom prst="rect">
             <a:avLst/>
           </a:prstGeom>
           <a:noFill/>
+          <a:ln>
+            <a:solidFill>
+              <a:schemeClr val="tx1"/>
+            </a:solidFill>
+          </a:ln>
         </p:spPr>
         <p:txBody>
           <a:bodyPr wrap="square" rtlCol="0">
@@ -22144,6 +21912,11 @@
             <a:avLst/>
           </a:prstGeom>
           <a:noFill/>
+          <a:ln>
+            <a:solidFill>
+              <a:schemeClr val="tx1"/>
+            </a:solidFill>
+          </a:ln>
         </p:spPr>
         <p:txBody>
           <a:bodyPr wrap="square" rtlCol="0">
@@ -22180,6 +21953,11 @@
             <a:avLst/>
           </a:prstGeom>
           <a:noFill/>
+          <a:ln>
+            <a:solidFill>
+              <a:schemeClr val="tx1"/>
+            </a:solidFill>
+          </a:ln>
         </p:spPr>
         <p:txBody>
           <a:bodyPr wrap="square" rtlCol="0">
@@ -22216,6 +21994,11 @@
             <a:avLst/>
           </a:prstGeom>
           <a:noFill/>
+          <a:ln>
+            <a:solidFill>
+              <a:schemeClr val="tx1"/>
+            </a:solidFill>
+          </a:ln>
         </p:spPr>
         <p:txBody>
           <a:bodyPr wrap="square" rtlCol="0">
@@ -22246,6 +22029,11 @@
             <a:avLst/>
           </a:prstGeom>
           <a:noFill/>
+          <a:ln>
+            <a:solidFill>
+              <a:schemeClr val="tx1"/>
+            </a:solidFill>
+          </a:ln>
         </p:spPr>
         <p:txBody>
           <a:bodyPr wrap="square" rtlCol="0">
@@ -22387,6 +22175,111 @@
             <a:r>
               <a:rPr lang="pt-PT" dirty="0" smtClean="0"/>
               <a:t>Placa de rede</a:t>
+            </a:r>
+            <a:endParaRPr lang="pt-PT" dirty="0"/>
+          </a:p>
+        </p:txBody>
+      </p:sp>
+      <p:sp>
+        <p:nvSpPr>
+          <p:cNvPr id="34" name="CaixaDeTexto 33"/>
+          <p:cNvSpPr txBox="1"/>
+          <p:nvPr/>
+        </p:nvSpPr>
+        <p:spPr>
+          <a:xfrm>
+            <a:off x="1979712" y="1196752"/>
+            <a:ext cx="1224136" cy="646331"/>
+          </a:xfrm>
+          <a:prstGeom prst="rect">
+            <a:avLst/>
+          </a:prstGeom>
+          <a:noFill/>
+          <a:ln>
+            <a:solidFill>
+              <a:schemeClr val="tx1"/>
+            </a:solidFill>
+          </a:ln>
+        </p:spPr>
+        <p:txBody>
+          <a:bodyPr wrap="square" rtlCol="0">
+            <a:spAutoFit/>
+          </a:bodyPr>
+          <a:lstStyle/>
+          <a:p>
+            <a:r>
+              <a:rPr lang="pt-PT" dirty="0" smtClean="0"/>
+              <a:t>Processo genérico</a:t>
+            </a:r>
+            <a:endParaRPr lang="pt-PT" dirty="0"/>
+          </a:p>
+        </p:txBody>
+      </p:sp>
+      <p:sp>
+        <p:nvSpPr>
+          <p:cNvPr id="37" name="CaixaDeTexto 36"/>
+          <p:cNvSpPr txBox="1"/>
+          <p:nvPr/>
+        </p:nvSpPr>
+        <p:spPr>
+          <a:xfrm>
+            <a:off x="3347864" y="1196752"/>
+            <a:ext cx="1224136" cy="646331"/>
+          </a:xfrm>
+          <a:prstGeom prst="rect">
+            <a:avLst/>
+          </a:prstGeom>
+          <a:noFill/>
+          <a:ln>
+            <a:solidFill>
+              <a:schemeClr val="tx1"/>
+            </a:solidFill>
+          </a:ln>
+        </p:spPr>
+        <p:txBody>
+          <a:bodyPr wrap="square" rtlCol="0">
+            <a:spAutoFit/>
+          </a:bodyPr>
+          <a:lstStyle/>
+          <a:p>
+            <a:r>
+              <a:rPr lang="pt-PT" dirty="0" smtClean="0"/>
+              <a:t>Processo genérico</a:t>
+            </a:r>
+            <a:endParaRPr lang="pt-PT" dirty="0"/>
+          </a:p>
+        </p:txBody>
+      </p:sp>
+      <p:sp>
+        <p:nvSpPr>
+          <p:cNvPr id="38" name="CaixaDeTexto 37"/>
+          <p:cNvSpPr txBox="1"/>
+          <p:nvPr/>
+        </p:nvSpPr>
+        <p:spPr>
+          <a:xfrm>
+            <a:off x="4644008" y="1196752"/>
+            <a:ext cx="1224136" cy="646331"/>
+          </a:xfrm>
+          <a:prstGeom prst="rect">
+            <a:avLst/>
+          </a:prstGeom>
+          <a:noFill/>
+          <a:ln>
+            <a:solidFill>
+              <a:schemeClr val="tx1"/>
+            </a:solidFill>
+          </a:ln>
+        </p:spPr>
+        <p:txBody>
+          <a:bodyPr wrap="square" rtlCol="0">
+            <a:spAutoFit/>
+          </a:bodyPr>
+          <a:lstStyle/>
+          <a:p>
+            <a:r>
+              <a:rPr lang="pt-PT" dirty="0" smtClean="0"/>
+              <a:t>Processo genérico</a:t>
             </a:r>
             <a:endParaRPr lang="pt-PT" dirty="0"/>
           </a:p>
@@ -22427,7 +22320,7 @@
                                       <p:cBhvr>
                                         <p:cTn id="6" dur="2000" fill="hold"/>
                                         <p:tgtEl>
-                                          <p:spTgt spid="11"/>
+                                          <p:spTgt spid="25"/>
                                         </p:tgtEl>
                                         <p:attrNameLst>
                                           <p:attrName>fillcolor</p:attrName>
@@ -22441,7 +22334,7 @@
                                       <p:cBhvr>
                                         <p:cTn id="7" dur="2000" fill="hold"/>
                                         <p:tgtEl>
-                                          <p:spTgt spid="11"/>
+                                          <p:spTgt spid="25"/>
                                         </p:tgtEl>
                                         <p:attrNameLst>
                                           <p:attrName>fill.type</p:attrName>
@@ -22455,7 +22348,7 @@
                                       <p:cBhvr>
                                         <p:cTn id="8" dur="2000" fill="hold"/>
                                         <p:tgtEl>
-                                          <p:spTgt spid="11"/>
+                                          <p:spTgt spid="25"/>
                                         </p:tgtEl>
                                         <p:attrNameLst>
                                           <p:attrName>fill.on</p:attrName>
@@ -22478,7 +22371,7 @@
                                       <p:cBhvr>
                                         <p:cTn id="10" dur="2000" fill="hold"/>
                                         <p:tgtEl>
-                                          <p:spTgt spid="12"/>
+                                          <p:spTgt spid="30"/>
                                         </p:tgtEl>
                                         <p:attrNameLst>
                                           <p:attrName>fillcolor</p:attrName>
@@ -22492,7 +22385,7 @@
                                       <p:cBhvr>
                                         <p:cTn id="11" dur="2000" fill="hold"/>
                                         <p:tgtEl>
-                                          <p:spTgt spid="12"/>
+                                          <p:spTgt spid="30"/>
                                         </p:tgtEl>
                                         <p:attrNameLst>
                                           <p:attrName>fill.type</p:attrName>
@@ -22506,7 +22399,7 @@
                                       <p:cBhvr>
                                         <p:cTn id="12" dur="2000" fill="hold"/>
                                         <p:tgtEl>
-                                          <p:spTgt spid="12"/>
+                                          <p:spTgt spid="30"/>
                                         </p:tgtEl>
                                         <p:attrNameLst>
                                           <p:attrName>fill.on</p:attrName>
@@ -22529,7 +22422,7 @@
                                       <p:cBhvr>
                                         <p:cTn id="14" dur="2000" fill="hold"/>
                                         <p:tgtEl>
-                                          <p:spTgt spid="13"/>
+                                          <p:spTgt spid="29"/>
                                         </p:tgtEl>
                                         <p:attrNameLst>
                                           <p:attrName>fillcolor</p:attrName>
@@ -22543,7 +22436,7 @@
                                       <p:cBhvr>
                                         <p:cTn id="15" dur="2000" fill="hold"/>
                                         <p:tgtEl>
-                                          <p:spTgt spid="13"/>
+                                          <p:spTgt spid="29"/>
                                         </p:tgtEl>
                                         <p:attrNameLst>
                                           <p:attrName>fill.type</p:attrName>
@@ -22557,7 +22450,7 @@
                                       <p:cBhvr>
                                         <p:cTn id="16" dur="2000" fill="hold"/>
                                         <p:tgtEl>
-                                          <p:spTgt spid="13"/>
+                                          <p:spTgt spid="29"/>
                                         </p:tgtEl>
                                         <p:attrNameLst>
                                           <p:attrName>fill.on</p:attrName>
@@ -22580,7 +22473,7 @@
                                       <p:cBhvr>
                                         <p:cTn id="18" dur="2000" fill="hold"/>
                                         <p:tgtEl>
-                                          <p:spTgt spid="29"/>
+                                          <p:spTgt spid="28"/>
                                         </p:tgtEl>
                                         <p:attrNameLst>
                                           <p:attrName>fillcolor</p:attrName>
@@ -22594,7 +22487,7 @@
                                       <p:cBhvr>
                                         <p:cTn id="19" dur="2000" fill="hold"/>
                                         <p:tgtEl>
-                                          <p:spTgt spid="29"/>
+                                          <p:spTgt spid="28"/>
                                         </p:tgtEl>
                                         <p:attrNameLst>
                                           <p:attrName>fill.type</p:attrName>
@@ -22608,160 +22501,7 @@
                                       <p:cBhvr>
                                         <p:cTn id="20" dur="2000" fill="hold"/>
                                         <p:tgtEl>
-                                          <p:spTgt spid="29"/>
-                                        </p:tgtEl>
-                                        <p:attrNameLst>
-                                          <p:attrName>fill.on</p:attrName>
-                                        </p:attrNameLst>
-                                      </p:cBhvr>
-                                      <p:to>
-                                        <p:strVal val="true"/>
-                                      </p:to>
-                                    </p:set>
-                                  </p:childTnLst>
-                                </p:cTn>
-                              </p:par>
-                              <p:par>
-                                <p:cTn id="21" presetID="1" presetClass="emph" presetSubtype="2" fill="hold" nodeType="withEffect">
-                                  <p:stCondLst>
-                                    <p:cond delay="0"/>
-                                  </p:stCondLst>
-                                  <p:childTnLst>
-                                    <p:animClr clrSpc="rgb">
-                                      <p:cBhvr>
-                                        <p:cTn id="22" dur="2000" fill="hold"/>
-                                        <p:tgtEl>
-                                          <p:spTgt spid="30"/>
-                                        </p:tgtEl>
-                                        <p:attrNameLst>
-                                          <p:attrName>fillcolor</p:attrName>
-                                        </p:attrNameLst>
-                                      </p:cBhvr>
-                                      <p:to>
-                                        <a:schemeClr val="accent2"/>
-                                      </p:to>
-                                    </p:animClr>
-                                    <p:set>
-                                      <p:cBhvr>
-                                        <p:cTn id="23" dur="2000" fill="hold"/>
-                                        <p:tgtEl>
-                                          <p:spTgt spid="30"/>
-                                        </p:tgtEl>
-                                        <p:attrNameLst>
-                                          <p:attrName>fill.type</p:attrName>
-                                        </p:attrNameLst>
-                                      </p:cBhvr>
-                                      <p:to>
-                                        <p:strVal val="solid"/>
-                                      </p:to>
-                                    </p:set>
-                                    <p:set>
-                                      <p:cBhvr>
-                                        <p:cTn id="24" dur="2000" fill="hold"/>
-                                        <p:tgtEl>
-                                          <p:spTgt spid="30"/>
-                                        </p:tgtEl>
-                                        <p:attrNameLst>
-                                          <p:attrName>fill.on</p:attrName>
-                                        </p:attrNameLst>
-                                      </p:cBhvr>
-                                      <p:to>
-                                        <p:strVal val="true"/>
-                                      </p:to>
-                                    </p:set>
-                                  </p:childTnLst>
-                                </p:cTn>
-                              </p:par>
-                              <p:par>
-                                <p:cTn id="25" presetID="1" presetClass="emph" presetSubtype="2" fill="hold" nodeType="withEffect">
-                                  <p:stCondLst>
-                                    <p:cond delay="0"/>
-                                  </p:stCondLst>
-                                  <p:childTnLst>
-                                    <p:animClr clrSpc="rgb">
-                                      <p:cBhvr>
-                                        <p:cTn id="26" dur="2000" fill="hold"/>
-                                        <p:tgtEl>
-                                          <p:spTgt spid="10"/>
-                                        </p:tgtEl>
-                                        <p:attrNameLst>
-                                          <p:attrName>fillcolor</p:attrName>
-                                        </p:attrNameLst>
-                                      </p:cBhvr>
-                                      <p:to>
-                                        <a:schemeClr val="accent2"/>
-                                      </p:to>
-                                    </p:animClr>
-                                    <p:set>
-                                      <p:cBhvr>
-                                        <p:cTn id="27" dur="2000" fill="hold"/>
-                                        <p:tgtEl>
-                                          <p:spTgt spid="10"/>
-                                        </p:tgtEl>
-                                        <p:attrNameLst>
-                                          <p:attrName>fill.type</p:attrName>
-                                        </p:attrNameLst>
-                                      </p:cBhvr>
-                                      <p:to>
-                                        <p:strVal val="solid"/>
-                                      </p:to>
-                                    </p:set>
-                                    <p:set>
-                                      <p:cBhvr>
-                                        <p:cTn id="28" dur="2000" fill="hold"/>
-                                        <p:tgtEl>
-                                          <p:spTgt spid="10"/>
-                                        </p:tgtEl>
-                                        <p:attrNameLst>
-                                          <p:attrName>fill.on</p:attrName>
-                                        </p:attrNameLst>
-                                      </p:cBhvr>
-                                      <p:to>
-                                        <p:strVal val="true"/>
-                                      </p:to>
-                                    </p:set>
-                                  </p:childTnLst>
-                                </p:cTn>
-                              </p:par>
-                              <p:par>
-                                <p:cTn id="29" presetID="1" presetClass="emph" presetSubtype="2" fill="hold" nodeType="withEffect">
-                                  <p:stCondLst>
-                                    <p:cond delay="0"/>
-                                  </p:stCondLst>
-                                  <p:childTnLst>
-                                    <p:animClr clrSpc="rgb">
-                                      <p:cBhvr>
-                                        <p:cTn id="30" dur="2000" fill="hold"/>
-                                        <p:tgtEl>
-                                          <p:spTgt spid="25"/>
-                                        </p:tgtEl>
-                                        <p:attrNameLst>
-                                          <p:attrName>fillcolor</p:attrName>
-                                        </p:attrNameLst>
-                                      </p:cBhvr>
-                                      <p:to>
-                                        <a:schemeClr val="accent2"/>
-                                      </p:to>
-                                    </p:animClr>
-                                    <p:set>
-                                      <p:cBhvr>
-                                        <p:cTn id="31" dur="2000" fill="hold"/>
-                                        <p:tgtEl>
-                                          <p:spTgt spid="25"/>
-                                        </p:tgtEl>
-                                        <p:attrNameLst>
-                                          <p:attrName>fill.type</p:attrName>
-                                        </p:attrNameLst>
-                                      </p:cBhvr>
-                                      <p:to>
-                                        <p:strVal val="solid"/>
-                                      </p:to>
-                                    </p:set>
-                                    <p:set>
-                                      <p:cBhvr>
-                                        <p:cTn id="32" dur="2000" fill="hold"/>
-                                        <p:tgtEl>
-                                          <p:spTgt spid="25"/>
+                                          <p:spTgt spid="28"/>
                                         </p:tgtEl>
                                         <p:attrNameLst>
                                           <p:attrName>fill.on</p:attrName>
@@ -22781,28 +22521,28 @@
                     </p:cTn>
                   </p:par>
                   <p:par>
-                    <p:cTn id="33" fill="hold">
+                    <p:cTn id="21" fill="hold">
                       <p:stCondLst>
                         <p:cond delay="indefinite"/>
                       </p:stCondLst>
                       <p:childTnLst>
                         <p:par>
-                          <p:cTn id="34" fill="hold">
+                          <p:cTn id="22" fill="hold">
                             <p:stCondLst>
                               <p:cond delay="0"/>
                             </p:stCondLst>
                             <p:childTnLst>
                               <p:par>
-                                <p:cTn id="35" presetID="1" presetClass="emph" presetSubtype="2" fill="hold" nodeType="clickEffect">
+                                <p:cTn id="23" presetID="1" presetClass="emph" presetSubtype="2" fill="hold" nodeType="clickEffect">
                                   <p:stCondLst>
                                     <p:cond delay="0"/>
                                   </p:stCondLst>
                                   <p:childTnLst>
                                     <p:animClr clrSpc="rgb">
                                       <p:cBhvr>
-                                        <p:cTn id="36" dur="2000" fill="hold"/>
+                                        <p:cTn id="24" dur="2000" fill="hold"/>
                                         <p:tgtEl>
-                                          <p:spTgt spid="17"/>
+                                          <p:spTgt spid="31"/>
                                         </p:tgtEl>
                                         <p:attrNameLst>
                                           <p:attrName>fillcolor</p:attrName>
@@ -22814,9 +22554,162 @@
                                     </p:animClr>
                                     <p:set>
                                       <p:cBhvr>
+                                        <p:cTn id="25" dur="2000" fill="hold"/>
+                                        <p:tgtEl>
+                                          <p:spTgt spid="31"/>
+                                        </p:tgtEl>
+                                        <p:attrNameLst>
+                                          <p:attrName>fill.type</p:attrName>
+                                        </p:attrNameLst>
+                                      </p:cBhvr>
+                                      <p:to>
+                                        <p:strVal val="solid"/>
+                                      </p:to>
+                                    </p:set>
+                                    <p:set>
+                                      <p:cBhvr>
+                                        <p:cTn id="26" dur="2000" fill="hold"/>
+                                        <p:tgtEl>
+                                          <p:spTgt spid="31"/>
+                                        </p:tgtEl>
+                                        <p:attrNameLst>
+                                          <p:attrName>fill.on</p:attrName>
+                                        </p:attrNameLst>
+                                      </p:cBhvr>
+                                      <p:to>
+                                        <p:strVal val="true"/>
+                                      </p:to>
+                                    </p:set>
+                                  </p:childTnLst>
+                                </p:cTn>
+                              </p:par>
+                              <p:par>
+                                <p:cTn id="27" presetID="1" presetClass="emph" presetSubtype="2" fill="hold" nodeType="withEffect">
+                                  <p:stCondLst>
+                                    <p:cond delay="0"/>
+                                  </p:stCondLst>
+                                  <p:childTnLst>
+                                    <p:animClr clrSpc="rgb">
+                                      <p:cBhvr>
+                                        <p:cTn id="28" dur="2000" fill="hold"/>
+                                        <p:tgtEl>
+                                          <p:spTgt spid="25"/>
+                                        </p:tgtEl>
+                                        <p:attrNameLst>
+                                          <p:attrName>fillcolor</p:attrName>
+                                        </p:attrNameLst>
+                                      </p:cBhvr>
+                                      <p:to>
+                                        <a:schemeClr val="bg1"/>
+                                      </p:to>
+                                    </p:animClr>
+                                    <p:set>
+                                      <p:cBhvr>
+                                        <p:cTn id="29" dur="2000" fill="hold"/>
+                                        <p:tgtEl>
+                                          <p:spTgt spid="25"/>
+                                        </p:tgtEl>
+                                        <p:attrNameLst>
+                                          <p:attrName>fill.type</p:attrName>
+                                        </p:attrNameLst>
+                                      </p:cBhvr>
+                                      <p:to>
+                                        <p:strVal val="solid"/>
+                                      </p:to>
+                                    </p:set>
+                                    <p:set>
+                                      <p:cBhvr>
+                                        <p:cTn id="30" dur="2000" fill="hold"/>
+                                        <p:tgtEl>
+                                          <p:spTgt spid="25"/>
+                                        </p:tgtEl>
+                                        <p:attrNameLst>
+                                          <p:attrName>fill.on</p:attrName>
+                                        </p:attrNameLst>
+                                      </p:cBhvr>
+                                      <p:to>
+                                        <p:strVal val="true"/>
+                                      </p:to>
+                                    </p:set>
+                                  </p:childTnLst>
+                                </p:cTn>
+                              </p:par>
+                              <p:par>
+                                <p:cTn id="31" presetID="1" presetClass="emph" presetSubtype="2" fill="hold" nodeType="withEffect">
+                                  <p:stCondLst>
+                                    <p:cond delay="0"/>
+                                  </p:stCondLst>
+                                  <p:childTnLst>
+                                    <p:animClr clrSpc="rgb">
+                                      <p:cBhvr>
+                                        <p:cTn id="32" dur="2000" fill="hold"/>
+                                        <p:tgtEl>
+                                          <p:spTgt spid="30"/>
+                                        </p:tgtEl>
+                                        <p:attrNameLst>
+                                          <p:attrName>fillcolor</p:attrName>
+                                        </p:attrNameLst>
+                                      </p:cBhvr>
+                                      <p:to>
+                                        <a:schemeClr val="bg1"/>
+                                      </p:to>
+                                    </p:animClr>
+                                    <p:set>
+                                      <p:cBhvr>
+                                        <p:cTn id="33" dur="2000" fill="hold"/>
+                                        <p:tgtEl>
+                                          <p:spTgt spid="30"/>
+                                        </p:tgtEl>
+                                        <p:attrNameLst>
+                                          <p:attrName>fill.type</p:attrName>
+                                        </p:attrNameLst>
+                                      </p:cBhvr>
+                                      <p:to>
+                                        <p:strVal val="solid"/>
+                                      </p:to>
+                                    </p:set>
+                                    <p:set>
+                                      <p:cBhvr>
+                                        <p:cTn id="34" dur="2000" fill="hold"/>
+                                        <p:tgtEl>
+                                          <p:spTgt spid="30"/>
+                                        </p:tgtEl>
+                                        <p:attrNameLst>
+                                          <p:attrName>fill.on</p:attrName>
+                                        </p:attrNameLst>
+                                      </p:cBhvr>
+                                      <p:to>
+                                        <p:strVal val="true"/>
+                                      </p:to>
+                                    </p:set>
+                                  </p:childTnLst>
+                                </p:cTn>
+                              </p:par>
+                              <p:par>
+                                <p:cTn id="35" presetID="1" presetClass="emph" presetSubtype="2" fill="hold" nodeType="withEffect">
+                                  <p:stCondLst>
+                                    <p:cond delay="0"/>
+                                  </p:stCondLst>
+                                  <p:childTnLst>
+                                    <p:animClr clrSpc="rgb">
+                                      <p:cBhvr>
+                                        <p:cTn id="36" dur="2000" fill="hold"/>
+                                        <p:tgtEl>
+                                          <p:spTgt spid="29"/>
+                                        </p:tgtEl>
+                                        <p:attrNameLst>
+                                          <p:attrName>fillcolor</p:attrName>
+                                        </p:attrNameLst>
+                                      </p:cBhvr>
+                                      <p:to>
+                                        <a:schemeClr val="bg1"/>
+                                      </p:to>
+                                    </p:animClr>
+                                    <p:set>
+                                      <p:cBhvr>
                                         <p:cTn id="37" dur="2000" fill="hold"/>
                                         <p:tgtEl>
-                                          <p:spTgt spid="17"/>
+                                          <p:spTgt spid="29"/>
                                         </p:tgtEl>
                                         <p:attrNameLst>
                                           <p:attrName>fill.type</p:attrName>
@@ -22830,7 +22723,58 @@
                                       <p:cBhvr>
                                         <p:cTn id="38" dur="2000" fill="hold"/>
                                         <p:tgtEl>
-                                          <p:spTgt spid="17"/>
+                                          <p:spTgt spid="29"/>
+                                        </p:tgtEl>
+                                        <p:attrNameLst>
+                                          <p:attrName>fill.on</p:attrName>
+                                        </p:attrNameLst>
+                                      </p:cBhvr>
+                                      <p:to>
+                                        <p:strVal val="true"/>
+                                      </p:to>
+                                    </p:set>
+                                  </p:childTnLst>
+                                </p:cTn>
+                              </p:par>
+                              <p:par>
+                                <p:cTn id="39" presetID="1" presetClass="emph" presetSubtype="2" fill="hold" nodeType="withEffect">
+                                  <p:stCondLst>
+                                    <p:cond delay="0"/>
+                                  </p:stCondLst>
+                                  <p:childTnLst>
+                                    <p:animClr clrSpc="rgb">
+                                      <p:cBhvr>
+                                        <p:cTn id="40" dur="2000" fill="hold"/>
+                                        <p:tgtEl>
+                                          <p:spTgt spid="28"/>
+                                        </p:tgtEl>
+                                        <p:attrNameLst>
+                                          <p:attrName>fillcolor</p:attrName>
+                                        </p:attrNameLst>
+                                      </p:cBhvr>
+                                      <p:to>
+                                        <a:schemeClr val="bg1"/>
+                                      </p:to>
+                                    </p:animClr>
+                                    <p:set>
+                                      <p:cBhvr>
+                                        <p:cTn id="41" dur="2000" fill="hold"/>
+                                        <p:tgtEl>
+                                          <p:spTgt spid="28"/>
+                                        </p:tgtEl>
+                                        <p:attrNameLst>
+                                          <p:attrName>fill.type</p:attrName>
+                                        </p:attrNameLst>
+                                      </p:cBhvr>
+                                      <p:to>
+                                        <p:strVal val="solid"/>
+                                      </p:to>
+                                    </p:set>
+                                    <p:set>
+                                      <p:cBhvr>
+                                        <p:cTn id="42" dur="2000" fill="hold"/>
+                                        <p:tgtEl>
+                                          <p:spTgt spid="28"/>
                                         </p:tgtEl>
                                         <p:attrNameLst>
                                           <p:attrName>fill.on</p:attrName>

--- a/doc/apresentacao_dissertacao.pptx
+++ b/doc/apresentacao_dissertacao.pptx
@@ -7224,11 +7224,11 @@
           <a:p>
             <a:r>
               <a:rPr lang="pt-PT" dirty="0" smtClean="0"/>
-              <a:t>Estado dos </a:t>
-            </a:r>
-            <a:r>
-              <a:rPr lang="pt-PT" dirty="0" err="1" smtClean="0"/>
-              <a:t>sockets</a:t>
+              <a:t>Estado </a:t>
+            </a:r>
+            <a:r>
+              <a:rPr lang="pt-PT" dirty="0" smtClean="0"/>
+              <a:t>do processo</a:t>
             </a:r>
             <a:endParaRPr lang="pt-PT" dirty="0" smtClean="0"/>
           </a:p>
@@ -7392,8 +7392,12 @@
           <a:lstStyle/>
           <a:p>
             <a:r>
-              <a:rPr lang="pt-PT" smtClean="0"/>
-              <a:t>Extensão ao Filtro </a:t>
+              <a:rPr lang="pt-PT" dirty="0" smtClean="0"/>
+              <a:t>Extensão ao </a:t>
+            </a:r>
+            <a:r>
+              <a:rPr lang="pt-PT" dirty="0" smtClean="0"/>
+              <a:t>filtro </a:t>
             </a:r>
             <a:r>
               <a:rPr lang="pt-PT" dirty="0" smtClean="0"/>
@@ -7464,8 +7468,12 @@
               <a:t>Permite a conjunção do filtro estático, definido na </a:t>
             </a:r>
             <a:r>
+              <a:rPr lang="pt-PT" dirty="0" smtClean="0"/>
+              <a:t>biblioteca </a:t>
+            </a:r>
+            <a:r>
               <a:rPr lang="pt-PT" dirty="0" err="1" smtClean="0"/>
-              <a:t>libpcap</a:t>
+              <a:t>PCap</a:t>
             </a:r>
             <a:r>
               <a:rPr lang="pt-PT" dirty="0" smtClean="0"/>
@@ -12681,12 +12689,17 @@
             <a:pPr lvl="2"/>
             <a:r>
               <a:rPr lang="pt-PT" dirty="0" smtClean="0"/>
-              <a:t>Programas de </a:t>
-            </a:r>
-            <a:r>
-              <a:rPr lang="pt-PT" dirty="0" smtClean="0"/>
-              <a:t>teste</a:t>
-            </a:r>
+              <a:t>Programas </a:t>
+            </a:r>
+            <a:r>
+              <a:rPr lang="pt-PT" dirty="0" smtClean="0"/>
+              <a:t>teste para validação dos </a:t>
+            </a:r>
+            <a:r>
+              <a:rPr lang="pt-PT" dirty="0" err="1" smtClean="0"/>
+              <a:t>sockets</a:t>
+            </a:r>
+            <a:endParaRPr lang="pt-PT" dirty="0" smtClean="0"/>
           </a:p>
           <a:p>
             <a:pPr lvl="2">
@@ -12718,6 +12731,14 @@
             <a:r>
               <a:rPr lang="pt-PT" dirty="0" err="1" smtClean="0"/>
               <a:t>Wireshark</a:t>
+            </a:r>
+            <a:endParaRPr lang="pt-PT" dirty="0" smtClean="0"/>
+          </a:p>
+          <a:p>
+            <a:pPr lvl="2"/>
+            <a:r>
+              <a:rPr lang="pt-PT" dirty="0" smtClean="0"/>
+              <a:t>Comparação através de funções de síntese</a:t>
             </a:r>
             <a:endParaRPr lang="pt-PT" dirty="0" smtClean="0"/>
           </a:p>
@@ -13014,7 +13035,7 @@
         <p:spPr>
           <a:xfrm>
             <a:off x="323528" y="1412776"/>
-            <a:ext cx="8229600" cy="5472608"/>
+            <a:ext cx="8229600" cy="5184576"/>
           </a:xfrm>
         </p:spPr>
         <p:txBody>
@@ -13031,6 +13052,10 @@
               <a:rPr lang="pt-PT" dirty="0" err="1" smtClean="0"/>
               <a:t>directamente</a:t>
             </a:r>
+            <a:r>
+              <a:rPr lang="pt-PT" dirty="0" smtClean="0"/>
+              <a:t> por interface de 100 Mbps</a:t>
+            </a:r>
             <a:endParaRPr lang="pt-PT" dirty="0" smtClean="0"/>
           </a:p>
           <a:p>
@@ -13071,7 +13096,11 @@
             <a:pPr lvl="1"/>
             <a:r>
               <a:rPr lang="pt-PT" dirty="0" smtClean="0"/>
-              <a:t>Capturar através do </a:t>
+              <a:t>Captura através </a:t>
+            </a:r>
+            <a:r>
+              <a:rPr lang="pt-PT" dirty="0" smtClean="0"/>
+              <a:t>do </a:t>
             </a:r>
             <a:r>
               <a:rPr lang="pt-PT" dirty="0" err="1" smtClean="0"/>
@@ -13097,7 +13126,19 @@
             </a:r>
             <a:r>
               <a:rPr lang="pt-PT" dirty="0" smtClean="0"/>
-              <a:t>apenas um através do recurso ao </a:t>
+              <a:t>apenas um </a:t>
+            </a:r>
+            <a:r>
+              <a:rPr lang="pt-PT" dirty="0" smtClean="0"/>
+              <a:t>fluxo através </a:t>
+            </a:r>
+            <a:r>
+              <a:rPr lang="pt-PT" dirty="0" smtClean="0"/>
+              <a:t>do </a:t>
+            </a:r>
+            <a:r>
+              <a:rPr lang="pt-PT" dirty="0" smtClean="0"/>
+              <a:t>recurso ao </a:t>
             </a:r>
             <a:r>
               <a:rPr lang="pt-PT" dirty="0" err="1" smtClean="0"/>
@@ -13109,31 +13150,8 @@
             <a:pPr lvl="1"/>
             <a:r>
               <a:rPr lang="pt-PT" dirty="0" smtClean="0"/>
-              <a:t>Captura em </a:t>
-            </a:r>
-            <a:r>
-              <a:rPr lang="pt-PT" dirty="0" smtClean="0"/>
-              <a:t>nível utilizador ou através dos filtros estáticos do </a:t>
-            </a:r>
-            <a:r>
-              <a:rPr lang="pt-PT" dirty="0" err="1" smtClean="0"/>
-              <a:t>PCap</a:t>
-            </a:r>
-            <a:endParaRPr lang="pt-PT" dirty="0" smtClean="0"/>
-          </a:p>
-          <a:p>
-            <a:pPr lvl="2"/>
-            <a:r>
-              <a:rPr lang="pt-PT" dirty="0" smtClean="0"/>
-              <a:t>aumenta </a:t>
-            </a:r>
-            <a:r>
-              <a:rPr lang="pt-PT" dirty="0" smtClean="0"/>
-              <a:t>a sobrecarga</a:t>
-            </a:r>
-          </a:p>
-          <a:p>
-            <a:pPr lvl="2"/>
+              <a:t>Captura dos dois fluxos</a:t>
+            </a:r>
             <a:endParaRPr lang="pt-PT" dirty="0" smtClean="0"/>
           </a:p>
         </p:txBody>
@@ -14242,7 +14260,19 @@
             </a:r>
             <a:r>
               <a:rPr lang="pt-PT" dirty="0" smtClean="0"/>
-              <a:t> para filtragem orientada ao processo(s)</a:t>
+              <a:t> para filtragem orientada ao processo(s</a:t>
+            </a:r>
+            <a:r>
+              <a:rPr lang="pt-PT" dirty="0" smtClean="0"/>
+              <a:t>) (</a:t>
+            </a:r>
+            <a:r>
+              <a:rPr lang="pt-PT" dirty="0" err="1" smtClean="0"/>
+              <a:t>MRoP</a:t>
+            </a:r>
+            <a:r>
+              <a:rPr lang="pt-PT" dirty="0" smtClean="0"/>
+              <a:t>)</a:t>
             </a:r>
             <a:endParaRPr lang="pt-PT" dirty="0"/>
           </a:p>

--- a/doc/apresentacao_dissertacao.pptx
+++ b/doc/apresentacao_dissertacao.pptx
@@ -213,7 +213,7 @@
                   <c:v>89.797500000000127</c:v>
                 </c:pt>
                 <c:pt idx="4">
-                  <c:v>182.15730000000042</c:v>
+                  <c:v>182.15730000000045</c:v>
                 </c:pt>
                 <c:pt idx="5">
                   <c:v>179.49300000000002</c:v>
@@ -281,7 +281,7 @@
                   <c:v>89.800699999999992</c:v>
                 </c:pt>
                 <c:pt idx="4">
-                  <c:v>188.71559999999948</c:v>
+                  <c:v>188.71559999999945</c:v>
                 </c:pt>
                 <c:pt idx="5">
                   <c:v>179.62800000000001</c:v>
@@ -343,7 +343,7 @@
                   <c:v>91.667400000000001</c:v>
                 </c:pt>
                 <c:pt idx="2">
-                  <c:v>91.267200000000287</c:v>
+                  <c:v>91.267200000000301</c:v>
                 </c:pt>
                 <c:pt idx="3">
                   <c:v>89.846400000000003</c:v>
@@ -358,11 +358,11 @@
             </c:numRef>
           </c:val>
         </c:ser>
-        <c:axId val="60834944"/>
-        <c:axId val="60836864"/>
+        <c:axId val="71849088"/>
+        <c:axId val="71851008"/>
       </c:barChart>
       <c:catAx>
-        <c:axId val="60834944"/>
+        <c:axId val="71849088"/>
         <c:scaling>
           <c:orientation val="minMax"/>
         </c:scaling>
@@ -387,21 +387,21 @@
             <c:manualLayout>
               <c:xMode val="edge"/>
               <c:yMode val="edge"/>
-              <c:x val="0.44432432805295041"/>
+              <c:x val="0.44432432805295052"/>
               <c:y val="0.88981208334873663"/>
             </c:manualLayout>
           </c:layout>
         </c:title>
         <c:numFmt formatCode="General" sourceLinked="1"/>
         <c:tickLblPos val="nextTo"/>
-        <c:crossAx val="60836864"/>
+        <c:crossAx val="71851008"/>
         <c:crosses val="autoZero"/>
         <c:auto val="1"/>
         <c:lblAlgn val="ctr"/>
         <c:lblOffset val="100"/>
       </c:catAx>
       <c:valAx>
-        <c:axId val="60836864"/>
+        <c:axId val="71851008"/>
         <c:scaling>
           <c:orientation val="minMax"/>
         </c:scaling>
@@ -428,13 +428,13 @@
               <c:xMode val="edge"/>
               <c:yMode val="edge"/>
               <c:x val="1.4212132813227503E-2"/>
-              <c:y val="0.33453895727822885"/>
+              <c:y val="0.33453895727822891"/>
             </c:manualLayout>
           </c:layout>
         </c:title>
         <c:numFmt formatCode="0.0" sourceLinked="0"/>
         <c:tickLblPos val="nextTo"/>
-        <c:crossAx val="60834944"/>
+        <c:crossAx val="71849088"/>
         <c:crosses val="autoZero"/>
         <c:crossBetween val="between"/>
       </c:valAx>
@@ -494,7 +494,7 @@
                 <c:formatCode>0.0000</c:formatCode>
                 <c:ptCount val="2"/>
                 <c:pt idx="0">
-                  <c:v>182.15730000000042</c:v>
+                  <c:v>182.15730000000045</c:v>
                 </c:pt>
                 <c:pt idx="1">
                   <c:v>179.49300000000002</c:v>
@@ -538,7 +538,7 @@
                 <c:formatCode>General</c:formatCode>
                 <c:ptCount val="2"/>
                 <c:pt idx="0">
-                  <c:v>188.71559999999948</c:v>
+                  <c:v>188.71559999999945</c:v>
                 </c:pt>
                 <c:pt idx="1">
                   <c:v>179.62800000000001</c:v>
@@ -591,11 +591,11 @@
             </c:numRef>
           </c:val>
         </c:ser>
-        <c:axId val="65901312"/>
-        <c:axId val="65903232"/>
+        <c:axId val="44168320"/>
+        <c:axId val="44170240"/>
       </c:barChart>
       <c:catAx>
-        <c:axId val="65901312"/>
+        <c:axId val="44168320"/>
         <c:scaling>
           <c:orientation val="minMax"/>
         </c:scaling>
@@ -620,14 +620,14 @@
         </c:title>
         <c:numFmt formatCode="General" sourceLinked="1"/>
         <c:tickLblPos val="nextTo"/>
-        <c:crossAx val="65903232"/>
+        <c:crossAx val="44170240"/>
         <c:crosses val="autoZero"/>
         <c:auto val="1"/>
         <c:lblAlgn val="ctr"/>
         <c:lblOffset val="100"/>
       </c:catAx>
       <c:valAx>
-        <c:axId val="65903232"/>
+        <c:axId val="44170240"/>
         <c:scaling>
           <c:orientation val="minMax"/>
         </c:scaling>
@@ -658,7 +658,7 @@
         </c:title>
         <c:numFmt formatCode="0.0" sourceLinked="0"/>
         <c:tickLblPos val="nextTo"/>
-        <c:crossAx val="65901312"/>
+        <c:crossAx val="44168320"/>
         <c:crosses val="autoZero"/>
         <c:crossBetween val="between"/>
       </c:valAx>
@@ -676,6 +676,7 @@
 
 <file path=ppt/charts/chart3.xml><?xml version="1.0" encoding="utf-8"?>
 <c:chartSpace xmlns:c="http://schemas.openxmlformats.org/drawingml/2006/chart" xmlns:a="http://schemas.openxmlformats.org/drawingml/2006/main" xmlns:r="http://schemas.openxmlformats.org/officeDocument/2006/relationships">
+  <c:date1904 val="1"/>
   <c:lang val="pt-PT"/>
   <c:chart>
     <c:plotArea>
@@ -739,7 +740,7 @@
                   <c:v>0.13730000000000001</c:v>
                 </c:pt>
                 <c:pt idx="3">
-                  <c:v>3.6000000000000086E-3</c:v>
+                  <c:v>3.600000000000009E-3</c:v>
                 </c:pt>
                 <c:pt idx="4">
                   <c:v>3.6003000000000012</c:v>
@@ -819,11 +820,11 @@
             </c:numRef>
           </c:val>
         </c:ser>
-        <c:axId val="65928576"/>
-        <c:axId val="61220352"/>
+        <c:axId val="43732992"/>
+        <c:axId val="43734912"/>
       </c:barChart>
       <c:catAx>
-        <c:axId val="65928576"/>
+        <c:axId val="43732992"/>
         <c:scaling>
           <c:orientation val="minMax"/>
         </c:scaling>
@@ -848,14 +849,14 @@
         </c:title>
         <c:numFmt formatCode="General" sourceLinked="1"/>
         <c:tickLblPos val="nextTo"/>
-        <c:crossAx val="61220352"/>
+        <c:crossAx val="43734912"/>
         <c:crosses val="autoZero"/>
         <c:auto val="1"/>
         <c:lblAlgn val="ctr"/>
         <c:lblOffset val="100"/>
       </c:catAx>
       <c:valAx>
-        <c:axId val="61220352"/>
+        <c:axId val="43734912"/>
         <c:scaling>
           <c:orientation val="minMax"/>
         </c:scaling>
@@ -882,14 +883,14 @@
             <c:manualLayout>
               <c:xMode val="edge"/>
               <c:yMode val="edge"/>
-              <c:x val="0.31962265575324134"/>
-              <c:y val="3.2139286111066676E-4"/>
+              <c:x val="0.31962265575324145"/>
+              <c:y val="3.2139286111066681E-4"/>
             </c:manualLayout>
           </c:layout>
         </c:title>
         <c:numFmt formatCode="0.00" sourceLinked="0"/>
         <c:tickLblPos val="nextTo"/>
-        <c:crossAx val="65928576"/>
+        <c:crossAx val="43732992"/>
         <c:crosses val="autoZero"/>
         <c:crossBetween val="between"/>
       </c:valAx>
@@ -998,11 +999,11 @@
             </c:numRef>
           </c:val>
         </c:ser>
-        <c:axId val="61232640"/>
-        <c:axId val="61234560"/>
+        <c:axId val="43759488"/>
+        <c:axId val="44433408"/>
       </c:barChart>
       <c:catAx>
-        <c:axId val="61232640"/>
+        <c:axId val="43759488"/>
         <c:scaling>
           <c:orientation val="minMax"/>
         </c:scaling>
@@ -1027,14 +1028,14 @@
         </c:title>
         <c:numFmt formatCode="General" sourceLinked="1"/>
         <c:tickLblPos val="nextTo"/>
-        <c:crossAx val="61234560"/>
+        <c:crossAx val="44433408"/>
         <c:crosses val="autoZero"/>
         <c:auto val="1"/>
         <c:lblAlgn val="ctr"/>
         <c:lblOffset val="100"/>
       </c:catAx>
       <c:valAx>
-        <c:axId val="61234560"/>
+        <c:axId val="44433408"/>
         <c:scaling>
           <c:orientation val="minMax"/>
         </c:scaling>
@@ -1042,7 +1043,7 @@
         <c:majorGridlines/>
         <c:numFmt formatCode="0.00" sourceLinked="0"/>
         <c:tickLblPos val="nextTo"/>
-        <c:crossAx val="61232640"/>
+        <c:crossAx val="43759488"/>
         <c:crosses val="autoZero"/>
         <c:crossBetween val="between"/>
       </c:valAx>
@@ -1217,7 +1218,7 @@
     </p:spTree>
     <p:extLst>
       <p:ext uri="{BB962C8B-B14F-4D97-AF65-F5344CB8AC3E}">
-        <p14:creationId xmlns:p14="http://schemas.microsoft.com/office/powerpoint/2010/main" xmlns="" val="3502731545"/>
+        <p14:creationId xmlns="" xmlns:p14="http://schemas.microsoft.com/office/powerpoint/2010/main" val="3502731545"/>
       </p:ext>
     </p:extLst>
   </p:cSld>
@@ -1479,7 +1480,7 @@
     </p:spTree>
     <p:extLst>
       <p:ext uri="{BB962C8B-B14F-4D97-AF65-F5344CB8AC3E}">
-        <p14:creationId xmlns:p14="http://schemas.microsoft.com/office/powerpoint/2010/main" xmlns="" val="1191317535"/>
+        <p14:creationId xmlns="" xmlns:p14="http://schemas.microsoft.com/office/powerpoint/2010/main" val="1191317535"/>
       </p:ext>
     </p:extLst>
   </p:cSld>
@@ -1709,20 +1710,11 @@
           <a:p>
             <a:r>
               <a:rPr lang="pt-PT" dirty="0" smtClean="0"/>
-              <a:t>Semelhança dos resultados nos tempos ,</a:t>
+              <a:t>Dois cenários diferentes … um só fluxo</a:t>
             </a:r>
             <a:r>
               <a:rPr lang="pt-PT" baseline="0" dirty="0" smtClean="0"/>
-              <a:t> sem com e com .. </a:t>
-            </a:r>
-          </a:p>
-          <a:p>
-            <a:endParaRPr lang="pt-PT" baseline="0" dirty="0" smtClean="0"/>
-          </a:p>
-          <a:p>
-            <a:r>
-              <a:rPr lang="pt-PT" baseline="0" dirty="0" smtClean="0"/>
-              <a:t>Quando se passou para o cenário de dois fluxos de dados com apenas um relevante … sobrecarregando a rede </a:t>
+              <a:t> e com dois fluxos … onde só um é relevante</a:t>
             </a:r>
             <a:endParaRPr lang="pt-PT" dirty="0"/>
           </a:p>
@@ -1746,7 +1738,7 @@
             <a:fld id="{CB697A11-5CEE-4588-B832-132CDC30A066}" type="slidenum">
               <a:rPr lang="pt-PT" smtClean="0"/>
               <a:pPr/>
-              <a:t>17</a:t>
+              <a:t>16</a:t>
             </a:fld>
             <a:endParaRPr lang="pt-PT"/>
           </a:p>
@@ -1808,53 +1800,20 @@
           <a:p>
             <a:r>
               <a:rPr lang="pt-PT" dirty="0" smtClean="0"/>
-              <a:t>----</a:t>
-            </a:r>
-          </a:p>
-          <a:p>
-            <a:endParaRPr lang="pt-PT" dirty="0" smtClean="0"/>
-          </a:p>
-          <a:p>
-            <a:r>
-              <a:rPr lang="pt-PT" dirty="0" smtClean="0"/>
-              <a:t>No caso do </a:t>
-            </a:r>
-            <a:r>
-              <a:rPr lang="pt-PT" dirty="0" err="1" smtClean="0"/>
-              <a:t>udp</a:t>
-            </a:r>
-            <a:r>
-              <a:rPr lang="pt-PT" dirty="0" smtClean="0"/>
-              <a:t> a</a:t>
+              <a:t>Semelhança dos resultados nos tempos ,</a:t>
             </a:r>
             <a:r>
               <a:rPr lang="pt-PT" baseline="0" dirty="0" smtClean="0"/>
-              <a:t> sobrecarga é </a:t>
-            </a:r>
-            <a:r>
-              <a:rPr lang="pt-PT" baseline="0" dirty="0" err="1" smtClean="0"/>
-              <a:t>identica</a:t>
-            </a:r>
+              <a:t> sem com e com .. </a:t>
+            </a:r>
+          </a:p>
+          <a:p>
+            <a:endParaRPr lang="pt-PT" baseline="0" dirty="0" smtClean="0"/>
+          </a:p>
+          <a:p>
             <a:r>
               <a:rPr lang="pt-PT" baseline="0" dirty="0" smtClean="0"/>
-              <a:t> em ambos os casos é reduzida</a:t>
-            </a:r>
-          </a:p>
-          <a:p>
-            <a:endParaRPr lang="pt-PT" baseline="0" dirty="0" smtClean="0"/>
-          </a:p>
-          <a:p>
-            <a:r>
-              <a:rPr lang="pt-PT" baseline="0" dirty="0" smtClean="0"/>
-              <a:t>Em ambos os casos, o novo sistema captura apenas o que interessa, enquanto que no </a:t>
-            </a:r>
-            <a:r>
-              <a:rPr lang="pt-PT" baseline="0" dirty="0" err="1" smtClean="0"/>
-              <a:t>actual</a:t>
-            </a:r>
-            <a:r>
-              <a:rPr lang="pt-PT" baseline="0" dirty="0" smtClean="0"/>
-              <a:t> ainda é necessário separar o que é relevante do que não é</a:t>
+              <a:t>Quando se passou para o cenário de dois fluxos de dados com apenas um relevante … sobrecarregando a rede </a:t>
             </a:r>
             <a:endParaRPr lang="pt-PT" dirty="0"/>
           </a:p>
@@ -1878,7 +1837,7 @@
             <a:fld id="{CB697A11-5CEE-4588-B832-132CDC30A066}" type="slidenum">
               <a:rPr lang="pt-PT" smtClean="0"/>
               <a:pPr/>
-              <a:t>18</a:t>
+              <a:t>17</a:t>
             </a:fld>
             <a:endParaRPr lang="pt-PT"/>
           </a:p>
@@ -1911,7 +1870,7 @@
       </p:grpSpPr>
       <p:sp>
         <p:nvSpPr>
-          <p:cNvPr id="2" name="Slide Image Placeholder 1"/>
+          <p:cNvPr id="2" name="Marcador de Posição da Imagem do Diapositivo 1"/>
           <p:cNvSpPr>
             <a:spLocks noGrp="1" noRot="1" noChangeAspect="1"/>
           </p:cNvSpPr>
@@ -1923,7 +1882,7 @@
       </p:sp>
       <p:sp>
         <p:nvSpPr>
-          <p:cNvPr id="3" name="Notes Placeholder 2"/>
+          <p:cNvPr id="3" name="Marcador de Posição de Notas 2"/>
           <p:cNvSpPr>
             <a:spLocks noGrp="1"/>
           </p:cNvSpPr>
@@ -1933,129 +1892,68 @@
         </p:nvSpPr>
         <p:spPr/>
         <p:txBody>
-          <a:bodyPr/>
-          <a:lstStyle/>
-          <a:p>
-            <a:r>
-              <a:rPr lang="en-US" dirty="0" smtClean="0"/>
-              <a:t>(</a:t>
-            </a:r>
-            <a:r>
-              <a:rPr lang="en-US" dirty="0" err="1" smtClean="0"/>
-              <a:t>explicar</a:t>
-            </a:r>
-            <a:r>
-              <a:rPr lang="en-US" dirty="0" smtClean="0"/>
-              <a:t> </a:t>
-            </a:r>
-            <a:r>
-              <a:rPr lang="en-US" dirty="0" err="1" smtClean="0"/>
-              <a:t>porquê</a:t>
-            </a:r>
-            <a:r>
-              <a:rPr lang="en-US" dirty="0" smtClean="0"/>
-              <a:t> …)</a:t>
-            </a:r>
-          </a:p>
-          <a:p>
-            <a:endParaRPr lang="en-US" dirty="0" smtClean="0"/>
-          </a:p>
-          <a:p>
-            <a:r>
-              <a:rPr lang="en-US" dirty="0" smtClean="0"/>
-              <a:t>A </a:t>
-            </a:r>
-            <a:r>
-              <a:rPr lang="en-US" dirty="0" err="1" smtClean="0"/>
-              <a:t>perca</a:t>
-            </a:r>
-            <a:r>
-              <a:rPr lang="en-US" dirty="0" smtClean="0"/>
-              <a:t> de </a:t>
-            </a:r>
-            <a:r>
-              <a:rPr lang="en-US" dirty="0" err="1" smtClean="0"/>
-              <a:t>informação</a:t>
-            </a:r>
-            <a:r>
-              <a:rPr lang="en-US" dirty="0" smtClean="0"/>
-              <a:t> </a:t>
-            </a:r>
-            <a:r>
-              <a:rPr lang="en-US" dirty="0" err="1" smtClean="0"/>
-              <a:t>relevante</a:t>
-            </a:r>
-            <a:r>
-              <a:rPr lang="en-US" dirty="0" smtClean="0"/>
-              <a:t> e a</a:t>
-            </a:r>
-            <a:r>
-              <a:rPr lang="en-US" baseline="0" dirty="0" smtClean="0"/>
-              <a:t> </a:t>
-            </a:r>
-            <a:r>
-              <a:rPr lang="en-US" baseline="0" dirty="0" err="1" smtClean="0"/>
-              <a:t>grande</a:t>
-            </a:r>
-            <a:r>
-              <a:rPr lang="en-US" baseline="0" dirty="0" smtClean="0"/>
-              <a:t> </a:t>
-            </a:r>
-            <a:r>
-              <a:rPr lang="en-US" baseline="0" dirty="0" err="1" smtClean="0"/>
-              <a:t>sobrecarga</a:t>
-            </a:r>
-            <a:r>
-              <a:rPr lang="en-US" baseline="0" dirty="0" smtClean="0"/>
-              <a:t> </a:t>
-            </a:r>
-            <a:r>
-              <a:rPr lang="en-US" baseline="0" dirty="0" err="1" smtClean="0"/>
-              <a:t>introduzida</a:t>
-            </a:r>
-            <a:r>
-              <a:rPr lang="en-US" baseline="0" dirty="0" smtClean="0"/>
-              <a:t> </a:t>
-            </a:r>
-            <a:r>
-              <a:rPr lang="en-US" baseline="0" dirty="0" err="1" smtClean="0"/>
-              <a:t>limita</a:t>
-            </a:r>
-            <a:r>
-              <a:rPr lang="en-US" baseline="0" dirty="0" smtClean="0"/>
-              <a:t> </a:t>
-            </a:r>
-            <a:r>
-              <a:rPr lang="en-US" baseline="0" dirty="0" err="1" smtClean="0"/>
-              <a:t>muito</a:t>
-            </a:r>
-            <a:r>
-              <a:rPr lang="en-US" baseline="0" dirty="0" smtClean="0"/>
-              <a:t> </a:t>
-            </a:r>
-            <a:r>
-              <a:rPr lang="en-US" baseline="0" dirty="0" err="1" smtClean="0"/>
-              <a:t>esta</a:t>
-            </a:r>
-            <a:r>
-              <a:rPr lang="en-US" baseline="0" dirty="0" smtClean="0"/>
-              <a:t> </a:t>
-            </a:r>
-            <a:r>
-              <a:rPr lang="en-US" baseline="0" dirty="0" err="1" smtClean="0"/>
-              <a:t>abordagem</a:t>
-            </a:r>
-            <a:r>
-              <a:rPr lang="en-US" baseline="0" dirty="0" smtClean="0"/>
-              <a:t>.</a:t>
-            </a:r>
-            <a:endParaRPr lang="en-US" dirty="0"/>
-          </a:p>
-        </p:txBody>
-      </p:sp>
-      <p:sp>
-        <p:nvSpPr>
-          <p:cNvPr id="4" name="Slide Number Placeholder 3"/>
+          <a:bodyPr>
+            <a:normAutofit/>
+          </a:bodyPr>
+          <a:lstStyle/>
+          <a:p>
+            <a:r>
+              <a:rPr lang="pt-PT" dirty="0" smtClean="0"/>
+              <a:t>----</a:t>
+            </a:r>
+          </a:p>
+          <a:p>
+            <a:endParaRPr lang="pt-PT" dirty="0" smtClean="0"/>
+          </a:p>
+          <a:p>
+            <a:r>
+              <a:rPr lang="pt-PT" dirty="0" smtClean="0"/>
+              <a:t>No caso do </a:t>
+            </a:r>
+            <a:r>
+              <a:rPr lang="pt-PT" dirty="0" err="1" smtClean="0"/>
+              <a:t>udp</a:t>
+            </a:r>
+            <a:r>
+              <a:rPr lang="pt-PT" dirty="0" smtClean="0"/>
+              <a:t> a</a:t>
+            </a:r>
+            <a:r>
+              <a:rPr lang="pt-PT" baseline="0" dirty="0" smtClean="0"/>
+              <a:t> sobrecarga é </a:t>
+            </a:r>
+            <a:r>
+              <a:rPr lang="pt-PT" baseline="0" dirty="0" err="1" smtClean="0"/>
+              <a:t>identica</a:t>
+            </a:r>
+            <a:r>
+              <a:rPr lang="pt-PT" baseline="0" dirty="0" smtClean="0"/>
+              <a:t> em ambos os casos é reduzida</a:t>
+            </a:r>
+          </a:p>
+          <a:p>
+            <a:endParaRPr lang="pt-PT" baseline="0" dirty="0" smtClean="0"/>
+          </a:p>
+          <a:p>
+            <a:r>
+              <a:rPr lang="pt-PT" baseline="0" dirty="0" smtClean="0"/>
+              <a:t>Em ambos os casos, o novo sistema captura apenas o que interessa, enquanto que no </a:t>
+            </a:r>
+            <a:r>
+              <a:rPr lang="pt-PT" baseline="0" dirty="0" err="1" smtClean="0"/>
+              <a:t>actual</a:t>
+            </a:r>
+            <a:r>
+              <a:rPr lang="pt-PT" baseline="0" dirty="0" smtClean="0"/>
+              <a:t> ainda é necessário separar o que é relevante do que não é</a:t>
+            </a:r>
+            <a:endParaRPr lang="pt-PT" dirty="0"/>
+          </a:p>
+        </p:txBody>
+      </p:sp>
+      <p:sp>
+        <p:nvSpPr>
+          <p:cNvPr id="4" name="Marcador de Posição do Número do Diapositivo 3"/>
           <p:cNvSpPr>
             <a:spLocks noGrp="1"/>
           </p:cNvSpPr>
@@ -2071,18 +1969,13 @@
             <a:fld id="{CB697A11-5CEE-4588-B832-132CDC30A066}" type="slidenum">
               <a:rPr lang="pt-PT" smtClean="0"/>
               <a:pPr/>
-              <a:t>25</a:t>
+              <a:t>18</a:t>
             </a:fld>
             <a:endParaRPr lang="pt-PT"/>
           </a:p>
         </p:txBody>
       </p:sp>
     </p:spTree>
-    <p:extLst>
-      <p:ext uri="{BB962C8B-B14F-4D97-AF65-F5344CB8AC3E}">
-        <p14:creationId xmlns:p14="http://schemas.microsoft.com/office/powerpoint/2010/main" xmlns="" val="3724839547"/>
-      </p:ext>
-    </p:extLst>
   </p:cSld>
   <p:clrMapOvr>
     <a:masterClrMapping/>
@@ -2109,7 +2002,7 @@
       </p:grpSpPr>
       <p:sp>
         <p:nvSpPr>
-          <p:cNvPr id="2" name="Marcador de Posição da Imagem do Diapositivo 1"/>
+          <p:cNvPr id="2" name="Slide Image Placeholder 1"/>
           <p:cNvSpPr>
             <a:spLocks noGrp="1" noRot="1" noChangeAspect="1"/>
           </p:cNvSpPr>
@@ -2121,7 +2014,7 @@
       </p:sp>
       <p:sp>
         <p:nvSpPr>
-          <p:cNvPr id="3" name="Marcador de Posição de Notas 2"/>
+          <p:cNvPr id="3" name="Notes Placeholder 2"/>
           <p:cNvSpPr>
             <a:spLocks noGrp="1"/>
           </p:cNvSpPr>
@@ -2131,97 +2024,129 @@
         </p:nvSpPr>
         <p:spPr/>
         <p:txBody>
-          <a:bodyPr>
-            <a:normAutofit/>
-          </a:bodyPr>
-          <a:lstStyle/>
-          <a:p>
-            <a:r>
-              <a:rPr lang="pt-PT" dirty="0" smtClean="0"/>
-              <a:t>...</a:t>
-            </a:r>
-            <a:r>
-              <a:rPr lang="pt-PT" baseline="0" dirty="0" smtClean="0"/>
+          <a:bodyPr/>
+          <a:lstStyle/>
+          <a:p>
+            <a:r>
+              <a:rPr lang="en-US" dirty="0" smtClean="0"/>
+              <a:t>(</a:t>
+            </a:r>
+            <a:r>
+              <a:rPr lang="en-US" dirty="0" err="1" smtClean="0"/>
+              <a:t>explicar</a:t>
+            </a:r>
+            <a:r>
+              <a:rPr lang="en-US" dirty="0" smtClean="0"/>
               <a:t> </a:t>
             </a:r>
             <a:r>
+              <a:rPr lang="en-US" dirty="0" err="1" smtClean="0"/>
+              <a:t>porquê</a:t>
+            </a:r>
+            <a:r>
+              <a:rPr lang="en-US" dirty="0" smtClean="0"/>
+              <a:t> …)</a:t>
+            </a:r>
+          </a:p>
+          <a:p>
+            <a:endParaRPr lang="en-US" dirty="0" smtClean="0"/>
+          </a:p>
+          <a:p>
+            <a:r>
+              <a:rPr lang="en-US" dirty="0" smtClean="0"/>
+              <a:t>A </a:t>
+            </a:r>
+            <a:r>
+              <a:rPr lang="en-US" dirty="0" err="1" smtClean="0"/>
+              <a:t>perca</a:t>
+            </a:r>
+            <a:r>
+              <a:rPr lang="en-US" dirty="0" smtClean="0"/>
+              <a:t> de </a:t>
+            </a:r>
+            <a:r>
+              <a:rPr lang="en-US" dirty="0" err="1" smtClean="0"/>
+              <a:t>informação</a:t>
+            </a:r>
+            <a:r>
+              <a:rPr lang="en-US" dirty="0" smtClean="0"/>
+              <a:t> </a:t>
+            </a:r>
+            <a:r>
+              <a:rPr lang="en-US" dirty="0" err="1" smtClean="0"/>
+              <a:t>relevante</a:t>
+            </a:r>
+            <a:r>
+              <a:rPr lang="en-US" dirty="0" smtClean="0"/>
+              <a:t> e a</a:t>
+            </a:r>
+            <a:r>
               <a:rPr lang="en-US" baseline="0" dirty="0" smtClean="0"/>
-              <a:t>M</a:t>
-            </a:r>
-            <a:r>
-              <a:rPr lang="pt-PT" baseline="0" dirty="0" err="1" smtClean="0"/>
-              <a:t>onitorização</a:t>
-            </a:r>
-            <a:r>
-              <a:rPr lang="pt-PT" baseline="0" dirty="0" smtClean="0"/>
-              <a:t> apenas em nível utilizador;</a:t>
-            </a:r>
-          </a:p>
-          <a:p>
+              <a:t> </a:t>
+            </a:r>
+            <a:r>
+              <a:rPr lang="en-US" baseline="0" dirty="0" err="1" smtClean="0"/>
+              <a:t>grande</a:t>
+            </a:r>
             <a:r>
               <a:rPr lang="en-US" baseline="0" dirty="0" smtClean="0"/>
-              <a:t>O</a:t>
-            </a:r>
-            <a:r>
-              <a:rPr lang="pt-PT" baseline="0" dirty="0" smtClean="0"/>
-              <a:t>u também com o auxilio do núcleo do sistema.</a:t>
-            </a:r>
-          </a:p>
-          <a:p>
-            <a:endParaRPr lang="pt-PT" baseline="0" dirty="0" smtClean="0"/>
-          </a:p>
-          <a:p>
-            <a:r>
-              <a:rPr lang="pt-PT" baseline="0" dirty="0" smtClean="0"/>
-              <a:t>No primeiro caso altera-se o programa ou suas bibliotecas instrumentando-os para detectar e recolher a informação relevante.</a:t>
-            </a:r>
-          </a:p>
-          <a:p>
-            <a:r>
-              <a:rPr lang="pt-PT" baseline="0" dirty="0" smtClean="0"/>
-              <a:t>Nem sempre é possível, pode sobrecarregar bastante o processo, e é efectuado caso a caso.</a:t>
-            </a:r>
-          </a:p>
-          <a:p>
-            <a:endParaRPr lang="pt-PT" baseline="0" dirty="0" smtClean="0"/>
-          </a:p>
-          <a:p>
-            <a:r>
-              <a:rPr lang="pt-PT" baseline="0" dirty="0" smtClean="0"/>
-              <a:t>No segundo caso, recorre-se a funcionalidades internas do sistema que permitem obter alguma informação eficientemente e independente do processo monitorizado.</a:t>
-            </a:r>
-          </a:p>
-          <a:p>
-            <a:r>
-              <a:rPr lang="pt-PT" baseline="0" dirty="0" smtClean="0"/>
-              <a:t>Por exemplo, a captura do tráfego de rede usando a biblioteca </a:t>
-            </a:r>
-            <a:r>
-              <a:rPr lang="pt-PT" baseline="0" dirty="0" err="1" smtClean="0"/>
-              <a:t>libpcap</a:t>
-            </a:r>
-            <a:r>
-              <a:rPr lang="pt-PT" baseline="0" dirty="0" smtClean="0"/>
+              <a:t> </a:t>
+            </a:r>
+            <a:r>
+              <a:rPr lang="en-US" baseline="0" dirty="0" err="1" smtClean="0"/>
+              <a:t>sobrecarga</a:t>
+            </a:r>
+            <a:r>
+              <a:rPr lang="en-US" baseline="0" dirty="0" smtClean="0"/>
+              <a:t> </a:t>
+            </a:r>
+            <a:r>
+              <a:rPr lang="en-US" baseline="0" dirty="0" err="1" smtClean="0"/>
+              <a:t>introduzida</a:t>
+            </a:r>
+            <a:r>
+              <a:rPr lang="en-US" baseline="0" dirty="0" smtClean="0"/>
+              <a:t> </a:t>
+            </a:r>
+            <a:r>
+              <a:rPr lang="en-US" baseline="0" dirty="0" err="1" smtClean="0"/>
+              <a:t>limita</a:t>
+            </a:r>
+            <a:r>
+              <a:rPr lang="en-US" baseline="0" dirty="0" smtClean="0"/>
+              <a:t> </a:t>
+            </a:r>
+            <a:r>
+              <a:rPr lang="en-US" baseline="0" dirty="0" err="1" smtClean="0"/>
+              <a:t>muito</a:t>
+            </a:r>
+            <a:r>
+              <a:rPr lang="en-US" baseline="0" dirty="0" smtClean="0"/>
+              <a:t> </a:t>
+            </a:r>
+            <a:r>
+              <a:rPr lang="en-US" baseline="0" dirty="0" err="1" smtClean="0"/>
+              <a:t>esta</a:t>
+            </a:r>
+            <a:r>
+              <a:rPr lang="en-US" baseline="0" dirty="0" smtClean="0"/>
+              <a:t> </a:t>
+            </a:r>
+            <a:r>
+              <a:rPr lang="en-US" baseline="0" dirty="0" err="1" smtClean="0"/>
+              <a:t>abordagem</a:t>
+            </a:r>
+            <a:r>
+              <a:rPr lang="en-US" baseline="0" dirty="0" smtClean="0"/>
               <a:t>.</a:t>
             </a:r>
-          </a:p>
-          <a:p>
-            <a:r>
-              <a:rPr lang="pt-PT" baseline="0" dirty="0" smtClean="0"/>
-              <a:t>Mas nestes casos, para obter a informação relevante, podemos de ter de monitorizar o processo alvo, para conseguir separar a informação relevante da dos restantes processos. Tal também pode ser feito com base em funcionalidades existentes no núcleo do sistema.</a:t>
-            </a:r>
-          </a:p>
-          <a:p>
-            <a:endParaRPr lang="pt-PT" baseline="0" dirty="0" smtClean="0"/>
-          </a:p>
-          <a:p>
-            <a:endParaRPr lang="pt-PT" dirty="0"/>
-          </a:p>
-        </p:txBody>
-      </p:sp>
-      <p:sp>
-        <p:nvSpPr>
-          <p:cNvPr id="4" name="Marcador de Posição do Número do Diapositivo 3"/>
+            <a:endParaRPr lang="en-US" dirty="0"/>
+          </a:p>
+        </p:txBody>
+      </p:sp>
+      <p:sp>
+        <p:nvSpPr>
+          <p:cNvPr id="4" name="Slide Number Placeholder 3"/>
           <p:cNvSpPr>
             <a:spLocks noGrp="1"/>
           </p:cNvSpPr>
@@ -2237,13 +2162,18 @@
             <a:fld id="{CB697A11-5CEE-4588-B832-132CDC30A066}" type="slidenum">
               <a:rPr lang="pt-PT" smtClean="0"/>
               <a:pPr/>
-              <a:t>26</a:t>
+              <a:t>25</a:t>
             </a:fld>
             <a:endParaRPr lang="pt-PT"/>
           </a:p>
         </p:txBody>
       </p:sp>
     </p:spTree>
+    <p:extLst>
+      <p:ext uri="{BB962C8B-B14F-4D97-AF65-F5344CB8AC3E}">
+        <p14:creationId xmlns="" xmlns:p14="http://schemas.microsoft.com/office/powerpoint/2010/main" val="3724839547"/>
+      </p:ext>
+    </p:extLst>
   </p:cSld>
   <p:clrMapOvr>
     <a:masterClrMapping/>
@@ -2270,6 +2200,167 @@
       </p:grpSpPr>
       <p:sp>
         <p:nvSpPr>
+          <p:cNvPr id="2" name="Marcador de Posição da Imagem do Diapositivo 1"/>
+          <p:cNvSpPr>
+            <a:spLocks noGrp="1" noRot="1" noChangeAspect="1"/>
+          </p:cNvSpPr>
+          <p:nvPr>
+            <p:ph type="sldImg"/>
+          </p:nvPr>
+        </p:nvSpPr>
+        <p:spPr/>
+      </p:sp>
+      <p:sp>
+        <p:nvSpPr>
+          <p:cNvPr id="3" name="Marcador de Posição de Notas 2"/>
+          <p:cNvSpPr>
+            <a:spLocks noGrp="1"/>
+          </p:cNvSpPr>
+          <p:nvPr>
+            <p:ph type="body" idx="1"/>
+          </p:nvPr>
+        </p:nvSpPr>
+        <p:spPr/>
+        <p:txBody>
+          <a:bodyPr>
+            <a:normAutofit/>
+          </a:bodyPr>
+          <a:lstStyle/>
+          <a:p>
+            <a:r>
+              <a:rPr lang="pt-PT" dirty="0" smtClean="0"/>
+              <a:t>...</a:t>
+            </a:r>
+            <a:r>
+              <a:rPr lang="pt-PT" baseline="0" dirty="0" smtClean="0"/>
+              <a:t> </a:t>
+            </a:r>
+            <a:r>
+              <a:rPr lang="en-US" baseline="0" dirty="0" smtClean="0"/>
+              <a:t>M</a:t>
+            </a:r>
+            <a:r>
+              <a:rPr lang="pt-PT" baseline="0" dirty="0" err="1" smtClean="0"/>
+              <a:t>onitorização</a:t>
+            </a:r>
+            <a:r>
+              <a:rPr lang="pt-PT" baseline="0" dirty="0" smtClean="0"/>
+              <a:t> apenas em nível utilizador;</a:t>
+            </a:r>
+          </a:p>
+          <a:p>
+            <a:r>
+              <a:rPr lang="en-US" baseline="0" dirty="0" smtClean="0"/>
+              <a:t>O</a:t>
+            </a:r>
+            <a:r>
+              <a:rPr lang="pt-PT" baseline="0" dirty="0" smtClean="0"/>
+              <a:t>u também com o auxilio do núcleo do sistema.</a:t>
+            </a:r>
+          </a:p>
+          <a:p>
+            <a:endParaRPr lang="pt-PT" baseline="0" dirty="0" smtClean="0"/>
+          </a:p>
+          <a:p>
+            <a:r>
+              <a:rPr lang="pt-PT" baseline="0" dirty="0" smtClean="0"/>
+              <a:t>No primeiro caso altera-se o programa ou suas bibliotecas instrumentando-os para detectar e recolher a informação relevante.</a:t>
+            </a:r>
+          </a:p>
+          <a:p>
+            <a:r>
+              <a:rPr lang="pt-PT" baseline="0" dirty="0" smtClean="0"/>
+              <a:t>Nem sempre é possível, pode sobrecarregar bastante o processo, e é efectuado caso a caso.</a:t>
+            </a:r>
+          </a:p>
+          <a:p>
+            <a:endParaRPr lang="pt-PT" baseline="0" dirty="0" smtClean="0"/>
+          </a:p>
+          <a:p>
+            <a:r>
+              <a:rPr lang="pt-PT" baseline="0" dirty="0" smtClean="0"/>
+              <a:t>No segundo caso, recorre-se a funcionalidades internas do sistema que permitem obter alguma informação eficientemente e independente do processo monitorizado.</a:t>
+            </a:r>
+          </a:p>
+          <a:p>
+            <a:r>
+              <a:rPr lang="pt-PT" baseline="0" dirty="0" smtClean="0"/>
+              <a:t>Por exemplo, a captura do tráfego de rede usando a biblioteca </a:t>
+            </a:r>
+            <a:r>
+              <a:rPr lang="pt-PT" baseline="0" dirty="0" err="1" smtClean="0"/>
+              <a:t>libpcap</a:t>
+            </a:r>
+            <a:r>
+              <a:rPr lang="pt-PT" baseline="0" dirty="0" smtClean="0"/>
+              <a:t>.</a:t>
+            </a:r>
+          </a:p>
+          <a:p>
+            <a:r>
+              <a:rPr lang="pt-PT" baseline="0" dirty="0" smtClean="0"/>
+              <a:t>Mas nestes casos, para obter a informação relevante, podemos de ter de monitorizar o processo alvo, para conseguir separar a informação relevante da dos restantes processos. Tal também pode ser feito com base em funcionalidades existentes no núcleo do sistema.</a:t>
+            </a:r>
+          </a:p>
+          <a:p>
+            <a:endParaRPr lang="pt-PT" baseline="0" dirty="0" smtClean="0"/>
+          </a:p>
+          <a:p>
+            <a:endParaRPr lang="pt-PT" dirty="0"/>
+          </a:p>
+        </p:txBody>
+      </p:sp>
+      <p:sp>
+        <p:nvSpPr>
+          <p:cNvPr id="4" name="Marcador de Posição do Número do Diapositivo 3"/>
+          <p:cNvSpPr>
+            <a:spLocks noGrp="1"/>
+          </p:cNvSpPr>
+          <p:nvPr>
+            <p:ph type="sldNum" sz="quarter" idx="10"/>
+          </p:nvPr>
+        </p:nvSpPr>
+        <p:spPr/>
+        <p:txBody>
+          <a:bodyPr/>
+          <a:lstStyle/>
+          <a:p>
+            <a:fld id="{CB697A11-5CEE-4588-B832-132CDC30A066}" type="slidenum">
+              <a:rPr lang="pt-PT" smtClean="0"/>
+              <a:pPr/>
+              <a:t>26</a:t>
+            </a:fld>
+            <a:endParaRPr lang="pt-PT"/>
+          </a:p>
+        </p:txBody>
+      </p:sp>
+    </p:spTree>
+  </p:cSld>
+  <p:clrMapOvr>
+    <a:masterClrMapping/>
+  </p:clrMapOvr>
+</p:notes>
+</file>
+
+<file path=ppt/notesSlides/notesSlide15.xml><?xml version="1.0" encoding="utf-8"?>
+<p:notes xmlns:a="http://schemas.openxmlformats.org/drawingml/2006/main" xmlns:r="http://schemas.openxmlformats.org/officeDocument/2006/relationships" xmlns:p="http://schemas.openxmlformats.org/presentationml/2006/main">
+  <p:cSld>
+    <p:spTree>
+      <p:nvGrpSpPr>
+        <p:cNvPr id="1" name=""/>
+        <p:cNvGrpSpPr/>
+        <p:nvPr/>
+      </p:nvGrpSpPr>
+      <p:grpSpPr>
+        <a:xfrm>
+          <a:off x="0" y="0"/>
+          <a:ext cx="0" cy="0"/>
+          <a:chOff x="0" y="0"/>
+          <a:chExt cx="0" cy="0"/>
+        </a:xfrm>
+      </p:grpSpPr>
+      <p:sp>
+        <p:nvSpPr>
           <p:cNvPr id="2" name="Slide Image Placeholder 1"/>
           <p:cNvSpPr>
             <a:spLocks noGrp="1" noRot="1" noChangeAspect="1"/>
@@ -2448,7 +2539,7 @@
     </p:spTree>
     <p:extLst>
       <p:ext uri="{BB962C8B-B14F-4D97-AF65-F5344CB8AC3E}">
-        <p14:creationId xmlns:p14="http://schemas.microsoft.com/office/powerpoint/2010/main" xmlns="" val="1742877947"/>
+        <p14:creationId xmlns="" xmlns:p14="http://schemas.microsoft.com/office/powerpoint/2010/main" val="1742877947"/>
       </p:ext>
     </p:extLst>
   </p:cSld>
@@ -2504,6 +2595,56 @@
           </a:bodyPr>
           <a:lstStyle/>
           <a:p>
+            <a:r>
+              <a:rPr lang="pt-PT" dirty="0" smtClean="0"/>
+              <a:t>…</a:t>
+            </a:r>
+          </a:p>
+          <a:p>
+            <a:endParaRPr lang="pt-PT" dirty="0" smtClean="0"/>
+          </a:p>
+          <a:p>
+            <a:r>
+              <a:rPr lang="pt-PT" dirty="0" smtClean="0"/>
+              <a:t>(ideia sem </a:t>
+            </a:r>
+            <a:r>
+              <a:rPr lang="pt-PT" dirty="0" err="1" smtClean="0"/>
+              <a:t>qq</a:t>
+            </a:r>
+            <a:r>
+              <a:rPr lang="pt-PT" dirty="0" smtClean="0"/>
+              <a:t> alteração aos processos / transparente)</a:t>
+            </a:r>
+          </a:p>
+          <a:p>
+            <a:r>
+              <a:rPr lang="pt-PT" dirty="0" smtClean="0"/>
+              <a:t>…</a:t>
+            </a:r>
+          </a:p>
+          <a:p>
+            <a:r>
+              <a:rPr lang="pt-PT" dirty="0" smtClean="0"/>
+              <a:t>filtros (da biblioteca </a:t>
+            </a:r>
+            <a:r>
+              <a:rPr lang="pt-PT" dirty="0" err="1" smtClean="0"/>
+              <a:t>PCap</a:t>
+            </a:r>
+            <a:r>
+              <a:rPr lang="pt-PT" dirty="0" smtClean="0"/>
+              <a:t> ou no núcleo)</a:t>
+            </a:r>
+          </a:p>
+          <a:p>
+            <a:endParaRPr lang="pt-PT" dirty="0" smtClean="0"/>
+          </a:p>
+          <a:p>
+            <a:r>
+              <a:rPr lang="pt-PT" dirty="0" smtClean="0"/>
+              <a:t>…</a:t>
+            </a:r>
             <a:endParaRPr lang="pt-PT" dirty="0"/>
           </a:p>
         </p:txBody>
@@ -2526,7 +2667,7 @@
             <a:fld id="{CB697A11-5CEE-4588-B832-132CDC30A066}" type="slidenum">
               <a:rPr lang="pt-PT" smtClean="0"/>
               <a:pPr/>
-              <a:t>4</a:t>
+              <a:t>3</a:t>
             </a:fld>
             <a:endParaRPr lang="pt-PT"/>
           </a:p>
@@ -2586,30 +2727,6 @@
           </a:bodyPr>
           <a:lstStyle/>
           <a:p>
-            <a:r>
-              <a:rPr lang="pt-PT" dirty="0" smtClean="0"/>
-              <a:t>Identificação dos</a:t>
-            </a:r>
-            <a:r>
-              <a:rPr lang="pt-PT" baseline="0" dirty="0" smtClean="0"/>
-              <a:t> processos ao nível do </a:t>
-            </a:r>
-            <a:r>
-              <a:rPr lang="pt-PT" baseline="0" dirty="0" err="1" smtClean="0"/>
-              <a:t>pcap</a:t>
-            </a:r>
-            <a:r>
-              <a:rPr lang="pt-PT" baseline="0" dirty="0" smtClean="0"/>
-              <a:t> / </a:t>
-            </a:r>
-            <a:r>
-              <a:rPr lang="pt-PT" baseline="0" dirty="0" err="1" smtClean="0"/>
-              <a:t>lsf</a:t>
-            </a:r>
-            <a:r>
-              <a:rPr lang="pt-PT" baseline="0" dirty="0" smtClean="0"/>
-              <a:t> </a:t>
-            </a:r>
             <a:endParaRPr lang="pt-PT" dirty="0"/>
           </a:p>
         </p:txBody>
@@ -2632,7 +2749,7 @@
             <a:fld id="{CB697A11-5CEE-4588-B832-132CDC30A066}" type="slidenum">
               <a:rPr lang="pt-PT" smtClean="0"/>
               <a:pPr/>
-              <a:t>5</a:t>
+              <a:t>4</a:t>
             </a:fld>
             <a:endParaRPr lang="pt-PT"/>
           </a:p>
@@ -2694,37 +2811,27 @@
           <a:p>
             <a:r>
               <a:rPr lang="pt-PT" dirty="0" smtClean="0"/>
-              <a:t>Serve para </a:t>
-            </a:r>
-            <a:r>
-              <a:rPr lang="pt-PT" dirty="0" err="1" smtClean="0"/>
-              <a:t>detectar</a:t>
+              <a:t>Identificação dos</a:t>
             </a:r>
             <a:r>
               <a:rPr lang="pt-PT" baseline="0" dirty="0" smtClean="0"/>
-              <a:t> as </a:t>
+              <a:t> processos ao nível do </a:t>
             </a:r>
             <a:r>
               <a:rPr lang="pt-PT" baseline="0" dirty="0" err="1" smtClean="0"/>
-              <a:t>interacoes</a:t>
+              <a:t>pcap</a:t>
             </a:r>
             <a:r>
               <a:rPr lang="pt-PT" baseline="0" dirty="0" smtClean="0"/>
-              <a:t> via rede … e tudo o resto … </a:t>
-            </a:r>
-          </a:p>
-          <a:p>
+              <a:t> / </a:t>
+            </a:r>
+            <a:r>
+              <a:rPr lang="pt-PT" baseline="0" dirty="0" err="1" smtClean="0"/>
+              <a:t>lsf</a:t>
+            </a:r>
             <a:r>
               <a:rPr lang="pt-PT" baseline="0" dirty="0" smtClean="0"/>
-              <a:t>Incluir novo filtro com base no passo anterior para </a:t>
-            </a:r>
-            <a:r>
-              <a:rPr lang="pt-PT" baseline="0" dirty="0" err="1" smtClean="0"/>
-              <a:t>detectar</a:t>
-            </a:r>
-            <a:r>
-              <a:rPr lang="pt-PT" baseline="0" dirty="0" smtClean="0"/>
-              <a:t> os pacotes pertences ao processo alvo </a:t>
+              <a:t> </a:t>
             </a:r>
             <a:endParaRPr lang="pt-PT" dirty="0"/>
           </a:p>
@@ -2748,7 +2855,7 @@
             <a:fld id="{CB697A11-5CEE-4588-B832-132CDC30A066}" type="slidenum">
               <a:rPr lang="pt-PT" smtClean="0"/>
               <a:pPr/>
-              <a:t>6</a:t>
+              <a:t>5</a:t>
             </a:fld>
             <a:endParaRPr lang="pt-PT"/>
           </a:p>
@@ -2810,57 +2917,37 @@
           <a:p>
             <a:r>
               <a:rPr lang="pt-PT" dirty="0" smtClean="0"/>
-              <a:t>Pretende-se …</a:t>
-            </a:r>
-          </a:p>
-          <a:p>
-            <a:r>
-              <a:rPr lang="pt-PT" dirty="0" smtClean="0"/>
-              <a:t>Envolve… monitorizar ….</a:t>
-            </a:r>
-          </a:p>
-          <a:p>
-            <a:r>
-              <a:rPr lang="pt-PT" dirty="0" smtClean="0"/>
-              <a:t>Para …</a:t>
-            </a:r>
-          </a:p>
-          <a:p>
+              <a:t>Serve para </a:t>
+            </a:r>
             <a:r>
               <a:rPr lang="pt-PT" dirty="0" err="1" smtClean="0"/>
-              <a:t>Extender</a:t>
+              <a:t>detectar</a:t>
             </a:r>
             <a:r>
               <a:rPr lang="pt-PT" baseline="0" dirty="0" smtClean="0"/>
-              <a:t> o </a:t>
+              <a:t> as </a:t>
             </a:r>
             <a:r>
               <a:rPr lang="pt-PT" baseline="0" dirty="0" err="1" smtClean="0"/>
-              <a:t>lsf</a:t>
+              <a:t>interacoes</a:t>
             </a:r>
             <a:r>
               <a:rPr lang="pt-PT" baseline="0" dirty="0" smtClean="0"/>
-              <a:t>/</a:t>
+              <a:t> via rede … e tudo o resto … </a:t>
+            </a:r>
+          </a:p>
+          <a:p>
+            <a:r>
+              <a:rPr lang="pt-PT" baseline="0" dirty="0" smtClean="0"/>
+              <a:t>Incluir novo filtro com base no passo anterior para </a:t>
             </a:r>
             <a:r>
               <a:rPr lang="pt-PT" baseline="0" dirty="0" err="1" smtClean="0"/>
-              <a:t>pcap</a:t>
+              <a:t>detectar</a:t>
             </a:r>
             <a:r>
               <a:rPr lang="pt-PT" baseline="0" dirty="0" smtClean="0"/>
-              <a:t> com base …</a:t>
-            </a:r>
-          </a:p>
-          <a:p>
-            <a:r>
-              <a:rPr lang="pt-PT" baseline="0" dirty="0" smtClean="0"/>
-              <a:t>Pretende-se ainda …</a:t>
-            </a:r>
-          </a:p>
-          <a:p>
-            <a:r>
-              <a:rPr lang="pt-PT" baseline="0" dirty="0" smtClean="0"/>
-              <a:t>Mantendo a ….</a:t>
+              <a:t> os pacotes pertences ao processo alvo </a:t>
             </a:r>
             <a:endParaRPr lang="pt-PT" dirty="0"/>
           </a:p>
@@ -2884,7 +2971,7 @@
             <a:fld id="{CB697A11-5CEE-4588-B832-132CDC30A066}" type="slidenum">
               <a:rPr lang="pt-PT" smtClean="0"/>
               <a:pPr/>
-              <a:t>7</a:t>
+              <a:t>6</a:t>
             </a:fld>
             <a:endParaRPr lang="pt-PT"/>
           </a:p>
@@ -2945,16 +3032,58 @@
           <a:lstStyle/>
           <a:p>
             <a:r>
+              <a:rPr lang="pt-PT" dirty="0" smtClean="0"/>
+              <a:t>Pretende-se …</a:t>
+            </a:r>
+          </a:p>
+          <a:p>
+            <a:r>
+              <a:rPr lang="pt-PT" dirty="0" smtClean="0"/>
+              <a:t>Envolve… monitorizar ….</a:t>
+            </a:r>
+          </a:p>
+          <a:p>
+            <a:r>
+              <a:rPr lang="pt-PT" dirty="0" smtClean="0"/>
+              <a:t>Para …</a:t>
+            </a:r>
+          </a:p>
+          <a:p>
+            <a:r>
               <a:rPr lang="pt-PT" dirty="0" err="1" smtClean="0"/>
-              <a:t>Proposito</a:t>
-            </a:r>
-            <a:r>
-              <a:rPr lang="pt-PT" dirty="0" smtClean="0"/>
-              <a:t> dos componentes … detalhes </a:t>
-            </a:r>
-            <a:r>
-              <a:rPr lang="pt-PT" smtClean="0"/>
-              <a:t>são depois .. </a:t>
+              <a:t>Extender</a:t>
+            </a:r>
+            <a:r>
+              <a:rPr lang="pt-PT" baseline="0" dirty="0" smtClean="0"/>
+              <a:t> o </a:t>
+            </a:r>
+            <a:r>
+              <a:rPr lang="pt-PT" baseline="0" dirty="0" err="1" smtClean="0"/>
+              <a:t>lsf</a:t>
+            </a:r>
+            <a:r>
+              <a:rPr lang="pt-PT" baseline="0" dirty="0" smtClean="0"/>
+              <a:t>/</a:t>
+            </a:r>
+            <a:r>
+              <a:rPr lang="pt-PT" baseline="0" dirty="0" err="1" smtClean="0"/>
+              <a:t>pcap</a:t>
+            </a:r>
+            <a:r>
+              <a:rPr lang="pt-PT" baseline="0" dirty="0" smtClean="0"/>
+              <a:t> com base …</a:t>
+            </a:r>
+          </a:p>
+          <a:p>
+            <a:r>
+              <a:rPr lang="pt-PT" baseline="0" dirty="0" smtClean="0"/>
+              <a:t>Pretende-se ainda …</a:t>
+            </a:r>
+          </a:p>
+          <a:p>
+            <a:r>
+              <a:rPr lang="pt-PT" baseline="0" dirty="0" smtClean="0"/>
+              <a:t>Mantendo a ….</a:t>
             </a:r>
             <a:endParaRPr lang="pt-PT" dirty="0"/>
           </a:p>
@@ -2978,7 +3107,7 @@
             <a:fld id="{CB697A11-5CEE-4588-B832-132CDC30A066}" type="slidenum">
               <a:rPr lang="pt-PT" smtClean="0"/>
               <a:pPr/>
-              <a:t>9</a:t>
+              <a:t>7</a:t>
             </a:fld>
             <a:endParaRPr lang="pt-PT"/>
           </a:p>
@@ -3039,42 +3168,16 @@
           <a:lstStyle/>
           <a:p>
             <a:r>
-              <a:rPr lang="pt-PT" dirty="0" smtClean="0"/>
-              <a:t>Para</a:t>
-            </a:r>
-            <a:r>
-              <a:rPr lang="pt-PT" baseline="0" dirty="0" smtClean="0"/>
-              <a:t> que e </a:t>
-            </a:r>
-            <a:r>
-              <a:rPr lang="pt-PT" baseline="0" dirty="0" err="1" smtClean="0"/>
-              <a:t>efectuada</a:t>
-            </a:r>
-            <a:r>
-              <a:rPr lang="pt-PT" baseline="0" dirty="0" smtClean="0"/>
-              <a:t> a instrumentação das chamadas … </a:t>
-            </a:r>
-            <a:endParaRPr lang="pt-PT" dirty="0" smtClean="0"/>
-          </a:p>
-          <a:p>
-            <a:endParaRPr lang="pt-PT" dirty="0" smtClean="0"/>
-          </a:p>
-          <a:p>
-            <a:r>
-              <a:rPr lang="pt-PT" dirty="0" smtClean="0"/>
-              <a:t>Manter</a:t>
-            </a:r>
-            <a:r>
-              <a:rPr lang="pt-PT" baseline="0" dirty="0" smtClean="0"/>
-              <a:t> em tempo real a utilização de </a:t>
-            </a:r>
-            <a:r>
-              <a:rPr lang="pt-PT" baseline="0" dirty="0" err="1" smtClean="0"/>
-              <a:t>sockets</a:t>
-            </a:r>
-            <a:r>
-              <a:rPr lang="pt-PT" baseline="0" dirty="0" smtClean="0"/>
-              <a:t> em utilização pelo processo alvo</a:t>
+              <a:rPr lang="pt-PT" dirty="0" err="1" smtClean="0"/>
+              <a:t>Proposito</a:t>
+            </a:r>
+            <a:r>
+              <a:rPr lang="pt-PT" dirty="0" smtClean="0"/>
+              <a:t> dos componentes … detalhes </a:t>
+            </a:r>
+            <a:r>
+              <a:rPr lang="pt-PT" smtClean="0"/>
+              <a:t>são depois .. </a:t>
             </a:r>
             <a:endParaRPr lang="pt-PT" dirty="0"/>
           </a:p>
@@ -3098,7 +3201,7 @@
             <a:fld id="{CB697A11-5CEE-4588-B832-132CDC30A066}" type="slidenum">
               <a:rPr lang="pt-PT" smtClean="0"/>
               <a:pPr/>
-              <a:t>10</a:t>
+              <a:t>9</a:t>
             </a:fld>
             <a:endParaRPr lang="pt-PT"/>
           </a:p>
@@ -3160,17 +3263,41 @@
           <a:p>
             <a:r>
               <a:rPr lang="pt-PT" dirty="0" smtClean="0"/>
-              <a:t>…</a:t>
-            </a:r>
-          </a:p>
-          <a:p>
-            <a:r>
-              <a:rPr lang="pt-PT" dirty="0" smtClean="0"/>
-              <a:t>Com o fim de confirmar que todos os dados e só os dados</a:t>
+              <a:t>Para</a:t>
             </a:r>
             <a:r>
               <a:rPr lang="pt-PT" baseline="0" dirty="0" smtClean="0"/>
-              <a:t> do processo eram capturados</a:t>
+              <a:t> que e </a:t>
+            </a:r>
+            <a:r>
+              <a:rPr lang="pt-PT" baseline="0" dirty="0" err="1" smtClean="0"/>
+              <a:t>efectuada</a:t>
+            </a:r>
+            <a:r>
+              <a:rPr lang="pt-PT" baseline="0" dirty="0" smtClean="0"/>
+              <a:t> a instrumentação das chamadas … </a:t>
+            </a:r>
+            <a:endParaRPr lang="pt-PT" dirty="0" smtClean="0"/>
+          </a:p>
+          <a:p>
+            <a:endParaRPr lang="pt-PT" dirty="0" smtClean="0"/>
+          </a:p>
+          <a:p>
+            <a:r>
+              <a:rPr lang="pt-PT" dirty="0" smtClean="0"/>
+              <a:t>Manter</a:t>
+            </a:r>
+            <a:r>
+              <a:rPr lang="pt-PT" baseline="0" dirty="0" smtClean="0"/>
+              <a:t> em tempo real a utilização de </a:t>
+            </a:r>
+            <a:r>
+              <a:rPr lang="pt-PT" baseline="0" dirty="0" err="1" smtClean="0"/>
+              <a:t>sockets</a:t>
+            </a:r>
+            <a:r>
+              <a:rPr lang="pt-PT" baseline="0" dirty="0" smtClean="0"/>
+              <a:t> em utilização pelo processo alvo</a:t>
             </a:r>
             <a:endParaRPr lang="pt-PT" dirty="0"/>
           </a:p>
@@ -3194,7 +3321,7 @@
             <a:fld id="{CB697A11-5CEE-4588-B832-132CDC30A066}" type="slidenum">
               <a:rPr lang="pt-PT" smtClean="0"/>
               <a:pPr/>
-              <a:t>14</a:t>
+              <a:t>10</a:t>
             </a:fld>
             <a:endParaRPr lang="pt-PT"/>
           </a:p>
@@ -3256,11 +3383,17 @@
           <a:p>
             <a:r>
               <a:rPr lang="pt-PT" dirty="0" smtClean="0"/>
-              <a:t>Dois cenários diferentes … um só fluxo</a:t>
+              <a:t>…</a:t>
+            </a:r>
+          </a:p>
+          <a:p>
+            <a:r>
+              <a:rPr lang="pt-PT" dirty="0" smtClean="0"/>
+              <a:t>Com o fim de confirmar que todos os dados e só os dados</a:t>
             </a:r>
             <a:r>
               <a:rPr lang="pt-PT" baseline="0" dirty="0" smtClean="0"/>
-              <a:t> e com dois fluxos … onde só um é relevante</a:t>
+              <a:t> do processo eram capturados</a:t>
             </a:r>
             <a:endParaRPr lang="pt-PT" dirty="0"/>
           </a:p>
@@ -3284,7 +3417,7 @@
             <a:fld id="{CB697A11-5CEE-4588-B832-132CDC30A066}" type="slidenum">
               <a:rPr lang="pt-PT" smtClean="0"/>
               <a:pPr/>
-              <a:t>16</a:t>
+              <a:t>14</a:t>
             </a:fld>
             <a:endParaRPr lang="pt-PT"/>
           </a:p>
@@ -7829,15 +7962,7 @@
             <a:pPr lvl="2"/>
             <a:r>
               <a:rPr lang="pt-PT" dirty="0" smtClean="0"/>
-              <a:t>Quando o </a:t>
-            </a:r>
-            <a:r>
-              <a:rPr lang="pt-PT" dirty="0" smtClean="0"/>
-              <a:t>modulo não </a:t>
-            </a:r>
-            <a:r>
-              <a:rPr lang="pt-PT" dirty="0" smtClean="0"/>
-              <a:t>está </a:t>
+              <a:t>Quando o modulo não está </a:t>
             </a:r>
             <a:r>
               <a:rPr lang="pt-PT" dirty="0" err="1" smtClean="0"/>
@@ -9841,17 +9966,12 @@
               <a:rPr lang="pt-PT" dirty="0" smtClean="0"/>
               <a:t>Sem monitorização</a:t>
             </a:r>
-            <a:endParaRPr lang="pt-PT" dirty="0" smtClean="0"/>
           </a:p>
           <a:p>
             <a:pPr lvl="1"/>
             <a:r>
               <a:rPr lang="pt-PT" dirty="0" smtClean="0"/>
-              <a:t>Monitorização através </a:t>
-            </a:r>
-            <a:r>
-              <a:rPr lang="pt-PT" dirty="0" smtClean="0"/>
-              <a:t>da biblioteca </a:t>
+              <a:t>Monitorização através da biblioteca </a:t>
             </a:r>
             <a:r>
               <a:rPr lang="pt-PT" dirty="0" err="1" smtClean="0"/>
@@ -9861,17 +9981,12 @@
               <a:rPr lang="pt-PT" dirty="0" smtClean="0"/>
               <a:t>  </a:t>
             </a:r>
-            <a:endParaRPr lang="pt-PT" dirty="0" smtClean="0"/>
           </a:p>
           <a:p>
             <a:pPr lvl="1"/>
             <a:r>
               <a:rPr lang="pt-PT" dirty="0" smtClean="0"/>
-              <a:t>Monitorização </a:t>
-            </a:r>
-            <a:r>
-              <a:rPr lang="pt-PT" dirty="0" smtClean="0"/>
-              <a:t>através do </a:t>
+              <a:t>Monitorização através do </a:t>
             </a:r>
             <a:r>
               <a:rPr lang="pt-PT" dirty="0" err="1" smtClean="0"/>
@@ -9890,13 +10005,8 @@
           <a:p>
             <a:r>
               <a:rPr lang="pt-PT" dirty="0" smtClean="0"/>
-              <a:t>Dois fluxos de </a:t>
-            </a:r>
-            <a:r>
-              <a:rPr lang="pt-PT" dirty="0" smtClean="0"/>
-              <a:t>dados (só um relevante)</a:t>
-            </a:r>
-            <a:endParaRPr lang="pt-PT" dirty="0" smtClean="0"/>
+              <a:t>Dois fluxos de dados (só um relevante)</a:t>
+            </a:r>
           </a:p>
           <a:p>
             <a:pPr lvl="1"/>
@@ -10150,7 +10260,7 @@
           <p:nvPr>
             <p:extLst>
               <p:ext uri="{D42A27DB-BD31-4B8C-83A1-F6EECF244321}">
-                <p14:modId xmlns:p14="http://schemas.microsoft.com/office/powerpoint/2010/main" xmlns="" val="2923390044"/>
+                <p14:modId xmlns="" xmlns:p14="http://schemas.microsoft.com/office/powerpoint/2010/main" val="2923390044"/>
               </p:ext>
             </p:extLst>
           </p:nvPr>
@@ -10838,11 +10948,7 @@
           <a:p>
             <a:r>
               <a:rPr lang="pt-PT" dirty="0" smtClean="0"/>
-              <a:t>Através </a:t>
-            </a:r>
-            <a:r>
-              <a:rPr lang="pt-PT" dirty="0" smtClean="0"/>
-              <a:t>de instrumentação estática ou dinâmica</a:t>
+              <a:t>Através de instrumentação estática ou dinâmica</a:t>
             </a:r>
           </a:p>
           <a:p>
@@ -10862,11 +10968,7 @@
           <a:p>
             <a:r>
               <a:rPr lang="pt-PT" dirty="0" smtClean="0"/>
-              <a:t>Análise </a:t>
-            </a:r>
-            <a:r>
-              <a:rPr lang="pt-PT" dirty="0" smtClean="0"/>
-              <a:t>aos dados obtidos </a:t>
+              <a:t>Análise aos dados obtidos </a:t>
             </a:r>
             <a:r>
               <a:rPr lang="pt-PT" dirty="0" err="1" smtClean="0"/>
@@ -11050,41 +11152,13 @@
           <a:p>
             <a:r>
               <a:rPr lang="pt-PT" dirty="0" smtClean="0"/>
-              <a:t>Sobrecarga </a:t>
-            </a:r>
-            <a:r>
-              <a:rPr lang="pt-PT" dirty="0" smtClean="0"/>
-              <a:t>mínima</a:t>
-            </a:r>
-          </a:p>
-          <a:p>
-            <a:r>
-              <a:rPr lang="pt-PT" dirty="0" smtClean="0"/>
-              <a:t>P</a:t>
-            </a:r>
-            <a:r>
-              <a:rPr lang="pt-PT" dirty="0" smtClean="0"/>
-              <a:t>ermite </a:t>
-            </a:r>
-            <a:r>
-              <a:rPr lang="pt-PT" dirty="0" smtClean="0"/>
-              <a:t>melhores resultados </a:t>
-            </a:r>
-            <a:r>
-              <a:rPr lang="pt-PT" dirty="0" smtClean="0"/>
-              <a:t>quando </a:t>
-            </a:r>
-            <a:r>
-              <a:rPr lang="pt-PT" dirty="0" smtClean="0"/>
-              <a:t>a</a:t>
-            </a:r>
-            <a:r>
-              <a:rPr lang="pt-PT" dirty="0" smtClean="0"/>
-              <a:t>penas se pretende um </a:t>
-            </a:r>
-            <a:r>
-              <a:rPr lang="pt-PT" dirty="0" smtClean="0"/>
-              <a:t>subconjunto do tráfego de rede</a:t>
+              <a:t>Sobrecarga mínima</a:t>
+            </a:r>
+          </a:p>
+          <a:p>
+            <a:r>
+              <a:rPr lang="pt-PT" dirty="0" smtClean="0"/>
+              <a:t>Permite melhores resultados quando apenas se pretende um subconjunto do tráfego de rede</a:t>
             </a:r>
             <a:endParaRPr lang="pt-PT" dirty="0"/>
           </a:p>
@@ -13949,7 +14023,7 @@
     </p:spTree>
     <p:extLst>
       <p:ext uri="{BB962C8B-B14F-4D97-AF65-F5344CB8AC3E}">
-        <p14:creationId xmlns:p14="http://schemas.microsoft.com/office/powerpoint/2010/main" xmlns="" val="2480020566"/>
+        <p14:creationId xmlns="" xmlns:p14="http://schemas.microsoft.com/office/powerpoint/2010/main" val="2480020566"/>
       </p:ext>
     </p:extLst>
   </p:cSld>
@@ -14046,7 +14120,7 @@
           <p:nvPr>
             <p:extLst>
               <p:ext uri="{D42A27DB-BD31-4B8C-83A1-F6EECF244321}">
-                <p14:modId xmlns:p14="http://schemas.microsoft.com/office/powerpoint/2010/main" xmlns="" val="3402441427"/>
+                <p14:modId xmlns="" xmlns:p14="http://schemas.microsoft.com/office/powerpoint/2010/main" val="3402441427"/>
               </p:ext>
             </p:extLst>
           </p:nvPr>
@@ -14070,7 +14144,7 @@
           <p:nvPr>
             <p:extLst>
               <p:ext uri="{D42A27DB-BD31-4B8C-83A1-F6EECF244321}">
-                <p14:modId xmlns:p14="http://schemas.microsoft.com/office/powerpoint/2010/main" xmlns="" val="4122839546"/>
+                <p14:modId xmlns="" xmlns:p14="http://schemas.microsoft.com/office/powerpoint/2010/main" val="4122839546"/>
               </p:ext>
             </p:extLst>
           </p:nvPr>
@@ -16086,7 +16160,7 @@
         </p:spPr>
         <p:txBody>
           <a:bodyPr>
-            <a:normAutofit lnSpcReduction="10000"/>
+            <a:normAutofit/>
           </a:bodyPr>
           <a:lstStyle/>
           <a:p>
@@ -16125,15 +16199,11 @@
           <a:p>
             <a:r>
               <a:rPr lang="pt-PT" dirty="0" smtClean="0"/>
-              <a:t>Captura de tráfego de rede de modo passivo (ideia sem </a:t>
-            </a:r>
-            <a:r>
-              <a:rPr lang="pt-PT" dirty="0" err="1" smtClean="0"/>
-              <a:t>qq</a:t>
-            </a:r>
-            <a:r>
-              <a:rPr lang="pt-PT" dirty="0" smtClean="0"/>
-              <a:t> alteração aos processos / transparente)</a:t>
+              <a:t>Captura de tráfego de rede de modo </a:t>
+            </a:r>
+            <a:r>
+              <a:rPr lang="pt-PT" dirty="0" smtClean="0"/>
+              <a:t>passivo</a:t>
             </a:r>
             <a:endParaRPr lang="pt-PT" dirty="0" smtClean="0"/>
           </a:p>
@@ -16151,16 +16221,13 @@
           <a:p>
             <a:r>
               <a:rPr lang="pt-PT" dirty="0" smtClean="0"/>
-              <a:t>Redução dos dados através de filtros (da biblioteca </a:t>
-            </a:r>
-            <a:r>
-              <a:rPr lang="pt-PT" dirty="0" err="1" smtClean="0"/>
-              <a:t>PCap</a:t>
-            </a:r>
-            <a:r>
-              <a:rPr lang="pt-PT" dirty="0" smtClean="0"/>
-              <a:t> ou no núcleo)</a:t>
-            </a:r>
+              <a:t>Redução dos dados através </a:t>
+            </a:r>
+            <a:r>
+              <a:rPr lang="pt-PT" dirty="0" smtClean="0"/>
+              <a:t>de</a:t>
+            </a:r>
+            <a:endParaRPr lang="pt-PT" dirty="0" smtClean="0"/>
           </a:p>
           <a:p>
             <a:endParaRPr lang="pt-PT" dirty="0"/>
@@ -20591,21 +20658,8 @@
           <a:p>
             <a:r>
               <a:rPr lang="pt-PT" dirty="0" smtClean="0"/>
-              <a:t>Monitorização de rede de um processo em nível utilizador </a:t>
-            </a:r>
-            <a:r>
-              <a:rPr lang="pt-PT" dirty="0" smtClean="0"/>
-              <a:t>é limitado a alguns casos e </a:t>
-            </a:r>
-            <a:r>
-              <a:rPr lang="pt-PT" dirty="0" smtClean="0"/>
-              <a:t>sobrecarrega </a:t>
-            </a:r>
-            <a:r>
-              <a:rPr lang="pt-PT" dirty="0" smtClean="0"/>
-              <a:t>o sistema</a:t>
-            </a:r>
-            <a:endParaRPr lang="pt-PT" dirty="0" smtClean="0"/>
+              <a:t>Monitorização de rede de um processo em nível utilizador é limitado a alguns casos e sobrecarrega o sistema</a:t>
+            </a:r>
           </a:p>
           <a:p>
             <a:r>
@@ -21693,11 +21747,7 @@
             </a:r>
             <a:r>
               <a:rPr lang="pt-PT" dirty="0" smtClean="0"/>
-              <a:t> da </a:t>
-            </a:r>
-            <a:r>
-              <a:rPr lang="pt-PT" dirty="0" smtClean="0"/>
-              <a:t>solução (</a:t>
+              <a:t> da solução (</a:t>
             </a:r>
             <a:r>
               <a:rPr lang="pt-PT" dirty="0" err="1" smtClean="0"/>
@@ -21735,13 +21785,8 @@
           <a:p>
             <a:r>
               <a:rPr lang="pt-PT" dirty="0" smtClean="0"/>
-              <a:t>Monitorização de Rede orientada ao </a:t>
-            </a:r>
-            <a:r>
-              <a:rPr lang="pt-PT" dirty="0" smtClean="0"/>
-              <a:t>Processo</a:t>
-            </a:r>
-            <a:endParaRPr lang="pt-PT" dirty="0" smtClean="0"/>
+              <a:t>Monitorização de Rede orientada ao Processo</a:t>
+            </a:r>
           </a:p>
           <a:p>
             <a:pPr>

--- a/doc/apresentacao_dissertacao.pptx
+++ b/doc/apresentacao_dissertacao.pptx
@@ -213,7 +213,7 @@
                   <c:v>89.797500000000127</c:v>
                 </c:pt>
                 <c:pt idx="4">
-                  <c:v>182.15730000000045</c:v>
+                  <c:v>182.15730000000048</c:v>
                 </c:pt>
                 <c:pt idx="5">
                   <c:v>179.49300000000002</c:v>
@@ -281,7 +281,7 @@
                   <c:v>89.800699999999992</c:v>
                 </c:pt>
                 <c:pt idx="4">
-                  <c:v>188.71559999999945</c:v>
+                  <c:v>188.71559999999943</c:v>
                 </c:pt>
                 <c:pt idx="5">
                   <c:v>179.62800000000001</c:v>
@@ -343,7 +343,7 @@
                   <c:v>91.667400000000001</c:v>
                 </c:pt>
                 <c:pt idx="2">
-                  <c:v>91.267200000000301</c:v>
+                  <c:v>91.267200000000315</c:v>
                 </c:pt>
                 <c:pt idx="3">
                   <c:v>89.846400000000003</c:v>
@@ -358,11 +358,11 @@
             </c:numRef>
           </c:val>
         </c:ser>
-        <c:axId val="71849088"/>
-        <c:axId val="71851008"/>
+        <c:axId val="51344512"/>
+        <c:axId val="51346432"/>
       </c:barChart>
       <c:catAx>
-        <c:axId val="71849088"/>
+        <c:axId val="51344512"/>
         <c:scaling>
           <c:orientation val="minMax"/>
         </c:scaling>
@@ -387,21 +387,21 @@
             <c:manualLayout>
               <c:xMode val="edge"/>
               <c:yMode val="edge"/>
-              <c:x val="0.44432432805295052"/>
+              <c:x val="0.44432432805295063"/>
               <c:y val="0.88981208334873663"/>
             </c:manualLayout>
           </c:layout>
         </c:title>
         <c:numFmt formatCode="General" sourceLinked="1"/>
         <c:tickLblPos val="nextTo"/>
-        <c:crossAx val="71851008"/>
+        <c:crossAx val="51346432"/>
         <c:crosses val="autoZero"/>
         <c:auto val="1"/>
         <c:lblAlgn val="ctr"/>
         <c:lblOffset val="100"/>
       </c:catAx>
       <c:valAx>
-        <c:axId val="71851008"/>
+        <c:axId val="51346432"/>
         <c:scaling>
           <c:orientation val="minMax"/>
         </c:scaling>
@@ -428,13 +428,13 @@
               <c:xMode val="edge"/>
               <c:yMode val="edge"/>
               <c:x val="1.4212132813227503E-2"/>
-              <c:y val="0.33453895727822891"/>
+              <c:y val="0.33453895727822897"/>
             </c:manualLayout>
           </c:layout>
         </c:title>
         <c:numFmt formatCode="0.0" sourceLinked="0"/>
         <c:tickLblPos val="nextTo"/>
-        <c:crossAx val="71849088"/>
+        <c:crossAx val="51344512"/>
         <c:crosses val="autoZero"/>
         <c:crossBetween val="between"/>
       </c:valAx>
@@ -494,7 +494,7 @@
                 <c:formatCode>0.0000</c:formatCode>
                 <c:ptCount val="2"/>
                 <c:pt idx="0">
-                  <c:v>182.15730000000045</c:v>
+                  <c:v>182.15730000000048</c:v>
                 </c:pt>
                 <c:pt idx="1">
                   <c:v>179.49300000000002</c:v>
@@ -538,7 +538,7 @@
                 <c:formatCode>General</c:formatCode>
                 <c:ptCount val="2"/>
                 <c:pt idx="0">
-                  <c:v>188.71559999999945</c:v>
+                  <c:v>188.71559999999943</c:v>
                 </c:pt>
                 <c:pt idx="1">
                   <c:v>179.62800000000001</c:v>
@@ -591,11 +591,11 @@
             </c:numRef>
           </c:val>
         </c:ser>
-        <c:axId val="44168320"/>
-        <c:axId val="44170240"/>
+        <c:axId val="52421760"/>
+        <c:axId val="52423680"/>
       </c:barChart>
       <c:catAx>
-        <c:axId val="44168320"/>
+        <c:axId val="52421760"/>
         <c:scaling>
           <c:orientation val="minMax"/>
         </c:scaling>
@@ -620,14 +620,14 @@
         </c:title>
         <c:numFmt formatCode="General" sourceLinked="1"/>
         <c:tickLblPos val="nextTo"/>
-        <c:crossAx val="44170240"/>
+        <c:crossAx val="52423680"/>
         <c:crosses val="autoZero"/>
         <c:auto val="1"/>
         <c:lblAlgn val="ctr"/>
         <c:lblOffset val="100"/>
       </c:catAx>
       <c:valAx>
-        <c:axId val="44170240"/>
+        <c:axId val="52423680"/>
         <c:scaling>
           <c:orientation val="minMax"/>
         </c:scaling>
@@ -658,7 +658,7 @@
         </c:title>
         <c:numFmt formatCode="0.0" sourceLinked="0"/>
         <c:tickLblPos val="nextTo"/>
-        <c:crossAx val="44168320"/>
+        <c:crossAx val="52421760"/>
         <c:crosses val="autoZero"/>
         <c:crossBetween val="between"/>
       </c:valAx>
@@ -740,7 +740,7 @@
                   <c:v>0.13730000000000001</c:v>
                 </c:pt>
                 <c:pt idx="3">
-                  <c:v>3.600000000000009E-3</c:v>
+                  <c:v>3.6000000000000094E-3</c:v>
                 </c:pt>
                 <c:pt idx="4">
                   <c:v>3.6003000000000012</c:v>
@@ -820,11 +820,11 @@
             </c:numRef>
           </c:val>
         </c:ser>
-        <c:axId val="43732992"/>
-        <c:axId val="43734912"/>
+        <c:axId val="51417088"/>
+        <c:axId val="51419008"/>
       </c:barChart>
       <c:catAx>
-        <c:axId val="43732992"/>
+        <c:axId val="51417088"/>
         <c:scaling>
           <c:orientation val="minMax"/>
         </c:scaling>
@@ -849,14 +849,14 @@
         </c:title>
         <c:numFmt formatCode="General" sourceLinked="1"/>
         <c:tickLblPos val="nextTo"/>
-        <c:crossAx val="43734912"/>
+        <c:crossAx val="51419008"/>
         <c:crosses val="autoZero"/>
         <c:auto val="1"/>
         <c:lblAlgn val="ctr"/>
         <c:lblOffset val="100"/>
       </c:catAx>
       <c:valAx>
-        <c:axId val="43734912"/>
+        <c:axId val="51419008"/>
         <c:scaling>
           <c:orientation val="minMax"/>
         </c:scaling>
@@ -883,14 +883,14 @@
             <c:manualLayout>
               <c:xMode val="edge"/>
               <c:yMode val="edge"/>
-              <c:x val="0.31962265575324145"/>
-              <c:y val="3.2139286111066681E-4"/>
+              <c:x val="0.31962265575324156"/>
+              <c:y val="3.2139286111066686E-4"/>
             </c:manualLayout>
           </c:layout>
         </c:title>
         <c:numFmt formatCode="0.00" sourceLinked="0"/>
         <c:tickLblPos val="nextTo"/>
-        <c:crossAx val="43732992"/>
+        <c:crossAx val="51417088"/>
         <c:crosses val="autoZero"/>
         <c:crossBetween val="between"/>
       </c:valAx>
@@ -999,11 +999,11 @@
             </c:numRef>
           </c:val>
         </c:ser>
-        <c:axId val="43759488"/>
-        <c:axId val="44433408"/>
+        <c:axId val="51439488"/>
+        <c:axId val="53686272"/>
       </c:barChart>
       <c:catAx>
-        <c:axId val="43759488"/>
+        <c:axId val="51439488"/>
         <c:scaling>
           <c:orientation val="minMax"/>
         </c:scaling>
@@ -1028,14 +1028,14 @@
         </c:title>
         <c:numFmt formatCode="General" sourceLinked="1"/>
         <c:tickLblPos val="nextTo"/>
-        <c:crossAx val="44433408"/>
+        <c:crossAx val="53686272"/>
         <c:crosses val="autoZero"/>
         <c:auto val="1"/>
         <c:lblAlgn val="ctr"/>
         <c:lblOffset val="100"/>
       </c:catAx>
       <c:valAx>
-        <c:axId val="44433408"/>
+        <c:axId val="53686272"/>
         <c:scaling>
           <c:orientation val="minMax"/>
         </c:scaling>
@@ -1043,7 +1043,7 @@
         <c:majorGridlines/>
         <c:numFmt formatCode="0.00" sourceLinked="0"/>
         <c:tickLblPos val="nextTo"/>
-        <c:crossAx val="43759488"/>
+        <c:crossAx val="51439488"/>
         <c:crosses val="autoZero"/>
         <c:crossBetween val="between"/>
       </c:valAx>
@@ -1142,7 +1142,7 @@
             <a:fld id="{FBBBECB9-2F83-4596-B504-AC1E375931CE}" type="datetimeFigureOut">
               <a:rPr lang="pt-PT" smtClean="0"/>
               <a:pPr/>
-              <a:t>13-12-2011</a:t>
+              <a:t>15-12-2011</a:t>
             </a:fld>
             <a:endParaRPr lang="pt-PT"/>
           </a:p>
@@ -1218,7 +1218,7 @@
     </p:spTree>
     <p:extLst>
       <p:ext uri="{BB962C8B-B14F-4D97-AF65-F5344CB8AC3E}">
-        <p14:creationId xmlns="" xmlns:p14="http://schemas.microsoft.com/office/powerpoint/2010/main" val="3502731545"/>
+        <p14:creationId xmlns:p14="http://schemas.microsoft.com/office/powerpoint/2010/main" xmlns="" val="3502731545"/>
       </p:ext>
     </p:extLst>
   </p:cSld>
@@ -1309,7 +1309,7 @@
             <a:fld id="{9B5C831C-B110-4E4E-9FCE-53887ECEDBF7}" type="datetimeFigureOut">
               <a:rPr lang="pt-PT" smtClean="0"/>
               <a:pPr/>
-              <a:t>13-12-2011</a:t>
+              <a:t>15-12-2011</a:t>
             </a:fld>
             <a:endParaRPr lang="pt-PT"/>
           </a:p>
@@ -1480,7 +1480,7 @@
     </p:spTree>
     <p:extLst>
       <p:ext uri="{BB962C8B-B14F-4D97-AF65-F5344CB8AC3E}">
-        <p14:creationId xmlns="" xmlns:p14="http://schemas.microsoft.com/office/powerpoint/2010/main" val="1191317535"/>
+        <p14:creationId xmlns:p14="http://schemas.microsoft.com/office/powerpoint/2010/main" xmlns="" val="1191317535"/>
       </p:ext>
     </p:extLst>
   </p:cSld>
@@ -1710,11 +1710,41 @@
           <a:p>
             <a:r>
               <a:rPr lang="pt-PT" dirty="0" smtClean="0"/>
-              <a:t>Dois cenários diferentes … um só fluxo</a:t>
+              <a:t>Para</a:t>
             </a:r>
             <a:r>
               <a:rPr lang="pt-PT" baseline="0" dirty="0" smtClean="0"/>
-              <a:t> e com dois fluxos … onde só um é relevante</a:t>
+              <a:t> que e </a:t>
+            </a:r>
+            <a:r>
+              <a:rPr lang="pt-PT" baseline="0" dirty="0" err="1" smtClean="0"/>
+              <a:t>efectuada</a:t>
+            </a:r>
+            <a:r>
+              <a:rPr lang="pt-PT" baseline="0" dirty="0" smtClean="0"/>
+              <a:t> a instrumentação das chamadas … </a:t>
+            </a:r>
+            <a:endParaRPr lang="pt-PT" dirty="0" smtClean="0"/>
+          </a:p>
+          <a:p>
+            <a:endParaRPr lang="pt-PT" dirty="0" smtClean="0"/>
+          </a:p>
+          <a:p>
+            <a:r>
+              <a:rPr lang="pt-PT" dirty="0" smtClean="0"/>
+              <a:t>Manter</a:t>
+            </a:r>
+            <a:r>
+              <a:rPr lang="pt-PT" baseline="0" dirty="0" smtClean="0"/>
+              <a:t> em tempo real a utilização de </a:t>
+            </a:r>
+            <a:r>
+              <a:rPr lang="pt-PT" baseline="0" dirty="0" err="1" smtClean="0"/>
+              <a:t>sockets</a:t>
+            </a:r>
+            <a:r>
+              <a:rPr lang="pt-PT" baseline="0" dirty="0" smtClean="0"/>
+              <a:t> em utilização pelo processo alvo</a:t>
             </a:r>
             <a:endParaRPr lang="pt-PT" dirty="0"/>
           </a:p>
@@ -1738,7 +1768,7 @@
             <a:fld id="{CB697A11-5CEE-4588-B832-132CDC30A066}" type="slidenum">
               <a:rPr lang="pt-PT" smtClean="0"/>
               <a:pPr/>
-              <a:t>16</a:t>
+              <a:t>10</a:t>
             </a:fld>
             <a:endParaRPr lang="pt-PT"/>
           </a:p>
@@ -1798,24 +1828,7 @@
           </a:bodyPr>
           <a:lstStyle/>
           <a:p>
-            <a:r>
-              <a:rPr lang="pt-PT" dirty="0" smtClean="0"/>
-              <a:t>Semelhança dos resultados nos tempos ,</a:t>
-            </a:r>
-            <a:r>
-              <a:rPr lang="pt-PT" baseline="0" dirty="0" smtClean="0"/>
-              <a:t> sem com e com .. </a:t>
-            </a:r>
-          </a:p>
-          <a:p>
-            <a:endParaRPr lang="pt-PT" baseline="0" dirty="0" smtClean="0"/>
-          </a:p>
-          <a:p>
-            <a:r>
-              <a:rPr lang="pt-PT" baseline="0" dirty="0" smtClean="0"/>
-              <a:t>Quando se passou para o cenário de dois fluxos de dados com apenas um relevante … sobrecarregando a rede </a:t>
-            </a:r>
-            <a:endParaRPr lang="pt-PT" dirty="0"/>
+            <a:endParaRPr lang="pt-PT"/>
           </a:p>
         </p:txBody>
       </p:sp>
@@ -1837,7 +1850,7 @@
             <a:fld id="{CB697A11-5CEE-4588-B832-132CDC30A066}" type="slidenum">
               <a:rPr lang="pt-PT" smtClean="0"/>
               <a:pPr/>
-              <a:t>17</a:t>
+              <a:t>11</a:t>
             </a:fld>
             <a:endParaRPr lang="pt-PT"/>
           </a:p>
@@ -1897,57 +1910,7 @@
           </a:bodyPr>
           <a:lstStyle/>
           <a:p>
-            <a:r>
-              <a:rPr lang="pt-PT" dirty="0" smtClean="0"/>
-              <a:t>----</a:t>
-            </a:r>
-          </a:p>
-          <a:p>
-            <a:endParaRPr lang="pt-PT" dirty="0" smtClean="0"/>
-          </a:p>
-          <a:p>
-            <a:r>
-              <a:rPr lang="pt-PT" dirty="0" smtClean="0"/>
-              <a:t>No caso do </a:t>
-            </a:r>
-            <a:r>
-              <a:rPr lang="pt-PT" dirty="0" err="1" smtClean="0"/>
-              <a:t>udp</a:t>
-            </a:r>
-            <a:r>
-              <a:rPr lang="pt-PT" dirty="0" smtClean="0"/>
-              <a:t> a</a:t>
-            </a:r>
-            <a:r>
-              <a:rPr lang="pt-PT" baseline="0" dirty="0" smtClean="0"/>
-              <a:t> sobrecarga é </a:t>
-            </a:r>
-            <a:r>
-              <a:rPr lang="pt-PT" baseline="0" dirty="0" err="1" smtClean="0"/>
-              <a:t>identica</a:t>
-            </a:r>
-            <a:r>
-              <a:rPr lang="pt-PT" baseline="0" dirty="0" smtClean="0"/>
-              <a:t> em ambos os casos é reduzida</a:t>
-            </a:r>
-          </a:p>
-          <a:p>
-            <a:endParaRPr lang="pt-PT" baseline="0" dirty="0" smtClean="0"/>
-          </a:p>
-          <a:p>
-            <a:r>
-              <a:rPr lang="pt-PT" baseline="0" dirty="0" smtClean="0"/>
-              <a:t>Em ambos os casos, o novo sistema captura apenas o que interessa, enquanto que no </a:t>
-            </a:r>
-            <a:r>
-              <a:rPr lang="pt-PT" baseline="0" dirty="0" err="1" smtClean="0"/>
-              <a:t>actual</a:t>
-            </a:r>
-            <a:r>
-              <a:rPr lang="pt-PT" baseline="0" dirty="0" smtClean="0"/>
-              <a:t> ainda é necessário separar o que é relevante do que não é</a:t>
-            </a:r>
-            <a:endParaRPr lang="pt-PT" dirty="0"/>
+            <a:endParaRPr lang="pt-PT"/>
           </a:p>
         </p:txBody>
       </p:sp>
@@ -1969,7 +1932,7 @@
             <a:fld id="{CB697A11-5CEE-4588-B832-132CDC30A066}" type="slidenum">
               <a:rPr lang="pt-PT" smtClean="0"/>
               <a:pPr/>
-              <a:t>18</a:t>
+              <a:t>12</a:t>
             </a:fld>
             <a:endParaRPr lang="pt-PT"/>
           </a:p>
@@ -2002,7 +1965,7 @@
       </p:grpSpPr>
       <p:sp>
         <p:nvSpPr>
-          <p:cNvPr id="2" name="Slide Image Placeholder 1"/>
+          <p:cNvPr id="2" name="Marcador de Posição da Imagem do Diapositivo 1"/>
           <p:cNvSpPr>
             <a:spLocks noGrp="1" noRot="1" noChangeAspect="1"/>
           </p:cNvSpPr>
@@ -2014,7 +1977,7 @@
       </p:sp>
       <p:sp>
         <p:nvSpPr>
-          <p:cNvPr id="3" name="Notes Placeholder 2"/>
+          <p:cNvPr id="3" name="Marcador de Posição de Notas 2"/>
           <p:cNvSpPr>
             <a:spLocks noGrp="1"/>
           </p:cNvSpPr>
@@ -2024,129 +1987,18 @@
         </p:nvSpPr>
         <p:spPr/>
         <p:txBody>
-          <a:bodyPr/>
-          <a:lstStyle/>
-          <a:p>
-            <a:r>
-              <a:rPr lang="en-US" dirty="0" smtClean="0"/>
-              <a:t>(</a:t>
-            </a:r>
-            <a:r>
-              <a:rPr lang="en-US" dirty="0" err="1" smtClean="0"/>
-              <a:t>explicar</a:t>
-            </a:r>
-            <a:r>
-              <a:rPr lang="en-US" dirty="0" smtClean="0"/>
-              <a:t> </a:t>
-            </a:r>
-            <a:r>
-              <a:rPr lang="en-US" dirty="0" err="1" smtClean="0"/>
-              <a:t>porquê</a:t>
-            </a:r>
-            <a:r>
-              <a:rPr lang="en-US" dirty="0" smtClean="0"/>
-              <a:t> …)</a:t>
-            </a:r>
-          </a:p>
-          <a:p>
-            <a:endParaRPr lang="en-US" dirty="0" smtClean="0"/>
-          </a:p>
-          <a:p>
-            <a:r>
-              <a:rPr lang="en-US" dirty="0" smtClean="0"/>
-              <a:t>A </a:t>
-            </a:r>
-            <a:r>
-              <a:rPr lang="en-US" dirty="0" err="1" smtClean="0"/>
-              <a:t>perca</a:t>
-            </a:r>
-            <a:r>
-              <a:rPr lang="en-US" dirty="0" smtClean="0"/>
-              <a:t> de </a:t>
-            </a:r>
-            <a:r>
-              <a:rPr lang="en-US" dirty="0" err="1" smtClean="0"/>
-              <a:t>informação</a:t>
-            </a:r>
-            <a:r>
-              <a:rPr lang="en-US" dirty="0" smtClean="0"/>
-              <a:t> </a:t>
-            </a:r>
-            <a:r>
-              <a:rPr lang="en-US" dirty="0" err="1" smtClean="0"/>
-              <a:t>relevante</a:t>
-            </a:r>
-            <a:r>
-              <a:rPr lang="en-US" dirty="0" smtClean="0"/>
-              <a:t> e a</a:t>
-            </a:r>
-            <a:r>
-              <a:rPr lang="en-US" baseline="0" dirty="0" smtClean="0"/>
-              <a:t> </a:t>
-            </a:r>
-            <a:r>
-              <a:rPr lang="en-US" baseline="0" dirty="0" err="1" smtClean="0"/>
-              <a:t>grande</a:t>
-            </a:r>
-            <a:r>
-              <a:rPr lang="en-US" baseline="0" dirty="0" smtClean="0"/>
-              <a:t> </a:t>
-            </a:r>
-            <a:r>
-              <a:rPr lang="en-US" baseline="0" dirty="0" err="1" smtClean="0"/>
-              <a:t>sobrecarga</a:t>
-            </a:r>
-            <a:r>
-              <a:rPr lang="en-US" baseline="0" dirty="0" smtClean="0"/>
-              <a:t> </a:t>
-            </a:r>
-            <a:r>
-              <a:rPr lang="en-US" baseline="0" dirty="0" err="1" smtClean="0"/>
-              <a:t>introduzida</a:t>
-            </a:r>
-            <a:r>
-              <a:rPr lang="en-US" baseline="0" dirty="0" smtClean="0"/>
-              <a:t> </a:t>
-            </a:r>
-            <a:r>
-              <a:rPr lang="en-US" baseline="0" dirty="0" err="1" smtClean="0"/>
-              <a:t>limita</a:t>
-            </a:r>
-            <a:r>
-              <a:rPr lang="en-US" baseline="0" dirty="0" smtClean="0"/>
-              <a:t> </a:t>
-            </a:r>
-            <a:r>
-              <a:rPr lang="en-US" baseline="0" dirty="0" err="1" smtClean="0"/>
-              <a:t>muito</a:t>
-            </a:r>
-            <a:r>
-              <a:rPr lang="en-US" baseline="0" dirty="0" smtClean="0"/>
-              <a:t> </a:t>
-            </a:r>
-            <a:r>
-              <a:rPr lang="en-US" baseline="0" dirty="0" err="1" smtClean="0"/>
-              <a:t>esta</a:t>
-            </a:r>
-            <a:r>
-              <a:rPr lang="en-US" baseline="0" dirty="0" smtClean="0"/>
-              <a:t> </a:t>
-            </a:r>
-            <a:r>
-              <a:rPr lang="en-US" baseline="0" dirty="0" err="1" smtClean="0"/>
-              <a:t>abordagem</a:t>
-            </a:r>
-            <a:r>
-              <a:rPr lang="en-US" baseline="0" dirty="0" smtClean="0"/>
-              <a:t>.</a:t>
-            </a:r>
-            <a:endParaRPr lang="en-US" dirty="0"/>
-          </a:p>
-        </p:txBody>
-      </p:sp>
-      <p:sp>
-        <p:nvSpPr>
-          <p:cNvPr id="4" name="Slide Number Placeholder 3"/>
+          <a:bodyPr>
+            <a:normAutofit/>
+          </a:bodyPr>
+          <a:lstStyle/>
+          <a:p>
+            <a:endParaRPr lang="pt-PT"/>
+          </a:p>
+        </p:txBody>
+      </p:sp>
+      <p:sp>
+        <p:nvSpPr>
+          <p:cNvPr id="4" name="Marcador de Posição do Número do Diapositivo 3"/>
           <p:cNvSpPr>
             <a:spLocks noGrp="1"/>
           </p:cNvSpPr>
@@ -2162,18 +2014,13 @@
             <a:fld id="{CB697A11-5CEE-4588-B832-132CDC30A066}" type="slidenum">
               <a:rPr lang="pt-PT" smtClean="0"/>
               <a:pPr/>
-              <a:t>25</a:t>
+              <a:t>13</a:t>
             </a:fld>
             <a:endParaRPr lang="pt-PT"/>
           </a:p>
         </p:txBody>
       </p:sp>
     </p:spTree>
-    <p:extLst>
-      <p:ext uri="{BB962C8B-B14F-4D97-AF65-F5344CB8AC3E}">
-        <p14:creationId xmlns="" xmlns:p14="http://schemas.microsoft.com/office/powerpoint/2010/main" val="3724839547"/>
-      </p:ext>
-    </p:extLst>
   </p:cSld>
   <p:clrMapOvr>
     <a:masterClrMapping/>
@@ -2229,83 +2076,18 @@
           <a:p>
             <a:r>
               <a:rPr lang="pt-PT" dirty="0" smtClean="0"/>
-              <a:t>...</a:t>
+              <a:t>…</a:t>
+            </a:r>
+          </a:p>
+          <a:p>
+            <a:r>
+              <a:rPr lang="pt-PT" dirty="0" smtClean="0"/>
+              <a:t>Com o fim de confirmar que todos os dados e só os dados</a:t>
             </a:r>
             <a:r>
               <a:rPr lang="pt-PT" baseline="0" dirty="0" smtClean="0"/>
-              <a:t> </a:t>
-            </a:r>
-            <a:r>
-              <a:rPr lang="en-US" baseline="0" dirty="0" smtClean="0"/>
-              <a:t>M</a:t>
-            </a:r>
-            <a:r>
-              <a:rPr lang="pt-PT" baseline="0" dirty="0" err="1" smtClean="0"/>
-              <a:t>onitorização</a:t>
-            </a:r>
-            <a:r>
-              <a:rPr lang="pt-PT" baseline="0" dirty="0" smtClean="0"/>
-              <a:t> apenas em nível utilizador;</a:t>
-            </a:r>
-          </a:p>
-          <a:p>
-            <a:r>
-              <a:rPr lang="en-US" baseline="0" dirty="0" smtClean="0"/>
-              <a:t>O</a:t>
-            </a:r>
-            <a:r>
-              <a:rPr lang="pt-PT" baseline="0" dirty="0" smtClean="0"/>
-              <a:t>u também com o auxilio do núcleo do sistema.</a:t>
-            </a:r>
-          </a:p>
-          <a:p>
-            <a:endParaRPr lang="pt-PT" baseline="0" dirty="0" smtClean="0"/>
-          </a:p>
-          <a:p>
-            <a:r>
-              <a:rPr lang="pt-PT" baseline="0" dirty="0" smtClean="0"/>
-              <a:t>No primeiro caso altera-se o programa ou suas bibliotecas instrumentando-os para detectar e recolher a informação relevante.</a:t>
-            </a:r>
-          </a:p>
-          <a:p>
-            <a:r>
-              <a:rPr lang="pt-PT" baseline="0" dirty="0" smtClean="0"/>
-              <a:t>Nem sempre é possível, pode sobrecarregar bastante o processo, e é efectuado caso a caso.</a:t>
-            </a:r>
-          </a:p>
-          <a:p>
-            <a:endParaRPr lang="pt-PT" baseline="0" dirty="0" smtClean="0"/>
-          </a:p>
-          <a:p>
-            <a:r>
-              <a:rPr lang="pt-PT" baseline="0" dirty="0" smtClean="0"/>
-              <a:t>No segundo caso, recorre-se a funcionalidades internas do sistema que permitem obter alguma informação eficientemente e independente do processo monitorizado.</a:t>
-            </a:r>
-          </a:p>
-          <a:p>
-            <a:r>
-              <a:rPr lang="pt-PT" baseline="0" dirty="0" smtClean="0"/>
-              <a:t>Por exemplo, a captura do tráfego de rede usando a biblioteca </a:t>
-            </a:r>
-            <a:r>
-              <a:rPr lang="pt-PT" baseline="0" dirty="0" err="1" smtClean="0"/>
-              <a:t>libpcap</a:t>
-            </a:r>
-            <a:r>
-              <a:rPr lang="pt-PT" baseline="0" dirty="0" smtClean="0"/>
-              <a:t>.</a:t>
-            </a:r>
-          </a:p>
-          <a:p>
-            <a:r>
-              <a:rPr lang="pt-PT" baseline="0" dirty="0" smtClean="0"/>
-              <a:t>Mas nestes casos, para obter a informação relevante, podemos de ter de monitorizar o processo alvo, para conseguir separar a informação relevante da dos restantes processos. Tal também pode ser feito com base em funcionalidades existentes no núcleo do sistema.</a:t>
-            </a:r>
-          </a:p>
-          <a:p>
-            <a:endParaRPr lang="pt-PT" baseline="0" dirty="0" smtClean="0"/>
-          </a:p>
-          <a:p>
+              <a:t> do processo eram capturados</a:t>
+            </a:r>
             <a:endParaRPr lang="pt-PT" dirty="0"/>
           </a:p>
         </p:txBody>
@@ -2328,7 +2110,7 @@
             <a:fld id="{CB697A11-5CEE-4588-B832-132CDC30A066}" type="slidenum">
               <a:rPr lang="pt-PT" smtClean="0"/>
               <a:pPr/>
-              <a:t>26</a:t>
+              <a:t>14</a:t>
             </a:fld>
             <a:endParaRPr lang="pt-PT"/>
           </a:p>
@@ -2361,7 +2143,7 @@
       </p:grpSpPr>
       <p:sp>
         <p:nvSpPr>
-          <p:cNvPr id="2" name="Slide Image Placeholder 1"/>
+          <p:cNvPr id="2" name="Marcador de Posição da Imagem do Diapositivo 1"/>
           <p:cNvSpPr>
             <a:spLocks noGrp="1" noRot="1" noChangeAspect="1"/>
           </p:cNvSpPr>
@@ -2373,7 +2155,7 @@
       </p:sp>
       <p:sp>
         <p:nvSpPr>
-          <p:cNvPr id="3" name="Notes Placeholder 2"/>
+          <p:cNvPr id="3" name="Marcador de Posição de Notas 2"/>
           <p:cNvSpPr>
             <a:spLocks noGrp="1"/>
           </p:cNvSpPr>
@@ -2383,138 +2165,18 @@
         </p:nvSpPr>
         <p:spPr/>
         <p:txBody>
-          <a:bodyPr/>
-          <a:lstStyle/>
-          <a:p>
-            <a:r>
-              <a:rPr lang="pt-PT" baseline="0" dirty="0" smtClean="0"/>
-              <a:t>A monitorização do processo alvo tem como objectivo observar portos e protocolos </a:t>
-            </a:r>
-            <a:r>
-              <a:rPr lang="pt-PT" u="none" baseline="0" dirty="0" smtClean="0"/>
-              <a:t>usados</a:t>
-            </a:r>
-            <a:r>
-              <a:rPr lang="pt-PT" baseline="0" dirty="0" smtClean="0"/>
-              <a:t> para poder identificar as </a:t>
-            </a:r>
-            <a:r>
-              <a:rPr lang="pt-PT" baseline="0" dirty="0" err="1" smtClean="0"/>
-              <a:t>interacções</a:t>
-            </a:r>
-            <a:r>
-              <a:rPr lang="pt-PT" baseline="0" dirty="0" smtClean="0"/>
-              <a:t> deste processo no resto de todo o tráfego de rede.</a:t>
-            </a:r>
-          </a:p>
-          <a:p>
-            <a:r>
-              <a:rPr lang="pt-PT" baseline="0" dirty="0" smtClean="0"/>
-              <a:t>Tal pode ser, como visto, instrumentando o programa (por exemplo algumas funções de chamadas ao sistema;</a:t>
-            </a:r>
-          </a:p>
-          <a:p>
-            <a:r>
-              <a:rPr lang="pt-PT" baseline="0" dirty="0" smtClean="0"/>
-              <a:t>Ou recorrendo aos mecanismos do núcleo como </a:t>
-            </a:r>
-            <a:r>
-              <a:rPr lang="pt-PT" baseline="0" dirty="0" err="1" smtClean="0"/>
-              <a:t>ptrace</a:t>
-            </a:r>
-            <a:r>
-              <a:rPr lang="pt-PT" baseline="0" dirty="0" smtClean="0"/>
-              <a:t> ou </a:t>
-            </a:r>
-            <a:r>
-              <a:rPr lang="pt-PT" baseline="0" dirty="0" err="1" smtClean="0"/>
-              <a:t>kprobes</a:t>
-            </a:r>
-            <a:r>
-              <a:rPr lang="pt-PT" baseline="0" dirty="0" smtClean="0"/>
-              <a:t>.</a:t>
-            </a:r>
-          </a:p>
-          <a:p>
-            <a:endParaRPr lang="pt-PT" baseline="0" dirty="0" smtClean="0"/>
-          </a:p>
-          <a:p>
-            <a:r>
-              <a:rPr lang="pt-PT" baseline="0" dirty="0" smtClean="0"/>
-              <a:t>Para evitar capturar informação irrelevante que depois tem de ser filtrada, pode-se tentar usar os filtros existentes no </a:t>
-            </a:r>
-            <a:r>
-              <a:rPr lang="pt-PT" baseline="0" dirty="0" err="1" smtClean="0"/>
-              <a:t>libpcap</a:t>
-            </a:r>
-            <a:r>
-              <a:rPr lang="pt-PT" baseline="0" dirty="0" smtClean="0"/>
-              <a:t> que permitem que no próprio núcleo (usando </a:t>
-            </a:r>
-            <a:r>
-              <a:rPr lang="pt-PT" baseline="0" dirty="0" err="1" smtClean="0"/>
-              <a:t>linux</a:t>
-            </a:r>
-            <a:r>
-              <a:rPr lang="pt-PT" baseline="0" dirty="0" smtClean="0"/>
-              <a:t> </a:t>
-            </a:r>
-            <a:r>
-              <a:rPr lang="pt-PT" baseline="0" dirty="0" err="1" smtClean="0"/>
-              <a:t>socket</a:t>
-            </a:r>
-            <a:r>
-              <a:rPr lang="pt-PT" baseline="0" dirty="0" smtClean="0"/>
-              <a:t> </a:t>
-            </a:r>
-            <a:r>
-              <a:rPr lang="pt-PT" baseline="0" dirty="0" err="1" smtClean="0"/>
-              <a:t>filters</a:t>
-            </a:r>
-            <a:r>
-              <a:rPr lang="pt-PT" baseline="0" dirty="0" smtClean="0"/>
-              <a:t>) apenas algum do tráfego seja capturado e copiado para a ferramenta monitora.</a:t>
-            </a:r>
-          </a:p>
-          <a:p>
-            <a:endParaRPr lang="pt-PT" baseline="0" dirty="0" smtClean="0"/>
-          </a:p>
-          <a:p>
-            <a:r>
-              <a:rPr lang="pt-PT" baseline="0" dirty="0" smtClean="0"/>
-              <a:t>No entanto, manter estes filtros </a:t>
-            </a:r>
-            <a:r>
-              <a:rPr lang="pt-PT" baseline="0" dirty="0" err="1" smtClean="0"/>
-              <a:t>actualizados</a:t>
-            </a:r>
-            <a:r>
-              <a:rPr lang="pt-PT" baseline="0" dirty="0" smtClean="0"/>
-              <a:t>, quando desconhecemos os portos usados pelo processo ou este cria e </a:t>
-            </a:r>
-            <a:r>
-              <a:rPr lang="pt-PT" baseline="0" dirty="0" err="1" smtClean="0"/>
-              <a:t>destroi</a:t>
-            </a:r>
-            <a:r>
-              <a:rPr lang="pt-PT" baseline="0" dirty="0" smtClean="0"/>
-              <a:t> </a:t>
-            </a:r>
-            <a:r>
-              <a:rPr lang="pt-PT" baseline="0" dirty="0" err="1" smtClean="0"/>
-              <a:t>sockets</a:t>
-            </a:r>
-            <a:r>
-              <a:rPr lang="pt-PT" baseline="0" dirty="0" smtClean="0"/>
-              <a:t> ao longo da sua execução trás grandes problemas ...</a:t>
-            </a:r>
-            <a:endParaRPr lang="en-US" dirty="0"/>
-          </a:p>
-        </p:txBody>
-      </p:sp>
-      <p:sp>
-        <p:nvSpPr>
-          <p:cNvPr id="4" name="Slide Number Placeholder 3"/>
+          <a:bodyPr>
+            <a:normAutofit/>
+          </a:bodyPr>
+          <a:lstStyle/>
+          <a:p>
+            <a:endParaRPr lang="pt-PT"/>
+          </a:p>
+        </p:txBody>
+      </p:sp>
+      <p:sp>
+        <p:nvSpPr>
+          <p:cNvPr id="4" name="Marcador de Posição do Número do Diapositivo 3"/>
           <p:cNvSpPr>
             <a:spLocks noGrp="1"/>
           </p:cNvSpPr>
@@ -2530,18 +2192,416 @@
             <a:fld id="{CB697A11-5CEE-4588-B832-132CDC30A066}" type="slidenum">
               <a:rPr lang="pt-PT" smtClean="0"/>
               <a:pPr/>
-              <a:t>27</a:t>
+              <a:t>15</a:t>
             </a:fld>
             <a:endParaRPr lang="pt-PT"/>
           </a:p>
         </p:txBody>
       </p:sp>
     </p:spTree>
-    <p:extLst>
-      <p:ext uri="{BB962C8B-B14F-4D97-AF65-F5344CB8AC3E}">
-        <p14:creationId xmlns="" xmlns:p14="http://schemas.microsoft.com/office/powerpoint/2010/main" val="1742877947"/>
-      </p:ext>
-    </p:extLst>
+  </p:cSld>
+  <p:clrMapOvr>
+    <a:masterClrMapping/>
+  </p:clrMapOvr>
+</p:notes>
+</file>
+
+<file path=ppt/notesSlides/notesSlide16.xml><?xml version="1.0" encoding="utf-8"?>
+<p:notes xmlns:a="http://schemas.openxmlformats.org/drawingml/2006/main" xmlns:r="http://schemas.openxmlformats.org/officeDocument/2006/relationships" xmlns:p="http://schemas.openxmlformats.org/presentationml/2006/main">
+  <p:cSld>
+    <p:spTree>
+      <p:nvGrpSpPr>
+        <p:cNvPr id="1" name=""/>
+        <p:cNvGrpSpPr/>
+        <p:nvPr/>
+      </p:nvGrpSpPr>
+      <p:grpSpPr>
+        <a:xfrm>
+          <a:off x="0" y="0"/>
+          <a:ext cx="0" cy="0"/>
+          <a:chOff x="0" y="0"/>
+          <a:chExt cx="0" cy="0"/>
+        </a:xfrm>
+      </p:grpSpPr>
+      <p:sp>
+        <p:nvSpPr>
+          <p:cNvPr id="2" name="Marcador de Posição da Imagem do Diapositivo 1"/>
+          <p:cNvSpPr>
+            <a:spLocks noGrp="1" noRot="1" noChangeAspect="1"/>
+          </p:cNvSpPr>
+          <p:nvPr>
+            <p:ph type="sldImg"/>
+          </p:nvPr>
+        </p:nvSpPr>
+        <p:spPr/>
+      </p:sp>
+      <p:sp>
+        <p:nvSpPr>
+          <p:cNvPr id="3" name="Marcador de Posição de Notas 2"/>
+          <p:cNvSpPr>
+            <a:spLocks noGrp="1"/>
+          </p:cNvSpPr>
+          <p:nvPr>
+            <p:ph type="body" idx="1"/>
+          </p:nvPr>
+        </p:nvSpPr>
+        <p:spPr/>
+        <p:txBody>
+          <a:bodyPr>
+            <a:normAutofit/>
+          </a:bodyPr>
+          <a:lstStyle/>
+          <a:p>
+            <a:r>
+              <a:rPr lang="pt-PT" dirty="0" smtClean="0"/>
+              <a:t>Dois cenários diferentes … um só fluxo</a:t>
+            </a:r>
+            <a:r>
+              <a:rPr lang="pt-PT" baseline="0" dirty="0" smtClean="0"/>
+              <a:t> e com dois fluxos … onde só um é relevante</a:t>
+            </a:r>
+            <a:endParaRPr lang="pt-PT" dirty="0"/>
+          </a:p>
+        </p:txBody>
+      </p:sp>
+      <p:sp>
+        <p:nvSpPr>
+          <p:cNvPr id="4" name="Marcador de Posição do Número do Diapositivo 3"/>
+          <p:cNvSpPr>
+            <a:spLocks noGrp="1"/>
+          </p:cNvSpPr>
+          <p:nvPr>
+            <p:ph type="sldNum" sz="quarter" idx="10"/>
+          </p:nvPr>
+        </p:nvSpPr>
+        <p:spPr/>
+        <p:txBody>
+          <a:bodyPr/>
+          <a:lstStyle/>
+          <a:p>
+            <a:fld id="{CB697A11-5CEE-4588-B832-132CDC30A066}" type="slidenum">
+              <a:rPr lang="pt-PT" smtClean="0"/>
+              <a:pPr/>
+              <a:t>16</a:t>
+            </a:fld>
+            <a:endParaRPr lang="pt-PT"/>
+          </a:p>
+        </p:txBody>
+      </p:sp>
+    </p:spTree>
+  </p:cSld>
+  <p:clrMapOvr>
+    <a:masterClrMapping/>
+  </p:clrMapOvr>
+</p:notes>
+</file>
+
+<file path=ppt/notesSlides/notesSlide17.xml><?xml version="1.0" encoding="utf-8"?>
+<p:notes xmlns:a="http://schemas.openxmlformats.org/drawingml/2006/main" xmlns:r="http://schemas.openxmlformats.org/officeDocument/2006/relationships" xmlns:p="http://schemas.openxmlformats.org/presentationml/2006/main">
+  <p:cSld>
+    <p:spTree>
+      <p:nvGrpSpPr>
+        <p:cNvPr id="1" name=""/>
+        <p:cNvGrpSpPr/>
+        <p:nvPr/>
+      </p:nvGrpSpPr>
+      <p:grpSpPr>
+        <a:xfrm>
+          <a:off x="0" y="0"/>
+          <a:ext cx="0" cy="0"/>
+          <a:chOff x="0" y="0"/>
+          <a:chExt cx="0" cy="0"/>
+        </a:xfrm>
+      </p:grpSpPr>
+      <p:sp>
+        <p:nvSpPr>
+          <p:cNvPr id="2" name="Marcador de Posição da Imagem do Diapositivo 1"/>
+          <p:cNvSpPr>
+            <a:spLocks noGrp="1" noRot="1" noChangeAspect="1"/>
+          </p:cNvSpPr>
+          <p:nvPr>
+            <p:ph type="sldImg"/>
+          </p:nvPr>
+        </p:nvSpPr>
+        <p:spPr/>
+      </p:sp>
+      <p:sp>
+        <p:nvSpPr>
+          <p:cNvPr id="3" name="Marcador de Posição de Notas 2"/>
+          <p:cNvSpPr>
+            <a:spLocks noGrp="1"/>
+          </p:cNvSpPr>
+          <p:nvPr>
+            <p:ph type="body" idx="1"/>
+          </p:nvPr>
+        </p:nvSpPr>
+        <p:spPr/>
+        <p:txBody>
+          <a:bodyPr>
+            <a:normAutofit/>
+          </a:bodyPr>
+          <a:lstStyle/>
+          <a:p>
+            <a:r>
+              <a:rPr lang="pt-PT" dirty="0" smtClean="0"/>
+              <a:t>Semelhança dos resultados nos tempos ,</a:t>
+            </a:r>
+            <a:r>
+              <a:rPr lang="pt-PT" baseline="0" dirty="0" smtClean="0"/>
+              <a:t> sem com e com .. </a:t>
+            </a:r>
+          </a:p>
+          <a:p>
+            <a:endParaRPr lang="pt-PT" baseline="0" dirty="0" smtClean="0"/>
+          </a:p>
+          <a:p>
+            <a:r>
+              <a:rPr lang="pt-PT" baseline="0" dirty="0" smtClean="0"/>
+              <a:t>Quando se passou para o cenário de dois fluxos de dados com apenas um relevante … sobrecarregando a rede </a:t>
+            </a:r>
+            <a:endParaRPr lang="pt-PT" dirty="0"/>
+          </a:p>
+        </p:txBody>
+      </p:sp>
+      <p:sp>
+        <p:nvSpPr>
+          <p:cNvPr id="4" name="Marcador de Posição do Número do Diapositivo 3"/>
+          <p:cNvSpPr>
+            <a:spLocks noGrp="1"/>
+          </p:cNvSpPr>
+          <p:nvPr>
+            <p:ph type="sldNum" sz="quarter" idx="10"/>
+          </p:nvPr>
+        </p:nvSpPr>
+        <p:spPr/>
+        <p:txBody>
+          <a:bodyPr/>
+          <a:lstStyle/>
+          <a:p>
+            <a:fld id="{CB697A11-5CEE-4588-B832-132CDC30A066}" type="slidenum">
+              <a:rPr lang="pt-PT" smtClean="0"/>
+              <a:pPr/>
+              <a:t>17</a:t>
+            </a:fld>
+            <a:endParaRPr lang="pt-PT"/>
+          </a:p>
+        </p:txBody>
+      </p:sp>
+    </p:spTree>
+  </p:cSld>
+  <p:clrMapOvr>
+    <a:masterClrMapping/>
+  </p:clrMapOvr>
+</p:notes>
+</file>
+
+<file path=ppt/notesSlides/notesSlide18.xml><?xml version="1.0" encoding="utf-8"?>
+<p:notes xmlns:a="http://schemas.openxmlformats.org/drawingml/2006/main" xmlns:r="http://schemas.openxmlformats.org/officeDocument/2006/relationships" xmlns:p="http://schemas.openxmlformats.org/presentationml/2006/main">
+  <p:cSld>
+    <p:spTree>
+      <p:nvGrpSpPr>
+        <p:cNvPr id="1" name=""/>
+        <p:cNvGrpSpPr/>
+        <p:nvPr/>
+      </p:nvGrpSpPr>
+      <p:grpSpPr>
+        <a:xfrm>
+          <a:off x="0" y="0"/>
+          <a:ext cx="0" cy="0"/>
+          <a:chOff x="0" y="0"/>
+          <a:chExt cx="0" cy="0"/>
+        </a:xfrm>
+      </p:grpSpPr>
+      <p:sp>
+        <p:nvSpPr>
+          <p:cNvPr id="2" name="Marcador de Posição da Imagem do Diapositivo 1"/>
+          <p:cNvSpPr>
+            <a:spLocks noGrp="1" noRot="1" noChangeAspect="1"/>
+          </p:cNvSpPr>
+          <p:nvPr>
+            <p:ph type="sldImg"/>
+          </p:nvPr>
+        </p:nvSpPr>
+        <p:spPr/>
+      </p:sp>
+      <p:sp>
+        <p:nvSpPr>
+          <p:cNvPr id="3" name="Marcador de Posição de Notas 2"/>
+          <p:cNvSpPr>
+            <a:spLocks noGrp="1"/>
+          </p:cNvSpPr>
+          <p:nvPr>
+            <p:ph type="body" idx="1"/>
+          </p:nvPr>
+        </p:nvSpPr>
+        <p:spPr/>
+        <p:txBody>
+          <a:bodyPr>
+            <a:normAutofit/>
+          </a:bodyPr>
+          <a:lstStyle/>
+          <a:p>
+            <a:r>
+              <a:rPr lang="pt-PT" dirty="0" smtClean="0"/>
+              <a:t>----</a:t>
+            </a:r>
+          </a:p>
+          <a:p>
+            <a:endParaRPr lang="pt-PT" dirty="0" smtClean="0"/>
+          </a:p>
+          <a:p>
+            <a:r>
+              <a:rPr lang="pt-PT" dirty="0" smtClean="0"/>
+              <a:t>No caso do </a:t>
+            </a:r>
+            <a:r>
+              <a:rPr lang="pt-PT" dirty="0" err="1" smtClean="0"/>
+              <a:t>udp</a:t>
+            </a:r>
+            <a:r>
+              <a:rPr lang="pt-PT" dirty="0" smtClean="0"/>
+              <a:t> a</a:t>
+            </a:r>
+            <a:r>
+              <a:rPr lang="pt-PT" baseline="0" dirty="0" smtClean="0"/>
+              <a:t> sobrecarga é </a:t>
+            </a:r>
+            <a:r>
+              <a:rPr lang="pt-PT" baseline="0" dirty="0" err="1" smtClean="0"/>
+              <a:t>identica</a:t>
+            </a:r>
+            <a:r>
+              <a:rPr lang="pt-PT" baseline="0" dirty="0" smtClean="0"/>
+              <a:t> em ambos os casos é reduzida</a:t>
+            </a:r>
+          </a:p>
+          <a:p>
+            <a:endParaRPr lang="pt-PT" baseline="0" dirty="0" smtClean="0"/>
+          </a:p>
+          <a:p>
+            <a:r>
+              <a:rPr lang="pt-PT" baseline="0" dirty="0" smtClean="0"/>
+              <a:t>Em ambos os casos, o novo sistema captura apenas o que interessa, enquanto que no </a:t>
+            </a:r>
+            <a:r>
+              <a:rPr lang="pt-PT" baseline="0" dirty="0" err="1" smtClean="0"/>
+              <a:t>actual</a:t>
+            </a:r>
+            <a:r>
+              <a:rPr lang="pt-PT" baseline="0" dirty="0" smtClean="0"/>
+              <a:t> ainda é necessário separar o que é relevante do que não é</a:t>
+            </a:r>
+            <a:endParaRPr lang="pt-PT" dirty="0"/>
+          </a:p>
+        </p:txBody>
+      </p:sp>
+      <p:sp>
+        <p:nvSpPr>
+          <p:cNvPr id="4" name="Marcador de Posição do Número do Diapositivo 3"/>
+          <p:cNvSpPr>
+            <a:spLocks noGrp="1"/>
+          </p:cNvSpPr>
+          <p:nvPr>
+            <p:ph type="sldNum" sz="quarter" idx="10"/>
+          </p:nvPr>
+        </p:nvSpPr>
+        <p:spPr/>
+        <p:txBody>
+          <a:bodyPr/>
+          <a:lstStyle/>
+          <a:p>
+            <a:fld id="{CB697A11-5CEE-4588-B832-132CDC30A066}" type="slidenum">
+              <a:rPr lang="pt-PT" smtClean="0"/>
+              <a:pPr/>
+              <a:t>18</a:t>
+            </a:fld>
+            <a:endParaRPr lang="pt-PT"/>
+          </a:p>
+        </p:txBody>
+      </p:sp>
+    </p:spTree>
+  </p:cSld>
+  <p:clrMapOvr>
+    <a:masterClrMapping/>
+  </p:clrMapOvr>
+</p:notes>
+</file>
+
+<file path=ppt/notesSlides/notesSlide19.xml><?xml version="1.0" encoding="utf-8"?>
+<p:notes xmlns:a="http://schemas.openxmlformats.org/drawingml/2006/main" xmlns:r="http://schemas.openxmlformats.org/officeDocument/2006/relationships" xmlns:p="http://schemas.openxmlformats.org/presentationml/2006/main">
+  <p:cSld>
+    <p:spTree>
+      <p:nvGrpSpPr>
+        <p:cNvPr id="1" name=""/>
+        <p:cNvGrpSpPr/>
+        <p:nvPr/>
+      </p:nvGrpSpPr>
+      <p:grpSpPr>
+        <a:xfrm>
+          <a:off x="0" y="0"/>
+          <a:ext cx="0" cy="0"/>
+          <a:chOff x="0" y="0"/>
+          <a:chExt cx="0" cy="0"/>
+        </a:xfrm>
+      </p:grpSpPr>
+      <p:sp>
+        <p:nvSpPr>
+          <p:cNvPr id="2" name="Marcador de Posição da Imagem do Diapositivo 1"/>
+          <p:cNvSpPr>
+            <a:spLocks noGrp="1" noRot="1" noChangeAspect="1"/>
+          </p:cNvSpPr>
+          <p:nvPr>
+            <p:ph type="sldImg"/>
+          </p:nvPr>
+        </p:nvSpPr>
+        <p:spPr/>
+      </p:sp>
+      <p:sp>
+        <p:nvSpPr>
+          <p:cNvPr id="3" name="Marcador de Posição de Notas 2"/>
+          <p:cNvSpPr>
+            <a:spLocks noGrp="1"/>
+          </p:cNvSpPr>
+          <p:nvPr>
+            <p:ph type="body" idx="1"/>
+          </p:nvPr>
+        </p:nvSpPr>
+        <p:spPr/>
+        <p:txBody>
+          <a:bodyPr>
+            <a:normAutofit/>
+          </a:bodyPr>
+          <a:lstStyle/>
+          <a:p>
+            <a:endParaRPr lang="pt-PT"/>
+          </a:p>
+        </p:txBody>
+      </p:sp>
+      <p:sp>
+        <p:nvSpPr>
+          <p:cNvPr id="4" name="Marcador de Posição do Número do Diapositivo 3"/>
+          <p:cNvSpPr>
+            <a:spLocks noGrp="1"/>
+          </p:cNvSpPr>
+          <p:nvPr>
+            <p:ph type="sldNum" sz="quarter" idx="10"/>
+          </p:nvPr>
+        </p:nvSpPr>
+        <p:spPr/>
+        <p:txBody>
+          <a:bodyPr/>
+          <a:lstStyle/>
+          <a:p>
+            <a:fld id="{CB697A11-5CEE-4588-B832-132CDC30A066}" type="slidenum">
+              <a:rPr lang="pt-PT" smtClean="0"/>
+              <a:pPr/>
+              <a:t>19</a:t>
+            </a:fld>
+            <a:endParaRPr lang="pt-PT"/>
+          </a:p>
+        </p:txBody>
+      </p:sp>
+    </p:spTree>
   </p:cSld>
   <p:clrMapOvr>
     <a:masterClrMapping/>
@@ -2595,57 +2655,7 @@
           </a:bodyPr>
           <a:lstStyle/>
           <a:p>
-            <a:r>
-              <a:rPr lang="pt-PT" dirty="0" smtClean="0"/>
-              <a:t>…</a:t>
-            </a:r>
-          </a:p>
-          <a:p>
-            <a:endParaRPr lang="pt-PT" dirty="0" smtClean="0"/>
-          </a:p>
-          <a:p>
-            <a:r>
-              <a:rPr lang="pt-PT" dirty="0" smtClean="0"/>
-              <a:t>(ideia sem </a:t>
-            </a:r>
-            <a:r>
-              <a:rPr lang="pt-PT" dirty="0" err="1" smtClean="0"/>
-              <a:t>qq</a:t>
-            </a:r>
-            <a:r>
-              <a:rPr lang="pt-PT" dirty="0" smtClean="0"/>
-              <a:t> alteração aos processos / transparente)</a:t>
-            </a:r>
-          </a:p>
-          <a:p>
-            <a:r>
-              <a:rPr lang="pt-PT" dirty="0" smtClean="0"/>
-              <a:t>…</a:t>
-            </a:r>
-          </a:p>
-          <a:p>
-            <a:r>
-              <a:rPr lang="pt-PT" dirty="0" smtClean="0"/>
-              <a:t>filtros (da biblioteca </a:t>
-            </a:r>
-            <a:r>
-              <a:rPr lang="pt-PT" dirty="0" err="1" smtClean="0"/>
-              <a:t>PCap</a:t>
-            </a:r>
-            <a:r>
-              <a:rPr lang="pt-PT" dirty="0" smtClean="0"/>
-              <a:t> ou no núcleo)</a:t>
-            </a:r>
-          </a:p>
-          <a:p>
-            <a:endParaRPr lang="pt-PT" dirty="0" smtClean="0"/>
-          </a:p>
-          <a:p>
-            <a:r>
-              <a:rPr lang="pt-PT" dirty="0" smtClean="0"/>
-              <a:t>…</a:t>
-            </a:r>
-            <a:endParaRPr lang="pt-PT" dirty="0"/>
+            <a:endParaRPr lang="pt-PT"/>
           </a:p>
         </p:txBody>
       </p:sp>
@@ -2667,13 +2677,989 @@
             <a:fld id="{CB697A11-5CEE-4588-B832-132CDC30A066}" type="slidenum">
               <a:rPr lang="pt-PT" smtClean="0"/>
               <a:pPr/>
-              <a:t>3</a:t>
+              <a:t>2</a:t>
             </a:fld>
             <a:endParaRPr lang="pt-PT"/>
           </a:p>
         </p:txBody>
       </p:sp>
     </p:spTree>
+  </p:cSld>
+  <p:clrMapOvr>
+    <a:masterClrMapping/>
+  </p:clrMapOvr>
+</p:notes>
+</file>
+
+<file path=ppt/notesSlides/notesSlide20.xml><?xml version="1.0" encoding="utf-8"?>
+<p:notes xmlns:a="http://schemas.openxmlformats.org/drawingml/2006/main" xmlns:r="http://schemas.openxmlformats.org/officeDocument/2006/relationships" xmlns:p="http://schemas.openxmlformats.org/presentationml/2006/main">
+  <p:cSld>
+    <p:spTree>
+      <p:nvGrpSpPr>
+        <p:cNvPr id="1" name=""/>
+        <p:cNvGrpSpPr/>
+        <p:nvPr/>
+      </p:nvGrpSpPr>
+      <p:grpSpPr>
+        <a:xfrm>
+          <a:off x="0" y="0"/>
+          <a:ext cx="0" cy="0"/>
+          <a:chOff x="0" y="0"/>
+          <a:chExt cx="0" cy="0"/>
+        </a:xfrm>
+      </p:grpSpPr>
+      <p:sp>
+        <p:nvSpPr>
+          <p:cNvPr id="2" name="Marcador de Posição da Imagem do Diapositivo 1"/>
+          <p:cNvSpPr>
+            <a:spLocks noGrp="1" noRot="1" noChangeAspect="1"/>
+          </p:cNvSpPr>
+          <p:nvPr>
+            <p:ph type="sldImg"/>
+          </p:nvPr>
+        </p:nvSpPr>
+        <p:spPr/>
+      </p:sp>
+      <p:sp>
+        <p:nvSpPr>
+          <p:cNvPr id="3" name="Marcador de Posição de Notas 2"/>
+          <p:cNvSpPr>
+            <a:spLocks noGrp="1"/>
+          </p:cNvSpPr>
+          <p:nvPr>
+            <p:ph type="body" idx="1"/>
+          </p:nvPr>
+        </p:nvSpPr>
+        <p:spPr/>
+        <p:txBody>
+          <a:bodyPr>
+            <a:normAutofit/>
+          </a:bodyPr>
+          <a:lstStyle/>
+          <a:p>
+            <a:endParaRPr lang="pt-PT"/>
+          </a:p>
+        </p:txBody>
+      </p:sp>
+      <p:sp>
+        <p:nvSpPr>
+          <p:cNvPr id="4" name="Marcador de Posição do Número do Diapositivo 3"/>
+          <p:cNvSpPr>
+            <a:spLocks noGrp="1"/>
+          </p:cNvSpPr>
+          <p:nvPr>
+            <p:ph type="sldNum" sz="quarter" idx="10"/>
+          </p:nvPr>
+        </p:nvSpPr>
+        <p:spPr/>
+        <p:txBody>
+          <a:bodyPr/>
+          <a:lstStyle/>
+          <a:p>
+            <a:fld id="{CB697A11-5CEE-4588-B832-132CDC30A066}" type="slidenum">
+              <a:rPr lang="pt-PT" smtClean="0"/>
+              <a:pPr/>
+              <a:t>20</a:t>
+            </a:fld>
+            <a:endParaRPr lang="pt-PT"/>
+          </a:p>
+        </p:txBody>
+      </p:sp>
+    </p:spTree>
+  </p:cSld>
+  <p:clrMapOvr>
+    <a:masterClrMapping/>
+  </p:clrMapOvr>
+</p:notes>
+</file>
+
+<file path=ppt/notesSlides/notesSlide21.xml><?xml version="1.0" encoding="utf-8"?>
+<p:notes xmlns:a="http://schemas.openxmlformats.org/drawingml/2006/main" xmlns:r="http://schemas.openxmlformats.org/officeDocument/2006/relationships" xmlns:p="http://schemas.openxmlformats.org/presentationml/2006/main">
+  <p:cSld>
+    <p:spTree>
+      <p:nvGrpSpPr>
+        <p:cNvPr id="1" name=""/>
+        <p:cNvGrpSpPr/>
+        <p:nvPr/>
+      </p:nvGrpSpPr>
+      <p:grpSpPr>
+        <a:xfrm>
+          <a:off x="0" y="0"/>
+          <a:ext cx="0" cy="0"/>
+          <a:chOff x="0" y="0"/>
+          <a:chExt cx="0" cy="0"/>
+        </a:xfrm>
+      </p:grpSpPr>
+      <p:sp>
+        <p:nvSpPr>
+          <p:cNvPr id="2" name="Marcador de Posição da Imagem do Diapositivo 1"/>
+          <p:cNvSpPr>
+            <a:spLocks noGrp="1" noRot="1" noChangeAspect="1"/>
+          </p:cNvSpPr>
+          <p:nvPr>
+            <p:ph type="sldImg"/>
+          </p:nvPr>
+        </p:nvSpPr>
+        <p:spPr/>
+      </p:sp>
+      <p:sp>
+        <p:nvSpPr>
+          <p:cNvPr id="3" name="Marcador de Posição de Notas 2"/>
+          <p:cNvSpPr>
+            <a:spLocks noGrp="1"/>
+          </p:cNvSpPr>
+          <p:nvPr>
+            <p:ph type="body" idx="1"/>
+          </p:nvPr>
+        </p:nvSpPr>
+        <p:spPr/>
+        <p:txBody>
+          <a:bodyPr>
+            <a:normAutofit/>
+          </a:bodyPr>
+          <a:lstStyle/>
+          <a:p>
+            <a:endParaRPr lang="pt-PT"/>
+          </a:p>
+        </p:txBody>
+      </p:sp>
+      <p:sp>
+        <p:nvSpPr>
+          <p:cNvPr id="4" name="Marcador de Posição do Número do Diapositivo 3"/>
+          <p:cNvSpPr>
+            <a:spLocks noGrp="1"/>
+          </p:cNvSpPr>
+          <p:nvPr>
+            <p:ph type="sldNum" sz="quarter" idx="10"/>
+          </p:nvPr>
+        </p:nvSpPr>
+        <p:spPr/>
+        <p:txBody>
+          <a:bodyPr/>
+          <a:lstStyle/>
+          <a:p>
+            <a:fld id="{CB697A11-5CEE-4588-B832-132CDC30A066}" type="slidenum">
+              <a:rPr lang="pt-PT" smtClean="0"/>
+              <a:pPr/>
+              <a:t>21</a:t>
+            </a:fld>
+            <a:endParaRPr lang="pt-PT"/>
+          </a:p>
+        </p:txBody>
+      </p:sp>
+    </p:spTree>
+  </p:cSld>
+  <p:clrMapOvr>
+    <a:masterClrMapping/>
+  </p:clrMapOvr>
+</p:notes>
+</file>
+
+<file path=ppt/notesSlides/notesSlide22.xml><?xml version="1.0" encoding="utf-8"?>
+<p:notes xmlns:a="http://schemas.openxmlformats.org/drawingml/2006/main" xmlns:r="http://schemas.openxmlformats.org/officeDocument/2006/relationships" xmlns:p="http://schemas.openxmlformats.org/presentationml/2006/main">
+  <p:cSld>
+    <p:spTree>
+      <p:nvGrpSpPr>
+        <p:cNvPr id="1" name=""/>
+        <p:cNvGrpSpPr/>
+        <p:nvPr/>
+      </p:nvGrpSpPr>
+      <p:grpSpPr>
+        <a:xfrm>
+          <a:off x="0" y="0"/>
+          <a:ext cx="0" cy="0"/>
+          <a:chOff x="0" y="0"/>
+          <a:chExt cx="0" cy="0"/>
+        </a:xfrm>
+      </p:grpSpPr>
+      <p:sp>
+        <p:nvSpPr>
+          <p:cNvPr id="2" name="Marcador de Posição da Imagem do Diapositivo 1"/>
+          <p:cNvSpPr>
+            <a:spLocks noGrp="1" noRot="1" noChangeAspect="1"/>
+          </p:cNvSpPr>
+          <p:nvPr>
+            <p:ph type="sldImg"/>
+          </p:nvPr>
+        </p:nvSpPr>
+        <p:spPr/>
+      </p:sp>
+      <p:sp>
+        <p:nvSpPr>
+          <p:cNvPr id="3" name="Marcador de Posição de Notas 2"/>
+          <p:cNvSpPr>
+            <a:spLocks noGrp="1"/>
+          </p:cNvSpPr>
+          <p:nvPr>
+            <p:ph type="body" idx="1"/>
+          </p:nvPr>
+        </p:nvSpPr>
+        <p:spPr/>
+        <p:txBody>
+          <a:bodyPr>
+            <a:normAutofit/>
+          </a:bodyPr>
+          <a:lstStyle/>
+          <a:p>
+            <a:endParaRPr lang="pt-PT"/>
+          </a:p>
+        </p:txBody>
+      </p:sp>
+      <p:sp>
+        <p:nvSpPr>
+          <p:cNvPr id="4" name="Marcador de Posição do Número do Diapositivo 3"/>
+          <p:cNvSpPr>
+            <a:spLocks noGrp="1"/>
+          </p:cNvSpPr>
+          <p:nvPr>
+            <p:ph type="sldNum" sz="quarter" idx="10"/>
+          </p:nvPr>
+        </p:nvSpPr>
+        <p:spPr/>
+        <p:txBody>
+          <a:bodyPr/>
+          <a:lstStyle/>
+          <a:p>
+            <a:fld id="{CB697A11-5CEE-4588-B832-132CDC30A066}" type="slidenum">
+              <a:rPr lang="pt-PT" smtClean="0"/>
+              <a:pPr/>
+              <a:t>22</a:t>
+            </a:fld>
+            <a:endParaRPr lang="pt-PT"/>
+          </a:p>
+        </p:txBody>
+      </p:sp>
+    </p:spTree>
+  </p:cSld>
+  <p:clrMapOvr>
+    <a:masterClrMapping/>
+  </p:clrMapOvr>
+</p:notes>
+</file>
+
+<file path=ppt/notesSlides/notesSlide23.xml><?xml version="1.0" encoding="utf-8"?>
+<p:notes xmlns:a="http://schemas.openxmlformats.org/drawingml/2006/main" xmlns:r="http://schemas.openxmlformats.org/officeDocument/2006/relationships" xmlns:p="http://schemas.openxmlformats.org/presentationml/2006/main">
+  <p:cSld>
+    <p:spTree>
+      <p:nvGrpSpPr>
+        <p:cNvPr id="1" name=""/>
+        <p:cNvGrpSpPr/>
+        <p:nvPr/>
+      </p:nvGrpSpPr>
+      <p:grpSpPr>
+        <a:xfrm>
+          <a:off x="0" y="0"/>
+          <a:ext cx="0" cy="0"/>
+          <a:chOff x="0" y="0"/>
+          <a:chExt cx="0" cy="0"/>
+        </a:xfrm>
+      </p:grpSpPr>
+      <p:sp>
+        <p:nvSpPr>
+          <p:cNvPr id="2" name="Marcador de Posição da Imagem do Diapositivo 1"/>
+          <p:cNvSpPr>
+            <a:spLocks noGrp="1" noRot="1" noChangeAspect="1"/>
+          </p:cNvSpPr>
+          <p:nvPr>
+            <p:ph type="sldImg"/>
+          </p:nvPr>
+        </p:nvSpPr>
+        <p:spPr/>
+      </p:sp>
+      <p:sp>
+        <p:nvSpPr>
+          <p:cNvPr id="3" name="Marcador de Posição de Notas 2"/>
+          <p:cNvSpPr>
+            <a:spLocks noGrp="1"/>
+          </p:cNvSpPr>
+          <p:nvPr>
+            <p:ph type="body" idx="1"/>
+          </p:nvPr>
+        </p:nvSpPr>
+        <p:spPr/>
+        <p:txBody>
+          <a:bodyPr>
+            <a:normAutofit/>
+          </a:bodyPr>
+          <a:lstStyle/>
+          <a:p>
+            <a:endParaRPr lang="pt-PT"/>
+          </a:p>
+        </p:txBody>
+      </p:sp>
+      <p:sp>
+        <p:nvSpPr>
+          <p:cNvPr id="4" name="Marcador de Posição do Número do Diapositivo 3"/>
+          <p:cNvSpPr>
+            <a:spLocks noGrp="1"/>
+          </p:cNvSpPr>
+          <p:nvPr>
+            <p:ph type="sldNum" sz="quarter" idx="10"/>
+          </p:nvPr>
+        </p:nvSpPr>
+        <p:spPr/>
+        <p:txBody>
+          <a:bodyPr/>
+          <a:lstStyle/>
+          <a:p>
+            <a:fld id="{CB697A11-5CEE-4588-B832-132CDC30A066}" type="slidenum">
+              <a:rPr lang="pt-PT" smtClean="0"/>
+              <a:pPr/>
+              <a:t>23</a:t>
+            </a:fld>
+            <a:endParaRPr lang="pt-PT"/>
+          </a:p>
+        </p:txBody>
+      </p:sp>
+    </p:spTree>
+  </p:cSld>
+  <p:clrMapOvr>
+    <a:masterClrMapping/>
+  </p:clrMapOvr>
+</p:notes>
+</file>
+
+<file path=ppt/notesSlides/notesSlide24.xml><?xml version="1.0" encoding="utf-8"?>
+<p:notes xmlns:a="http://schemas.openxmlformats.org/drawingml/2006/main" xmlns:r="http://schemas.openxmlformats.org/officeDocument/2006/relationships" xmlns:p="http://schemas.openxmlformats.org/presentationml/2006/main">
+  <p:cSld>
+    <p:spTree>
+      <p:nvGrpSpPr>
+        <p:cNvPr id="1" name=""/>
+        <p:cNvGrpSpPr/>
+        <p:nvPr/>
+      </p:nvGrpSpPr>
+      <p:grpSpPr>
+        <a:xfrm>
+          <a:off x="0" y="0"/>
+          <a:ext cx="0" cy="0"/>
+          <a:chOff x="0" y="0"/>
+          <a:chExt cx="0" cy="0"/>
+        </a:xfrm>
+      </p:grpSpPr>
+      <p:sp>
+        <p:nvSpPr>
+          <p:cNvPr id="2" name="Marcador de Posição da Imagem do Diapositivo 1"/>
+          <p:cNvSpPr>
+            <a:spLocks noGrp="1" noRot="1" noChangeAspect="1"/>
+          </p:cNvSpPr>
+          <p:nvPr>
+            <p:ph type="sldImg"/>
+          </p:nvPr>
+        </p:nvSpPr>
+        <p:spPr/>
+      </p:sp>
+      <p:sp>
+        <p:nvSpPr>
+          <p:cNvPr id="3" name="Marcador de Posição de Notas 2"/>
+          <p:cNvSpPr>
+            <a:spLocks noGrp="1"/>
+          </p:cNvSpPr>
+          <p:nvPr>
+            <p:ph type="body" idx="1"/>
+          </p:nvPr>
+        </p:nvSpPr>
+        <p:spPr/>
+        <p:txBody>
+          <a:bodyPr>
+            <a:normAutofit/>
+          </a:bodyPr>
+          <a:lstStyle/>
+          <a:p>
+            <a:endParaRPr lang="pt-PT"/>
+          </a:p>
+        </p:txBody>
+      </p:sp>
+      <p:sp>
+        <p:nvSpPr>
+          <p:cNvPr id="4" name="Marcador de Posição do Número do Diapositivo 3"/>
+          <p:cNvSpPr>
+            <a:spLocks noGrp="1"/>
+          </p:cNvSpPr>
+          <p:nvPr>
+            <p:ph type="sldNum" sz="quarter" idx="10"/>
+          </p:nvPr>
+        </p:nvSpPr>
+        <p:spPr/>
+        <p:txBody>
+          <a:bodyPr/>
+          <a:lstStyle/>
+          <a:p>
+            <a:fld id="{CB697A11-5CEE-4588-B832-132CDC30A066}" type="slidenum">
+              <a:rPr lang="pt-PT" smtClean="0"/>
+              <a:pPr/>
+              <a:t>24</a:t>
+            </a:fld>
+            <a:endParaRPr lang="pt-PT"/>
+          </a:p>
+        </p:txBody>
+      </p:sp>
+    </p:spTree>
+  </p:cSld>
+  <p:clrMapOvr>
+    <a:masterClrMapping/>
+  </p:clrMapOvr>
+</p:notes>
+</file>
+
+<file path=ppt/notesSlides/notesSlide25.xml><?xml version="1.0" encoding="utf-8"?>
+<p:notes xmlns:a="http://schemas.openxmlformats.org/drawingml/2006/main" xmlns:r="http://schemas.openxmlformats.org/officeDocument/2006/relationships" xmlns:p="http://schemas.openxmlformats.org/presentationml/2006/main">
+  <p:cSld>
+    <p:spTree>
+      <p:nvGrpSpPr>
+        <p:cNvPr id="1" name=""/>
+        <p:cNvGrpSpPr/>
+        <p:nvPr/>
+      </p:nvGrpSpPr>
+      <p:grpSpPr>
+        <a:xfrm>
+          <a:off x="0" y="0"/>
+          <a:ext cx="0" cy="0"/>
+          <a:chOff x="0" y="0"/>
+          <a:chExt cx="0" cy="0"/>
+        </a:xfrm>
+      </p:grpSpPr>
+      <p:sp>
+        <p:nvSpPr>
+          <p:cNvPr id="2" name="Slide Image Placeholder 1"/>
+          <p:cNvSpPr>
+            <a:spLocks noGrp="1" noRot="1" noChangeAspect="1"/>
+          </p:cNvSpPr>
+          <p:nvPr>
+            <p:ph type="sldImg"/>
+          </p:nvPr>
+        </p:nvSpPr>
+        <p:spPr/>
+      </p:sp>
+      <p:sp>
+        <p:nvSpPr>
+          <p:cNvPr id="3" name="Notes Placeholder 2"/>
+          <p:cNvSpPr>
+            <a:spLocks noGrp="1"/>
+          </p:cNvSpPr>
+          <p:nvPr>
+            <p:ph type="body" idx="1"/>
+          </p:nvPr>
+        </p:nvSpPr>
+        <p:spPr/>
+        <p:txBody>
+          <a:bodyPr/>
+          <a:lstStyle/>
+          <a:p>
+            <a:r>
+              <a:rPr lang="en-US" dirty="0" smtClean="0"/>
+              <a:t>(</a:t>
+            </a:r>
+            <a:r>
+              <a:rPr lang="en-US" dirty="0" err="1" smtClean="0"/>
+              <a:t>explicar</a:t>
+            </a:r>
+            <a:r>
+              <a:rPr lang="en-US" dirty="0" smtClean="0"/>
+              <a:t> </a:t>
+            </a:r>
+            <a:r>
+              <a:rPr lang="en-US" dirty="0" err="1" smtClean="0"/>
+              <a:t>porquê</a:t>
+            </a:r>
+            <a:r>
+              <a:rPr lang="en-US" dirty="0" smtClean="0"/>
+              <a:t> …)</a:t>
+            </a:r>
+          </a:p>
+          <a:p>
+            <a:endParaRPr lang="en-US" dirty="0" smtClean="0"/>
+          </a:p>
+          <a:p>
+            <a:r>
+              <a:rPr lang="en-US" dirty="0" smtClean="0"/>
+              <a:t>A </a:t>
+            </a:r>
+            <a:r>
+              <a:rPr lang="en-US" dirty="0" err="1" smtClean="0"/>
+              <a:t>perca</a:t>
+            </a:r>
+            <a:r>
+              <a:rPr lang="en-US" dirty="0" smtClean="0"/>
+              <a:t> de </a:t>
+            </a:r>
+            <a:r>
+              <a:rPr lang="en-US" dirty="0" err="1" smtClean="0"/>
+              <a:t>informação</a:t>
+            </a:r>
+            <a:r>
+              <a:rPr lang="en-US" dirty="0" smtClean="0"/>
+              <a:t> </a:t>
+            </a:r>
+            <a:r>
+              <a:rPr lang="en-US" dirty="0" err="1" smtClean="0"/>
+              <a:t>relevante</a:t>
+            </a:r>
+            <a:r>
+              <a:rPr lang="en-US" dirty="0" smtClean="0"/>
+              <a:t> e a</a:t>
+            </a:r>
+            <a:r>
+              <a:rPr lang="en-US" baseline="0" dirty="0" smtClean="0"/>
+              <a:t> </a:t>
+            </a:r>
+            <a:r>
+              <a:rPr lang="en-US" baseline="0" dirty="0" err="1" smtClean="0"/>
+              <a:t>grande</a:t>
+            </a:r>
+            <a:r>
+              <a:rPr lang="en-US" baseline="0" dirty="0" smtClean="0"/>
+              <a:t> </a:t>
+            </a:r>
+            <a:r>
+              <a:rPr lang="en-US" baseline="0" dirty="0" err="1" smtClean="0"/>
+              <a:t>sobrecarga</a:t>
+            </a:r>
+            <a:r>
+              <a:rPr lang="en-US" baseline="0" dirty="0" smtClean="0"/>
+              <a:t> </a:t>
+            </a:r>
+            <a:r>
+              <a:rPr lang="en-US" baseline="0" dirty="0" err="1" smtClean="0"/>
+              <a:t>introduzida</a:t>
+            </a:r>
+            <a:r>
+              <a:rPr lang="en-US" baseline="0" dirty="0" smtClean="0"/>
+              <a:t> </a:t>
+            </a:r>
+            <a:r>
+              <a:rPr lang="en-US" baseline="0" dirty="0" err="1" smtClean="0"/>
+              <a:t>limita</a:t>
+            </a:r>
+            <a:r>
+              <a:rPr lang="en-US" baseline="0" dirty="0" smtClean="0"/>
+              <a:t> </a:t>
+            </a:r>
+            <a:r>
+              <a:rPr lang="en-US" baseline="0" dirty="0" err="1" smtClean="0"/>
+              <a:t>muito</a:t>
+            </a:r>
+            <a:r>
+              <a:rPr lang="en-US" baseline="0" dirty="0" smtClean="0"/>
+              <a:t> </a:t>
+            </a:r>
+            <a:r>
+              <a:rPr lang="en-US" baseline="0" dirty="0" err="1" smtClean="0"/>
+              <a:t>esta</a:t>
+            </a:r>
+            <a:r>
+              <a:rPr lang="en-US" baseline="0" dirty="0" smtClean="0"/>
+              <a:t> </a:t>
+            </a:r>
+            <a:r>
+              <a:rPr lang="en-US" baseline="0" dirty="0" err="1" smtClean="0"/>
+              <a:t>abordagem</a:t>
+            </a:r>
+            <a:r>
+              <a:rPr lang="en-US" baseline="0" dirty="0" smtClean="0"/>
+              <a:t>.</a:t>
+            </a:r>
+            <a:endParaRPr lang="en-US" dirty="0"/>
+          </a:p>
+        </p:txBody>
+      </p:sp>
+      <p:sp>
+        <p:nvSpPr>
+          <p:cNvPr id="4" name="Slide Number Placeholder 3"/>
+          <p:cNvSpPr>
+            <a:spLocks noGrp="1"/>
+          </p:cNvSpPr>
+          <p:nvPr>
+            <p:ph type="sldNum" sz="quarter" idx="10"/>
+          </p:nvPr>
+        </p:nvSpPr>
+        <p:spPr/>
+        <p:txBody>
+          <a:bodyPr/>
+          <a:lstStyle/>
+          <a:p>
+            <a:fld id="{CB697A11-5CEE-4588-B832-132CDC30A066}" type="slidenum">
+              <a:rPr lang="pt-PT" smtClean="0"/>
+              <a:pPr/>
+              <a:t>25</a:t>
+            </a:fld>
+            <a:endParaRPr lang="pt-PT"/>
+          </a:p>
+        </p:txBody>
+      </p:sp>
+    </p:spTree>
+    <p:extLst>
+      <p:ext uri="{BB962C8B-B14F-4D97-AF65-F5344CB8AC3E}">
+        <p14:creationId xmlns:p14="http://schemas.microsoft.com/office/powerpoint/2010/main" xmlns="" val="3724839547"/>
+      </p:ext>
+    </p:extLst>
+  </p:cSld>
+  <p:clrMapOvr>
+    <a:masterClrMapping/>
+  </p:clrMapOvr>
+</p:notes>
+</file>
+
+<file path=ppt/notesSlides/notesSlide26.xml><?xml version="1.0" encoding="utf-8"?>
+<p:notes xmlns:a="http://schemas.openxmlformats.org/drawingml/2006/main" xmlns:r="http://schemas.openxmlformats.org/officeDocument/2006/relationships" xmlns:p="http://schemas.openxmlformats.org/presentationml/2006/main">
+  <p:cSld>
+    <p:spTree>
+      <p:nvGrpSpPr>
+        <p:cNvPr id="1" name=""/>
+        <p:cNvGrpSpPr/>
+        <p:nvPr/>
+      </p:nvGrpSpPr>
+      <p:grpSpPr>
+        <a:xfrm>
+          <a:off x="0" y="0"/>
+          <a:ext cx="0" cy="0"/>
+          <a:chOff x="0" y="0"/>
+          <a:chExt cx="0" cy="0"/>
+        </a:xfrm>
+      </p:grpSpPr>
+      <p:sp>
+        <p:nvSpPr>
+          <p:cNvPr id="2" name="Marcador de Posição da Imagem do Diapositivo 1"/>
+          <p:cNvSpPr>
+            <a:spLocks noGrp="1" noRot="1" noChangeAspect="1"/>
+          </p:cNvSpPr>
+          <p:nvPr>
+            <p:ph type="sldImg"/>
+          </p:nvPr>
+        </p:nvSpPr>
+        <p:spPr/>
+      </p:sp>
+      <p:sp>
+        <p:nvSpPr>
+          <p:cNvPr id="3" name="Marcador de Posição de Notas 2"/>
+          <p:cNvSpPr>
+            <a:spLocks noGrp="1"/>
+          </p:cNvSpPr>
+          <p:nvPr>
+            <p:ph type="body" idx="1"/>
+          </p:nvPr>
+        </p:nvSpPr>
+        <p:spPr/>
+        <p:txBody>
+          <a:bodyPr>
+            <a:normAutofit/>
+          </a:bodyPr>
+          <a:lstStyle/>
+          <a:p>
+            <a:r>
+              <a:rPr lang="pt-PT" dirty="0" smtClean="0"/>
+              <a:t>...</a:t>
+            </a:r>
+            <a:r>
+              <a:rPr lang="pt-PT" baseline="0" dirty="0" smtClean="0"/>
+              <a:t> </a:t>
+            </a:r>
+            <a:r>
+              <a:rPr lang="en-US" baseline="0" dirty="0" smtClean="0"/>
+              <a:t>M</a:t>
+            </a:r>
+            <a:r>
+              <a:rPr lang="pt-PT" baseline="0" dirty="0" err="1" smtClean="0"/>
+              <a:t>onitorização</a:t>
+            </a:r>
+            <a:r>
+              <a:rPr lang="pt-PT" baseline="0" dirty="0" smtClean="0"/>
+              <a:t> apenas em nível utilizador;</a:t>
+            </a:r>
+          </a:p>
+          <a:p>
+            <a:r>
+              <a:rPr lang="en-US" baseline="0" dirty="0" smtClean="0"/>
+              <a:t>O</a:t>
+            </a:r>
+            <a:r>
+              <a:rPr lang="pt-PT" baseline="0" dirty="0" smtClean="0"/>
+              <a:t>u também com o auxilio do núcleo do sistema.</a:t>
+            </a:r>
+          </a:p>
+          <a:p>
+            <a:endParaRPr lang="pt-PT" baseline="0" dirty="0" smtClean="0"/>
+          </a:p>
+          <a:p>
+            <a:r>
+              <a:rPr lang="pt-PT" baseline="0" dirty="0" smtClean="0"/>
+              <a:t>No primeiro caso altera-se o programa ou suas bibliotecas instrumentando-os para detectar e recolher a informação relevante.</a:t>
+            </a:r>
+          </a:p>
+          <a:p>
+            <a:r>
+              <a:rPr lang="pt-PT" baseline="0" dirty="0" smtClean="0"/>
+              <a:t>Nem sempre é possível, pode sobrecarregar bastante o processo, e é efectuado caso a caso.</a:t>
+            </a:r>
+          </a:p>
+          <a:p>
+            <a:endParaRPr lang="pt-PT" baseline="0" dirty="0" smtClean="0"/>
+          </a:p>
+          <a:p>
+            <a:r>
+              <a:rPr lang="pt-PT" baseline="0" dirty="0" smtClean="0"/>
+              <a:t>No segundo caso, recorre-se a funcionalidades internas do sistema que permitem obter alguma informação eficientemente e independente do processo monitorizado.</a:t>
+            </a:r>
+          </a:p>
+          <a:p>
+            <a:r>
+              <a:rPr lang="pt-PT" baseline="0" dirty="0" smtClean="0"/>
+              <a:t>Por exemplo, a captura do tráfego de rede usando a biblioteca </a:t>
+            </a:r>
+            <a:r>
+              <a:rPr lang="pt-PT" baseline="0" dirty="0" err="1" smtClean="0"/>
+              <a:t>libpcap</a:t>
+            </a:r>
+            <a:r>
+              <a:rPr lang="pt-PT" baseline="0" dirty="0" smtClean="0"/>
+              <a:t>.</a:t>
+            </a:r>
+          </a:p>
+          <a:p>
+            <a:r>
+              <a:rPr lang="pt-PT" baseline="0" dirty="0" smtClean="0"/>
+              <a:t>Mas nestes casos, para obter a informação relevante, podemos de ter de monitorizar o processo alvo, para conseguir separar a informação relevante da dos restantes processos. Tal também pode ser feito com base em funcionalidades existentes no núcleo do sistema.</a:t>
+            </a:r>
+          </a:p>
+          <a:p>
+            <a:endParaRPr lang="pt-PT" baseline="0" dirty="0" smtClean="0"/>
+          </a:p>
+          <a:p>
+            <a:endParaRPr lang="pt-PT" dirty="0"/>
+          </a:p>
+        </p:txBody>
+      </p:sp>
+      <p:sp>
+        <p:nvSpPr>
+          <p:cNvPr id="4" name="Marcador de Posição do Número do Diapositivo 3"/>
+          <p:cNvSpPr>
+            <a:spLocks noGrp="1"/>
+          </p:cNvSpPr>
+          <p:nvPr>
+            <p:ph type="sldNum" sz="quarter" idx="10"/>
+          </p:nvPr>
+        </p:nvSpPr>
+        <p:spPr/>
+        <p:txBody>
+          <a:bodyPr/>
+          <a:lstStyle/>
+          <a:p>
+            <a:fld id="{CB697A11-5CEE-4588-B832-132CDC30A066}" type="slidenum">
+              <a:rPr lang="pt-PT" smtClean="0"/>
+              <a:pPr/>
+              <a:t>26</a:t>
+            </a:fld>
+            <a:endParaRPr lang="pt-PT"/>
+          </a:p>
+        </p:txBody>
+      </p:sp>
+    </p:spTree>
+  </p:cSld>
+  <p:clrMapOvr>
+    <a:masterClrMapping/>
+  </p:clrMapOvr>
+</p:notes>
+</file>
+
+<file path=ppt/notesSlides/notesSlide27.xml><?xml version="1.0" encoding="utf-8"?>
+<p:notes xmlns:a="http://schemas.openxmlformats.org/drawingml/2006/main" xmlns:r="http://schemas.openxmlformats.org/officeDocument/2006/relationships" xmlns:p="http://schemas.openxmlformats.org/presentationml/2006/main">
+  <p:cSld>
+    <p:spTree>
+      <p:nvGrpSpPr>
+        <p:cNvPr id="1" name=""/>
+        <p:cNvGrpSpPr/>
+        <p:nvPr/>
+      </p:nvGrpSpPr>
+      <p:grpSpPr>
+        <a:xfrm>
+          <a:off x="0" y="0"/>
+          <a:ext cx="0" cy="0"/>
+          <a:chOff x="0" y="0"/>
+          <a:chExt cx="0" cy="0"/>
+        </a:xfrm>
+      </p:grpSpPr>
+      <p:sp>
+        <p:nvSpPr>
+          <p:cNvPr id="2" name="Slide Image Placeholder 1"/>
+          <p:cNvSpPr>
+            <a:spLocks noGrp="1" noRot="1" noChangeAspect="1"/>
+          </p:cNvSpPr>
+          <p:nvPr>
+            <p:ph type="sldImg"/>
+          </p:nvPr>
+        </p:nvSpPr>
+        <p:spPr/>
+      </p:sp>
+      <p:sp>
+        <p:nvSpPr>
+          <p:cNvPr id="3" name="Notes Placeholder 2"/>
+          <p:cNvSpPr>
+            <a:spLocks noGrp="1"/>
+          </p:cNvSpPr>
+          <p:nvPr>
+            <p:ph type="body" idx="1"/>
+          </p:nvPr>
+        </p:nvSpPr>
+        <p:spPr/>
+        <p:txBody>
+          <a:bodyPr/>
+          <a:lstStyle/>
+          <a:p>
+            <a:r>
+              <a:rPr lang="pt-PT" baseline="0" dirty="0" smtClean="0"/>
+              <a:t>A monitorização do processo alvo tem como objectivo observar portos e protocolos </a:t>
+            </a:r>
+            <a:r>
+              <a:rPr lang="pt-PT" u="none" baseline="0" dirty="0" smtClean="0"/>
+              <a:t>usados</a:t>
+            </a:r>
+            <a:r>
+              <a:rPr lang="pt-PT" baseline="0" dirty="0" smtClean="0"/>
+              <a:t> para poder identificar as </a:t>
+            </a:r>
+            <a:r>
+              <a:rPr lang="pt-PT" baseline="0" dirty="0" err="1" smtClean="0"/>
+              <a:t>interacções</a:t>
+            </a:r>
+            <a:r>
+              <a:rPr lang="pt-PT" baseline="0" dirty="0" smtClean="0"/>
+              <a:t> deste processo no resto de todo o tráfego de rede.</a:t>
+            </a:r>
+          </a:p>
+          <a:p>
+            <a:r>
+              <a:rPr lang="pt-PT" baseline="0" dirty="0" smtClean="0"/>
+              <a:t>Tal pode ser, como visto, instrumentando o programa (por exemplo algumas funções de chamadas ao sistema;</a:t>
+            </a:r>
+          </a:p>
+          <a:p>
+            <a:r>
+              <a:rPr lang="pt-PT" baseline="0" dirty="0" smtClean="0"/>
+              <a:t>Ou recorrendo aos mecanismos do núcleo como </a:t>
+            </a:r>
+            <a:r>
+              <a:rPr lang="pt-PT" baseline="0" dirty="0" err="1" smtClean="0"/>
+              <a:t>ptrace</a:t>
+            </a:r>
+            <a:r>
+              <a:rPr lang="pt-PT" baseline="0" dirty="0" smtClean="0"/>
+              <a:t> ou </a:t>
+            </a:r>
+            <a:r>
+              <a:rPr lang="pt-PT" baseline="0" dirty="0" err="1" smtClean="0"/>
+              <a:t>kprobes</a:t>
+            </a:r>
+            <a:r>
+              <a:rPr lang="pt-PT" baseline="0" dirty="0" smtClean="0"/>
+              <a:t>.</a:t>
+            </a:r>
+          </a:p>
+          <a:p>
+            <a:endParaRPr lang="pt-PT" baseline="0" dirty="0" smtClean="0"/>
+          </a:p>
+          <a:p>
+            <a:r>
+              <a:rPr lang="pt-PT" baseline="0" dirty="0" smtClean="0"/>
+              <a:t>Para evitar capturar informação irrelevante que depois tem de ser filtrada, pode-se tentar usar os filtros existentes no </a:t>
+            </a:r>
+            <a:r>
+              <a:rPr lang="pt-PT" baseline="0" dirty="0" err="1" smtClean="0"/>
+              <a:t>libpcap</a:t>
+            </a:r>
+            <a:r>
+              <a:rPr lang="pt-PT" baseline="0" dirty="0" smtClean="0"/>
+              <a:t> que permitem que no próprio núcleo (usando </a:t>
+            </a:r>
+            <a:r>
+              <a:rPr lang="pt-PT" baseline="0" dirty="0" err="1" smtClean="0"/>
+              <a:t>linux</a:t>
+            </a:r>
+            <a:r>
+              <a:rPr lang="pt-PT" baseline="0" dirty="0" smtClean="0"/>
+              <a:t> </a:t>
+            </a:r>
+            <a:r>
+              <a:rPr lang="pt-PT" baseline="0" dirty="0" err="1" smtClean="0"/>
+              <a:t>socket</a:t>
+            </a:r>
+            <a:r>
+              <a:rPr lang="pt-PT" baseline="0" dirty="0" smtClean="0"/>
+              <a:t> </a:t>
+            </a:r>
+            <a:r>
+              <a:rPr lang="pt-PT" baseline="0" dirty="0" err="1" smtClean="0"/>
+              <a:t>filters</a:t>
+            </a:r>
+            <a:r>
+              <a:rPr lang="pt-PT" baseline="0" dirty="0" smtClean="0"/>
+              <a:t>) apenas algum do tráfego seja capturado e copiado para a ferramenta monitora.</a:t>
+            </a:r>
+          </a:p>
+          <a:p>
+            <a:endParaRPr lang="pt-PT" baseline="0" dirty="0" smtClean="0"/>
+          </a:p>
+          <a:p>
+            <a:r>
+              <a:rPr lang="pt-PT" baseline="0" dirty="0" smtClean="0"/>
+              <a:t>No entanto, manter estes filtros </a:t>
+            </a:r>
+            <a:r>
+              <a:rPr lang="pt-PT" baseline="0" dirty="0" err="1" smtClean="0"/>
+              <a:t>actualizados</a:t>
+            </a:r>
+            <a:r>
+              <a:rPr lang="pt-PT" baseline="0" dirty="0" smtClean="0"/>
+              <a:t>, quando desconhecemos os portos usados pelo processo ou este cria e </a:t>
+            </a:r>
+            <a:r>
+              <a:rPr lang="pt-PT" baseline="0" dirty="0" err="1" smtClean="0"/>
+              <a:t>destroi</a:t>
+            </a:r>
+            <a:r>
+              <a:rPr lang="pt-PT" baseline="0" dirty="0" smtClean="0"/>
+              <a:t> </a:t>
+            </a:r>
+            <a:r>
+              <a:rPr lang="pt-PT" baseline="0" dirty="0" err="1" smtClean="0"/>
+              <a:t>sockets</a:t>
+            </a:r>
+            <a:r>
+              <a:rPr lang="pt-PT" baseline="0" dirty="0" smtClean="0"/>
+              <a:t> ao longo da sua execução trás grandes problemas ...</a:t>
+            </a:r>
+            <a:endParaRPr lang="en-US" dirty="0"/>
+          </a:p>
+        </p:txBody>
+      </p:sp>
+      <p:sp>
+        <p:nvSpPr>
+          <p:cNvPr id="4" name="Slide Number Placeholder 3"/>
+          <p:cNvSpPr>
+            <a:spLocks noGrp="1"/>
+          </p:cNvSpPr>
+          <p:nvPr>
+            <p:ph type="sldNum" sz="quarter" idx="10"/>
+          </p:nvPr>
+        </p:nvSpPr>
+        <p:spPr/>
+        <p:txBody>
+          <a:bodyPr/>
+          <a:lstStyle/>
+          <a:p>
+            <a:fld id="{CB697A11-5CEE-4588-B832-132CDC30A066}" type="slidenum">
+              <a:rPr lang="pt-PT" smtClean="0"/>
+              <a:pPr/>
+              <a:t>27</a:t>
+            </a:fld>
+            <a:endParaRPr lang="pt-PT"/>
+          </a:p>
+        </p:txBody>
+      </p:sp>
+    </p:spTree>
+    <p:extLst>
+      <p:ext uri="{BB962C8B-B14F-4D97-AF65-F5344CB8AC3E}">
+        <p14:creationId xmlns:p14="http://schemas.microsoft.com/office/powerpoint/2010/main" xmlns="" val="1742877947"/>
+      </p:ext>
+    </p:extLst>
   </p:cSld>
   <p:clrMapOvr>
     <a:masterClrMapping/>
@@ -2727,6 +3713,56 @@
           </a:bodyPr>
           <a:lstStyle/>
           <a:p>
+            <a:r>
+              <a:rPr lang="pt-PT" dirty="0" smtClean="0"/>
+              <a:t>…</a:t>
+            </a:r>
+          </a:p>
+          <a:p>
+            <a:endParaRPr lang="pt-PT" dirty="0" smtClean="0"/>
+          </a:p>
+          <a:p>
+            <a:r>
+              <a:rPr lang="pt-PT" dirty="0" smtClean="0"/>
+              <a:t>(ideia sem </a:t>
+            </a:r>
+            <a:r>
+              <a:rPr lang="pt-PT" dirty="0" err="1" smtClean="0"/>
+              <a:t>qq</a:t>
+            </a:r>
+            <a:r>
+              <a:rPr lang="pt-PT" dirty="0" smtClean="0"/>
+              <a:t> alteração aos processos / transparente)</a:t>
+            </a:r>
+          </a:p>
+          <a:p>
+            <a:r>
+              <a:rPr lang="pt-PT" dirty="0" smtClean="0"/>
+              <a:t>…</a:t>
+            </a:r>
+          </a:p>
+          <a:p>
+            <a:r>
+              <a:rPr lang="pt-PT" dirty="0" smtClean="0"/>
+              <a:t>filtros (da biblioteca </a:t>
+            </a:r>
+            <a:r>
+              <a:rPr lang="pt-PT" dirty="0" err="1" smtClean="0"/>
+              <a:t>PCap</a:t>
+            </a:r>
+            <a:r>
+              <a:rPr lang="pt-PT" dirty="0" smtClean="0"/>
+              <a:t> ou no núcleo)</a:t>
+            </a:r>
+          </a:p>
+          <a:p>
+            <a:endParaRPr lang="pt-PT" dirty="0" smtClean="0"/>
+          </a:p>
+          <a:p>
+            <a:r>
+              <a:rPr lang="pt-PT" dirty="0" smtClean="0"/>
+              <a:t>…</a:t>
+            </a:r>
             <a:endParaRPr lang="pt-PT" dirty="0"/>
           </a:p>
         </p:txBody>
@@ -2749,7 +3785,7 @@
             <a:fld id="{CB697A11-5CEE-4588-B832-132CDC30A066}" type="slidenum">
               <a:rPr lang="pt-PT" smtClean="0"/>
               <a:pPr/>
-              <a:t>4</a:t>
+              <a:t>3</a:t>
             </a:fld>
             <a:endParaRPr lang="pt-PT"/>
           </a:p>
@@ -2809,30 +3845,6 @@
           </a:bodyPr>
           <a:lstStyle/>
           <a:p>
-            <a:r>
-              <a:rPr lang="pt-PT" dirty="0" smtClean="0"/>
-              <a:t>Identificação dos</a:t>
-            </a:r>
-            <a:r>
-              <a:rPr lang="pt-PT" baseline="0" dirty="0" smtClean="0"/>
-              <a:t> processos ao nível do </a:t>
-            </a:r>
-            <a:r>
-              <a:rPr lang="pt-PT" baseline="0" dirty="0" err="1" smtClean="0"/>
-              <a:t>pcap</a:t>
-            </a:r>
-            <a:r>
-              <a:rPr lang="pt-PT" baseline="0" dirty="0" smtClean="0"/>
-              <a:t> / </a:t>
-            </a:r>
-            <a:r>
-              <a:rPr lang="pt-PT" baseline="0" dirty="0" err="1" smtClean="0"/>
-              <a:t>lsf</a:t>
-            </a:r>
-            <a:r>
-              <a:rPr lang="pt-PT" baseline="0" dirty="0" smtClean="0"/>
-              <a:t> </a:t>
-            </a:r>
             <a:endParaRPr lang="pt-PT" dirty="0"/>
           </a:p>
         </p:txBody>
@@ -2855,7 +3867,7 @@
             <a:fld id="{CB697A11-5CEE-4588-B832-132CDC30A066}" type="slidenum">
               <a:rPr lang="pt-PT" smtClean="0"/>
               <a:pPr/>
-              <a:t>5</a:t>
+              <a:t>4</a:t>
             </a:fld>
             <a:endParaRPr lang="pt-PT"/>
           </a:p>
@@ -2917,37 +3929,27 @@
           <a:p>
             <a:r>
               <a:rPr lang="pt-PT" dirty="0" smtClean="0"/>
-              <a:t>Serve para </a:t>
-            </a:r>
-            <a:r>
-              <a:rPr lang="pt-PT" dirty="0" err="1" smtClean="0"/>
-              <a:t>detectar</a:t>
+              <a:t>Identificação dos</a:t>
             </a:r>
             <a:r>
               <a:rPr lang="pt-PT" baseline="0" dirty="0" smtClean="0"/>
-              <a:t> as </a:t>
+              <a:t> processos ao nível do </a:t>
             </a:r>
             <a:r>
               <a:rPr lang="pt-PT" baseline="0" dirty="0" err="1" smtClean="0"/>
-              <a:t>interacoes</a:t>
+              <a:t>pcap</a:t>
             </a:r>
             <a:r>
               <a:rPr lang="pt-PT" baseline="0" dirty="0" smtClean="0"/>
-              <a:t> via rede … e tudo o resto … </a:t>
-            </a:r>
-          </a:p>
-          <a:p>
+              <a:t> / </a:t>
+            </a:r>
+            <a:r>
+              <a:rPr lang="pt-PT" baseline="0" dirty="0" err="1" smtClean="0"/>
+              <a:t>lsf</a:t>
+            </a:r>
             <a:r>
               <a:rPr lang="pt-PT" baseline="0" dirty="0" smtClean="0"/>
-              <a:t>Incluir novo filtro com base no passo anterior para </a:t>
-            </a:r>
-            <a:r>
-              <a:rPr lang="pt-PT" baseline="0" dirty="0" err="1" smtClean="0"/>
-              <a:t>detectar</a:t>
-            </a:r>
-            <a:r>
-              <a:rPr lang="pt-PT" baseline="0" dirty="0" smtClean="0"/>
-              <a:t> os pacotes pertences ao processo alvo </a:t>
+              <a:t> </a:t>
             </a:r>
             <a:endParaRPr lang="pt-PT" dirty="0"/>
           </a:p>
@@ -2971,7 +3973,7 @@
             <a:fld id="{CB697A11-5CEE-4588-B832-132CDC30A066}" type="slidenum">
               <a:rPr lang="pt-PT" smtClean="0"/>
               <a:pPr/>
-              <a:t>6</a:t>
+              <a:t>5</a:t>
             </a:fld>
             <a:endParaRPr lang="pt-PT"/>
           </a:p>
@@ -3033,57 +4035,37 @@
           <a:p>
             <a:r>
               <a:rPr lang="pt-PT" dirty="0" smtClean="0"/>
-              <a:t>Pretende-se …</a:t>
-            </a:r>
-          </a:p>
-          <a:p>
-            <a:r>
-              <a:rPr lang="pt-PT" dirty="0" smtClean="0"/>
-              <a:t>Envolve… monitorizar ….</a:t>
-            </a:r>
-          </a:p>
-          <a:p>
-            <a:r>
-              <a:rPr lang="pt-PT" dirty="0" smtClean="0"/>
-              <a:t>Para …</a:t>
-            </a:r>
-          </a:p>
-          <a:p>
+              <a:t>Serve para </a:t>
+            </a:r>
             <a:r>
               <a:rPr lang="pt-PT" dirty="0" err="1" smtClean="0"/>
-              <a:t>Extender</a:t>
+              <a:t>detectar</a:t>
             </a:r>
             <a:r>
               <a:rPr lang="pt-PT" baseline="0" dirty="0" smtClean="0"/>
-              <a:t> o </a:t>
+              <a:t> as </a:t>
             </a:r>
             <a:r>
               <a:rPr lang="pt-PT" baseline="0" dirty="0" err="1" smtClean="0"/>
-              <a:t>lsf</a:t>
+              <a:t>interacoes</a:t>
             </a:r>
             <a:r>
               <a:rPr lang="pt-PT" baseline="0" dirty="0" smtClean="0"/>
-              <a:t>/</a:t>
+              <a:t> via rede … e tudo o resto … </a:t>
+            </a:r>
+          </a:p>
+          <a:p>
+            <a:r>
+              <a:rPr lang="pt-PT" baseline="0" dirty="0" smtClean="0"/>
+              <a:t>Incluir novo filtro com base no passo anterior para </a:t>
             </a:r>
             <a:r>
               <a:rPr lang="pt-PT" baseline="0" dirty="0" err="1" smtClean="0"/>
-              <a:t>pcap</a:t>
+              <a:t>detectar</a:t>
             </a:r>
             <a:r>
               <a:rPr lang="pt-PT" baseline="0" dirty="0" smtClean="0"/>
-              <a:t> com base …</a:t>
-            </a:r>
-          </a:p>
-          <a:p>
-            <a:r>
-              <a:rPr lang="pt-PT" baseline="0" dirty="0" smtClean="0"/>
-              <a:t>Pretende-se ainda …</a:t>
-            </a:r>
-          </a:p>
-          <a:p>
-            <a:r>
-              <a:rPr lang="pt-PT" baseline="0" dirty="0" smtClean="0"/>
-              <a:t>Mantendo a ….</a:t>
+              <a:t> os pacotes pertences ao processo alvo </a:t>
             </a:r>
             <a:endParaRPr lang="pt-PT" dirty="0"/>
           </a:p>
@@ -3107,7 +4089,7 @@
             <a:fld id="{CB697A11-5CEE-4588-B832-132CDC30A066}" type="slidenum">
               <a:rPr lang="pt-PT" smtClean="0"/>
               <a:pPr/>
-              <a:t>7</a:t>
+              <a:t>6</a:t>
             </a:fld>
             <a:endParaRPr lang="pt-PT"/>
           </a:p>
@@ -3168,16 +4150,62 @@
           <a:lstStyle/>
           <a:p>
             <a:r>
-              <a:rPr lang="pt-PT" dirty="0" err="1" smtClean="0"/>
-              <a:t>Proposito</a:t>
-            </a:r>
-            <a:r>
               <a:rPr lang="pt-PT" dirty="0" smtClean="0"/>
-              <a:t> dos componentes … detalhes </a:t>
-            </a:r>
-            <a:r>
-              <a:rPr lang="pt-PT" smtClean="0"/>
-              <a:t>são depois .. </a:t>
+              <a:t>Pretende-se …</a:t>
+            </a:r>
+          </a:p>
+          <a:p>
+            <a:r>
+              <a:rPr lang="pt-PT" dirty="0" smtClean="0"/>
+              <a:t>Envolve… monitorizar ….</a:t>
+            </a:r>
+          </a:p>
+          <a:p>
+            <a:r>
+              <a:rPr lang="pt-PT" dirty="0" smtClean="0"/>
+              <a:t>Para …</a:t>
+            </a:r>
+          </a:p>
+          <a:p>
+            <a:r>
+              <a:rPr lang="pt-PT" dirty="0" smtClean="0"/>
+              <a:t>Estender</a:t>
+            </a:r>
+            <a:r>
+              <a:rPr lang="pt-PT" baseline="0" dirty="0" smtClean="0"/>
+              <a:t> </a:t>
+            </a:r>
+            <a:r>
+              <a:rPr lang="pt-PT" baseline="0" dirty="0" smtClean="0"/>
+              <a:t>o </a:t>
+            </a:r>
+            <a:r>
+              <a:rPr lang="pt-PT" baseline="0" dirty="0" err="1" smtClean="0"/>
+              <a:t>lsf</a:t>
+            </a:r>
+            <a:r>
+              <a:rPr lang="pt-PT" baseline="0" dirty="0" smtClean="0"/>
+              <a:t>/</a:t>
+            </a:r>
+            <a:r>
+              <a:rPr lang="pt-PT" baseline="0" dirty="0" err="1" smtClean="0"/>
+              <a:t>pcap</a:t>
+            </a:r>
+            <a:r>
+              <a:rPr lang="pt-PT" baseline="0" dirty="0" smtClean="0"/>
+              <a:t> com base …</a:t>
+            </a:r>
+          </a:p>
+          <a:p>
+            <a:r>
+              <a:rPr lang="pt-PT" baseline="0" dirty="0" smtClean="0"/>
+              <a:t>Pretende-se ainda …</a:t>
+            </a:r>
+          </a:p>
+          <a:p>
+            <a:r>
+              <a:rPr lang="pt-PT" baseline="0" dirty="0" smtClean="0"/>
+              <a:t>Mantendo a ….</a:t>
             </a:r>
             <a:endParaRPr lang="pt-PT" dirty="0"/>
           </a:p>
@@ -3201,7 +4229,7 @@
             <a:fld id="{CB697A11-5CEE-4588-B832-132CDC30A066}" type="slidenum">
               <a:rPr lang="pt-PT" smtClean="0"/>
               <a:pPr/>
-              <a:t>9</a:t>
+              <a:t>7</a:t>
             </a:fld>
             <a:endParaRPr lang="pt-PT"/>
           </a:p>
@@ -3261,45 +4289,7 @@
           </a:bodyPr>
           <a:lstStyle/>
           <a:p>
-            <a:r>
-              <a:rPr lang="pt-PT" dirty="0" smtClean="0"/>
-              <a:t>Para</a:t>
-            </a:r>
-            <a:r>
-              <a:rPr lang="pt-PT" baseline="0" dirty="0" smtClean="0"/>
-              <a:t> que e </a:t>
-            </a:r>
-            <a:r>
-              <a:rPr lang="pt-PT" baseline="0" dirty="0" err="1" smtClean="0"/>
-              <a:t>efectuada</a:t>
-            </a:r>
-            <a:r>
-              <a:rPr lang="pt-PT" baseline="0" dirty="0" smtClean="0"/>
-              <a:t> a instrumentação das chamadas … </a:t>
-            </a:r>
-            <a:endParaRPr lang="pt-PT" dirty="0" smtClean="0"/>
-          </a:p>
-          <a:p>
-            <a:endParaRPr lang="pt-PT" dirty="0" smtClean="0"/>
-          </a:p>
-          <a:p>
-            <a:r>
-              <a:rPr lang="pt-PT" dirty="0" smtClean="0"/>
-              <a:t>Manter</a:t>
-            </a:r>
-            <a:r>
-              <a:rPr lang="pt-PT" baseline="0" dirty="0" smtClean="0"/>
-              <a:t> em tempo real a utilização de </a:t>
-            </a:r>
-            <a:r>
-              <a:rPr lang="pt-PT" baseline="0" dirty="0" err="1" smtClean="0"/>
-              <a:t>sockets</a:t>
-            </a:r>
-            <a:r>
-              <a:rPr lang="pt-PT" baseline="0" dirty="0" smtClean="0"/>
-              <a:t> em utilização pelo processo alvo</a:t>
-            </a:r>
-            <a:endParaRPr lang="pt-PT" dirty="0"/>
+            <a:endParaRPr lang="pt-PT"/>
           </a:p>
         </p:txBody>
       </p:sp>
@@ -3321,7 +4311,7 @@
             <a:fld id="{CB697A11-5CEE-4588-B832-132CDC30A066}" type="slidenum">
               <a:rPr lang="pt-PT" smtClean="0"/>
               <a:pPr/>
-              <a:t>10</a:t>
+              <a:t>8</a:t>
             </a:fld>
             <a:endParaRPr lang="pt-PT"/>
           </a:p>
@@ -3382,18 +4372,12 @@
           <a:lstStyle/>
           <a:p>
             <a:r>
+              <a:rPr lang="pt-PT" dirty="0" err="1" smtClean="0"/>
+              <a:t>Proposito</a:t>
+            </a:r>
+            <a:r>
               <a:rPr lang="pt-PT" dirty="0" smtClean="0"/>
-              <a:t>…</a:t>
-            </a:r>
-          </a:p>
-          <a:p>
-            <a:r>
-              <a:rPr lang="pt-PT" dirty="0" smtClean="0"/>
-              <a:t>Com o fim de confirmar que todos os dados e só os dados</a:t>
-            </a:r>
-            <a:r>
-              <a:rPr lang="pt-PT" baseline="0" dirty="0" smtClean="0"/>
-              <a:t> do processo eram capturados</a:t>
+              <a:t> dos componentes … detalhes são depois .. </a:t>
             </a:r>
             <a:endParaRPr lang="pt-PT" dirty="0"/>
           </a:p>
@@ -3417,7 +4401,7 @@
             <a:fld id="{CB697A11-5CEE-4588-B832-132CDC30A066}" type="slidenum">
               <a:rPr lang="pt-PT" smtClean="0"/>
               <a:pPr/>
-              <a:t>14</a:t>
+              <a:t>9</a:t>
             </a:fld>
             <a:endParaRPr lang="pt-PT"/>
           </a:p>
@@ -4090,7 +5074,7 @@
             <a:fld id="{FDFE200E-5E3D-443A-8128-360E1B4273B3}" type="datetime1">
               <a:rPr lang="pt-PT" smtClean="0"/>
               <a:pPr/>
-              <a:t>13-12-2011</a:t>
+              <a:t>15-12-2011</a:t>
             </a:fld>
             <a:endParaRPr lang="pt-PT"/>
           </a:p>
@@ -4275,7 +5259,7 @@
             <a:fld id="{6B744452-25FF-450D-AA53-60C22631FF3B}" type="datetime1">
               <a:rPr lang="pt-PT" smtClean="0"/>
               <a:pPr/>
-              <a:t>13-12-2011</a:t>
+              <a:t>15-12-2011</a:t>
             </a:fld>
             <a:endParaRPr lang="pt-PT"/>
           </a:p>
@@ -4452,7 +5436,7 @@
             <a:fld id="{CA44A751-DD81-434F-8D0D-A0F6502EF70B}" type="datetime1">
               <a:rPr lang="pt-PT" smtClean="0"/>
               <a:pPr/>
-              <a:t>13-12-2011</a:t>
+              <a:t>15-12-2011</a:t>
             </a:fld>
             <a:endParaRPr lang="pt-PT"/>
           </a:p>
@@ -4619,7 +5603,7 @@
             <a:fld id="{5A4DB91E-7B8A-423A-8B0D-BD0D4BF78285}" type="datetime1">
               <a:rPr lang="pt-PT" smtClean="0"/>
               <a:pPr/>
-              <a:t>13-12-2011</a:t>
+              <a:t>15-12-2011</a:t>
             </a:fld>
             <a:endParaRPr lang="pt-PT"/>
           </a:p>
@@ -4842,7 +5826,7 @@
             <a:fld id="{21D41D93-4982-484C-9E6B-1DEB63B99297}" type="datetime1">
               <a:rPr lang="pt-PT" smtClean="0"/>
               <a:pPr/>
-              <a:t>13-12-2011</a:t>
+              <a:t>15-12-2011</a:t>
             </a:fld>
             <a:endParaRPr lang="pt-PT"/>
           </a:p>
@@ -5103,7 +6087,7 @@
             <a:fld id="{2B4C7B7F-9F7E-49D4-BF2C-D3DB5C15DED7}" type="datetime1">
               <a:rPr lang="pt-PT" smtClean="0"/>
               <a:pPr/>
-              <a:t>13-12-2011</a:t>
+              <a:t>15-12-2011</a:t>
             </a:fld>
             <a:endParaRPr lang="pt-PT"/>
           </a:p>
@@ -5509,7 +6493,7 @@
             <a:fld id="{DB921401-0971-4316-89C1-ACF96804946B}" type="datetime1">
               <a:rPr lang="pt-PT" smtClean="0"/>
               <a:pPr/>
-              <a:t>13-12-2011</a:t>
+              <a:t>15-12-2011</a:t>
             </a:fld>
             <a:endParaRPr lang="pt-PT"/>
           </a:p>
@@ -5642,7 +6626,7 @@
             <a:fld id="{F9DC5304-7A0A-4DD1-BC1C-FB42FDF4A8F5}" type="datetime1">
               <a:rPr lang="pt-PT" smtClean="0"/>
               <a:pPr/>
-              <a:t>13-12-2011</a:t>
+              <a:t>15-12-2011</a:t>
             </a:fld>
             <a:endParaRPr lang="pt-PT"/>
           </a:p>
@@ -5744,7 +6728,7 @@
             <a:fld id="{FFB4E187-9955-4630-9912-A621610C6847}" type="datetime1">
               <a:rPr lang="pt-PT" smtClean="0"/>
               <a:pPr/>
-              <a:t>13-12-2011</a:t>
+              <a:t>15-12-2011</a:t>
             </a:fld>
             <a:endParaRPr lang="pt-PT"/>
           </a:p>
@@ -5991,7 +6975,7 @@
             <a:fld id="{711EFB78-06C4-4DE7-8651-27AE14E9AE98}" type="datetime1">
               <a:rPr lang="pt-PT" smtClean="0"/>
               <a:pPr/>
-              <a:t>13-12-2011</a:t>
+              <a:t>15-12-2011</a:t>
             </a:fld>
             <a:endParaRPr lang="pt-PT"/>
           </a:p>
@@ -6237,7 +7221,7 @@
             <a:fld id="{8167AFAD-5534-41E9-968F-3B3BFA0947EA}" type="datetime1">
               <a:rPr lang="pt-PT" smtClean="0"/>
               <a:pPr/>
-              <a:t>13-12-2011</a:t>
+              <a:t>15-12-2011</a:t>
             </a:fld>
             <a:endParaRPr lang="pt-PT"/>
           </a:p>
@@ -7063,7 +8047,7 @@
             <a:fld id="{D1ADC3CB-1463-41E0-9C03-F76948C3E5C0}" type="datetime1">
               <a:rPr lang="pt-PT" smtClean="0"/>
               <a:pPr/>
-              <a:t>13-12-2011</a:t>
+              <a:t>15-12-2011</a:t>
             </a:fld>
             <a:endParaRPr lang="pt-PT"/>
           </a:p>
@@ -10260,7 +11244,7 @@
           <p:nvPr>
             <p:extLst>
               <p:ext uri="{D42A27DB-BD31-4B8C-83A1-F6EECF244321}">
-                <p14:modId xmlns="" xmlns:p14="http://schemas.microsoft.com/office/powerpoint/2010/main" val="2923390044"/>
+                <p14:modId xmlns:p14="http://schemas.microsoft.com/office/powerpoint/2010/main" xmlns="" val="2923390044"/>
               </p:ext>
             </p:extLst>
           </p:nvPr>
@@ -10948,27 +11932,44 @@
           <a:p>
             <a:r>
               <a:rPr lang="pt-PT" dirty="0" smtClean="0"/>
-              <a:t>Através de instrumentação estática ou dinâmica</a:t>
-            </a:r>
-          </a:p>
-          <a:p>
+              <a:t>Pode </a:t>
+            </a:r>
+            <a:r>
+              <a:rPr lang="pt-PT" dirty="0" err="1" smtClean="0"/>
+              <a:t>efectuada</a:t>
+            </a:r>
             <a:r>
               <a:rPr lang="pt-PT" dirty="0" smtClean="0"/>
-              <a:t>Pode ser passiva ou </a:t>
+              <a:t> de forma </a:t>
+            </a:r>
+            <a:r>
+              <a:rPr lang="pt-PT" dirty="0" smtClean="0"/>
+              <a:t>passiva ou </a:t>
             </a:r>
             <a:r>
               <a:rPr lang="pt-PT" dirty="0" err="1" smtClean="0"/>
               <a:t>activa</a:t>
             </a:r>
+            <a:endParaRPr lang="pt-PT" dirty="0" smtClean="0"/>
+          </a:p>
+          <a:p>
             <a:r>
               <a:rPr lang="pt-PT" dirty="0" smtClean="0"/>
-              <a:t> (passar para cima)</a:t>
-            </a:r>
-          </a:p>
-          <a:p>
+              <a:t>Através </a:t>
+            </a:r>
             <a:r>
               <a:rPr lang="pt-PT" dirty="0" smtClean="0"/>
-              <a:t>Análise aos dados obtidos </a:t>
+              <a:t>de instrumentação estática ou dinâmica</a:t>
+            </a:r>
+          </a:p>
+          <a:p>
+            <a:r>
+              <a:rPr lang="pt-PT" dirty="0" smtClean="0"/>
+              <a:t>Análise </a:t>
+            </a:r>
+            <a:r>
+              <a:rPr lang="pt-PT" dirty="0" smtClean="0"/>
+              <a:t>aos dados obtidos </a:t>
             </a:r>
             <a:r>
               <a:rPr lang="pt-PT" dirty="0" err="1" smtClean="0"/>
@@ -14023,7 +15024,7 @@
     </p:spTree>
     <p:extLst>
       <p:ext uri="{BB962C8B-B14F-4D97-AF65-F5344CB8AC3E}">
-        <p14:creationId xmlns="" xmlns:p14="http://schemas.microsoft.com/office/powerpoint/2010/main" val="2480020566"/>
+        <p14:creationId xmlns:p14="http://schemas.microsoft.com/office/powerpoint/2010/main" xmlns="" val="2480020566"/>
       </p:ext>
     </p:extLst>
   </p:cSld>
@@ -14120,7 +15121,7 @@
           <p:nvPr>
             <p:extLst>
               <p:ext uri="{D42A27DB-BD31-4B8C-83A1-F6EECF244321}">
-                <p14:modId xmlns="" xmlns:p14="http://schemas.microsoft.com/office/powerpoint/2010/main" val="3402441427"/>
+                <p14:modId xmlns:p14="http://schemas.microsoft.com/office/powerpoint/2010/main" xmlns="" val="3402441427"/>
               </p:ext>
             </p:extLst>
           </p:nvPr>
@@ -14131,7 +15132,7 @@
         </p:xfrm>
         <a:graphic>
           <a:graphicData uri="http://schemas.openxmlformats.org/drawingml/2006/chart">
-            <c:chart xmlns:c="http://schemas.openxmlformats.org/drawingml/2006/chart" xmlns:r="http://schemas.openxmlformats.org/officeDocument/2006/relationships" r:id="rId2"/>
+            <c:chart xmlns:c="http://schemas.openxmlformats.org/drawingml/2006/chart" xmlns:r="http://schemas.openxmlformats.org/officeDocument/2006/relationships" r:id="rId3"/>
           </a:graphicData>
         </a:graphic>
       </p:graphicFrame>
@@ -14144,7 +15145,7 @@
           <p:nvPr>
             <p:extLst>
               <p:ext uri="{D42A27DB-BD31-4B8C-83A1-F6EECF244321}">
-                <p14:modId xmlns="" xmlns:p14="http://schemas.microsoft.com/office/powerpoint/2010/main" val="4122839546"/>
+                <p14:modId xmlns:p14="http://schemas.microsoft.com/office/powerpoint/2010/main" xmlns="" val="4122839546"/>
               </p:ext>
             </p:extLst>
           </p:nvPr>
@@ -14155,7 +15156,7 @@
         </p:xfrm>
         <a:graphic>
           <a:graphicData uri="http://schemas.openxmlformats.org/drawingml/2006/chart">
-            <c:chart xmlns:c="http://schemas.openxmlformats.org/drawingml/2006/chart" xmlns:r="http://schemas.openxmlformats.org/officeDocument/2006/relationships" r:id="rId3"/>
+            <c:chart xmlns:c="http://schemas.openxmlformats.org/drawingml/2006/chart" xmlns:r="http://schemas.openxmlformats.org/officeDocument/2006/relationships" r:id="rId4"/>
           </a:graphicData>
         </a:graphic>
       </p:graphicFrame>
@@ -16199,13 +17200,8 @@
           <a:p>
             <a:r>
               <a:rPr lang="pt-PT" dirty="0" smtClean="0"/>
-              <a:t>Captura de tráfego de rede de modo </a:t>
-            </a:r>
-            <a:r>
-              <a:rPr lang="pt-PT" dirty="0" smtClean="0"/>
-              <a:t>passivo</a:t>
-            </a:r>
-            <a:endParaRPr lang="pt-PT" dirty="0" smtClean="0"/>
+              <a:t>Captura de tráfego de rede de modo passivo</a:t>
+            </a:r>
           </a:p>
           <a:p>
             <a:r>
@@ -16221,13 +17217,8 @@
           <a:p>
             <a:r>
               <a:rPr lang="pt-PT" dirty="0" smtClean="0"/>
-              <a:t>Redução dos dados através </a:t>
-            </a:r>
-            <a:r>
-              <a:rPr lang="pt-PT" dirty="0" smtClean="0"/>
-              <a:t>de</a:t>
-            </a:r>
-            <a:endParaRPr lang="pt-PT" dirty="0" smtClean="0"/>
+              <a:t>Redução dos dados através de</a:t>
+            </a:r>
           </a:p>
           <a:p>
             <a:endParaRPr lang="pt-PT" dirty="0"/>
@@ -21991,47 +22982,6 @@
       </p:sp>
       <p:sp>
         <p:nvSpPr>
-          <p:cNvPr id="14" name="Rectângulo 13"/>
-          <p:cNvSpPr/>
-          <p:nvPr/>
-        </p:nvSpPr>
-        <p:spPr>
-          <a:xfrm>
-            <a:off x="1259632" y="3131676"/>
-            <a:ext cx="1368152" cy="432048"/>
-          </a:xfrm>
-          <a:prstGeom prst="rect">
-            <a:avLst/>
-          </a:prstGeom>
-          <a:noFill/>
-        </p:spPr>
-        <p:style>
-          <a:lnRef idx="2">
-            <a:schemeClr val="accent1">
-              <a:shade val="50000"/>
-            </a:schemeClr>
-          </a:lnRef>
-          <a:fillRef idx="1">
-            <a:schemeClr val="accent1"/>
-          </a:fillRef>
-          <a:effectRef idx="0">
-            <a:schemeClr val="accent1"/>
-          </a:effectRef>
-          <a:fontRef idx="minor">
-            <a:schemeClr val="lt1"/>
-          </a:fontRef>
-        </p:style>
-        <p:txBody>
-          <a:bodyPr rtlCol="0" anchor="ctr"/>
-          <a:lstStyle/>
-          <a:p>
-            <a:pPr algn="ctr"/>
-            <a:endParaRPr lang="pt-PT"/>
-          </a:p>
-        </p:txBody>
-      </p:sp>
-      <p:sp>
-        <p:nvSpPr>
           <p:cNvPr id="15" name="Rectângulo 14"/>
           <p:cNvSpPr/>
           <p:nvPr/>
@@ -22378,6 +23328,11 @@
             <a:avLst/>
           </a:prstGeom>
           <a:noFill/>
+          <a:ln>
+            <a:solidFill>
+              <a:schemeClr val="tx1"/>
+            </a:solidFill>
+          </a:ln>
         </p:spPr>
         <p:txBody>
           <a:bodyPr wrap="square" rtlCol="0">
@@ -23269,6 +24224,1233 @@
                                     <p:set>
                                       <p:cBhvr>
                                         <p:cTn id="42" dur="2000" fill="hold"/>
+                                        <p:tgtEl>
+                                          <p:spTgt spid="28"/>
+                                        </p:tgtEl>
+                                        <p:attrNameLst>
+                                          <p:attrName>fill.on</p:attrName>
+                                        </p:attrNameLst>
+                                      </p:cBhvr>
+                                      <p:to>
+                                        <p:strVal val="true"/>
+                                      </p:to>
+                                    </p:set>
+                                  </p:childTnLst>
+                                </p:cTn>
+                              </p:par>
+                            </p:childTnLst>
+                          </p:cTn>
+                        </p:par>
+                      </p:childTnLst>
+                    </p:cTn>
+                  </p:par>
+                  <p:par>
+                    <p:cTn id="43" fill="hold">
+                      <p:stCondLst>
+                        <p:cond delay="indefinite"/>
+                      </p:stCondLst>
+                      <p:childTnLst>
+                        <p:par>
+                          <p:cTn id="44" fill="hold">
+                            <p:stCondLst>
+                              <p:cond delay="0"/>
+                            </p:stCondLst>
+                            <p:childTnLst>
+                              <p:par>
+                                <p:cTn id="45" presetID="1" presetClass="emph" presetSubtype="2" fill="hold" nodeType="clickEffect">
+                                  <p:stCondLst>
+                                    <p:cond delay="0"/>
+                                  </p:stCondLst>
+                                  <p:childTnLst>
+                                    <p:animClr clrSpc="rgb">
+                                      <p:cBhvr>
+                                        <p:cTn id="46" dur="2000" fill="hold"/>
+                                        <p:tgtEl>
+                                          <p:spTgt spid="25"/>
+                                        </p:tgtEl>
+                                        <p:attrNameLst>
+                                          <p:attrName>fillcolor</p:attrName>
+                                        </p:attrNameLst>
+                                      </p:cBhvr>
+                                      <p:to>
+                                        <a:schemeClr val="accent2"/>
+                                      </p:to>
+                                    </p:animClr>
+                                    <p:set>
+                                      <p:cBhvr>
+                                        <p:cTn id="47" dur="2000" fill="hold"/>
+                                        <p:tgtEl>
+                                          <p:spTgt spid="25"/>
+                                        </p:tgtEl>
+                                        <p:attrNameLst>
+                                          <p:attrName>fill.type</p:attrName>
+                                        </p:attrNameLst>
+                                      </p:cBhvr>
+                                      <p:to>
+                                        <p:strVal val="solid"/>
+                                      </p:to>
+                                    </p:set>
+                                    <p:set>
+                                      <p:cBhvr>
+                                        <p:cTn id="48" dur="2000" fill="hold"/>
+                                        <p:tgtEl>
+                                          <p:spTgt spid="25"/>
+                                        </p:tgtEl>
+                                        <p:attrNameLst>
+                                          <p:attrName>fill.on</p:attrName>
+                                        </p:attrNameLst>
+                                      </p:cBhvr>
+                                      <p:to>
+                                        <p:strVal val="true"/>
+                                      </p:to>
+                                    </p:set>
+                                  </p:childTnLst>
+                                </p:cTn>
+                              </p:par>
+                              <p:par>
+                                <p:cTn id="49" presetID="1" presetClass="emph" presetSubtype="2" fill="hold" nodeType="withEffect">
+                                  <p:stCondLst>
+                                    <p:cond delay="0"/>
+                                  </p:stCondLst>
+                                  <p:childTnLst>
+                                    <p:animClr clrSpc="rgb">
+                                      <p:cBhvr>
+                                        <p:cTn id="50" dur="2000" fill="hold"/>
+                                        <p:tgtEl>
+                                          <p:spTgt spid="31"/>
+                                        </p:tgtEl>
+                                        <p:attrNameLst>
+                                          <p:attrName>fillcolor</p:attrName>
+                                        </p:attrNameLst>
+                                      </p:cBhvr>
+                                      <p:to>
+                                        <a:schemeClr val="bg1"/>
+                                      </p:to>
+                                    </p:animClr>
+                                    <p:set>
+                                      <p:cBhvr>
+                                        <p:cTn id="51" dur="2000" fill="hold"/>
+                                        <p:tgtEl>
+                                          <p:spTgt spid="31"/>
+                                        </p:tgtEl>
+                                        <p:attrNameLst>
+                                          <p:attrName>fill.type</p:attrName>
+                                        </p:attrNameLst>
+                                      </p:cBhvr>
+                                      <p:to>
+                                        <p:strVal val="solid"/>
+                                      </p:to>
+                                    </p:set>
+                                    <p:set>
+                                      <p:cBhvr>
+                                        <p:cTn id="52" dur="2000" fill="hold"/>
+                                        <p:tgtEl>
+                                          <p:spTgt spid="31"/>
+                                        </p:tgtEl>
+                                        <p:attrNameLst>
+                                          <p:attrName>fill.on</p:attrName>
+                                        </p:attrNameLst>
+                                      </p:cBhvr>
+                                      <p:to>
+                                        <p:strVal val="true"/>
+                                      </p:to>
+                                    </p:set>
+                                  </p:childTnLst>
+                                </p:cTn>
+                              </p:par>
+                            </p:childTnLst>
+                          </p:cTn>
+                        </p:par>
+                      </p:childTnLst>
+                    </p:cTn>
+                  </p:par>
+                  <p:par>
+                    <p:cTn id="53" fill="hold">
+                      <p:stCondLst>
+                        <p:cond delay="indefinite"/>
+                      </p:stCondLst>
+                      <p:childTnLst>
+                        <p:par>
+                          <p:cTn id="54" fill="hold">
+                            <p:stCondLst>
+                              <p:cond delay="0"/>
+                            </p:stCondLst>
+                            <p:childTnLst>
+                              <p:par>
+                                <p:cTn id="55" presetID="1" presetClass="emph" presetSubtype="2" fill="hold" nodeType="clickEffect">
+                                  <p:stCondLst>
+                                    <p:cond delay="0"/>
+                                  </p:stCondLst>
+                                  <p:childTnLst>
+                                    <p:animClr clrSpc="rgb">
+                                      <p:cBhvr>
+                                        <p:cTn id="56" dur="2000" fill="hold"/>
+                                        <p:tgtEl>
+                                          <p:spTgt spid="34"/>
+                                        </p:tgtEl>
+                                        <p:attrNameLst>
+                                          <p:attrName>fillcolor</p:attrName>
+                                        </p:attrNameLst>
+                                      </p:cBhvr>
+                                      <p:to>
+                                        <a:schemeClr val="accent2"/>
+                                      </p:to>
+                                    </p:animClr>
+                                    <p:set>
+                                      <p:cBhvr>
+                                        <p:cTn id="57" dur="2000" fill="hold"/>
+                                        <p:tgtEl>
+                                          <p:spTgt spid="34"/>
+                                        </p:tgtEl>
+                                        <p:attrNameLst>
+                                          <p:attrName>fill.type</p:attrName>
+                                        </p:attrNameLst>
+                                      </p:cBhvr>
+                                      <p:to>
+                                        <p:strVal val="solid"/>
+                                      </p:to>
+                                    </p:set>
+                                    <p:set>
+                                      <p:cBhvr>
+                                        <p:cTn id="58" dur="2000" fill="hold"/>
+                                        <p:tgtEl>
+                                          <p:spTgt spid="34"/>
+                                        </p:tgtEl>
+                                        <p:attrNameLst>
+                                          <p:attrName>fill.on</p:attrName>
+                                        </p:attrNameLst>
+                                      </p:cBhvr>
+                                      <p:to>
+                                        <p:strVal val="true"/>
+                                      </p:to>
+                                    </p:set>
+                                  </p:childTnLst>
+                                </p:cTn>
+                              </p:par>
+                              <p:par>
+                                <p:cTn id="59" presetID="1" presetClass="emph" presetSubtype="2" fill="hold" nodeType="withEffect">
+                                  <p:stCondLst>
+                                    <p:cond delay="0"/>
+                                  </p:stCondLst>
+                                  <p:childTnLst>
+                                    <p:animClr clrSpc="rgb">
+                                      <p:cBhvr>
+                                        <p:cTn id="60" dur="2000" fill="hold"/>
+                                        <p:tgtEl>
+                                          <p:spTgt spid="25"/>
+                                        </p:tgtEl>
+                                        <p:attrNameLst>
+                                          <p:attrName>fillcolor</p:attrName>
+                                        </p:attrNameLst>
+                                      </p:cBhvr>
+                                      <p:to>
+                                        <a:schemeClr val="bg1"/>
+                                      </p:to>
+                                    </p:animClr>
+                                    <p:set>
+                                      <p:cBhvr>
+                                        <p:cTn id="61" dur="2000" fill="hold"/>
+                                        <p:tgtEl>
+                                          <p:spTgt spid="25"/>
+                                        </p:tgtEl>
+                                        <p:attrNameLst>
+                                          <p:attrName>fill.type</p:attrName>
+                                        </p:attrNameLst>
+                                      </p:cBhvr>
+                                      <p:to>
+                                        <p:strVal val="solid"/>
+                                      </p:to>
+                                    </p:set>
+                                    <p:set>
+                                      <p:cBhvr>
+                                        <p:cTn id="62" dur="2000" fill="hold"/>
+                                        <p:tgtEl>
+                                          <p:spTgt spid="25"/>
+                                        </p:tgtEl>
+                                        <p:attrNameLst>
+                                          <p:attrName>fill.on</p:attrName>
+                                        </p:attrNameLst>
+                                      </p:cBhvr>
+                                      <p:to>
+                                        <p:strVal val="true"/>
+                                      </p:to>
+                                    </p:set>
+                                  </p:childTnLst>
+                                </p:cTn>
+                              </p:par>
+                            </p:childTnLst>
+                          </p:cTn>
+                        </p:par>
+                      </p:childTnLst>
+                    </p:cTn>
+                  </p:par>
+                  <p:par>
+                    <p:cTn id="63" fill="hold">
+                      <p:stCondLst>
+                        <p:cond delay="indefinite"/>
+                      </p:stCondLst>
+                      <p:childTnLst>
+                        <p:par>
+                          <p:cTn id="64" fill="hold">
+                            <p:stCondLst>
+                              <p:cond delay="0"/>
+                            </p:stCondLst>
+                            <p:childTnLst>
+                              <p:par>
+                                <p:cTn id="65" presetID="1" presetClass="emph" presetSubtype="2" fill="hold" nodeType="clickEffect">
+                                  <p:stCondLst>
+                                    <p:cond delay="0"/>
+                                  </p:stCondLst>
+                                  <p:childTnLst>
+                                    <p:animClr clrSpc="rgb">
+                                      <p:cBhvr>
+                                        <p:cTn id="66" dur="2000" fill="hold"/>
+                                        <p:tgtEl>
+                                          <p:spTgt spid="26"/>
+                                        </p:tgtEl>
+                                        <p:attrNameLst>
+                                          <p:attrName>fillcolor</p:attrName>
+                                        </p:attrNameLst>
+                                      </p:cBhvr>
+                                      <p:to>
+                                        <a:schemeClr val="accent2"/>
+                                      </p:to>
+                                    </p:animClr>
+                                    <p:set>
+                                      <p:cBhvr>
+                                        <p:cTn id="67" dur="2000" fill="hold"/>
+                                        <p:tgtEl>
+                                          <p:spTgt spid="26"/>
+                                        </p:tgtEl>
+                                        <p:attrNameLst>
+                                          <p:attrName>fill.type</p:attrName>
+                                        </p:attrNameLst>
+                                      </p:cBhvr>
+                                      <p:to>
+                                        <p:strVal val="solid"/>
+                                      </p:to>
+                                    </p:set>
+                                    <p:set>
+                                      <p:cBhvr>
+                                        <p:cTn id="68" dur="2000" fill="hold"/>
+                                        <p:tgtEl>
+                                          <p:spTgt spid="26"/>
+                                        </p:tgtEl>
+                                        <p:attrNameLst>
+                                          <p:attrName>fill.on</p:attrName>
+                                        </p:attrNameLst>
+                                      </p:cBhvr>
+                                      <p:to>
+                                        <p:strVal val="true"/>
+                                      </p:to>
+                                    </p:set>
+                                  </p:childTnLst>
+                                </p:cTn>
+                              </p:par>
+                            </p:childTnLst>
+                          </p:cTn>
+                        </p:par>
+                      </p:childTnLst>
+                    </p:cTn>
+                  </p:par>
+                  <p:par>
+                    <p:cTn id="69" fill="hold">
+                      <p:stCondLst>
+                        <p:cond delay="indefinite"/>
+                      </p:stCondLst>
+                      <p:childTnLst>
+                        <p:par>
+                          <p:cTn id="70" fill="hold">
+                            <p:stCondLst>
+                              <p:cond delay="0"/>
+                            </p:stCondLst>
+                            <p:childTnLst>
+                              <p:par>
+                                <p:cTn id="71" presetID="1" presetClass="emph" presetSubtype="2" fill="hold" nodeType="clickEffect">
+                                  <p:stCondLst>
+                                    <p:cond delay="0"/>
+                                  </p:stCondLst>
+                                  <p:childTnLst>
+                                    <p:animClr clrSpc="rgb">
+                                      <p:cBhvr>
+                                        <p:cTn id="72" dur="2000" fill="hold"/>
+                                        <p:tgtEl>
+                                          <p:spTgt spid="30"/>
+                                        </p:tgtEl>
+                                        <p:attrNameLst>
+                                          <p:attrName>fillcolor</p:attrName>
+                                        </p:attrNameLst>
+                                      </p:cBhvr>
+                                      <p:to>
+                                        <a:schemeClr val="accent2"/>
+                                      </p:to>
+                                    </p:animClr>
+                                    <p:set>
+                                      <p:cBhvr>
+                                        <p:cTn id="73" dur="2000" fill="hold"/>
+                                        <p:tgtEl>
+                                          <p:spTgt spid="30"/>
+                                        </p:tgtEl>
+                                        <p:attrNameLst>
+                                          <p:attrName>fill.type</p:attrName>
+                                        </p:attrNameLst>
+                                      </p:cBhvr>
+                                      <p:to>
+                                        <p:strVal val="solid"/>
+                                      </p:to>
+                                    </p:set>
+                                    <p:set>
+                                      <p:cBhvr>
+                                        <p:cTn id="74" dur="2000" fill="hold"/>
+                                        <p:tgtEl>
+                                          <p:spTgt spid="30"/>
+                                        </p:tgtEl>
+                                        <p:attrNameLst>
+                                          <p:attrName>fill.on</p:attrName>
+                                        </p:attrNameLst>
+                                      </p:cBhvr>
+                                      <p:to>
+                                        <p:strVal val="true"/>
+                                      </p:to>
+                                    </p:set>
+                                  </p:childTnLst>
+                                </p:cTn>
+                              </p:par>
+                            </p:childTnLst>
+                          </p:cTn>
+                        </p:par>
+                      </p:childTnLst>
+                    </p:cTn>
+                  </p:par>
+                  <p:par>
+                    <p:cTn id="75" fill="hold">
+                      <p:stCondLst>
+                        <p:cond delay="indefinite"/>
+                      </p:stCondLst>
+                      <p:childTnLst>
+                        <p:par>
+                          <p:cTn id="76" fill="hold">
+                            <p:stCondLst>
+                              <p:cond delay="0"/>
+                            </p:stCondLst>
+                            <p:childTnLst>
+                              <p:par>
+                                <p:cTn id="77" presetID="1" presetClass="emph" presetSubtype="2" fill="hold" nodeType="clickEffect">
+                                  <p:stCondLst>
+                                    <p:cond delay="0"/>
+                                  </p:stCondLst>
+                                  <p:childTnLst>
+                                    <p:animClr clrSpc="rgb">
+                                      <p:cBhvr>
+                                        <p:cTn id="78" dur="2000" fill="hold"/>
+                                        <p:tgtEl>
+                                          <p:spTgt spid="29"/>
+                                        </p:tgtEl>
+                                        <p:attrNameLst>
+                                          <p:attrName>fillcolor</p:attrName>
+                                        </p:attrNameLst>
+                                      </p:cBhvr>
+                                      <p:to>
+                                        <a:schemeClr val="accent2"/>
+                                      </p:to>
+                                    </p:animClr>
+                                    <p:set>
+                                      <p:cBhvr>
+                                        <p:cTn id="79" dur="2000" fill="hold"/>
+                                        <p:tgtEl>
+                                          <p:spTgt spid="29"/>
+                                        </p:tgtEl>
+                                        <p:attrNameLst>
+                                          <p:attrName>fill.type</p:attrName>
+                                        </p:attrNameLst>
+                                      </p:cBhvr>
+                                      <p:to>
+                                        <p:strVal val="solid"/>
+                                      </p:to>
+                                    </p:set>
+                                    <p:set>
+                                      <p:cBhvr>
+                                        <p:cTn id="80" dur="2000" fill="hold"/>
+                                        <p:tgtEl>
+                                          <p:spTgt spid="29"/>
+                                        </p:tgtEl>
+                                        <p:attrNameLst>
+                                          <p:attrName>fill.on</p:attrName>
+                                        </p:attrNameLst>
+                                      </p:cBhvr>
+                                      <p:to>
+                                        <p:strVal val="true"/>
+                                      </p:to>
+                                    </p:set>
+                                  </p:childTnLst>
+                                </p:cTn>
+                              </p:par>
+                            </p:childTnLst>
+                          </p:cTn>
+                        </p:par>
+                      </p:childTnLst>
+                    </p:cTn>
+                  </p:par>
+                  <p:par>
+                    <p:cTn id="81" fill="hold">
+                      <p:stCondLst>
+                        <p:cond delay="indefinite"/>
+                      </p:stCondLst>
+                      <p:childTnLst>
+                        <p:par>
+                          <p:cTn id="82" fill="hold">
+                            <p:stCondLst>
+                              <p:cond delay="0"/>
+                            </p:stCondLst>
+                            <p:childTnLst>
+                              <p:par>
+                                <p:cTn id="83" presetID="1" presetClass="emph" presetSubtype="2" fill="hold" nodeType="clickEffect">
+                                  <p:stCondLst>
+                                    <p:cond delay="0"/>
+                                  </p:stCondLst>
+                                  <p:childTnLst>
+                                    <p:animClr clrSpc="rgb">
+                                      <p:cBhvr>
+                                        <p:cTn id="84" dur="2000" fill="hold"/>
+                                        <p:tgtEl>
+                                          <p:spTgt spid="29"/>
+                                        </p:tgtEl>
+                                        <p:attrNameLst>
+                                          <p:attrName>fillcolor</p:attrName>
+                                        </p:attrNameLst>
+                                      </p:cBhvr>
+                                      <p:to>
+                                        <a:schemeClr val="bg1"/>
+                                      </p:to>
+                                    </p:animClr>
+                                    <p:set>
+                                      <p:cBhvr>
+                                        <p:cTn id="85" dur="2000" fill="hold"/>
+                                        <p:tgtEl>
+                                          <p:spTgt spid="29"/>
+                                        </p:tgtEl>
+                                        <p:attrNameLst>
+                                          <p:attrName>fill.type</p:attrName>
+                                        </p:attrNameLst>
+                                      </p:cBhvr>
+                                      <p:to>
+                                        <p:strVal val="solid"/>
+                                      </p:to>
+                                    </p:set>
+                                    <p:set>
+                                      <p:cBhvr>
+                                        <p:cTn id="86" dur="2000" fill="hold"/>
+                                        <p:tgtEl>
+                                          <p:spTgt spid="29"/>
+                                        </p:tgtEl>
+                                        <p:attrNameLst>
+                                          <p:attrName>fill.on</p:attrName>
+                                        </p:attrNameLst>
+                                      </p:cBhvr>
+                                      <p:to>
+                                        <p:strVal val="true"/>
+                                      </p:to>
+                                    </p:set>
+                                  </p:childTnLst>
+                                </p:cTn>
+                              </p:par>
+                            </p:childTnLst>
+                          </p:cTn>
+                        </p:par>
+                        <p:par>
+                          <p:cTn id="87" fill="hold">
+                            <p:stCondLst>
+                              <p:cond delay="2000"/>
+                            </p:stCondLst>
+                            <p:childTnLst>
+                              <p:par>
+                                <p:cTn id="88" presetID="1" presetClass="emph" presetSubtype="2" fill="hold" nodeType="afterEffect">
+                                  <p:stCondLst>
+                                    <p:cond delay="0"/>
+                                  </p:stCondLst>
+                                  <p:childTnLst>
+                                    <p:animClr clrSpc="rgb">
+                                      <p:cBhvr>
+                                        <p:cTn id="89" dur="2000" fill="hold"/>
+                                        <p:tgtEl>
+                                          <p:spTgt spid="26"/>
+                                        </p:tgtEl>
+                                        <p:attrNameLst>
+                                          <p:attrName>fillcolor</p:attrName>
+                                        </p:attrNameLst>
+                                      </p:cBhvr>
+                                      <p:to>
+                                        <a:schemeClr val="bg1"/>
+                                      </p:to>
+                                    </p:animClr>
+                                    <p:set>
+                                      <p:cBhvr>
+                                        <p:cTn id="90" dur="2000" fill="hold"/>
+                                        <p:tgtEl>
+                                          <p:spTgt spid="26"/>
+                                        </p:tgtEl>
+                                        <p:attrNameLst>
+                                          <p:attrName>fill.type</p:attrName>
+                                        </p:attrNameLst>
+                                      </p:cBhvr>
+                                      <p:to>
+                                        <p:strVal val="solid"/>
+                                      </p:to>
+                                    </p:set>
+                                    <p:set>
+                                      <p:cBhvr>
+                                        <p:cTn id="91" dur="2000" fill="hold"/>
+                                        <p:tgtEl>
+                                          <p:spTgt spid="26"/>
+                                        </p:tgtEl>
+                                        <p:attrNameLst>
+                                          <p:attrName>fill.on</p:attrName>
+                                        </p:attrNameLst>
+                                      </p:cBhvr>
+                                      <p:to>
+                                        <p:strVal val="true"/>
+                                      </p:to>
+                                    </p:set>
+                                  </p:childTnLst>
+                                </p:cTn>
+                              </p:par>
+                              <p:par>
+                                <p:cTn id="92" presetID="1" presetClass="emph" presetSubtype="2" fill="hold" nodeType="withEffect">
+                                  <p:stCondLst>
+                                    <p:cond delay="0"/>
+                                  </p:stCondLst>
+                                  <p:childTnLst>
+                                    <p:animClr clrSpc="rgb">
+                                      <p:cBhvr>
+                                        <p:cTn id="93" dur="2000" fill="hold"/>
+                                        <p:tgtEl>
+                                          <p:spTgt spid="34"/>
+                                        </p:tgtEl>
+                                        <p:attrNameLst>
+                                          <p:attrName>fillcolor</p:attrName>
+                                        </p:attrNameLst>
+                                      </p:cBhvr>
+                                      <p:to>
+                                        <a:schemeClr val="bg1"/>
+                                      </p:to>
+                                    </p:animClr>
+                                    <p:set>
+                                      <p:cBhvr>
+                                        <p:cTn id="94" dur="2000" fill="hold"/>
+                                        <p:tgtEl>
+                                          <p:spTgt spid="34"/>
+                                        </p:tgtEl>
+                                        <p:attrNameLst>
+                                          <p:attrName>fill.type</p:attrName>
+                                        </p:attrNameLst>
+                                      </p:cBhvr>
+                                      <p:to>
+                                        <p:strVal val="solid"/>
+                                      </p:to>
+                                    </p:set>
+                                    <p:set>
+                                      <p:cBhvr>
+                                        <p:cTn id="95" dur="2000" fill="hold"/>
+                                        <p:tgtEl>
+                                          <p:spTgt spid="34"/>
+                                        </p:tgtEl>
+                                        <p:attrNameLst>
+                                          <p:attrName>fill.on</p:attrName>
+                                        </p:attrNameLst>
+                                      </p:cBhvr>
+                                      <p:to>
+                                        <p:strVal val="true"/>
+                                      </p:to>
+                                    </p:set>
+                                  </p:childTnLst>
+                                </p:cTn>
+                              </p:par>
+                              <p:par>
+                                <p:cTn id="96" presetID="1" presetClass="emph" presetSubtype="2" fill="hold" nodeType="withEffect">
+                                  <p:stCondLst>
+                                    <p:cond delay="0"/>
+                                  </p:stCondLst>
+                                  <p:childTnLst>
+                                    <p:animClr clrSpc="rgb">
+                                      <p:cBhvr>
+                                        <p:cTn id="97" dur="2000" fill="hold"/>
+                                        <p:tgtEl>
+                                          <p:spTgt spid="30"/>
+                                        </p:tgtEl>
+                                        <p:attrNameLst>
+                                          <p:attrName>fillcolor</p:attrName>
+                                        </p:attrNameLst>
+                                      </p:cBhvr>
+                                      <p:to>
+                                        <a:schemeClr val="bg1"/>
+                                      </p:to>
+                                    </p:animClr>
+                                    <p:set>
+                                      <p:cBhvr>
+                                        <p:cTn id="98" dur="2000" fill="hold"/>
+                                        <p:tgtEl>
+                                          <p:spTgt spid="30"/>
+                                        </p:tgtEl>
+                                        <p:attrNameLst>
+                                          <p:attrName>fill.type</p:attrName>
+                                        </p:attrNameLst>
+                                      </p:cBhvr>
+                                      <p:to>
+                                        <p:strVal val="solid"/>
+                                      </p:to>
+                                    </p:set>
+                                    <p:set>
+                                      <p:cBhvr>
+                                        <p:cTn id="99" dur="2000" fill="hold"/>
+                                        <p:tgtEl>
+                                          <p:spTgt spid="30"/>
+                                        </p:tgtEl>
+                                        <p:attrNameLst>
+                                          <p:attrName>fill.on</p:attrName>
+                                        </p:attrNameLst>
+                                      </p:cBhvr>
+                                      <p:to>
+                                        <p:strVal val="true"/>
+                                      </p:to>
+                                    </p:set>
+                                  </p:childTnLst>
+                                </p:cTn>
+                              </p:par>
+                              <p:par>
+                                <p:cTn id="100" presetID="1" presetClass="emph" presetSubtype="2" fill="hold" nodeType="withEffect">
+                                  <p:stCondLst>
+                                    <p:cond delay="0"/>
+                                  </p:stCondLst>
+                                  <p:childTnLst>
+                                    <p:animClr clrSpc="rgb">
+                                      <p:cBhvr>
+                                        <p:cTn id="101" dur="2000" fill="hold"/>
+                                        <p:tgtEl>
+                                          <p:spTgt spid="32"/>
+                                        </p:tgtEl>
+                                        <p:attrNameLst>
+                                          <p:attrName>fillcolor</p:attrName>
+                                        </p:attrNameLst>
+                                      </p:cBhvr>
+                                      <p:to>
+                                        <a:schemeClr val="accent2"/>
+                                      </p:to>
+                                    </p:animClr>
+                                    <p:set>
+                                      <p:cBhvr>
+                                        <p:cTn id="102" dur="2000" fill="hold"/>
+                                        <p:tgtEl>
+                                          <p:spTgt spid="32"/>
+                                        </p:tgtEl>
+                                        <p:attrNameLst>
+                                          <p:attrName>fill.type</p:attrName>
+                                        </p:attrNameLst>
+                                      </p:cBhvr>
+                                      <p:to>
+                                        <p:strVal val="solid"/>
+                                      </p:to>
+                                    </p:set>
+                                    <p:set>
+                                      <p:cBhvr>
+                                        <p:cTn id="103" dur="2000" fill="hold"/>
+                                        <p:tgtEl>
+                                          <p:spTgt spid="32"/>
+                                        </p:tgtEl>
+                                        <p:attrNameLst>
+                                          <p:attrName>fill.on</p:attrName>
+                                        </p:attrNameLst>
+                                      </p:cBhvr>
+                                      <p:to>
+                                        <p:strVal val="true"/>
+                                      </p:to>
+                                    </p:set>
+                                  </p:childTnLst>
+                                </p:cTn>
+                              </p:par>
+                            </p:childTnLst>
+                          </p:cTn>
+                        </p:par>
+                      </p:childTnLst>
+                    </p:cTn>
+                  </p:par>
+                  <p:par>
+                    <p:cTn id="104" fill="hold">
+                      <p:stCondLst>
+                        <p:cond delay="indefinite"/>
+                      </p:stCondLst>
+                      <p:childTnLst>
+                        <p:par>
+                          <p:cTn id="105" fill="hold">
+                            <p:stCondLst>
+                              <p:cond delay="0"/>
+                            </p:stCondLst>
+                            <p:childTnLst>
+                              <p:par>
+                                <p:cTn id="106" presetID="1" presetClass="emph" presetSubtype="2" fill="hold" nodeType="clickEffect">
+                                  <p:stCondLst>
+                                    <p:cond delay="0"/>
+                                  </p:stCondLst>
+                                  <p:childTnLst>
+                                    <p:animClr clrSpc="rgb">
+                                      <p:cBhvr>
+                                        <p:cTn id="107" dur="2000" fill="hold"/>
+                                        <p:tgtEl>
+                                          <p:spTgt spid="31"/>
+                                        </p:tgtEl>
+                                        <p:attrNameLst>
+                                          <p:attrName>fillcolor</p:attrName>
+                                        </p:attrNameLst>
+                                      </p:cBhvr>
+                                      <p:to>
+                                        <a:schemeClr val="accent2"/>
+                                      </p:to>
+                                    </p:animClr>
+                                    <p:set>
+                                      <p:cBhvr>
+                                        <p:cTn id="108" dur="2000" fill="hold"/>
+                                        <p:tgtEl>
+                                          <p:spTgt spid="31"/>
+                                        </p:tgtEl>
+                                        <p:attrNameLst>
+                                          <p:attrName>fill.type</p:attrName>
+                                        </p:attrNameLst>
+                                      </p:cBhvr>
+                                      <p:to>
+                                        <p:strVal val="solid"/>
+                                      </p:to>
+                                    </p:set>
+                                    <p:set>
+                                      <p:cBhvr>
+                                        <p:cTn id="109" dur="2000" fill="hold"/>
+                                        <p:tgtEl>
+                                          <p:spTgt spid="31"/>
+                                        </p:tgtEl>
+                                        <p:attrNameLst>
+                                          <p:attrName>fill.on</p:attrName>
+                                        </p:attrNameLst>
+                                      </p:cBhvr>
+                                      <p:to>
+                                        <p:strVal val="true"/>
+                                      </p:to>
+                                    </p:set>
+                                  </p:childTnLst>
+                                </p:cTn>
+                              </p:par>
+                            </p:childTnLst>
+                          </p:cTn>
+                        </p:par>
+                      </p:childTnLst>
+                    </p:cTn>
+                  </p:par>
+                  <p:par>
+                    <p:cTn id="110" fill="hold">
+                      <p:stCondLst>
+                        <p:cond delay="indefinite"/>
+                      </p:stCondLst>
+                      <p:childTnLst>
+                        <p:par>
+                          <p:cTn id="111" fill="hold">
+                            <p:stCondLst>
+                              <p:cond delay="0"/>
+                            </p:stCondLst>
+                            <p:childTnLst>
+                              <p:par>
+                                <p:cTn id="112" presetID="1" presetClass="emph" presetSubtype="2" fill="hold" nodeType="clickEffect">
+                                  <p:stCondLst>
+                                    <p:cond delay="0"/>
+                                  </p:stCondLst>
+                                  <p:childTnLst>
+                                    <p:animClr clrSpc="rgb">
+                                      <p:cBhvr>
+                                        <p:cTn id="113" dur="2000" fill="hold"/>
+                                        <p:tgtEl>
+                                          <p:spTgt spid="28"/>
+                                        </p:tgtEl>
+                                        <p:attrNameLst>
+                                          <p:attrName>fillcolor</p:attrName>
+                                        </p:attrNameLst>
+                                      </p:cBhvr>
+                                      <p:to>
+                                        <a:schemeClr val="accent2"/>
+                                      </p:to>
+                                    </p:animClr>
+                                    <p:set>
+                                      <p:cBhvr>
+                                        <p:cTn id="114" dur="2000" fill="hold"/>
+                                        <p:tgtEl>
+                                          <p:spTgt spid="28"/>
+                                        </p:tgtEl>
+                                        <p:attrNameLst>
+                                          <p:attrName>fill.type</p:attrName>
+                                        </p:attrNameLst>
+                                      </p:cBhvr>
+                                      <p:to>
+                                        <p:strVal val="solid"/>
+                                      </p:to>
+                                    </p:set>
+                                    <p:set>
+                                      <p:cBhvr>
+                                        <p:cTn id="115" dur="2000" fill="hold"/>
+                                        <p:tgtEl>
+                                          <p:spTgt spid="28"/>
+                                        </p:tgtEl>
+                                        <p:attrNameLst>
+                                          <p:attrName>fill.on</p:attrName>
+                                        </p:attrNameLst>
+                                      </p:cBhvr>
+                                      <p:to>
+                                        <p:strVal val="true"/>
+                                      </p:to>
+                                    </p:set>
+                                  </p:childTnLst>
+                                </p:cTn>
+                              </p:par>
+                            </p:childTnLst>
+                          </p:cTn>
+                        </p:par>
+                      </p:childTnLst>
+                    </p:cTn>
+                  </p:par>
+                  <p:par>
+                    <p:cTn id="116" fill="hold">
+                      <p:stCondLst>
+                        <p:cond delay="indefinite"/>
+                      </p:stCondLst>
+                      <p:childTnLst>
+                        <p:par>
+                          <p:cTn id="117" fill="hold">
+                            <p:stCondLst>
+                              <p:cond delay="0"/>
+                            </p:stCondLst>
+                            <p:childTnLst>
+                              <p:par>
+                                <p:cTn id="118" presetID="1" presetClass="emph" presetSubtype="2" fill="hold" nodeType="clickEffect">
+                                  <p:stCondLst>
+                                    <p:cond delay="0"/>
+                                  </p:stCondLst>
+                                  <p:childTnLst>
+                                    <p:animClr clrSpc="rgb">
+                                      <p:cBhvr>
+                                        <p:cTn id="119" dur="2000" fill="hold"/>
+                                        <p:tgtEl>
+                                          <p:spTgt spid="32"/>
+                                        </p:tgtEl>
+                                        <p:attrNameLst>
+                                          <p:attrName>fillcolor</p:attrName>
+                                        </p:attrNameLst>
+                                      </p:cBhvr>
+                                      <p:to>
+                                        <a:schemeClr val="accent2"/>
+                                      </p:to>
+                                    </p:animClr>
+                                    <p:set>
+                                      <p:cBhvr>
+                                        <p:cTn id="120" dur="2000" fill="hold"/>
+                                        <p:tgtEl>
+                                          <p:spTgt spid="32"/>
+                                        </p:tgtEl>
+                                        <p:attrNameLst>
+                                          <p:attrName>fill.type</p:attrName>
+                                        </p:attrNameLst>
+                                      </p:cBhvr>
+                                      <p:to>
+                                        <p:strVal val="solid"/>
+                                      </p:to>
+                                    </p:set>
+                                    <p:set>
+                                      <p:cBhvr>
+                                        <p:cTn id="121" dur="2000" fill="hold"/>
+                                        <p:tgtEl>
+                                          <p:spTgt spid="32"/>
+                                        </p:tgtEl>
+                                        <p:attrNameLst>
+                                          <p:attrName>fill.on</p:attrName>
+                                        </p:attrNameLst>
+                                      </p:cBhvr>
+                                      <p:to>
+                                        <p:strVal val="true"/>
+                                      </p:to>
+                                    </p:set>
+                                  </p:childTnLst>
+                                </p:cTn>
+                              </p:par>
+                            </p:childTnLst>
+                          </p:cTn>
+                        </p:par>
+                      </p:childTnLst>
+                    </p:cTn>
+                  </p:par>
+                  <p:par>
+                    <p:cTn id="122" fill="hold">
+                      <p:stCondLst>
+                        <p:cond delay="indefinite"/>
+                      </p:stCondLst>
+                      <p:childTnLst>
+                        <p:par>
+                          <p:cTn id="123" fill="hold">
+                            <p:stCondLst>
+                              <p:cond delay="0"/>
+                            </p:stCondLst>
+                            <p:childTnLst>
+                              <p:par>
+                                <p:cTn id="124" presetID="1" presetClass="emph" presetSubtype="2" fill="hold" nodeType="clickEffect">
+                                  <p:stCondLst>
+                                    <p:cond delay="0"/>
+                                  </p:stCondLst>
+                                  <p:childTnLst>
+                                    <p:animClr clrSpc="rgb">
+                                      <p:cBhvr>
+                                        <p:cTn id="125" dur="2000" fill="hold"/>
+                                        <p:tgtEl>
+                                          <p:spTgt spid="29"/>
+                                        </p:tgtEl>
+                                        <p:attrNameLst>
+                                          <p:attrName>fillcolor</p:attrName>
+                                        </p:attrNameLst>
+                                      </p:cBhvr>
+                                      <p:to>
+                                        <a:schemeClr val="accent2"/>
+                                      </p:to>
+                                    </p:animClr>
+                                    <p:set>
+                                      <p:cBhvr>
+                                        <p:cTn id="126" dur="2000" fill="hold"/>
+                                        <p:tgtEl>
+                                          <p:spTgt spid="29"/>
+                                        </p:tgtEl>
+                                        <p:attrNameLst>
+                                          <p:attrName>fill.type</p:attrName>
+                                        </p:attrNameLst>
+                                      </p:cBhvr>
+                                      <p:to>
+                                        <p:strVal val="solid"/>
+                                      </p:to>
+                                    </p:set>
+                                    <p:set>
+                                      <p:cBhvr>
+                                        <p:cTn id="127" dur="2000" fill="hold"/>
+                                        <p:tgtEl>
+                                          <p:spTgt spid="29"/>
+                                        </p:tgtEl>
+                                        <p:attrNameLst>
+                                          <p:attrName>fill.on</p:attrName>
+                                        </p:attrNameLst>
+                                      </p:cBhvr>
+                                      <p:to>
+                                        <p:strVal val="true"/>
+                                      </p:to>
+                                    </p:set>
+                                  </p:childTnLst>
+                                </p:cTn>
+                              </p:par>
+                            </p:childTnLst>
+                          </p:cTn>
+                        </p:par>
+                      </p:childTnLst>
+                    </p:cTn>
+                  </p:par>
+                  <p:par>
+                    <p:cTn id="128" fill="hold">
+                      <p:stCondLst>
+                        <p:cond delay="indefinite"/>
+                      </p:stCondLst>
+                      <p:childTnLst>
+                        <p:par>
+                          <p:cTn id="129" fill="hold">
+                            <p:stCondLst>
+                              <p:cond delay="0"/>
+                            </p:stCondLst>
+                            <p:childTnLst>
+                              <p:par>
+                                <p:cTn id="130" presetID="1" presetClass="emph" presetSubtype="2" fill="hold" nodeType="clickEffect">
+                                  <p:stCondLst>
+                                    <p:cond delay="0"/>
+                                  </p:stCondLst>
+                                  <p:childTnLst>
+                                    <p:animClr clrSpc="rgb">
+                                      <p:cBhvr>
+                                        <p:cTn id="131" dur="2000" fill="hold"/>
+                                        <p:tgtEl>
+                                          <p:spTgt spid="23"/>
+                                        </p:tgtEl>
+                                        <p:attrNameLst>
+                                          <p:attrName>fillcolor</p:attrName>
+                                        </p:attrNameLst>
+                                      </p:cBhvr>
+                                      <p:to>
+                                        <a:schemeClr val="accent2"/>
+                                      </p:to>
+                                    </p:animClr>
+                                    <p:set>
+                                      <p:cBhvr>
+                                        <p:cTn id="132" dur="2000" fill="hold"/>
+                                        <p:tgtEl>
+                                          <p:spTgt spid="23"/>
+                                        </p:tgtEl>
+                                        <p:attrNameLst>
+                                          <p:attrName>fill.type</p:attrName>
+                                        </p:attrNameLst>
+                                      </p:cBhvr>
+                                      <p:to>
+                                        <p:strVal val="solid"/>
+                                      </p:to>
+                                    </p:set>
+                                    <p:set>
+                                      <p:cBhvr>
+                                        <p:cTn id="133" dur="2000" fill="hold"/>
+                                        <p:tgtEl>
+                                          <p:spTgt spid="23"/>
+                                        </p:tgtEl>
+                                        <p:attrNameLst>
+                                          <p:attrName>fill.on</p:attrName>
+                                        </p:attrNameLst>
+                                      </p:cBhvr>
+                                      <p:to>
+                                        <p:strVal val="true"/>
+                                      </p:to>
+                                    </p:set>
+                                  </p:childTnLst>
+                                </p:cTn>
+                              </p:par>
+                              <p:par>
+                                <p:cTn id="134" presetID="1" presetClass="emph" presetSubtype="2" fill="hold" nodeType="withEffect">
+                                  <p:stCondLst>
+                                    <p:cond delay="0"/>
+                                  </p:stCondLst>
+                                  <p:childTnLst>
+                                    <p:animClr clrSpc="rgb">
+                                      <p:cBhvr>
+                                        <p:cTn id="135" dur="2000" fill="hold"/>
+                                        <p:tgtEl>
+                                          <p:spTgt spid="31"/>
+                                        </p:tgtEl>
+                                        <p:attrNameLst>
+                                          <p:attrName>fillcolor</p:attrName>
+                                        </p:attrNameLst>
+                                      </p:cBhvr>
+                                      <p:to>
+                                        <a:schemeClr val="bg1"/>
+                                      </p:to>
+                                    </p:animClr>
+                                    <p:set>
+                                      <p:cBhvr>
+                                        <p:cTn id="136" dur="2000" fill="hold"/>
+                                        <p:tgtEl>
+                                          <p:spTgt spid="31"/>
+                                        </p:tgtEl>
+                                        <p:attrNameLst>
+                                          <p:attrName>fill.type</p:attrName>
+                                        </p:attrNameLst>
+                                      </p:cBhvr>
+                                      <p:to>
+                                        <p:strVal val="solid"/>
+                                      </p:to>
+                                    </p:set>
+                                    <p:set>
+                                      <p:cBhvr>
+                                        <p:cTn id="137" dur="2000" fill="hold"/>
+                                        <p:tgtEl>
+                                          <p:spTgt spid="31"/>
+                                        </p:tgtEl>
+                                        <p:attrNameLst>
+                                          <p:attrName>fill.on</p:attrName>
+                                        </p:attrNameLst>
+                                      </p:cBhvr>
+                                      <p:to>
+                                        <p:strVal val="true"/>
+                                      </p:to>
+                                    </p:set>
+                                  </p:childTnLst>
+                                </p:cTn>
+                              </p:par>
+                              <p:par>
+                                <p:cTn id="138" presetID="1" presetClass="emph" presetSubtype="2" fill="hold" nodeType="withEffect">
+                                  <p:stCondLst>
+                                    <p:cond delay="0"/>
+                                  </p:stCondLst>
+                                  <p:childTnLst>
+                                    <p:animClr clrSpc="rgb">
+                                      <p:cBhvr>
+                                        <p:cTn id="139" dur="2000" fill="hold"/>
+                                        <p:tgtEl>
+                                          <p:spTgt spid="29"/>
+                                        </p:tgtEl>
+                                        <p:attrNameLst>
+                                          <p:attrName>fillcolor</p:attrName>
+                                        </p:attrNameLst>
+                                      </p:cBhvr>
+                                      <p:to>
+                                        <a:schemeClr val="bg1"/>
+                                      </p:to>
+                                    </p:animClr>
+                                    <p:set>
+                                      <p:cBhvr>
+                                        <p:cTn id="140" dur="2000" fill="hold"/>
+                                        <p:tgtEl>
+                                          <p:spTgt spid="29"/>
+                                        </p:tgtEl>
+                                        <p:attrNameLst>
+                                          <p:attrName>fill.type</p:attrName>
+                                        </p:attrNameLst>
+                                      </p:cBhvr>
+                                      <p:to>
+                                        <p:strVal val="solid"/>
+                                      </p:to>
+                                    </p:set>
+                                    <p:set>
+                                      <p:cBhvr>
+                                        <p:cTn id="141" dur="2000" fill="hold"/>
+                                        <p:tgtEl>
+                                          <p:spTgt spid="29"/>
+                                        </p:tgtEl>
+                                        <p:attrNameLst>
+                                          <p:attrName>fill.on</p:attrName>
+                                        </p:attrNameLst>
+                                      </p:cBhvr>
+                                      <p:to>
+                                        <p:strVal val="true"/>
+                                      </p:to>
+                                    </p:set>
+                                  </p:childTnLst>
+                                </p:cTn>
+                              </p:par>
+                              <p:par>
+                                <p:cTn id="142" presetID="1" presetClass="emph" presetSubtype="2" fill="hold" nodeType="withEffect">
+                                  <p:stCondLst>
+                                    <p:cond delay="0"/>
+                                  </p:stCondLst>
+                                  <p:childTnLst>
+                                    <p:animClr clrSpc="rgb">
+                                      <p:cBhvr>
+                                        <p:cTn id="143" dur="2000" fill="hold"/>
+                                        <p:tgtEl>
+                                          <p:spTgt spid="28"/>
+                                        </p:tgtEl>
+                                        <p:attrNameLst>
+                                          <p:attrName>fillcolor</p:attrName>
+                                        </p:attrNameLst>
+                                      </p:cBhvr>
+                                      <p:to>
+                                        <a:schemeClr val="bg1"/>
+                                      </p:to>
+                                    </p:animClr>
+                                    <p:set>
+                                      <p:cBhvr>
+                                        <p:cTn id="144" dur="2000" fill="hold"/>
+                                        <p:tgtEl>
+                                          <p:spTgt spid="28"/>
+                                        </p:tgtEl>
+                                        <p:attrNameLst>
+                                          <p:attrName>fill.type</p:attrName>
+                                        </p:attrNameLst>
+                                      </p:cBhvr>
+                                      <p:to>
+                                        <p:strVal val="solid"/>
+                                      </p:to>
+                                    </p:set>
+                                    <p:set>
+                                      <p:cBhvr>
+                                        <p:cTn id="145" dur="2000" fill="hold"/>
                                         <p:tgtEl>
                                           <p:spTgt spid="28"/>
                                         </p:tgtEl>

--- a/doc/apresentacao_dissertacao.pptx
+++ b/doc/apresentacao_dissertacao.pptx
@@ -213,7 +213,7 @@
                   <c:v>89.797500000000127</c:v>
                 </c:pt>
                 <c:pt idx="4">
-                  <c:v>182.15730000000048</c:v>
+                  <c:v>182.15730000000067</c:v>
                 </c:pt>
                 <c:pt idx="5">
                   <c:v>179.49300000000002</c:v>
@@ -281,7 +281,7 @@
                   <c:v>89.800699999999992</c:v>
                 </c:pt>
                 <c:pt idx="4">
-                  <c:v>188.71559999999943</c:v>
+                  <c:v>188.71559999999923</c:v>
                 </c:pt>
                 <c:pt idx="5">
                   <c:v>179.62800000000001</c:v>
@@ -343,7 +343,7 @@
                   <c:v>91.667400000000001</c:v>
                 </c:pt>
                 <c:pt idx="2">
-                  <c:v>91.267200000000315</c:v>
+                  <c:v>91.267200000000429</c:v>
                 </c:pt>
                 <c:pt idx="3">
                   <c:v>89.846400000000003</c:v>
@@ -358,11 +358,11 @@
             </c:numRef>
           </c:val>
         </c:ser>
-        <c:axId val="51344512"/>
-        <c:axId val="51346432"/>
+        <c:axId val="76653696"/>
+        <c:axId val="76655616"/>
       </c:barChart>
       <c:catAx>
-        <c:axId val="51344512"/>
+        <c:axId val="76653696"/>
         <c:scaling>
           <c:orientation val="minMax"/>
         </c:scaling>
@@ -387,21 +387,21 @@
             <c:manualLayout>
               <c:xMode val="edge"/>
               <c:yMode val="edge"/>
-              <c:x val="0.44432432805295063"/>
+              <c:x val="0.44432432805295152"/>
               <c:y val="0.88981208334873663"/>
             </c:manualLayout>
           </c:layout>
         </c:title>
         <c:numFmt formatCode="General" sourceLinked="1"/>
         <c:tickLblPos val="nextTo"/>
-        <c:crossAx val="51346432"/>
+        <c:crossAx val="76655616"/>
         <c:crosses val="autoZero"/>
         <c:auto val="1"/>
         <c:lblAlgn val="ctr"/>
         <c:lblOffset val="100"/>
       </c:catAx>
       <c:valAx>
-        <c:axId val="51346432"/>
+        <c:axId val="76655616"/>
         <c:scaling>
           <c:orientation val="minMax"/>
         </c:scaling>
@@ -428,13 +428,13 @@
               <c:xMode val="edge"/>
               <c:yMode val="edge"/>
               <c:x val="1.4212132813227503E-2"/>
-              <c:y val="0.33453895727822897"/>
+              <c:y val="0.33453895727822947"/>
             </c:manualLayout>
           </c:layout>
         </c:title>
         <c:numFmt formatCode="0.0" sourceLinked="0"/>
         <c:tickLblPos val="nextTo"/>
-        <c:crossAx val="51344512"/>
+        <c:crossAx val="76653696"/>
         <c:crosses val="autoZero"/>
         <c:crossBetween val="between"/>
       </c:valAx>
@@ -494,7 +494,7 @@
                 <c:formatCode>0.0000</c:formatCode>
                 <c:ptCount val="2"/>
                 <c:pt idx="0">
-                  <c:v>182.15730000000048</c:v>
+                  <c:v>182.15730000000067</c:v>
                 </c:pt>
                 <c:pt idx="1">
                   <c:v>179.49300000000002</c:v>
@@ -538,7 +538,7 @@
                 <c:formatCode>General</c:formatCode>
                 <c:ptCount val="2"/>
                 <c:pt idx="0">
-                  <c:v>188.71559999999943</c:v>
+                  <c:v>188.71559999999923</c:v>
                 </c:pt>
                 <c:pt idx="1">
                   <c:v>179.62800000000001</c:v>
@@ -591,11 +591,11 @@
             </c:numRef>
           </c:val>
         </c:ser>
-        <c:axId val="52421760"/>
-        <c:axId val="52423680"/>
+        <c:axId val="78402304"/>
+        <c:axId val="78404224"/>
       </c:barChart>
       <c:catAx>
-        <c:axId val="52421760"/>
+        <c:axId val="78402304"/>
         <c:scaling>
           <c:orientation val="minMax"/>
         </c:scaling>
@@ -620,14 +620,14 @@
         </c:title>
         <c:numFmt formatCode="General" sourceLinked="1"/>
         <c:tickLblPos val="nextTo"/>
-        <c:crossAx val="52423680"/>
+        <c:crossAx val="78404224"/>
         <c:crosses val="autoZero"/>
         <c:auto val="1"/>
         <c:lblAlgn val="ctr"/>
         <c:lblOffset val="100"/>
       </c:catAx>
       <c:valAx>
-        <c:axId val="52423680"/>
+        <c:axId val="78404224"/>
         <c:scaling>
           <c:orientation val="minMax"/>
         </c:scaling>
@@ -658,7 +658,7 @@
         </c:title>
         <c:numFmt formatCode="0.0" sourceLinked="0"/>
         <c:tickLblPos val="nextTo"/>
-        <c:crossAx val="52421760"/>
+        <c:crossAx val="78402304"/>
         <c:crosses val="autoZero"/>
         <c:crossBetween val="between"/>
       </c:valAx>
@@ -740,7 +740,7 @@
                   <c:v>0.13730000000000001</c:v>
                 </c:pt>
                 <c:pt idx="3">
-                  <c:v>3.6000000000000094E-3</c:v>
+                  <c:v>3.6000000000000142E-3</c:v>
                 </c:pt>
                 <c:pt idx="4">
                   <c:v>3.6003000000000012</c:v>
@@ -820,11 +820,11 @@
             </c:numRef>
           </c:val>
         </c:ser>
-        <c:axId val="51417088"/>
-        <c:axId val="51419008"/>
+        <c:axId val="82140544"/>
+        <c:axId val="82142720"/>
       </c:barChart>
       <c:catAx>
-        <c:axId val="51417088"/>
+        <c:axId val="82140544"/>
         <c:scaling>
           <c:orientation val="minMax"/>
         </c:scaling>
@@ -845,18 +845,17 @@
               </a:p>
             </c:rich>
           </c:tx>
-          <c:layout/>
         </c:title>
         <c:numFmt formatCode="General" sourceLinked="1"/>
         <c:tickLblPos val="nextTo"/>
-        <c:crossAx val="51419008"/>
+        <c:crossAx val="82142720"/>
         <c:crosses val="autoZero"/>
         <c:auto val="1"/>
         <c:lblAlgn val="ctr"/>
         <c:lblOffset val="100"/>
       </c:catAx>
       <c:valAx>
-        <c:axId val="51419008"/>
+        <c:axId val="82142720"/>
         <c:scaling>
           <c:orientation val="minMax"/>
         </c:scaling>
@@ -883,14 +882,14 @@
             <c:manualLayout>
               <c:xMode val="edge"/>
               <c:yMode val="edge"/>
-              <c:x val="0.31962265575324156"/>
-              <c:y val="3.2139286111066686E-4"/>
+              <c:x val="0.31962265575324234"/>
+              <c:y val="3.2139286111066751E-4"/>
             </c:manualLayout>
           </c:layout>
         </c:title>
         <c:numFmt formatCode="0.00" sourceLinked="0"/>
         <c:tickLblPos val="nextTo"/>
-        <c:crossAx val="51417088"/>
+        <c:crossAx val="82140544"/>
         <c:crosses val="autoZero"/>
         <c:crossBetween val="between"/>
       </c:valAx>
@@ -999,11 +998,11 @@
             </c:numRef>
           </c:val>
         </c:ser>
-        <c:axId val="51439488"/>
-        <c:axId val="53686272"/>
+        <c:axId val="82159104"/>
+        <c:axId val="82161024"/>
       </c:barChart>
       <c:catAx>
-        <c:axId val="51439488"/>
+        <c:axId val="82159104"/>
         <c:scaling>
           <c:orientation val="minMax"/>
         </c:scaling>
@@ -1024,18 +1023,17 @@
               </a:p>
             </c:rich>
           </c:tx>
-          <c:layout/>
         </c:title>
         <c:numFmt formatCode="General" sourceLinked="1"/>
         <c:tickLblPos val="nextTo"/>
-        <c:crossAx val="53686272"/>
+        <c:crossAx val="82161024"/>
         <c:crosses val="autoZero"/>
         <c:auto val="1"/>
         <c:lblAlgn val="ctr"/>
         <c:lblOffset val="100"/>
       </c:catAx>
       <c:valAx>
-        <c:axId val="53686272"/>
+        <c:axId val="82161024"/>
         <c:scaling>
           <c:orientation val="minMax"/>
         </c:scaling>
@@ -1043,14 +1041,13 @@
         <c:majorGridlines/>
         <c:numFmt formatCode="0.00" sourceLinked="0"/>
         <c:tickLblPos val="nextTo"/>
-        <c:crossAx val="51439488"/>
+        <c:crossAx val="82159104"/>
         <c:crosses val="autoZero"/>
         <c:crossBetween val="between"/>
       </c:valAx>
     </c:plotArea>
     <c:legend>
       <c:legendPos val="r"/>
-      <c:layout/>
     </c:legend>
     <c:plotVisOnly val="1"/>
     <c:dispBlanksAs val="gap"/>
@@ -1142,7 +1139,7 @@
             <a:fld id="{FBBBECB9-2F83-4596-B504-AC1E375931CE}" type="datetimeFigureOut">
               <a:rPr lang="pt-PT" smtClean="0"/>
               <a:pPr/>
-              <a:t>15-12-2011</a:t>
+              <a:t>19-12-2011</a:t>
             </a:fld>
             <a:endParaRPr lang="pt-PT"/>
           </a:p>
@@ -1218,7 +1215,7 @@
     </p:spTree>
     <p:extLst>
       <p:ext uri="{BB962C8B-B14F-4D97-AF65-F5344CB8AC3E}">
-        <p14:creationId xmlns:p14="http://schemas.microsoft.com/office/powerpoint/2010/main" xmlns="" val="3502731545"/>
+        <p14:creationId xmlns="" xmlns:p14="http://schemas.microsoft.com/office/powerpoint/2010/main" val="3502731545"/>
       </p:ext>
     </p:extLst>
   </p:cSld>
@@ -1309,7 +1306,7 @@
             <a:fld id="{9B5C831C-B110-4E4E-9FCE-53887ECEDBF7}" type="datetimeFigureOut">
               <a:rPr lang="pt-PT" smtClean="0"/>
               <a:pPr/>
-              <a:t>15-12-2011</a:t>
+              <a:t>19-12-2011</a:t>
             </a:fld>
             <a:endParaRPr lang="pt-PT"/>
           </a:p>
@@ -1480,7 +1477,7 @@
     </p:spTree>
     <p:extLst>
       <p:ext uri="{BB962C8B-B14F-4D97-AF65-F5344CB8AC3E}">
-        <p14:creationId xmlns:p14="http://schemas.microsoft.com/office/powerpoint/2010/main" xmlns="" val="1191317535"/>
+        <p14:creationId xmlns="" xmlns:p14="http://schemas.microsoft.com/office/powerpoint/2010/main" val="1191317535"/>
       </p:ext>
     </p:extLst>
   </p:cSld>
@@ -1626,6 +1623,58 @@
           </a:bodyPr>
           <a:lstStyle/>
           <a:p>
+            <a:pPr marL="0" marR="0" indent="0" algn="l" defTabSz="914400" rtl="0" eaLnBrk="1" fontAlgn="auto" latinLnBrk="0" hangingPunct="1">
+              <a:lnSpc>
+                <a:spcPct val="100000"/>
+              </a:lnSpc>
+              <a:spcBef>
+                <a:spcPts val="0"/>
+              </a:spcBef>
+              <a:spcAft>
+                <a:spcPts val="0"/>
+              </a:spcAft>
+              <a:buClrTx/>
+              <a:buSzTx/>
+              <a:buFontTx/>
+              <a:buNone/>
+              <a:tabLst/>
+              <a:defRPr/>
+            </a:pPr>
+            <a:r>
+              <a:rPr lang="pt-PT" sz="1200" kern="1200" dirty="0" smtClean="0">
+                <a:solidFill>
+                  <a:schemeClr val="tx1"/>
+                </a:solidFill>
+                <a:latin typeface="+mn-lt"/>
+                <a:ea typeface="+mn-ea"/>
+                <a:cs typeface="+mn-cs"/>
+              </a:rPr>
+              <a:t>Bom dia, venho apresentar a minha dissertação intitulada Captura de tráfego de rede de um processo com base no </a:t>
+            </a:r>
+            <a:r>
+              <a:rPr lang="pt-PT" sz="1200" kern="1200" dirty="0" err="1" smtClean="0">
+                <a:solidFill>
+                  <a:schemeClr val="tx1"/>
+                </a:solidFill>
+                <a:latin typeface="+mn-lt"/>
+                <a:ea typeface="+mn-ea"/>
+                <a:cs typeface="+mn-cs"/>
+              </a:rPr>
+              <a:t>PCap</a:t>
+            </a:r>
+            <a:r>
+              <a:rPr lang="pt-PT" sz="1200" kern="1200" dirty="0" smtClean="0">
+                <a:solidFill>
+                  <a:schemeClr val="tx1"/>
+                </a:solidFill>
+                <a:latin typeface="+mn-lt"/>
+                <a:ea typeface="+mn-ea"/>
+                <a:cs typeface="+mn-cs"/>
+              </a:rPr>
+              <a:t>.</a:t>
+            </a:r>
+          </a:p>
+          <a:p>
             <a:endParaRPr lang="pt-PT" baseline="0" dirty="0" smtClean="0"/>
           </a:p>
         </p:txBody>
@@ -1709,44 +1758,542 @@
           <a:lstStyle/>
           <a:p>
             <a:r>
-              <a:rPr lang="pt-PT" dirty="0" smtClean="0"/>
-              <a:t>Para</a:t>
-            </a:r>
-            <a:r>
-              <a:rPr lang="pt-PT" baseline="0" dirty="0" smtClean="0"/>
-              <a:t> que e </a:t>
-            </a:r>
-            <a:r>
-              <a:rPr lang="pt-PT" baseline="0" dirty="0" err="1" smtClean="0"/>
+              <a:rPr lang="pt-PT" sz="1200" kern="1200" dirty="0" smtClean="0">
+                <a:solidFill>
+                  <a:schemeClr val="tx1"/>
+                </a:solidFill>
+                <a:latin typeface="+mn-lt"/>
+                <a:ea typeface="+mn-ea"/>
+                <a:cs typeface="+mn-cs"/>
+              </a:rPr>
+              <a:t>A instrumentação das chamadas ao sistema permite </a:t>
+            </a:r>
+            <a:r>
+              <a:rPr lang="pt-PT" sz="1200" kern="1200" dirty="0" err="1" smtClean="0">
+                <a:solidFill>
+                  <a:schemeClr val="tx1"/>
+                </a:solidFill>
+                <a:latin typeface="+mn-lt"/>
+                <a:ea typeface="+mn-ea"/>
+                <a:cs typeface="+mn-cs"/>
+              </a:rPr>
+              <a:t>detectar</a:t>
+            </a:r>
+            <a:r>
+              <a:rPr lang="pt-PT" sz="1200" kern="1200" dirty="0" smtClean="0">
+                <a:solidFill>
+                  <a:schemeClr val="tx1"/>
+                </a:solidFill>
+                <a:latin typeface="+mn-lt"/>
+                <a:ea typeface="+mn-ea"/>
+                <a:cs typeface="+mn-cs"/>
+              </a:rPr>
+              <a:t>  as </a:t>
+            </a:r>
+            <a:r>
+              <a:rPr lang="pt-PT" sz="1200" kern="1200" dirty="0" err="1" smtClean="0">
+                <a:solidFill>
+                  <a:schemeClr val="tx1"/>
+                </a:solidFill>
+                <a:latin typeface="+mn-lt"/>
+                <a:ea typeface="+mn-ea"/>
+                <a:cs typeface="+mn-cs"/>
+              </a:rPr>
+              <a:t>interacções</a:t>
+            </a:r>
+            <a:r>
+              <a:rPr lang="pt-PT" sz="1200" kern="1200" dirty="0" smtClean="0">
+                <a:solidFill>
+                  <a:schemeClr val="tx1"/>
+                </a:solidFill>
+                <a:latin typeface="+mn-lt"/>
+                <a:ea typeface="+mn-ea"/>
+                <a:cs typeface="+mn-cs"/>
+              </a:rPr>
+              <a:t> do processo com o exterior através da rede.</a:t>
+            </a:r>
+          </a:p>
+          <a:p>
+            <a:r>
+              <a:rPr lang="pt-PT" sz="1200" kern="1200" dirty="0" smtClean="0">
+                <a:solidFill>
+                  <a:schemeClr val="tx1"/>
+                </a:solidFill>
+                <a:latin typeface="+mn-lt"/>
+                <a:ea typeface="+mn-ea"/>
+                <a:cs typeface="+mn-cs"/>
+              </a:rPr>
+              <a:t>Assim é possível identificar e manter o estado dos </a:t>
+            </a:r>
+            <a:r>
+              <a:rPr lang="pt-PT" sz="1200" kern="1200" dirty="0" err="1" smtClean="0">
+                <a:solidFill>
+                  <a:schemeClr val="tx1"/>
+                </a:solidFill>
+                <a:latin typeface="+mn-lt"/>
+                <a:ea typeface="+mn-ea"/>
+                <a:cs typeface="+mn-cs"/>
+              </a:rPr>
+              <a:t>sockets</a:t>
+            </a:r>
+            <a:r>
+              <a:rPr lang="pt-PT" sz="1200" kern="1200" dirty="0" smtClean="0">
+                <a:solidFill>
+                  <a:schemeClr val="tx1"/>
+                </a:solidFill>
+                <a:latin typeface="+mn-lt"/>
+                <a:ea typeface="+mn-ea"/>
+                <a:cs typeface="+mn-cs"/>
+              </a:rPr>
+              <a:t> em utilização pelo processo alvo em tempo real.</a:t>
+            </a:r>
+          </a:p>
+          <a:p>
+            <a:r>
+              <a:rPr lang="pt-PT" sz="1200" kern="1200" dirty="0" smtClean="0">
+                <a:solidFill>
+                  <a:schemeClr val="tx1"/>
+                </a:solidFill>
+                <a:latin typeface="+mn-lt"/>
+                <a:ea typeface="+mn-ea"/>
+                <a:cs typeface="+mn-cs"/>
+              </a:rPr>
+              <a:t>Através das funções </a:t>
+            </a:r>
+            <a:r>
+              <a:rPr lang="pt-PT" sz="1200" kern="1200" dirty="0" err="1" smtClean="0">
+                <a:solidFill>
+                  <a:schemeClr val="tx1"/>
+                </a:solidFill>
+                <a:latin typeface="+mn-lt"/>
+                <a:ea typeface="+mn-ea"/>
+                <a:cs typeface="+mn-cs"/>
+              </a:rPr>
+              <a:t>bind</a:t>
+            </a:r>
+            <a:r>
+              <a:rPr lang="pt-PT" sz="1200" kern="1200" dirty="0" smtClean="0">
+                <a:solidFill>
+                  <a:schemeClr val="tx1"/>
+                </a:solidFill>
+                <a:latin typeface="+mn-lt"/>
+                <a:ea typeface="+mn-ea"/>
+                <a:cs typeface="+mn-cs"/>
+              </a:rPr>
+              <a:t>, </a:t>
+            </a:r>
+            <a:r>
+              <a:rPr lang="pt-PT" sz="1200" kern="1200" dirty="0" err="1" smtClean="0">
+                <a:solidFill>
+                  <a:schemeClr val="tx1"/>
+                </a:solidFill>
+                <a:latin typeface="+mn-lt"/>
+                <a:ea typeface="+mn-ea"/>
+                <a:cs typeface="+mn-cs"/>
+              </a:rPr>
+              <a:t>accept</a:t>
+            </a:r>
+            <a:r>
+              <a:rPr lang="pt-PT" sz="1200" kern="1200" dirty="0" smtClean="0">
+                <a:solidFill>
+                  <a:schemeClr val="tx1"/>
+                </a:solidFill>
+                <a:latin typeface="+mn-lt"/>
+                <a:ea typeface="+mn-ea"/>
+                <a:cs typeface="+mn-cs"/>
+              </a:rPr>
+              <a:t>, </a:t>
+            </a:r>
+            <a:r>
+              <a:rPr lang="pt-PT" sz="1200" kern="1200" dirty="0" err="1" smtClean="0">
+                <a:solidFill>
+                  <a:schemeClr val="tx1"/>
+                </a:solidFill>
+                <a:latin typeface="+mn-lt"/>
+                <a:ea typeface="+mn-ea"/>
+                <a:cs typeface="+mn-cs"/>
+              </a:rPr>
+              <a:t>connect</a:t>
+            </a:r>
+            <a:r>
+              <a:rPr lang="pt-PT" sz="1200" kern="1200" dirty="0" smtClean="0">
+                <a:solidFill>
+                  <a:schemeClr val="tx1"/>
+                </a:solidFill>
+                <a:latin typeface="+mn-lt"/>
+                <a:ea typeface="+mn-ea"/>
+                <a:cs typeface="+mn-cs"/>
+              </a:rPr>
+              <a:t>, </a:t>
+            </a:r>
+            <a:r>
+              <a:rPr lang="pt-PT" sz="1200" kern="1200" dirty="0" err="1" smtClean="0">
+                <a:solidFill>
+                  <a:schemeClr val="tx1"/>
+                </a:solidFill>
+                <a:latin typeface="+mn-lt"/>
+                <a:ea typeface="+mn-ea"/>
+                <a:cs typeface="+mn-cs"/>
+              </a:rPr>
+              <a:t>sendto</a:t>
+            </a:r>
+            <a:r>
+              <a:rPr lang="pt-PT" sz="1200" kern="1200" dirty="0" smtClean="0">
+                <a:solidFill>
+                  <a:schemeClr val="tx1"/>
+                </a:solidFill>
+                <a:latin typeface="+mn-lt"/>
+                <a:ea typeface="+mn-ea"/>
+                <a:cs typeface="+mn-cs"/>
+              </a:rPr>
+              <a:t>, </a:t>
+            </a:r>
+            <a:r>
+              <a:rPr lang="pt-PT" sz="1200" kern="1200" dirty="0" err="1" smtClean="0">
+                <a:solidFill>
+                  <a:schemeClr val="tx1"/>
+                </a:solidFill>
+                <a:latin typeface="+mn-lt"/>
+                <a:ea typeface="+mn-ea"/>
+                <a:cs typeface="+mn-cs"/>
+              </a:rPr>
+              <a:t>recvfrom</a:t>
+            </a:r>
+            <a:r>
+              <a:rPr lang="pt-PT" sz="1200" kern="1200" dirty="0" smtClean="0">
+                <a:solidFill>
+                  <a:schemeClr val="tx1"/>
+                </a:solidFill>
+                <a:latin typeface="+mn-lt"/>
+                <a:ea typeface="+mn-ea"/>
+                <a:cs typeface="+mn-cs"/>
+              </a:rPr>
+              <a:t> e </a:t>
+            </a:r>
+            <a:r>
+              <a:rPr lang="pt-PT" sz="1200" kern="1200" dirty="0" err="1" smtClean="0">
+                <a:solidFill>
+                  <a:schemeClr val="tx1"/>
+                </a:solidFill>
+                <a:latin typeface="+mn-lt"/>
+                <a:ea typeface="+mn-ea"/>
+                <a:cs typeface="+mn-cs"/>
+              </a:rPr>
+              <a:t>sock_close</a:t>
+            </a:r>
+            <a:r>
+              <a:rPr lang="pt-PT" sz="1200" kern="1200" dirty="0" smtClean="0">
+                <a:solidFill>
+                  <a:schemeClr val="tx1"/>
+                </a:solidFill>
+                <a:latin typeface="+mn-lt"/>
+                <a:ea typeface="+mn-ea"/>
+                <a:cs typeface="+mn-cs"/>
+              </a:rPr>
+              <a:t> é possível </a:t>
+            </a:r>
+            <a:r>
+              <a:rPr lang="pt-PT" sz="1200" kern="1200" dirty="0" err="1" smtClean="0">
+                <a:solidFill>
+                  <a:schemeClr val="tx1"/>
+                </a:solidFill>
+                <a:latin typeface="+mn-lt"/>
+                <a:ea typeface="+mn-ea"/>
+                <a:cs typeface="+mn-cs"/>
+              </a:rPr>
+              <a:t>detectar</a:t>
+            </a:r>
+            <a:r>
+              <a:rPr lang="pt-PT" sz="1200" kern="1200" dirty="0" smtClean="0">
+                <a:solidFill>
+                  <a:schemeClr val="tx1"/>
+                </a:solidFill>
+                <a:latin typeface="+mn-lt"/>
+                <a:ea typeface="+mn-ea"/>
+                <a:cs typeface="+mn-cs"/>
+              </a:rPr>
+              <a:t> todas as </a:t>
+            </a:r>
+            <a:r>
+              <a:rPr lang="pt-PT" sz="1200" kern="1200" dirty="0" err="1" smtClean="0">
+                <a:solidFill>
+                  <a:schemeClr val="tx1"/>
+                </a:solidFill>
+                <a:latin typeface="+mn-lt"/>
+                <a:ea typeface="+mn-ea"/>
+                <a:cs typeface="+mn-cs"/>
+              </a:rPr>
+              <a:t>interacções</a:t>
+            </a:r>
+            <a:r>
+              <a:rPr lang="pt-PT" sz="1200" kern="1200" dirty="0" smtClean="0">
+                <a:solidFill>
+                  <a:schemeClr val="tx1"/>
+                </a:solidFill>
+                <a:latin typeface="+mn-lt"/>
+                <a:ea typeface="+mn-ea"/>
+                <a:cs typeface="+mn-cs"/>
+              </a:rPr>
+              <a:t> com o exterior utilizando os protocolos TCP e UDP.</a:t>
+            </a:r>
+          </a:p>
+          <a:p>
+            <a:r>
+              <a:rPr lang="pt-PT" sz="1200" kern="1200" dirty="0" smtClean="0">
+                <a:solidFill>
+                  <a:schemeClr val="tx1"/>
+                </a:solidFill>
+                <a:latin typeface="+mn-lt"/>
+                <a:ea typeface="+mn-ea"/>
+                <a:cs typeface="+mn-cs"/>
+              </a:rPr>
+              <a:t>O </a:t>
+            </a:r>
+            <a:r>
+              <a:rPr lang="pt-PT" sz="1200" kern="1200" dirty="0" err="1" smtClean="0">
+                <a:solidFill>
+                  <a:schemeClr val="tx1"/>
+                </a:solidFill>
+                <a:latin typeface="+mn-lt"/>
+                <a:ea typeface="+mn-ea"/>
+                <a:cs typeface="+mn-cs"/>
+              </a:rPr>
+              <a:t>KProbes</a:t>
+            </a:r>
+            <a:r>
+              <a:rPr lang="pt-PT" sz="1200" kern="1200" dirty="0" smtClean="0">
+                <a:solidFill>
+                  <a:schemeClr val="tx1"/>
+                </a:solidFill>
+                <a:latin typeface="+mn-lt"/>
+                <a:ea typeface="+mn-ea"/>
+                <a:cs typeface="+mn-cs"/>
+              </a:rPr>
+              <a:t> foi escolhido por ser o sistema de instrumentação dinâmica do núcleo do Linux o que permite a utilização do </a:t>
+            </a:r>
+            <a:r>
+              <a:rPr lang="pt-PT" sz="1200" kern="1200" dirty="0" err="1" smtClean="0">
+                <a:solidFill>
+                  <a:schemeClr val="tx1"/>
+                </a:solidFill>
+                <a:latin typeface="+mn-lt"/>
+                <a:ea typeface="+mn-ea"/>
+                <a:cs typeface="+mn-cs"/>
+              </a:rPr>
+              <a:t>MRoP</a:t>
+            </a:r>
+            <a:r>
+              <a:rPr lang="pt-PT" sz="1200" kern="1200" dirty="0" smtClean="0">
+                <a:solidFill>
+                  <a:schemeClr val="tx1"/>
+                </a:solidFill>
+                <a:latin typeface="+mn-lt"/>
+                <a:ea typeface="+mn-ea"/>
+                <a:cs typeface="+mn-cs"/>
+              </a:rPr>
+              <a:t> mesmo em sistemas em produção.</a:t>
+            </a:r>
+          </a:p>
+          <a:p>
+            <a:r>
+              <a:rPr lang="pt-PT" sz="1200" kern="1200" dirty="0" smtClean="0">
+                <a:solidFill>
+                  <a:schemeClr val="tx1"/>
+                </a:solidFill>
+                <a:latin typeface="+mn-lt"/>
+                <a:ea typeface="+mn-ea"/>
+                <a:cs typeface="+mn-cs"/>
+              </a:rPr>
+              <a:t>Para manter o estado do processo foi necessário criar um repositório.</a:t>
+            </a:r>
+          </a:p>
+          <a:p>
+            <a:r>
+              <a:rPr lang="pt-PT" sz="1200" kern="1200" dirty="0" smtClean="0">
+                <a:solidFill>
+                  <a:schemeClr val="tx1"/>
+                </a:solidFill>
+                <a:latin typeface="+mn-lt"/>
+                <a:ea typeface="+mn-ea"/>
+                <a:cs typeface="+mn-cs"/>
+              </a:rPr>
+              <a:t>Este repositório é uma árvore </a:t>
+            </a:r>
+            <a:r>
+              <a:rPr lang="pt-PT" sz="1200" kern="1200" dirty="0" err="1" smtClean="0">
+                <a:solidFill>
+                  <a:schemeClr val="tx1"/>
+                </a:solidFill>
+                <a:latin typeface="+mn-lt"/>
+                <a:ea typeface="+mn-ea"/>
+                <a:cs typeface="+mn-cs"/>
+              </a:rPr>
+              <a:t>Red</a:t>
+            </a:r>
+            <a:r>
+              <a:rPr lang="pt-PT" sz="1200" kern="1200" dirty="0" smtClean="0">
+                <a:solidFill>
+                  <a:schemeClr val="tx1"/>
+                </a:solidFill>
+                <a:latin typeface="+mn-lt"/>
+                <a:ea typeface="+mn-ea"/>
+                <a:cs typeface="+mn-cs"/>
+              </a:rPr>
+              <a:t> </a:t>
+            </a:r>
+            <a:r>
+              <a:rPr lang="pt-PT" sz="1200" kern="1200" dirty="0" err="1" smtClean="0">
+                <a:solidFill>
+                  <a:schemeClr val="tx1"/>
+                </a:solidFill>
+                <a:latin typeface="+mn-lt"/>
+                <a:ea typeface="+mn-ea"/>
+                <a:cs typeface="+mn-cs"/>
+              </a:rPr>
+              <a:t>and</a:t>
+            </a:r>
+            <a:r>
+              <a:rPr lang="pt-PT" sz="1200" kern="1200" dirty="0" smtClean="0">
+                <a:solidFill>
+                  <a:schemeClr val="tx1"/>
+                </a:solidFill>
+                <a:latin typeface="+mn-lt"/>
+                <a:ea typeface="+mn-ea"/>
+                <a:cs typeface="+mn-cs"/>
+              </a:rPr>
+              <a:t> </a:t>
+            </a:r>
+            <a:r>
+              <a:rPr lang="pt-PT" sz="1200" kern="1200" dirty="0" err="1" smtClean="0">
+                <a:solidFill>
+                  <a:schemeClr val="tx1"/>
+                </a:solidFill>
+                <a:latin typeface="+mn-lt"/>
+                <a:ea typeface="+mn-ea"/>
+                <a:cs typeface="+mn-cs"/>
+              </a:rPr>
+              <a:t>Black</a:t>
+            </a:r>
+            <a:r>
+              <a:rPr lang="pt-PT" sz="1200" kern="1200" dirty="0" smtClean="0">
+                <a:solidFill>
+                  <a:schemeClr val="tx1"/>
+                </a:solidFill>
+                <a:latin typeface="+mn-lt"/>
+                <a:ea typeface="+mn-ea"/>
+                <a:cs typeface="+mn-cs"/>
+              </a:rPr>
+              <a:t>.</a:t>
+            </a:r>
+          </a:p>
+          <a:p>
+            <a:r>
+              <a:rPr lang="pt-PT" sz="1200" kern="1200" dirty="0" smtClean="0">
+                <a:solidFill>
+                  <a:schemeClr val="tx1"/>
+                </a:solidFill>
+                <a:latin typeface="+mn-lt"/>
+                <a:ea typeface="+mn-ea"/>
+                <a:cs typeface="+mn-cs"/>
+              </a:rPr>
+              <a:t>A sua </a:t>
+            </a:r>
+            <a:r>
+              <a:rPr lang="pt-PT" sz="1200" kern="1200" dirty="0" err="1" smtClean="0">
+                <a:solidFill>
+                  <a:schemeClr val="tx1"/>
+                </a:solidFill>
+                <a:latin typeface="+mn-lt"/>
+                <a:ea typeface="+mn-ea"/>
+                <a:cs typeface="+mn-cs"/>
+              </a:rPr>
+              <a:t>actualização</a:t>
+            </a:r>
+            <a:r>
+              <a:rPr lang="pt-PT" sz="1200" kern="1200" dirty="0" smtClean="0">
+                <a:solidFill>
+                  <a:schemeClr val="tx1"/>
+                </a:solidFill>
+                <a:latin typeface="+mn-lt"/>
+                <a:ea typeface="+mn-ea"/>
+                <a:cs typeface="+mn-cs"/>
+              </a:rPr>
+              <a:t> é </a:t>
+            </a:r>
+            <a:r>
+              <a:rPr lang="pt-PT" sz="1200" kern="1200" dirty="0" err="1" smtClean="0">
+                <a:solidFill>
+                  <a:schemeClr val="tx1"/>
+                </a:solidFill>
+                <a:latin typeface="+mn-lt"/>
+                <a:ea typeface="+mn-ea"/>
+                <a:cs typeface="+mn-cs"/>
+              </a:rPr>
               <a:t>efectuada</a:t>
             </a:r>
             <a:r>
-              <a:rPr lang="pt-PT" baseline="0" dirty="0" smtClean="0"/>
-              <a:t> a instrumentação das chamadas … </a:t>
-            </a:r>
-            <a:endParaRPr lang="pt-PT" dirty="0" smtClean="0"/>
-          </a:p>
-          <a:p>
-            <a:endParaRPr lang="pt-PT" dirty="0" smtClean="0"/>
-          </a:p>
-          <a:p>
-            <a:r>
-              <a:rPr lang="pt-PT" dirty="0" smtClean="0"/>
-              <a:t>Manter</a:t>
-            </a:r>
-            <a:r>
-              <a:rPr lang="pt-PT" baseline="0" dirty="0" smtClean="0"/>
-              <a:t> em tempo real a utilização de </a:t>
-            </a:r>
-            <a:r>
-              <a:rPr lang="pt-PT" baseline="0" dirty="0" err="1" smtClean="0"/>
-              <a:t>sockets</a:t>
-            </a:r>
-            <a:r>
-              <a:rPr lang="pt-PT" baseline="0" dirty="0" smtClean="0"/>
-              <a:t> em utilização pelo processo alvo</a:t>
-            </a:r>
-            <a:endParaRPr lang="pt-PT" dirty="0"/>
+              <a:rPr lang="pt-PT" sz="1200" kern="1200" dirty="0" smtClean="0">
+                <a:solidFill>
+                  <a:schemeClr val="tx1"/>
+                </a:solidFill>
+                <a:latin typeface="+mn-lt"/>
+                <a:ea typeface="+mn-ea"/>
+                <a:cs typeface="+mn-cs"/>
+              </a:rPr>
+              <a:t> através dos </a:t>
+            </a:r>
+            <a:r>
+              <a:rPr lang="pt-PT" sz="1200" kern="1200" dirty="0" err="1" smtClean="0">
+                <a:solidFill>
+                  <a:schemeClr val="tx1"/>
+                </a:solidFill>
+                <a:latin typeface="+mn-lt"/>
+                <a:ea typeface="+mn-ea"/>
+                <a:cs typeface="+mn-cs"/>
+              </a:rPr>
+              <a:t>handlers</a:t>
+            </a:r>
+            <a:r>
+              <a:rPr lang="pt-PT" sz="1200" kern="1200" dirty="0" smtClean="0">
+                <a:solidFill>
+                  <a:schemeClr val="tx1"/>
+                </a:solidFill>
+                <a:latin typeface="+mn-lt"/>
+                <a:ea typeface="+mn-ea"/>
+                <a:cs typeface="+mn-cs"/>
+              </a:rPr>
+              <a:t> das funções instrumentadas e serve de suporte ao novo sistema de filtragem do </a:t>
+            </a:r>
+            <a:r>
+              <a:rPr lang="pt-PT" sz="1200" kern="1200" dirty="0" err="1" smtClean="0">
+                <a:solidFill>
+                  <a:schemeClr val="tx1"/>
+                </a:solidFill>
+                <a:latin typeface="+mn-lt"/>
+                <a:ea typeface="+mn-ea"/>
+                <a:cs typeface="+mn-cs"/>
+              </a:rPr>
+              <a:t>PCap</a:t>
+            </a:r>
+            <a:r>
+              <a:rPr lang="pt-PT" sz="1200" kern="1200" dirty="0" smtClean="0">
+                <a:solidFill>
+                  <a:schemeClr val="tx1"/>
+                </a:solidFill>
+                <a:latin typeface="+mn-lt"/>
+                <a:ea typeface="+mn-ea"/>
+                <a:cs typeface="+mn-cs"/>
+              </a:rPr>
+              <a:t>.</a:t>
+            </a:r>
+            <a:endParaRPr lang="pt-PT" sz="1200" kern="1200" dirty="0">
+              <a:solidFill>
+                <a:schemeClr val="tx1"/>
+              </a:solidFill>
+              <a:latin typeface="+mn-lt"/>
+              <a:ea typeface="+mn-ea"/>
+              <a:cs typeface="+mn-cs"/>
+            </a:endParaRPr>
           </a:p>
         </p:txBody>
       </p:sp>
@@ -1828,7 +2375,103 @@
           </a:bodyPr>
           <a:lstStyle/>
           <a:p>
-            <a:endParaRPr lang="pt-PT"/>
+            <a:r>
+              <a:rPr lang="pt-PT" sz="1200" kern="1200" dirty="0" smtClean="0">
+                <a:solidFill>
+                  <a:schemeClr val="tx1"/>
+                </a:solidFill>
+                <a:latin typeface="+mn-lt"/>
+                <a:ea typeface="+mn-ea"/>
+                <a:cs typeface="+mn-cs"/>
+              </a:rPr>
+              <a:t>Para criar o novo sistema de filtragem foi necessário adicionar um </a:t>
+            </a:r>
+            <a:r>
+              <a:rPr lang="pt-PT" sz="1200" i="1" kern="1200" dirty="0" err="1" smtClean="0">
+                <a:solidFill>
+                  <a:schemeClr val="tx1"/>
+                </a:solidFill>
+                <a:latin typeface="+mn-lt"/>
+                <a:ea typeface="+mn-ea"/>
+                <a:cs typeface="+mn-cs"/>
+              </a:rPr>
+              <a:t>hook</a:t>
+            </a:r>
+            <a:r>
+              <a:rPr lang="pt-PT" sz="1200" kern="1200" dirty="0" smtClean="0">
+                <a:solidFill>
+                  <a:schemeClr val="tx1"/>
+                </a:solidFill>
+                <a:latin typeface="+mn-lt"/>
+                <a:ea typeface="+mn-ea"/>
+                <a:cs typeface="+mn-cs"/>
+              </a:rPr>
+              <a:t>, de modo a que apenas seja invocado quando este esteja presente, e quando não está o seu custo no desempenho é de apenas a sua verificação.</a:t>
+            </a:r>
+          </a:p>
+          <a:p>
+            <a:r>
+              <a:rPr lang="pt-PT" sz="1200" kern="1200" dirty="0" smtClean="0">
+                <a:solidFill>
+                  <a:schemeClr val="tx1"/>
+                </a:solidFill>
+                <a:latin typeface="+mn-lt"/>
+                <a:ea typeface="+mn-ea"/>
+                <a:cs typeface="+mn-cs"/>
+              </a:rPr>
+              <a:t>Este novo filtro através do componente estado do processo, verifica se o pacote a verificar pertence ao não ao processo alvo, se pertencer é capturado e processo pelo restante sistema </a:t>
+            </a:r>
+            <a:r>
+              <a:rPr lang="pt-PT" sz="1200" kern="1200" dirty="0" err="1" smtClean="0">
+                <a:solidFill>
+                  <a:schemeClr val="tx1"/>
+                </a:solidFill>
+                <a:latin typeface="+mn-lt"/>
+                <a:ea typeface="+mn-ea"/>
+                <a:cs typeface="+mn-cs"/>
+              </a:rPr>
+              <a:t>PCap</a:t>
+            </a:r>
+            <a:r>
+              <a:rPr lang="pt-PT" sz="1200" kern="1200" dirty="0" smtClean="0">
+                <a:solidFill>
+                  <a:schemeClr val="tx1"/>
+                </a:solidFill>
+                <a:latin typeface="+mn-lt"/>
+                <a:ea typeface="+mn-ea"/>
+                <a:cs typeface="+mn-cs"/>
+              </a:rPr>
+              <a:t>, caso contrário é de imediato descartado.</a:t>
+            </a:r>
+          </a:p>
+          <a:p>
+            <a:r>
+              <a:rPr lang="pt-PT" sz="1200" kern="1200" dirty="0" smtClean="0">
+                <a:solidFill>
+                  <a:schemeClr val="tx1"/>
+                </a:solidFill>
+                <a:latin typeface="+mn-lt"/>
+                <a:ea typeface="+mn-ea"/>
+                <a:cs typeface="+mn-cs"/>
+              </a:rPr>
+              <a:t>Assim apenas os pacotes pertencentes ao processo alvo são capturados.</a:t>
+            </a:r>
+          </a:p>
+          <a:p>
+            <a:r>
+              <a:rPr lang="pt-PT" sz="1200" kern="1200" dirty="0" smtClean="0">
+                <a:solidFill>
+                  <a:schemeClr val="tx1"/>
+                </a:solidFill>
+                <a:latin typeface="+mn-lt"/>
+                <a:ea typeface="+mn-ea"/>
+                <a:cs typeface="+mn-cs"/>
+              </a:rPr>
+              <a:t>Ao manter a compatibilidade com o sistema de filtragem LSF, é possível combinar regras que capturem apenas os pacotes pertencentes ao processo alvo com determinadas características.</a:t>
+            </a:r>
+          </a:p>
+          <a:p>
+            <a:endParaRPr lang="pt-PT" dirty="0"/>
           </a:p>
         </p:txBody>
       </p:sp>
@@ -1910,7 +2553,139 @@
           </a:bodyPr>
           <a:lstStyle/>
           <a:p>
-            <a:endParaRPr lang="pt-PT"/>
+            <a:r>
+              <a:rPr lang="pt-PT" sz="1200" kern="1200" dirty="0" smtClean="0">
+                <a:solidFill>
+                  <a:schemeClr val="tx1"/>
+                </a:solidFill>
+                <a:latin typeface="+mn-lt"/>
+                <a:ea typeface="+mn-ea"/>
+                <a:cs typeface="+mn-cs"/>
+              </a:rPr>
+              <a:t>Para controlar o </a:t>
+            </a:r>
+            <a:r>
+              <a:rPr lang="pt-PT" sz="1200" kern="1200" dirty="0" err="1" smtClean="0">
+                <a:solidFill>
+                  <a:schemeClr val="tx1"/>
+                </a:solidFill>
+                <a:latin typeface="+mn-lt"/>
+                <a:ea typeface="+mn-ea"/>
+                <a:cs typeface="+mn-cs"/>
+              </a:rPr>
+              <a:t>MRoP</a:t>
+            </a:r>
+            <a:r>
+              <a:rPr lang="pt-PT" sz="1200" kern="1200" dirty="0" smtClean="0">
+                <a:solidFill>
+                  <a:schemeClr val="tx1"/>
+                </a:solidFill>
+                <a:latin typeface="+mn-lt"/>
+                <a:ea typeface="+mn-ea"/>
+                <a:cs typeface="+mn-cs"/>
+              </a:rPr>
+              <a:t>, isto é, introduzir qual ou quais os processos a monitorizar, verificar o estado do processo corrente, etc.</a:t>
+            </a:r>
+          </a:p>
+          <a:p>
+            <a:r>
+              <a:rPr lang="pt-PT" sz="1200" kern="1200" dirty="0" smtClean="0">
+                <a:solidFill>
+                  <a:schemeClr val="tx1"/>
+                </a:solidFill>
+                <a:latin typeface="+mn-lt"/>
+                <a:ea typeface="+mn-ea"/>
+                <a:cs typeface="+mn-cs"/>
+              </a:rPr>
+              <a:t>É possível também obter estatísticas sobre a utilização do </a:t>
+            </a:r>
+            <a:r>
+              <a:rPr lang="pt-PT" sz="1200" kern="1200" dirty="0" err="1" smtClean="0">
+                <a:solidFill>
+                  <a:schemeClr val="tx1"/>
+                </a:solidFill>
+                <a:latin typeface="+mn-lt"/>
+                <a:ea typeface="+mn-ea"/>
+                <a:cs typeface="+mn-cs"/>
+              </a:rPr>
+              <a:t>MRoP</a:t>
+            </a:r>
+            <a:r>
+              <a:rPr lang="pt-PT" sz="1200" kern="1200" dirty="0" smtClean="0">
+                <a:solidFill>
+                  <a:schemeClr val="tx1"/>
+                </a:solidFill>
+                <a:latin typeface="+mn-lt"/>
+                <a:ea typeface="+mn-ea"/>
+                <a:cs typeface="+mn-cs"/>
+              </a:rPr>
+              <a:t>, como por exemplo quantos pacotes foram verificados, o número de vezes que cada chamada ao sistema foi </a:t>
+            </a:r>
+            <a:r>
+              <a:rPr lang="pt-PT" sz="1200" kern="1200" dirty="0" err="1" smtClean="0">
+                <a:solidFill>
+                  <a:schemeClr val="tx1"/>
+                </a:solidFill>
+                <a:latin typeface="+mn-lt"/>
+                <a:ea typeface="+mn-ea"/>
+                <a:cs typeface="+mn-cs"/>
+              </a:rPr>
+              <a:t>efectuada</a:t>
+            </a:r>
+            <a:r>
+              <a:rPr lang="pt-PT" sz="1200" kern="1200" dirty="0" smtClean="0">
+                <a:solidFill>
+                  <a:schemeClr val="tx1"/>
+                </a:solidFill>
+                <a:latin typeface="+mn-lt"/>
+                <a:ea typeface="+mn-ea"/>
+                <a:cs typeface="+mn-cs"/>
+              </a:rPr>
+              <a:t>, o número de elementos do estado do processo, etc.</a:t>
+            </a:r>
+          </a:p>
+          <a:p>
+            <a:r>
+              <a:rPr lang="pt-PT" sz="1200" kern="1200" dirty="0" smtClean="0">
+                <a:solidFill>
+                  <a:schemeClr val="tx1"/>
+                </a:solidFill>
+                <a:latin typeface="+mn-lt"/>
+                <a:ea typeface="+mn-ea"/>
+                <a:cs typeface="+mn-cs"/>
+              </a:rPr>
+              <a:t>Devido ao sistema de monitorização de rede ser um mecanismo que apenas está disponível ao utilizador </a:t>
+            </a:r>
+            <a:r>
+              <a:rPr lang="pt-PT" sz="1200" kern="1200" dirty="0" err="1" smtClean="0">
+                <a:solidFill>
+                  <a:schemeClr val="tx1"/>
+                </a:solidFill>
+                <a:latin typeface="+mn-lt"/>
+                <a:ea typeface="+mn-ea"/>
+                <a:cs typeface="+mn-cs"/>
+              </a:rPr>
+              <a:t>root</a:t>
+            </a:r>
+            <a:r>
+              <a:rPr lang="pt-PT" sz="1200" kern="1200" dirty="0" smtClean="0">
+                <a:solidFill>
+                  <a:schemeClr val="tx1"/>
+                </a:solidFill>
+                <a:latin typeface="+mn-lt"/>
+                <a:ea typeface="+mn-ea"/>
+                <a:cs typeface="+mn-cs"/>
+              </a:rPr>
+              <a:t>, também esta interface apenas está disponível para este utilizador por questões de segurança.</a:t>
+            </a:r>
+            <a:endParaRPr lang="pt-PT" sz="1200" kern="1200" dirty="0">
+              <a:solidFill>
+                <a:schemeClr val="tx1"/>
+              </a:solidFill>
+              <a:latin typeface="+mn-lt"/>
+              <a:ea typeface="+mn-ea"/>
+              <a:cs typeface="+mn-cs"/>
+            </a:endParaRPr>
           </a:p>
         </p:txBody>
       </p:sp>
@@ -1992,7 +2767,147 @@
           </a:bodyPr>
           <a:lstStyle/>
           <a:p>
-            <a:endParaRPr lang="pt-PT"/>
+            <a:r>
+              <a:rPr lang="pt-PT" sz="1200" kern="1200" dirty="0" smtClean="0">
+                <a:solidFill>
+                  <a:schemeClr val="tx1"/>
+                </a:solidFill>
+                <a:latin typeface="+mn-lt"/>
+                <a:ea typeface="+mn-ea"/>
+                <a:cs typeface="+mn-cs"/>
+              </a:rPr>
+              <a:t>Demonstração do novo sistema de filtragem … </a:t>
+            </a:r>
+          </a:p>
+          <a:p>
+            <a:r>
+              <a:rPr lang="pt-PT" sz="1200" kern="1200" dirty="0" smtClean="0">
+                <a:solidFill>
+                  <a:schemeClr val="tx1"/>
+                </a:solidFill>
+                <a:latin typeface="+mn-lt"/>
+                <a:ea typeface="+mn-ea"/>
+                <a:cs typeface="+mn-cs"/>
+              </a:rPr>
+              <a:t>Esta demonstração é apenas o exemplo da filtragem quando um pacote é recebido pelo sistema.</a:t>
+            </a:r>
+          </a:p>
+          <a:p>
+            <a:r>
+              <a:rPr lang="pt-PT" sz="1200" kern="1200" dirty="0" smtClean="0">
+                <a:solidFill>
+                  <a:schemeClr val="tx1"/>
+                </a:solidFill>
+                <a:latin typeface="+mn-lt"/>
+                <a:ea typeface="+mn-ea"/>
+                <a:cs typeface="+mn-cs"/>
+              </a:rPr>
+              <a:t>A função </a:t>
+            </a:r>
+            <a:r>
+              <a:rPr lang="pt-PT" sz="1200" kern="1200" dirty="0" err="1" smtClean="0">
+                <a:solidFill>
+                  <a:schemeClr val="tx1"/>
+                </a:solidFill>
+                <a:latin typeface="+mn-lt"/>
+                <a:ea typeface="+mn-ea"/>
+                <a:cs typeface="+mn-cs"/>
+              </a:rPr>
+              <a:t>netif_rx</a:t>
+            </a:r>
+            <a:r>
+              <a:rPr lang="pt-PT" sz="1200" kern="1200" dirty="0" smtClean="0">
+                <a:solidFill>
+                  <a:schemeClr val="tx1"/>
+                </a:solidFill>
+                <a:latin typeface="+mn-lt"/>
+                <a:ea typeface="+mn-ea"/>
+                <a:cs typeface="+mn-cs"/>
+              </a:rPr>
+              <a:t> é a função responsável por entregar o pacote recebido ao </a:t>
+            </a:r>
+            <a:r>
+              <a:rPr lang="pt-PT" sz="1200" kern="1200" dirty="0" err="1" smtClean="0">
+                <a:solidFill>
+                  <a:schemeClr val="tx1"/>
+                </a:solidFill>
+                <a:latin typeface="+mn-lt"/>
+                <a:ea typeface="+mn-ea"/>
+                <a:cs typeface="+mn-cs"/>
+              </a:rPr>
+              <a:t>handler</a:t>
+            </a:r>
+            <a:r>
+              <a:rPr lang="pt-PT" sz="1200" kern="1200" dirty="0" smtClean="0">
+                <a:solidFill>
+                  <a:schemeClr val="tx1"/>
+                </a:solidFill>
+                <a:latin typeface="+mn-lt"/>
+                <a:ea typeface="+mn-ea"/>
+                <a:cs typeface="+mn-cs"/>
+              </a:rPr>
+              <a:t> do protocolo </a:t>
+            </a:r>
+            <a:r>
+              <a:rPr lang="pt-PT" sz="1200" kern="1200" dirty="0" err="1" smtClean="0">
+                <a:solidFill>
+                  <a:schemeClr val="tx1"/>
+                </a:solidFill>
+                <a:latin typeface="+mn-lt"/>
+                <a:ea typeface="+mn-ea"/>
+                <a:cs typeface="+mn-cs"/>
+              </a:rPr>
+              <a:t>respectivo</a:t>
+            </a:r>
+            <a:r>
+              <a:rPr lang="pt-PT" sz="1200" kern="1200" dirty="0" smtClean="0">
+                <a:solidFill>
+                  <a:schemeClr val="tx1"/>
+                </a:solidFill>
+                <a:latin typeface="+mn-lt"/>
+                <a:ea typeface="+mn-ea"/>
+                <a:cs typeface="+mn-cs"/>
+              </a:rPr>
+              <a:t>, bem como verificar se existem </a:t>
+            </a:r>
+            <a:r>
+              <a:rPr lang="pt-PT" sz="1200" kern="1200" dirty="0" err="1" smtClean="0">
+                <a:solidFill>
+                  <a:schemeClr val="tx1"/>
+                </a:solidFill>
+                <a:latin typeface="+mn-lt"/>
+                <a:ea typeface="+mn-ea"/>
+                <a:cs typeface="+mn-cs"/>
+              </a:rPr>
+              <a:t>sniffers</a:t>
+            </a:r>
+            <a:r>
+              <a:rPr lang="pt-PT" sz="1200" kern="1200" dirty="0" smtClean="0">
+                <a:solidFill>
+                  <a:schemeClr val="tx1"/>
+                </a:solidFill>
+                <a:latin typeface="+mn-lt"/>
+                <a:ea typeface="+mn-ea"/>
+                <a:cs typeface="+mn-cs"/>
+              </a:rPr>
+              <a:t> registados que estejam a monitorizar a interface por onde este pacote chegou.</a:t>
+            </a:r>
+          </a:p>
+          <a:p>
+            <a:r>
+              <a:rPr lang="pt-PT" sz="1200" kern="1200" dirty="0" smtClean="0">
+                <a:solidFill>
+                  <a:schemeClr val="tx1"/>
+                </a:solidFill>
+                <a:latin typeface="+mn-lt"/>
+                <a:ea typeface="+mn-ea"/>
+                <a:cs typeface="+mn-cs"/>
+              </a:rPr>
+              <a:t>….</a:t>
+            </a:r>
+          </a:p>
+          <a:p>
+            <a:endParaRPr lang="pt-PT" dirty="0"/>
           </a:p>
         </p:txBody>
       </p:sp>
@@ -2075,20 +2990,520 @@
           <a:lstStyle/>
           <a:p>
             <a:r>
-              <a:rPr lang="pt-PT" dirty="0" smtClean="0"/>
-              <a:t>…</a:t>
-            </a:r>
-          </a:p>
-          <a:p>
-            <a:r>
-              <a:rPr lang="pt-PT" dirty="0" smtClean="0"/>
-              <a:t>Com o fim de confirmar que todos os dados e só os dados</a:t>
-            </a:r>
-            <a:r>
-              <a:rPr lang="pt-PT" baseline="0" dirty="0" smtClean="0"/>
-              <a:t> do processo eram capturados</a:t>
-            </a:r>
-            <a:endParaRPr lang="pt-PT" dirty="0"/>
+              <a:rPr lang="pt-PT" sz="1200" kern="1200" dirty="0" smtClean="0">
+                <a:solidFill>
+                  <a:schemeClr val="tx1"/>
+                </a:solidFill>
+                <a:latin typeface="+mn-lt"/>
+                <a:ea typeface="+mn-ea"/>
+                <a:cs typeface="+mn-cs"/>
+              </a:rPr>
+              <a:t>Como não poderia deixar de ser, este mecanismo foi avaliado, primeiro funcionalmente e depois em termos do desempenho.</a:t>
+            </a:r>
+          </a:p>
+          <a:p>
+            <a:r>
+              <a:rPr lang="pt-PT" sz="1200" kern="1200" dirty="0" smtClean="0">
+                <a:solidFill>
+                  <a:schemeClr val="tx1"/>
+                </a:solidFill>
+                <a:latin typeface="+mn-lt"/>
+                <a:ea typeface="+mn-ea"/>
+                <a:cs typeface="+mn-cs"/>
+              </a:rPr>
+              <a:t>A avaliação funcional do </a:t>
+            </a:r>
+            <a:r>
+              <a:rPr lang="pt-PT" sz="1200" kern="1200" dirty="0" err="1" smtClean="0">
+                <a:solidFill>
+                  <a:schemeClr val="tx1"/>
+                </a:solidFill>
+                <a:latin typeface="+mn-lt"/>
+                <a:ea typeface="+mn-ea"/>
+                <a:cs typeface="+mn-cs"/>
+              </a:rPr>
+              <a:t>MRoP</a:t>
+            </a:r>
+            <a:r>
+              <a:rPr lang="pt-PT" sz="1200" kern="1200" dirty="0" smtClean="0">
+                <a:solidFill>
+                  <a:schemeClr val="tx1"/>
+                </a:solidFill>
+                <a:latin typeface="+mn-lt"/>
+                <a:ea typeface="+mn-ea"/>
+                <a:cs typeface="+mn-cs"/>
+              </a:rPr>
+              <a:t> visou garantir que todas as </a:t>
+            </a:r>
+            <a:r>
+              <a:rPr lang="pt-PT" sz="1200" kern="1200" dirty="0" err="1" smtClean="0">
+                <a:solidFill>
+                  <a:schemeClr val="tx1"/>
+                </a:solidFill>
+                <a:latin typeface="+mn-lt"/>
+                <a:ea typeface="+mn-ea"/>
+                <a:cs typeface="+mn-cs"/>
+              </a:rPr>
+              <a:t>interacções</a:t>
+            </a:r>
+            <a:r>
+              <a:rPr lang="pt-PT" sz="1200" kern="1200" dirty="0" smtClean="0">
+                <a:solidFill>
+                  <a:schemeClr val="tx1"/>
+                </a:solidFill>
+                <a:latin typeface="+mn-lt"/>
+                <a:ea typeface="+mn-ea"/>
+                <a:cs typeface="+mn-cs"/>
+              </a:rPr>
+              <a:t> do processo alvo eram </a:t>
+            </a:r>
+            <a:r>
+              <a:rPr lang="pt-PT" sz="1200" kern="1200" dirty="0" err="1" smtClean="0">
+                <a:solidFill>
+                  <a:schemeClr val="tx1"/>
+                </a:solidFill>
+                <a:latin typeface="+mn-lt"/>
+                <a:ea typeface="+mn-ea"/>
+                <a:cs typeface="+mn-cs"/>
+              </a:rPr>
+              <a:t>correctamente</a:t>
+            </a:r>
+            <a:r>
+              <a:rPr lang="pt-PT" sz="1200" kern="1200" dirty="0" smtClean="0">
+                <a:solidFill>
+                  <a:schemeClr val="tx1"/>
+                </a:solidFill>
+                <a:latin typeface="+mn-lt"/>
+                <a:ea typeface="+mn-ea"/>
+                <a:cs typeface="+mn-cs"/>
+              </a:rPr>
+              <a:t> </a:t>
+            </a:r>
+            <a:r>
+              <a:rPr lang="pt-PT" sz="1200" kern="1200" dirty="0" err="1" smtClean="0">
+                <a:solidFill>
+                  <a:schemeClr val="tx1"/>
+                </a:solidFill>
+                <a:latin typeface="+mn-lt"/>
+                <a:ea typeface="+mn-ea"/>
+                <a:cs typeface="+mn-cs"/>
+              </a:rPr>
+              <a:t>detectadas</a:t>
+            </a:r>
+            <a:r>
+              <a:rPr lang="pt-PT" sz="1200" kern="1200" dirty="0" smtClean="0">
+                <a:solidFill>
+                  <a:schemeClr val="tx1"/>
+                </a:solidFill>
+                <a:latin typeface="+mn-lt"/>
+                <a:ea typeface="+mn-ea"/>
+                <a:cs typeface="+mn-cs"/>
+              </a:rPr>
+              <a:t>, e que os dados relativos aos protocolos </a:t>
+            </a:r>
+            <a:r>
+              <a:rPr lang="pt-PT" sz="1200" kern="1200" dirty="0" err="1" smtClean="0">
+                <a:solidFill>
+                  <a:schemeClr val="tx1"/>
+                </a:solidFill>
+                <a:latin typeface="+mn-lt"/>
+                <a:ea typeface="+mn-ea"/>
+                <a:cs typeface="+mn-cs"/>
+              </a:rPr>
+              <a:t>tcp</a:t>
+            </a:r>
+            <a:r>
+              <a:rPr lang="pt-PT" sz="1200" kern="1200" dirty="0" smtClean="0">
+                <a:solidFill>
+                  <a:schemeClr val="tx1"/>
+                </a:solidFill>
+                <a:latin typeface="+mn-lt"/>
+                <a:ea typeface="+mn-ea"/>
+                <a:cs typeface="+mn-cs"/>
+              </a:rPr>
+              <a:t> e </a:t>
+            </a:r>
+            <a:r>
+              <a:rPr lang="pt-PT" sz="1200" kern="1200" dirty="0" err="1" smtClean="0">
+                <a:solidFill>
+                  <a:schemeClr val="tx1"/>
+                </a:solidFill>
+                <a:latin typeface="+mn-lt"/>
+                <a:ea typeface="+mn-ea"/>
+                <a:cs typeface="+mn-cs"/>
+              </a:rPr>
+              <a:t>udp</a:t>
+            </a:r>
+            <a:r>
+              <a:rPr lang="pt-PT" sz="1200" kern="1200" dirty="0" smtClean="0">
+                <a:solidFill>
+                  <a:schemeClr val="tx1"/>
+                </a:solidFill>
+                <a:latin typeface="+mn-lt"/>
+                <a:ea typeface="+mn-ea"/>
+                <a:cs typeface="+mn-cs"/>
+              </a:rPr>
+              <a:t> eram </a:t>
+            </a:r>
+            <a:r>
+              <a:rPr lang="pt-PT" sz="1200" kern="1200" dirty="0" err="1" smtClean="0">
+                <a:solidFill>
+                  <a:schemeClr val="tx1"/>
+                </a:solidFill>
+                <a:latin typeface="+mn-lt"/>
+                <a:ea typeface="+mn-ea"/>
+                <a:cs typeface="+mn-cs"/>
+              </a:rPr>
+              <a:t>correctamente</a:t>
+            </a:r>
+            <a:r>
+              <a:rPr lang="pt-PT" sz="1200" kern="1200" dirty="0" smtClean="0">
+                <a:solidFill>
+                  <a:schemeClr val="tx1"/>
+                </a:solidFill>
+                <a:latin typeface="+mn-lt"/>
+                <a:ea typeface="+mn-ea"/>
+                <a:cs typeface="+mn-cs"/>
+              </a:rPr>
+              <a:t> interpretados, na instrumentação.</a:t>
+            </a:r>
+          </a:p>
+          <a:p>
+            <a:r>
+              <a:rPr lang="pt-PT" sz="1200" kern="1200" dirty="0" smtClean="0">
+                <a:solidFill>
+                  <a:schemeClr val="tx1"/>
+                </a:solidFill>
+                <a:latin typeface="+mn-lt"/>
+                <a:ea typeface="+mn-ea"/>
+                <a:cs typeface="+mn-cs"/>
+              </a:rPr>
+              <a:t>Por isso foram </a:t>
+            </a:r>
+            <a:r>
+              <a:rPr lang="pt-PT" sz="1200" kern="1200" dirty="0" err="1" smtClean="0">
+                <a:solidFill>
+                  <a:schemeClr val="tx1"/>
+                </a:solidFill>
+                <a:latin typeface="+mn-lt"/>
+                <a:ea typeface="+mn-ea"/>
+                <a:cs typeface="+mn-cs"/>
+              </a:rPr>
+              <a:t>efectuadas</a:t>
+            </a:r>
+            <a:r>
+              <a:rPr lang="pt-PT" sz="1200" kern="1200" dirty="0" smtClean="0">
+                <a:solidFill>
+                  <a:schemeClr val="tx1"/>
+                </a:solidFill>
+                <a:latin typeface="+mn-lt"/>
+                <a:ea typeface="+mn-ea"/>
+                <a:cs typeface="+mn-cs"/>
+              </a:rPr>
+              <a:t> transferências utilizando os protocolos </a:t>
+            </a:r>
+            <a:r>
+              <a:rPr lang="pt-PT" sz="1200" kern="1200" dirty="0" err="1" smtClean="0">
+                <a:solidFill>
+                  <a:schemeClr val="tx1"/>
+                </a:solidFill>
+                <a:latin typeface="+mn-lt"/>
+                <a:ea typeface="+mn-ea"/>
+                <a:cs typeface="+mn-cs"/>
+              </a:rPr>
+              <a:t>ftp</a:t>
+            </a:r>
+            <a:r>
+              <a:rPr lang="pt-PT" sz="1200" kern="1200" dirty="0" smtClean="0">
+                <a:solidFill>
+                  <a:schemeClr val="tx1"/>
+                </a:solidFill>
+                <a:latin typeface="+mn-lt"/>
+                <a:ea typeface="+mn-ea"/>
+                <a:cs typeface="+mn-cs"/>
+              </a:rPr>
+              <a:t> e </a:t>
+            </a:r>
+            <a:r>
+              <a:rPr lang="pt-PT" sz="1200" kern="1200" dirty="0" err="1" smtClean="0">
+                <a:solidFill>
+                  <a:schemeClr val="tx1"/>
+                </a:solidFill>
+                <a:latin typeface="+mn-lt"/>
+                <a:ea typeface="+mn-ea"/>
+                <a:cs typeface="+mn-cs"/>
+              </a:rPr>
+              <a:t>http</a:t>
+            </a:r>
+            <a:r>
+              <a:rPr lang="pt-PT" sz="1200" kern="1200" dirty="0" smtClean="0">
+                <a:solidFill>
+                  <a:schemeClr val="tx1"/>
+                </a:solidFill>
+                <a:latin typeface="+mn-lt"/>
+                <a:ea typeface="+mn-ea"/>
+                <a:cs typeface="+mn-cs"/>
+              </a:rPr>
+              <a:t> e utilizado o programa </a:t>
+            </a:r>
+            <a:r>
+              <a:rPr lang="pt-PT" sz="1200" kern="1200" dirty="0" err="1" smtClean="0">
+                <a:solidFill>
+                  <a:schemeClr val="tx1"/>
+                </a:solidFill>
+                <a:latin typeface="+mn-lt"/>
+                <a:ea typeface="+mn-ea"/>
+                <a:cs typeface="+mn-cs"/>
+              </a:rPr>
+              <a:t>iperf</a:t>
+            </a:r>
+            <a:r>
+              <a:rPr lang="pt-PT" sz="1200" kern="1200" dirty="0" smtClean="0">
+                <a:solidFill>
+                  <a:schemeClr val="tx1"/>
+                </a:solidFill>
+                <a:latin typeface="+mn-lt"/>
+                <a:ea typeface="+mn-ea"/>
+                <a:cs typeface="+mn-cs"/>
+              </a:rPr>
+              <a:t> para verificar as transferências através do protocolo UDP.</a:t>
+            </a:r>
+          </a:p>
+          <a:p>
+            <a:r>
+              <a:rPr lang="pt-PT" sz="1200" kern="1200" dirty="0" smtClean="0">
+                <a:solidFill>
+                  <a:schemeClr val="tx1"/>
+                </a:solidFill>
+                <a:latin typeface="+mn-lt"/>
+                <a:ea typeface="+mn-ea"/>
+                <a:cs typeface="+mn-cs"/>
+              </a:rPr>
+              <a:t>Assim foi possível garantir que a utilização dos protocolos TCP e UDP era completamente </a:t>
+            </a:r>
+            <a:r>
+              <a:rPr lang="pt-PT" sz="1200" kern="1200" dirty="0" err="1" smtClean="0">
+                <a:solidFill>
+                  <a:schemeClr val="tx1"/>
+                </a:solidFill>
+                <a:latin typeface="+mn-lt"/>
+                <a:ea typeface="+mn-ea"/>
+                <a:cs typeface="+mn-cs"/>
+              </a:rPr>
+              <a:t>detectada</a:t>
+            </a:r>
+            <a:r>
+              <a:rPr lang="pt-PT" sz="1200" kern="1200" dirty="0" smtClean="0">
+                <a:solidFill>
+                  <a:schemeClr val="tx1"/>
+                </a:solidFill>
+                <a:latin typeface="+mn-lt"/>
+                <a:ea typeface="+mn-ea"/>
+                <a:cs typeface="+mn-cs"/>
+              </a:rPr>
+              <a:t> e </a:t>
+            </a:r>
+            <a:r>
+              <a:rPr lang="pt-PT" sz="1200" kern="1200" dirty="0" err="1" smtClean="0">
+                <a:solidFill>
+                  <a:schemeClr val="tx1"/>
+                </a:solidFill>
+                <a:latin typeface="+mn-lt"/>
+                <a:ea typeface="+mn-ea"/>
+                <a:cs typeface="+mn-cs"/>
+              </a:rPr>
+              <a:t>correcta</a:t>
+            </a:r>
+            <a:r>
+              <a:rPr lang="pt-PT" sz="1200" kern="1200" dirty="0" smtClean="0">
+                <a:solidFill>
+                  <a:schemeClr val="tx1"/>
+                </a:solidFill>
+                <a:latin typeface="+mn-lt"/>
+                <a:ea typeface="+mn-ea"/>
+                <a:cs typeface="+mn-cs"/>
+              </a:rPr>
+              <a:t>.</a:t>
+            </a:r>
+          </a:p>
+          <a:p>
+            <a:r>
+              <a:rPr lang="pt-PT" sz="1200" kern="1200" dirty="0" smtClean="0">
+                <a:solidFill>
+                  <a:schemeClr val="tx1"/>
+                </a:solidFill>
+                <a:latin typeface="+mn-lt"/>
+                <a:ea typeface="+mn-ea"/>
+                <a:cs typeface="+mn-cs"/>
+              </a:rPr>
+              <a:t>Como a monitorização realizada às transferências através dos protocolos </a:t>
+            </a:r>
+            <a:r>
+              <a:rPr lang="pt-PT" sz="1200" kern="1200" dirty="0" err="1" smtClean="0">
+                <a:solidFill>
+                  <a:schemeClr val="tx1"/>
+                </a:solidFill>
+                <a:latin typeface="+mn-lt"/>
+                <a:ea typeface="+mn-ea"/>
+                <a:cs typeface="+mn-cs"/>
+              </a:rPr>
+              <a:t>ftp</a:t>
+            </a:r>
+            <a:r>
+              <a:rPr lang="pt-PT" sz="1200" kern="1200" dirty="0" smtClean="0">
+                <a:solidFill>
+                  <a:schemeClr val="tx1"/>
+                </a:solidFill>
+                <a:latin typeface="+mn-lt"/>
+                <a:ea typeface="+mn-ea"/>
+                <a:cs typeface="+mn-cs"/>
+              </a:rPr>
+              <a:t> e </a:t>
+            </a:r>
+            <a:r>
+              <a:rPr lang="pt-PT" sz="1200" kern="1200" dirty="0" err="1" smtClean="0">
+                <a:solidFill>
+                  <a:schemeClr val="tx1"/>
+                </a:solidFill>
+                <a:latin typeface="+mn-lt"/>
+                <a:ea typeface="+mn-ea"/>
+                <a:cs typeface="+mn-cs"/>
+              </a:rPr>
+              <a:t>http</a:t>
+            </a:r>
+            <a:r>
+              <a:rPr lang="pt-PT" sz="1200" kern="1200" dirty="0" smtClean="0">
+                <a:solidFill>
+                  <a:schemeClr val="tx1"/>
+                </a:solidFill>
+                <a:latin typeface="+mn-lt"/>
+                <a:ea typeface="+mn-ea"/>
+                <a:cs typeface="+mn-cs"/>
+              </a:rPr>
+              <a:t> foi guardada num ficheiro para posterior análise na aplicação </a:t>
+            </a:r>
+            <a:r>
+              <a:rPr lang="pt-PT" sz="1200" kern="1200" dirty="0" err="1" smtClean="0">
+                <a:solidFill>
+                  <a:schemeClr val="tx1"/>
+                </a:solidFill>
+                <a:latin typeface="+mn-lt"/>
+                <a:ea typeface="+mn-ea"/>
+                <a:cs typeface="+mn-cs"/>
+              </a:rPr>
+              <a:t>Wireshark</a:t>
+            </a:r>
+            <a:r>
+              <a:rPr lang="pt-PT" sz="1200" kern="1200" dirty="0" smtClean="0">
+                <a:solidFill>
+                  <a:schemeClr val="tx1"/>
+                </a:solidFill>
+                <a:latin typeface="+mn-lt"/>
+                <a:ea typeface="+mn-ea"/>
+                <a:cs typeface="+mn-cs"/>
+              </a:rPr>
+              <a:t>.</a:t>
+            </a:r>
+          </a:p>
+          <a:p>
+            <a:r>
+              <a:rPr lang="pt-PT" sz="1200" kern="1200" dirty="0" smtClean="0">
+                <a:solidFill>
+                  <a:schemeClr val="tx1"/>
+                </a:solidFill>
+                <a:latin typeface="+mn-lt"/>
+                <a:ea typeface="+mn-ea"/>
+                <a:cs typeface="+mn-cs"/>
+              </a:rPr>
+              <a:t>Assim com esses dados foi possível também </a:t>
+            </a:r>
+            <a:r>
+              <a:rPr lang="pt-PT" sz="1200" kern="1200" dirty="0" err="1" smtClean="0">
+                <a:solidFill>
+                  <a:schemeClr val="tx1"/>
+                </a:solidFill>
+                <a:latin typeface="+mn-lt"/>
+                <a:ea typeface="+mn-ea"/>
+                <a:cs typeface="+mn-cs"/>
+              </a:rPr>
+              <a:t>efectuar</a:t>
+            </a:r>
+            <a:r>
+              <a:rPr lang="pt-PT" sz="1200" kern="1200" dirty="0" smtClean="0">
+                <a:solidFill>
+                  <a:schemeClr val="tx1"/>
+                </a:solidFill>
+                <a:latin typeface="+mn-lt"/>
+                <a:ea typeface="+mn-ea"/>
+                <a:cs typeface="+mn-cs"/>
+              </a:rPr>
+              <a:t> uma comparação visual, de apenas os dados referentes à transferência existiam na captura, bem como verificar que os dados extraídos da captura com o </a:t>
+            </a:r>
+            <a:r>
+              <a:rPr lang="pt-PT" sz="1200" kern="1200" dirty="0" err="1" smtClean="0">
+                <a:solidFill>
+                  <a:schemeClr val="tx1"/>
+                </a:solidFill>
+                <a:latin typeface="+mn-lt"/>
+                <a:ea typeface="+mn-ea"/>
+                <a:cs typeface="+mn-cs"/>
+              </a:rPr>
+              <a:t>MRoP</a:t>
+            </a:r>
+            <a:r>
+              <a:rPr lang="pt-PT" sz="1200" kern="1200" dirty="0" smtClean="0">
+                <a:solidFill>
+                  <a:schemeClr val="tx1"/>
+                </a:solidFill>
+                <a:latin typeface="+mn-lt"/>
+                <a:ea typeface="+mn-ea"/>
+                <a:cs typeface="+mn-cs"/>
+              </a:rPr>
+              <a:t> </a:t>
+            </a:r>
+            <a:r>
+              <a:rPr lang="pt-PT" sz="1200" kern="1200" dirty="0" err="1" smtClean="0">
+                <a:solidFill>
+                  <a:schemeClr val="tx1"/>
+                </a:solidFill>
+                <a:latin typeface="+mn-lt"/>
+                <a:ea typeface="+mn-ea"/>
+                <a:cs typeface="+mn-cs"/>
+              </a:rPr>
+              <a:t>activo</a:t>
+            </a:r>
+            <a:r>
+              <a:rPr lang="pt-PT" sz="1200" kern="1200" dirty="0" smtClean="0">
+                <a:solidFill>
+                  <a:schemeClr val="tx1"/>
+                </a:solidFill>
+                <a:latin typeface="+mn-lt"/>
+                <a:ea typeface="+mn-ea"/>
+                <a:cs typeface="+mn-cs"/>
+              </a:rPr>
+              <a:t> estavam completos.</a:t>
+            </a:r>
+          </a:p>
+          <a:p>
+            <a:r>
+              <a:rPr lang="pt-PT" sz="1200" kern="1200" dirty="0" smtClean="0">
+                <a:solidFill>
+                  <a:schemeClr val="tx1"/>
+                </a:solidFill>
+                <a:latin typeface="+mn-lt"/>
+                <a:ea typeface="+mn-ea"/>
+                <a:cs typeface="+mn-cs"/>
+              </a:rPr>
+              <a:t>Por isso utilizaram-se funções de síntese, MD5 e SHA1, sobre os dados originais e os obtidos na captura, a fim de comparar se todos os dados tinham sido completamente capturados.</a:t>
+            </a:r>
+            <a:endParaRPr lang="pt-PT" sz="1200" kern="1200" dirty="0">
+              <a:solidFill>
+                <a:schemeClr val="tx1"/>
+              </a:solidFill>
+              <a:latin typeface="+mn-lt"/>
+              <a:ea typeface="+mn-ea"/>
+              <a:cs typeface="+mn-cs"/>
+            </a:endParaRPr>
           </a:p>
         </p:txBody>
       </p:sp>
@@ -2170,7 +3585,248 @@
           </a:bodyPr>
           <a:lstStyle/>
           <a:p>
-            <a:endParaRPr lang="pt-PT"/>
+            <a:r>
+              <a:rPr lang="pt-PT" sz="1200" kern="1200" dirty="0" smtClean="0">
+                <a:solidFill>
+                  <a:schemeClr val="tx1"/>
+                </a:solidFill>
+                <a:latin typeface="+mn-lt"/>
+                <a:ea typeface="+mn-ea"/>
+                <a:cs typeface="+mn-cs"/>
+              </a:rPr>
+              <a:t>Para além da avaliação funcional, foi realizada uma outra de desempenho.</a:t>
+            </a:r>
+          </a:p>
+          <a:p>
+            <a:r>
+              <a:rPr lang="pt-PT" sz="1200" kern="1200" dirty="0" smtClean="0">
+                <a:solidFill>
+                  <a:schemeClr val="tx1"/>
+                </a:solidFill>
+                <a:latin typeface="+mn-lt"/>
+                <a:ea typeface="+mn-ea"/>
+                <a:cs typeface="+mn-cs"/>
+              </a:rPr>
+              <a:t>Esta avaliação serviu para avaliar a sobrecarga da utilização do </a:t>
+            </a:r>
+            <a:r>
+              <a:rPr lang="pt-PT" sz="1200" kern="1200" dirty="0" err="1" smtClean="0">
+                <a:solidFill>
+                  <a:schemeClr val="tx1"/>
+                </a:solidFill>
+                <a:latin typeface="+mn-lt"/>
+                <a:ea typeface="+mn-ea"/>
+                <a:cs typeface="+mn-cs"/>
+              </a:rPr>
+              <a:t>MRoP</a:t>
+            </a:r>
+            <a:r>
+              <a:rPr lang="pt-PT" sz="1200" kern="1200" dirty="0" smtClean="0">
+                <a:solidFill>
+                  <a:schemeClr val="tx1"/>
+                </a:solidFill>
+                <a:latin typeface="+mn-lt"/>
+                <a:ea typeface="+mn-ea"/>
+                <a:cs typeface="+mn-cs"/>
+              </a:rPr>
+              <a:t> face ao </a:t>
+            </a:r>
+            <a:r>
+              <a:rPr lang="pt-PT" sz="1200" kern="1200" dirty="0" err="1" smtClean="0">
+                <a:solidFill>
+                  <a:schemeClr val="tx1"/>
+                </a:solidFill>
+                <a:latin typeface="+mn-lt"/>
+                <a:ea typeface="+mn-ea"/>
+                <a:cs typeface="+mn-cs"/>
+              </a:rPr>
+              <a:t>actual</a:t>
+            </a:r>
+            <a:r>
+              <a:rPr lang="pt-PT" sz="1200" kern="1200" dirty="0" smtClean="0">
+                <a:solidFill>
+                  <a:schemeClr val="tx1"/>
+                </a:solidFill>
+                <a:latin typeface="+mn-lt"/>
+                <a:ea typeface="+mn-ea"/>
+                <a:cs typeface="+mn-cs"/>
+              </a:rPr>
+              <a:t> sistema de monitorização de rede.</a:t>
+            </a:r>
+          </a:p>
+          <a:p>
+            <a:r>
+              <a:rPr lang="pt-PT" sz="1200" kern="1200" dirty="0" smtClean="0">
+                <a:solidFill>
+                  <a:schemeClr val="tx1"/>
+                </a:solidFill>
+                <a:latin typeface="+mn-lt"/>
+                <a:ea typeface="+mn-ea"/>
+                <a:cs typeface="+mn-cs"/>
+              </a:rPr>
+              <a:t>Esta avaliação consistiu em testes de transferência de um elevado número de dados, utilizando o programa </a:t>
+            </a:r>
+            <a:r>
+              <a:rPr lang="pt-PT" sz="1200" kern="1200" dirty="0" err="1" smtClean="0">
+                <a:solidFill>
+                  <a:schemeClr val="tx1"/>
+                </a:solidFill>
+                <a:latin typeface="+mn-lt"/>
+                <a:ea typeface="+mn-ea"/>
+                <a:cs typeface="+mn-cs"/>
+              </a:rPr>
+              <a:t>tcpdump</a:t>
+            </a:r>
+            <a:r>
+              <a:rPr lang="pt-PT" sz="1200" kern="1200" dirty="0" smtClean="0">
+                <a:solidFill>
+                  <a:schemeClr val="tx1"/>
+                </a:solidFill>
+                <a:latin typeface="+mn-lt"/>
+                <a:ea typeface="+mn-ea"/>
+                <a:cs typeface="+mn-cs"/>
+              </a:rPr>
+              <a:t> para </a:t>
+            </a:r>
+            <a:r>
+              <a:rPr lang="pt-PT" sz="1200" kern="1200" dirty="0" err="1" smtClean="0">
+                <a:solidFill>
+                  <a:schemeClr val="tx1"/>
+                </a:solidFill>
+                <a:latin typeface="+mn-lt"/>
+                <a:ea typeface="+mn-ea"/>
+                <a:cs typeface="+mn-cs"/>
+              </a:rPr>
+              <a:t>efectuar</a:t>
+            </a:r>
+            <a:r>
+              <a:rPr lang="pt-PT" sz="1200" kern="1200" dirty="0" smtClean="0">
+                <a:solidFill>
+                  <a:schemeClr val="tx1"/>
+                </a:solidFill>
+                <a:latin typeface="+mn-lt"/>
+                <a:ea typeface="+mn-ea"/>
+                <a:cs typeface="+mn-cs"/>
+              </a:rPr>
+              <a:t> a monitorização de rede com e sem o </a:t>
+            </a:r>
+            <a:r>
+              <a:rPr lang="pt-PT" sz="1200" kern="1200" dirty="0" err="1" smtClean="0">
+                <a:solidFill>
+                  <a:schemeClr val="tx1"/>
+                </a:solidFill>
+                <a:latin typeface="+mn-lt"/>
+                <a:ea typeface="+mn-ea"/>
+                <a:cs typeface="+mn-cs"/>
+              </a:rPr>
+              <a:t>MRoP</a:t>
+            </a:r>
+            <a:r>
+              <a:rPr lang="pt-PT" sz="1200" kern="1200" dirty="0" smtClean="0">
+                <a:solidFill>
+                  <a:schemeClr val="tx1"/>
+                </a:solidFill>
+                <a:latin typeface="+mn-lt"/>
+                <a:ea typeface="+mn-ea"/>
+                <a:cs typeface="+mn-cs"/>
+              </a:rPr>
+              <a:t> </a:t>
+            </a:r>
+            <a:r>
+              <a:rPr lang="pt-PT" sz="1200" kern="1200" dirty="0" err="1" smtClean="0">
+                <a:solidFill>
+                  <a:schemeClr val="tx1"/>
+                </a:solidFill>
+                <a:latin typeface="+mn-lt"/>
+                <a:ea typeface="+mn-ea"/>
+                <a:cs typeface="+mn-cs"/>
+              </a:rPr>
+              <a:t>activo</a:t>
+            </a:r>
+            <a:r>
+              <a:rPr lang="pt-PT" sz="1200" kern="1200" dirty="0" smtClean="0">
+                <a:solidFill>
+                  <a:schemeClr val="tx1"/>
+                </a:solidFill>
+                <a:latin typeface="+mn-lt"/>
+                <a:ea typeface="+mn-ea"/>
+                <a:cs typeface="+mn-cs"/>
+              </a:rPr>
+              <a:t>.</a:t>
+            </a:r>
+          </a:p>
+          <a:p>
+            <a:r>
+              <a:rPr lang="pt-PT" sz="1200" kern="1200" dirty="0" smtClean="0">
+                <a:solidFill>
+                  <a:schemeClr val="tx1"/>
+                </a:solidFill>
+                <a:latin typeface="+mn-lt"/>
+                <a:ea typeface="+mn-ea"/>
+                <a:cs typeface="+mn-cs"/>
+              </a:rPr>
+              <a:t>Dois dos componentes do </a:t>
+            </a:r>
+            <a:r>
+              <a:rPr lang="pt-PT" sz="1200" kern="1200" dirty="0" err="1" smtClean="0">
+                <a:solidFill>
+                  <a:schemeClr val="tx1"/>
+                </a:solidFill>
+                <a:latin typeface="+mn-lt"/>
+                <a:ea typeface="+mn-ea"/>
+                <a:cs typeface="+mn-cs"/>
+              </a:rPr>
+              <a:t>MRoP</a:t>
+            </a:r>
+            <a:r>
+              <a:rPr lang="pt-PT" sz="1200" kern="1200" dirty="0" smtClean="0">
+                <a:solidFill>
+                  <a:schemeClr val="tx1"/>
+                </a:solidFill>
+                <a:latin typeface="+mn-lt"/>
+                <a:ea typeface="+mn-ea"/>
+                <a:cs typeface="+mn-cs"/>
+              </a:rPr>
+              <a:t>, a instrumentação de funções e o estado do processo foram também alvo de análise, por serem considerados componentes que podem ter relevância no desempenho global do </a:t>
+            </a:r>
+            <a:r>
+              <a:rPr lang="pt-PT" sz="1200" kern="1200" dirty="0" err="1" smtClean="0">
+                <a:solidFill>
+                  <a:schemeClr val="tx1"/>
+                </a:solidFill>
+                <a:latin typeface="+mn-lt"/>
+                <a:ea typeface="+mn-ea"/>
+                <a:cs typeface="+mn-cs"/>
+              </a:rPr>
+              <a:t>MRoP</a:t>
+            </a:r>
+            <a:r>
+              <a:rPr lang="pt-PT" sz="1200" kern="1200" dirty="0" smtClean="0">
+                <a:solidFill>
+                  <a:schemeClr val="tx1"/>
+                </a:solidFill>
+                <a:latin typeface="+mn-lt"/>
+                <a:ea typeface="+mn-ea"/>
+                <a:cs typeface="+mn-cs"/>
+              </a:rPr>
+              <a:t>. </a:t>
+            </a:r>
+          </a:p>
+          <a:p>
+            <a:r>
+              <a:rPr lang="pt-PT" sz="1200" kern="1200" dirty="0" smtClean="0">
+                <a:solidFill>
+                  <a:schemeClr val="tx1"/>
+                </a:solidFill>
+                <a:latin typeface="+mn-lt"/>
+                <a:ea typeface="+mn-ea"/>
+                <a:cs typeface="+mn-cs"/>
+              </a:rPr>
+              <a:t>Por esta razão foram também analisados em testes próprios para o efeito.</a:t>
+            </a:r>
+          </a:p>
+          <a:p>
+            <a:endParaRPr lang="pt-PT" dirty="0"/>
           </a:p>
         </p:txBody>
       </p:sp>
@@ -2253,14 +3909,546 @@
           <a:lstStyle/>
           <a:p>
             <a:r>
-              <a:rPr lang="pt-PT" dirty="0" smtClean="0"/>
-              <a:t>Dois cenários diferentes … um só fluxo</a:t>
-            </a:r>
-            <a:r>
-              <a:rPr lang="pt-PT" baseline="0" dirty="0" smtClean="0"/>
-              <a:t> e com dois fluxos … onde só um é relevante</a:t>
-            </a:r>
-            <a:endParaRPr lang="pt-PT" dirty="0"/>
+              <a:rPr lang="pt-PT" sz="1200" kern="1200" dirty="0" smtClean="0">
+                <a:solidFill>
+                  <a:schemeClr val="tx1"/>
+                </a:solidFill>
+                <a:latin typeface="+mn-lt"/>
+                <a:ea typeface="+mn-ea"/>
+                <a:cs typeface="+mn-cs"/>
+              </a:rPr>
+              <a:t>Considerando a avaliação de desempenho do </a:t>
+            </a:r>
+            <a:r>
+              <a:rPr lang="pt-PT" sz="1200" kern="1200" dirty="0" err="1" smtClean="0">
+                <a:solidFill>
+                  <a:schemeClr val="tx1"/>
+                </a:solidFill>
+                <a:latin typeface="+mn-lt"/>
+                <a:ea typeface="+mn-ea"/>
+                <a:cs typeface="+mn-cs"/>
+              </a:rPr>
+              <a:t>MRoP</a:t>
+            </a:r>
+            <a:r>
+              <a:rPr lang="pt-PT" sz="1200" kern="1200" dirty="0" smtClean="0">
+                <a:solidFill>
+                  <a:schemeClr val="tx1"/>
+                </a:solidFill>
+                <a:latin typeface="+mn-lt"/>
+                <a:ea typeface="+mn-ea"/>
+                <a:cs typeface="+mn-cs"/>
+              </a:rPr>
+              <a:t> foram realizados testes de transferência de dados entre duas máquinas ligadas </a:t>
+            </a:r>
+            <a:r>
+              <a:rPr lang="pt-PT" sz="1200" kern="1200" dirty="0" err="1" smtClean="0">
+                <a:solidFill>
+                  <a:schemeClr val="tx1"/>
+                </a:solidFill>
+                <a:latin typeface="+mn-lt"/>
+                <a:ea typeface="+mn-ea"/>
+                <a:cs typeface="+mn-cs"/>
+              </a:rPr>
+              <a:t>directamente</a:t>
+            </a:r>
+            <a:r>
+              <a:rPr lang="pt-PT" sz="1200" kern="1200" dirty="0" smtClean="0">
+                <a:solidFill>
+                  <a:schemeClr val="tx1"/>
+                </a:solidFill>
+                <a:latin typeface="+mn-lt"/>
+                <a:ea typeface="+mn-ea"/>
+                <a:cs typeface="+mn-cs"/>
+              </a:rPr>
+              <a:t> através de interfaces de 100 Mbit/s .</a:t>
+            </a:r>
+          </a:p>
+          <a:p>
+            <a:r>
+              <a:rPr lang="pt-PT" sz="1200" kern="1200" dirty="0" smtClean="0">
+                <a:solidFill>
+                  <a:schemeClr val="tx1"/>
+                </a:solidFill>
+                <a:latin typeface="+mn-lt"/>
+                <a:ea typeface="+mn-ea"/>
+                <a:cs typeface="+mn-cs"/>
+              </a:rPr>
+              <a:t>Para a realização destes testes foram desenvolvidos dois cenários distintos.</a:t>
+            </a:r>
+          </a:p>
+          <a:p>
+            <a:r>
+              <a:rPr lang="pt-PT" sz="1200" kern="1200" dirty="0" smtClean="0">
+                <a:solidFill>
+                  <a:schemeClr val="tx1"/>
+                </a:solidFill>
+                <a:latin typeface="+mn-lt"/>
+                <a:ea typeface="+mn-ea"/>
+                <a:cs typeface="+mn-cs"/>
+              </a:rPr>
+              <a:t>No primeiro foi realizado a transferência de 1 GB de dados através dos protocolos </a:t>
+            </a:r>
+            <a:r>
+              <a:rPr lang="pt-PT" sz="1200" kern="1200" dirty="0" err="1" smtClean="0">
+                <a:solidFill>
+                  <a:schemeClr val="tx1"/>
+                </a:solidFill>
+                <a:latin typeface="+mn-lt"/>
+                <a:ea typeface="+mn-ea"/>
+                <a:cs typeface="+mn-cs"/>
+              </a:rPr>
+              <a:t>http</a:t>
+            </a:r>
+            <a:r>
+              <a:rPr lang="pt-PT" sz="1200" kern="1200" dirty="0" smtClean="0">
+                <a:solidFill>
+                  <a:schemeClr val="tx1"/>
+                </a:solidFill>
+                <a:latin typeface="+mn-lt"/>
+                <a:ea typeface="+mn-ea"/>
+                <a:cs typeface="+mn-cs"/>
+              </a:rPr>
+              <a:t>, </a:t>
+            </a:r>
+            <a:r>
+              <a:rPr lang="pt-PT" sz="1200" kern="1200" dirty="0" err="1" smtClean="0">
+                <a:solidFill>
+                  <a:schemeClr val="tx1"/>
+                </a:solidFill>
+                <a:latin typeface="+mn-lt"/>
+                <a:ea typeface="+mn-ea"/>
+                <a:cs typeface="+mn-cs"/>
+              </a:rPr>
+              <a:t>ftp</a:t>
+            </a:r>
+            <a:r>
+              <a:rPr lang="pt-PT" sz="1200" kern="1200" dirty="0" smtClean="0">
+                <a:solidFill>
+                  <a:schemeClr val="tx1"/>
+                </a:solidFill>
+                <a:latin typeface="+mn-lt"/>
+                <a:ea typeface="+mn-ea"/>
+                <a:cs typeface="+mn-cs"/>
+              </a:rPr>
+              <a:t> e </a:t>
+            </a:r>
+            <a:r>
+              <a:rPr lang="pt-PT" sz="1200" kern="1200" dirty="0" err="1" smtClean="0">
+                <a:solidFill>
+                  <a:schemeClr val="tx1"/>
+                </a:solidFill>
+                <a:latin typeface="+mn-lt"/>
+                <a:ea typeface="+mn-ea"/>
+                <a:cs typeface="+mn-cs"/>
+              </a:rPr>
+              <a:t>iperf</a:t>
+            </a:r>
+            <a:r>
+              <a:rPr lang="pt-PT" sz="1200" kern="1200" dirty="0" smtClean="0">
+                <a:solidFill>
+                  <a:schemeClr val="tx1"/>
+                </a:solidFill>
+                <a:latin typeface="+mn-lt"/>
+                <a:ea typeface="+mn-ea"/>
+                <a:cs typeface="+mn-cs"/>
+              </a:rPr>
+              <a:t>, nas três principais vertentes, ou seja, sem monitorização, com a monitorização </a:t>
+            </a:r>
+            <a:r>
+              <a:rPr lang="pt-PT" sz="1200" kern="1200" dirty="0" err="1" smtClean="0">
+                <a:solidFill>
+                  <a:schemeClr val="tx1"/>
+                </a:solidFill>
+                <a:latin typeface="+mn-lt"/>
+                <a:ea typeface="+mn-ea"/>
+                <a:cs typeface="+mn-cs"/>
+              </a:rPr>
+              <a:t>actual</a:t>
+            </a:r>
+            <a:r>
+              <a:rPr lang="pt-PT" sz="1200" kern="1200" dirty="0" smtClean="0">
+                <a:solidFill>
+                  <a:schemeClr val="tx1"/>
+                </a:solidFill>
+                <a:latin typeface="+mn-lt"/>
+                <a:ea typeface="+mn-ea"/>
+                <a:cs typeface="+mn-cs"/>
+              </a:rPr>
+              <a:t> e a ultima através da monitorização </a:t>
+            </a:r>
+            <a:r>
+              <a:rPr lang="pt-PT" sz="1200" kern="1200" dirty="0" err="1" smtClean="0">
+                <a:solidFill>
+                  <a:schemeClr val="tx1"/>
+                </a:solidFill>
+                <a:latin typeface="+mn-lt"/>
+                <a:ea typeface="+mn-ea"/>
+                <a:cs typeface="+mn-cs"/>
+              </a:rPr>
+              <a:t>actual</a:t>
+            </a:r>
+            <a:r>
+              <a:rPr lang="pt-PT" sz="1200" kern="1200" dirty="0" smtClean="0">
+                <a:solidFill>
+                  <a:schemeClr val="tx1"/>
+                </a:solidFill>
+                <a:latin typeface="+mn-lt"/>
+                <a:ea typeface="+mn-ea"/>
+                <a:cs typeface="+mn-cs"/>
+              </a:rPr>
+              <a:t> com o </a:t>
+            </a:r>
+            <a:r>
+              <a:rPr lang="pt-PT" sz="1200" kern="1200" dirty="0" err="1" smtClean="0">
+                <a:solidFill>
+                  <a:schemeClr val="tx1"/>
+                </a:solidFill>
+                <a:latin typeface="+mn-lt"/>
+                <a:ea typeface="+mn-ea"/>
+                <a:cs typeface="+mn-cs"/>
+              </a:rPr>
+              <a:t>MRoP</a:t>
+            </a:r>
+            <a:r>
+              <a:rPr lang="pt-PT" sz="1200" kern="1200" dirty="0" smtClean="0">
+                <a:solidFill>
+                  <a:schemeClr val="tx1"/>
+                </a:solidFill>
+                <a:latin typeface="+mn-lt"/>
+                <a:ea typeface="+mn-ea"/>
+                <a:cs typeface="+mn-cs"/>
+              </a:rPr>
+              <a:t> </a:t>
+            </a:r>
+            <a:r>
+              <a:rPr lang="pt-PT" sz="1200" kern="1200" dirty="0" err="1" smtClean="0">
+                <a:solidFill>
+                  <a:schemeClr val="tx1"/>
+                </a:solidFill>
+                <a:latin typeface="+mn-lt"/>
+                <a:ea typeface="+mn-ea"/>
+                <a:cs typeface="+mn-cs"/>
+              </a:rPr>
+              <a:t>activo</a:t>
+            </a:r>
+            <a:r>
+              <a:rPr lang="pt-PT" sz="1200" kern="1200" dirty="0" smtClean="0">
+                <a:solidFill>
+                  <a:schemeClr val="tx1"/>
+                </a:solidFill>
+                <a:latin typeface="+mn-lt"/>
+                <a:ea typeface="+mn-ea"/>
+                <a:cs typeface="+mn-cs"/>
+              </a:rPr>
+              <a:t>.</a:t>
+            </a:r>
+          </a:p>
+          <a:p>
+            <a:r>
+              <a:rPr lang="pt-PT" sz="1200" kern="1200" dirty="0" smtClean="0">
+                <a:solidFill>
+                  <a:schemeClr val="tx1"/>
+                </a:solidFill>
+                <a:latin typeface="+mn-lt"/>
+                <a:ea typeface="+mn-ea"/>
+                <a:cs typeface="+mn-cs"/>
+              </a:rPr>
+              <a:t>Nestes testes apenas a transferência em curso estava </a:t>
+            </a:r>
+            <a:r>
+              <a:rPr lang="pt-PT" sz="1200" kern="1200" dirty="0" err="1" smtClean="0">
+                <a:solidFill>
+                  <a:schemeClr val="tx1"/>
+                </a:solidFill>
+                <a:latin typeface="+mn-lt"/>
+                <a:ea typeface="+mn-ea"/>
+                <a:cs typeface="+mn-cs"/>
+              </a:rPr>
+              <a:t>activa</a:t>
+            </a:r>
+            <a:r>
+              <a:rPr lang="pt-PT" sz="1200" kern="1200" dirty="0" smtClean="0">
+                <a:solidFill>
+                  <a:schemeClr val="tx1"/>
+                </a:solidFill>
+                <a:latin typeface="+mn-lt"/>
+                <a:ea typeface="+mn-ea"/>
+                <a:cs typeface="+mn-cs"/>
+              </a:rPr>
+              <a:t> não existindo mais fluxos de rede, este teste serviu para verificar se a introdução do </a:t>
+            </a:r>
+            <a:r>
+              <a:rPr lang="pt-PT" sz="1200" kern="1200" dirty="0" err="1" smtClean="0">
+                <a:solidFill>
+                  <a:schemeClr val="tx1"/>
+                </a:solidFill>
+                <a:latin typeface="+mn-lt"/>
+                <a:ea typeface="+mn-ea"/>
+                <a:cs typeface="+mn-cs"/>
+              </a:rPr>
+              <a:t>MRoP</a:t>
+            </a:r>
+            <a:r>
+              <a:rPr lang="pt-PT" sz="1200" kern="1200" dirty="0" smtClean="0">
+                <a:solidFill>
+                  <a:schemeClr val="tx1"/>
+                </a:solidFill>
+                <a:latin typeface="+mn-lt"/>
+                <a:ea typeface="+mn-ea"/>
+                <a:cs typeface="+mn-cs"/>
+              </a:rPr>
+              <a:t> no sistema </a:t>
+            </a:r>
+            <a:r>
+              <a:rPr lang="pt-PT" sz="1200" kern="1200" dirty="0" err="1" smtClean="0">
+                <a:solidFill>
+                  <a:schemeClr val="tx1"/>
+                </a:solidFill>
+                <a:latin typeface="+mn-lt"/>
+                <a:ea typeface="+mn-ea"/>
+                <a:cs typeface="+mn-cs"/>
+              </a:rPr>
+              <a:t>actual</a:t>
+            </a:r>
+            <a:r>
+              <a:rPr lang="pt-PT" sz="1200" kern="1200" dirty="0" smtClean="0">
+                <a:solidFill>
+                  <a:schemeClr val="tx1"/>
+                </a:solidFill>
+                <a:latin typeface="+mn-lt"/>
+                <a:ea typeface="+mn-ea"/>
+                <a:cs typeface="+mn-cs"/>
+              </a:rPr>
+              <a:t> causa alguma sobrecarga significativa.</a:t>
+            </a:r>
+          </a:p>
+          <a:p>
+            <a:r>
+              <a:rPr lang="pt-PT" sz="1200" kern="1200" dirty="0" smtClean="0">
+                <a:solidFill>
+                  <a:schemeClr val="tx1"/>
+                </a:solidFill>
+                <a:latin typeface="+mn-lt"/>
+                <a:ea typeface="+mn-ea"/>
+                <a:cs typeface="+mn-cs"/>
+              </a:rPr>
+              <a:t>No segundo cenário, existem dois fluxos de dados </a:t>
+            </a:r>
+            <a:r>
+              <a:rPr lang="pt-PT" sz="1200" kern="1200" dirty="0" err="1" smtClean="0">
+                <a:solidFill>
+                  <a:schemeClr val="tx1"/>
+                </a:solidFill>
+                <a:latin typeface="+mn-lt"/>
+                <a:ea typeface="+mn-ea"/>
+                <a:cs typeface="+mn-cs"/>
+              </a:rPr>
+              <a:t>activos</a:t>
+            </a:r>
+            <a:r>
+              <a:rPr lang="pt-PT" sz="1200" kern="1200" dirty="0" smtClean="0">
+                <a:solidFill>
+                  <a:schemeClr val="tx1"/>
+                </a:solidFill>
+                <a:latin typeface="+mn-lt"/>
+                <a:ea typeface="+mn-ea"/>
+                <a:cs typeface="+mn-cs"/>
+              </a:rPr>
+              <a:t> em que apenas um destes é o relevante para análise.</a:t>
+            </a:r>
+          </a:p>
+          <a:p>
+            <a:r>
+              <a:rPr lang="pt-PT" sz="1200" kern="1200" dirty="0" smtClean="0">
+                <a:solidFill>
+                  <a:schemeClr val="tx1"/>
+                </a:solidFill>
+                <a:latin typeface="+mn-lt"/>
+                <a:ea typeface="+mn-ea"/>
+                <a:cs typeface="+mn-cs"/>
+              </a:rPr>
+              <a:t>Foram novamente </a:t>
+            </a:r>
+            <a:r>
+              <a:rPr lang="pt-PT" sz="1200" kern="1200" dirty="0" err="1" smtClean="0">
+                <a:solidFill>
+                  <a:schemeClr val="tx1"/>
+                </a:solidFill>
+                <a:latin typeface="+mn-lt"/>
+                <a:ea typeface="+mn-ea"/>
+                <a:cs typeface="+mn-cs"/>
+              </a:rPr>
+              <a:t>efectuados</a:t>
+            </a:r>
+            <a:r>
+              <a:rPr lang="pt-PT" sz="1200" kern="1200" dirty="0" smtClean="0">
+                <a:solidFill>
+                  <a:schemeClr val="tx1"/>
+                </a:solidFill>
+                <a:latin typeface="+mn-lt"/>
+                <a:ea typeface="+mn-ea"/>
+                <a:cs typeface="+mn-cs"/>
+              </a:rPr>
+              <a:t> testes de transferência por </a:t>
+            </a:r>
+            <a:r>
+              <a:rPr lang="pt-PT" sz="1200" kern="1200" dirty="0" err="1" smtClean="0">
+                <a:solidFill>
+                  <a:schemeClr val="tx1"/>
+                </a:solidFill>
+                <a:latin typeface="+mn-lt"/>
+                <a:ea typeface="+mn-ea"/>
+                <a:cs typeface="+mn-cs"/>
+              </a:rPr>
+              <a:t>http</a:t>
+            </a:r>
+            <a:r>
+              <a:rPr lang="pt-PT" sz="1200" kern="1200" dirty="0" smtClean="0">
+                <a:solidFill>
+                  <a:schemeClr val="tx1"/>
+                </a:solidFill>
+                <a:latin typeface="+mn-lt"/>
+                <a:ea typeface="+mn-ea"/>
+                <a:cs typeface="+mn-cs"/>
+              </a:rPr>
+              <a:t> e </a:t>
+            </a:r>
+            <a:r>
+              <a:rPr lang="pt-PT" sz="1200" kern="1200" dirty="0" err="1" smtClean="0">
+                <a:solidFill>
+                  <a:schemeClr val="tx1"/>
+                </a:solidFill>
+                <a:latin typeface="+mn-lt"/>
+                <a:ea typeface="+mn-ea"/>
+                <a:cs typeface="+mn-cs"/>
+              </a:rPr>
+              <a:t>iperf</a:t>
+            </a:r>
+            <a:r>
+              <a:rPr lang="pt-PT" sz="1200" kern="1200" dirty="0" smtClean="0">
+                <a:solidFill>
+                  <a:schemeClr val="tx1"/>
+                </a:solidFill>
+                <a:latin typeface="+mn-lt"/>
+                <a:ea typeface="+mn-ea"/>
+                <a:cs typeface="+mn-cs"/>
+              </a:rPr>
+              <a:t>.</a:t>
+            </a:r>
+          </a:p>
+          <a:p>
+            <a:r>
+              <a:rPr lang="pt-PT" sz="1200" kern="1200" dirty="0" smtClean="0">
+                <a:solidFill>
+                  <a:schemeClr val="tx1"/>
+                </a:solidFill>
+                <a:latin typeface="+mn-lt"/>
+                <a:ea typeface="+mn-ea"/>
+                <a:cs typeface="+mn-cs"/>
+              </a:rPr>
+              <a:t>Foi verificado o tempo médio de transferência sem qualquer monitorização do fluxo de dados do processo alvo.</a:t>
+            </a:r>
+          </a:p>
+          <a:p>
+            <a:r>
+              <a:rPr lang="pt-PT" sz="1200" kern="1200" dirty="0" smtClean="0">
+                <a:solidFill>
+                  <a:schemeClr val="tx1"/>
+                </a:solidFill>
+                <a:latin typeface="+mn-lt"/>
+                <a:ea typeface="+mn-ea"/>
+                <a:cs typeface="+mn-cs"/>
+              </a:rPr>
+              <a:t>Apesar do sistema de monitorização </a:t>
+            </a:r>
+            <a:r>
+              <a:rPr lang="pt-PT" sz="1200" kern="1200" dirty="0" err="1" smtClean="0">
+                <a:solidFill>
+                  <a:schemeClr val="tx1"/>
+                </a:solidFill>
+                <a:latin typeface="+mn-lt"/>
+                <a:ea typeface="+mn-ea"/>
+                <a:cs typeface="+mn-cs"/>
+              </a:rPr>
+              <a:t>actual</a:t>
+            </a:r>
+            <a:r>
+              <a:rPr lang="pt-PT" sz="1200" kern="1200" dirty="0" smtClean="0">
+                <a:solidFill>
+                  <a:schemeClr val="tx1"/>
+                </a:solidFill>
+                <a:latin typeface="+mn-lt"/>
+                <a:ea typeface="+mn-ea"/>
+                <a:cs typeface="+mn-cs"/>
+              </a:rPr>
+              <a:t> permitir a utilização de filtros, para filtrar apenas os fluxos relevantes, este mecanismo de filtragem não foi utilizado pois não se sabiam à priori qual o porto local que a transferência iria utilizar. Mesmo com a utilização do porto de destino, como ambos os fluxos eram dirigidos ao mesmo porto de destino, continuaria a situação captura de todo o tráfego.</a:t>
+            </a:r>
+          </a:p>
+          <a:p>
+            <a:r>
+              <a:rPr lang="pt-PT" sz="1200" kern="1200" dirty="0" smtClean="0">
+                <a:solidFill>
+                  <a:schemeClr val="tx1"/>
+                </a:solidFill>
+                <a:latin typeface="+mn-lt"/>
+                <a:ea typeface="+mn-ea"/>
+                <a:cs typeface="+mn-cs"/>
+              </a:rPr>
+              <a:t>O terceiro teste foi a captura dos pacotes de rede através do sistema de monitorização com o </a:t>
+            </a:r>
+            <a:r>
+              <a:rPr lang="pt-PT" sz="1200" kern="1200" dirty="0" err="1" smtClean="0">
+                <a:solidFill>
+                  <a:schemeClr val="tx1"/>
+                </a:solidFill>
+                <a:latin typeface="+mn-lt"/>
+                <a:ea typeface="+mn-ea"/>
+                <a:cs typeface="+mn-cs"/>
+              </a:rPr>
+              <a:t>MRoP</a:t>
+            </a:r>
+            <a:r>
+              <a:rPr lang="pt-PT" sz="1200" kern="1200" dirty="0" smtClean="0">
+                <a:solidFill>
+                  <a:schemeClr val="tx1"/>
+                </a:solidFill>
+                <a:latin typeface="+mn-lt"/>
+                <a:ea typeface="+mn-ea"/>
+                <a:cs typeface="+mn-cs"/>
+              </a:rPr>
+              <a:t> </a:t>
+            </a:r>
+            <a:r>
+              <a:rPr lang="pt-PT" sz="1200" kern="1200" dirty="0" err="1" smtClean="0">
+                <a:solidFill>
+                  <a:schemeClr val="tx1"/>
+                </a:solidFill>
+                <a:latin typeface="+mn-lt"/>
+                <a:ea typeface="+mn-ea"/>
+                <a:cs typeface="+mn-cs"/>
+              </a:rPr>
+              <a:t>activo</a:t>
+            </a:r>
+            <a:r>
+              <a:rPr lang="pt-PT" sz="1200" kern="1200" dirty="0" smtClean="0">
+                <a:solidFill>
+                  <a:schemeClr val="tx1"/>
+                </a:solidFill>
+                <a:latin typeface="+mn-lt"/>
+                <a:ea typeface="+mn-ea"/>
+                <a:cs typeface="+mn-cs"/>
+              </a:rPr>
+              <a:t> e com a indicação de qual o processo a capturar.</a:t>
+            </a:r>
+            <a:endParaRPr lang="pt-PT" sz="1200" kern="1200" dirty="0">
+              <a:solidFill>
+                <a:schemeClr val="tx1"/>
+              </a:solidFill>
+              <a:latin typeface="+mn-lt"/>
+              <a:ea typeface="+mn-ea"/>
+              <a:cs typeface="+mn-cs"/>
+            </a:endParaRPr>
           </a:p>
         </p:txBody>
       </p:sp>
@@ -2343,23 +4531,217 @@
           <a:lstStyle/>
           <a:p>
             <a:r>
-              <a:rPr lang="pt-PT" dirty="0" smtClean="0"/>
-              <a:t>Semelhança dos resultados nos tempos ,</a:t>
-            </a:r>
-            <a:r>
-              <a:rPr lang="pt-PT" baseline="0" dirty="0" smtClean="0"/>
-              <a:t> sem com e com .. </a:t>
-            </a:r>
-          </a:p>
-          <a:p>
-            <a:endParaRPr lang="pt-PT" baseline="0" dirty="0" smtClean="0"/>
-          </a:p>
-          <a:p>
-            <a:r>
-              <a:rPr lang="pt-PT" baseline="0" dirty="0" smtClean="0"/>
-              <a:t>Quando se passou para o cenário de dois fluxos de dados com apenas um relevante … sobrecarregando a rede </a:t>
-            </a:r>
-            <a:endParaRPr lang="pt-PT" dirty="0"/>
+              <a:rPr lang="pt-PT" sz="1200" kern="1200" dirty="0" smtClean="0">
+                <a:solidFill>
+                  <a:schemeClr val="tx1"/>
+                </a:solidFill>
+                <a:latin typeface="+mn-lt"/>
+                <a:ea typeface="+mn-ea"/>
+                <a:cs typeface="+mn-cs"/>
+              </a:rPr>
+              <a:t>Cada um dos testes foi executado dez vezes e, o valor registado na tabela que deu origem ao gráfico, foi a média dos tempos para cada um dos testes.</a:t>
+            </a:r>
+          </a:p>
+          <a:p>
+            <a:r>
+              <a:rPr lang="pt-PT" sz="1200" kern="1200" dirty="0" smtClean="0">
+                <a:solidFill>
+                  <a:schemeClr val="tx1"/>
+                </a:solidFill>
+                <a:latin typeface="+mn-lt"/>
+                <a:ea typeface="+mn-ea"/>
+                <a:cs typeface="+mn-cs"/>
+              </a:rPr>
+              <a:t>Como se pode verificar no gráfico, os resultados dos testes do primeiro cenário, os 4 primeiros testes do gráfico, mostram que não existiu uma sobrecarga relevante ao utilizar a monitorização com o </a:t>
+            </a:r>
+            <a:r>
+              <a:rPr lang="pt-PT" sz="1200" kern="1200" dirty="0" err="1" smtClean="0">
+                <a:solidFill>
+                  <a:schemeClr val="tx1"/>
+                </a:solidFill>
+                <a:latin typeface="+mn-lt"/>
+                <a:ea typeface="+mn-ea"/>
+                <a:cs typeface="+mn-cs"/>
+              </a:rPr>
+              <a:t>MRoP</a:t>
+            </a:r>
+            <a:r>
+              <a:rPr lang="pt-PT" sz="1200" kern="1200" dirty="0" smtClean="0">
+                <a:solidFill>
+                  <a:schemeClr val="tx1"/>
+                </a:solidFill>
+                <a:latin typeface="+mn-lt"/>
+                <a:ea typeface="+mn-ea"/>
+                <a:cs typeface="+mn-cs"/>
+              </a:rPr>
+              <a:t> </a:t>
+            </a:r>
+            <a:r>
+              <a:rPr lang="pt-PT" sz="1200" kern="1200" dirty="0" err="1" smtClean="0">
+                <a:solidFill>
+                  <a:schemeClr val="tx1"/>
+                </a:solidFill>
+                <a:latin typeface="+mn-lt"/>
+                <a:ea typeface="+mn-ea"/>
+                <a:cs typeface="+mn-cs"/>
+              </a:rPr>
+              <a:t>activo</a:t>
+            </a:r>
+            <a:r>
+              <a:rPr lang="pt-PT" sz="1200" kern="1200" dirty="0" smtClean="0">
+                <a:solidFill>
+                  <a:schemeClr val="tx1"/>
+                </a:solidFill>
+                <a:latin typeface="+mn-lt"/>
+                <a:ea typeface="+mn-ea"/>
+                <a:cs typeface="+mn-cs"/>
+              </a:rPr>
+              <a:t> ao verificarmos que os quatro primeiros testes têm os valores original (ou seja sem monitorização), com monitorização e o com monitorização e com o </a:t>
+            </a:r>
+            <a:r>
+              <a:rPr lang="pt-PT" sz="1200" kern="1200" dirty="0" err="1" smtClean="0">
+                <a:solidFill>
+                  <a:schemeClr val="tx1"/>
+                </a:solidFill>
+                <a:latin typeface="+mn-lt"/>
+                <a:ea typeface="+mn-ea"/>
+                <a:cs typeface="+mn-cs"/>
+              </a:rPr>
+              <a:t>MRoP</a:t>
+            </a:r>
+            <a:r>
+              <a:rPr lang="pt-PT" sz="1200" kern="1200" dirty="0" smtClean="0">
+                <a:solidFill>
+                  <a:schemeClr val="tx1"/>
+                </a:solidFill>
+                <a:latin typeface="+mn-lt"/>
+                <a:ea typeface="+mn-ea"/>
+                <a:cs typeface="+mn-cs"/>
+              </a:rPr>
+              <a:t> </a:t>
+            </a:r>
+            <a:r>
+              <a:rPr lang="pt-PT" sz="1200" kern="1200" dirty="0" err="1" smtClean="0">
+                <a:solidFill>
+                  <a:schemeClr val="tx1"/>
+                </a:solidFill>
+                <a:latin typeface="+mn-lt"/>
+                <a:ea typeface="+mn-ea"/>
+                <a:cs typeface="+mn-cs"/>
+              </a:rPr>
+              <a:t>activo</a:t>
+            </a:r>
+            <a:r>
+              <a:rPr lang="pt-PT" sz="1200" kern="1200" dirty="0" smtClean="0">
+                <a:solidFill>
+                  <a:schemeClr val="tx1"/>
+                </a:solidFill>
+                <a:latin typeface="+mn-lt"/>
+                <a:ea typeface="+mn-ea"/>
+                <a:cs typeface="+mn-cs"/>
+              </a:rPr>
+              <a:t>) muito semelhantes entre </a:t>
+            </a:r>
+            <a:r>
+              <a:rPr lang="pt-PT" sz="1200" kern="1200" dirty="0" err="1" smtClean="0">
+                <a:solidFill>
+                  <a:schemeClr val="tx1"/>
+                </a:solidFill>
+                <a:latin typeface="+mn-lt"/>
+                <a:ea typeface="+mn-ea"/>
+                <a:cs typeface="+mn-cs"/>
+              </a:rPr>
+              <a:t>sí</a:t>
+            </a:r>
+            <a:r>
+              <a:rPr lang="pt-PT" sz="1200" kern="1200" dirty="0" smtClean="0">
+                <a:solidFill>
+                  <a:schemeClr val="tx1"/>
+                </a:solidFill>
+                <a:latin typeface="+mn-lt"/>
+                <a:ea typeface="+mn-ea"/>
+                <a:cs typeface="+mn-cs"/>
+              </a:rPr>
+              <a:t>. </a:t>
+            </a:r>
+          </a:p>
+          <a:p>
+            <a:r>
+              <a:rPr lang="pt-PT" sz="1200" kern="1200" dirty="0" smtClean="0">
+                <a:solidFill>
+                  <a:schemeClr val="tx1"/>
+                </a:solidFill>
+                <a:latin typeface="+mn-lt"/>
+                <a:ea typeface="+mn-ea"/>
+                <a:cs typeface="+mn-cs"/>
+              </a:rPr>
+              <a:t> </a:t>
+            </a:r>
+          </a:p>
+          <a:p>
+            <a:r>
+              <a:rPr lang="pt-PT" sz="1200" kern="1200" dirty="0" smtClean="0">
+                <a:solidFill>
+                  <a:schemeClr val="tx1"/>
+                </a:solidFill>
+                <a:latin typeface="+mn-lt"/>
+                <a:ea typeface="+mn-ea"/>
+                <a:cs typeface="+mn-cs"/>
+              </a:rPr>
+              <a:t>Quando se passou para o segundo cenário, em que apenas um dos fluxos é relevante para análise, verificou-se que uma sobrecarga na utilização da monitorização quando o </a:t>
+            </a:r>
+            <a:r>
+              <a:rPr lang="pt-PT" sz="1200" kern="1200" dirty="0" err="1" smtClean="0">
+                <a:solidFill>
+                  <a:schemeClr val="tx1"/>
+                </a:solidFill>
+                <a:latin typeface="+mn-lt"/>
+                <a:ea typeface="+mn-ea"/>
+                <a:cs typeface="+mn-cs"/>
+              </a:rPr>
+              <a:t>MRoP</a:t>
+            </a:r>
+            <a:r>
+              <a:rPr lang="pt-PT" sz="1200" kern="1200" dirty="0" smtClean="0">
+                <a:solidFill>
+                  <a:schemeClr val="tx1"/>
+                </a:solidFill>
+                <a:latin typeface="+mn-lt"/>
+                <a:ea typeface="+mn-ea"/>
+                <a:cs typeface="+mn-cs"/>
+              </a:rPr>
+              <a:t> não estava </a:t>
+            </a:r>
+            <a:r>
+              <a:rPr lang="pt-PT" sz="1200" kern="1200" dirty="0" err="1" smtClean="0">
+                <a:solidFill>
+                  <a:schemeClr val="tx1"/>
+                </a:solidFill>
+                <a:latin typeface="+mn-lt"/>
+                <a:ea typeface="+mn-ea"/>
+                <a:cs typeface="+mn-cs"/>
+              </a:rPr>
+              <a:t>activo</a:t>
+            </a:r>
+            <a:r>
+              <a:rPr lang="pt-PT" sz="1200" kern="1200" dirty="0" smtClean="0">
+                <a:solidFill>
+                  <a:schemeClr val="tx1"/>
+                </a:solidFill>
+                <a:latin typeface="+mn-lt"/>
+                <a:ea typeface="+mn-ea"/>
+                <a:cs typeface="+mn-cs"/>
+              </a:rPr>
+              <a:t>.</a:t>
+            </a:r>
+            <a:endParaRPr lang="pt-PT" sz="1200" kern="1200" dirty="0">
+              <a:solidFill>
+                <a:schemeClr val="tx1"/>
+              </a:solidFill>
+              <a:latin typeface="+mn-lt"/>
+              <a:ea typeface="+mn-ea"/>
+              <a:cs typeface="+mn-cs"/>
+            </a:endParaRPr>
           </a:p>
         </p:txBody>
       </p:sp>
@@ -2442,56 +4824,261 @@
           <a:lstStyle/>
           <a:p>
             <a:r>
-              <a:rPr lang="pt-PT" dirty="0" smtClean="0"/>
-              <a:t>----</a:t>
-            </a:r>
-          </a:p>
-          <a:p>
-            <a:endParaRPr lang="pt-PT" dirty="0" smtClean="0"/>
-          </a:p>
-          <a:p>
-            <a:r>
-              <a:rPr lang="pt-PT" dirty="0" smtClean="0"/>
+              <a:rPr lang="pt-PT" sz="1200" kern="1200" dirty="0" smtClean="0">
+                <a:solidFill>
+                  <a:schemeClr val="tx1"/>
+                </a:solidFill>
+                <a:latin typeface="+mn-lt"/>
+                <a:ea typeface="+mn-ea"/>
+                <a:cs typeface="+mn-cs"/>
+              </a:rPr>
+              <a:t>Assim neste gráfico é possível visualizar em pormenor que, como seria de esperar a monitorização sem o </a:t>
+            </a:r>
+            <a:r>
+              <a:rPr lang="pt-PT" sz="1200" kern="1200" dirty="0" err="1" smtClean="0">
+                <a:solidFill>
+                  <a:schemeClr val="tx1"/>
+                </a:solidFill>
+                <a:latin typeface="+mn-lt"/>
+                <a:ea typeface="+mn-ea"/>
+                <a:cs typeface="+mn-cs"/>
+              </a:rPr>
+              <a:t>MRoP</a:t>
+            </a:r>
+            <a:r>
+              <a:rPr lang="pt-PT" sz="1200" kern="1200" dirty="0" smtClean="0">
+                <a:solidFill>
+                  <a:schemeClr val="tx1"/>
+                </a:solidFill>
+                <a:latin typeface="+mn-lt"/>
+                <a:ea typeface="+mn-ea"/>
+                <a:cs typeface="+mn-cs"/>
+              </a:rPr>
+              <a:t> </a:t>
+            </a:r>
+            <a:r>
+              <a:rPr lang="pt-PT" sz="1200" kern="1200" dirty="0" err="1" smtClean="0">
+                <a:solidFill>
+                  <a:schemeClr val="tx1"/>
+                </a:solidFill>
+                <a:latin typeface="+mn-lt"/>
+                <a:ea typeface="+mn-ea"/>
+                <a:cs typeface="+mn-cs"/>
+              </a:rPr>
+              <a:t>activo</a:t>
+            </a:r>
+            <a:r>
+              <a:rPr lang="pt-PT" sz="1200" kern="1200" dirty="0" smtClean="0">
+                <a:solidFill>
+                  <a:schemeClr val="tx1"/>
+                </a:solidFill>
+                <a:latin typeface="+mn-lt"/>
+                <a:ea typeface="+mn-ea"/>
+                <a:cs typeface="+mn-cs"/>
+              </a:rPr>
+              <a:t> capturando todo o tráfego existente, obtém uma sobrecarga de 3.5 % face ao teste sem monitorização e ao teste com o </a:t>
+            </a:r>
+            <a:r>
+              <a:rPr lang="pt-PT" sz="1200" kern="1200" dirty="0" err="1" smtClean="0">
+                <a:solidFill>
+                  <a:schemeClr val="tx1"/>
+                </a:solidFill>
+                <a:latin typeface="+mn-lt"/>
+                <a:ea typeface="+mn-ea"/>
+                <a:cs typeface="+mn-cs"/>
+              </a:rPr>
+              <a:t>MRoP</a:t>
+            </a:r>
+            <a:r>
+              <a:rPr lang="pt-PT" sz="1200" kern="1200" dirty="0" smtClean="0">
+                <a:solidFill>
+                  <a:schemeClr val="tx1"/>
+                </a:solidFill>
+                <a:latin typeface="+mn-lt"/>
+                <a:ea typeface="+mn-ea"/>
+                <a:cs typeface="+mn-cs"/>
+              </a:rPr>
+              <a:t> </a:t>
+            </a:r>
+            <a:r>
+              <a:rPr lang="pt-PT" sz="1200" kern="1200" dirty="0" err="1" smtClean="0">
+                <a:solidFill>
+                  <a:schemeClr val="tx1"/>
+                </a:solidFill>
+                <a:latin typeface="+mn-lt"/>
+                <a:ea typeface="+mn-ea"/>
+                <a:cs typeface="+mn-cs"/>
+              </a:rPr>
+              <a:t>activo</a:t>
+            </a:r>
+            <a:r>
+              <a:rPr lang="pt-PT" sz="1200" kern="1200" dirty="0" smtClean="0">
+                <a:solidFill>
+                  <a:schemeClr val="tx1"/>
+                </a:solidFill>
+                <a:latin typeface="+mn-lt"/>
+                <a:ea typeface="+mn-ea"/>
+                <a:cs typeface="+mn-cs"/>
+              </a:rPr>
+              <a:t>.</a:t>
+            </a:r>
+          </a:p>
+          <a:p>
+            <a:r>
+              <a:rPr lang="pt-PT" sz="1200" kern="1200" dirty="0" smtClean="0">
+                <a:solidFill>
+                  <a:schemeClr val="tx1"/>
+                </a:solidFill>
+                <a:latin typeface="+mn-lt"/>
+                <a:ea typeface="+mn-ea"/>
+                <a:cs typeface="+mn-cs"/>
+              </a:rPr>
               <a:t>No caso do </a:t>
             </a:r>
             <a:r>
-              <a:rPr lang="pt-PT" dirty="0" err="1" smtClean="0"/>
+              <a:rPr lang="pt-PT" sz="1200" kern="1200" dirty="0" err="1" smtClean="0">
+                <a:solidFill>
+                  <a:schemeClr val="tx1"/>
+                </a:solidFill>
+                <a:latin typeface="+mn-lt"/>
+                <a:ea typeface="+mn-ea"/>
+                <a:cs typeface="+mn-cs"/>
+              </a:rPr>
               <a:t>udp</a:t>
             </a:r>
             <a:r>
-              <a:rPr lang="pt-PT" dirty="0" smtClean="0"/>
-              <a:t> a</a:t>
-            </a:r>
-            <a:r>
-              <a:rPr lang="pt-PT" baseline="0" dirty="0" smtClean="0"/>
-              <a:t> sobrecarga é </a:t>
-            </a:r>
-            <a:r>
-              <a:rPr lang="pt-PT" baseline="0" dirty="0" err="1" smtClean="0"/>
-              <a:t>identica</a:t>
-            </a:r>
-            <a:r>
-              <a:rPr lang="pt-PT" baseline="0" dirty="0" smtClean="0"/>
-              <a:t> em ambos os casos é reduzida</a:t>
-            </a:r>
-          </a:p>
-          <a:p>
-            <a:endParaRPr lang="pt-PT" baseline="0" dirty="0" smtClean="0"/>
-          </a:p>
-          <a:p>
-            <a:r>
-              <a:rPr lang="pt-PT" baseline="0" dirty="0" smtClean="0"/>
-              <a:t>Em ambos os casos, o novo sistema captura apenas o que interessa, enquanto que no </a:t>
-            </a:r>
-            <a:r>
-              <a:rPr lang="pt-PT" baseline="0" dirty="0" err="1" smtClean="0"/>
+              <a:rPr lang="pt-PT" sz="1200" kern="1200" dirty="0" smtClean="0">
+                <a:solidFill>
+                  <a:schemeClr val="tx1"/>
+                </a:solidFill>
+                <a:latin typeface="+mn-lt"/>
+                <a:ea typeface="+mn-ea"/>
+                <a:cs typeface="+mn-cs"/>
+              </a:rPr>
+              <a:t> a sobrecarga é idêntica em ambos os casos, sendo reduzida.</a:t>
+            </a:r>
+          </a:p>
+          <a:p>
+            <a:r>
+              <a:rPr lang="pt-PT" sz="1200" kern="1200" dirty="0" smtClean="0">
+                <a:solidFill>
+                  <a:schemeClr val="tx1"/>
+                </a:solidFill>
+                <a:latin typeface="+mn-lt"/>
+                <a:ea typeface="+mn-ea"/>
+                <a:cs typeface="+mn-cs"/>
+              </a:rPr>
+              <a:t>Em ambos os casos, o </a:t>
+            </a:r>
+            <a:r>
+              <a:rPr lang="pt-PT" sz="1200" kern="1200" dirty="0" err="1" smtClean="0">
+                <a:solidFill>
+                  <a:schemeClr val="tx1"/>
+                </a:solidFill>
+                <a:latin typeface="+mn-lt"/>
+                <a:ea typeface="+mn-ea"/>
+                <a:cs typeface="+mn-cs"/>
+              </a:rPr>
+              <a:t>MRoP</a:t>
+            </a:r>
+            <a:r>
+              <a:rPr lang="pt-PT" sz="1200" kern="1200" dirty="0" smtClean="0">
+                <a:solidFill>
+                  <a:schemeClr val="tx1"/>
+                </a:solidFill>
+                <a:latin typeface="+mn-lt"/>
+                <a:ea typeface="+mn-ea"/>
+                <a:cs typeface="+mn-cs"/>
+              </a:rPr>
+              <a:t> captura apenas o que é relevante para análise, enquanto no </a:t>
+            </a:r>
+            <a:r>
+              <a:rPr lang="pt-PT" sz="1200" kern="1200" dirty="0" err="1" smtClean="0">
+                <a:solidFill>
+                  <a:schemeClr val="tx1"/>
+                </a:solidFill>
+                <a:latin typeface="+mn-lt"/>
+                <a:ea typeface="+mn-ea"/>
+                <a:cs typeface="+mn-cs"/>
+              </a:rPr>
               <a:t>actual</a:t>
             </a:r>
             <a:r>
-              <a:rPr lang="pt-PT" baseline="0" dirty="0" smtClean="0"/>
-              <a:t> ainda é necessário separar o que é relevante do que não é</a:t>
-            </a:r>
-            <a:endParaRPr lang="pt-PT" dirty="0"/>
+              <a:rPr lang="pt-PT" sz="1200" kern="1200" dirty="0" smtClean="0">
+                <a:solidFill>
+                  <a:schemeClr val="tx1"/>
+                </a:solidFill>
+                <a:latin typeface="+mn-lt"/>
+                <a:ea typeface="+mn-ea"/>
+                <a:cs typeface="+mn-cs"/>
+              </a:rPr>
+              <a:t> ainda é necessário separar o que é relevante do que não é.</a:t>
+            </a:r>
+          </a:p>
+          <a:p>
+            <a:r>
+              <a:rPr lang="pt-PT" sz="1200" kern="1200" dirty="0" smtClean="0">
+                <a:solidFill>
+                  <a:schemeClr val="tx1"/>
+                </a:solidFill>
+                <a:latin typeface="+mn-lt"/>
+                <a:ea typeface="+mn-ea"/>
+                <a:cs typeface="+mn-cs"/>
+              </a:rPr>
+              <a:t>Como se pode verificar a introdução do </a:t>
+            </a:r>
+            <a:r>
+              <a:rPr lang="pt-PT" sz="1200" kern="1200" dirty="0" err="1" smtClean="0">
+                <a:solidFill>
+                  <a:schemeClr val="tx1"/>
+                </a:solidFill>
+                <a:latin typeface="+mn-lt"/>
+                <a:ea typeface="+mn-ea"/>
+                <a:cs typeface="+mn-cs"/>
+              </a:rPr>
+              <a:t>MRoP</a:t>
+            </a:r>
+            <a:r>
+              <a:rPr lang="pt-PT" sz="1200" kern="1200" dirty="0" smtClean="0">
+                <a:solidFill>
+                  <a:schemeClr val="tx1"/>
+                </a:solidFill>
+                <a:latin typeface="+mn-lt"/>
+                <a:ea typeface="+mn-ea"/>
+                <a:cs typeface="+mn-cs"/>
+              </a:rPr>
+              <a:t> no processo de monitorização de rede é uma </a:t>
+            </a:r>
+            <a:r>
+              <a:rPr lang="pt-PT" sz="1200" i="1" kern="1200" dirty="0" smtClean="0">
+                <a:solidFill>
+                  <a:schemeClr val="tx1"/>
+                </a:solidFill>
+                <a:latin typeface="+mn-lt"/>
+                <a:ea typeface="+mn-ea"/>
+                <a:cs typeface="+mn-cs"/>
+              </a:rPr>
+              <a:t>mais-valia</a:t>
+            </a:r>
+            <a:r>
+              <a:rPr lang="pt-PT" sz="1200" kern="1200" dirty="0" smtClean="0">
+                <a:solidFill>
+                  <a:schemeClr val="tx1"/>
+                </a:solidFill>
+                <a:latin typeface="+mn-lt"/>
+                <a:ea typeface="+mn-ea"/>
+                <a:cs typeface="+mn-cs"/>
+              </a:rPr>
+              <a:t>, quando a monitorização cinge-se a um processo. </a:t>
+            </a:r>
+            <a:endParaRPr lang="pt-PT" sz="1200" kern="1200" dirty="0">
+              <a:solidFill>
+                <a:schemeClr val="tx1"/>
+              </a:solidFill>
+              <a:latin typeface="+mn-lt"/>
+              <a:ea typeface="+mn-ea"/>
+              <a:cs typeface="+mn-cs"/>
+            </a:endParaRPr>
           </a:p>
         </p:txBody>
       </p:sp>
@@ -2573,7 +5160,287 @@
           </a:bodyPr>
           <a:lstStyle/>
           <a:p>
-            <a:endParaRPr lang="pt-PT"/>
+            <a:r>
+              <a:rPr lang="pt-PT" sz="1200" kern="1200" dirty="0" smtClean="0">
+                <a:solidFill>
+                  <a:schemeClr val="tx1"/>
+                </a:solidFill>
+                <a:latin typeface="+mn-lt"/>
+                <a:ea typeface="+mn-ea"/>
+                <a:cs typeface="+mn-cs"/>
+              </a:rPr>
+              <a:t>A avaliação de desempenho foi estendida aos componentes de instrumentação e de estado do processo.</a:t>
+            </a:r>
+          </a:p>
+          <a:p>
+            <a:r>
+              <a:rPr lang="pt-PT" sz="1200" kern="1200" dirty="0" smtClean="0">
+                <a:solidFill>
+                  <a:schemeClr val="tx1"/>
+                </a:solidFill>
+                <a:latin typeface="+mn-lt"/>
+                <a:ea typeface="+mn-ea"/>
+                <a:cs typeface="+mn-cs"/>
+              </a:rPr>
+              <a:t>Como exemplo da sobrecarga constante que a instrumentação traz ao </a:t>
+            </a:r>
+            <a:r>
+              <a:rPr lang="pt-PT" sz="1200" kern="1200" dirty="0" err="1" smtClean="0">
+                <a:solidFill>
+                  <a:schemeClr val="tx1"/>
+                </a:solidFill>
+                <a:latin typeface="+mn-lt"/>
+                <a:ea typeface="+mn-ea"/>
+                <a:cs typeface="+mn-cs"/>
+              </a:rPr>
+              <a:t>MRoP</a:t>
+            </a:r>
+            <a:r>
+              <a:rPr lang="pt-PT" sz="1200" kern="1200" dirty="0" smtClean="0">
+                <a:solidFill>
+                  <a:schemeClr val="tx1"/>
+                </a:solidFill>
+                <a:latin typeface="+mn-lt"/>
+                <a:ea typeface="+mn-ea"/>
+                <a:cs typeface="+mn-cs"/>
+              </a:rPr>
+              <a:t>, foi instrumentada a função </a:t>
+            </a:r>
+            <a:r>
+              <a:rPr lang="pt-PT" sz="1200" kern="1200" dirty="0" err="1" smtClean="0">
+                <a:solidFill>
+                  <a:schemeClr val="tx1"/>
+                </a:solidFill>
+                <a:latin typeface="+mn-lt"/>
+                <a:ea typeface="+mn-ea"/>
+                <a:cs typeface="+mn-cs"/>
+              </a:rPr>
+              <a:t>getpid</a:t>
+            </a:r>
+            <a:r>
+              <a:rPr lang="pt-PT" sz="1200" kern="1200" dirty="0" smtClean="0">
+                <a:solidFill>
+                  <a:schemeClr val="tx1"/>
+                </a:solidFill>
+                <a:latin typeface="+mn-lt"/>
+                <a:ea typeface="+mn-ea"/>
+                <a:cs typeface="+mn-cs"/>
+              </a:rPr>
+              <a:t>.</a:t>
+            </a:r>
+          </a:p>
+          <a:p>
+            <a:r>
+              <a:rPr lang="pt-PT" sz="1200" kern="1200" dirty="0" smtClean="0">
+                <a:solidFill>
+                  <a:schemeClr val="tx1"/>
+                </a:solidFill>
+                <a:latin typeface="+mn-lt"/>
+                <a:ea typeface="+mn-ea"/>
+                <a:cs typeface="+mn-cs"/>
+              </a:rPr>
+              <a:t>Esta função foi escolhida por ser muito simples, o que permite que seja </a:t>
+            </a:r>
+          </a:p>
+          <a:p>
+            <a:r>
+              <a:rPr lang="pt-PT" sz="1200" kern="1200" dirty="0" smtClean="0">
+                <a:solidFill>
+                  <a:schemeClr val="tx1"/>
+                </a:solidFill>
+                <a:latin typeface="+mn-lt"/>
+                <a:ea typeface="+mn-ea"/>
+                <a:cs typeface="+mn-cs"/>
+              </a:rPr>
+              <a:t>Como se pode verificar pela tabela de cima, a sobrecarga do mecanismo de monitorização é em média de 0.6101 </a:t>
+            </a:r>
+            <a:r>
+              <a:rPr lang="pt-PT" sz="1200" kern="1200" dirty="0" err="1" smtClean="0">
+                <a:solidFill>
+                  <a:schemeClr val="tx1"/>
+                </a:solidFill>
+                <a:latin typeface="+mn-lt"/>
+                <a:ea typeface="+mn-ea"/>
+                <a:cs typeface="+mn-cs"/>
+              </a:rPr>
+              <a:t>micro-segundos</a:t>
+            </a:r>
+            <a:r>
+              <a:rPr lang="pt-PT" sz="1200" kern="1200" dirty="0" smtClean="0">
+                <a:solidFill>
+                  <a:schemeClr val="tx1"/>
+                </a:solidFill>
+                <a:latin typeface="+mn-lt"/>
+                <a:ea typeface="+mn-ea"/>
+                <a:cs typeface="+mn-cs"/>
+              </a:rPr>
+              <a:t>.</a:t>
+            </a:r>
+          </a:p>
+          <a:p>
+            <a:r>
+              <a:rPr lang="pt-PT" sz="1200" kern="1200" dirty="0" smtClean="0">
+                <a:solidFill>
+                  <a:schemeClr val="tx1"/>
+                </a:solidFill>
+                <a:latin typeface="+mn-lt"/>
+                <a:ea typeface="+mn-ea"/>
+                <a:cs typeface="+mn-cs"/>
+              </a:rPr>
+              <a:t>Nos testes de desempenho do componente de estado do processo, foram </a:t>
+            </a:r>
+            <a:r>
+              <a:rPr lang="pt-PT" sz="1200" kern="1200" dirty="0" err="1" smtClean="0">
+                <a:solidFill>
+                  <a:schemeClr val="tx1"/>
+                </a:solidFill>
+                <a:latin typeface="+mn-lt"/>
+                <a:ea typeface="+mn-ea"/>
+                <a:cs typeface="+mn-cs"/>
+              </a:rPr>
+              <a:t>efectuadas</a:t>
+            </a:r>
+            <a:r>
+              <a:rPr lang="pt-PT" sz="1200" kern="1200" dirty="0" smtClean="0">
+                <a:solidFill>
+                  <a:schemeClr val="tx1"/>
+                </a:solidFill>
+                <a:latin typeface="+mn-lt"/>
+                <a:ea typeface="+mn-ea"/>
+                <a:cs typeface="+mn-cs"/>
+              </a:rPr>
+              <a:t> adições e remoções de elementos do repositório, sendo que em média a adição ao repositório foi de 0.848 </a:t>
+            </a:r>
+            <a:r>
+              <a:rPr lang="pt-PT" sz="1200" kern="1200" dirty="0" err="1" smtClean="0">
+                <a:solidFill>
+                  <a:schemeClr val="tx1"/>
+                </a:solidFill>
+                <a:latin typeface="+mn-lt"/>
+                <a:ea typeface="+mn-ea"/>
+                <a:cs typeface="+mn-cs"/>
+              </a:rPr>
+              <a:t>micro-segundos</a:t>
+            </a:r>
+            <a:r>
+              <a:rPr lang="pt-PT" sz="1200" kern="1200" dirty="0" smtClean="0">
+                <a:solidFill>
+                  <a:schemeClr val="tx1"/>
+                </a:solidFill>
+                <a:latin typeface="+mn-lt"/>
+                <a:ea typeface="+mn-ea"/>
+                <a:cs typeface="+mn-cs"/>
+              </a:rPr>
+              <a:t> e da remoção foi de 0.659 </a:t>
+            </a:r>
+            <a:r>
+              <a:rPr lang="pt-PT" sz="1200" kern="1200" dirty="0" err="1" smtClean="0">
+                <a:solidFill>
+                  <a:schemeClr val="tx1"/>
+                </a:solidFill>
+                <a:latin typeface="+mn-lt"/>
+                <a:ea typeface="+mn-ea"/>
+                <a:cs typeface="+mn-cs"/>
+              </a:rPr>
+              <a:t>microsegundos</a:t>
+            </a:r>
+            <a:r>
+              <a:rPr lang="pt-PT" sz="1200" kern="1200" dirty="0" smtClean="0">
+                <a:solidFill>
+                  <a:schemeClr val="tx1"/>
+                </a:solidFill>
+                <a:latin typeface="+mn-lt"/>
+                <a:ea typeface="+mn-ea"/>
+                <a:cs typeface="+mn-cs"/>
+              </a:rPr>
+              <a:t>.</a:t>
+            </a:r>
+          </a:p>
+          <a:p>
+            <a:r>
+              <a:rPr lang="pt-PT" sz="1200" kern="1200" dirty="0" smtClean="0">
+                <a:solidFill>
+                  <a:schemeClr val="tx1"/>
+                </a:solidFill>
+                <a:latin typeface="+mn-lt"/>
+                <a:ea typeface="+mn-ea"/>
+                <a:cs typeface="+mn-cs"/>
+              </a:rPr>
+              <a:t>A pesquisa de elementos no pior caso, o caso em que se quer obter um elemento dos extremos da árvore. Este teste foi </a:t>
+            </a:r>
+            <a:r>
+              <a:rPr lang="pt-PT" sz="1200" kern="1200" dirty="0" err="1" smtClean="0">
+                <a:solidFill>
+                  <a:schemeClr val="tx1"/>
+                </a:solidFill>
+                <a:latin typeface="+mn-lt"/>
+                <a:ea typeface="+mn-ea"/>
+                <a:cs typeface="+mn-cs"/>
+              </a:rPr>
+              <a:t>efectuado</a:t>
+            </a:r>
+            <a:r>
+              <a:rPr lang="pt-PT" sz="1200" kern="1200" dirty="0" smtClean="0">
+                <a:solidFill>
+                  <a:schemeClr val="tx1"/>
+                </a:solidFill>
+                <a:latin typeface="+mn-lt"/>
+                <a:ea typeface="+mn-ea"/>
+                <a:cs typeface="+mn-cs"/>
+              </a:rPr>
+              <a:t> com o repositório com 1024 elementos distintos, sendo por isso um bom indicador do desempenho deste no pior caso.</a:t>
+            </a:r>
+          </a:p>
+          <a:p>
+            <a:r>
+              <a:rPr lang="pt-PT" sz="1200" kern="1200" dirty="0" smtClean="0">
+                <a:solidFill>
+                  <a:schemeClr val="tx1"/>
+                </a:solidFill>
+                <a:latin typeface="+mn-lt"/>
+                <a:ea typeface="+mn-ea"/>
+                <a:cs typeface="+mn-cs"/>
+              </a:rPr>
+              <a:t>O valor médio neste teste foi de 1.327 </a:t>
+            </a:r>
+            <a:r>
+              <a:rPr lang="pt-PT" sz="1200" kern="1200" dirty="0" err="1" smtClean="0">
+                <a:solidFill>
+                  <a:schemeClr val="tx1"/>
+                </a:solidFill>
+                <a:latin typeface="+mn-lt"/>
+                <a:ea typeface="+mn-ea"/>
+                <a:cs typeface="+mn-cs"/>
+              </a:rPr>
+              <a:t>micro-segundos</a:t>
+            </a:r>
+            <a:r>
+              <a:rPr lang="pt-PT" sz="1200" kern="1200" dirty="0" smtClean="0">
+                <a:solidFill>
+                  <a:schemeClr val="tx1"/>
+                </a:solidFill>
+                <a:latin typeface="+mn-lt"/>
+                <a:ea typeface="+mn-ea"/>
+                <a:cs typeface="+mn-cs"/>
+              </a:rPr>
+              <a:t>.</a:t>
+            </a:r>
+          </a:p>
+          <a:p>
+            <a:r>
+              <a:rPr lang="pt-PT" sz="1200" kern="1200" dirty="0" smtClean="0">
+                <a:solidFill>
+                  <a:schemeClr val="tx1"/>
+                </a:solidFill>
+                <a:latin typeface="+mn-lt"/>
+                <a:ea typeface="+mn-ea"/>
+                <a:cs typeface="+mn-cs"/>
+              </a:rPr>
+              <a:t>Como em geral, em execuções reais um programa não utiliza tantos portos em simultâneo, são esperados tempos inferiores a este.</a:t>
+            </a:r>
+          </a:p>
+          <a:p>
+            <a:endParaRPr lang="pt-PT" dirty="0"/>
           </a:p>
         </p:txBody>
       </p:sp>
@@ -2655,7 +5522,182 @@
           </a:bodyPr>
           <a:lstStyle/>
           <a:p>
-            <a:endParaRPr lang="pt-PT"/>
+            <a:r>
+              <a:rPr lang="pt-PT" sz="1200" kern="1200" dirty="0" smtClean="0">
+                <a:solidFill>
+                  <a:schemeClr val="tx1"/>
+                </a:solidFill>
+                <a:latin typeface="+mn-lt"/>
+                <a:ea typeface="+mn-ea"/>
+                <a:cs typeface="+mn-cs"/>
+              </a:rPr>
+              <a:t>A monitorização é uma excelente forma de compreender o comportamento dos programas em execuções reais, </a:t>
+            </a:r>
+            <a:r>
+              <a:rPr lang="pt-PT" sz="1200" kern="1200" dirty="0" err="1" smtClean="0">
+                <a:solidFill>
+                  <a:schemeClr val="tx1"/>
+                </a:solidFill>
+                <a:latin typeface="+mn-lt"/>
+                <a:ea typeface="+mn-ea"/>
+                <a:cs typeface="+mn-cs"/>
+              </a:rPr>
+              <a:t>efectuar</a:t>
+            </a:r>
+            <a:r>
+              <a:rPr lang="pt-PT" sz="1200" kern="1200" dirty="0" smtClean="0">
+                <a:solidFill>
+                  <a:schemeClr val="tx1"/>
+                </a:solidFill>
+                <a:latin typeface="+mn-lt"/>
+                <a:ea typeface="+mn-ea"/>
+                <a:cs typeface="+mn-cs"/>
+              </a:rPr>
+              <a:t> análises aos recursos utilizados de modo a gerar um perfil relativo ao desempenho e na sua </a:t>
+            </a:r>
+            <a:r>
+              <a:rPr lang="pt-PT" sz="1200" kern="1200" dirty="0" err="1" smtClean="0">
+                <a:solidFill>
+                  <a:schemeClr val="tx1"/>
+                </a:solidFill>
+                <a:latin typeface="+mn-lt"/>
+                <a:ea typeface="+mn-ea"/>
+                <a:cs typeface="+mn-cs"/>
+              </a:rPr>
+              <a:t>correcção</a:t>
+            </a:r>
+            <a:r>
+              <a:rPr lang="pt-PT" sz="1200" kern="1200" dirty="0" smtClean="0">
+                <a:solidFill>
+                  <a:schemeClr val="tx1"/>
+                </a:solidFill>
+                <a:latin typeface="+mn-lt"/>
+                <a:ea typeface="+mn-ea"/>
+                <a:cs typeface="+mn-cs"/>
+              </a:rPr>
+              <a:t>.</a:t>
+            </a:r>
+          </a:p>
+          <a:p>
+            <a:r>
+              <a:rPr lang="pt-PT" sz="1200" kern="1200" dirty="0" smtClean="0">
+                <a:solidFill>
+                  <a:schemeClr val="tx1"/>
+                </a:solidFill>
+                <a:latin typeface="+mn-lt"/>
+                <a:ea typeface="+mn-ea"/>
+                <a:cs typeface="+mn-cs"/>
+              </a:rPr>
+              <a:t>A monitorização pode ser realizada de modo </a:t>
+            </a:r>
+            <a:r>
+              <a:rPr lang="pt-PT" sz="1200" kern="1200" dirty="0" err="1" smtClean="0">
+                <a:solidFill>
+                  <a:schemeClr val="tx1"/>
+                </a:solidFill>
+                <a:latin typeface="+mn-lt"/>
+                <a:ea typeface="+mn-ea"/>
+                <a:cs typeface="+mn-cs"/>
+              </a:rPr>
+              <a:t>activo</a:t>
+            </a:r>
+            <a:r>
+              <a:rPr lang="pt-PT" sz="1200" kern="1200" dirty="0" smtClean="0">
+                <a:solidFill>
+                  <a:schemeClr val="tx1"/>
+                </a:solidFill>
+                <a:latin typeface="+mn-lt"/>
+                <a:ea typeface="+mn-ea"/>
+                <a:cs typeface="+mn-cs"/>
+              </a:rPr>
+              <a:t>, inquirindo o monitor sobre a análise ou de modo passivo, registando todos os dados para posterior análise.</a:t>
+            </a:r>
+          </a:p>
+          <a:p>
+            <a:r>
+              <a:rPr lang="pt-PT" sz="1200" kern="1200" dirty="0" smtClean="0">
+                <a:solidFill>
+                  <a:schemeClr val="tx1"/>
+                </a:solidFill>
+                <a:latin typeface="+mn-lt"/>
+                <a:ea typeface="+mn-ea"/>
+                <a:cs typeface="+mn-cs"/>
+              </a:rPr>
+              <a:t>De modo a proceder à monitorização pode ser necessário instrumentar funções ou biblioteca.</a:t>
+            </a:r>
+          </a:p>
+          <a:p>
+            <a:r>
+              <a:rPr lang="pt-PT" sz="1200" kern="1200" dirty="0" smtClean="0">
+                <a:solidFill>
+                  <a:schemeClr val="tx1"/>
+                </a:solidFill>
+                <a:latin typeface="+mn-lt"/>
+                <a:ea typeface="+mn-ea"/>
+                <a:cs typeface="+mn-cs"/>
+              </a:rPr>
+              <a:t>A instrumentação pode ser estática necessitando de gerar novos executáveis sempre que se queira realizar uma análise diferente, ou a dinâmica adicionar e remover pontos de análise em tempo de execução.</a:t>
+            </a:r>
+          </a:p>
+          <a:p>
+            <a:r>
+              <a:rPr lang="pt-PT" sz="1200" kern="1200" dirty="0" smtClean="0">
+                <a:solidFill>
+                  <a:schemeClr val="tx1"/>
+                </a:solidFill>
+                <a:latin typeface="+mn-lt"/>
+                <a:ea typeface="+mn-ea"/>
+                <a:cs typeface="+mn-cs"/>
+              </a:rPr>
+              <a:t>Os dados obtidos através da monitorização podem ser analisados durante a monitorização, ou seja, </a:t>
+            </a:r>
+            <a:r>
+              <a:rPr lang="pt-PT" sz="1200" i="1" kern="1200" dirty="0" smtClean="0">
+                <a:solidFill>
+                  <a:schemeClr val="tx1"/>
+                </a:solidFill>
+                <a:latin typeface="+mn-lt"/>
+                <a:ea typeface="+mn-ea"/>
+                <a:cs typeface="+mn-cs"/>
+              </a:rPr>
+              <a:t>online</a:t>
+            </a:r>
+            <a:r>
+              <a:rPr lang="pt-PT" sz="1200" kern="1200" dirty="0" smtClean="0">
+                <a:solidFill>
+                  <a:schemeClr val="tx1"/>
+                </a:solidFill>
+                <a:latin typeface="+mn-lt"/>
+                <a:ea typeface="+mn-ea"/>
+                <a:cs typeface="+mn-cs"/>
+              </a:rPr>
+              <a:t>, ou após esta se ter completado, permitindo visualizar toda a história, offline ou </a:t>
+            </a:r>
+            <a:r>
+              <a:rPr lang="pt-PT" sz="1200" i="1" kern="1200" dirty="0" err="1" smtClean="0">
+                <a:solidFill>
+                  <a:schemeClr val="tx1"/>
+                </a:solidFill>
+                <a:latin typeface="+mn-lt"/>
+                <a:ea typeface="+mn-ea"/>
+                <a:cs typeface="+mn-cs"/>
+              </a:rPr>
+              <a:t>post-mortem</a:t>
+            </a:r>
+            <a:r>
+              <a:rPr lang="pt-PT" sz="1200" kern="1200" dirty="0" smtClean="0">
+                <a:solidFill>
+                  <a:schemeClr val="tx1"/>
+                </a:solidFill>
+                <a:latin typeface="+mn-lt"/>
+                <a:ea typeface="+mn-ea"/>
+                <a:cs typeface="+mn-cs"/>
+              </a:rPr>
+              <a:t>.</a:t>
+            </a:r>
+          </a:p>
+          <a:p>
+            <a:endParaRPr lang="pt-PT" dirty="0"/>
           </a:p>
         </p:txBody>
       </p:sp>
@@ -2737,7 +5779,209 @@
           </a:bodyPr>
           <a:lstStyle/>
           <a:p>
-            <a:endParaRPr lang="pt-PT"/>
+            <a:r>
+              <a:rPr lang="pt-PT" sz="1200" kern="1200" dirty="0" smtClean="0">
+                <a:solidFill>
+                  <a:schemeClr val="tx1"/>
+                </a:solidFill>
+                <a:latin typeface="+mn-lt"/>
+                <a:ea typeface="+mn-ea"/>
+                <a:cs typeface="+mn-cs"/>
+              </a:rPr>
+              <a:t>Em conclusão foi implementado um módulo do núcleo que estende o </a:t>
+            </a:r>
+            <a:r>
+              <a:rPr lang="pt-PT" sz="1200" kern="1200" dirty="0" err="1" smtClean="0">
+                <a:solidFill>
+                  <a:schemeClr val="tx1"/>
+                </a:solidFill>
+                <a:latin typeface="+mn-lt"/>
+                <a:ea typeface="+mn-ea"/>
+                <a:cs typeface="+mn-cs"/>
+              </a:rPr>
+              <a:t>PCap</a:t>
+            </a:r>
+            <a:r>
+              <a:rPr lang="pt-PT" sz="1200" kern="1200" dirty="0" smtClean="0">
+                <a:solidFill>
+                  <a:schemeClr val="tx1"/>
+                </a:solidFill>
+                <a:latin typeface="+mn-lt"/>
+                <a:ea typeface="+mn-ea"/>
+                <a:cs typeface="+mn-cs"/>
+              </a:rPr>
+              <a:t>/LSF na filtragem orientada ao processo (</a:t>
+            </a:r>
+            <a:r>
+              <a:rPr lang="pt-PT" sz="1200" kern="1200" dirty="0" err="1" smtClean="0">
+                <a:solidFill>
+                  <a:schemeClr val="tx1"/>
+                </a:solidFill>
+                <a:latin typeface="+mn-lt"/>
+                <a:ea typeface="+mn-ea"/>
+                <a:cs typeface="+mn-cs"/>
+              </a:rPr>
+              <a:t>MRoP</a:t>
+            </a:r>
+            <a:r>
+              <a:rPr lang="pt-PT" sz="1200" kern="1200" dirty="0" smtClean="0">
+                <a:solidFill>
+                  <a:schemeClr val="tx1"/>
+                </a:solidFill>
+                <a:latin typeface="+mn-lt"/>
+                <a:ea typeface="+mn-ea"/>
+                <a:cs typeface="+mn-cs"/>
+              </a:rPr>
+              <a:t>).</a:t>
+            </a:r>
+          </a:p>
+          <a:p>
+            <a:r>
+              <a:rPr lang="pt-PT" sz="1200" kern="1200" dirty="0" smtClean="0">
+                <a:solidFill>
+                  <a:schemeClr val="tx1"/>
+                </a:solidFill>
+                <a:latin typeface="+mn-lt"/>
+                <a:ea typeface="+mn-ea"/>
+                <a:cs typeface="+mn-cs"/>
+              </a:rPr>
+              <a:t>Este mecanismo obtém apenas os pacotes referentes ao processo alvo.</a:t>
+            </a:r>
+          </a:p>
+          <a:p>
+            <a:r>
+              <a:rPr lang="pt-PT" sz="1200" kern="1200" dirty="0" smtClean="0">
+                <a:solidFill>
+                  <a:schemeClr val="tx1"/>
+                </a:solidFill>
+                <a:latin typeface="+mn-lt"/>
+                <a:ea typeface="+mn-ea"/>
+                <a:cs typeface="+mn-cs"/>
+              </a:rPr>
+              <a:t>Mesmo com o </a:t>
+            </a:r>
+            <a:r>
+              <a:rPr lang="pt-PT" sz="1200" kern="1200" dirty="0" err="1" smtClean="0">
+                <a:solidFill>
+                  <a:schemeClr val="tx1"/>
+                </a:solidFill>
+                <a:latin typeface="+mn-lt"/>
+                <a:ea typeface="+mn-ea"/>
+                <a:cs typeface="+mn-cs"/>
+              </a:rPr>
+              <a:t>MRoP</a:t>
+            </a:r>
+            <a:r>
+              <a:rPr lang="pt-PT" sz="1200" kern="1200" dirty="0" smtClean="0">
+                <a:solidFill>
+                  <a:schemeClr val="tx1"/>
+                </a:solidFill>
+                <a:latin typeface="+mn-lt"/>
+                <a:ea typeface="+mn-ea"/>
+                <a:cs typeface="+mn-cs"/>
+              </a:rPr>
+              <a:t> </a:t>
+            </a:r>
+            <a:r>
+              <a:rPr lang="pt-PT" sz="1200" kern="1200" dirty="0" err="1" smtClean="0">
+                <a:solidFill>
+                  <a:schemeClr val="tx1"/>
+                </a:solidFill>
+                <a:latin typeface="+mn-lt"/>
+                <a:ea typeface="+mn-ea"/>
+                <a:cs typeface="+mn-cs"/>
+              </a:rPr>
+              <a:t>activo</a:t>
+            </a:r>
+            <a:r>
+              <a:rPr lang="pt-PT" sz="1200" kern="1200" dirty="0" smtClean="0">
+                <a:solidFill>
+                  <a:schemeClr val="tx1"/>
+                </a:solidFill>
+                <a:latin typeface="+mn-lt"/>
+                <a:ea typeface="+mn-ea"/>
+                <a:cs typeface="+mn-cs"/>
+              </a:rPr>
+              <a:t> é possível continuar a utilizar os filtros do </a:t>
+            </a:r>
+            <a:r>
+              <a:rPr lang="pt-PT" sz="1200" kern="1200" dirty="0" err="1" smtClean="0">
+                <a:solidFill>
+                  <a:schemeClr val="tx1"/>
+                </a:solidFill>
+                <a:latin typeface="+mn-lt"/>
+                <a:ea typeface="+mn-ea"/>
+                <a:cs typeface="+mn-cs"/>
+              </a:rPr>
+              <a:t>bpf</a:t>
+            </a:r>
+            <a:r>
+              <a:rPr lang="pt-PT" sz="1200" kern="1200" dirty="0" smtClean="0">
+                <a:solidFill>
+                  <a:schemeClr val="tx1"/>
+                </a:solidFill>
+                <a:latin typeface="+mn-lt"/>
+                <a:ea typeface="+mn-ea"/>
+                <a:cs typeface="+mn-cs"/>
+              </a:rPr>
+              <a:t>, criando um ambiente de monitorização mais eficiente e com menor sobrecarga principalmente nos casos em que se quer capturar apenas uma parte do tráfego, o correspondente a um processo ou conjunto de processos.</a:t>
+            </a:r>
+          </a:p>
+          <a:p>
+            <a:r>
+              <a:rPr lang="pt-PT" sz="1200" kern="1200" dirty="0" smtClean="0">
+                <a:solidFill>
+                  <a:schemeClr val="tx1"/>
+                </a:solidFill>
+                <a:latin typeface="+mn-lt"/>
+                <a:ea typeface="+mn-ea"/>
+                <a:cs typeface="+mn-cs"/>
+              </a:rPr>
+              <a:t>Continua-se a ter uma sobrecarga mínima no sistema o que era de todo desejável pois os mecanismos que existiam até ao momento tinham uma sobrecarga elevada.</a:t>
+            </a:r>
+          </a:p>
+          <a:p>
+            <a:r>
+              <a:rPr lang="pt-PT" sz="1200" kern="1200" dirty="0" smtClean="0">
+                <a:solidFill>
+                  <a:schemeClr val="tx1"/>
+                </a:solidFill>
+                <a:latin typeface="+mn-lt"/>
+                <a:ea typeface="+mn-ea"/>
+                <a:cs typeface="+mn-cs"/>
+              </a:rPr>
+              <a:t>Como trabalho futuro, existe a disponibilização deste módulo e o </a:t>
+            </a:r>
+            <a:r>
+              <a:rPr lang="pt-PT" sz="1200" kern="1200" dirty="0" err="1" smtClean="0">
+                <a:solidFill>
+                  <a:schemeClr val="tx1"/>
+                </a:solidFill>
+                <a:latin typeface="+mn-lt"/>
+                <a:ea typeface="+mn-ea"/>
+                <a:cs typeface="+mn-cs"/>
+              </a:rPr>
+              <a:t>respectivo</a:t>
+            </a:r>
+            <a:r>
+              <a:rPr lang="pt-PT" sz="1200" kern="1200" smtClean="0">
+                <a:solidFill>
+                  <a:schemeClr val="tx1"/>
+                </a:solidFill>
+                <a:latin typeface="+mn-lt"/>
+                <a:ea typeface="+mn-ea"/>
+                <a:cs typeface="+mn-cs"/>
+              </a:rPr>
+              <a:t> código fonte, à comunidade, de modo a poder ser extensivamente testado e incluído no núcleo Linux.</a:t>
+            </a:r>
+            <a:endParaRPr lang="pt-PT" sz="1200" kern="1200">
+              <a:solidFill>
+                <a:schemeClr val="tx1"/>
+              </a:solidFill>
+              <a:latin typeface="+mn-lt"/>
+              <a:ea typeface="+mn-ea"/>
+              <a:cs typeface="+mn-cs"/>
+            </a:endParaRPr>
           </a:p>
         </p:txBody>
       </p:sp>
@@ -3289,7 +6533,7 @@
     </p:spTree>
     <p:extLst>
       <p:ext uri="{BB962C8B-B14F-4D97-AF65-F5344CB8AC3E}">
-        <p14:creationId xmlns:p14="http://schemas.microsoft.com/office/powerpoint/2010/main" xmlns="" val="3724839547"/>
+        <p14:creationId xmlns="" xmlns:p14="http://schemas.microsoft.com/office/powerpoint/2010/main" val="3724839547"/>
       </p:ext>
     </p:extLst>
   </p:cSld>
@@ -3657,7 +6901,7 @@
     </p:spTree>
     <p:extLst>
       <p:ext uri="{BB962C8B-B14F-4D97-AF65-F5344CB8AC3E}">
-        <p14:creationId xmlns:p14="http://schemas.microsoft.com/office/powerpoint/2010/main" xmlns="" val="1742877947"/>
+        <p14:creationId xmlns="" xmlns:p14="http://schemas.microsoft.com/office/powerpoint/2010/main" val="1742877947"/>
       </p:ext>
     </p:extLst>
   </p:cSld>
@@ -3763,6 +7007,181 @@
               <a:rPr lang="pt-PT" dirty="0" smtClean="0"/>
               <a:t>…</a:t>
             </a:r>
+          </a:p>
+          <a:p>
+            <a:endParaRPr lang="pt-PT" dirty="0" smtClean="0"/>
+          </a:p>
+          <a:p>
+            <a:r>
+              <a:rPr lang="pt-PT" sz="1200" kern="1200" dirty="0" smtClean="0">
+                <a:solidFill>
+                  <a:schemeClr val="tx1"/>
+                </a:solidFill>
+                <a:latin typeface="+mn-lt"/>
+                <a:ea typeface="+mn-ea"/>
+                <a:cs typeface="+mn-cs"/>
+              </a:rPr>
+              <a:t>A monitorização de rede é também muito importante pois permite de um modo passivo e transparente para as aplicações </a:t>
+            </a:r>
+            <a:r>
+              <a:rPr lang="pt-PT" sz="1200" kern="1200" dirty="0" err="1" smtClean="0">
+                <a:solidFill>
+                  <a:schemeClr val="tx1"/>
+                </a:solidFill>
+                <a:latin typeface="+mn-lt"/>
+                <a:ea typeface="+mn-ea"/>
+                <a:cs typeface="+mn-cs"/>
+              </a:rPr>
+              <a:t>efectuar</a:t>
+            </a:r>
+            <a:r>
+              <a:rPr lang="pt-PT" sz="1200" kern="1200" dirty="0" smtClean="0">
+                <a:solidFill>
+                  <a:schemeClr val="tx1"/>
+                </a:solidFill>
+                <a:latin typeface="+mn-lt"/>
+                <a:ea typeface="+mn-ea"/>
+                <a:cs typeface="+mn-cs"/>
+              </a:rPr>
+              <a:t> análises aos protocolos de comunicação em utilização, bem como analisar a comunicação entre componentes distribuídos.</a:t>
+            </a:r>
+          </a:p>
+          <a:p>
+            <a:r>
+              <a:rPr lang="pt-PT" sz="1200" kern="1200" dirty="0" smtClean="0">
+                <a:solidFill>
+                  <a:schemeClr val="tx1"/>
+                </a:solidFill>
+                <a:latin typeface="+mn-lt"/>
+                <a:ea typeface="+mn-ea"/>
+                <a:cs typeface="+mn-cs"/>
+              </a:rPr>
+              <a:t>Falhas de comunicação e outros problemas, como os de desempenho são </a:t>
+            </a:r>
+            <a:r>
+              <a:rPr lang="pt-PT" sz="1200" kern="1200" dirty="0" err="1" smtClean="0">
+                <a:solidFill>
+                  <a:schemeClr val="tx1"/>
+                </a:solidFill>
+                <a:latin typeface="+mn-lt"/>
+                <a:ea typeface="+mn-ea"/>
+                <a:cs typeface="+mn-cs"/>
+              </a:rPr>
+              <a:t>detectados</a:t>
+            </a:r>
+            <a:r>
+              <a:rPr lang="pt-PT" sz="1200" kern="1200" dirty="0" smtClean="0">
+                <a:solidFill>
+                  <a:schemeClr val="tx1"/>
+                </a:solidFill>
+                <a:latin typeface="+mn-lt"/>
+                <a:ea typeface="+mn-ea"/>
+                <a:cs typeface="+mn-cs"/>
+              </a:rPr>
+              <a:t> através da monitorização de rede</a:t>
+            </a:r>
+          </a:p>
+          <a:p>
+            <a:r>
+              <a:rPr lang="pt-PT" sz="1200" kern="1200" dirty="0" smtClean="0">
+                <a:solidFill>
+                  <a:schemeClr val="tx1"/>
+                </a:solidFill>
+                <a:latin typeface="+mn-lt"/>
+                <a:ea typeface="+mn-ea"/>
+                <a:cs typeface="+mn-cs"/>
+              </a:rPr>
+              <a:t>Geralmente a monitorização de rede é </a:t>
+            </a:r>
+            <a:r>
+              <a:rPr lang="pt-PT" sz="1200" kern="1200" dirty="0" err="1" smtClean="0">
+                <a:solidFill>
+                  <a:schemeClr val="tx1"/>
+                </a:solidFill>
+                <a:latin typeface="+mn-lt"/>
+                <a:ea typeface="+mn-ea"/>
+                <a:cs typeface="+mn-cs"/>
+              </a:rPr>
+              <a:t>efectuada</a:t>
+            </a:r>
+            <a:r>
+              <a:rPr lang="pt-PT" sz="1200" kern="1200" dirty="0" smtClean="0">
+                <a:solidFill>
+                  <a:schemeClr val="tx1"/>
+                </a:solidFill>
+                <a:latin typeface="+mn-lt"/>
+                <a:ea typeface="+mn-ea"/>
+                <a:cs typeface="+mn-cs"/>
+              </a:rPr>
+              <a:t> muitas vezes pela captura do tráfego, utilizando a biblioteca </a:t>
+            </a:r>
+            <a:r>
+              <a:rPr lang="pt-PT" sz="1200" kern="1200" dirty="0" err="1" smtClean="0">
+                <a:solidFill>
+                  <a:schemeClr val="tx1"/>
+                </a:solidFill>
+                <a:latin typeface="+mn-lt"/>
+                <a:ea typeface="+mn-ea"/>
+                <a:cs typeface="+mn-cs"/>
+              </a:rPr>
+              <a:t>PCap</a:t>
+            </a:r>
+            <a:r>
+              <a:rPr lang="pt-PT" sz="1200" kern="1200" dirty="0" smtClean="0">
+                <a:solidFill>
+                  <a:schemeClr val="tx1"/>
+                </a:solidFill>
+                <a:latin typeface="+mn-lt"/>
+                <a:ea typeface="+mn-ea"/>
+                <a:cs typeface="+mn-cs"/>
+              </a:rPr>
+              <a:t>, pois está presente nos principais sistemas de operação.</a:t>
+            </a:r>
+          </a:p>
+          <a:p>
+            <a:r>
+              <a:rPr lang="pt-PT" sz="1200" kern="1200" dirty="0" smtClean="0">
+                <a:solidFill>
+                  <a:schemeClr val="tx1"/>
+                </a:solidFill>
+                <a:latin typeface="+mn-lt"/>
+                <a:ea typeface="+mn-ea"/>
+                <a:cs typeface="+mn-cs"/>
+              </a:rPr>
+              <a:t>Para diminuir o número de dados a analisar utilizam-se filtros, oferecidos pela biblioteca </a:t>
+            </a:r>
+            <a:r>
+              <a:rPr lang="pt-PT" sz="1200" kern="1200" dirty="0" err="1" smtClean="0">
+                <a:solidFill>
+                  <a:schemeClr val="tx1"/>
+                </a:solidFill>
+                <a:latin typeface="+mn-lt"/>
+                <a:ea typeface="+mn-ea"/>
+                <a:cs typeface="+mn-cs"/>
+              </a:rPr>
+              <a:t>pcap</a:t>
+            </a:r>
+            <a:r>
+              <a:rPr lang="pt-PT" sz="1200" kern="1200" dirty="0" smtClean="0">
+                <a:solidFill>
+                  <a:schemeClr val="tx1"/>
+                </a:solidFill>
+                <a:latin typeface="+mn-lt"/>
+                <a:ea typeface="+mn-ea"/>
+                <a:cs typeface="+mn-cs"/>
+              </a:rPr>
+              <a:t> ou pelo seu suporte no núcleo do sistema de operação.</a:t>
+            </a:r>
+            <a:endParaRPr lang="pt-PT" sz="1200" kern="1200" smtClean="0">
+              <a:solidFill>
+                <a:schemeClr val="tx1"/>
+              </a:solidFill>
+              <a:latin typeface="+mn-lt"/>
+              <a:ea typeface="+mn-ea"/>
+              <a:cs typeface="+mn-cs"/>
+            </a:endParaRPr>
+          </a:p>
+          <a:p>
             <a:endParaRPr lang="pt-PT" dirty="0"/>
           </a:p>
         </p:txBody>
@@ -3845,6 +7264,102 @@
           </a:bodyPr>
           <a:lstStyle/>
           <a:p>
+            <a:r>
+              <a:rPr lang="pt-PT" sz="1200" kern="1200" dirty="0" smtClean="0">
+                <a:solidFill>
+                  <a:schemeClr val="tx1"/>
+                </a:solidFill>
+                <a:latin typeface="+mn-lt"/>
+                <a:ea typeface="+mn-ea"/>
+                <a:cs typeface="+mn-cs"/>
+              </a:rPr>
+              <a:t>Quando apenas se necessita monitorizar um processo, existem dificuldades relativamente a como se proceder.</a:t>
+            </a:r>
+          </a:p>
+          <a:p>
+            <a:r>
+              <a:rPr lang="pt-PT" sz="1200" kern="1200" dirty="0" smtClean="0">
+                <a:solidFill>
+                  <a:schemeClr val="tx1"/>
+                </a:solidFill>
+                <a:latin typeface="+mn-lt"/>
+                <a:ea typeface="+mn-ea"/>
+                <a:cs typeface="+mn-cs"/>
+              </a:rPr>
+              <a:t>Uma dos problemas é como identificar e capturar apenas os fluxos de dados do processo alvo, quando existem outros fluxos de rede.</a:t>
+            </a:r>
+          </a:p>
+          <a:p>
+            <a:r>
+              <a:rPr lang="pt-PT" sz="1200" kern="1200" dirty="0" smtClean="0">
+                <a:solidFill>
+                  <a:schemeClr val="tx1"/>
+                </a:solidFill>
+                <a:latin typeface="+mn-lt"/>
+                <a:ea typeface="+mn-ea"/>
+                <a:cs typeface="+mn-cs"/>
+              </a:rPr>
+              <a:t>Se ao especificar filtros para capturar apenas os fluxos relevantes como saber a priori todos os portos que irão ser utilizados?</a:t>
+            </a:r>
+          </a:p>
+          <a:p>
+            <a:r>
+              <a:rPr lang="pt-PT" sz="1200" kern="1200" dirty="0" smtClean="0">
+                <a:solidFill>
+                  <a:schemeClr val="tx1"/>
+                </a:solidFill>
+                <a:latin typeface="+mn-lt"/>
+                <a:ea typeface="+mn-ea"/>
+                <a:cs typeface="+mn-cs"/>
+              </a:rPr>
+              <a:t>Ao </a:t>
+            </a:r>
+            <a:r>
+              <a:rPr lang="pt-PT" sz="1200" kern="1200" dirty="0" err="1" smtClean="0">
+                <a:solidFill>
+                  <a:schemeClr val="tx1"/>
+                </a:solidFill>
+                <a:latin typeface="+mn-lt"/>
+                <a:ea typeface="+mn-ea"/>
+                <a:cs typeface="+mn-cs"/>
+              </a:rPr>
+              <a:t>efectuar</a:t>
+            </a:r>
+            <a:r>
+              <a:rPr lang="pt-PT" sz="1200" kern="1200" dirty="0" smtClean="0">
+                <a:solidFill>
+                  <a:schemeClr val="tx1"/>
+                </a:solidFill>
+                <a:latin typeface="+mn-lt"/>
+                <a:ea typeface="+mn-ea"/>
+                <a:cs typeface="+mn-cs"/>
+              </a:rPr>
+              <a:t> esta monitorização, com um elevado número de </a:t>
+            </a:r>
+            <a:r>
+              <a:rPr lang="pt-PT" sz="1200" kern="1200" dirty="0" err="1" smtClean="0">
+                <a:solidFill>
+                  <a:schemeClr val="tx1"/>
+                </a:solidFill>
+                <a:latin typeface="+mn-lt"/>
+                <a:ea typeface="+mn-ea"/>
+                <a:cs typeface="+mn-cs"/>
+              </a:rPr>
+              <a:t>interacções</a:t>
+            </a:r>
+            <a:r>
+              <a:rPr lang="pt-PT" sz="1200" kern="1200" dirty="0" smtClean="0">
+                <a:solidFill>
+                  <a:schemeClr val="tx1"/>
+                </a:solidFill>
+                <a:latin typeface="+mn-lt"/>
+                <a:ea typeface="+mn-ea"/>
+                <a:cs typeface="+mn-cs"/>
+              </a:rPr>
+              <a:t> ou de tráfego aumenta-se a sobrecarga no sistema.</a:t>
+            </a:r>
+          </a:p>
+          <a:p>
             <a:endParaRPr lang="pt-PT" dirty="0"/>
           </a:p>
         </p:txBody>
@@ -3928,30 +7443,129 @@
           <a:lstStyle/>
           <a:p>
             <a:r>
-              <a:rPr lang="pt-PT" dirty="0" smtClean="0"/>
-              <a:t>Identificação dos</a:t>
-            </a:r>
-            <a:r>
-              <a:rPr lang="pt-PT" baseline="0" dirty="0" smtClean="0"/>
-              <a:t> processos ao nível do </a:t>
-            </a:r>
-            <a:r>
-              <a:rPr lang="pt-PT" baseline="0" dirty="0" err="1" smtClean="0"/>
-              <a:t>pcap</a:t>
-            </a:r>
-            <a:r>
-              <a:rPr lang="pt-PT" baseline="0" dirty="0" smtClean="0"/>
-              <a:t> / </a:t>
-            </a:r>
-            <a:r>
-              <a:rPr lang="pt-PT" baseline="0" dirty="0" err="1" smtClean="0"/>
-              <a:t>lsf</a:t>
-            </a:r>
-            <a:r>
-              <a:rPr lang="pt-PT" baseline="0" dirty="0" smtClean="0"/>
-              <a:t> </a:t>
-            </a:r>
-            <a:endParaRPr lang="pt-PT" dirty="0"/>
+              <a:rPr lang="pt-PT" sz="1200" kern="1200" dirty="0" smtClean="0">
+                <a:solidFill>
+                  <a:schemeClr val="tx1"/>
+                </a:solidFill>
+                <a:latin typeface="+mn-lt"/>
+                <a:ea typeface="+mn-ea"/>
+                <a:cs typeface="+mn-cs"/>
+              </a:rPr>
+              <a:t>Os desafios anteriormente mencionados são devidos à inexistência de suporte para a identificação do processo responsável por cada pacote de rede, na biblioteca </a:t>
+            </a:r>
+            <a:r>
+              <a:rPr lang="pt-PT" sz="1200" kern="1200" dirty="0" err="1" smtClean="0">
+                <a:solidFill>
+                  <a:schemeClr val="tx1"/>
+                </a:solidFill>
+                <a:latin typeface="+mn-lt"/>
+                <a:ea typeface="+mn-ea"/>
+                <a:cs typeface="+mn-cs"/>
+              </a:rPr>
+              <a:t>PCap</a:t>
+            </a:r>
+            <a:r>
+              <a:rPr lang="pt-PT" sz="1200" kern="1200" dirty="0" smtClean="0">
+                <a:solidFill>
+                  <a:schemeClr val="tx1"/>
+                </a:solidFill>
+                <a:latin typeface="+mn-lt"/>
+                <a:ea typeface="+mn-ea"/>
+                <a:cs typeface="+mn-cs"/>
+              </a:rPr>
+              <a:t> ou no núcleo do sistema de operação.</a:t>
+            </a:r>
+          </a:p>
+          <a:p>
+            <a:r>
+              <a:rPr lang="pt-PT" sz="1200" kern="1200" dirty="0" smtClean="0">
+                <a:solidFill>
+                  <a:schemeClr val="tx1"/>
+                </a:solidFill>
+                <a:latin typeface="+mn-lt"/>
+                <a:ea typeface="+mn-ea"/>
+                <a:cs typeface="+mn-cs"/>
+              </a:rPr>
+              <a:t>A monitorização de rede dos processos em nível utilizador, é limitada a alguns casos e sobrecarrega o sistema.</a:t>
+            </a:r>
+          </a:p>
+          <a:p>
+            <a:r>
+              <a:rPr lang="pt-PT" sz="1200" kern="1200" dirty="0" smtClean="0">
+                <a:solidFill>
+                  <a:schemeClr val="tx1"/>
+                </a:solidFill>
+                <a:latin typeface="+mn-lt"/>
+                <a:ea typeface="+mn-ea"/>
+                <a:cs typeface="+mn-cs"/>
+              </a:rPr>
+              <a:t>A alteração dos filtros através da biblioteca </a:t>
+            </a:r>
+            <a:r>
+              <a:rPr lang="pt-PT" sz="1200" kern="1200" dirty="0" err="1" smtClean="0">
+                <a:solidFill>
+                  <a:schemeClr val="tx1"/>
+                </a:solidFill>
+                <a:latin typeface="+mn-lt"/>
+                <a:ea typeface="+mn-ea"/>
+                <a:cs typeface="+mn-cs"/>
+              </a:rPr>
+              <a:t>PCap</a:t>
+            </a:r>
+            <a:r>
+              <a:rPr lang="pt-PT" sz="1200" kern="1200" dirty="0" smtClean="0">
+                <a:solidFill>
+                  <a:schemeClr val="tx1"/>
+                </a:solidFill>
+                <a:latin typeface="+mn-lt"/>
+                <a:ea typeface="+mn-ea"/>
+                <a:cs typeface="+mn-cs"/>
+              </a:rPr>
+              <a:t> para acomodar as alterações do estado do processo apresenta uma grande latência, como pode ser explicado através da seguinte sequência de eventos.</a:t>
+            </a:r>
+          </a:p>
+          <a:p>
+            <a:r>
+              <a:rPr lang="pt-PT" sz="1200" kern="1200" dirty="0" smtClean="0">
+                <a:solidFill>
+                  <a:schemeClr val="tx1"/>
+                </a:solidFill>
+                <a:latin typeface="+mn-lt"/>
+                <a:ea typeface="+mn-ea"/>
+                <a:cs typeface="+mn-cs"/>
+              </a:rPr>
+              <a:t>Após a criação de um filtro, é necessário a biblioteca compila-lo e </a:t>
+            </a:r>
+            <a:r>
+              <a:rPr lang="pt-PT" sz="1200" kern="1200" dirty="0" err="1" smtClean="0">
+                <a:solidFill>
+                  <a:schemeClr val="tx1"/>
+                </a:solidFill>
+                <a:latin typeface="+mn-lt"/>
+                <a:ea typeface="+mn-ea"/>
+                <a:cs typeface="+mn-cs"/>
+              </a:rPr>
+              <a:t>optimiza-lo</a:t>
+            </a:r>
+            <a:r>
+              <a:rPr lang="pt-PT" sz="1200" kern="1200" dirty="0" smtClean="0">
+                <a:solidFill>
+                  <a:schemeClr val="tx1"/>
+                </a:solidFill>
+                <a:latin typeface="+mn-lt"/>
+                <a:ea typeface="+mn-ea"/>
+                <a:cs typeface="+mn-cs"/>
+              </a:rPr>
+              <a:t>. Antes da sua aplicação no núcleo existe uma drenagem do canal de captura os pacotes, pois podem existir ainda pacotes que se encontram em buffers no núcleo, para que o novo filtro seja apenas aplicado aos novos pacotes. </a:t>
+            </a:r>
+            <a:endParaRPr lang="pt-PT" sz="1200" kern="1200" dirty="0">
+              <a:solidFill>
+                <a:schemeClr val="tx1"/>
+              </a:solidFill>
+              <a:latin typeface="+mn-lt"/>
+              <a:ea typeface="+mn-ea"/>
+              <a:cs typeface="+mn-cs"/>
+            </a:endParaRPr>
           </a:p>
         </p:txBody>
       </p:sp>
@@ -4034,40 +7648,125 @@
           <a:lstStyle/>
           <a:p>
             <a:r>
-              <a:rPr lang="pt-PT" dirty="0" smtClean="0"/>
-              <a:t>Serve para </a:t>
-            </a:r>
-            <a:r>
-              <a:rPr lang="pt-PT" dirty="0" err="1" smtClean="0"/>
+              <a:rPr lang="pt-PT" sz="1200" kern="1200" dirty="0" smtClean="0">
+                <a:solidFill>
+                  <a:schemeClr val="tx1"/>
+                </a:solidFill>
+                <a:latin typeface="+mn-lt"/>
+                <a:ea typeface="+mn-ea"/>
+                <a:cs typeface="+mn-cs"/>
+              </a:rPr>
+              <a:t>Assim a abordagem seguida neste trabalho foi monitorizar o processo no núcleo através do </a:t>
+            </a:r>
+            <a:r>
+              <a:rPr lang="pt-PT" sz="1200" kern="1200" dirty="0" err="1" smtClean="0">
+                <a:solidFill>
+                  <a:schemeClr val="tx1"/>
+                </a:solidFill>
+                <a:latin typeface="+mn-lt"/>
+                <a:ea typeface="+mn-ea"/>
+                <a:cs typeface="+mn-cs"/>
+              </a:rPr>
+              <a:t>KProbes</a:t>
+            </a:r>
+            <a:r>
+              <a:rPr lang="pt-PT" sz="1200" kern="1200" dirty="0" smtClean="0">
+                <a:solidFill>
+                  <a:schemeClr val="tx1"/>
+                </a:solidFill>
+                <a:latin typeface="+mn-lt"/>
+                <a:ea typeface="+mn-ea"/>
+                <a:cs typeface="+mn-cs"/>
+              </a:rPr>
+              <a:t> que instrumenta funções de rede de modo a </a:t>
+            </a:r>
+            <a:r>
+              <a:rPr lang="pt-PT" sz="1200" kern="1200" dirty="0" err="1" smtClean="0">
+                <a:solidFill>
+                  <a:schemeClr val="tx1"/>
+                </a:solidFill>
+                <a:latin typeface="+mn-lt"/>
+                <a:ea typeface="+mn-ea"/>
+                <a:cs typeface="+mn-cs"/>
+              </a:rPr>
               <a:t>detectar</a:t>
             </a:r>
             <a:r>
-              <a:rPr lang="pt-PT" baseline="0" dirty="0" smtClean="0"/>
+              <a:rPr lang="pt-PT" sz="1200" kern="1200" dirty="0" smtClean="0">
+                <a:solidFill>
+                  <a:schemeClr val="tx1"/>
+                </a:solidFill>
+                <a:latin typeface="+mn-lt"/>
+                <a:ea typeface="+mn-ea"/>
+                <a:cs typeface="+mn-cs"/>
+              </a:rPr>
               <a:t> as </a:t>
             </a:r>
             <a:r>
-              <a:rPr lang="pt-PT" baseline="0" dirty="0" err="1" smtClean="0"/>
-              <a:t>interacoes</a:t>
-            </a:r>
-            <a:r>
-              <a:rPr lang="pt-PT" baseline="0" dirty="0" smtClean="0"/>
-              <a:t> via rede … e tudo o resto … </a:t>
-            </a:r>
-          </a:p>
-          <a:p>
-            <a:r>
-              <a:rPr lang="pt-PT" baseline="0" dirty="0" smtClean="0"/>
-              <a:t>Incluir novo filtro com base no passo anterior para </a:t>
-            </a:r>
-            <a:r>
-              <a:rPr lang="pt-PT" baseline="0" dirty="0" err="1" smtClean="0"/>
-              <a:t>detectar</a:t>
-            </a:r>
-            <a:r>
-              <a:rPr lang="pt-PT" baseline="0" dirty="0" smtClean="0"/>
-              <a:t> os pacotes pertences ao processo alvo </a:t>
-            </a:r>
-            <a:endParaRPr lang="pt-PT" dirty="0"/>
+              <a:rPr lang="pt-PT" sz="1200" kern="1200" dirty="0" err="1" smtClean="0">
+                <a:solidFill>
+                  <a:schemeClr val="tx1"/>
+                </a:solidFill>
+                <a:latin typeface="+mn-lt"/>
+                <a:ea typeface="+mn-ea"/>
+                <a:cs typeface="+mn-cs"/>
+              </a:rPr>
+              <a:t>interacções</a:t>
+            </a:r>
+            <a:r>
+              <a:rPr lang="pt-PT" sz="1200" kern="1200" dirty="0" smtClean="0">
+                <a:solidFill>
+                  <a:schemeClr val="tx1"/>
+                </a:solidFill>
+                <a:latin typeface="+mn-lt"/>
+                <a:ea typeface="+mn-ea"/>
+                <a:cs typeface="+mn-cs"/>
+              </a:rPr>
+              <a:t> do processo alvo através da rede para que se tenha sempre o estado do processo </a:t>
+            </a:r>
+            <a:r>
+              <a:rPr lang="pt-PT" sz="1200" kern="1200" dirty="0" err="1" smtClean="0">
+                <a:solidFill>
+                  <a:schemeClr val="tx1"/>
+                </a:solidFill>
+                <a:latin typeface="+mn-lt"/>
+                <a:ea typeface="+mn-ea"/>
+                <a:cs typeface="+mn-cs"/>
+              </a:rPr>
+              <a:t>actualizado</a:t>
+            </a:r>
+            <a:r>
+              <a:rPr lang="pt-PT" sz="1200" kern="1200" dirty="0" smtClean="0">
+                <a:solidFill>
+                  <a:schemeClr val="tx1"/>
+                </a:solidFill>
+                <a:latin typeface="+mn-lt"/>
+                <a:ea typeface="+mn-ea"/>
+                <a:cs typeface="+mn-cs"/>
+              </a:rPr>
+              <a:t>.</a:t>
+            </a:r>
+          </a:p>
+          <a:p>
+            <a:r>
+              <a:rPr lang="pt-PT" sz="1200" kern="1200" dirty="0" smtClean="0">
+                <a:solidFill>
+                  <a:schemeClr val="tx1"/>
+                </a:solidFill>
+                <a:latin typeface="+mn-lt"/>
+                <a:ea typeface="+mn-ea"/>
+                <a:cs typeface="+mn-cs"/>
+              </a:rPr>
+              <a:t>E incluir um novo filtro com base no estado do processo, anteriormente referido, afim de apenas capturar os pacotes pertencentes ao processo alvo.</a:t>
+            </a:r>
+            <a:endParaRPr lang="pt-PT" sz="1200" kern="1200" dirty="0">
+              <a:solidFill>
+                <a:schemeClr val="tx1"/>
+              </a:solidFill>
+              <a:latin typeface="+mn-lt"/>
+              <a:ea typeface="+mn-ea"/>
+              <a:cs typeface="+mn-cs"/>
+            </a:endParaRPr>
           </a:p>
         </p:txBody>
       </p:sp>
@@ -4150,63 +7849,145 @@
           <a:lstStyle/>
           <a:p>
             <a:r>
-              <a:rPr lang="pt-PT" dirty="0" smtClean="0"/>
-              <a:t>Pretende-se …</a:t>
-            </a:r>
-          </a:p>
-          <a:p>
-            <a:r>
-              <a:rPr lang="pt-PT" dirty="0" smtClean="0"/>
-              <a:t>Envolve… monitorizar ….</a:t>
-            </a:r>
-          </a:p>
-          <a:p>
-            <a:r>
-              <a:rPr lang="pt-PT" dirty="0" smtClean="0"/>
-              <a:t>Para …</a:t>
-            </a:r>
-          </a:p>
-          <a:p>
-            <a:r>
-              <a:rPr lang="pt-PT" dirty="0" smtClean="0"/>
-              <a:t>Estender</a:t>
-            </a:r>
-            <a:r>
-              <a:rPr lang="pt-PT" baseline="0" dirty="0" smtClean="0"/>
-              <a:t> </a:t>
-            </a:r>
-            <a:r>
-              <a:rPr lang="pt-PT" baseline="0" dirty="0" smtClean="0"/>
-              <a:t>o </a:t>
-            </a:r>
-            <a:r>
-              <a:rPr lang="pt-PT" baseline="0" dirty="0" err="1" smtClean="0"/>
-              <a:t>lsf</a:t>
-            </a:r>
-            <a:r>
-              <a:rPr lang="pt-PT" baseline="0" dirty="0" smtClean="0"/>
-              <a:t>/</a:t>
-            </a:r>
-            <a:r>
-              <a:rPr lang="pt-PT" baseline="0" dirty="0" err="1" smtClean="0"/>
-              <a:t>pcap</a:t>
-            </a:r>
-            <a:r>
-              <a:rPr lang="pt-PT" baseline="0" dirty="0" smtClean="0"/>
-              <a:t> com base …</a:t>
-            </a:r>
-          </a:p>
-          <a:p>
-            <a:r>
-              <a:rPr lang="pt-PT" baseline="0" dirty="0" smtClean="0"/>
-              <a:t>Pretende-se ainda …</a:t>
-            </a:r>
-          </a:p>
-          <a:p>
-            <a:r>
-              <a:rPr lang="pt-PT" baseline="0" dirty="0" smtClean="0"/>
-              <a:t>Mantendo a ….</a:t>
-            </a:r>
+              <a:rPr lang="pt-PT" sz="1200" kern="1200" dirty="0" smtClean="0">
+                <a:solidFill>
+                  <a:schemeClr val="tx1"/>
+                </a:solidFill>
+                <a:latin typeface="+mn-lt"/>
+                <a:ea typeface="+mn-ea"/>
+                <a:cs typeface="+mn-cs"/>
+              </a:rPr>
+              <a:t>Pretende-se filtrar e capturar os pacotes de rede pertencentes ao processo alvo.</a:t>
+            </a:r>
+          </a:p>
+          <a:p>
+            <a:r>
+              <a:rPr lang="pt-PT" sz="1200" kern="1200" dirty="0" smtClean="0">
+                <a:solidFill>
+                  <a:schemeClr val="tx1"/>
+                </a:solidFill>
+                <a:latin typeface="+mn-lt"/>
+                <a:ea typeface="+mn-ea"/>
+                <a:cs typeface="+mn-cs"/>
+              </a:rPr>
+              <a:t>Esta situação envolve monitorizar as interações do processo a fim de manter em tempo real o estado deste permanentemente </a:t>
+            </a:r>
+            <a:r>
+              <a:rPr lang="pt-PT" sz="1200" kern="1200" dirty="0" err="1" smtClean="0">
+                <a:solidFill>
+                  <a:schemeClr val="tx1"/>
+                </a:solidFill>
+                <a:latin typeface="+mn-lt"/>
+                <a:ea typeface="+mn-ea"/>
+                <a:cs typeface="+mn-cs"/>
+              </a:rPr>
+              <a:t>actualizado</a:t>
+            </a:r>
+            <a:r>
+              <a:rPr lang="pt-PT" sz="1200" kern="1200" dirty="0" smtClean="0">
+                <a:solidFill>
+                  <a:schemeClr val="tx1"/>
+                </a:solidFill>
+                <a:latin typeface="+mn-lt"/>
+                <a:ea typeface="+mn-ea"/>
+                <a:cs typeface="+mn-cs"/>
+              </a:rPr>
+              <a:t>.</a:t>
+            </a:r>
+          </a:p>
+          <a:p>
+            <a:r>
+              <a:rPr lang="pt-PT" sz="1200" kern="1200" dirty="0" smtClean="0">
+                <a:solidFill>
+                  <a:schemeClr val="tx1"/>
+                </a:solidFill>
+                <a:latin typeface="+mn-lt"/>
+                <a:ea typeface="+mn-ea"/>
+                <a:cs typeface="+mn-cs"/>
+              </a:rPr>
+              <a:t>Assim irá estender-se o </a:t>
+            </a:r>
+            <a:r>
+              <a:rPr lang="pt-PT" sz="1200" kern="1200" dirty="0" err="1" smtClean="0">
+                <a:solidFill>
+                  <a:schemeClr val="tx1"/>
+                </a:solidFill>
+                <a:latin typeface="+mn-lt"/>
+                <a:ea typeface="+mn-ea"/>
+                <a:cs typeface="+mn-cs"/>
+              </a:rPr>
+              <a:t>PCap</a:t>
+            </a:r>
+            <a:r>
+              <a:rPr lang="pt-PT" sz="1200" kern="1200" dirty="0" smtClean="0">
+                <a:solidFill>
+                  <a:schemeClr val="tx1"/>
+                </a:solidFill>
+                <a:latin typeface="+mn-lt"/>
+                <a:ea typeface="+mn-ea"/>
+                <a:cs typeface="+mn-cs"/>
+              </a:rPr>
+              <a:t> / LSF com base no estado do processo.</a:t>
+            </a:r>
+          </a:p>
+          <a:p>
+            <a:r>
+              <a:rPr lang="pt-PT" sz="1200" kern="1200" dirty="0" smtClean="0">
+                <a:solidFill>
+                  <a:schemeClr val="tx1"/>
+                </a:solidFill>
+                <a:latin typeface="+mn-lt"/>
+                <a:ea typeface="+mn-ea"/>
+                <a:cs typeface="+mn-cs"/>
+              </a:rPr>
+              <a:t>Pretende-se ainda manter a compatibilidade com o sistema de filtros já existente, bem como reduzir a sobrecarga do sistema, especialmente quando o </a:t>
+            </a:r>
+            <a:r>
+              <a:rPr lang="pt-PT" sz="1200" kern="1200" dirty="0" err="1" smtClean="0">
+                <a:solidFill>
+                  <a:schemeClr val="tx1"/>
+                </a:solidFill>
+                <a:latin typeface="+mn-lt"/>
+                <a:ea typeface="+mn-ea"/>
+                <a:cs typeface="+mn-cs"/>
+              </a:rPr>
+              <a:t>MRoP</a:t>
+            </a:r>
+            <a:r>
+              <a:rPr lang="pt-PT" sz="1200" kern="1200" dirty="0" smtClean="0">
+                <a:solidFill>
+                  <a:schemeClr val="tx1"/>
+                </a:solidFill>
+                <a:latin typeface="+mn-lt"/>
+                <a:ea typeface="+mn-ea"/>
+                <a:cs typeface="+mn-cs"/>
+              </a:rPr>
+              <a:t> não esteja </a:t>
+            </a:r>
+            <a:r>
+              <a:rPr lang="pt-PT" sz="1200" kern="1200" dirty="0" err="1" smtClean="0">
+                <a:solidFill>
+                  <a:schemeClr val="tx1"/>
+                </a:solidFill>
+                <a:latin typeface="+mn-lt"/>
+                <a:ea typeface="+mn-ea"/>
+                <a:cs typeface="+mn-cs"/>
+              </a:rPr>
+              <a:t>activo</a:t>
+            </a:r>
+            <a:r>
+              <a:rPr lang="pt-PT" sz="1200" kern="1200" dirty="0" smtClean="0">
+                <a:solidFill>
+                  <a:schemeClr val="tx1"/>
+                </a:solidFill>
+                <a:latin typeface="+mn-lt"/>
+                <a:ea typeface="+mn-ea"/>
+                <a:cs typeface="+mn-cs"/>
+              </a:rPr>
+              <a:t>.</a:t>
+            </a:r>
+          </a:p>
+          <a:p>
             <a:endParaRPr lang="pt-PT" dirty="0"/>
           </a:p>
         </p:txBody>
@@ -4289,7 +8070,84 @@
           </a:bodyPr>
           <a:lstStyle/>
           <a:p>
-            <a:endParaRPr lang="pt-PT"/>
+            <a:r>
+              <a:rPr lang="pt-PT" sz="1200" kern="1200" dirty="0" smtClean="0">
+                <a:solidFill>
+                  <a:schemeClr val="tx1"/>
+                </a:solidFill>
+                <a:latin typeface="+mn-lt"/>
+                <a:ea typeface="+mn-ea"/>
+                <a:cs typeface="+mn-cs"/>
+              </a:rPr>
+              <a:t>A </a:t>
+            </a:r>
+            <a:r>
+              <a:rPr lang="pt-PT" sz="1200" kern="1200" dirty="0" err="1" smtClean="0">
+                <a:solidFill>
+                  <a:schemeClr val="tx1"/>
+                </a:solidFill>
+                <a:latin typeface="+mn-lt"/>
+                <a:ea typeface="+mn-ea"/>
+                <a:cs typeface="+mn-cs"/>
+              </a:rPr>
+              <a:t>arquitectura</a:t>
+            </a:r>
+            <a:r>
+              <a:rPr lang="pt-PT" sz="1200" kern="1200" dirty="0" smtClean="0">
+                <a:solidFill>
+                  <a:schemeClr val="tx1"/>
+                </a:solidFill>
+                <a:latin typeface="+mn-lt"/>
+                <a:ea typeface="+mn-ea"/>
+                <a:cs typeface="+mn-cs"/>
+              </a:rPr>
+              <a:t> do </a:t>
+            </a:r>
+            <a:r>
+              <a:rPr lang="pt-PT" sz="1200" kern="1200" dirty="0" err="1" smtClean="0">
+                <a:solidFill>
+                  <a:schemeClr val="tx1"/>
+                </a:solidFill>
+                <a:latin typeface="+mn-lt"/>
+                <a:ea typeface="+mn-ea"/>
+                <a:cs typeface="+mn-cs"/>
+              </a:rPr>
+              <a:t>MRoP</a:t>
+            </a:r>
+            <a:r>
+              <a:rPr lang="pt-PT" sz="1200" kern="1200" dirty="0" smtClean="0">
+                <a:solidFill>
+                  <a:schemeClr val="tx1"/>
+                </a:solidFill>
+                <a:latin typeface="+mn-lt"/>
+                <a:ea typeface="+mn-ea"/>
+                <a:cs typeface="+mn-cs"/>
+              </a:rPr>
+              <a:t> está divida em 4 componentes. A componente de instrumentação das chamadas ao sistema, o componente estado do processo, a extensão ao filtro de pacotes e uma interface de controlo do próprio </a:t>
+            </a:r>
+            <a:r>
+              <a:rPr lang="pt-PT" sz="1200" kern="1200" dirty="0" err="1" smtClean="0">
+                <a:solidFill>
+                  <a:schemeClr val="tx1"/>
+                </a:solidFill>
+                <a:latin typeface="+mn-lt"/>
+                <a:ea typeface="+mn-ea"/>
+                <a:cs typeface="+mn-cs"/>
+              </a:rPr>
+              <a:t>MRoP</a:t>
+            </a:r>
+            <a:r>
+              <a:rPr lang="pt-PT" sz="1200" kern="1200" dirty="0" smtClean="0">
+                <a:solidFill>
+                  <a:schemeClr val="tx1"/>
+                </a:solidFill>
+                <a:latin typeface="+mn-lt"/>
+                <a:ea typeface="+mn-ea"/>
+                <a:cs typeface="+mn-cs"/>
+              </a:rPr>
+              <a:t>.</a:t>
+            </a:r>
+            <a:endParaRPr lang="pt-PT" dirty="0"/>
           </a:p>
         </p:txBody>
       </p:sp>
@@ -5074,7 +8932,7 @@
             <a:fld id="{FDFE200E-5E3D-443A-8128-360E1B4273B3}" type="datetime1">
               <a:rPr lang="pt-PT" smtClean="0"/>
               <a:pPr/>
-              <a:t>15-12-2011</a:t>
+              <a:t>19-12-2011</a:t>
             </a:fld>
             <a:endParaRPr lang="pt-PT"/>
           </a:p>
@@ -5259,7 +9117,7 @@
             <a:fld id="{6B744452-25FF-450D-AA53-60C22631FF3B}" type="datetime1">
               <a:rPr lang="pt-PT" smtClean="0"/>
               <a:pPr/>
-              <a:t>15-12-2011</a:t>
+              <a:t>19-12-2011</a:t>
             </a:fld>
             <a:endParaRPr lang="pt-PT"/>
           </a:p>
@@ -5436,7 +9294,7 @@
             <a:fld id="{CA44A751-DD81-434F-8D0D-A0F6502EF70B}" type="datetime1">
               <a:rPr lang="pt-PT" smtClean="0"/>
               <a:pPr/>
-              <a:t>15-12-2011</a:t>
+              <a:t>19-12-2011</a:t>
             </a:fld>
             <a:endParaRPr lang="pt-PT"/>
           </a:p>
@@ -5603,7 +9461,7 @@
             <a:fld id="{5A4DB91E-7B8A-423A-8B0D-BD0D4BF78285}" type="datetime1">
               <a:rPr lang="pt-PT" smtClean="0"/>
               <a:pPr/>
-              <a:t>15-12-2011</a:t>
+              <a:t>19-12-2011</a:t>
             </a:fld>
             <a:endParaRPr lang="pt-PT"/>
           </a:p>
@@ -5826,7 +9684,7 @@
             <a:fld id="{21D41D93-4982-484C-9E6B-1DEB63B99297}" type="datetime1">
               <a:rPr lang="pt-PT" smtClean="0"/>
               <a:pPr/>
-              <a:t>15-12-2011</a:t>
+              <a:t>19-12-2011</a:t>
             </a:fld>
             <a:endParaRPr lang="pt-PT"/>
           </a:p>
@@ -6087,7 +9945,7 @@
             <a:fld id="{2B4C7B7F-9F7E-49D4-BF2C-D3DB5C15DED7}" type="datetime1">
               <a:rPr lang="pt-PT" smtClean="0"/>
               <a:pPr/>
-              <a:t>15-12-2011</a:t>
+              <a:t>19-12-2011</a:t>
             </a:fld>
             <a:endParaRPr lang="pt-PT"/>
           </a:p>
@@ -6493,7 +10351,7 @@
             <a:fld id="{DB921401-0971-4316-89C1-ACF96804946B}" type="datetime1">
               <a:rPr lang="pt-PT" smtClean="0"/>
               <a:pPr/>
-              <a:t>15-12-2011</a:t>
+              <a:t>19-12-2011</a:t>
             </a:fld>
             <a:endParaRPr lang="pt-PT"/>
           </a:p>
@@ -6626,7 +10484,7 @@
             <a:fld id="{F9DC5304-7A0A-4DD1-BC1C-FB42FDF4A8F5}" type="datetime1">
               <a:rPr lang="pt-PT" smtClean="0"/>
               <a:pPr/>
-              <a:t>15-12-2011</a:t>
+              <a:t>19-12-2011</a:t>
             </a:fld>
             <a:endParaRPr lang="pt-PT"/>
           </a:p>
@@ -6728,7 +10586,7 @@
             <a:fld id="{FFB4E187-9955-4630-9912-A621610C6847}" type="datetime1">
               <a:rPr lang="pt-PT" smtClean="0"/>
               <a:pPr/>
-              <a:t>15-12-2011</a:t>
+              <a:t>19-12-2011</a:t>
             </a:fld>
             <a:endParaRPr lang="pt-PT"/>
           </a:p>
@@ -6975,7 +10833,7 @@
             <a:fld id="{711EFB78-06C4-4DE7-8651-27AE14E9AE98}" type="datetime1">
               <a:rPr lang="pt-PT" smtClean="0"/>
               <a:pPr/>
-              <a:t>15-12-2011</a:t>
+              <a:t>19-12-2011</a:t>
             </a:fld>
             <a:endParaRPr lang="pt-PT"/>
           </a:p>
@@ -7221,7 +11079,7 @@
             <a:fld id="{8167AFAD-5534-41E9-968F-3B3BFA0947EA}" type="datetime1">
               <a:rPr lang="pt-PT" smtClean="0"/>
               <a:pPr/>
-              <a:t>15-12-2011</a:t>
+              <a:t>19-12-2011</a:t>
             </a:fld>
             <a:endParaRPr lang="pt-PT"/>
           </a:p>
@@ -8047,7 +11905,7 @@
             <a:fld id="{D1ADC3CB-1463-41E0-9C03-F76948C3E5C0}" type="datetime1">
               <a:rPr lang="pt-PT" smtClean="0"/>
               <a:pPr/>
-              <a:t>15-12-2011</a:t>
+              <a:t>19-12-2011</a:t>
             </a:fld>
             <a:endParaRPr lang="pt-PT"/>
           </a:p>
@@ -10291,7 +14149,7 @@
                                         </p:attrNameLst>
                                       </p:cBhvr>
                                       <p:to>
-                                        <a:schemeClr val="accent2"/>
+                                        <a:srgbClr val="B4D7DE"/>
                                       </p:to>
                                     </p:animClr>
                                     <p:set>
@@ -10342,7 +14200,7 @@
                                         </p:attrNameLst>
                                       </p:cBhvr>
                                       <p:to>
-                                        <a:schemeClr val="accent2"/>
+                                        <a:srgbClr val="B4D7DE"/>
                                       </p:to>
                                     </p:animClr>
                                     <p:set>
@@ -10607,8 +14465,13 @@
             <a:pPr lvl="2"/>
             <a:r>
               <a:rPr lang="pt-PT" dirty="0" smtClean="0"/>
-              <a:t>Comparação através de funções de síntese</a:t>
-            </a:r>
+              <a:t>Comparação através de funções </a:t>
+            </a:r>
+            <a:r>
+              <a:rPr lang="pt-PT" smtClean="0"/>
+              <a:t>de síntese</a:t>
+            </a:r>
+            <a:endParaRPr lang="pt-PT" dirty="0" smtClean="0"/>
           </a:p>
           <a:p>
             <a:pPr lvl="2"/>
@@ -11244,7 +15107,7 @@
           <p:nvPr>
             <p:extLst>
               <p:ext uri="{D42A27DB-BD31-4B8C-83A1-F6EECF244321}">
-                <p14:modId xmlns:p14="http://schemas.microsoft.com/office/powerpoint/2010/main" xmlns="" val="2923390044"/>
+                <p14:modId xmlns="" xmlns:p14="http://schemas.microsoft.com/office/powerpoint/2010/main" val="2923390044"/>
               </p:ext>
             </p:extLst>
           </p:nvPr>
@@ -11305,7 +15168,7 @@
 </file>
 
 <file path=ppt/slides/slide19.xml><?xml version="1.0" encoding="utf-8"?>
-<p:sld xmlns:a="http://schemas.openxmlformats.org/drawingml/2006/main" xmlns:r="http://schemas.openxmlformats.org/officeDocument/2006/relationships" xmlns:p="http://schemas.openxmlformats.org/presentationml/2006/main">
+<p:sld xmlns:a="http://schemas.openxmlformats.org/drawingml/2006/main" xmlns:r="http://schemas.openxmlformats.org/officeDocument/2006/relationships" xmlns:p="http://schemas.openxmlformats.org/presentationml/2006/main" show="0">
   <p:cSld>
     <p:spTree>
       <p:nvGrpSpPr>
@@ -11822,6 +15685,7 @@
   <p:clrMapOvr>
     <a:masterClrMapping/>
   </p:clrMapOvr>
+  <p:transition/>
   <p:timing>
     <p:tnLst>
       <p:par>
@@ -11899,7 +15763,15 @@
           <a:p>
             <a:r>
               <a:rPr lang="pt-PT" dirty="0" smtClean="0"/>
-              <a:t>Compreender o comportamento de execuções reais</a:t>
+              <a:t>Compreender o comportamento dos </a:t>
+            </a:r>
+            <a:r>
+              <a:rPr lang="pt-PT" smtClean="0"/>
+              <a:t>programas em </a:t>
+            </a:r>
+            <a:r>
+              <a:rPr lang="pt-PT" dirty="0" smtClean="0"/>
+              <a:t>execuções reais</a:t>
             </a:r>
           </a:p>
           <a:p>
@@ -11932,7 +15804,7 @@
           <a:p>
             <a:r>
               <a:rPr lang="pt-PT" dirty="0" smtClean="0"/>
-              <a:t>Pode </a:t>
+              <a:t>Pode ser </a:t>
             </a:r>
             <a:r>
               <a:rPr lang="pt-PT" dirty="0" err="1" smtClean="0"/>
@@ -11940,11 +15812,7 @@
             </a:r>
             <a:r>
               <a:rPr lang="pt-PT" dirty="0" smtClean="0"/>
-              <a:t> de forma </a:t>
-            </a:r>
-            <a:r>
-              <a:rPr lang="pt-PT" dirty="0" smtClean="0"/>
-              <a:t>passiva ou </a:t>
+              <a:t> de forma passiva ou </a:t>
             </a:r>
             <a:r>
               <a:rPr lang="pt-PT" dirty="0" err="1" smtClean="0"/>
@@ -11955,21 +15823,13 @@
           <a:p>
             <a:r>
               <a:rPr lang="pt-PT" dirty="0" smtClean="0"/>
-              <a:t>Através </a:t>
-            </a:r>
+              <a:t>Através de instrumentação estática ou dinâmica</a:t>
+            </a:r>
+          </a:p>
+          <a:p>
             <a:r>
               <a:rPr lang="pt-PT" dirty="0" smtClean="0"/>
-              <a:t>de instrumentação estática ou dinâmica</a:t>
-            </a:r>
-          </a:p>
-          <a:p>
-            <a:r>
-              <a:rPr lang="pt-PT" dirty="0" smtClean="0"/>
-              <a:t>Análise </a:t>
-            </a:r>
-            <a:r>
-              <a:rPr lang="pt-PT" dirty="0" smtClean="0"/>
-              <a:t>aos dados obtidos </a:t>
+              <a:t>Análise aos dados obtidos </a:t>
             </a:r>
             <a:r>
               <a:rPr lang="pt-PT" dirty="0" err="1" smtClean="0"/>
@@ -12065,7 +15925,7 @@
         </p:nvSpPr>
         <p:spPr>
           <a:xfrm>
-            <a:off x="457200" y="692696"/>
+            <a:off x="395536" y="332656"/>
             <a:ext cx="8229600" cy="1066800"/>
           </a:xfrm>
         </p:spPr>
@@ -12093,8 +15953,8 @@
         </p:nvSpPr>
         <p:spPr>
           <a:xfrm>
-            <a:off x="457200" y="1772816"/>
-            <a:ext cx="8229600" cy="4801720"/>
+            <a:off x="395536" y="1340768"/>
+            <a:ext cx="8229600" cy="5517232"/>
           </a:xfrm>
         </p:spPr>
         <p:txBody>
@@ -12174,6 +16034,28 @@
             <a:r>
               <a:rPr lang="pt-PT" dirty="0" smtClean="0"/>
               <a:t>Disponibilização e testes para a comunidade</a:t>
+            </a:r>
+          </a:p>
+          <a:p>
+            <a:pPr lvl="1"/>
+            <a:r>
+              <a:rPr lang="pt-PT" dirty="0" smtClean="0"/>
+              <a:t>Suporte de outros protocolos de rede</a:t>
+            </a:r>
+          </a:p>
+          <a:p>
+            <a:pPr lvl="1"/>
+            <a:r>
+              <a:rPr lang="pt-PT" dirty="0" smtClean="0"/>
+              <a:t>Retirar o </a:t>
+            </a:r>
+            <a:r>
+              <a:rPr lang="pt-PT" dirty="0" err="1" smtClean="0"/>
+              <a:t>hook</a:t>
+            </a:r>
+            <a:r>
+              <a:rPr lang="pt-PT" dirty="0" smtClean="0"/>
+              <a:t> </a:t>
             </a:r>
           </a:p>
         </p:txBody>
@@ -15024,7 +18906,7 @@
     </p:spTree>
     <p:extLst>
       <p:ext uri="{BB962C8B-B14F-4D97-AF65-F5344CB8AC3E}">
-        <p14:creationId xmlns:p14="http://schemas.microsoft.com/office/powerpoint/2010/main" xmlns="" val="2480020566"/>
+        <p14:creationId xmlns="" xmlns:p14="http://schemas.microsoft.com/office/powerpoint/2010/main" val="2480020566"/>
       </p:ext>
     </p:extLst>
   </p:cSld>
@@ -15121,7 +19003,7 @@
           <p:nvPr>
             <p:extLst>
               <p:ext uri="{D42A27DB-BD31-4B8C-83A1-F6EECF244321}">
-                <p14:modId xmlns:p14="http://schemas.microsoft.com/office/powerpoint/2010/main" xmlns="" val="3402441427"/>
+                <p14:modId xmlns="" xmlns:p14="http://schemas.microsoft.com/office/powerpoint/2010/main" val="3402441427"/>
               </p:ext>
             </p:extLst>
           </p:nvPr>
@@ -15145,7 +19027,7 @@
           <p:nvPr>
             <p:extLst>
               <p:ext uri="{D42A27DB-BD31-4B8C-83A1-F6EECF244321}">
-                <p14:modId xmlns:p14="http://schemas.microsoft.com/office/powerpoint/2010/main" xmlns="" val="4122839546"/>
+                <p14:modId xmlns="" xmlns:p14="http://schemas.microsoft.com/office/powerpoint/2010/main" val="4122839546"/>
               </p:ext>
             </p:extLst>
           </p:nvPr>
@@ -17217,7 +21099,7 @@
           <a:p>
             <a:r>
               <a:rPr lang="pt-PT" dirty="0" smtClean="0"/>
-              <a:t>Redução dos dados através de</a:t>
+              <a:t>Redução dos dados através de filtros</a:t>
             </a:r>
           </a:p>
           <a:p>
@@ -23778,7 +27660,7 @@
                                         </p:attrNameLst>
                                       </p:cBhvr>
                                       <p:to>
-                                        <a:schemeClr val="accent2"/>
+                                        <a:srgbClr val="B4D7DE"/>
                                       </p:to>
                                     </p:animClr>
                                     <p:set>
@@ -23829,7 +27711,7 @@
                                         </p:attrNameLst>
                                       </p:cBhvr>
                                       <p:to>
-                                        <a:schemeClr val="accent2"/>
+                                        <a:srgbClr val="B4D7DE"/>
                                       </p:to>
                                     </p:animClr>
                                     <p:set>
@@ -23880,7 +27762,7 @@
                                         </p:attrNameLst>
                                       </p:cBhvr>
                                       <p:to>
-                                        <a:schemeClr val="accent2"/>
+                                        <a:srgbClr val="B4D7DE"/>
                                       </p:to>
                                     </p:animClr>
                                     <p:set>
@@ -23931,7 +27813,7 @@
                                         </p:attrNameLst>
                                       </p:cBhvr>
                                       <p:to>
-                                        <a:schemeClr val="accent2"/>
+                                        <a:srgbClr val="B4D7DE"/>
                                       </p:to>
                                     </p:animClr>
                                     <p:set>
@@ -24000,7 +27882,7 @@
                                         </p:attrNameLst>
                                       </p:cBhvr>
                                       <p:to>
-                                        <a:schemeClr val="accent2"/>
+                                        <a:srgbClr val="B4D7DE"/>
                                       </p:to>
                                     </p:animClr>
                                     <p:set>
@@ -24273,7 +28155,7 @@
                                         </p:attrNameLst>
                                       </p:cBhvr>
                                       <p:to>
-                                        <a:schemeClr val="accent2"/>
+                                        <a:srgbClr val="B4D7DE"/>
                                       </p:to>
                                     </p:animClr>
                                     <p:set>
@@ -24393,7 +28275,7 @@
                                         </p:attrNameLst>
                                       </p:cBhvr>
                                       <p:to>
-                                        <a:schemeClr val="accent2"/>
+                                        <a:srgbClr val="B4D7DE"/>
                                       </p:to>
                                     </p:animClr>
                                     <p:set>
@@ -24513,7 +28395,7 @@
                                         </p:attrNameLst>
                                       </p:cBhvr>
                                       <p:to>
-                                        <a:schemeClr val="accent2"/>
+                                        <a:srgbClr val="B4D7DE"/>
                                       </p:to>
                                     </p:animClr>
                                     <p:set>
@@ -24582,7 +28464,7 @@
                                         </p:attrNameLst>
                                       </p:cBhvr>
                                       <p:to>
-                                        <a:schemeClr val="accent2"/>
+                                        <a:srgbClr val="B4D7DE"/>
                                       </p:to>
                                     </p:animClr>
                                     <p:set>
@@ -24651,7 +28533,7 @@
                                         </p:attrNameLst>
                                       </p:cBhvr>
                                       <p:to>
-                                        <a:schemeClr val="accent2"/>
+                                        <a:srgbClr val="B4D7DE"/>
                                       </p:to>
                                     </p:animClr>
                                     <p:set>
@@ -24933,7 +28815,7 @@
                                         </p:attrNameLst>
                                       </p:cBhvr>
                                       <p:to>
-                                        <a:schemeClr val="accent2"/>
+                                        <a:srgbClr val="B4D7DE"/>
                                       </p:to>
                                     </p:animClr>
                                     <p:set>
@@ -25002,7 +28884,7 @@
                                         </p:attrNameLst>
                                       </p:cBhvr>
                                       <p:to>
-                                        <a:schemeClr val="accent2"/>
+                                        <a:srgbClr val="B4D7DE"/>
                                       </p:to>
                                     </p:animClr>
                                     <p:set>
@@ -25071,7 +28953,7 @@
                                         </p:attrNameLst>
                                       </p:cBhvr>
                                       <p:to>
-                                        <a:schemeClr val="accent2"/>
+                                        <a:srgbClr val="B4D7DE"/>
                                       </p:to>
                                     </p:animClr>
                                     <p:set>
@@ -25133,21 +29015,21 @@
                                       <p:cBhvr>
                                         <p:cTn id="119" dur="2000" fill="hold"/>
                                         <p:tgtEl>
-                                          <p:spTgt spid="32"/>
+                                          <p:spTgt spid="29"/>
                                         </p:tgtEl>
                                         <p:attrNameLst>
                                           <p:attrName>fillcolor</p:attrName>
                                         </p:attrNameLst>
                                       </p:cBhvr>
                                       <p:to>
-                                        <a:schemeClr val="accent2"/>
+                                        <a:srgbClr val="B4D7DE"/>
                                       </p:to>
                                     </p:animClr>
                                     <p:set>
                                       <p:cBhvr>
                                         <p:cTn id="120" dur="2000" fill="hold"/>
                                         <p:tgtEl>
-                                          <p:spTgt spid="32"/>
+                                          <p:spTgt spid="29"/>
                                         </p:tgtEl>
                                         <p:attrNameLst>
                                           <p:attrName>fill.type</p:attrName>
@@ -25161,7 +29043,7 @@
                                       <p:cBhvr>
                                         <p:cTn id="121" dur="2000" fill="hold"/>
                                         <p:tgtEl>
-                                          <p:spTgt spid="32"/>
+                                          <p:spTgt spid="29"/>
                                         </p:tgtEl>
                                         <p:attrNameLst>
                                           <p:attrName>fill.on</p:attrName>
@@ -25202,21 +29084,21 @@
                                       <p:cBhvr>
                                         <p:cTn id="125" dur="2000" fill="hold"/>
                                         <p:tgtEl>
-                                          <p:spTgt spid="29"/>
+                                          <p:spTgt spid="32"/>
                                         </p:tgtEl>
                                         <p:attrNameLst>
                                           <p:attrName>fillcolor</p:attrName>
                                         </p:attrNameLst>
                                       </p:cBhvr>
                                       <p:to>
-                                        <a:schemeClr val="accent2"/>
+                                        <a:srgbClr val="B4D7DE"/>
                                       </p:to>
                                     </p:animClr>
                                     <p:set>
                                       <p:cBhvr>
                                         <p:cTn id="126" dur="2000" fill="hold"/>
                                         <p:tgtEl>
-                                          <p:spTgt spid="29"/>
+                                          <p:spTgt spid="32"/>
                                         </p:tgtEl>
                                         <p:attrNameLst>
                                           <p:attrName>fill.type</p:attrName>
@@ -25230,7 +29112,7 @@
                                       <p:cBhvr>
                                         <p:cTn id="127" dur="2000" fill="hold"/>
                                         <p:tgtEl>
-                                          <p:spTgt spid="29"/>
+                                          <p:spTgt spid="32"/>
                                         </p:tgtEl>
                                         <p:attrNameLst>
                                           <p:attrName>fill.on</p:attrName>
@@ -25278,7 +29160,7 @@
                                         </p:attrNameLst>
                                       </p:cBhvr>
                                       <p:to>
-                                        <a:schemeClr val="accent2"/>
+                                        <a:srgbClr val="B4D7DE"/>
                                       </p:to>
                                     </p:animClr>
                                     <p:set>

--- a/doc/apresentacao_dissertacao.pptx
+++ b/doc/apresentacao_dissertacao.pptx
@@ -168,6 +168,11 @@
               </c:strCache>
             </c:strRef>
           </c:tx>
+          <c:spPr>
+            <a:solidFill>
+              <a:srgbClr val="53548A"/>
+            </a:solidFill>
+          </c:spPr>
           <c:cat>
             <c:strRef>
               <c:f>Sheet1!$A$2:$A$7</c:f>
@@ -281,7 +286,7 @@
                   <c:v>89.800699999999992</c:v>
                 </c:pt>
                 <c:pt idx="4">
-                  <c:v>188.71559999999923</c:v>
+                  <c:v>188.71559999999906</c:v>
                 </c:pt>
                 <c:pt idx="5">
                   <c:v>179.62800000000001</c:v>
@@ -343,7 +348,7 @@
                   <c:v>91.667400000000001</c:v>
                 </c:pt>
                 <c:pt idx="2">
-                  <c:v>91.267200000000429</c:v>
+                  <c:v>91.267200000000514</c:v>
                 </c:pt>
                 <c:pt idx="3">
                   <c:v>89.846400000000003</c:v>
@@ -358,11 +363,11 @@
             </c:numRef>
           </c:val>
         </c:ser>
-        <c:axId val="76653696"/>
-        <c:axId val="76655616"/>
+        <c:axId val="69117056"/>
+        <c:axId val="69118976"/>
       </c:barChart>
       <c:catAx>
-        <c:axId val="76653696"/>
+        <c:axId val="69117056"/>
         <c:scaling>
           <c:orientation val="minMax"/>
         </c:scaling>
@@ -387,21 +392,21 @@
             <c:manualLayout>
               <c:xMode val="edge"/>
               <c:yMode val="edge"/>
-              <c:x val="0.44432432805295152"/>
+              <c:x val="0.4443243280529523"/>
               <c:y val="0.88981208334873663"/>
             </c:manualLayout>
           </c:layout>
         </c:title>
         <c:numFmt formatCode="General" sourceLinked="1"/>
         <c:tickLblPos val="nextTo"/>
-        <c:crossAx val="76655616"/>
+        <c:crossAx val="69118976"/>
         <c:crosses val="autoZero"/>
         <c:auto val="1"/>
         <c:lblAlgn val="ctr"/>
         <c:lblOffset val="100"/>
       </c:catAx>
       <c:valAx>
-        <c:axId val="76655616"/>
+        <c:axId val="69118976"/>
         <c:scaling>
           <c:orientation val="minMax"/>
         </c:scaling>
@@ -428,13 +433,13 @@
               <c:xMode val="edge"/>
               <c:yMode val="edge"/>
               <c:x val="1.4212132813227503E-2"/>
-              <c:y val="0.33453895727822947"/>
+              <c:y val="0.33453895727822991"/>
             </c:manualLayout>
           </c:layout>
         </c:title>
         <c:numFmt formatCode="0.0" sourceLinked="0"/>
         <c:tickLblPos val="nextTo"/>
-        <c:crossAx val="76653696"/>
+        <c:crossAx val="69117056"/>
         <c:crosses val="autoZero"/>
         <c:crossBetween val="between"/>
       </c:valAx>
@@ -538,7 +543,7 @@
                 <c:formatCode>General</c:formatCode>
                 <c:ptCount val="2"/>
                 <c:pt idx="0">
-                  <c:v>188.71559999999923</c:v>
+                  <c:v>188.71559999999906</c:v>
                 </c:pt>
                 <c:pt idx="1">
                   <c:v>179.62800000000001</c:v>
@@ -591,11 +596,11 @@
             </c:numRef>
           </c:val>
         </c:ser>
-        <c:axId val="78402304"/>
-        <c:axId val="78404224"/>
+        <c:axId val="70730496"/>
+        <c:axId val="70732416"/>
       </c:barChart>
       <c:catAx>
-        <c:axId val="78402304"/>
+        <c:axId val="70730496"/>
         <c:scaling>
           <c:orientation val="minMax"/>
         </c:scaling>
@@ -620,14 +625,14 @@
         </c:title>
         <c:numFmt formatCode="General" sourceLinked="1"/>
         <c:tickLblPos val="nextTo"/>
-        <c:crossAx val="78404224"/>
+        <c:crossAx val="70732416"/>
         <c:crosses val="autoZero"/>
         <c:auto val="1"/>
         <c:lblAlgn val="ctr"/>
         <c:lblOffset val="100"/>
       </c:catAx>
       <c:valAx>
-        <c:axId val="78404224"/>
+        <c:axId val="70732416"/>
         <c:scaling>
           <c:orientation val="minMax"/>
         </c:scaling>
@@ -658,7 +663,7 @@
         </c:title>
         <c:numFmt formatCode="0.0" sourceLinked="0"/>
         <c:tickLblPos val="nextTo"/>
-        <c:crossAx val="78402304"/>
+        <c:crossAx val="70730496"/>
         <c:crosses val="autoZero"/>
         <c:crossBetween val="between"/>
       </c:valAx>
@@ -740,7 +745,7 @@
                   <c:v>0.13730000000000001</c:v>
                 </c:pt>
                 <c:pt idx="3">
-                  <c:v>3.6000000000000142E-3</c:v>
+                  <c:v>3.6000000000000199E-3</c:v>
                 </c:pt>
                 <c:pt idx="4">
                   <c:v>3.6003000000000012</c:v>
@@ -820,11 +825,11 @@
             </c:numRef>
           </c:val>
         </c:ser>
-        <c:axId val="82140544"/>
-        <c:axId val="82142720"/>
+        <c:axId val="72240512"/>
+        <c:axId val="72246784"/>
       </c:barChart>
       <c:catAx>
-        <c:axId val="82140544"/>
+        <c:axId val="72240512"/>
         <c:scaling>
           <c:orientation val="minMax"/>
         </c:scaling>
@@ -848,14 +853,14 @@
         </c:title>
         <c:numFmt formatCode="General" sourceLinked="1"/>
         <c:tickLblPos val="nextTo"/>
-        <c:crossAx val="82142720"/>
+        <c:crossAx val="72246784"/>
         <c:crosses val="autoZero"/>
         <c:auto val="1"/>
         <c:lblAlgn val="ctr"/>
         <c:lblOffset val="100"/>
       </c:catAx>
       <c:valAx>
-        <c:axId val="82142720"/>
+        <c:axId val="72246784"/>
         <c:scaling>
           <c:orientation val="minMax"/>
         </c:scaling>
@@ -882,14 +887,14 @@
             <c:manualLayout>
               <c:xMode val="edge"/>
               <c:yMode val="edge"/>
-              <c:x val="0.31962265575324234"/>
-              <c:y val="3.2139286111066751E-4"/>
+              <c:x val="0.319622655753243"/>
+              <c:y val="3.2139286111066806E-4"/>
             </c:manualLayout>
           </c:layout>
         </c:title>
         <c:numFmt formatCode="0.00" sourceLinked="0"/>
         <c:tickLblPos val="nextTo"/>
-        <c:crossAx val="82140544"/>
+        <c:crossAx val="72240512"/>
         <c:crosses val="autoZero"/>
         <c:crossBetween val="between"/>
       </c:valAx>
@@ -998,11 +1003,11 @@
             </c:numRef>
           </c:val>
         </c:ser>
-        <c:axId val="82159104"/>
-        <c:axId val="82161024"/>
+        <c:axId val="72259072"/>
+        <c:axId val="72260992"/>
       </c:barChart>
       <c:catAx>
-        <c:axId val="82159104"/>
+        <c:axId val="72259072"/>
         <c:scaling>
           <c:orientation val="minMax"/>
         </c:scaling>
@@ -1026,14 +1031,14 @@
         </c:title>
         <c:numFmt formatCode="General" sourceLinked="1"/>
         <c:tickLblPos val="nextTo"/>
-        <c:crossAx val="82161024"/>
+        <c:crossAx val="72260992"/>
         <c:crosses val="autoZero"/>
         <c:auto val="1"/>
         <c:lblAlgn val="ctr"/>
         <c:lblOffset val="100"/>
       </c:catAx>
       <c:valAx>
-        <c:axId val="82161024"/>
+        <c:axId val="72260992"/>
         <c:scaling>
           <c:orientation val="minMax"/>
         </c:scaling>
@@ -1041,7 +1046,7 @@
         <c:majorGridlines/>
         <c:numFmt formatCode="0.00" sourceLinked="0"/>
         <c:tickLblPos val="nextTo"/>
-        <c:crossAx val="82159104"/>
+        <c:crossAx val="72259072"/>
         <c:crosses val="autoZero"/>
         <c:crossBetween val="between"/>
       </c:valAx>
@@ -1139,7 +1144,7 @@
             <a:fld id="{FBBBECB9-2F83-4596-B504-AC1E375931CE}" type="datetimeFigureOut">
               <a:rPr lang="pt-PT" smtClean="0"/>
               <a:pPr/>
-              <a:t>19-12-2011</a:t>
+              <a:t>21-12-2011</a:t>
             </a:fld>
             <a:endParaRPr lang="pt-PT"/>
           </a:p>
@@ -1306,7 +1311,7 @@
             <a:fld id="{9B5C831C-B110-4E4E-9FCE-53887ECEDBF7}" type="datetimeFigureOut">
               <a:rPr lang="pt-PT" smtClean="0"/>
               <a:pPr/>
-              <a:t>19-12-2011</a:t>
+              <a:t>21-12-2011</a:t>
             </a:fld>
             <a:endParaRPr lang="pt-PT"/>
           </a:p>
@@ -6996,7 +7001,7 @@
             </a:r>
             <a:r>
               <a:rPr lang="pt-PT" dirty="0" smtClean="0"/>
-              <a:t> ou no núcleo)</a:t>
+              <a:t> e no núcleo)</a:t>
             </a:r>
           </a:p>
           <a:p>
@@ -7172,14 +7177,6 @@
               </a:rPr>
               <a:t> ou pelo seu suporte no núcleo do sistema de operação.</a:t>
             </a:r>
-            <a:endParaRPr lang="pt-PT" sz="1200" kern="1200" smtClean="0">
-              <a:solidFill>
-                <a:schemeClr val="tx1"/>
-              </a:solidFill>
-              <a:latin typeface="+mn-lt"/>
-              <a:ea typeface="+mn-ea"/>
-              <a:cs typeface="+mn-cs"/>
-            </a:endParaRPr>
           </a:p>
           <a:p>
             <a:endParaRPr lang="pt-PT" dirty="0"/>
@@ -8932,7 +8929,7 @@
             <a:fld id="{FDFE200E-5E3D-443A-8128-360E1B4273B3}" type="datetime1">
               <a:rPr lang="pt-PT" smtClean="0"/>
               <a:pPr/>
-              <a:t>19-12-2011</a:t>
+              <a:t>21-12-2011</a:t>
             </a:fld>
             <a:endParaRPr lang="pt-PT"/>
           </a:p>
@@ -9117,7 +9114,7 @@
             <a:fld id="{6B744452-25FF-450D-AA53-60C22631FF3B}" type="datetime1">
               <a:rPr lang="pt-PT" smtClean="0"/>
               <a:pPr/>
-              <a:t>19-12-2011</a:t>
+              <a:t>21-12-2011</a:t>
             </a:fld>
             <a:endParaRPr lang="pt-PT"/>
           </a:p>
@@ -9294,7 +9291,7 @@
             <a:fld id="{CA44A751-DD81-434F-8D0D-A0F6502EF70B}" type="datetime1">
               <a:rPr lang="pt-PT" smtClean="0"/>
               <a:pPr/>
-              <a:t>19-12-2011</a:t>
+              <a:t>21-12-2011</a:t>
             </a:fld>
             <a:endParaRPr lang="pt-PT"/>
           </a:p>
@@ -9461,7 +9458,7 @@
             <a:fld id="{5A4DB91E-7B8A-423A-8B0D-BD0D4BF78285}" type="datetime1">
               <a:rPr lang="pt-PT" smtClean="0"/>
               <a:pPr/>
-              <a:t>19-12-2011</a:t>
+              <a:t>21-12-2011</a:t>
             </a:fld>
             <a:endParaRPr lang="pt-PT"/>
           </a:p>
@@ -9684,7 +9681,7 @@
             <a:fld id="{21D41D93-4982-484C-9E6B-1DEB63B99297}" type="datetime1">
               <a:rPr lang="pt-PT" smtClean="0"/>
               <a:pPr/>
-              <a:t>19-12-2011</a:t>
+              <a:t>21-12-2011</a:t>
             </a:fld>
             <a:endParaRPr lang="pt-PT"/>
           </a:p>
@@ -9945,7 +9942,7 @@
             <a:fld id="{2B4C7B7F-9F7E-49D4-BF2C-D3DB5C15DED7}" type="datetime1">
               <a:rPr lang="pt-PT" smtClean="0"/>
               <a:pPr/>
-              <a:t>19-12-2011</a:t>
+              <a:t>21-12-2011</a:t>
             </a:fld>
             <a:endParaRPr lang="pt-PT"/>
           </a:p>
@@ -10351,7 +10348,7 @@
             <a:fld id="{DB921401-0971-4316-89C1-ACF96804946B}" type="datetime1">
               <a:rPr lang="pt-PT" smtClean="0"/>
               <a:pPr/>
-              <a:t>19-12-2011</a:t>
+              <a:t>21-12-2011</a:t>
             </a:fld>
             <a:endParaRPr lang="pt-PT"/>
           </a:p>
@@ -10484,7 +10481,7 @@
             <a:fld id="{F9DC5304-7A0A-4DD1-BC1C-FB42FDF4A8F5}" type="datetime1">
               <a:rPr lang="pt-PT" smtClean="0"/>
               <a:pPr/>
-              <a:t>19-12-2011</a:t>
+              <a:t>21-12-2011</a:t>
             </a:fld>
             <a:endParaRPr lang="pt-PT"/>
           </a:p>
@@ -10586,7 +10583,7 @@
             <a:fld id="{FFB4E187-9955-4630-9912-A621610C6847}" type="datetime1">
               <a:rPr lang="pt-PT" smtClean="0"/>
               <a:pPr/>
-              <a:t>19-12-2011</a:t>
+              <a:t>21-12-2011</a:t>
             </a:fld>
             <a:endParaRPr lang="pt-PT"/>
           </a:p>
@@ -10833,7 +10830,7 @@
             <a:fld id="{711EFB78-06C4-4DE7-8651-27AE14E9AE98}" type="datetime1">
               <a:rPr lang="pt-PT" smtClean="0"/>
               <a:pPr/>
-              <a:t>19-12-2011</a:t>
+              <a:t>21-12-2011</a:t>
             </a:fld>
             <a:endParaRPr lang="pt-PT"/>
           </a:p>
@@ -11079,7 +11076,7 @@
             <a:fld id="{8167AFAD-5534-41E9-968F-3B3BFA0947EA}" type="datetime1">
               <a:rPr lang="pt-PT" smtClean="0"/>
               <a:pPr/>
-              <a:t>19-12-2011</a:t>
+              <a:t>21-12-2011</a:t>
             </a:fld>
             <a:endParaRPr lang="pt-PT"/>
           </a:p>
@@ -11905,7 +11902,7 @@
             <a:fld id="{D1ADC3CB-1463-41E0-9C03-F76948C3E5C0}" type="datetime1">
               <a:rPr lang="pt-PT" smtClean="0"/>
               <a:pPr/>
-              <a:t>19-12-2011</a:t>
+              <a:t>21-12-2011</a:t>
             </a:fld>
             <a:endParaRPr lang="pt-PT"/>
           </a:p>
@@ -12442,6 +12439,7 @@
   <p:clrMapOvr>
     <a:masterClrMapping/>
   </p:clrMapOvr>
+  <p:transition advTm="10561"/>
   <p:timing>
     <p:tnLst>
       <p:par>
@@ -12682,6 +12680,7 @@
   <p:clrMapOvr>
     <a:masterClrMapping/>
   </p:clrMapOvr>
+  <p:transition advTm="75239"/>
   <p:timing>
     <p:tnLst>
       <p:par>
@@ -12804,7 +12803,7 @@
             <a:pPr lvl="2"/>
             <a:r>
               <a:rPr lang="pt-PT" dirty="0" smtClean="0"/>
-              <a:t>Quando o modulo não está </a:t>
+              <a:t>Quando o módulo não está </a:t>
             </a:r>
             <a:r>
               <a:rPr lang="pt-PT" dirty="0" err="1" smtClean="0"/>
@@ -12865,6 +12864,7 @@
   <p:clrMapOvr>
     <a:masterClrMapping/>
   </p:clrMapOvr>
+  <p:transition advTm="48018"/>
   <p:timing>
     <p:tnLst>
       <p:par>
@@ -13074,6 +13074,7 @@
   <p:clrMapOvr>
     <a:masterClrMapping/>
   </p:clrMapOvr>
+  <p:transition advTm="44522"/>
   <p:timing>
     <p:tnLst>
       <p:par>
@@ -13275,8 +13276,8 @@
         </p:nvSpPr>
         <p:spPr>
           <a:xfrm>
-            <a:off x="6012160" y="5733256"/>
-            <a:ext cx="2232248" cy="923330"/>
+            <a:off x="5868144" y="5733256"/>
+            <a:ext cx="2520280" cy="646331"/>
           </a:xfrm>
           <a:prstGeom prst="rect">
             <a:avLst/>
@@ -13298,7 +13299,15 @@
           <a:p>
             <a:r>
               <a:rPr lang="pt-PT" dirty="0" smtClean="0"/>
-              <a:t>Aplicação monitorizadora de rede (ex. tcpdump)</a:t>
+              <a:t>Aplicação monitora de rede (ex. </a:t>
+            </a:r>
+            <a:r>
+              <a:rPr lang="pt-PT" dirty="0" err="1" smtClean="0"/>
+              <a:t>tcpdump</a:t>
+            </a:r>
+            <a:r>
+              <a:rPr lang="pt-PT" dirty="0" smtClean="0"/>
+              <a:t>)</a:t>
             </a:r>
             <a:endParaRPr lang="pt-PT" dirty="0"/>
           </a:p>
@@ -13997,8 +14006,8 @@
         </p:nvSpPr>
         <p:spPr>
           <a:xfrm>
-            <a:off x="7740352" y="4149080"/>
-            <a:ext cx="1368152" cy="523220"/>
+            <a:off x="7524328" y="4149080"/>
+            <a:ext cx="1584176" cy="523220"/>
           </a:xfrm>
           <a:prstGeom prst="rect">
             <a:avLst/>
@@ -14026,7 +14035,15 @@
             <a:pPr algn="ctr"/>
             <a:r>
               <a:rPr lang="pt-PT" sz="1400" i="1" dirty="0" smtClean="0"/>
-              <a:t>Filtro dinâmico</a:t>
+              <a:t>Filtro dinâmico (</a:t>
+            </a:r>
+            <a:r>
+              <a:rPr lang="pt-PT" sz="1400" i="1" dirty="0" err="1" smtClean="0"/>
+              <a:t>MRoP</a:t>
+            </a:r>
+            <a:r>
+              <a:rPr lang="pt-PT" sz="1400" i="1" dirty="0" smtClean="0"/>
+              <a:t>)</a:t>
             </a:r>
             <a:endParaRPr lang="pt-PT" sz="1400" i="1" dirty="0"/>
           </a:p>
@@ -14069,10 +14086,14 @@
         </p:style>
       </p:cxnSp>
     </p:spTree>
+    <p:custDataLst>
+      <p:tags r:id="rId1"/>
+    </p:custDataLst>
   </p:cSld>
   <p:clrMapOvr>
     <a:masterClrMapping/>
   </p:clrMapOvr>
+  <p:transition advTm="72666"/>
   <p:timing>
     <p:tnLst>
       <p:par>
@@ -14508,6 +14529,7 @@
   <p:clrMapOvr>
     <a:masterClrMapping/>
   </p:clrMapOvr>
+  <p:transition advTm="85910"/>
   <p:timing>
     <p:tnLst>
       <p:par>
@@ -14652,7 +14674,7 @@
             </a:r>
             <a:r>
               <a:rPr lang="pt-PT" dirty="0" smtClean="0"/>
-              <a:t> introduzida pela instrumentação do processo</a:t>
+              <a:t> introduzida pela instrumentação do processo e pelo estado do processo</a:t>
             </a:r>
           </a:p>
           <a:p>
@@ -14698,6 +14720,7 @@
   <p:clrMapOvr>
     <a:masterClrMapping/>
   </p:clrMapOvr>
+  <p:transition advTm="27098"/>
   <p:timing>
     <p:tnLst>
       <p:par>
@@ -14771,7 +14794,7 @@
         </p:spPr>
         <p:txBody>
           <a:bodyPr>
-            <a:normAutofit/>
+            <a:normAutofit lnSpcReduction="10000"/>
           </a:bodyPr>
           <a:lstStyle/>
           <a:p>
@@ -14808,6 +14831,47 @@
             <a:endParaRPr lang="pt-PT" dirty="0" smtClean="0"/>
           </a:p>
           <a:p>
+            <a:r>
+              <a:rPr lang="pt-PT" dirty="0" smtClean="0"/>
+              <a:t>Dois fluxos de dados (só um relevante)</a:t>
+            </a:r>
+          </a:p>
+          <a:p>
+            <a:pPr lvl="1"/>
+            <a:r>
+              <a:rPr lang="pt-PT" dirty="0" smtClean="0"/>
+              <a:t>Captura de apenas um fluxo através do recurso ao </a:t>
+            </a:r>
+            <a:r>
+              <a:rPr lang="pt-PT" dirty="0" err="1" smtClean="0"/>
+              <a:t>MRoP</a:t>
+            </a:r>
+            <a:endParaRPr lang="pt-PT" dirty="0" smtClean="0"/>
+          </a:p>
+          <a:p>
+            <a:pPr lvl="6">
+              <a:buNone/>
+            </a:pPr>
+            <a:r>
+              <a:rPr lang="pt-PT" dirty="0" err="1" smtClean="0"/>
+              <a:t>vs</a:t>
+            </a:r>
+            <a:endParaRPr lang="pt-PT" dirty="0" smtClean="0"/>
+          </a:p>
+          <a:p>
+            <a:pPr lvl="1"/>
+            <a:r>
+              <a:rPr lang="pt-PT" dirty="0" smtClean="0"/>
+              <a:t>Captura dos dois fluxos</a:t>
+            </a:r>
+          </a:p>
+          <a:p>
+            <a:r>
+              <a:rPr lang="pt-PT" dirty="0" smtClean="0"/>
+              <a:t>Tempos obtidos</a:t>
+            </a:r>
+          </a:p>
+          <a:p>
             <a:pPr lvl="1"/>
             <a:r>
               <a:rPr lang="pt-PT" dirty="0" smtClean="0"/>
@@ -14848,39 +14912,6 @@
               <a:t>MRoP</a:t>
             </a:r>
             <a:endParaRPr lang="pt-PT" dirty="0" smtClean="0"/>
-          </a:p>
-          <a:p>
-            <a:r>
-              <a:rPr lang="pt-PT" dirty="0" smtClean="0"/>
-              <a:t>Dois fluxos de dados (só um relevante)</a:t>
-            </a:r>
-          </a:p>
-          <a:p>
-            <a:pPr lvl="1"/>
-            <a:r>
-              <a:rPr lang="pt-PT" dirty="0" smtClean="0"/>
-              <a:t>Captura de apenas um fluxo através do recurso ao </a:t>
-            </a:r>
-            <a:r>
-              <a:rPr lang="pt-PT" dirty="0" err="1" smtClean="0"/>
-              <a:t>MRoP</a:t>
-            </a:r>
-            <a:endParaRPr lang="pt-PT" dirty="0" smtClean="0"/>
-          </a:p>
-          <a:p>
-            <a:pPr lvl="6"/>
-            <a:r>
-              <a:rPr lang="pt-PT" dirty="0" err="1" smtClean="0"/>
-              <a:t>vs</a:t>
-            </a:r>
-            <a:endParaRPr lang="pt-PT" dirty="0" smtClean="0"/>
-          </a:p>
-          <a:p>
-            <a:pPr lvl="1"/>
-            <a:r>
-              <a:rPr lang="pt-PT" dirty="0" smtClean="0"/>
-              <a:t>Captura dos dois fluxos</a:t>
-            </a:r>
           </a:p>
         </p:txBody>
       </p:sp>
@@ -14913,6 +14944,7 @@
   <p:clrMapOvr>
     <a:masterClrMapping/>
   </p:clrMapOvr>
+  <p:transition advTm="76175"/>
   <p:timing>
     <p:tnLst>
       <p:par>
@@ -15017,6 +15049,7 @@
   <p:clrMapOvr>
     <a:masterClrMapping/>
   </p:clrMapOvr>
+  <p:transition advTm="43337"/>
   <p:timing>
     <p:tnLst>
       <p:par>
@@ -15157,6 +15190,7 @@
   <p:clrMapOvr>
     <a:masterClrMapping/>
   </p:clrMapOvr>
+  <p:transition advTm="46972"/>
   <p:timing>
     <p:tnLst>
       <p:par>
@@ -15763,15 +15797,7 @@
           <a:p>
             <a:r>
               <a:rPr lang="pt-PT" dirty="0" smtClean="0"/>
-              <a:t>Compreender o comportamento dos </a:t>
-            </a:r>
-            <a:r>
-              <a:rPr lang="pt-PT" smtClean="0"/>
-              <a:t>programas em </a:t>
-            </a:r>
-            <a:r>
-              <a:rPr lang="pt-PT" dirty="0" smtClean="0"/>
-              <a:t>execuções reais</a:t>
+              <a:t>Compreender o comportamento dos programas em execuções reais</a:t>
             </a:r>
           </a:p>
           <a:p>
@@ -15812,13 +15838,16 @@
             </a:r>
             <a:r>
               <a:rPr lang="pt-PT" dirty="0" smtClean="0"/>
-              <a:t> de forma passiva ou </a:t>
+              <a:t> de forma </a:t>
             </a:r>
             <a:r>
               <a:rPr lang="pt-PT" dirty="0" err="1" smtClean="0"/>
               <a:t>activa</a:t>
             </a:r>
-            <a:endParaRPr lang="pt-PT" dirty="0" smtClean="0"/>
+            <a:r>
+              <a:rPr lang="pt-PT" dirty="0" smtClean="0"/>
+              <a:t> ou passiva</a:t>
+            </a:r>
           </a:p>
           <a:p>
             <a:r>
@@ -15886,6 +15915,7 @@
   <p:clrMapOvr>
     <a:masterClrMapping/>
   </p:clrMapOvr>
+  <p:transition advTm="70138"/>
   <p:timing>
     <p:tnLst>
       <p:par>
@@ -15959,7 +15989,7 @@
         </p:spPr>
         <p:txBody>
           <a:bodyPr>
-            <a:normAutofit fontScale="92500"/>
+            <a:normAutofit fontScale="92500" lnSpcReduction="10000"/>
           </a:bodyPr>
           <a:lstStyle/>
           <a:p>
@@ -15973,7 +16003,7 @@
             </a:r>
             <a:r>
               <a:rPr lang="pt-PT" dirty="0" smtClean="0"/>
-              <a:t>LSF/P</a:t>
+              <a:t>P</a:t>
             </a:r>
             <a:r>
               <a:rPr lang="en-US" dirty="0" smtClean="0"/>
@@ -15985,7 +16015,7 @@
             </a:r>
             <a:r>
               <a:rPr lang="pt-PT" dirty="0" smtClean="0"/>
-              <a:t> para filtragem orientada ao processo(s) (</a:t>
+              <a:t> / LSF para filtragem orientada ao processo(s) (</a:t>
             </a:r>
             <a:r>
               <a:rPr lang="pt-PT" dirty="0" err="1" smtClean="0"/>
@@ -16021,6 +16051,11 @@
               <a:rPr lang="pt-PT" dirty="0" smtClean="0"/>
               <a:t>Permite melhores resultados quando apenas se pretende um subconjunto do tráfego de rede</a:t>
             </a:r>
+          </a:p>
+          <a:p>
+            <a:pPr>
+              <a:buNone/>
+            </a:pPr>
             <a:endParaRPr lang="pt-PT" dirty="0"/>
           </a:p>
           <a:p>
@@ -16033,7 +16068,7 @@
             <a:pPr lvl="1"/>
             <a:r>
               <a:rPr lang="pt-PT" dirty="0" smtClean="0"/>
-              <a:t>Disponibilização e testes para a comunidade</a:t>
+              <a:t>Disponibilização para a comunidade</a:t>
             </a:r>
           </a:p>
           <a:p>
@@ -16047,12 +16082,13 @@
             <a:pPr lvl="1"/>
             <a:r>
               <a:rPr lang="pt-PT" dirty="0" smtClean="0"/>
-              <a:t>Retirar o </a:t>
-            </a:r>
-            <a:r>
-              <a:rPr lang="pt-PT" dirty="0" err="1" smtClean="0"/>
-              <a:t>hook</a:t>
-            </a:r>
+              <a:t>Verificar possíveis problemas de concorrência</a:t>
+            </a:r>
+          </a:p>
+          <a:p>
+            <a:pPr lvl="1">
+              <a:buNone/>
+            </a:pPr>
             <a:r>
               <a:rPr lang="pt-PT" dirty="0" smtClean="0"/>
               <a:t> </a:t>
@@ -16089,6 +16125,7 @@
   <p:clrMapOvr>
     <a:masterClrMapping/>
   </p:clrMapOvr>
+  <p:transition advTm="70185"/>
   <p:timing>
     <p:tnLst>
       <p:par>
@@ -16100,7 +16137,7 @@
 </file>
 
 <file path=ppt/slides/slide21.xml><?xml version="1.0" encoding="utf-8"?>
-<p:sld xmlns:a="http://schemas.openxmlformats.org/drawingml/2006/main" xmlns:r="http://schemas.openxmlformats.org/officeDocument/2006/relationships" xmlns:p="http://schemas.openxmlformats.org/presentationml/2006/main">
+<p:sld xmlns:a="http://schemas.openxmlformats.org/drawingml/2006/main" xmlns:r="http://schemas.openxmlformats.org/officeDocument/2006/relationships" xmlns:p="http://schemas.openxmlformats.org/presentationml/2006/main" show="0">
   <p:cSld>
     <p:spTree>
       <p:nvGrpSpPr>
@@ -16298,6 +16335,7 @@
   <p:clrMapOvr>
     <a:masterClrMapping/>
   </p:clrMapOvr>
+  <p:transition/>
   <p:timing>
     <p:tnLst>
       <p:par>
@@ -16309,7 +16347,7 @@
 </file>
 
 <file path=ppt/slides/slide22.xml><?xml version="1.0" encoding="utf-8"?>
-<p:sld xmlns:a="http://schemas.openxmlformats.org/drawingml/2006/main" xmlns:r="http://schemas.openxmlformats.org/officeDocument/2006/relationships" xmlns:p="http://schemas.openxmlformats.org/presentationml/2006/main">
+<p:sld xmlns:a="http://schemas.openxmlformats.org/drawingml/2006/main" xmlns:r="http://schemas.openxmlformats.org/officeDocument/2006/relationships" xmlns:p="http://schemas.openxmlformats.org/presentationml/2006/main" show="0">
   <p:cSld>
     <p:spTree>
       <p:nvGrpSpPr>
@@ -16364,20 +16402,20 @@
           </p:nvPr>
         </p:nvGraphicFramePr>
         <p:xfrm>
-          <a:off x="611560" y="2420888"/>
-          <a:ext cx="5328592" cy="1133475"/>
+          <a:off x="611560" y="1844823"/>
+          <a:ext cx="7488832" cy="1709540"/>
         </p:xfrm>
         <a:graphic>
           <a:graphicData uri="http://schemas.openxmlformats.org/drawingml/2006/table">
             <a:tbl>
               <a:tblPr/>
               <a:tblGrid>
-                <a:gridCol w="1932613"/>
-                <a:gridCol w="848126"/>
-                <a:gridCol w="973259"/>
-                <a:gridCol w="1574594"/>
+                <a:gridCol w="2716105"/>
+                <a:gridCol w="1191961"/>
+                <a:gridCol w="1367823"/>
+                <a:gridCol w="2212943"/>
               </a:tblGrid>
-              <a:tr h="161925">
+              <a:tr h="244220">
                 <a:tc>
                   <a:txBody>
                     <a:bodyPr/>
@@ -16612,7 +16650,7 @@
                   </a:tcPr>
                 </a:tc>
               </a:tr>
-              <a:tr h="161925">
+              <a:tr h="244220">
                 <a:tc>
                   <a:txBody>
                     <a:bodyPr/>
@@ -16802,7 +16840,7 @@
                   </a:tcPr>
                 </a:tc>
               </a:tr>
-              <a:tr h="161925">
+              <a:tr h="244220">
                 <a:tc>
                   <a:txBody>
                     <a:bodyPr/>
@@ -16968,7 +17006,7 @@
                   </a:tcPr>
                 </a:tc>
               </a:tr>
-              <a:tr h="161925">
+              <a:tr h="244220">
                 <a:tc>
                   <a:txBody>
                     <a:bodyPr/>
@@ -17134,7 +17172,7 @@
                   </a:tcPr>
                 </a:tc>
               </a:tr>
-              <a:tr h="161925">
+              <a:tr h="244220">
                 <a:tc>
                   <a:txBody>
                     <a:bodyPr/>
@@ -17324,7 +17362,7 @@
                   </a:tcPr>
                 </a:tc>
               </a:tr>
-              <a:tr h="161925">
+              <a:tr h="244220">
                 <a:tc>
                   <a:txBody>
                     <a:bodyPr/>
@@ -17514,7 +17552,7 @@
                   </a:tcPr>
                 </a:tc>
               </a:tr>
-              <a:tr h="161925">
+              <a:tr h="244220">
                 <a:tc>
                   <a:txBody>
                     <a:bodyPr/>
@@ -17669,7 +17707,7 @@
                     <a:p>
                       <a:pPr algn="ctr" fontAlgn="b"/>
                       <a:r>
-                        <a:rPr lang="pt-PT" sz="1000" b="0" i="0" u="none" strike="noStrike">
+                        <a:rPr lang="pt-PT" sz="1000" b="0" i="0" u="none" strike="noStrike" dirty="0">
                           <a:latin typeface="Arial"/>
                         </a:rPr>
                         <a:t>179,6369</a:t>
@@ -17747,19 +17785,19 @@
           <p:nvPr/>
         </p:nvGraphicFramePr>
         <p:xfrm>
-          <a:off x="539552" y="4797152"/>
-          <a:ext cx="4051300" cy="1133475"/>
+          <a:off x="539552" y="4149078"/>
+          <a:ext cx="7416824" cy="1781549"/>
         </p:xfrm>
         <a:graphic>
           <a:graphicData uri="http://schemas.openxmlformats.org/drawingml/2006/table">
             <a:tbl>
               <a:tblPr/>
               <a:tblGrid>
-                <a:gridCol w="1816428"/>
-                <a:gridCol w="912969"/>
-                <a:gridCol w="1321903"/>
+                <a:gridCol w="3325384"/>
+                <a:gridCol w="1671397"/>
+                <a:gridCol w="2420043"/>
               </a:tblGrid>
-              <a:tr h="161925">
+              <a:tr h="254507">
                 <a:tc>
                   <a:txBody>
                     <a:bodyPr/>
@@ -17767,7 +17805,7 @@
                     <a:p>
                       <a:pPr algn="ctr" fontAlgn="b"/>
                       <a:r>
-                        <a:rPr lang="pt-PT" sz="1000" b="0" i="0" u="none" strike="noStrike">
+                        <a:rPr lang="pt-PT" sz="1000" b="0" i="0" u="none" strike="noStrike" dirty="0">
                           <a:latin typeface="Arial"/>
                         </a:rPr>
                         <a:t>Teste</a:t>
@@ -17935,7 +17973,7 @@
                   </a:tcPr>
                 </a:tc>
               </a:tr>
-              <a:tr h="161925">
+              <a:tr h="254507">
                 <a:tc>
                   <a:txBody>
                     <a:bodyPr/>
@@ -18078,7 +18116,7 @@
                   </a:tcPr>
                 </a:tc>
               </a:tr>
-              <a:tr h="161925">
+              <a:tr h="254507">
                 <a:tc>
                   <a:txBody>
                     <a:bodyPr/>
@@ -18203,7 +18241,7 @@
                   </a:tcPr>
                 </a:tc>
               </a:tr>
-              <a:tr h="161925">
+              <a:tr h="254507">
                 <a:tc>
                   <a:txBody>
                     <a:bodyPr/>
@@ -18252,11 +18290,14 @@
                     <a:p>
                       <a:pPr algn="ctr" fontAlgn="b"/>
                       <a:r>
-                        <a:rPr lang="pt-PT" sz="1000" b="0" i="0" u="none" strike="noStrike">
+                        <a:rPr lang="pt-PT" sz="1000" b="0" i="0" u="none" strike="noStrike" dirty="0" smtClean="0">
                           <a:latin typeface="Arial"/>
                         </a:rPr>
-                        <a:t>0,1373</a:t>
+                        <a:t>-0,1373</a:t>
                       </a:r>
+                      <a:endParaRPr lang="pt-PT" sz="1000" b="0" i="0" u="none" strike="noStrike" dirty="0">
+                        <a:latin typeface="Arial"/>
+                      </a:endParaRPr>
                     </a:p>
                   </a:txBody>
                   <a:tcPr marL="9525" marR="9525" marT="9525" marB="0" anchor="b">
@@ -18293,7 +18334,7 @@
                     <a:p>
                       <a:pPr algn="ctr" fontAlgn="b"/>
                       <a:r>
-                        <a:rPr lang="pt-PT" sz="1000" b="0" i="0" u="none" strike="noStrike">
+                        <a:rPr lang="pt-PT" sz="1000" b="0" i="0" u="none" strike="noStrike" dirty="0">
                           <a:latin typeface="Arial"/>
                         </a:rPr>
                         <a:t>-0,1223</a:t>
@@ -18328,7 +18369,7 @@
                   </a:tcPr>
                 </a:tc>
               </a:tr>
-              <a:tr h="161925">
+              <a:tr h="254507">
                 <a:tc>
                   <a:txBody>
                     <a:bodyPr/>
@@ -18471,7 +18512,7 @@
                   </a:tcPr>
                 </a:tc>
               </a:tr>
-              <a:tr h="161925">
+              <a:tr h="254507">
                 <a:tc>
                   <a:txBody>
                     <a:bodyPr/>
@@ -18614,7 +18655,7 @@
                   </a:tcPr>
                 </a:tc>
               </a:tr>
-              <a:tr h="161925">
+              <a:tr h="254507">
                 <a:tc>
                   <a:txBody>
                     <a:bodyPr/>
@@ -18722,7 +18763,7 @@
                     <a:p>
                       <a:pPr algn="ctr" fontAlgn="b"/>
                       <a:r>
-                        <a:rPr lang="pt-PT" sz="1000" b="0" i="0" u="none" strike="noStrike">
+                        <a:rPr lang="pt-PT" sz="1000" b="0" i="0" u="none" strike="noStrike" dirty="0">
                           <a:latin typeface="Arial"/>
                         </a:rPr>
                         <a:t>0,0802</a:t>
@@ -18772,6 +18813,7 @@
   <p:clrMapOvr>
     <a:masterClrMapping/>
   </p:clrMapOvr>
+  <p:transition/>
   <p:timing>
     <p:tnLst>
       <p:par>
@@ -18783,7 +18825,7 @@
 </file>
 
 <file path=ppt/slides/slide23.xml><?xml version="1.0" encoding="utf-8"?>
-<p:sld xmlns:a="http://schemas.openxmlformats.org/drawingml/2006/main" xmlns:r="http://schemas.openxmlformats.org/officeDocument/2006/relationships" xmlns:p="http://schemas.openxmlformats.org/presentationml/2006/main">
+<p:sld xmlns:a="http://schemas.openxmlformats.org/drawingml/2006/main" xmlns:r="http://schemas.openxmlformats.org/officeDocument/2006/relationships" xmlns:p="http://schemas.openxmlformats.org/presentationml/2006/main" show="0">
   <p:cSld>
     <p:spTree>
       <p:nvGrpSpPr>
@@ -18913,6 +18955,7 @@
   <p:clrMapOvr>
     <a:masterClrMapping/>
   </p:clrMapOvr>
+  <p:transition/>
   <p:timing>
     <p:tnLst>
       <p:par>
@@ -18924,7 +18967,7 @@
 </file>
 
 <file path=ppt/slides/slide24.xml><?xml version="1.0" encoding="utf-8"?>
-<p:sld xmlns:a="http://schemas.openxmlformats.org/drawingml/2006/main" xmlns:r="http://schemas.openxmlformats.org/officeDocument/2006/relationships" xmlns:p="http://schemas.openxmlformats.org/presentationml/2006/main">
+<p:sld xmlns:a="http://schemas.openxmlformats.org/drawingml/2006/main" xmlns:r="http://schemas.openxmlformats.org/officeDocument/2006/relationships" xmlns:p="http://schemas.openxmlformats.org/presentationml/2006/main" show="0">
   <p:cSld>
     <p:spTree>
       <p:nvGrpSpPr>
@@ -19047,6 +19090,7 @@
   <p:clrMapOvr>
     <a:masterClrMapping/>
   </p:clrMapOvr>
+  <p:transition/>
   <p:timing>
     <p:tnLst>
       <p:par>
@@ -19058,7 +19102,7 @@
 </file>
 
 <file path=ppt/slides/slide25.xml><?xml version="1.0" encoding="utf-8"?>
-<p:sld xmlns:a="http://schemas.openxmlformats.org/drawingml/2006/main" xmlns:r="http://schemas.openxmlformats.org/officeDocument/2006/relationships" xmlns:p="http://schemas.openxmlformats.org/presentationml/2006/main">
+<p:sld xmlns:a="http://schemas.openxmlformats.org/drawingml/2006/main" xmlns:r="http://schemas.openxmlformats.org/officeDocument/2006/relationships" xmlns:p="http://schemas.openxmlformats.org/presentationml/2006/main" show="0">
   <p:cSld>
     <p:spTree>
       <p:nvGrpSpPr>
@@ -19606,6 +19650,7 @@
   <p:clrMapOvr>
     <a:masterClrMapping/>
   </p:clrMapOvr>
+  <p:transition/>
   <p:timing>
     <p:tnLst>
       <p:par>
@@ -20296,7 +20341,7 @@
 </file>
 
 <file path=ppt/slides/slide26.xml><?xml version="1.0" encoding="utf-8"?>
-<p:sld xmlns:a="http://schemas.openxmlformats.org/drawingml/2006/main" xmlns:r="http://schemas.openxmlformats.org/officeDocument/2006/relationships" xmlns:p="http://schemas.openxmlformats.org/presentationml/2006/main">
+<p:sld xmlns:a="http://schemas.openxmlformats.org/drawingml/2006/main" xmlns:r="http://schemas.openxmlformats.org/officeDocument/2006/relationships" xmlns:p="http://schemas.openxmlformats.org/presentationml/2006/main" show="0">
   <p:cSld>
     <p:spTree>
       <p:nvGrpSpPr>
@@ -20477,6 +20522,7 @@
   <p:clrMapOvr>
     <a:masterClrMapping/>
   </p:clrMapOvr>
+  <p:transition/>
   <p:timing>
     <p:tnLst>
       <p:par>
@@ -20488,7 +20534,7 @@
 </file>
 
 <file path=ppt/slides/slide27.xml><?xml version="1.0" encoding="utf-8"?>
-<p:sld xmlns:a="http://schemas.openxmlformats.org/drawingml/2006/main" xmlns:r="http://schemas.openxmlformats.org/officeDocument/2006/relationships" xmlns:p="http://schemas.openxmlformats.org/presentationml/2006/main">
+<p:sld xmlns:a="http://schemas.openxmlformats.org/drawingml/2006/main" xmlns:r="http://schemas.openxmlformats.org/officeDocument/2006/relationships" xmlns:p="http://schemas.openxmlformats.org/presentationml/2006/main" show="0">
   <p:cSld>
     <p:spTree>
       <p:nvGrpSpPr>
@@ -20762,6 +20808,7 @@
   <p:clrMapOvr>
     <a:masterClrMapping/>
   </p:clrMapOvr>
+  <p:transition/>
   <p:timing>
     <p:tnLst>
       <p:par>
@@ -21049,6 +21096,33 @@
           <a:p>
             <a:r>
               <a:rPr lang="pt-PT" dirty="0" smtClean="0"/>
+              <a:t>Captura de tráfego de rede de modo passivo</a:t>
+            </a:r>
+          </a:p>
+          <a:p>
+            <a:pPr lvl="1"/>
+            <a:r>
+              <a:rPr lang="pt-PT" dirty="0" smtClean="0"/>
+              <a:t>Geralmente através da biblioteca </a:t>
+            </a:r>
+            <a:r>
+              <a:rPr lang="pt-PT" dirty="0" err="1" smtClean="0"/>
+              <a:t>PCap</a:t>
+            </a:r>
+            <a:r>
+              <a:rPr lang="pt-PT" dirty="0" smtClean="0"/>
+              <a:t> / LSF</a:t>
+            </a:r>
+          </a:p>
+          <a:p>
+            <a:pPr lvl="1">
+              <a:buNone/>
+            </a:pPr>
+            <a:endParaRPr lang="pt-PT" dirty="0" smtClean="0"/>
+          </a:p>
+          <a:p>
+            <a:r>
+              <a:rPr lang="pt-PT" dirty="0" smtClean="0"/>
               <a:t>Análise dos protocolos de comunicação</a:t>
             </a:r>
           </a:p>
@@ -21073,27 +21147,18 @@
             </a:r>
             <a:r>
               <a:rPr lang="pt-PT" dirty="0" smtClean="0"/>
-              <a:t> de falhas, erros, problemas de desempenho, outros...</a:t>
-            </a:r>
-          </a:p>
-          <a:p>
-            <a:endParaRPr lang="pt-PT" dirty="0" smtClean="0"/>
-          </a:p>
-          <a:p>
+              <a:t> de falhas, erros, problemas de desempenho, </a:t>
+            </a:r>
+            <a:r>
+              <a:rPr lang="pt-PT" dirty="0" err="1" smtClean="0"/>
+              <a:t>etc</a:t>
+            </a:r>
             <a:r>
               <a:rPr lang="pt-PT" dirty="0" smtClean="0"/>
-              <a:t>Captura de tráfego de rede de modo passivo</a:t>
-            </a:r>
-          </a:p>
-          <a:p>
-            <a:r>
-              <a:rPr lang="pt-PT" dirty="0" smtClean="0"/>
-              <a:t>Geralmente através da biblioteca </a:t>
-            </a:r>
-            <a:r>
-              <a:rPr lang="pt-PT" dirty="0" err="1" smtClean="0"/>
-              <a:t>PCap</a:t>
-            </a:r>
+              <a:t> ...</a:t>
+            </a:r>
+          </a:p>
+          <a:p>
             <a:endParaRPr lang="pt-PT" dirty="0" smtClean="0"/>
           </a:p>
           <a:p>
@@ -21136,6 +21201,7 @@
   <p:clrMapOvr>
     <a:masterClrMapping/>
   </p:clrMapOvr>
+  <p:transition advTm="55723"/>
   <p:timing>
     <p:tnLst>
       <p:par>
@@ -24980,6 +25046,7 @@
   <p:clrMapOvr>
     <a:masterClrMapping/>
   </p:clrMapOvr>
+  <p:transition advTm="56348"/>
   <p:timing>
     <p:tnLst>
       <p:par>
@@ -25069,7 +25136,7 @@
         </p:nvSpPr>
         <p:spPr>
           <a:xfrm>
-            <a:off x="1475656" y="4437112"/>
+            <a:off x="1475656" y="5085184"/>
             <a:ext cx="1008112" cy="792088"/>
           </a:xfrm>
           <a:prstGeom prst="ellipse">
@@ -25110,7 +25177,7 @@
         </p:nvSpPr>
         <p:spPr>
           <a:xfrm>
-            <a:off x="1547664" y="4653136"/>
+            <a:off x="1547664" y="5301208"/>
             <a:ext cx="1152128" cy="261610"/>
           </a:xfrm>
           <a:prstGeom prst="rect">
@@ -25144,7 +25211,7 @@
         </p:nvSpPr>
         <p:spPr>
           <a:xfrm>
-            <a:off x="2699792" y="4725144"/>
+            <a:off x="2699792" y="5373216"/>
             <a:ext cx="720080" cy="216024"/>
           </a:xfrm>
           <a:prstGeom prst="rightArrow">
@@ -25184,7 +25251,7 @@
         </p:nvSpPr>
         <p:spPr>
           <a:xfrm>
-            <a:off x="3491880" y="4437112"/>
+            <a:off x="3491880" y="5085184"/>
             <a:ext cx="1080120" cy="792088"/>
           </a:xfrm>
           <a:prstGeom prst="ellipse">
@@ -25225,7 +25292,7 @@
         </p:nvSpPr>
         <p:spPr>
           <a:xfrm>
-            <a:off x="3563888" y="4581128"/>
+            <a:off x="3563888" y="5229200"/>
             <a:ext cx="1008112" cy="415498"/>
           </a:xfrm>
           <a:prstGeom prst="rect">
@@ -25259,7 +25326,7 @@
         </p:nvSpPr>
         <p:spPr>
           <a:xfrm>
-            <a:off x="4788024" y="4725144"/>
+            <a:off x="4788024" y="5373216"/>
             <a:ext cx="648072" cy="216024"/>
           </a:xfrm>
           <a:prstGeom prst="rightArrow">
@@ -25299,7 +25366,7 @@
         </p:nvSpPr>
         <p:spPr>
           <a:xfrm>
-            <a:off x="5580112" y="4437112"/>
+            <a:off x="5580112" y="5085184"/>
             <a:ext cx="1224136" cy="720080"/>
           </a:xfrm>
           <a:prstGeom prst="ellipse">
@@ -25340,7 +25407,7 @@
         </p:nvSpPr>
         <p:spPr>
           <a:xfrm>
-            <a:off x="5508104" y="4581128"/>
+            <a:off x="5508104" y="5229200"/>
             <a:ext cx="1368152" cy="430887"/>
           </a:xfrm>
           <a:prstGeom prst="rect">
@@ -25371,7 +25438,7 @@
         </p:nvCxnSpPr>
         <p:spPr>
           <a:xfrm flipV="1">
-            <a:off x="1475656" y="5373216"/>
+            <a:off x="1475656" y="6021288"/>
             <a:ext cx="5400600" cy="3904"/>
           </a:xfrm>
           <a:prstGeom prst="straightConnector1">
@@ -25404,7 +25471,7 @@
         </p:nvSpPr>
         <p:spPr>
           <a:xfrm>
-            <a:off x="2195736" y="5661248"/>
+            <a:off x="2195736" y="6309320"/>
             <a:ext cx="2232248" cy="253916"/>
           </a:xfrm>
           <a:prstGeom prst="rect">
@@ -25442,7 +25509,7 @@
         </p:nvCxnSpPr>
         <p:spPr>
           <a:xfrm>
-            <a:off x="1475656" y="5229200"/>
+            <a:off x="1475656" y="5877272"/>
             <a:ext cx="0" cy="285716"/>
           </a:xfrm>
           <a:prstGeom prst="line">
@@ -25472,7 +25539,7 @@
         </p:nvSpPr>
         <p:spPr>
           <a:xfrm>
-            <a:off x="1331640" y="5445224"/>
+            <a:off x="1331640" y="6093296"/>
             <a:ext cx="4824536" cy="253916"/>
           </a:xfrm>
           <a:prstGeom prst="rect">
@@ -25535,6 +25602,10 @@
             </a:r>
           </a:p>
           <a:p>
+            <a:pPr lvl="8"/>
+            <a:endParaRPr lang="pt-PT" dirty="0" smtClean="0"/>
+          </a:p>
+          <a:p>
             <a:r>
               <a:rPr lang="pt-PT" dirty="0" smtClean="0"/>
               <a:t>Alteração do filtro através da biblioteca </a:t>
@@ -25545,16 +25616,20 @@
             </a:r>
             <a:r>
               <a:rPr lang="pt-PT" dirty="0" smtClean="0"/>
-              <a:t> tem uma latência elevada</a:t>
+              <a:t> tem uma elevada latência</a:t>
             </a:r>
           </a:p>
         </p:txBody>
       </p:sp>
     </p:spTree>
+    <p:custDataLst>
+      <p:tags r:id="rId1"/>
+    </p:custDataLst>
   </p:cSld>
   <p:clrMapOvr>
     <a:masterClrMapping/>
   </p:clrMapOvr>
+  <p:transition advTm="102259"/>
   <p:timing>
     <p:tnLst>
       <p:par>
@@ -26381,6 +26456,7 @@
   <p:clrMapOvr>
     <a:masterClrMapping/>
   </p:clrMapOvr>
+  <p:transition advTm="32495"/>
   <p:timing>
     <p:tnLst>
       <p:par>
@@ -26418,23 +26494,14 @@
             <p:ph type="title"/>
           </p:nvPr>
         </p:nvSpPr>
-        <p:spPr>
-          <a:xfrm>
-            <a:off x="395536" y="404664"/>
-            <a:ext cx="8229600" cy="1066800"/>
-          </a:xfrm>
-        </p:spPr>
+        <p:spPr/>
         <p:txBody>
           <a:bodyPr/>
           <a:lstStyle/>
           <a:p>
             <a:r>
-              <a:rPr lang="pt-PT" dirty="0" smtClean="0"/>
-              <a:t>Extensão do LSF/</a:t>
-            </a:r>
-            <a:r>
-              <a:rPr lang="pt-PT" dirty="0" err="1" smtClean="0"/>
-              <a:t>PCap</a:t>
+              <a:rPr lang="pt-PT" smtClean="0"/>
+              <a:t>Extensão do PCap/LSF</a:t>
             </a:r>
             <a:endParaRPr lang="pt-PT" dirty="0"/>
           </a:p>
@@ -26450,86 +26517,65 @@
             <p:ph idx="1"/>
           </p:nvPr>
         </p:nvSpPr>
-        <p:spPr>
-          <a:xfrm>
-            <a:off x="457200" y="1480152"/>
-            <a:ext cx="8229600" cy="5117200"/>
-          </a:xfrm>
-        </p:spPr>
+        <p:spPr/>
         <p:txBody>
           <a:bodyPr/>
           <a:lstStyle/>
           <a:p>
             <a:r>
-              <a:rPr lang="en-US" dirty="0" smtClean="0"/>
+              <a:rPr lang="en-US" smtClean="0"/>
               <a:t>C</a:t>
             </a:r>
             <a:r>
-              <a:rPr lang="pt-PT" dirty="0" err="1" smtClean="0"/>
-              <a:t>aptura</a:t>
-            </a:r>
-            <a:r>
-              <a:rPr lang="pt-PT" dirty="0" smtClean="0"/>
-              <a:t> e filtragem por processo no núcleo</a:t>
+              <a:rPr lang="pt-PT" smtClean="0"/>
+              <a:t>aptura e filtragem por processo no núcleo</a:t>
             </a:r>
           </a:p>
           <a:p>
             <a:pPr lvl="1"/>
             <a:r>
-              <a:rPr lang="pt-PT" dirty="0" smtClean="0"/>
+              <a:rPr lang="pt-PT" smtClean="0"/>
               <a:t>Monitorização do processo no núcleo</a:t>
             </a:r>
           </a:p>
           <a:p>
             <a:pPr lvl="1"/>
             <a:r>
-              <a:rPr lang="en-US" dirty="0" smtClean="0"/>
+              <a:rPr lang="en-US" smtClean="0"/>
               <a:t>M</a:t>
             </a:r>
             <a:r>
-              <a:rPr lang="pt-PT" dirty="0" err="1" smtClean="0"/>
-              <a:t>anter</a:t>
-            </a:r>
-            <a:r>
-              <a:rPr lang="pt-PT" dirty="0" smtClean="0"/>
-              <a:t> em tempo real o estado do processo alvo</a:t>
+              <a:rPr lang="pt-PT" smtClean="0"/>
+              <a:t>anter em tempo real o estado do processo alvo</a:t>
             </a:r>
           </a:p>
           <a:p>
             <a:pPr lvl="1"/>
             <a:r>
-              <a:rPr lang="en-US" dirty="0" smtClean="0"/>
+              <a:rPr lang="en-US" smtClean="0"/>
               <a:t>C</a:t>
             </a:r>
             <a:r>
-              <a:rPr lang="pt-PT" dirty="0" err="1" smtClean="0"/>
-              <a:t>aptura</a:t>
-            </a:r>
-            <a:r>
-              <a:rPr lang="pt-PT" dirty="0" smtClean="0"/>
-              <a:t> no LSF com base no estado do processo</a:t>
+              <a:rPr lang="pt-PT" smtClean="0"/>
+              <a:t>aptura no LSF com base no estado do processo</a:t>
             </a:r>
           </a:p>
           <a:p>
             <a:pPr lvl="1"/>
             <a:r>
-              <a:rPr lang="pt-PT" dirty="0" smtClean="0"/>
+              <a:rPr lang="pt-PT" smtClean="0"/>
               <a:t>Manter compatibilidade com o sistema existente</a:t>
             </a:r>
           </a:p>
           <a:p>
             <a:pPr lvl="1"/>
             <a:r>
-              <a:rPr lang="en-US" dirty="0" smtClean="0"/>
+              <a:rPr lang="en-US" smtClean="0"/>
               <a:t>M</a:t>
             </a:r>
             <a:r>
-              <a:rPr lang="pt-PT" dirty="0" err="1" smtClean="0"/>
-              <a:t>anter</a:t>
-            </a:r>
-            <a:r>
-              <a:rPr lang="pt-PT" dirty="0" smtClean="0"/>
-              <a:t> a perturbação/sobrecarga mínima, especialmente quando não utilizado</a:t>
+              <a:rPr lang="pt-PT" smtClean="0"/>
+              <a:t>anter a perturbação/sobrecarga mínima, especialmente quando não utilizado</a:t>
             </a:r>
           </a:p>
           <a:p>
@@ -26567,6 +26613,7 @@
   <p:clrMapOvr>
     <a:masterClrMapping/>
   </p:clrMapOvr>
+  <p:transition advTm="53555"/>
   <p:timing>
     <p:tnLst>
       <p:par>
@@ -26779,6 +26826,7 @@
   <p:clrMapOvr>
     <a:masterClrMapping/>
   </p:clrMapOvr>
+  <p:transition advTm="22292"/>
   <p:timing>
     <p:tnLst>
       <p:par>
@@ -26994,7 +27042,7 @@
         <p:spPr>
           <a:xfrm>
             <a:off x="395536" y="1988840"/>
-            <a:ext cx="7632848" cy="0"/>
+            <a:ext cx="8352928" cy="0"/>
           </a:xfrm>
           <a:prstGeom prst="line">
             <a:avLst/>
@@ -27027,7 +27075,7 @@
         <p:spPr>
           <a:xfrm>
             <a:off x="395536" y="5445224"/>
-            <a:ext cx="7920880" cy="0"/>
+            <a:ext cx="8424936" cy="0"/>
           </a:xfrm>
           <a:prstGeom prst="line">
             <a:avLst/>
@@ -27245,7 +27293,7 @@
             <a:avLst/>
           </a:prstGeom>
           <a:noFill/>
-          <a:ln>
+          <a:ln w="9525">
             <a:solidFill>
               <a:schemeClr val="tx1"/>
             </a:solidFill>
@@ -27618,11 +27666,241 @@
           </a:p>
         </p:txBody>
       </p:sp>
+      <p:sp>
+        <p:nvSpPr>
+          <p:cNvPr id="40" name="CaixaDeTexto 39"/>
+          <p:cNvSpPr txBox="1"/>
+          <p:nvPr/>
+        </p:nvSpPr>
+        <p:spPr>
+          <a:xfrm>
+            <a:off x="8244408" y="2276873"/>
+            <a:ext cx="792088" cy="276999"/>
+          </a:xfrm>
+          <a:prstGeom prst="rect">
+            <a:avLst/>
+          </a:prstGeom>
+          <a:noFill/>
+          <a:ln>
+            <a:solidFill>
+              <a:schemeClr val="tx1"/>
+            </a:solidFill>
+          </a:ln>
+        </p:spPr>
+        <p:txBody>
+          <a:bodyPr wrap="square" rtlCol="0">
+            <a:spAutoFit/>
+          </a:bodyPr>
+          <a:lstStyle/>
+          <a:p>
+            <a:r>
+              <a:rPr lang="pt-PT" sz="1200" dirty="0" smtClean="0"/>
+              <a:t>Núcleo</a:t>
+            </a:r>
+            <a:endParaRPr lang="pt-PT" sz="1200" dirty="0"/>
+          </a:p>
+        </p:txBody>
+      </p:sp>
+      <p:sp>
+        <p:nvSpPr>
+          <p:cNvPr id="41" name="CaixaDeTexto 40"/>
+          <p:cNvSpPr txBox="1"/>
+          <p:nvPr/>
+        </p:nvSpPr>
+        <p:spPr>
+          <a:xfrm>
+            <a:off x="8244408" y="5589240"/>
+            <a:ext cx="864096" cy="276999"/>
+          </a:xfrm>
+          <a:prstGeom prst="rect">
+            <a:avLst/>
+          </a:prstGeom>
+          <a:noFill/>
+          <a:ln>
+            <a:solidFill>
+              <a:schemeClr val="tx1"/>
+            </a:solidFill>
+          </a:ln>
+        </p:spPr>
+        <p:txBody>
+          <a:bodyPr wrap="square" rtlCol="0">
+            <a:spAutoFit/>
+          </a:bodyPr>
+          <a:lstStyle/>
+          <a:p>
+            <a:r>
+              <a:rPr lang="pt-PT" sz="1200" dirty="0" smtClean="0"/>
+              <a:t>Hardware</a:t>
+            </a:r>
+            <a:endParaRPr lang="pt-PT" sz="1200" dirty="0"/>
+          </a:p>
+        </p:txBody>
+      </p:sp>
+      <p:cxnSp>
+        <p:nvCxnSpPr>
+          <p:cNvPr id="43" name="Conexão recta unidireccional 42"/>
+          <p:cNvCxnSpPr>
+            <a:stCxn id="26" idx="2"/>
+            <a:endCxn id="30" idx="0"/>
+          </p:cNvCxnSpPr>
+          <p:nvPr/>
+        </p:nvCxnSpPr>
+        <p:spPr>
+          <a:xfrm flipH="1">
+            <a:off x="1223628" y="3573016"/>
+            <a:ext cx="756084" cy="432048"/>
+          </a:xfrm>
+          <a:prstGeom prst="straightConnector1">
+            <a:avLst/>
+          </a:prstGeom>
+          <a:ln w="38100">
+            <a:solidFill>
+              <a:srgbClr val="0070C0"/>
+            </a:solidFill>
+            <a:tailEnd type="arrow"/>
+          </a:ln>
+        </p:spPr>
+        <p:style>
+          <a:lnRef idx="1">
+            <a:schemeClr val="accent1"/>
+          </a:lnRef>
+          <a:fillRef idx="0">
+            <a:schemeClr val="accent1"/>
+          </a:fillRef>
+          <a:effectRef idx="0">
+            <a:schemeClr val="accent1"/>
+          </a:effectRef>
+          <a:fontRef idx="minor">
+            <a:schemeClr val="tx1"/>
+          </a:fontRef>
+        </p:style>
+      </p:cxnSp>
+      <p:cxnSp>
+        <p:nvCxnSpPr>
+          <p:cNvPr id="48" name="Conexão recta unidireccional 47"/>
+          <p:cNvCxnSpPr>
+            <a:stCxn id="30" idx="3"/>
+            <a:endCxn id="29" idx="1"/>
+          </p:cNvCxnSpPr>
+          <p:nvPr/>
+        </p:nvCxnSpPr>
+        <p:spPr>
+          <a:xfrm flipV="1">
+            <a:off x="2123728" y="4400238"/>
+            <a:ext cx="288032" cy="20325"/>
+          </a:xfrm>
+          <a:prstGeom prst="straightConnector1">
+            <a:avLst/>
+          </a:prstGeom>
+          <a:ln w="38100">
+            <a:solidFill>
+              <a:srgbClr val="0070C0"/>
+            </a:solidFill>
+            <a:tailEnd type="arrow"/>
+          </a:ln>
+        </p:spPr>
+        <p:style>
+          <a:lnRef idx="1">
+            <a:schemeClr val="accent1"/>
+          </a:lnRef>
+          <a:fillRef idx="0">
+            <a:schemeClr val="accent1"/>
+          </a:fillRef>
+          <a:effectRef idx="0">
+            <a:schemeClr val="accent1"/>
+          </a:effectRef>
+          <a:fontRef idx="minor">
+            <a:schemeClr val="tx1"/>
+          </a:fontRef>
+        </p:style>
+      </p:cxnSp>
+      <p:cxnSp>
+        <p:nvCxnSpPr>
+          <p:cNvPr id="53" name="Conexão recta unidireccional 52"/>
+          <p:cNvCxnSpPr>
+            <a:stCxn id="31" idx="1"/>
+            <a:endCxn id="28" idx="3"/>
+          </p:cNvCxnSpPr>
+          <p:nvPr/>
+        </p:nvCxnSpPr>
+        <p:spPr>
+          <a:xfrm flipH="1">
+            <a:off x="6012160" y="3829690"/>
+            <a:ext cx="936104" cy="467762"/>
+          </a:xfrm>
+          <a:prstGeom prst="straightConnector1">
+            <a:avLst/>
+          </a:prstGeom>
+          <a:ln w="38100">
+            <a:solidFill>
+              <a:srgbClr val="0070C0"/>
+            </a:solidFill>
+            <a:tailEnd type="arrow"/>
+          </a:ln>
+        </p:spPr>
+        <p:style>
+          <a:lnRef idx="1">
+            <a:schemeClr val="accent1"/>
+          </a:lnRef>
+          <a:fillRef idx="0">
+            <a:schemeClr val="accent1"/>
+          </a:fillRef>
+          <a:effectRef idx="0">
+            <a:schemeClr val="accent1"/>
+          </a:effectRef>
+          <a:fontRef idx="minor">
+            <a:schemeClr val="tx1"/>
+          </a:fontRef>
+        </p:style>
+      </p:cxnSp>
+      <p:cxnSp>
+        <p:nvCxnSpPr>
+          <p:cNvPr id="56" name="Conexão recta unidireccional 55"/>
+          <p:cNvCxnSpPr>
+            <a:stCxn id="28" idx="1"/>
+            <a:endCxn id="29" idx="3"/>
+          </p:cNvCxnSpPr>
+          <p:nvPr/>
+        </p:nvCxnSpPr>
+        <p:spPr>
+          <a:xfrm flipH="1">
+            <a:off x="3707904" y="4297452"/>
+            <a:ext cx="432048" cy="102786"/>
+          </a:xfrm>
+          <a:prstGeom prst="straightConnector1">
+            <a:avLst/>
+          </a:prstGeom>
+          <a:ln w="38100">
+            <a:solidFill>
+              <a:srgbClr val="0070C0"/>
+            </a:solidFill>
+            <a:tailEnd type="arrow"/>
+          </a:ln>
+        </p:spPr>
+        <p:style>
+          <a:lnRef idx="1">
+            <a:schemeClr val="accent1"/>
+          </a:lnRef>
+          <a:fillRef idx="0">
+            <a:schemeClr val="accent1"/>
+          </a:fillRef>
+          <a:effectRef idx="0">
+            <a:schemeClr val="accent1"/>
+          </a:effectRef>
+          <a:fontRef idx="minor">
+            <a:schemeClr val="tx1"/>
+          </a:fontRef>
+        </p:style>
+      </p:cxnSp>
     </p:spTree>
+    <p:custDataLst>
+      <p:tags r:id="rId1"/>
+    </p:custDataLst>
   </p:cSld>
   <p:clrMapOvr>
     <a:masterClrMapping/>
   </p:clrMapOvr>
+  <p:transition advTm="125253"/>
   <p:timing>
     <p:tnLst>
       <p:par>
@@ -28498,6 +28776,41 @@
                                   </p:childTnLst>
                                 </p:cTn>
                               </p:par>
+                              <p:par>
+                                <p:cTn id="75" presetID="18" presetClass="entr" presetSubtype="12" fill="hold" nodeType="withEffect">
+                                  <p:stCondLst>
+                                    <p:cond delay="0"/>
+                                  </p:stCondLst>
+                                  <p:childTnLst>
+                                    <p:set>
+                                      <p:cBhvr>
+                                        <p:cTn id="76" dur="1" fill="hold">
+                                          <p:stCondLst>
+                                            <p:cond delay="0"/>
+                                          </p:stCondLst>
+                                        </p:cTn>
+                                        <p:tgtEl>
+                                          <p:spTgt spid="43"/>
+                                        </p:tgtEl>
+                                        <p:attrNameLst>
+                                          <p:attrName>style.visibility</p:attrName>
+                                        </p:attrNameLst>
+                                      </p:cBhvr>
+                                      <p:to>
+                                        <p:strVal val="visible"/>
+                                      </p:to>
+                                    </p:set>
+                                    <p:animEffect transition="in" filter="strips(downLeft)">
+                                      <p:cBhvr>
+                                        <p:cTn id="77" dur="500"/>
+                                        <p:tgtEl>
+                                          <p:spTgt spid="43"/>
+                                        </p:tgtEl>
+                                      </p:cBhvr>
+                                    </p:animEffect>
+                                  </p:childTnLst>
+                                </p:cTn>
+                              </p:par>
                             </p:childTnLst>
                           </p:cTn>
                         </p:par>
@@ -28505,26 +28818,26 @@
                     </p:cTn>
                   </p:par>
                   <p:par>
-                    <p:cTn id="75" fill="hold">
+                    <p:cTn id="78" fill="hold">
                       <p:stCondLst>
                         <p:cond delay="indefinite"/>
                       </p:stCondLst>
                       <p:childTnLst>
                         <p:par>
-                          <p:cTn id="76" fill="hold">
+                          <p:cTn id="79" fill="hold">
                             <p:stCondLst>
                               <p:cond delay="0"/>
                             </p:stCondLst>
                             <p:childTnLst>
                               <p:par>
-                                <p:cTn id="77" presetID="1" presetClass="emph" presetSubtype="2" fill="hold" nodeType="clickEffect">
+                                <p:cTn id="80" presetID="1" presetClass="emph" presetSubtype="2" fill="hold" nodeType="clickEffect">
                                   <p:stCondLst>
                                     <p:cond delay="0"/>
                                   </p:stCondLst>
                                   <p:childTnLst>
                                     <p:animClr clrSpc="rgb">
                                       <p:cBhvr>
-                                        <p:cTn id="78" dur="2000" fill="hold"/>
+                                        <p:cTn id="81" dur="2000" fill="hold"/>
                                         <p:tgtEl>
                                           <p:spTgt spid="29"/>
                                         </p:tgtEl>
@@ -28538,7 +28851,7 @@
                                     </p:animClr>
                                     <p:set>
                                       <p:cBhvr>
-                                        <p:cTn id="79" dur="2000" fill="hold"/>
+                                        <p:cTn id="82" dur="2000" fill="hold"/>
                                         <p:tgtEl>
                                           <p:spTgt spid="29"/>
                                         </p:tgtEl>
@@ -28552,7 +28865,7 @@
                                     </p:set>
                                     <p:set>
                                       <p:cBhvr>
-                                        <p:cTn id="80" dur="2000" fill="hold"/>
+                                        <p:cTn id="83" dur="2000" fill="hold"/>
                                         <p:tgtEl>
                                           <p:spTgt spid="29"/>
                                         </p:tgtEl>
@@ -28567,6 +28880,41 @@
                                   </p:childTnLst>
                                 </p:cTn>
                               </p:par>
+                              <p:par>
+                                <p:cTn id="84" presetID="18" presetClass="entr" presetSubtype="12" fill="hold" nodeType="withEffect">
+                                  <p:stCondLst>
+                                    <p:cond delay="0"/>
+                                  </p:stCondLst>
+                                  <p:childTnLst>
+                                    <p:set>
+                                      <p:cBhvr>
+                                        <p:cTn id="85" dur="1" fill="hold">
+                                          <p:stCondLst>
+                                            <p:cond delay="0"/>
+                                          </p:stCondLst>
+                                        </p:cTn>
+                                        <p:tgtEl>
+                                          <p:spTgt spid="48"/>
+                                        </p:tgtEl>
+                                        <p:attrNameLst>
+                                          <p:attrName>style.visibility</p:attrName>
+                                        </p:attrNameLst>
+                                      </p:cBhvr>
+                                      <p:to>
+                                        <p:strVal val="visible"/>
+                                      </p:to>
+                                    </p:set>
+                                    <p:animEffect transition="in" filter="strips(downLeft)">
+                                      <p:cBhvr>
+                                        <p:cTn id="86" dur="500"/>
+                                        <p:tgtEl>
+                                          <p:spTgt spid="48"/>
+                                        </p:tgtEl>
+                                      </p:cBhvr>
+                                    </p:animEffect>
+                                  </p:childTnLst>
+                                </p:cTn>
+                              </p:par>
                             </p:childTnLst>
                           </p:cTn>
                         </p:par>
@@ -28574,26 +28922,26 @@
                     </p:cTn>
                   </p:par>
                   <p:par>
-                    <p:cTn id="81" fill="hold">
+                    <p:cTn id="87" fill="hold">
                       <p:stCondLst>
                         <p:cond delay="indefinite"/>
                       </p:stCondLst>
                       <p:childTnLst>
                         <p:par>
-                          <p:cTn id="82" fill="hold">
+                          <p:cTn id="88" fill="hold">
                             <p:stCondLst>
                               <p:cond delay="0"/>
                             </p:stCondLst>
                             <p:childTnLst>
                               <p:par>
-                                <p:cTn id="83" presetID="1" presetClass="emph" presetSubtype="2" fill="hold" nodeType="clickEffect">
+                                <p:cTn id="89" presetID="1" presetClass="emph" presetSubtype="2" fill="hold" nodeType="clickEffect">
                                   <p:stCondLst>
                                     <p:cond delay="0"/>
                                   </p:stCondLst>
                                   <p:childTnLst>
                                     <p:animClr clrSpc="rgb">
                                       <p:cBhvr>
-                                        <p:cTn id="84" dur="2000" fill="hold"/>
+                                        <p:cTn id="90" dur="2000" fill="hold"/>
                                         <p:tgtEl>
                                           <p:spTgt spid="29"/>
                                         </p:tgtEl>
@@ -28607,7 +28955,7 @@
                                     </p:animClr>
                                     <p:set>
                                       <p:cBhvr>
-                                        <p:cTn id="85" dur="2000" fill="hold"/>
+                                        <p:cTn id="91" dur="2000" fill="hold"/>
                                         <p:tgtEl>
                                           <p:spTgt spid="29"/>
                                         </p:tgtEl>
@@ -28621,7 +28969,7 @@
                                     </p:set>
                                     <p:set>
                                       <p:cBhvr>
-                                        <p:cTn id="86" dur="2000" fill="hold"/>
+                                        <p:cTn id="92" dur="2000" fill="hold"/>
                                         <p:tgtEl>
                                           <p:spTgt spid="29"/>
                                         </p:tgtEl>
@@ -28640,20 +28988,20 @@
                           </p:cTn>
                         </p:par>
                         <p:par>
-                          <p:cTn id="87" fill="hold">
+                          <p:cTn id="93" fill="hold">
                             <p:stCondLst>
                               <p:cond delay="2000"/>
                             </p:stCondLst>
                             <p:childTnLst>
                               <p:par>
-                                <p:cTn id="88" presetID="1" presetClass="emph" presetSubtype="2" fill="hold" nodeType="afterEffect">
+                                <p:cTn id="94" presetID="1" presetClass="emph" presetSubtype="2" fill="hold" nodeType="afterEffect">
                                   <p:stCondLst>
                                     <p:cond delay="0"/>
                                   </p:stCondLst>
                                   <p:childTnLst>
                                     <p:animClr clrSpc="rgb">
                                       <p:cBhvr>
-                                        <p:cTn id="89" dur="2000" fill="hold"/>
+                                        <p:cTn id="95" dur="2000" fill="hold"/>
                                         <p:tgtEl>
                                           <p:spTgt spid="26"/>
                                         </p:tgtEl>
@@ -28667,7 +29015,7 @@
                                     </p:animClr>
                                     <p:set>
                                       <p:cBhvr>
-                                        <p:cTn id="90" dur="2000" fill="hold"/>
+                                        <p:cTn id="96" dur="2000" fill="hold"/>
                                         <p:tgtEl>
                                           <p:spTgt spid="26"/>
                                         </p:tgtEl>
@@ -28681,7 +29029,7 @@
                                     </p:set>
                                     <p:set>
                                       <p:cBhvr>
-                                        <p:cTn id="91" dur="2000" fill="hold"/>
+                                        <p:cTn id="97" dur="2000" fill="hold"/>
                                         <p:tgtEl>
                                           <p:spTgt spid="26"/>
                                         </p:tgtEl>
@@ -28697,14 +29045,14 @@
                                 </p:cTn>
                               </p:par>
                               <p:par>
-                                <p:cTn id="92" presetID="1" presetClass="emph" presetSubtype="2" fill="hold" nodeType="withEffect">
+                                <p:cTn id="98" presetID="1" presetClass="emph" presetSubtype="2" fill="hold" nodeType="withEffect">
                                   <p:stCondLst>
                                     <p:cond delay="0"/>
                                   </p:stCondLst>
                                   <p:childTnLst>
                                     <p:animClr clrSpc="rgb">
                                       <p:cBhvr>
-                                        <p:cTn id="93" dur="2000" fill="hold"/>
+                                        <p:cTn id="99" dur="2000" fill="hold"/>
                                         <p:tgtEl>
                                           <p:spTgt spid="34"/>
                                         </p:tgtEl>
@@ -28718,7 +29066,7 @@
                                     </p:animClr>
                                     <p:set>
                                       <p:cBhvr>
-                                        <p:cTn id="94" dur="2000" fill="hold"/>
+                                        <p:cTn id="100" dur="2000" fill="hold"/>
                                         <p:tgtEl>
                                           <p:spTgt spid="34"/>
                                         </p:tgtEl>
@@ -28732,7 +29080,7 @@
                                     </p:set>
                                     <p:set>
                                       <p:cBhvr>
-                                        <p:cTn id="95" dur="2000" fill="hold"/>
+                                        <p:cTn id="101" dur="2000" fill="hold"/>
                                         <p:tgtEl>
                                           <p:spTgt spid="34"/>
                                         </p:tgtEl>
@@ -28748,14 +29096,14 @@
                                 </p:cTn>
                               </p:par>
                               <p:par>
-                                <p:cTn id="96" presetID="1" presetClass="emph" presetSubtype="2" fill="hold" nodeType="withEffect">
+                                <p:cTn id="102" presetID="1" presetClass="emph" presetSubtype="2" fill="hold" nodeType="withEffect">
                                   <p:stCondLst>
                                     <p:cond delay="0"/>
                                   </p:stCondLst>
                                   <p:childTnLst>
                                     <p:animClr clrSpc="rgb">
                                       <p:cBhvr>
-                                        <p:cTn id="97" dur="2000" fill="hold"/>
+                                        <p:cTn id="103" dur="2000" fill="hold"/>
                                         <p:tgtEl>
                                           <p:spTgt spid="30"/>
                                         </p:tgtEl>
@@ -28769,7 +29117,7 @@
                                     </p:animClr>
                                     <p:set>
                                       <p:cBhvr>
-                                        <p:cTn id="98" dur="2000" fill="hold"/>
+                                        <p:cTn id="104" dur="2000" fill="hold"/>
                                         <p:tgtEl>
                                           <p:spTgt spid="30"/>
                                         </p:tgtEl>
@@ -28783,7 +29131,7 @@
                                     </p:set>
                                     <p:set>
                                       <p:cBhvr>
-                                        <p:cTn id="99" dur="2000" fill="hold"/>
+                                        <p:cTn id="105" dur="2000" fill="hold"/>
                                         <p:tgtEl>
                                           <p:spTgt spid="30"/>
                                         </p:tgtEl>
@@ -28799,14 +29147,84 @@
                                 </p:cTn>
                               </p:par>
                               <p:par>
-                                <p:cTn id="100" presetID="1" presetClass="emph" presetSubtype="2" fill="hold" nodeType="withEffect">
+                                <p:cTn id="106" presetID="10" presetClass="exit" presetSubtype="0" fill="hold" nodeType="withEffect">
+                                  <p:stCondLst>
+                                    <p:cond delay="0"/>
+                                  </p:stCondLst>
+                                  <p:childTnLst>
+                                    <p:animEffect transition="out" filter="fade">
+                                      <p:cBhvr>
+                                        <p:cTn id="107" dur="2000"/>
+                                        <p:tgtEl>
+                                          <p:spTgt spid="43"/>
+                                        </p:tgtEl>
+                                      </p:cBhvr>
+                                    </p:animEffect>
+                                    <p:set>
+                                      <p:cBhvr>
+                                        <p:cTn id="108" dur="1" fill="hold">
+                                          <p:stCondLst>
+                                            <p:cond delay="1999"/>
+                                          </p:stCondLst>
+                                        </p:cTn>
+                                        <p:tgtEl>
+                                          <p:spTgt spid="43"/>
+                                        </p:tgtEl>
+                                        <p:attrNameLst>
+                                          <p:attrName>style.visibility</p:attrName>
+                                        </p:attrNameLst>
+                                      </p:cBhvr>
+                                      <p:to>
+                                        <p:strVal val="hidden"/>
+                                      </p:to>
+                                    </p:set>
+                                  </p:childTnLst>
+                                </p:cTn>
+                              </p:par>
+                              <p:par>
+                                <p:cTn id="109" presetID="10" presetClass="exit" presetSubtype="0" fill="hold" nodeType="withEffect">
+                                  <p:stCondLst>
+                                    <p:cond delay="0"/>
+                                  </p:stCondLst>
+                                  <p:childTnLst>
+                                    <p:animEffect transition="out" filter="fade">
+                                      <p:cBhvr>
+                                        <p:cTn id="110" dur="2000"/>
+                                        <p:tgtEl>
+                                          <p:spTgt spid="48"/>
+                                        </p:tgtEl>
+                                      </p:cBhvr>
+                                    </p:animEffect>
+                                    <p:set>
+                                      <p:cBhvr>
+                                        <p:cTn id="111" dur="1" fill="hold">
+                                          <p:stCondLst>
+                                            <p:cond delay="1999"/>
+                                          </p:stCondLst>
+                                        </p:cTn>
+                                        <p:tgtEl>
+                                          <p:spTgt spid="48"/>
+                                        </p:tgtEl>
+                                        <p:attrNameLst>
+                                          <p:attrName>style.visibility</p:attrName>
+                                        </p:attrNameLst>
+                                      </p:cBhvr>
+                                      <p:to>
+                                        <p:strVal val="hidden"/>
+                                      </p:to>
+                                    </p:set>
+                                  </p:childTnLst>
+                                </p:cTn>
+                              </p:par>
+                              <p:par>
+                                <p:cTn id="112" presetID="1" presetClass="emph" presetSubtype="2" fill="hold" nodeType="withEffect">
                                   <p:stCondLst>
                                     <p:cond delay="0"/>
                                   </p:stCondLst>
                                   <p:childTnLst>
                                     <p:animClr clrSpc="rgb">
                                       <p:cBhvr>
-                                        <p:cTn id="101" dur="2000" fill="hold"/>
+                                        <p:cTn id="113" dur="2000" fill="hold"/>
                                         <p:tgtEl>
                                           <p:spTgt spid="32"/>
                                         </p:tgtEl>
@@ -28820,7 +29238,7 @@
                                     </p:animClr>
                                     <p:set>
                                       <p:cBhvr>
-                                        <p:cTn id="102" dur="2000" fill="hold"/>
+                                        <p:cTn id="114" dur="2000" fill="hold"/>
                                         <p:tgtEl>
                                           <p:spTgt spid="32"/>
                                         </p:tgtEl>
@@ -28834,147 +29252,9 @@
                                     </p:set>
                                     <p:set>
                                       <p:cBhvr>
-                                        <p:cTn id="103" dur="2000" fill="hold"/>
+                                        <p:cTn id="115" dur="2000" fill="hold"/>
                                         <p:tgtEl>
                                           <p:spTgt spid="32"/>
-                                        </p:tgtEl>
-                                        <p:attrNameLst>
-                                          <p:attrName>fill.on</p:attrName>
-                                        </p:attrNameLst>
-                                      </p:cBhvr>
-                                      <p:to>
-                                        <p:strVal val="true"/>
-                                      </p:to>
-                                    </p:set>
-                                  </p:childTnLst>
-                                </p:cTn>
-                              </p:par>
-                            </p:childTnLst>
-                          </p:cTn>
-                        </p:par>
-                      </p:childTnLst>
-                    </p:cTn>
-                  </p:par>
-                  <p:par>
-                    <p:cTn id="104" fill="hold">
-                      <p:stCondLst>
-                        <p:cond delay="indefinite"/>
-                      </p:stCondLst>
-                      <p:childTnLst>
-                        <p:par>
-                          <p:cTn id="105" fill="hold">
-                            <p:stCondLst>
-                              <p:cond delay="0"/>
-                            </p:stCondLst>
-                            <p:childTnLst>
-                              <p:par>
-                                <p:cTn id="106" presetID="1" presetClass="emph" presetSubtype="2" fill="hold" nodeType="clickEffect">
-                                  <p:stCondLst>
-                                    <p:cond delay="0"/>
-                                  </p:stCondLst>
-                                  <p:childTnLst>
-                                    <p:animClr clrSpc="rgb">
-                                      <p:cBhvr>
-                                        <p:cTn id="107" dur="2000" fill="hold"/>
-                                        <p:tgtEl>
-                                          <p:spTgt spid="31"/>
-                                        </p:tgtEl>
-                                        <p:attrNameLst>
-                                          <p:attrName>fillcolor</p:attrName>
-                                        </p:attrNameLst>
-                                      </p:cBhvr>
-                                      <p:to>
-                                        <a:srgbClr val="B4D7DE"/>
-                                      </p:to>
-                                    </p:animClr>
-                                    <p:set>
-                                      <p:cBhvr>
-                                        <p:cTn id="108" dur="2000" fill="hold"/>
-                                        <p:tgtEl>
-                                          <p:spTgt spid="31"/>
-                                        </p:tgtEl>
-                                        <p:attrNameLst>
-                                          <p:attrName>fill.type</p:attrName>
-                                        </p:attrNameLst>
-                                      </p:cBhvr>
-                                      <p:to>
-                                        <p:strVal val="solid"/>
-                                      </p:to>
-                                    </p:set>
-                                    <p:set>
-                                      <p:cBhvr>
-                                        <p:cTn id="109" dur="2000" fill="hold"/>
-                                        <p:tgtEl>
-                                          <p:spTgt spid="31"/>
-                                        </p:tgtEl>
-                                        <p:attrNameLst>
-                                          <p:attrName>fill.on</p:attrName>
-                                        </p:attrNameLst>
-                                      </p:cBhvr>
-                                      <p:to>
-                                        <p:strVal val="true"/>
-                                      </p:to>
-                                    </p:set>
-                                  </p:childTnLst>
-                                </p:cTn>
-                              </p:par>
-                            </p:childTnLst>
-                          </p:cTn>
-                        </p:par>
-                      </p:childTnLst>
-                    </p:cTn>
-                  </p:par>
-                  <p:par>
-                    <p:cTn id="110" fill="hold">
-                      <p:stCondLst>
-                        <p:cond delay="indefinite"/>
-                      </p:stCondLst>
-                      <p:childTnLst>
-                        <p:par>
-                          <p:cTn id="111" fill="hold">
-                            <p:stCondLst>
-                              <p:cond delay="0"/>
-                            </p:stCondLst>
-                            <p:childTnLst>
-                              <p:par>
-                                <p:cTn id="112" presetID="1" presetClass="emph" presetSubtype="2" fill="hold" nodeType="clickEffect">
-                                  <p:stCondLst>
-                                    <p:cond delay="0"/>
-                                  </p:stCondLst>
-                                  <p:childTnLst>
-                                    <p:animClr clrSpc="rgb">
-                                      <p:cBhvr>
-                                        <p:cTn id="113" dur="2000" fill="hold"/>
-                                        <p:tgtEl>
-                                          <p:spTgt spid="28"/>
-                                        </p:tgtEl>
-                                        <p:attrNameLst>
-                                          <p:attrName>fillcolor</p:attrName>
-                                        </p:attrNameLst>
-                                      </p:cBhvr>
-                                      <p:to>
-                                        <a:srgbClr val="B4D7DE"/>
-                                      </p:to>
-                                    </p:animClr>
-                                    <p:set>
-                                      <p:cBhvr>
-                                        <p:cTn id="114" dur="2000" fill="hold"/>
-                                        <p:tgtEl>
-                                          <p:spTgt spid="28"/>
-                                        </p:tgtEl>
-                                        <p:attrNameLst>
-                                          <p:attrName>fill.type</p:attrName>
-                                        </p:attrNameLst>
-                                      </p:cBhvr>
-                                      <p:to>
-                                        <p:strVal val="solid"/>
-                                      </p:to>
-                                    </p:set>
-                                    <p:set>
-                                      <p:cBhvr>
-                                        <p:cTn id="115" dur="2000" fill="hold"/>
-                                        <p:tgtEl>
-                                          <p:spTgt spid="28"/>
                                         </p:tgtEl>
                                         <p:attrNameLst>
                                           <p:attrName>fill.on</p:attrName>
@@ -29015,7 +29295,7 @@
                                       <p:cBhvr>
                                         <p:cTn id="119" dur="2000" fill="hold"/>
                                         <p:tgtEl>
-                                          <p:spTgt spid="29"/>
+                                          <p:spTgt spid="31"/>
                                         </p:tgtEl>
                                         <p:attrNameLst>
                                           <p:attrName>fillcolor</p:attrName>
@@ -29029,7 +29309,7 @@
                                       <p:cBhvr>
                                         <p:cTn id="120" dur="2000" fill="hold"/>
                                         <p:tgtEl>
-                                          <p:spTgt spid="29"/>
+                                          <p:spTgt spid="31"/>
                                         </p:tgtEl>
                                         <p:attrNameLst>
                                           <p:attrName>fill.type</p:attrName>
@@ -29043,7 +29323,7 @@
                                       <p:cBhvr>
                                         <p:cTn id="121" dur="2000" fill="hold"/>
                                         <p:tgtEl>
-                                          <p:spTgt spid="29"/>
+                                          <p:spTgt spid="31"/>
                                         </p:tgtEl>
                                         <p:attrNameLst>
                                           <p:attrName>fill.on</p:attrName>
@@ -29084,7 +29364,7 @@
                                       <p:cBhvr>
                                         <p:cTn id="125" dur="2000" fill="hold"/>
                                         <p:tgtEl>
-                                          <p:spTgt spid="32"/>
+                                          <p:spTgt spid="28"/>
                                         </p:tgtEl>
                                         <p:attrNameLst>
                                           <p:attrName>fillcolor</p:attrName>
@@ -29098,6 +29378,214 @@
                                       <p:cBhvr>
                                         <p:cTn id="126" dur="2000" fill="hold"/>
                                         <p:tgtEl>
+                                          <p:spTgt spid="28"/>
+                                        </p:tgtEl>
+                                        <p:attrNameLst>
+                                          <p:attrName>fill.type</p:attrName>
+                                        </p:attrNameLst>
+                                      </p:cBhvr>
+                                      <p:to>
+                                        <p:strVal val="solid"/>
+                                      </p:to>
+                                    </p:set>
+                                    <p:set>
+                                      <p:cBhvr>
+                                        <p:cTn id="127" dur="2000" fill="hold"/>
+                                        <p:tgtEl>
+                                          <p:spTgt spid="28"/>
+                                        </p:tgtEl>
+                                        <p:attrNameLst>
+                                          <p:attrName>fill.on</p:attrName>
+                                        </p:attrNameLst>
+                                      </p:cBhvr>
+                                      <p:to>
+                                        <p:strVal val="true"/>
+                                      </p:to>
+                                    </p:set>
+                                  </p:childTnLst>
+                                </p:cTn>
+                              </p:par>
+                              <p:par>
+                                <p:cTn id="128" presetID="18" presetClass="entr" presetSubtype="12" fill="hold" nodeType="withEffect">
+                                  <p:stCondLst>
+                                    <p:cond delay="0"/>
+                                  </p:stCondLst>
+                                  <p:childTnLst>
+                                    <p:set>
+                                      <p:cBhvr>
+                                        <p:cTn id="129" dur="1" fill="hold">
+                                          <p:stCondLst>
+                                            <p:cond delay="0"/>
+                                          </p:stCondLst>
+                                        </p:cTn>
+                                        <p:tgtEl>
+                                          <p:spTgt spid="53"/>
+                                        </p:tgtEl>
+                                        <p:attrNameLst>
+                                          <p:attrName>style.visibility</p:attrName>
+                                        </p:attrNameLst>
+                                      </p:cBhvr>
+                                      <p:to>
+                                        <p:strVal val="visible"/>
+                                      </p:to>
+                                    </p:set>
+                                    <p:animEffect transition="in" filter="strips(downLeft)">
+                                      <p:cBhvr>
+                                        <p:cTn id="130" dur="500"/>
+                                        <p:tgtEl>
+                                          <p:spTgt spid="53"/>
+                                        </p:tgtEl>
+                                      </p:cBhvr>
+                                    </p:animEffect>
+                                  </p:childTnLst>
+                                </p:cTn>
+                              </p:par>
+                            </p:childTnLst>
+                          </p:cTn>
+                        </p:par>
+                      </p:childTnLst>
+                    </p:cTn>
+                  </p:par>
+                  <p:par>
+                    <p:cTn id="131" fill="hold">
+                      <p:stCondLst>
+                        <p:cond delay="indefinite"/>
+                      </p:stCondLst>
+                      <p:childTnLst>
+                        <p:par>
+                          <p:cTn id="132" fill="hold">
+                            <p:stCondLst>
+                              <p:cond delay="0"/>
+                            </p:stCondLst>
+                            <p:childTnLst>
+                              <p:par>
+                                <p:cTn id="133" presetID="1" presetClass="emph" presetSubtype="2" fill="hold" nodeType="clickEffect">
+                                  <p:stCondLst>
+                                    <p:cond delay="0"/>
+                                  </p:stCondLst>
+                                  <p:childTnLst>
+                                    <p:animClr clrSpc="rgb">
+                                      <p:cBhvr>
+                                        <p:cTn id="134" dur="2000" fill="hold"/>
+                                        <p:tgtEl>
+                                          <p:spTgt spid="29"/>
+                                        </p:tgtEl>
+                                        <p:attrNameLst>
+                                          <p:attrName>fillcolor</p:attrName>
+                                        </p:attrNameLst>
+                                      </p:cBhvr>
+                                      <p:to>
+                                        <a:srgbClr val="B4D7DE"/>
+                                      </p:to>
+                                    </p:animClr>
+                                    <p:set>
+                                      <p:cBhvr>
+                                        <p:cTn id="135" dur="2000" fill="hold"/>
+                                        <p:tgtEl>
+                                          <p:spTgt spid="29"/>
+                                        </p:tgtEl>
+                                        <p:attrNameLst>
+                                          <p:attrName>fill.type</p:attrName>
+                                        </p:attrNameLst>
+                                      </p:cBhvr>
+                                      <p:to>
+                                        <p:strVal val="solid"/>
+                                      </p:to>
+                                    </p:set>
+                                    <p:set>
+                                      <p:cBhvr>
+                                        <p:cTn id="136" dur="2000" fill="hold"/>
+                                        <p:tgtEl>
+                                          <p:spTgt spid="29"/>
+                                        </p:tgtEl>
+                                        <p:attrNameLst>
+                                          <p:attrName>fill.on</p:attrName>
+                                        </p:attrNameLst>
+                                      </p:cBhvr>
+                                      <p:to>
+                                        <p:strVal val="true"/>
+                                      </p:to>
+                                    </p:set>
+                                  </p:childTnLst>
+                                </p:cTn>
+                              </p:par>
+                              <p:par>
+                                <p:cTn id="137" presetID="18" presetClass="entr" presetSubtype="12" fill="hold" nodeType="withEffect">
+                                  <p:stCondLst>
+                                    <p:cond delay="0"/>
+                                  </p:stCondLst>
+                                  <p:childTnLst>
+                                    <p:set>
+                                      <p:cBhvr>
+                                        <p:cTn id="138" dur="1" fill="hold">
+                                          <p:stCondLst>
+                                            <p:cond delay="0"/>
+                                          </p:stCondLst>
+                                        </p:cTn>
+                                        <p:tgtEl>
+                                          <p:spTgt spid="56"/>
+                                        </p:tgtEl>
+                                        <p:attrNameLst>
+                                          <p:attrName>style.visibility</p:attrName>
+                                        </p:attrNameLst>
+                                      </p:cBhvr>
+                                      <p:to>
+                                        <p:strVal val="visible"/>
+                                      </p:to>
+                                    </p:set>
+                                    <p:animEffect transition="in" filter="strips(downLeft)">
+                                      <p:cBhvr>
+                                        <p:cTn id="139" dur="500"/>
+                                        <p:tgtEl>
+                                          <p:spTgt spid="56"/>
+                                        </p:tgtEl>
+                                      </p:cBhvr>
+                                    </p:animEffect>
+                                  </p:childTnLst>
+                                </p:cTn>
+                              </p:par>
+                            </p:childTnLst>
+                          </p:cTn>
+                        </p:par>
+                      </p:childTnLst>
+                    </p:cTn>
+                  </p:par>
+                  <p:par>
+                    <p:cTn id="140" fill="hold">
+                      <p:stCondLst>
+                        <p:cond delay="indefinite"/>
+                      </p:stCondLst>
+                      <p:childTnLst>
+                        <p:par>
+                          <p:cTn id="141" fill="hold">
+                            <p:stCondLst>
+                              <p:cond delay="0"/>
+                            </p:stCondLst>
+                            <p:childTnLst>
+                              <p:par>
+                                <p:cTn id="142" presetID="1" presetClass="emph" presetSubtype="2" fill="hold" nodeType="clickEffect">
+                                  <p:stCondLst>
+                                    <p:cond delay="0"/>
+                                  </p:stCondLst>
+                                  <p:childTnLst>
+                                    <p:animClr clrSpc="rgb">
+                                      <p:cBhvr>
+                                        <p:cTn id="143" dur="2000" fill="hold"/>
+                                        <p:tgtEl>
+                                          <p:spTgt spid="32"/>
+                                        </p:tgtEl>
+                                        <p:attrNameLst>
+                                          <p:attrName>fillcolor</p:attrName>
+                                        </p:attrNameLst>
+                                      </p:cBhvr>
+                                      <p:to>
+                                        <a:srgbClr val="B4D7DE"/>
+                                      </p:to>
+                                    </p:animClr>
+                                    <p:set>
+                                      <p:cBhvr>
+                                        <p:cTn id="144" dur="2000" fill="hold"/>
+                                        <p:tgtEl>
                                           <p:spTgt spid="32"/>
                                         </p:tgtEl>
                                         <p:attrNameLst>
@@ -29110,7 +29598,7 @@
                                     </p:set>
                                     <p:set>
                                       <p:cBhvr>
-                                        <p:cTn id="127" dur="2000" fill="hold"/>
+                                        <p:cTn id="145" dur="2000" fill="hold"/>
                                         <p:tgtEl>
                                           <p:spTgt spid="32"/>
                                         </p:tgtEl>
@@ -29132,26 +29620,26 @@
                     </p:cTn>
                   </p:par>
                   <p:par>
-                    <p:cTn id="128" fill="hold">
+                    <p:cTn id="146" fill="hold">
                       <p:stCondLst>
                         <p:cond delay="indefinite"/>
                       </p:stCondLst>
                       <p:childTnLst>
                         <p:par>
-                          <p:cTn id="129" fill="hold">
+                          <p:cTn id="147" fill="hold">
                             <p:stCondLst>
                               <p:cond delay="0"/>
                             </p:stCondLst>
                             <p:childTnLst>
                               <p:par>
-                                <p:cTn id="130" presetID="1" presetClass="emph" presetSubtype="2" fill="hold" nodeType="clickEffect">
+                                <p:cTn id="148" presetID="1" presetClass="emph" presetSubtype="2" fill="hold" nodeType="clickEffect">
                                   <p:stCondLst>
                                     <p:cond delay="0"/>
                                   </p:stCondLst>
                                   <p:childTnLst>
                                     <p:animClr clrSpc="rgb">
                                       <p:cBhvr>
-                                        <p:cTn id="131" dur="2000" fill="hold"/>
+                                        <p:cTn id="149" dur="2000" fill="hold"/>
                                         <p:tgtEl>
                                           <p:spTgt spid="23"/>
                                         </p:tgtEl>
@@ -29165,7 +29653,7 @@
                                     </p:animClr>
                                     <p:set>
                                       <p:cBhvr>
-                                        <p:cTn id="132" dur="2000" fill="hold"/>
+                                        <p:cTn id="150" dur="2000" fill="hold"/>
                                         <p:tgtEl>
                                           <p:spTgt spid="23"/>
                                         </p:tgtEl>
@@ -29179,7 +29667,7 @@
                                     </p:set>
                                     <p:set>
                                       <p:cBhvr>
-                                        <p:cTn id="133" dur="2000" fill="hold"/>
+                                        <p:cTn id="151" dur="2000" fill="hold"/>
                                         <p:tgtEl>
                                           <p:spTgt spid="23"/>
                                         </p:tgtEl>
@@ -29195,14 +29683,14 @@
                                 </p:cTn>
                               </p:par>
                               <p:par>
-                                <p:cTn id="134" presetID="1" presetClass="emph" presetSubtype="2" fill="hold" nodeType="withEffect">
+                                <p:cTn id="152" presetID="1" presetClass="emph" presetSubtype="2" fill="hold" nodeType="withEffect">
                                   <p:stCondLst>
                                     <p:cond delay="0"/>
                                   </p:stCondLst>
                                   <p:childTnLst>
                                     <p:animClr clrSpc="rgb">
                                       <p:cBhvr>
-                                        <p:cTn id="135" dur="2000" fill="hold"/>
+                                        <p:cTn id="153" dur="2000" fill="hold"/>
                                         <p:tgtEl>
                                           <p:spTgt spid="31"/>
                                         </p:tgtEl>
@@ -29216,7 +29704,7 @@
                                     </p:animClr>
                                     <p:set>
                                       <p:cBhvr>
-                                        <p:cTn id="136" dur="2000" fill="hold"/>
+                                        <p:cTn id="154" dur="2000" fill="hold"/>
                                         <p:tgtEl>
                                           <p:spTgt spid="31"/>
                                         </p:tgtEl>
@@ -29230,7 +29718,7 @@
                                     </p:set>
                                     <p:set>
                                       <p:cBhvr>
-                                        <p:cTn id="137" dur="2000" fill="hold"/>
+                                        <p:cTn id="155" dur="2000" fill="hold"/>
                                         <p:tgtEl>
                                           <p:spTgt spid="31"/>
                                         </p:tgtEl>
@@ -29246,14 +29734,14 @@
                                 </p:cTn>
                               </p:par>
                               <p:par>
-                                <p:cTn id="138" presetID="1" presetClass="emph" presetSubtype="2" fill="hold" nodeType="withEffect">
+                                <p:cTn id="156" presetID="1" presetClass="emph" presetSubtype="2" fill="hold" nodeType="withEffect">
                                   <p:stCondLst>
                                     <p:cond delay="0"/>
                                   </p:stCondLst>
                                   <p:childTnLst>
                                     <p:animClr clrSpc="rgb">
                                       <p:cBhvr>
-                                        <p:cTn id="139" dur="2000" fill="hold"/>
+                                        <p:cTn id="157" dur="2000" fill="hold"/>
                                         <p:tgtEl>
                                           <p:spTgt spid="29"/>
                                         </p:tgtEl>
@@ -29267,7 +29755,7 @@
                                     </p:animClr>
                                     <p:set>
                                       <p:cBhvr>
-                                        <p:cTn id="140" dur="2000" fill="hold"/>
+                                        <p:cTn id="158" dur="2000" fill="hold"/>
                                         <p:tgtEl>
                                           <p:spTgt spid="29"/>
                                         </p:tgtEl>
@@ -29281,7 +29769,7 @@
                                     </p:set>
                                     <p:set>
                                       <p:cBhvr>
-                                        <p:cTn id="141" dur="2000" fill="hold"/>
+                                        <p:cTn id="159" dur="2000" fill="hold"/>
                                         <p:tgtEl>
                                           <p:spTgt spid="29"/>
                                         </p:tgtEl>
@@ -29297,14 +29785,14 @@
                                 </p:cTn>
                               </p:par>
                               <p:par>
-                                <p:cTn id="142" presetID="1" presetClass="emph" presetSubtype="2" fill="hold" nodeType="withEffect">
+                                <p:cTn id="160" presetID="1" presetClass="emph" presetSubtype="2" fill="hold" nodeType="withEffect">
                                   <p:stCondLst>
                                     <p:cond delay="0"/>
                                   </p:stCondLst>
                                   <p:childTnLst>
                                     <p:animClr clrSpc="rgb">
                                       <p:cBhvr>
-                                        <p:cTn id="143" dur="2000" fill="hold"/>
+                                        <p:cTn id="161" dur="2000" fill="hold"/>
                                         <p:tgtEl>
                                           <p:spTgt spid="28"/>
                                         </p:tgtEl>
@@ -29318,7 +29806,7 @@
                                     </p:animClr>
                                     <p:set>
                                       <p:cBhvr>
-                                        <p:cTn id="144" dur="2000" fill="hold"/>
+                                        <p:cTn id="162" dur="2000" fill="hold"/>
                                         <p:tgtEl>
                                           <p:spTgt spid="28"/>
                                         </p:tgtEl>
@@ -29332,7 +29820,7 @@
                                     </p:set>
                                     <p:set>
                                       <p:cBhvr>
-                                        <p:cTn id="145" dur="2000" fill="hold"/>
+                                        <p:cTn id="163" dur="2000" fill="hold"/>
                                         <p:tgtEl>
                                           <p:spTgt spid="28"/>
                                         </p:tgtEl>
@@ -29376,6 +29864,24 @@
     </p:tnLst>
   </p:timing>
 </p:sld>
+</file>
+
+<file path=ppt/tags/tag1.xml><?xml version="1.0" encoding="utf-8"?>
+<p:tagLst xmlns:a="http://schemas.openxmlformats.org/drawingml/2006/main" xmlns:r="http://schemas.openxmlformats.org/officeDocument/2006/relationships" xmlns:p="http://schemas.openxmlformats.org/presentationml/2006/main">
+  <p:tag name="TIMING" val="|195.8|1.2|0.1|0.1|0.2"/>
+</p:tagLst>
+</file>
+
+<file path=ppt/tags/tag2.xml><?xml version="1.0" encoding="utf-8"?>
+<p:tagLst xmlns:a="http://schemas.openxmlformats.org/drawingml/2006/main" xmlns:r="http://schemas.openxmlformats.org/officeDocument/2006/relationships" xmlns:p="http://schemas.openxmlformats.org/presentationml/2006/main">
+  <p:tag name="TIMING" val="|0.6|1.5|0.1|0.1|0.1|0.1|0.1|0.1|0.1|0.1|0.1|0.2|0.2|0.2"/>
+</p:tagLst>
+</file>
+
+<file path=ppt/tags/tag3.xml><?xml version="1.0" encoding="utf-8"?>
+<p:tagLst xmlns:a="http://schemas.openxmlformats.org/drawingml/2006/main" xmlns:r="http://schemas.openxmlformats.org/officeDocument/2006/relationships" xmlns:p="http://schemas.openxmlformats.org/presentationml/2006/main">
+  <p:tag name="TIMING" val="|0.2|0.4|0.3|0.3"/>
+</p:tagLst>
 </file>
 
 <file path=ppt/theme/theme1.xml><?xml version="1.0" encoding="utf-8"?>

--- a/doc/apresentacao_dissertacao.pptx
+++ b/doc/apresentacao_dissertacao.pptx
@@ -5,10 +5,10 @@
     <p:sldMasterId id="2147483660" r:id="rId1"/>
   </p:sldMasterIdLst>
   <p:notesMasterIdLst>
-    <p:notesMasterId r:id="rId34"/>
+    <p:notesMasterId r:id="rId35"/>
   </p:notesMasterIdLst>
   <p:handoutMasterIdLst>
-    <p:handoutMasterId r:id="rId35"/>
+    <p:handoutMasterId r:id="rId36"/>
   </p:handoutMasterIdLst>
   <p:sldIdLst>
     <p:sldId id="256" r:id="rId2"/>
@@ -31,18 +31,19 @@
     <p:sldId id="284" r:id="rId19"/>
     <p:sldId id="286" r:id="rId20"/>
     <p:sldId id="282" r:id="rId21"/>
-    <p:sldId id="281" r:id="rId22"/>
-    <p:sldId id="265" r:id="rId23"/>
-    <p:sldId id="291" r:id="rId24"/>
-    <p:sldId id="285" r:id="rId25"/>
-    <p:sldId id="261" r:id="rId26"/>
-    <p:sldId id="259" r:id="rId27"/>
-    <p:sldId id="268" r:id="rId28"/>
-    <p:sldId id="269" r:id="rId29"/>
-    <p:sldId id="301" r:id="rId30"/>
-    <p:sldId id="294" r:id="rId31"/>
-    <p:sldId id="292" r:id="rId32"/>
-    <p:sldId id="293" r:id="rId33"/>
+    <p:sldId id="304" r:id="rId22"/>
+    <p:sldId id="281" r:id="rId23"/>
+    <p:sldId id="265" r:id="rId24"/>
+    <p:sldId id="291" r:id="rId25"/>
+    <p:sldId id="285" r:id="rId26"/>
+    <p:sldId id="261" r:id="rId27"/>
+    <p:sldId id="259" r:id="rId28"/>
+    <p:sldId id="268" r:id="rId29"/>
+    <p:sldId id="269" r:id="rId30"/>
+    <p:sldId id="301" r:id="rId31"/>
+    <p:sldId id="294" r:id="rId32"/>
+    <p:sldId id="292" r:id="rId33"/>
+    <p:sldId id="293" r:id="rId34"/>
   </p:sldIdLst>
   <p:sldSz cx="9144000" cy="6858000" type="screen4x3"/>
   <p:notesSz cx="6797675" cy="9874250"/>
@@ -850,6 +851,7 @@
               </a:p>
             </c:rich>
           </c:tx>
+          <c:layout/>
         </c:title>
         <c:numFmt formatCode="General" sourceLinked="1"/>
         <c:tickLblPos val="nextTo"/>
@@ -1028,6 +1030,7 @@
               </a:p>
             </c:rich>
           </c:tx>
+          <c:layout/>
         </c:title>
         <c:numFmt formatCode="General" sourceLinked="1"/>
         <c:tickLblPos val="nextTo"/>
@@ -1053,6 +1056,7 @@
     </c:plotArea>
     <c:legend>
       <c:legendPos val="r"/>
+      <c:layout/>
     </c:legend>
     <c:plotVisOnly val="1"/>
     <c:dispBlanksAs val="gap"/>
@@ -6090,7 +6094,7 @@
             <a:fld id="{CB697A11-5CEE-4588-B832-132CDC30A066}" type="slidenum">
               <a:rPr lang="pt-PT" smtClean="0"/>
               <a:pPr/>
-              <a:t>21</a:t>
+              <a:t>22</a:t>
             </a:fld>
             <a:endParaRPr lang="pt-PT"/>
           </a:p>
@@ -6172,7 +6176,7 @@
             <a:fld id="{CB697A11-5CEE-4588-B832-132CDC30A066}" type="slidenum">
               <a:rPr lang="pt-PT" smtClean="0"/>
               <a:pPr/>
-              <a:t>22</a:t>
+              <a:t>23</a:t>
             </a:fld>
             <a:endParaRPr lang="pt-PT"/>
           </a:p>
@@ -6254,7 +6258,7 @@
             <a:fld id="{CB697A11-5CEE-4588-B832-132CDC30A066}" type="slidenum">
               <a:rPr lang="pt-PT" smtClean="0"/>
               <a:pPr/>
-              <a:t>23</a:t>
+              <a:t>24</a:t>
             </a:fld>
             <a:endParaRPr lang="pt-PT"/>
           </a:p>
@@ -6336,7 +6340,7 @@
             <a:fld id="{CB697A11-5CEE-4588-B832-132CDC30A066}" type="slidenum">
               <a:rPr lang="pt-PT" smtClean="0"/>
               <a:pPr/>
-              <a:t>24</a:t>
+              <a:t>25</a:t>
             </a:fld>
             <a:endParaRPr lang="pt-PT"/>
           </a:p>
@@ -6529,7 +6533,7 @@
             <a:fld id="{CB697A11-5CEE-4588-B832-132CDC30A066}" type="slidenum">
               <a:rPr lang="pt-PT" smtClean="0"/>
               <a:pPr/>
-              <a:t>25</a:t>
+              <a:t>26</a:t>
             </a:fld>
             <a:endParaRPr lang="pt-PT"/>
           </a:p>
@@ -6695,7 +6699,7 @@
             <a:fld id="{CB697A11-5CEE-4588-B832-132CDC30A066}" type="slidenum">
               <a:rPr lang="pt-PT" smtClean="0"/>
               <a:pPr/>
-              <a:t>26</a:t>
+              <a:t>27</a:t>
             </a:fld>
             <a:endParaRPr lang="pt-PT"/>
           </a:p>
@@ -6897,7 +6901,7 @@
             <a:fld id="{CB697A11-5CEE-4588-B832-132CDC30A066}" type="slidenum">
               <a:rPr lang="pt-PT" smtClean="0"/>
               <a:pPr/>
-              <a:t>27</a:t>
+              <a:t>28</a:t>
             </a:fld>
             <a:endParaRPr lang="pt-PT"/>
           </a:p>
@@ -16137,6 +16141,151 @@
 </file>
 
 <file path=ppt/slides/slide21.xml><?xml version="1.0" encoding="utf-8"?>
+<p:sld xmlns:a="http://schemas.openxmlformats.org/drawingml/2006/main" xmlns:r="http://schemas.openxmlformats.org/officeDocument/2006/relationships" xmlns:p="http://schemas.openxmlformats.org/presentationml/2006/main">
+  <p:cSld>
+    <p:spTree>
+      <p:nvGrpSpPr>
+        <p:cNvPr id="1" name=""/>
+        <p:cNvGrpSpPr/>
+        <p:nvPr/>
+      </p:nvGrpSpPr>
+      <p:grpSpPr>
+        <a:xfrm>
+          <a:off x="0" y="0"/>
+          <a:ext cx="0" cy="0"/>
+          <a:chOff x="0" y="0"/>
+          <a:chExt cx="0" cy="0"/>
+        </a:xfrm>
+      </p:grpSpPr>
+      <p:sp>
+        <p:nvSpPr>
+          <p:cNvPr id="2" name="Título 1"/>
+          <p:cNvSpPr>
+            <a:spLocks noGrp="1"/>
+          </p:cNvSpPr>
+          <p:nvPr>
+            <p:ph type="title"/>
+          </p:nvPr>
+        </p:nvSpPr>
+        <p:spPr>
+          <a:xfrm>
+            <a:off x="457200" y="1143000"/>
+            <a:ext cx="8229600" cy="4446240"/>
+          </a:xfrm>
+        </p:spPr>
+        <p:txBody>
+          <a:bodyPr>
+            <a:normAutofit/>
+          </a:bodyPr>
+          <a:lstStyle/>
+          <a:p>
+            <a:pPr algn="ctr"/>
+            <a:r>
+              <a:rPr lang="pt-PT" sz="4800" dirty="0" smtClean="0"/>
+              <a:t>Obrigado</a:t>
+            </a:r>
+            <a:br>
+              <a:rPr lang="pt-PT" sz="4800" dirty="0" smtClean="0"/>
+            </a:br>
+            <a:r>
+              <a:rPr lang="pt-PT" sz="4800" dirty="0" smtClean="0"/>
+              <a:t> </a:t>
+            </a:r>
+            <a:br>
+              <a:rPr lang="pt-PT" sz="4800" dirty="0" smtClean="0"/>
+            </a:br>
+            <a:r>
+              <a:rPr lang="pt-PT" sz="4800" dirty="0" smtClean="0"/>
+              <a:t>pela </a:t>
+            </a:r>
+            <a:br>
+              <a:rPr lang="pt-PT" sz="4800" dirty="0" smtClean="0"/>
+            </a:br>
+            <a:r>
+              <a:rPr lang="pt-PT" sz="4800" dirty="0" smtClean="0"/>
+              <a:t/>
+            </a:r>
+            <a:br>
+              <a:rPr lang="pt-PT" sz="4800" dirty="0" smtClean="0"/>
+            </a:br>
+            <a:r>
+              <a:rPr lang="pt-PT" sz="4800" dirty="0" smtClean="0"/>
+              <a:t>atenção</a:t>
+            </a:r>
+            <a:endParaRPr lang="pt-PT" sz="4800" dirty="0"/>
+          </a:p>
+        </p:txBody>
+      </p:sp>
+      <p:sp>
+        <p:nvSpPr>
+          <p:cNvPr id="4" name="Marcador de Posição do Número do Diapositivo 3"/>
+          <p:cNvSpPr>
+            <a:spLocks noGrp="1"/>
+          </p:cNvSpPr>
+          <p:nvPr>
+            <p:ph type="sldNum" sz="quarter" idx="12"/>
+          </p:nvPr>
+        </p:nvSpPr>
+        <p:spPr/>
+        <p:txBody>
+          <a:bodyPr/>
+          <a:lstStyle/>
+          <a:p>
+            <a:fld id="{AC560869-1695-4081-8E6F-05D0DB8947D3}" type="slidenum">
+              <a:rPr lang="pt-PT" smtClean="0"/>
+              <a:pPr/>
+              <a:t>21</a:t>
+            </a:fld>
+            <a:endParaRPr lang="pt-PT"/>
+          </a:p>
+        </p:txBody>
+      </p:sp>
+      <p:sp>
+        <p:nvSpPr>
+          <p:cNvPr id="5" name="CaixaDeTexto 4"/>
+          <p:cNvSpPr txBox="1"/>
+          <p:nvPr/>
+        </p:nvSpPr>
+        <p:spPr>
+          <a:xfrm>
+            <a:off x="4932040" y="6021288"/>
+            <a:ext cx="3672408" cy="369332"/>
+          </a:xfrm>
+          <a:prstGeom prst="rect">
+            <a:avLst/>
+          </a:prstGeom>
+          <a:noFill/>
+        </p:spPr>
+        <p:txBody>
+          <a:bodyPr wrap="square" rtlCol="0">
+            <a:spAutoFit/>
+          </a:bodyPr>
+          <a:lstStyle/>
+          <a:p>
+            <a:r>
+              <a:rPr lang="pt-PT" dirty="0" smtClean="0"/>
+              <a:t>22 de Dezembro de 2011</a:t>
+            </a:r>
+            <a:endParaRPr lang="pt-PT" dirty="0"/>
+          </a:p>
+        </p:txBody>
+      </p:sp>
+    </p:spTree>
+  </p:cSld>
+  <p:clrMapOvr>
+    <a:masterClrMapping/>
+  </p:clrMapOvr>
+  <p:timing>
+    <p:tnLst>
+      <p:par>
+        <p:cTn id="1" dur="indefinite" restart="never" nodeType="tmRoot"/>
+      </p:par>
+    </p:tnLst>
+  </p:timing>
+</p:sld>
+</file>
+
+<file path=ppt/slides/slide22.xml><?xml version="1.0" encoding="utf-8"?>
 <p:sld xmlns:a="http://schemas.openxmlformats.org/drawingml/2006/main" xmlns:r="http://schemas.openxmlformats.org/officeDocument/2006/relationships" xmlns:p="http://schemas.openxmlformats.org/presentationml/2006/main" show="0">
   <p:cSld>
     <p:spTree>
@@ -16250,7 +16399,7 @@
             <a:fld id="{AC560869-1695-4081-8E6F-05D0DB8947D3}" type="slidenum">
               <a:rPr lang="pt-PT" smtClean="0"/>
               <a:pPr/>
-              <a:t>21</a:t>
+              <a:t>22</a:t>
             </a:fld>
             <a:endParaRPr lang="pt-PT"/>
           </a:p>
@@ -16346,7 +16495,7 @@
 </p:sld>
 </file>
 
-<file path=ppt/slides/slide22.xml><?xml version="1.0" encoding="utf-8"?>
+<file path=ppt/slides/slide23.xml><?xml version="1.0" encoding="utf-8"?>
 <p:sld xmlns:a="http://schemas.openxmlformats.org/drawingml/2006/main" xmlns:r="http://schemas.openxmlformats.org/officeDocument/2006/relationships" xmlns:p="http://schemas.openxmlformats.org/presentationml/2006/main" show="0">
   <p:cSld>
     <p:spTree>
@@ -17770,7 +17919,7 @@
             <a:fld id="{AC560869-1695-4081-8E6F-05D0DB8947D3}" type="slidenum">
               <a:rPr lang="pt-PT" smtClean="0"/>
               <a:pPr/>
-              <a:t>22</a:t>
+              <a:t>23</a:t>
             </a:fld>
             <a:endParaRPr lang="pt-PT"/>
           </a:p>
@@ -18824,7 +18973,7 @@
 </p:sld>
 </file>
 
-<file path=ppt/slides/slide23.xml><?xml version="1.0" encoding="utf-8"?>
+<file path=ppt/slides/slide24.xml><?xml version="1.0" encoding="utf-8"?>
 <p:sld xmlns:a="http://schemas.openxmlformats.org/drawingml/2006/main" xmlns:r="http://schemas.openxmlformats.org/officeDocument/2006/relationships" xmlns:p="http://schemas.openxmlformats.org/presentationml/2006/main" show="0">
   <p:cSld>
     <p:spTree>
@@ -18939,7 +19088,7 @@
             <a:fld id="{AC560869-1695-4081-8E6F-05D0DB8947D3}" type="slidenum">
               <a:rPr lang="pt-PT" smtClean="0"/>
               <a:pPr/>
-              <a:t>23</a:t>
+              <a:t>24</a:t>
             </a:fld>
             <a:endParaRPr lang="pt-PT"/>
           </a:p>
@@ -18966,7 +19115,7 @@
 </p:sld>
 </file>
 
-<file path=ppt/slides/slide24.xml><?xml version="1.0" encoding="utf-8"?>
+<file path=ppt/slides/slide25.xml><?xml version="1.0" encoding="utf-8"?>
 <p:sld xmlns:a="http://schemas.openxmlformats.org/drawingml/2006/main" xmlns:r="http://schemas.openxmlformats.org/officeDocument/2006/relationships" xmlns:p="http://schemas.openxmlformats.org/presentationml/2006/main" show="0">
   <p:cSld>
     <p:spTree>
@@ -19031,7 +19180,7 @@
             <a:fld id="{AC560869-1695-4081-8E6F-05D0DB8947D3}" type="slidenum">
               <a:rPr lang="pt-PT" smtClean="0"/>
               <a:pPr/>
-              <a:t>24</a:t>
+              <a:t>25</a:t>
             </a:fld>
             <a:endParaRPr lang="pt-PT"/>
           </a:p>
@@ -19101,7 +19250,7 @@
 </p:sld>
 </file>
 
-<file path=ppt/slides/slide25.xml><?xml version="1.0" encoding="utf-8"?>
+<file path=ppt/slides/slide26.xml><?xml version="1.0" encoding="utf-8"?>
 <p:sld xmlns:a="http://schemas.openxmlformats.org/drawingml/2006/main" xmlns:r="http://schemas.openxmlformats.org/officeDocument/2006/relationships" xmlns:p="http://schemas.openxmlformats.org/presentationml/2006/main" show="0">
   <p:cSld>
     <p:spTree>
@@ -19639,7 +19788,7 @@
             <a:fld id="{AC560869-1695-4081-8E6F-05D0DB8947D3}" type="slidenum">
               <a:rPr lang="pt-PT" smtClean="0"/>
               <a:pPr/>
-              <a:t>25</a:t>
+              <a:t>26</a:t>
             </a:fld>
             <a:endParaRPr lang="pt-PT"/>
           </a:p>
@@ -20340,199 +20489,6 @@
 </p:sld>
 </file>
 
-<file path=ppt/slides/slide26.xml><?xml version="1.0" encoding="utf-8"?>
-<p:sld xmlns:a="http://schemas.openxmlformats.org/drawingml/2006/main" xmlns:r="http://schemas.openxmlformats.org/officeDocument/2006/relationships" xmlns:p="http://schemas.openxmlformats.org/presentationml/2006/main" show="0">
-  <p:cSld>
-    <p:spTree>
-      <p:nvGrpSpPr>
-        <p:cNvPr id="1" name=""/>
-        <p:cNvGrpSpPr/>
-        <p:nvPr/>
-      </p:nvGrpSpPr>
-      <p:grpSpPr>
-        <a:xfrm>
-          <a:off x="0" y="0"/>
-          <a:ext cx="0" cy="0"/>
-          <a:chOff x="0" y="0"/>
-          <a:chExt cx="0" cy="0"/>
-        </a:xfrm>
-      </p:grpSpPr>
-      <p:sp>
-        <p:nvSpPr>
-          <p:cNvPr id="2" name="Título 1"/>
-          <p:cNvSpPr>
-            <a:spLocks noGrp="1"/>
-          </p:cNvSpPr>
-          <p:nvPr>
-            <p:ph type="title"/>
-          </p:nvPr>
-        </p:nvSpPr>
-        <p:spPr>
-          <a:xfrm>
-            <a:off x="467544" y="634008"/>
-            <a:ext cx="8229600" cy="1066800"/>
-          </a:xfrm>
-        </p:spPr>
-        <p:txBody>
-          <a:bodyPr>
-            <a:normAutofit/>
-          </a:bodyPr>
-          <a:lstStyle/>
-          <a:p>
-            <a:r>
-              <a:rPr lang="pt-PT" dirty="0" smtClean="0"/>
-              <a:t> Monitorização </a:t>
-            </a:r>
-            <a:endParaRPr lang="pt-PT" dirty="0"/>
-          </a:p>
-        </p:txBody>
-      </p:sp>
-      <p:sp>
-        <p:nvSpPr>
-          <p:cNvPr id="3" name="Marcador de Posição de Conteúdo 2"/>
-          <p:cNvSpPr>
-            <a:spLocks noGrp="1"/>
-          </p:cNvSpPr>
-          <p:nvPr>
-            <p:ph idx="1"/>
-          </p:nvPr>
-        </p:nvSpPr>
-        <p:spPr>
-          <a:xfrm>
-            <a:off x="179512" y="1840192"/>
-            <a:ext cx="8784976" cy="4325112"/>
-          </a:xfrm>
-        </p:spPr>
-        <p:txBody>
-          <a:bodyPr>
-            <a:normAutofit lnSpcReduction="10000"/>
-          </a:bodyPr>
-          <a:lstStyle/>
-          <a:p>
-            <a:r>
-              <a:rPr lang="pt-PT" dirty="0" smtClean="0"/>
-              <a:t>Abordagens (para as interacções de um processo)</a:t>
-            </a:r>
-          </a:p>
-          <a:p>
-            <a:pPr lvl="1"/>
-            <a:r>
-              <a:rPr lang="pt-PT" dirty="0"/>
-              <a:t>N</a:t>
-            </a:r>
-            <a:r>
-              <a:rPr lang="pt-PT" dirty="0" smtClean="0"/>
-              <a:t>ível utilizador (1)</a:t>
-            </a:r>
-          </a:p>
-          <a:p>
-            <a:pPr lvl="2"/>
-            <a:r>
-              <a:rPr lang="pt-PT" dirty="0" smtClean="0"/>
-              <a:t>Instrumentação do programa ou bibliotecas para obter a informação relevante</a:t>
-            </a:r>
-          </a:p>
-          <a:p>
-            <a:pPr lvl="2"/>
-            <a:endParaRPr lang="pt-PT" dirty="0" smtClean="0"/>
-          </a:p>
-          <a:p>
-            <a:pPr lvl="1"/>
-            <a:r>
-              <a:rPr lang="pt-PT" dirty="0" smtClean="0"/>
-              <a:t>Com auxílio do núcleo do sistema (2)</a:t>
-            </a:r>
-          </a:p>
-          <a:p>
-            <a:pPr lvl="2"/>
-            <a:r>
-              <a:rPr lang="pt-PT" dirty="0" smtClean="0"/>
-              <a:t>exemplo</a:t>
-            </a:r>
-            <a:r>
-              <a:rPr lang="en-US" dirty="0" smtClean="0"/>
-              <a:t>: </a:t>
-            </a:r>
-            <a:r>
-              <a:rPr lang="pt-PT" dirty="0" smtClean="0"/>
-              <a:t>captura de pacotes através da biblioteca </a:t>
-            </a:r>
-            <a:r>
-              <a:rPr lang="pt-PT" i="1" dirty="0" err="1" smtClean="0"/>
-              <a:t>PCap</a:t>
-            </a:r>
-            <a:r>
-              <a:rPr lang="pt-PT" dirty="0" smtClean="0"/>
-              <a:t> </a:t>
-            </a:r>
-            <a:endParaRPr lang="pt-PT" dirty="0"/>
-          </a:p>
-          <a:p>
-            <a:pPr lvl="2"/>
-            <a:r>
-              <a:rPr lang="pt-PT" dirty="0" smtClean="0"/>
-              <a:t>monitorização do processo para obter as alterações nas interacções via rede</a:t>
-            </a:r>
-          </a:p>
-          <a:p>
-            <a:pPr lvl="2"/>
-            <a:r>
-              <a:rPr lang="pt-PT" dirty="0" smtClean="0"/>
-              <a:t>filtrar a informação relevante</a:t>
-            </a:r>
-          </a:p>
-          <a:p>
-            <a:pPr lvl="8">
-              <a:buNone/>
-            </a:pPr>
-            <a:r>
-              <a:rPr lang="pt-PT" dirty="0" smtClean="0"/>
-              <a:t>		</a:t>
-            </a:r>
-            <a:endParaRPr lang="pt-PT" dirty="0"/>
-          </a:p>
-        </p:txBody>
-      </p:sp>
-      <p:sp>
-        <p:nvSpPr>
-          <p:cNvPr id="4" name="Marcador de Posição do Número do Diapositivo 3"/>
-          <p:cNvSpPr>
-            <a:spLocks noGrp="1"/>
-          </p:cNvSpPr>
-          <p:nvPr>
-            <p:ph type="sldNum" sz="quarter" idx="12"/>
-          </p:nvPr>
-        </p:nvSpPr>
-        <p:spPr/>
-        <p:txBody>
-          <a:bodyPr/>
-          <a:lstStyle/>
-          <a:p>
-            <a:fld id="{AC560869-1695-4081-8E6F-05D0DB8947D3}" type="slidenum">
-              <a:rPr lang="pt-PT" smtClean="0"/>
-              <a:pPr/>
-              <a:t>26</a:t>
-            </a:fld>
-            <a:endParaRPr lang="pt-PT"/>
-          </a:p>
-        </p:txBody>
-      </p:sp>
-    </p:spTree>
-  </p:cSld>
-  <p:clrMapOvr>
-    <a:masterClrMapping/>
-  </p:clrMapOvr>
-  <p:transition/>
-  <p:timing>
-    <p:tnLst>
-      <p:par>
-        <p:cTn id="1" dur="indefinite" restart="never" nodeType="tmRoot"/>
-      </p:par>
-    </p:tnLst>
-  </p:timing>
-</p:sld>
-</file>
-
 <file path=ppt/slides/slide27.xml><?xml version="1.0" encoding="utf-8"?>
 <p:sld xmlns:a="http://schemas.openxmlformats.org/drawingml/2006/main" xmlns:r="http://schemas.openxmlformats.org/officeDocument/2006/relationships" xmlns:p="http://schemas.openxmlformats.org/presentationml/2006/main" show="0">
   <p:cSld>
@@ -20562,17 +20518,19 @@
         </p:nvSpPr>
         <p:spPr>
           <a:xfrm>
-            <a:off x="457200" y="404664"/>
+            <a:off x="467544" y="634008"/>
             <a:ext cx="8229600" cy="1066800"/>
           </a:xfrm>
         </p:spPr>
         <p:txBody>
-          <a:bodyPr/>
+          <a:bodyPr>
+            <a:normAutofit/>
+          </a:bodyPr>
           <a:lstStyle/>
           <a:p>
             <a:r>
               <a:rPr lang="pt-PT" dirty="0" smtClean="0"/>
-              <a:t>Monitorização de rede</a:t>
+              <a:t> Monitorização </a:t>
             </a:r>
             <a:endParaRPr lang="pt-PT" dirty="0"/>
           </a:p>
@@ -20590,198 +20548,103 @@
         </p:nvSpPr>
         <p:spPr>
           <a:xfrm>
-            <a:off x="457200" y="1484784"/>
-            <a:ext cx="8229600" cy="4608512"/>
+            <a:off x="179512" y="1840192"/>
+            <a:ext cx="8784976" cy="4325112"/>
           </a:xfrm>
         </p:spPr>
         <p:txBody>
           <a:bodyPr>
-            <a:normAutofit fontScale="85000" lnSpcReduction="20000"/>
+            <a:normAutofit lnSpcReduction="10000"/>
           </a:bodyPr>
           <a:lstStyle/>
           <a:p>
             <a:r>
+              <a:rPr lang="pt-PT" dirty="0" smtClean="0"/>
+              <a:t>Abordagens (para as interacções de um processo)</a:t>
+            </a:r>
+          </a:p>
+          <a:p>
+            <a:pPr lvl="1"/>
+            <a:r>
               <a:rPr lang="pt-PT" dirty="0"/>
-              <a:t>Monitorização do processo alvo </a:t>
-            </a:r>
+              <a:t>N</a:t>
+            </a:r>
+            <a:r>
+              <a:rPr lang="pt-PT" dirty="0" smtClean="0"/>
+              <a:t>ível utilizador (1)</a:t>
+            </a:r>
+          </a:p>
+          <a:p>
+            <a:pPr lvl="2"/>
+            <a:r>
+              <a:rPr lang="pt-PT" dirty="0" smtClean="0"/>
+              <a:t>Instrumentação do programa ou bibliotecas para obter a informação relevante</a:t>
+            </a:r>
+          </a:p>
+          <a:p>
+            <a:pPr lvl="2"/>
             <a:endParaRPr lang="pt-PT" dirty="0" smtClean="0"/>
           </a:p>
           <a:p>
             <a:pPr lvl="1"/>
             <a:r>
+              <a:rPr lang="pt-PT" dirty="0" smtClean="0"/>
+              <a:t>Com auxílio do núcleo do sistema (2)</a:t>
+            </a:r>
+          </a:p>
+          <a:p>
+            <a:pPr lvl="2"/>
+            <a:r>
+              <a:rPr lang="pt-PT" dirty="0" smtClean="0"/>
+              <a:t>exemplo</a:t>
+            </a:r>
+            <a:r>
               <a:rPr lang="en-US" dirty="0" smtClean="0"/>
-              <a:t>M</a:t>
-            </a:r>
-            <a:r>
-              <a:rPr lang="pt-PT" dirty="0" err="1" smtClean="0"/>
-              <a:t>anter</a:t>
+              <a:t>: </a:t>
             </a:r>
             <a:r>
               <a:rPr lang="pt-PT" dirty="0" smtClean="0"/>
-              <a:t> actualizado o estado relativamente às interacções por rede (portos/</a:t>
+              <a:t>captura de pacotes através da biblioteca </a:t>
             </a:r>
             <a:r>
               <a:rPr lang="pt-PT" i="1" dirty="0" err="1" smtClean="0"/>
-              <a:t>sockets</a:t>
+              <a:t>PCap</a:t>
             </a:r>
             <a:r>
               <a:rPr lang="pt-PT" dirty="0" smtClean="0"/>
-              <a:t>)</a:t>
-            </a:r>
-          </a:p>
-          <a:p>
-            <a:pPr lvl="2">
+              <a:t> </a:t>
+            </a:r>
+            <a:endParaRPr lang="pt-PT" dirty="0"/>
+          </a:p>
+          <a:p>
+            <a:pPr lvl="2"/>
+            <a:r>
+              <a:rPr lang="pt-PT" dirty="0" smtClean="0"/>
+              <a:t>monitorização do processo para obter as alterações nas interacções via rede</a:t>
+            </a:r>
+          </a:p>
+          <a:p>
+            <a:pPr lvl="2"/>
+            <a:r>
+              <a:rPr lang="pt-PT" dirty="0" smtClean="0"/>
+              <a:t>filtrar a informação relevante</a:t>
+            </a:r>
+          </a:p>
+          <a:p>
+            <a:pPr lvl="8">
               <a:buNone/>
             </a:pPr>
-            <a:endParaRPr lang="pt-PT" dirty="0" smtClean="0"/>
-          </a:p>
-          <a:p>
             <a:r>
               <a:rPr lang="pt-PT" dirty="0" smtClean="0"/>
-              <a:t>Abordagem 1</a:t>
-            </a:r>
-          </a:p>
-          <a:p>
-            <a:pPr lvl="1"/>
-            <a:r>
-              <a:rPr lang="pt-PT" dirty="0"/>
-              <a:t>Instrumentação das funções de rede (</a:t>
-            </a:r>
-            <a:r>
-              <a:rPr lang="pt-PT" dirty="0" err="1" smtClean="0"/>
-              <a:t>p.e</a:t>
-            </a:r>
-            <a:r>
-              <a:rPr lang="pt-PT" dirty="0" smtClean="0"/>
-              <a:t> na </a:t>
-            </a:r>
-            <a:r>
-              <a:rPr lang="pt-PT" dirty="0" err="1" smtClean="0"/>
-              <a:t>libC</a:t>
-            </a:r>
-            <a:r>
-              <a:rPr lang="pt-PT" dirty="0" smtClean="0"/>
-              <a:t>) e capturar os dados relevantes no processo alvo</a:t>
-            </a:r>
-          </a:p>
-          <a:p>
-            <a:r>
-              <a:rPr lang="pt-PT" dirty="0" smtClean="0"/>
-              <a:t>Abordagem 2</a:t>
-            </a:r>
-          </a:p>
-          <a:p>
-            <a:pPr lvl="1"/>
-            <a:r>
-              <a:rPr lang="pt-PT" dirty="0"/>
-              <a:t>Instrumentação das funções de </a:t>
-            </a:r>
-            <a:r>
-              <a:rPr lang="pt-PT" dirty="0" smtClean="0"/>
-              <a:t>rede (</a:t>
-            </a:r>
-            <a:r>
-              <a:rPr lang="pt-PT" dirty="0" err="1"/>
-              <a:t>p.e</a:t>
-            </a:r>
-            <a:r>
-              <a:rPr lang="pt-PT" dirty="0"/>
-              <a:t> na </a:t>
-            </a:r>
-            <a:r>
-              <a:rPr lang="pt-PT" dirty="0" err="1"/>
-              <a:t>libC</a:t>
-            </a:r>
-            <a:r>
-              <a:rPr lang="pt-PT" dirty="0" smtClean="0"/>
-              <a:t>); </a:t>
-            </a:r>
-            <a:r>
-              <a:rPr lang="pt-PT" dirty="0"/>
-              <a:t>utilização do suporte do </a:t>
-            </a:r>
-            <a:r>
-              <a:rPr lang="pt-PT" dirty="0" err="1"/>
-              <a:t>ptrace</a:t>
-            </a:r>
-            <a:r>
-              <a:rPr lang="pt-PT" dirty="0"/>
-              <a:t>; instrumentação no núcleo das chamadas de rede (</a:t>
-            </a:r>
-            <a:r>
-              <a:rPr lang="pt-PT" dirty="0" err="1"/>
-              <a:t>p.e</a:t>
-            </a:r>
-            <a:r>
-              <a:rPr lang="pt-PT" dirty="0"/>
-              <a:t>. </a:t>
-            </a:r>
-            <a:r>
-              <a:rPr lang="en-US" i="1" dirty="0" smtClean="0"/>
-              <a:t>K</a:t>
-            </a:r>
-            <a:r>
-              <a:rPr lang="pt-PT" i="1" dirty="0" err="1" smtClean="0"/>
-              <a:t>Probes</a:t>
-            </a:r>
-            <a:r>
-              <a:rPr lang="pt-PT" dirty="0" smtClean="0"/>
-              <a:t>)</a:t>
+              <a:t>		</a:t>
             </a:r>
             <a:endParaRPr lang="pt-PT" dirty="0"/>
           </a:p>
-          <a:p>
-            <a:pPr lvl="1"/>
-            <a:r>
-              <a:rPr lang="pt-PT" dirty="0" smtClean="0"/>
-              <a:t>Capturar todo o tráfego via </a:t>
-            </a:r>
-            <a:r>
-              <a:rPr lang="pt-PT" dirty="0" err="1" smtClean="0"/>
-              <a:t>PCap</a:t>
-            </a:r>
-            <a:r>
-              <a:rPr lang="pt-PT" dirty="0" smtClean="0"/>
-              <a:t> e filtrar com base no estado do processo</a:t>
-            </a:r>
-          </a:p>
-          <a:p>
-            <a:pPr lvl="1"/>
-            <a:r>
-              <a:rPr lang="pt-PT" dirty="0" smtClean="0"/>
-              <a:t>Ou tentar manter actualizado </a:t>
-            </a:r>
-            <a:r>
-              <a:rPr lang="pt-PT" dirty="0"/>
-              <a:t>o </a:t>
-            </a:r>
-            <a:r>
-              <a:rPr lang="pt-PT" dirty="0" smtClean="0"/>
-              <a:t>filtro LSF </a:t>
-            </a:r>
-            <a:r>
-              <a:rPr lang="pt-PT" dirty="0"/>
-              <a:t>no núcleo via </a:t>
-            </a:r>
-            <a:r>
-              <a:rPr lang="pt-PT" dirty="0" smtClean="0"/>
-              <a:t>a </a:t>
-            </a:r>
-            <a:r>
-              <a:rPr lang="pt-PT" smtClean="0"/>
-              <a:t>biblioteca PCap</a:t>
-            </a:r>
-            <a:endParaRPr lang="pt-PT" dirty="0"/>
-          </a:p>
-          <a:p>
-            <a:pPr lvl="1"/>
-            <a:endParaRPr lang="pt-PT" dirty="0"/>
-          </a:p>
-        </p:txBody>
-      </p:sp>
-      <p:sp>
-        <p:nvSpPr>
-          <p:cNvPr id="5" name="Marcador de Posição do Número do Diapositivo 4"/>
+        </p:txBody>
+      </p:sp>
+      <p:sp>
+        <p:nvSpPr>
+          <p:cNvPr id="4" name="Marcador de Posição do Número do Diapositivo 3"/>
           <p:cNvSpPr>
             <a:spLocks noGrp="1"/>
           </p:cNvSpPr>
@@ -20848,6 +20711,292 @@
         </p:nvSpPr>
         <p:spPr>
           <a:xfrm>
+            <a:off x="457200" y="404664"/>
+            <a:ext cx="8229600" cy="1066800"/>
+          </a:xfrm>
+        </p:spPr>
+        <p:txBody>
+          <a:bodyPr/>
+          <a:lstStyle/>
+          <a:p>
+            <a:r>
+              <a:rPr lang="pt-PT" dirty="0" smtClean="0"/>
+              <a:t>Monitorização de rede</a:t>
+            </a:r>
+            <a:endParaRPr lang="pt-PT" dirty="0"/>
+          </a:p>
+        </p:txBody>
+      </p:sp>
+      <p:sp>
+        <p:nvSpPr>
+          <p:cNvPr id="3" name="Marcador de Posição de Conteúdo 2"/>
+          <p:cNvSpPr>
+            <a:spLocks noGrp="1"/>
+          </p:cNvSpPr>
+          <p:nvPr>
+            <p:ph idx="1"/>
+          </p:nvPr>
+        </p:nvSpPr>
+        <p:spPr>
+          <a:xfrm>
+            <a:off x="457200" y="1484784"/>
+            <a:ext cx="8229600" cy="4608512"/>
+          </a:xfrm>
+        </p:spPr>
+        <p:txBody>
+          <a:bodyPr>
+            <a:normAutofit fontScale="85000" lnSpcReduction="20000"/>
+          </a:bodyPr>
+          <a:lstStyle/>
+          <a:p>
+            <a:r>
+              <a:rPr lang="pt-PT" dirty="0"/>
+              <a:t>Monitorização do processo alvo </a:t>
+            </a:r>
+            <a:endParaRPr lang="pt-PT" dirty="0" smtClean="0"/>
+          </a:p>
+          <a:p>
+            <a:pPr lvl="1"/>
+            <a:r>
+              <a:rPr lang="en-US" dirty="0" smtClean="0"/>
+              <a:t>M</a:t>
+            </a:r>
+            <a:r>
+              <a:rPr lang="pt-PT" dirty="0" err="1" smtClean="0"/>
+              <a:t>anter</a:t>
+            </a:r>
+            <a:r>
+              <a:rPr lang="pt-PT" dirty="0" smtClean="0"/>
+              <a:t> actualizado o estado relativamente às interacções por rede (portos/</a:t>
+            </a:r>
+            <a:r>
+              <a:rPr lang="pt-PT" i="1" dirty="0" err="1" smtClean="0"/>
+              <a:t>sockets</a:t>
+            </a:r>
+            <a:r>
+              <a:rPr lang="pt-PT" dirty="0" smtClean="0"/>
+              <a:t>)</a:t>
+            </a:r>
+          </a:p>
+          <a:p>
+            <a:pPr lvl="2">
+              <a:buNone/>
+            </a:pPr>
+            <a:endParaRPr lang="pt-PT" dirty="0" smtClean="0"/>
+          </a:p>
+          <a:p>
+            <a:r>
+              <a:rPr lang="pt-PT" dirty="0" smtClean="0"/>
+              <a:t>Abordagem 1</a:t>
+            </a:r>
+          </a:p>
+          <a:p>
+            <a:pPr lvl="1"/>
+            <a:r>
+              <a:rPr lang="pt-PT" dirty="0"/>
+              <a:t>Instrumentação das funções de rede (</a:t>
+            </a:r>
+            <a:r>
+              <a:rPr lang="pt-PT" dirty="0" err="1" smtClean="0"/>
+              <a:t>p.e</a:t>
+            </a:r>
+            <a:r>
+              <a:rPr lang="pt-PT" dirty="0" smtClean="0"/>
+              <a:t> na </a:t>
+            </a:r>
+            <a:r>
+              <a:rPr lang="pt-PT" dirty="0" err="1" smtClean="0"/>
+              <a:t>libC</a:t>
+            </a:r>
+            <a:r>
+              <a:rPr lang="pt-PT" dirty="0" smtClean="0"/>
+              <a:t>) e capturar os dados relevantes no processo alvo</a:t>
+            </a:r>
+          </a:p>
+          <a:p>
+            <a:r>
+              <a:rPr lang="pt-PT" dirty="0" smtClean="0"/>
+              <a:t>Abordagem 2</a:t>
+            </a:r>
+          </a:p>
+          <a:p>
+            <a:pPr lvl="1"/>
+            <a:r>
+              <a:rPr lang="pt-PT" dirty="0"/>
+              <a:t>Instrumentação das funções de </a:t>
+            </a:r>
+            <a:r>
+              <a:rPr lang="pt-PT" dirty="0" smtClean="0"/>
+              <a:t>rede (</a:t>
+            </a:r>
+            <a:r>
+              <a:rPr lang="pt-PT" dirty="0" err="1"/>
+              <a:t>p.e</a:t>
+            </a:r>
+            <a:r>
+              <a:rPr lang="pt-PT" dirty="0"/>
+              <a:t> na </a:t>
+            </a:r>
+            <a:r>
+              <a:rPr lang="pt-PT" dirty="0" err="1"/>
+              <a:t>libC</a:t>
+            </a:r>
+            <a:r>
+              <a:rPr lang="pt-PT" dirty="0" smtClean="0"/>
+              <a:t>); </a:t>
+            </a:r>
+            <a:r>
+              <a:rPr lang="pt-PT" dirty="0"/>
+              <a:t>utilização do suporte do </a:t>
+            </a:r>
+            <a:r>
+              <a:rPr lang="pt-PT" dirty="0" err="1"/>
+              <a:t>ptrace</a:t>
+            </a:r>
+            <a:r>
+              <a:rPr lang="pt-PT" dirty="0"/>
+              <a:t>; instrumentação no núcleo das chamadas de rede (</a:t>
+            </a:r>
+            <a:r>
+              <a:rPr lang="pt-PT" dirty="0" err="1"/>
+              <a:t>p.e</a:t>
+            </a:r>
+            <a:r>
+              <a:rPr lang="pt-PT" dirty="0"/>
+              <a:t>. </a:t>
+            </a:r>
+            <a:r>
+              <a:rPr lang="en-US" i="1" dirty="0" smtClean="0"/>
+              <a:t>K</a:t>
+            </a:r>
+            <a:r>
+              <a:rPr lang="pt-PT" i="1" dirty="0" err="1" smtClean="0"/>
+              <a:t>Probes</a:t>
+            </a:r>
+            <a:r>
+              <a:rPr lang="pt-PT" dirty="0" smtClean="0"/>
+              <a:t>)</a:t>
+            </a:r>
+            <a:endParaRPr lang="pt-PT" dirty="0"/>
+          </a:p>
+          <a:p>
+            <a:pPr lvl="1"/>
+            <a:r>
+              <a:rPr lang="pt-PT" dirty="0" smtClean="0"/>
+              <a:t>Capturar todo o tráfego via </a:t>
+            </a:r>
+            <a:r>
+              <a:rPr lang="pt-PT" dirty="0" err="1" smtClean="0"/>
+              <a:t>PCap</a:t>
+            </a:r>
+            <a:r>
+              <a:rPr lang="pt-PT" dirty="0" smtClean="0"/>
+              <a:t> e filtrar com base no estado do processo</a:t>
+            </a:r>
+          </a:p>
+          <a:p>
+            <a:pPr lvl="1"/>
+            <a:r>
+              <a:rPr lang="pt-PT" dirty="0" smtClean="0"/>
+              <a:t>Ou tentar manter actualizado </a:t>
+            </a:r>
+            <a:r>
+              <a:rPr lang="pt-PT" dirty="0"/>
+              <a:t>o </a:t>
+            </a:r>
+            <a:r>
+              <a:rPr lang="pt-PT" dirty="0" smtClean="0"/>
+              <a:t>filtro LSF </a:t>
+            </a:r>
+            <a:r>
+              <a:rPr lang="pt-PT" dirty="0"/>
+              <a:t>no núcleo via </a:t>
+            </a:r>
+            <a:r>
+              <a:rPr lang="pt-PT" dirty="0" smtClean="0"/>
+              <a:t>a </a:t>
+            </a:r>
+            <a:r>
+              <a:rPr lang="pt-PT" smtClean="0"/>
+              <a:t>biblioteca PCap</a:t>
+            </a:r>
+            <a:endParaRPr lang="pt-PT" dirty="0"/>
+          </a:p>
+          <a:p>
+            <a:pPr lvl="1"/>
+            <a:endParaRPr lang="pt-PT" dirty="0"/>
+          </a:p>
+        </p:txBody>
+      </p:sp>
+      <p:sp>
+        <p:nvSpPr>
+          <p:cNvPr id="5" name="Marcador de Posição do Número do Diapositivo 4"/>
+          <p:cNvSpPr>
+            <a:spLocks noGrp="1"/>
+          </p:cNvSpPr>
+          <p:nvPr>
+            <p:ph type="sldNum" sz="quarter" idx="12"/>
+          </p:nvPr>
+        </p:nvSpPr>
+        <p:spPr/>
+        <p:txBody>
+          <a:bodyPr/>
+          <a:lstStyle/>
+          <a:p>
+            <a:fld id="{AC560869-1695-4081-8E6F-05D0DB8947D3}" type="slidenum">
+              <a:rPr lang="pt-PT" smtClean="0"/>
+              <a:pPr/>
+              <a:t>28</a:t>
+            </a:fld>
+            <a:endParaRPr lang="pt-PT"/>
+          </a:p>
+        </p:txBody>
+      </p:sp>
+    </p:spTree>
+  </p:cSld>
+  <p:clrMapOvr>
+    <a:masterClrMapping/>
+  </p:clrMapOvr>
+  <p:transition/>
+  <p:timing>
+    <p:tnLst>
+      <p:par>
+        <p:cTn id="1" dur="indefinite" restart="never" nodeType="tmRoot"/>
+      </p:par>
+    </p:tnLst>
+  </p:timing>
+</p:sld>
+</file>
+
+<file path=ppt/slides/slide29.xml><?xml version="1.0" encoding="utf-8"?>
+<p:sld xmlns:a="http://schemas.openxmlformats.org/drawingml/2006/main" xmlns:r="http://schemas.openxmlformats.org/officeDocument/2006/relationships" xmlns:p="http://schemas.openxmlformats.org/presentationml/2006/main" show="0">
+  <p:cSld>
+    <p:spTree>
+      <p:nvGrpSpPr>
+        <p:cNvPr id="1" name=""/>
+        <p:cNvGrpSpPr/>
+        <p:nvPr/>
+      </p:nvGrpSpPr>
+      <p:grpSpPr>
+        <a:xfrm>
+          <a:off x="0" y="0"/>
+          <a:ext cx="0" cy="0"/>
+          <a:chOff x="0" y="0"/>
+          <a:chExt cx="0" cy="0"/>
+        </a:xfrm>
+      </p:grpSpPr>
+      <p:sp>
+        <p:nvSpPr>
+          <p:cNvPr id="2" name="Título 1"/>
+          <p:cNvSpPr>
+            <a:spLocks noGrp="1"/>
+          </p:cNvSpPr>
+          <p:nvPr>
+            <p:ph type="title"/>
+          </p:nvPr>
+        </p:nvSpPr>
+        <p:spPr>
+          <a:xfrm>
             <a:off x="467544" y="476672"/>
             <a:ext cx="8229600" cy="1066800"/>
           </a:xfrm>
@@ -20882,7 +21031,7 @@
             <a:fld id="{AC560869-1695-4081-8E6F-05D0DB8947D3}" type="slidenum">
               <a:rPr lang="pt-PT" smtClean="0"/>
               <a:pPr/>
-              <a:t>28</a:t>
+              <a:t>29</a:t>
             </a:fld>
             <a:endParaRPr lang="pt-PT"/>
           </a:p>
@@ -20928,105 +21077,6 @@
 </p:sld>
 </file>
 
-<file path=ppt/slides/slide29.xml><?xml version="1.0" encoding="utf-8"?>
-<p:sld xmlns:a="http://schemas.openxmlformats.org/drawingml/2006/main" xmlns:r="http://schemas.openxmlformats.org/officeDocument/2006/relationships" xmlns:p="http://schemas.openxmlformats.org/presentationml/2006/main" show="0">
-  <p:cSld>
-    <p:spTree>
-      <p:nvGrpSpPr>
-        <p:cNvPr id="1" name=""/>
-        <p:cNvGrpSpPr/>
-        <p:nvPr/>
-      </p:nvGrpSpPr>
-      <p:grpSpPr>
-        <a:xfrm>
-          <a:off x="0" y="0"/>
-          <a:ext cx="0" cy="0"/>
-          <a:chOff x="0" y="0"/>
-          <a:chExt cx="0" cy="0"/>
-        </a:xfrm>
-      </p:grpSpPr>
-      <p:sp>
-        <p:nvSpPr>
-          <p:cNvPr id="2" name="Título 1"/>
-          <p:cNvSpPr>
-            <a:spLocks noGrp="1"/>
-          </p:cNvSpPr>
-          <p:nvPr>
-            <p:ph type="title"/>
-          </p:nvPr>
-        </p:nvSpPr>
-        <p:spPr/>
-        <p:txBody>
-          <a:bodyPr/>
-          <a:lstStyle/>
-          <a:p>
-            <a:r>
-              <a:rPr lang="pt-PT" dirty="0" smtClean="0"/>
-              <a:t>Percursos … </a:t>
-            </a:r>
-            <a:endParaRPr lang="pt-PT" dirty="0"/>
-          </a:p>
-        </p:txBody>
-      </p:sp>
-      <p:sp>
-        <p:nvSpPr>
-          <p:cNvPr id="3" name="Marcador de Posição de Conteúdo 2"/>
-          <p:cNvSpPr>
-            <a:spLocks noGrp="1"/>
-          </p:cNvSpPr>
-          <p:nvPr>
-            <p:ph idx="1"/>
-          </p:nvPr>
-        </p:nvSpPr>
-        <p:spPr/>
-        <p:txBody>
-          <a:bodyPr/>
-          <a:lstStyle/>
-          <a:p>
-            <a:endParaRPr lang="pt-PT"/>
-          </a:p>
-        </p:txBody>
-      </p:sp>
-      <p:sp>
-        <p:nvSpPr>
-          <p:cNvPr id="4" name="Marcador de Posição do Número do Diapositivo 3"/>
-          <p:cNvSpPr>
-            <a:spLocks noGrp="1"/>
-          </p:cNvSpPr>
-          <p:nvPr>
-            <p:ph type="sldNum" sz="quarter" idx="12"/>
-          </p:nvPr>
-        </p:nvSpPr>
-        <p:spPr/>
-        <p:txBody>
-          <a:bodyPr/>
-          <a:lstStyle/>
-          <a:p>
-            <a:fld id="{AC560869-1695-4081-8E6F-05D0DB8947D3}" type="slidenum">
-              <a:rPr lang="pt-PT" smtClean="0"/>
-              <a:pPr/>
-              <a:t>29</a:t>
-            </a:fld>
-            <a:endParaRPr lang="pt-PT"/>
-          </a:p>
-        </p:txBody>
-      </p:sp>
-    </p:spTree>
-  </p:cSld>
-  <p:clrMapOvr>
-    <a:masterClrMapping/>
-  </p:clrMapOvr>
-  <p:transition/>
-  <p:timing>
-    <p:tnLst>
-      <p:par>
-        <p:cTn id="1" dur="indefinite" restart="never" nodeType="tmRoot"/>
-      </p:par>
-    </p:tnLst>
-  </p:timing>
-</p:sld>
-</file>
-
 <file path=ppt/slides/slide3.xml><?xml version="1.0" encoding="utf-8"?>
 <p:sld xmlns:a="http://schemas.openxmlformats.org/drawingml/2006/main" xmlns:r="http://schemas.openxmlformats.org/officeDocument/2006/relationships" xmlns:p="http://schemas.openxmlformats.org/presentationml/2006/main">
   <p:cSld>
@@ -21239,6 +21289,105 @@
             <p:ph type="title"/>
           </p:nvPr>
         </p:nvSpPr>
+        <p:spPr/>
+        <p:txBody>
+          <a:bodyPr/>
+          <a:lstStyle/>
+          <a:p>
+            <a:r>
+              <a:rPr lang="pt-PT" dirty="0" smtClean="0"/>
+              <a:t>Percursos … </a:t>
+            </a:r>
+            <a:endParaRPr lang="pt-PT" dirty="0"/>
+          </a:p>
+        </p:txBody>
+      </p:sp>
+      <p:sp>
+        <p:nvSpPr>
+          <p:cNvPr id="3" name="Marcador de Posição de Conteúdo 2"/>
+          <p:cNvSpPr>
+            <a:spLocks noGrp="1"/>
+          </p:cNvSpPr>
+          <p:nvPr>
+            <p:ph idx="1"/>
+          </p:nvPr>
+        </p:nvSpPr>
+        <p:spPr/>
+        <p:txBody>
+          <a:bodyPr/>
+          <a:lstStyle/>
+          <a:p>
+            <a:endParaRPr lang="pt-PT"/>
+          </a:p>
+        </p:txBody>
+      </p:sp>
+      <p:sp>
+        <p:nvSpPr>
+          <p:cNvPr id="4" name="Marcador de Posição do Número do Diapositivo 3"/>
+          <p:cNvSpPr>
+            <a:spLocks noGrp="1"/>
+          </p:cNvSpPr>
+          <p:nvPr>
+            <p:ph type="sldNum" sz="quarter" idx="12"/>
+          </p:nvPr>
+        </p:nvSpPr>
+        <p:spPr/>
+        <p:txBody>
+          <a:bodyPr/>
+          <a:lstStyle/>
+          <a:p>
+            <a:fld id="{AC560869-1695-4081-8E6F-05D0DB8947D3}" type="slidenum">
+              <a:rPr lang="pt-PT" smtClean="0"/>
+              <a:pPr/>
+              <a:t>30</a:t>
+            </a:fld>
+            <a:endParaRPr lang="pt-PT"/>
+          </a:p>
+        </p:txBody>
+      </p:sp>
+    </p:spTree>
+  </p:cSld>
+  <p:clrMapOvr>
+    <a:masterClrMapping/>
+  </p:clrMapOvr>
+  <p:transition/>
+  <p:timing>
+    <p:tnLst>
+      <p:par>
+        <p:cTn id="1" dur="indefinite" restart="never" nodeType="tmRoot"/>
+      </p:par>
+    </p:tnLst>
+  </p:timing>
+</p:sld>
+</file>
+
+<file path=ppt/slides/slide31.xml><?xml version="1.0" encoding="utf-8"?>
+<p:sld xmlns:a="http://schemas.openxmlformats.org/drawingml/2006/main" xmlns:r="http://schemas.openxmlformats.org/officeDocument/2006/relationships" xmlns:p="http://schemas.openxmlformats.org/presentationml/2006/main" show="0">
+  <p:cSld>
+    <p:spTree>
+      <p:nvGrpSpPr>
+        <p:cNvPr id="1" name=""/>
+        <p:cNvGrpSpPr/>
+        <p:nvPr/>
+      </p:nvGrpSpPr>
+      <p:grpSpPr>
+        <a:xfrm>
+          <a:off x="0" y="0"/>
+          <a:ext cx="0" cy="0"/>
+          <a:chOff x="0" y="0"/>
+          <a:chExt cx="0" cy="0"/>
+        </a:xfrm>
+      </p:grpSpPr>
+      <p:sp>
+        <p:nvSpPr>
+          <p:cNvPr id="2" name="Título 1"/>
+          <p:cNvSpPr>
+            <a:spLocks noGrp="1"/>
+          </p:cNvSpPr>
+          <p:nvPr>
+            <p:ph type="title"/>
+          </p:nvPr>
+        </p:nvSpPr>
         <p:spPr>
           <a:xfrm>
             <a:off x="323528" y="404664"/>
@@ -21664,7 +21813,7 @@
             <a:fld id="{AC560869-1695-4081-8E6F-05D0DB8947D3}" type="slidenum">
               <a:rPr lang="pt-PT" smtClean="0"/>
               <a:pPr/>
-              <a:t>30</a:t>
+              <a:t>31</a:t>
             </a:fld>
             <a:endParaRPr lang="pt-PT" dirty="0"/>
           </a:p>
@@ -22172,7 +22321,7 @@
 </p:sld>
 </file>
 
-<file path=ppt/slides/slide31.xml><?xml version="1.0" encoding="utf-8"?>
+<file path=ppt/slides/slide32.xml><?xml version="1.0" encoding="utf-8"?>
 <p:sld xmlns:a="http://schemas.openxmlformats.org/drawingml/2006/main" xmlns:r="http://schemas.openxmlformats.org/officeDocument/2006/relationships" xmlns:p="http://schemas.openxmlformats.org/presentationml/2006/main" show="0">
   <p:cSld>
     <p:spTree>
@@ -22624,7 +22773,7 @@
             <a:fld id="{AC560869-1695-4081-8E6F-05D0DB8947D3}" type="slidenum">
               <a:rPr lang="pt-PT" smtClean="0"/>
               <a:pPr/>
-              <a:t>31</a:t>
+              <a:t>32</a:t>
             </a:fld>
             <a:endParaRPr lang="pt-PT" dirty="0"/>
           </a:p>
@@ -23939,7 +24088,7 @@
 </p:sld>
 </file>
 
-<file path=ppt/slides/slide32.xml><?xml version="1.0" encoding="utf-8"?>
+<file path=ppt/slides/slide33.xml><?xml version="1.0" encoding="utf-8"?>
 <p:sld xmlns:a="http://schemas.openxmlformats.org/drawingml/2006/main" xmlns:r="http://schemas.openxmlformats.org/officeDocument/2006/relationships" xmlns:p="http://schemas.openxmlformats.org/presentationml/2006/main" show="0">
   <p:cSld>
     <p:spTree>
@@ -24391,7 +24540,7 @@
             <a:fld id="{AC560869-1695-4081-8E6F-05D0DB8947D3}" type="slidenum">
               <a:rPr lang="pt-PT" smtClean="0"/>
               <a:pPr/>
-              <a:t>32</a:t>
+              <a:t>33</a:t>
             </a:fld>
             <a:endParaRPr lang="pt-PT" dirty="0"/>
           </a:p>

--- a/doc/apresentacao_dissertacao.pptx
+++ b/doc/apresentacao_dissertacao.pptx
@@ -14764,7 +14764,7 @@
         </p:nvSpPr>
         <p:spPr>
           <a:xfrm>
-            <a:off x="457200" y="260648"/>
+            <a:off x="251520" y="332656"/>
             <a:ext cx="8229600" cy="1066800"/>
           </a:xfrm>
         </p:spPr>
@@ -14792,130 +14792,152 @@
         </p:nvSpPr>
         <p:spPr>
           <a:xfrm>
-            <a:off x="323528" y="1412776"/>
-            <a:ext cx="8229600" cy="5184576"/>
+            <a:off x="457200" y="1556792"/>
+            <a:ext cx="8229600" cy="5017744"/>
           </a:xfrm>
         </p:spPr>
         <p:txBody>
           <a:bodyPr>
-            <a:normAutofit lnSpcReduction="10000"/>
+            <a:normAutofit fontScale="92500" lnSpcReduction="10000"/>
           </a:bodyPr>
           <a:lstStyle/>
           <a:p>
             <a:r>
-              <a:rPr lang="pt-PT" dirty="0" smtClean="0"/>
+              <a:rPr lang="pt-PT" sz="2400" dirty="0" smtClean="0"/>
               <a:t>Duas máquinas ligadas </a:t>
             </a:r>
             <a:r>
-              <a:rPr lang="pt-PT" dirty="0" err="1" smtClean="0"/>
+              <a:rPr lang="pt-PT" sz="2400" dirty="0" err="1" smtClean="0"/>
               <a:t>directamente</a:t>
             </a:r>
             <a:r>
-              <a:rPr lang="pt-PT" dirty="0" smtClean="0"/>
+              <a:rPr lang="pt-PT" sz="2400" dirty="0" smtClean="0"/>
               <a:t> por interface de 100 Mbps</a:t>
             </a:r>
           </a:p>
           <a:p>
             <a:r>
-              <a:rPr lang="pt-PT" dirty="0" smtClean="0"/>
+              <a:rPr lang="pt-PT" sz="2400" dirty="0" smtClean="0"/>
               <a:t>Desempenho na transferência de 1 GB de dados através dos protocolos </a:t>
             </a:r>
             <a:r>
-              <a:rPr lang="pt-PT" dirty="0" err="1" smtClean="0"/>
+              <a:rPr lang="pt-PT" sz="2400" dirty="0" err="1" smtClean="0"/>
               <a:t>ftp</a:t>
             </a:r>
             <a:r>
-              <a:rPr lang="pt-PT" dirty="0" smtClean="0"/>
+              <a:rPr lang="pt-PT" sz="2400" dirty="0" smtClean="0"/>
+              <a:t>, </a:t>
+            </a:r>
+            <a:r>
+              <a:rPr lang="pt-PT" sz="2400" dirty="0" err="1" smtClean="0"/>
+              <a:t>http</a:t>
+            </a:r>
+            <a:r>
+              <a:rPr lang="pt-PT" sz="2400" dirty="0" smtClean="0"/>
               <a:t> e </a:t>
             </a:r>
             <a:r>
-              <a:rPr lang="pt-PT" dirty="0" err="1" smtClean="0"/>
-              <a:t>http</a:t>
-            </a:r>
-            <a:endParaRPr lang="pt-PT" dirty="0" smtClean="0"/>
-          </a:p>
-          <a:p>
-            <a:r>
-              <a:rPr lang="pt-PT" dirty="0" smtClean="0"/>
+              <a:rPr lang="pt-PT" sz="2400" dirty="0" err="1" smtClean="0"/>
+              <a:t>iperf</a:t>
+            </a:r>
+            <a:endParaRPr lang="pt-PT" sz="2400" dirty="0" smtClean="0"/>
+          </a:p>
+          <a:p>
+            <a:endParaRPr lang="pt-PT" sz="2400" dirty="0" smtClean="0"/>
+          </a:p>
+          <a:p>
+            <a:r>
+              <a:rPr lang="pt-PT" sz="2400" dirty="0" smtClean="0"/>
+              <a:t>Apenas um fluxo de dados</a:t>
+            </a:r>
+            <a:endParaRPr lang="pt-PT" sz="2400" dirty="0" smtClean="0"/>
+          </a:p>
+          <a:p>
+            <a:r>
+              <a:rPr lang="pt-PT" sz="2400" dirty="0" smtClean="0"/>
               <a:t>Dois fluxos de dados (só um relevante)</a:t>
             </a:r>
           </a:p>
           <a:p>
             <a:pPr lvl="1"/>
             <a:r>
-              <a:rPr lang="pt-PT" dirty="0" smtClean="0"/>
+              <a:rPr lang="pt-PT" sz="2000" dirty="0" smtClean="0"/>
               <a:t>Captura de apenas um fluxo através do recurso ao </a:t>
             </a:r>
             <a:r>
-              <a:rPr lang="pt-PT" dirty="0" err="1" smtClean="0"/>
+              <a:rPr lang="pt-PT" sz="2000" dirty="0" err="1" smtClean="0"/>
               <a:t>MRoP</a:t>
             </a:r>
-            <a:endParaRPr lang="pt-PT" dirty="0" smtClean="0"/>
+            <a:endParaRPr lang="pt-PT" sz="2000" dirty="0" smtClean="0"/>
           </a:p>
           <a:p>
             <a:pPr lvl="6">
               <a:buNone/>
             </a:pPr>
             <a:r>
-              <a:rPr lang="pt-PT" dirty="0" err="1" smtClean="0"/>
+              <a:rPr lang="pt-PT" sz="2600" dirty="0" err="1" smtClean="0"/>
               <a:t>vs</a:t>
             </a:r>
-            <a:endParaRPr lang="pt-PT" dirty="0" smtClean="0"/>
+            <a:endParaRPr lang="pt-PT" sz="2600" dirty="0" smtClean="0"/>
           </a:p>
           <a:p>
             <a:pPr lvl="1"/>
             <a:r>
-              <a:rPr lang="pt-PT" dirty="0" smtClean="0"/>
+              <a:rPr lang="pt-PT" sz="2000" dirty="0" smtClean="0"/>
               <a:t>Captura dos dois fluxos</a:t>
             </a:r>
           </a:p>
           <a:p>
-            <a:r>
-              <a:rPr lang="pt-PT" dirty="0" smtClean="0"/>
+            <a:pPr lvl="1"/>
+            <a:endParaRPr lang="pt-PT" sz="2000" dirty="0" smtClean="0"/>
+          </a:p>
+          <a:p>
+            <a:r>
+              <a:rPr lang="pt-PT" sz="2400" dirty="0" smtClean="0"/>
               <a:t>Tempos obtidos</a:t>
             </a:r>
           </a:p>
           <a:p>
             <a:pPr lvl="1"/>
             <a:r>
-              <a:rPr lang="pt-PT" dirty="0" smtClean="0"/>
+              <a:rPr lang="pt-PT" sz="2000" dirty="0" smtClean="0"/>
               <a:t>Sem monitorização</a:t>
             </a:r>
           </a:p>
           <a:p>
             <a:pPr lvl="1"/>
             <a:r>
-              <a:rPr lang="pt-PT" dirty="0" smtClean="0"/>
+              <a:rPr lang="pt-PT" sz="2000" dirty="0" smtClean="0"/>
               <a:t>Monitorização através da biblioteca </a:t>
             </a:r>
             <a:r>
-              <a:rPr lang="pt-PT" dirty="0" err="1" smtClean="0"/>
+              <a:rPr lang="pt-PT" sz="2000" dirty="0" err="1" smtClean="0"/>
               <a:t>PCap</a:t>
             </a:r>
             <a:r>
-              <a:rPr lang="pt-PT" dirty="0" smtClean="0"/>
+              <a:rPr lang="pt-PT" sz="2000" dirty="0" smtClean="0"/>
               <a:t>  </a:t>
             </a:r>
           </a:p>
           <a:p>
             <a:pPr lvl="1"/>
             <a:r>
-              <a:rPr lang="pt-PT" dirty="0" smtClean="0"/>
+              <a:rPr lang="pt-PT" sz="2000" dirty="0" smtClean="0"/>
               <a:t>Monitorização através do </a:t>
             </a:r>
             <a:r>
-              <a:rPr lang="pt-PT" dirty="0" err="1" smtClean="0"/>
+              <a:rPr lang="pt-PT" sz="2000" dirty="0" err="1" smtClean="0"/>
               <a:t>PCap</a:t>
             </a:r>
             <a:r>
-              <a:rPr lang="pt-PT" dirty="0" smtClean="0"/>
+              <a:rPr lang="pt-PT" sz="2000" dirty="0" smtClean="0"/>
               <a:t> + </a:t>
             </a:r>
             <a:r>
-              <a:rPr lang="pt-PT" dirty="0" err="1" smtClean="0"/>
+              <a:rPr lang="pt-PT" sz="2000" dirty="0" err="1" smtClean="0"/>
               <a:t>MRoP</a:t>
             </a:r>
-            <a:endParaRPr lang="pt-PT" dirty="0" smtClean="0"/>
+            <a:endParaRPr lang="pt-PT" sz="2000" dirty="0" smtClean="0"/>
           </a:p>
         </p:txBody>
       </p:sp>
